--- a/Interaktionskonzept.pptx
+++ b/Interaktionskonzept.pptx
@@ -5,21 +5,24 @@
     <p:sldMasterId id="2147483648" r:id="rId1"/>
   </p:sldMasterIdLst>
   <p:notesMasterIdLst>
-    <p:notesMasterId r:id="rId11"/>
+    <p:notesMasterId r:id="rId14"/>
   </p:notesMasterIdLst>
   <p:handoutMasterIdLst>
-    <p:handoutMasterId r:id="rId12"/>
+    <p:handoutMasterId r:id="rId15"/>
   </p:handoutMasterIdLst>
   <p:sldIdLst>
     <p:sldId id="256" r:id="rId2"/>
     <p:sldId id="265" r:id="rId3"/>
-    <p:sldId id="257" r:id="rId4"/>
-    <p:sldId id="264" r:id="rId5"/>
-    <p:sldId id="259" r:id="rId6"/>
-    <p:sldId id="258" r:id="rId7"/>
-    <p:sldId id="262" r:id="rId8"/>
-    <p:sldId id="263" r:id="rId9"/>
-    <p:sldId id="261" r:id="rId10"/>
+    <p:sldId id="271" r:id="rId4"/>
+    <p:sldId id="267" r:id="rId5"/>
+    <p:sldId id="257" r:id="rId6"/>
+    <p:sldId id="264" r:id="rId7"/>
+    <p:sldId id="266" r:id="rId8"/>
+    <p:sldId id="268" r:id="rId9"/>
+    <p:sldId id="269" r:id="rId10"/>
+    <p:sldId id="270" r:id="rId11"/>
+    <p:sldId id="259" r:id="rId12"/>
+    <p:sldId id="263" r:id="rId13"/>
   </p:sldIdLst>
   <p:sldSz cx="9144000" cy="6858000" type="screen4x3"/>
   <p:notesSz cx="6858000" cy="9144000"/>
@@ -755,7 +758,7 @@
           <a:p>
             <a:fld id="{5C0E6540-DBC8-1449-A578-CCAD6D2991BC}" type="slidenum">
               <a:rPr lang="de-DE" smtClean="0"/>
-              <a:t>8</a:t>
+              <a:t>12</a:t>
             </a:fld>
             <a:endParaRPr lang="de-DE"/>
           </a:p>
@@ -765,90 +768,6 @@
     <p:extLst>
       <p:ext uri="{BB962C8B-B14F-4D97-AF65-F5344CB8AC3E}">
         <p14:creationId xmlns:p14="http://schemas.microsoft.com/office/powerpoint/2010/main" val="125999037"/>
-      </p:ext>
-    </p:extLst>
-  </p:cSld>
-  <p:clrMapOvr>
-    <a:masterClrMapping/>
-  </p:clrMapOvr>
-</p:notes>
-</file>
-
-<file path=ppt/notesSlides/notesSlide2.xml><?xml version="1.0" encoding="utf-8"?>
-<p:notes xmlns:a="http://schemas.openxmlformats.org/drawingml/2006/main" xmlns:r="http://schemas.openxmlformats.org/officeDocument/2006/relationships" xmlns:p="http://schemas.openxmlformats.org/presentationml/2006/main">
-  <p:cSld>
-    <p:spTree>
-      <p:nvGrpSpPr>
-        <p:cNvPr id="1" name=""/>
-        <p:cNvGrpSpPr/>
-        <p:nvPr/>
-      </p:nvGrpSpPr>
-      <p:grpSpPr>
-        <a:xfrm>
-          <a:off x="0" y="0"/>
-          <a:ext cx="0" cy="0"/>
-          <a:chOff x="0" y="0"/>
-          <a:chExt cx="0" cy="0"/>
-        </a:xfrm>
-      </p:grpSpPr>
-      <p:sp>
-        <p:nvSpPr>
-          <p:cNvPr id="2" name="Slide Image Placeholder 1"/>
-          <p:cNvSpPr>
-            <a:spLocks noGrp="1" noRot="1" noChangeAspect="1"/>
-          </p:cNvSpPr>
-          <p:nvPr>
-            <p:ph type="sldImg"/>
-          </p:nvPr>
-        </p:nvSpPr>
-        <p:spPr/>
-      </p:sp>
-      <p:sp>
-        <p:nvSpPr>
-          <p:cNvPr id="3" name="Notes Placeholder 2"/>
-          <p:cNvSpPr>
-            <a:spLocks noGrp="1"/>
-          </p:cNvSpPr>
-          <p:nvPr>
-            <p:ph type="body" idx="1"/>
-          </p:nvPr>
-        </p:nvSpPr>
-        <p:spPr/>
-        <p:txBody>
-          <a:bodyPr/>
-          <a:lstStyle/>
-          <a:p>
-            <a:endParaRPr lang="en-US" dirty="0"/>
-          </a:p>
-        </p:txBody>
-      </p:sp>
-      <p:sp>
-        <p:nvSpPr>
-          <p:cNvPr id="4" name="Slide Number Placeholder 3"/>
-          <p:cNvSpPr>
-            <a:spLocks noGrp="1"/>
-          </p:cNvSpPr>
-          <p:nvPr>
-            <p:ph type="sldNum" sz="quarter" idx="10"/>
-          </p:nvPr>
-        </p:nvSpPr>
-        <p:spPr/>
-        <p:txBody>
-          <a:bodyPr/>
-          <a:lstStyle/>
-          <a:p>
-            <a:fld id="{5C0E6540-DBC8-1449-A578-CCAD6D2991BC}" type="slidenum">
-              <a:rPr lang="de-DE" smtClean="0"/>
-              <a:t>9</a:t>
-            </a:fld>
-            <a:endParaRPr lang="de-DE"/>
-          </a:p>
-        </p:txBody>
-      </p:sp>
-    </p:spTree>
-    <p:extLst>
-      <p:ext uri="{BB962C8B-B14F-4D97-AF65-F5344CB8AC3E}">
-        <p14:creationId xmlns:p14="http://schemas.microsoft.com/office/powerpoint/2010/main" val="1381326082"/>
       </p:ext>
     </p:extLst>
   </p:cSld>
@@ -3806,23 +3725,7 @@
           <a:p>
             <a:r>
               <a:rPr lang="de-DE" sz="2400" dirty="0" smtClean="0"/>
-              <a:t>Ein </a:t>
-            </a:r>
-            <a:r>
-              <a:rPr lang="de-DE" sz="2400" dirty="0"/>
-              <a:t>P</a:t>
-            </a:r>
-            <a:r>
-              <a:rPr lang="de-DE" sz="2400" dirty="0" smtClean="0"/>
-              <a:t>ersonenverfolgungssystem mit dem Schwerpunkt der „</a:t>
-            </a:r>
-            <a:r>
-              <a:rPr lang="de-DE" sz="2400" dirty="0" err="1" smtClean="0"/>
-              <a:t>Indoor</a:t>
-            </a:r>
-            <a:r>
-              <a:rPr lang="de-DE" sz="2400" dirty="0" smtClean="0"/>
-              <a:t>-Lokalisierung“</a:t>
+              <a:t>Plattformbasierte Entwicklung einer Ansteuerung zur Evaluierung unterschiedlicher Interaktionskonzepte</a:t>
             </a:r>
             <a:endParaRPr lang="de-DE" sz="2400" dirty="0"/>
           </a:p>
@@ -3879,6 +3782,757 @@
     <p:extLst>
       <p:ext uri="{BB962C8B-B14F-4D97-AF65-F5344CB8AC3E}">
         <p14:creationId xmlns:p14="http://schemas.microsoft.com/office/powerpoint/2010/main" val="694128089"/>
+      </p:ext>
+    </p:extLst>
+  </p:cSld>
+  <p:clrMapOvr>
+    <a:masterClrMapping/>
+  </p:clrMapOvr>
+</p:sld>
+</file>
+
+<file path=ppt/slides/slide10.xml><?xml version="1.0" encoding="utf-8"?>
+<p:sld xmlns:a="http://schemas.openxmlformats.org/drawingml/2006/main" xmlns:r="http://schemas.openxmlformats.org/officeDocument/2006/relationships" xmlns:p="http://schemas.openxmlformats.org/presentationml/2006/main">
+  <p:cSld>
+    <p:spTree>
+      <p:nvGrpSpPr>
+        <p:cNvPr id="1" name=""/>
+        <p:cNvGrpSpPr/>
+        <p:nvPr/>
+      </p:nvGrpSpPr>
+      <p:grpSpPr>
+        <a:xfrm>
+          <a:off x="0" y="0"/>
+          <a:ext cx="0" cy="0"/>
+          <a:chOff x="0" y="0"/>
+          <a:chExt cx="0" cy="0"/>
+        </a:xfrm>
+      </p:grpSpPr>
+      <p:sp>
+        <p:nvSpPr>
+          <p:cNvPr id="3" name="Inhaltsplatzhalter 2"/>
+          <p:cNvSpPr>
+            <a:spLocks noGrp="1"/>
+          </p:cNvSpPr>
+          <p:nvPr>
+            <p:ph idx="1"/>
+          </p:nvPr>
+        </p:nvSpPr>
+        <p:spPr/>
+        <p:txBody>
+          <a:bodyPr/>
+          <a:lstStyle/>
+          <a:p>
+            <a:r>
+              <a:rPr lang="de-DE" dirty="0" err="1" smtClean="0"/>
+              <a:t>Use</a:t>
+            </a:r>
+            <a:r>
+              <a:rPr lang="de-DE" dirty="0" smtClean="0"/>
+              <a:t> Case --&gt;</a:t>
+            </a:r>
+          </a:p>
+          <a:p>
+            <a:r>
+              <a:rPr lang="de-DE" dirty="0" smtClean="0"/>
+              <a:t>Funktionale / Nicht funktionale Anforderungen (Was ist Rollstuhlfahrern wichtig)</a:t>
+            </a:r>
+          </a:p>
+          <a:p>
+            <a:r>
+              <a:rPr lang="de-DE" dirty="0" smtClean="0"/>
+              <a:t>Model View Control Architektur</a:t>
+            </a:r>
+          </a:p>
+          <a:p>
+            <a:endParaRPr lang="de-DE" dirty="0" smtClean="0"/>
+          </a:p>
+        </p:txBody>
+      </p:sp>
+      <p:sp>
+        <p:nvSpPr>
+          <p:cNvPr id="4" name="Datumsplatzhalter 3"/>
+          <p:cNvSpPr>
+            <a:spLocks noGrp="1"/>
+          </p:cNvSpPr>
+          <p:nvPr>
+            <p:ph type="dt" sz="half" idx="2"/>
+          </p:nvPr>
+        </p:nvSpPr>
+        <p:spPr/>
+        <p:txBody>
+          <a:bodyPr/>
+          <a:lstStyle/>
+          <a:p>
+            <a:fld id="{C916D949-773C-3845-BFBA-C7D9987445EE}" type="datetime1">
+              <a:rPr lang="de-DE" smtClean="0"/>
+              <a:t>28.06.18</a:t>
+            </a:fld>
+            <a:endParaRPr lang="de-DE" dirty="0"/>
+          </a:p>
+        </p:txBody>
+      </p:sp>
+      <p:sp>
+        <p:nvSpPr>
+          <p:cNvPr id="5" name="Foliennummernplatzhalter 4"/>
+          <p:cNvSpPr>
+            <a:spLocks noGrp="1"/>
+          </p:cNvSpPr>
+          <p:nvPr>
+            <p:ph type="sldNum" sz="quarter" idx="4"/>
+          </p:nvPr>
+        </p:nvSpPr>
+        <p:spPr/>
+        <p:txBody>
+          <a:bodyPr/>
+          <a:lstStyle/>
+          <a:p>
+            <a:fld id="{E7BE1CCD-89A0-CC45-BF3E-2A331A7F0490}" type="slidenum">
+              <a:rPr lang="de-DE" smtClean="0"/>
+              <a:pPr/>
+              <a:t>10</a:t>
+            </a:fld>
+            <a:endParaRPr lang="de-DE" dirty="0"/>
+          </a:p>
+        </p:txBody>
+      </p:sp>
+      <p:sp>
+        <p:nvSpPr>
+          <p:cNvPr id="6" name="TextBox 5"/>
+          <p:cNvSpPr txBox="1"/>
+          <p:nvPr/>
+        </p:nvSpPr>
+        <p:spPr>
+          <a:xfrm>
+            <a:off x="2042013" y="6437376"/>
+            <a:ext cx="4732386" cy="253916"/>
+          </a:xfrm>
+          <a:prstGeom prst="rect">
+            <a:avLst/>
+          </a:prstGeom>
+          <a:noFill/>
+        </p:spPr>
+        <p:txBody>
+          <a:bodyPr wrap="none" rtlCol="0">
+            <a:spAutoFit/>
+          </a:bodyPr>
+          <a:lstStyle/>
+          <a:p>
+            <a:pPr algn="ctr"/>
+            <a:r>
+              <a:rPr lang="en-US" sz="1050" dirty="0" smtClean="0"/>
+              <a:t>HSHL – ITD 6. Semester </a:t>
+            </a:r>
+            <a:r>
+              <a:rPr lang="mr-IN" sz="1050" dirty="0" smtClean="0"/>
+              <a:t>–</a:t>
+            </a:r>
+            <a:r>
+              <a:rPr lang="en-US" sz="1050" dirty="0" smtClean="0"/>
+              <a:t> Christopher Beck, Daniel </a:t>
+            </a:r>
+            <a:r>
+              <a:rPr lang="en-US" sz="1050" dirty="0" err="1" smtClean="0"/>
+              <a:t>Münstermann</a:t>
+            </a:r>
+            <a:r>
+              <a:rPr lang="en-US" sz="1050" dirty="0" smtClean="0"/>
+              <a:t>, Alexander Wilms</a:t>
+            </a:r>
+            <a:endParaRPr lang="en-US" sz="1050" dirty="0"/>
+          </a:p>
+        </p:txBody>
+      </p:sp>
+      <p:sp>
+        <p:nvSpPr>
+          <p:cNvPr id="7" name="Titel 1"/>
+          <p:cNvSpPr txBox="1">
+            <a:spLocks/>
+          </p:cNvSpPr>
+          <p:nvPr/>
+        </p:nvSpPr>
+        <p:spPr>
+          <a:xfrm>
+            <a:off x="648001" y="768252"/>
+            <a:ext cx="7520410" cy="941715"/>
+          </a:xfrm>
+          <a:prstGeom prst="rect">
+            <a:avLst/>
+          </a:prstGeom>
+        </p:spPr>
+        <p:txBody>
+          <a:bodyPr vert="horz" lIns="91440" tIns="45720" rIns="91440" bIns="45720" rtlCol="0" anchor="ctr">
+            <a:normAutofit/>
+          </a:bodyPr>
+          <a:lstStyle>
+            <a:lvl1pPr algn="l" defTabSz="457200" rtl="0" eaLnBrk="1" latinLnBrk="0" hangingPunct="1">
+              <a:spcBef>
+                <a:spcPct val="0"/>
+              </a:spcBef>
+              <a:buNone/>
+              <a:defRPr sz="4000" b="1" i="0" kern="1200">
+                <a:solidFill>
+                  <a:schemeClr val="tx1"/>
+                </a:solidFill>
+                <a:latin typeface="Source Sans Pro"/>
+                <a:ea typeface="+mj-ea"/>
+                <a:cs typeface="Source Sans Pro"/>
+              </a:defRPr>
+            </a:lvl1pPr>
+          </a:lstStyle>
+          <a:p>
+            <a:r>
+              <a:rPr lang="de-DE" sz="2400" dirty="0" smtClean="0"/>
+              <a:t>Systemanforderungen</a:t>
+            </a:r>
+            <a:endParaRPr lang="de-DE" sz="2400" dirty="0"/>
+          </a:p>
+        </p:txBody>
+      </p:sp>
+    </p:spTree>
+    <p:extLst>
+      <p:ext uri="{BB962C8B-B14F-4D97-AF65-F5344CB8AC3E}">
+        <p14:creationId xmlns:p14="http://schemas.microsoft.com/office/powerpoint/2010/main" val="1530361700"/>
+      </p:ext>
+    </p:extLst>
+  </p:cSld>
+  <p:clrMapOvr>
+    <a:masterClrMapping/>
+  </p:clrMapOvr>
+</p:sld>
+</file>
+
+<file path=ppt/slides/slide11.xml><?xml version="1.0" encoding="utf-8"?>
+<p:sld xmlns:a="http://schemas.openxmlformats.org/drawingml/2006/main" xmlns:r="http://schemas.openxmlformats.org/officeDocument/2006/relationships" xmlns:p="http://schemas.openxmlformats.org/presentationml/2006/main">
+  <p:cSld>
+    <p:spTree>
+      <p:nvGrpSpPr>
+        <p:cNvPr id="1" name=""/>
+        <p:cNvGrpSpPr/>
+        <p:nvPr/>
+      </p:nvGrpSpPr>
+      <p:grpSpPr>
+        <a:xfrm>
+          <a:off x="0" y="0"/>
+          <a:ext cx="0" cy="0"/>
+          <a:chOff x="0" y="0"/>
+          <a:chExt cx="0" cy="0"/>
+        </a:xfrm>
+      </p:grpSpPr>
+      <p:pic>
+        <p:nvPicPr>
+          <p:cNvPr id="2" name="Content Placeholder 1"/>
+          <p:cNvPicPr>
+            <a:picLocks noGrp="1" noChangeAspect="1"/>
+          </p:cNvPicPr>
+          <p:nvPr>
+            <p:ph idx="1"/>
+          </p:nvPr>
+        </p:nvPicPr>
+        <p:blipFill>
+          <a:blip r:embed="rId2">
+            <a:extLst>
+              <a:ext uri="{28A0092B-C50C-407E-A947-70E740481C1C}">
+                <a14:useLocalDpi xmlns:a14="http://schemas.microsoft.com/office/drawing/2010/main" val="0"/>
+              </a:ext>
+            </a:extLst>
+          </a:blip>
+          <a:stretch>
+            <a:fillRect/>
+          </a:stretch>
+        </p:blipFill>
+        <p:spPr>
+          <a:xfrm>
+            <a:off x="1262562" y="2020888"/>
+            <a:ext cx="6445839" cy="4105275"/>
+          </a:xfrm>
+        </p:spPr>
+      </p:pic>
+      <p:sp>
+        <p:nvSpPr>
+          <p:cNvPr id="4" name="Datumsplatzhalter 3"/>
+          <p:cNvSpPr>
+            <a:spLocks noGrp="1"/>
+          </p:cNvSpPr>
+          <p:nvPr>
+            <p:ph type="dt" sz="half" idx="2"/>
+          </p:nvPr>
+        </p:nvSpPr>
+        <p:spPr/>
+        <p:txBody>
+          <a:bodyPr/>
+          <a:lstStyle/>
+          <a:p>
+            <a:fld id="{C916D949-773C-3845-BFBA-C7D9987445EE}" type="datetime1">
+              <a:rPr lang="de-DE" smtClean="0"/>
+              <a:t>28.06.18</a:t>
+            </a:fld>
+            <a:endParaRPr lang="de-DE" dirty="0"/>
+          </a:p>
+        </p:txBody>
+      </p:sp>
+      <p:sp>
+        <p:nvSpPr>
+          <p:cNvPr id="5" name="Foliennummernplatzhalter 4"/>
+          <p:cNvSpPr>
+            <a:spLocks noGrp="1"/>
+          </p:cNvSpPr>
+          <p:nvPr>
+            <p:ph type="sldNum" sz="quarter" idx="4"/>
+          </p:nvPr>
+        </p:nvSpPr>
+        <p:spPr/>
+        <p:txBody>
+          <a:bodyPr/>
+          <a:lstStyle/>
+          <a:p>
+            <a:fld id="{E7BE1CCD-89A0-CC45-BF3E-2A331A7F0490}" type="slidenum">
+              <a:rPr lang="de-DE" smtClean="0"/>
+              <a:pPr/>
+              <a:t>11</a:t>
+            </a:fld>
+            <a:endParaRPr lang="de-DE" dirty="0"/>
+          </a:p>
+        </p:txBody>
+      </p:sp>
+      <p:sp>
+        <p:nvSpPr>
+          <p:cNvPr id="6" name="TextBox 5"/>
+          <p:cNvSpPr txBox="1"/>
+          <p:nvPr/>
+        </p:nvSpPr>
+        <p:spPr>
+          <a:xfrm>
+            <a:off x="2042013" y="6437376"/>
+            <a:ext cx="4732386" cy="253916"/>
+          </a:xfrm>
+          <a:prstGeom prst="rect">
+            <a:avLst/>
+          </a:prstGeom>
+          <a:noFill/>
+        </p:spPr>
+        <p:txBody>
+          <a:bodyPr wrap="none" rtlCol="0">
+            <a:spAutoFit/>
+          </a:bodyPr>
+          <a:lstStyle/>
+          <a:p>
+            <a:pPr algn="ctr"/>
+            <a:r>
+              <a:rPr lang="en-US" sz="1050" dirty="0" smtClean="0"/>
+              <a:t>HSHL – ITD 6. Semester </a:t>
+            </a:r>
+            <a:r>
+              <a:rPr lang="mr-IN" sz="1050" dirty="0" smtClean="0"/>
+              <a:t>–</a:t>
+            </a:r>
+            <a:r>
+              <a:rPr lang="en-US" sz="1050" dirty="0" smtClean="0"/>
+              <a:t> Christopher Beck, Daniel </a:t>
+            </a:r>
+            <a:r>
+              <a:rPr lang="en-US" sz="1050" dirty="0" err="1" smtClean="0"/>
+              <a:t>Münstermann</a:t>
+            </a:r>
+            <a:r>
+              <a:rPr lang="en-US" sz="1050" dirty="0" smtClean="0"/>
+              <a:t>, Alexander Wilms</a:t>
+            </a:r>
+            <a:endParaRPr lang="en-US" sz="1050" dirty="0"/>
+          </a:p>
+        </p:txBody>
+      </p:sp>
+      <p:sp>
+        <p:nvSpPr>
+          <p:cNvPr id="7" name="Titel 1"/>
+          <p:cNvSpPr txBox="1">
+            <a:spLocks/>
+          </p:cNvSpPr>
+          <p:nvPr/>
+        </p:nvSpPr>
+        <p:spPr>
+          <a:xfrm>
+            <a:off x="648001" y="768252"/>
+            <a:ext cx="7520410" cy="941715"/>
+          </a:xfrm>
+          <a:prstGeom prst="rect">
+            <a:avLst/>
+          </a:prstGeom>
+        </p:spPr>
+        <p:txBody>
+          <a:bodyPr vert="horz" lIns="91440" tIns="45720" rIns="91440" bIns="45720" rtlCol="0" anchor="ctr">
+            <a:normAutofit/>
+          </a:bodyPr>
+          <a:lstStyle>
+            <a:lvl1pPr algn="l" defTabSz="457200" rtl="0" eaLnBrk="1" latinLnBrk="0" hangingPunct="1">
+              <a:spcBef>
+                <a:spcPct val="0"/>
+              </a:spcBef>
+              <a:buNone/>
+              <a:defRPr sz="4000" b="1" i="0" kern="1200">
+                <a:solidFill>
+                  <a:schemeClr val="tx1"/>
+                </a:solidFill>
+                <a:latin typeface="Source Sans Pro"/>
+                <a:ea typeface="+mj-ea"/>
+                <a:cs typeface="Source Sans Pro"/>
+              </a:defRPr>
+            </a:lvl1pPr>
+          </a:lstStyle>
+          <a:p>
+            <a:r>
+              <a:rPr lang="de-DE" sz="2400" dirty="0" smtClean="0"/>
+              <a:t>MATLAB GUI</a:t>
+            </a:r>
+            <a:endParaRPr lang="de-DE" sz="2400" dirty="0"/>
+          </a:p>
+        </p:txBody>
+      </p:sp>
+    </p:spTree>
+    <p:extLst>
+      <p:ext uri="{BB962C8B-B14F-4D97-AF65-F5344CB8AC3E}">
+        <p14:creationId xmlns:p14="http://schemas.microsoft.com/office/powerpoint/2010/main" val="1277993466"/>
+      </p:ext>
+    </p:extLst>
+  </p:cSld>
+  <p:clrMapOvr>
+    <a:masterClrMapping/>
+  </p:clrMapOvr>
+</p:sld>
+</file>
+
+<file path=ppt/slides/slide12.xml><?xml version="1.0" encoding="utf-8"?>
+<p:sld xmlns:a="http://schemas.openxmlformats.org/drawingml/2006/main" xmlns:r="http://schemas.openxmlformats.org/officeDocument/2006/relationships" xmlns:p="http://schemas.openxmlformats.org/presentationml/2006/main">
+  <p:cSld>
+    <p:spTree>
+      <p:nvGrpSpPr>
+        <p:cNvPr id="1" name=""/>
+        <p:cNvGrpSpPr/>
+        <p:nvPr/>
+      </p:nvGrpSpPr>
+      <p:grpSpPr>
+        <a:xfrm>
+          <a:off x="0" y="0"/>
+          <a:ext cx="0" cy="0"/>
+          <a:chOff x="0" y="0"/>
+          <a:chExt cx="0" cy="0"/>
+        </a:xfrm>
+      </p:grpSpPr>
+      <p:sp>
+        <p:nvSpPr>
+          <p:cNvPr id="3" name="Inhaltsplatzhalter 2"/>
+          <p:cNvSpPr>
+            <a:spLocks noGrp="1"/>
+          </p:cNvSpPr>
+          <p:nvPr>
+            <p:ph idx="1"/>
+          </p:nvPr>
+        </p:nvSpPr>
+        <p:spPr>
+          <a:xfrm>
+            <a:off x="648000" y="1993460"/>
+            <a:ext cx="7675432" cy="4104983"/>
+          </a:xfrm>
+        </p:spPr>
+        <p:txBody>
+          <a:bodyPr>
+            <a:normAutofit/>
+          </a:bodyPr>
+          <a:lstStyle/>
+          <a:p>
+            <a:pPr marL="0" indent="0" defTabSz="914400">
+              <a:spcBef>
+                <a:spcPts val="0"/>
+              </a:spcBef>
+              <a:buNone/>
+            </a:pPr>
+            <a:r>
+              <a:rPr lang="de-DE" sz="2400" dirty="0" smtClean="0"/>
+              <a:t>Lautsprecher und Mikrofone</a:t>
+            </a:r>
+          </a:p>
+          <a:p>
+            <a:pPr marL="0" indent="0" defTabSz="914400">
+              <a:spcBef>
+                <a:spcPts val="0"/>
+              </a:spcBef>
+              <a:buNone/>
+            </a:pPr>
+            <a:r>
+              <a:rPr lang="de-DE" sz="2400" dirty="0"/>
+              <a:t>e</a:t>
+            </a:r>
+            <a:r>
+              <a:rPr lang="de-DE" sz="2400" dirty="0" smtClean="0"/>
+              <a:t>rzeugen im Gehäuse</a:t>
+            </a:r>
+            <a:br>
+              <a:rPr lang="de-DE" sz="2400" dirty="0" smtClean="0"/>
+            </a:br>
+            <a:r>
+              <a:rPr lang="de-DE" sz="2400" dirty="0" smtClean="0"/>
+              <a:t>Interferenzen.</a:t>
+            </a:r>
+          </a:p>
+          <a:p>
+            <a:pPr marL="0" indent="0" defTabSz="914400">
+              <a:spcBef>
+                <a:spcPts val="0"/>
+              </a:spcBef>
+              <a:buNone/>
+            </a:pPr>
+            <a:endParaRPr lang="de-DE" sz="2400" dirty="0"/>
+          </a:p>
+          <a:p>
+            <a:pPr marL="0" indent="0" defTabSz="914400">
+              <a:spcBef>
+                <a:spcPts val="0"/>
+              </a:spcBef>
+              <a:buNone/>
+            </a:pPr>
+            <a:r>
+              <a:rPr lang="de-DE" sz="2400" dirty="0" smtClean="0"/>
+              <a:t>Die genausten Ergebnisse bekommt man durch</a:t>
+            </a:r>
+          </a:p>
+          <a:p>
+            <a:pPr marL="0" indent="0" defTabSz="914400">
+              <a:spcBef>
+                <a:spcPts val="0"/>
+              </a:spcBef>
+              <a:buNone/>
+            </a:pPr>
+            <a:r>
+              <a:rPr lang="de-DE" sz="2400" dirty="0"/>
+              <a:t>e</a:t>
+            </a:r>
+            <a:r>
+              <a:rPr lang="de-DE" sz="2400" dirty="0" smtClean="0"/>
+              <a:t>inzelne Messungen der jeweiligen Sensoren.</a:t>
+            </a:r>
+          </a:p>
+          <a:p>
+            <a:pPr marL="0" indent="0" defTabSz="914400">
+              <a:spcBef>
+                <a:spcPts val="0"/>
+              </a:spcBef>
+              <a:buNone/>
+            </a:pPr>
+            <a:endParaRPr lang="de-DE" sz="2400" dirty="0"/>
+          </a:p>
+          <a:p>
+            <a:pPr marL="0" indent="0" defTabSz="914400">
+              <a:spcBef>
+                <a:spcPts val="0"/>
+              </a:spcBef>
+              <a:buNone/>
+            </a:pPr>
+            <a:r>
+              <a:rPr lang="de-DE" sz="2400" dirty="0" smtClean="0"/>
+              <a:t>Nachteil: 	12microseconds pro Sensor</a:t>
+            </a:r>
+          </a:p>
+          <a:p>
+            <a:pPr marL="0" indent="0" defTabSz="914400">
+              <a:spcBef>
+                <a:spcPts val="0"/>
+              </a:spcBef>
+              <a:buNone/>
+            </a:pPr>
+            <a:r>
+              <a:rPr lang="de-DE" sz="2400" dirty="0"/>
+              <a:t>	</a:t>
+            </a:r>
+            <a:r>
+              <a:rPr lang="de-DE" sz="2400" dirty="0" smtClean="0"/>
+              <a:t>	</a:t>
+            </a:r>
+          </a:p>
+          <a:p>
+            <a:pPr marL="0" indent="0" defTabSz="914400">
+              <a:spcBef>
+                <a:spcPts val="0"/>
+              </a:spcBef>
+              <a:buNone/>
+            </a:pPr>
+            <a:endParaRPr lang="de-DE" sz="2400" dirty="0" smtClean="0"/>
+          </a:p>
+        </p:txBody>
+      </p:sp>
+      <p:sp>
+        <p:nvSpPr>
+          <p:cNvPr id="4" name="Datumsplatzhalter 3"/>
+          <p:cNvSpPr>
+            <a:spLocks noGrp="1"/>
+          </p:cNvSpPr>
+          <p:nvPr>
+            <p:ph type="dt" sz="half" idx="2"/>
+          </p:nvPr>
+        </p:nvSpPr>
+        <p:spPr/>
+        <p:txBody>
+          <a:bodyPr/>
+          <a:lstStyle/>
+          <a:p>
+            <a:fld id="{C916D949-773C-3845-BFBA-C7D9987445EE}" type="datetime1">
+              <a:rPr lang="de-DE" smtClean="0"/>
+              <a:t>28.06.18</a:t>
+            </a:fld>
+            <a:endParaRPr lang="de-DE" dirty="0"/>
+          </a:p>
+        </p:txBody>
+      </p:sp>
+      <p:sp>
+        <p:nvSpPr>
+          <p:cNvPr id="5" name="Foliennummernplatzhalter 4"/>
+          <p:cNvSpPr>
+            <a:spLocks noGrp="1"/>
+          </p:cNvSpPr>
+          <p:nvPr>
+            <p:ph type="sldNum" sz="quarter" idx="4"/>
+          </p:nvPr>
+        </p:nvSpPr>
+        <p:spPr/>
+        <p:txBody>
+          <a:bodyPr/>
+          <a:lstStyle/>
+          <a:p>
+            <a:fld id="{E7BE1CCD-89A0-CC45-BF3E-2A331A7F0490}" type="slidenum">
+              <a:rPr lang="de-DE" smtClean="0"/>
+              <a:pPr/>
+              <a:t>12</a:t>
+            </a:fld>
+            <a:endParaRPr lang="de-DE" dirty="0"/>
+          </a:p>
+        </p:txBody>
+      </p:sp>
+      <p:sp>
+        <p:nvSpPr>
+          <p:cNvPr id="6" name="TextBox 5"/>
+          <p:cNvSpPr txBox="1"/>
+          <p:nvPr/>
+        </p:nvSpPr>
+        <p:spPr>
+          <a:xfrm>
+            <a:off x="2042013" y="6437376"/>
+            <a:ext cx="4732386" cy="253916"/>
+          </a:xfrm>
+          <a:prstGeom prst="rect">
+            <a:avLst/>
+          </a:prstGeom>
+          <a:noFill/>
+        </p:spPr>
+        <p:txBody>
+          <a:bodyPr wrap="none" rtlCol="0">
+            <a:spAutoFit/>
+          </a:bodyPr>
+          <a:lstStyle/>
+          <a:p>
+            <a:pPr algn="ctr"/>
+            <a:r>
+              <a:rPr lang="en-US" sz="1050" dirty="0" smtClean="0"/>
+              <a:t>HSHL – ITD 6. Semester </a:t>
+            </a:r>
+            <a:r>
+              <a:rPr lang="mr-IN" sz="1050" dirty="0" smtClean="0"/>
+              <a:t>–</a:t>
+            </a:r>
+            <a:r>
+              <a:rPr lang="en-US" sz="1050" dirty="0" smtClean="0"/>
+              <a:t> Christopher Beck, Daniel </a:t>
+            </a:r>
+            <a:r>
+              <a:rPr lang="en-US" sz="1050" dirty="0" err="1" smtClean="0"/>
+              <a:t>Münstermann</a:t>
+            </a:r>
+            <a:r>
+              <a:rPr lang="en-US" sz="1050" dirty="0" smtClean="0"/>
+              <a:t>, Alexander Wilms</a:t>
+            </a:r>
+            <a:endParaRPr lang="en-US" sz="1050" dirty="0"/>
+          </a:p>
+        </p:txBody>
+      </p:sp>
+      <p:sp>
+        <p:nvSpPr>
+          <p:cNvPr id="7" name="Titel 1"/>
+          <p:cNvSpPr txBox="1">
+            <a:spLocks/>
+          </p:cNvSpPr>
+          <p:nvPr/>
+        </p:nvSpPr>
+        <p:spPr>
+          <a:xfrm>
+            <a:off x="648001" y="768252"/>
+            <a:ext cx="7520410" cy="941715"/>
+          </a:xfrm>
+          <a:prstGeom prst="rect">
+            <a:avLst/>
+          </a:prstGeom>
+        </p:spPr>
+        <p:txBody>
+          <a:bodyPr vert="horz" lIns="91440" tIns="45720" rIns="91440" bIns="45720" rtlCol="0" anchor="ctr">
+            <a:normAutofit/>
+          </a:bodyPr>
+          <a:lstStyle>
+            <a:lvl1pPr algn="l" defTabSz="457200" rtl="0" eaLnBrk="1" latinLnBrk="0" hangingPunct="1">
+              <a:spcBef>
+                <a:spcPct val="0"/>
+              </a:spcBef>
+              <a:buNone/>
+              <a:defRPr sz="4000" b="1" i="0" kern="1200">
+                <a:solidFill>
+                  <a:schemeClr val="tx1"/>
+                </a:solidFill>
+                <a:latin typeface="Source Sans Pro"/>
+                <a:ea typeface="+mj-ea"/>
+                <a:cs typeface="Source Sans Pro"/>
+              </a:defRPr>
+            </a:lvl1pPr>
+          </a:lstStyle>
+          <a:p>
+            <a:r>
+              <a:rPr lang="de-DE" sz="2400" dirty="0" smtClean="0"/>
+              <a:t>HC-SR04 Array</a:t>
+            </a:r>
+            <a:endParaRPr lang="de-DE" sz="2400" dirty="0"/>
+          </a:p>
+        </p:txBody>
+      </p:sp>
+      <p:pic>
+        <p:nvPicPr>
+          <p:cNvPr id="8" name="Picture 7"/>
+          <p:cNvPicPr>
+            <a:picLocks noChangeAspect="1"/>
+          </p:cNvPicPr>
+          <p:nvPr/>
+        </p:nvPicPr>
+        <p:blipFill>
+          <a:blip r:embed="rId3">
+            <a:extLst>
+              <a:ext uri="{28A0092B-C50C-407E-A947-70E740481C1C}">
+                <a14:useLocalDpi xmlns:a14="http://schemas.microsoft.com/office/drawing/2010/main" val="0"/>
+              </a:ext>
+            </a:extLst>
+          </a:blip>
+          <a:stretch>
+            <a:fillRect/>
+          </a:stretch>
+        </p:blipFill>
+        <p:spPr>
+          <a:xfrm>
+            <a:off x="4495638" y="1080615"/>
+            <a:ext cx="3827794" cy="2272186"/>
+          </a:xfrm>
+          <a:prstGeom prst="rect">
+            <a:avLst/>
+          </a:prstGeom>
+        </p:spPr>
+      </p:pic>
+    </p:spTree>
+    <p:extLst>
+      <p:ext uri="{BB962C8B-B14F-4D97-AF65-F5344CB8AC3E}">
+        <p14:creationId xmlns:p14="http://schemas.microsoft.com/office/powerpoint/2010/main" val="1097352276"/>
       </p:ext>
     </p:extLst>
   </p:cSld>
@@ -3920,6 +4574,10 @@
           <a:bodyPr/>
           <a:lstStyle/>
           <a:p>
+            <a:r>
+              <a:rPr lang="de-DE" dirty="0" smtClean="0"/>
+              <a:t>Krankenkasse werfen einem Stöcke in die Speichen ;)</a:t>
+            </a:r>
             <a:endParaRPr lang="de-DE" dirty="0"/>
           </a:p>
         </p:txBody>
@@ -4058,15 +4716,7 @@
           <a:p>
             <a:r>
               <a:rPr lang="de-DE" sz="2400" dirty="0" smtClean="0"/>
-              <a:t>Anforderungen aus der Aufgabenstellung (</a:t>
-            </a:r>
-            <a:r>
-              <a:rPr lang="de-DE" sz="2400" dirty="0" err="1" smtClean="0"/>
-              <a:t>Use</a:t>
-            </a:r>
-            <a:r>
-              <a:rPr lang="de-DE" sz="2400" dirty="0" smtClean="0"/>
-              <a:t> Case)</a:t>
+              <a:t>Motivation</a:t>
             </a:r>
             <a:endParaRPr lang="de-DE" sz="2400" dirty="0"/>
           </a:p>
@@ -4104,6 +4754,56 @@
       </p:grpSpPr>
       <p:sp>
         <p:nvSpPr>
+          <p:cNvPr id="3" name="Inhaltsplatzhalter 2"/>
+          <p:cNvSpPr>
+            <a:spLocks noGrp="1"/>
+          </p:cNvSpPr>
+          <p:nvPr>
+            <p:ph idx="1"/>
+          </p:nvPr>
+        </p:nvSpPr>
+        <p:spPr/>
+        <p:txBody>
+          <a:bodyPr/>
+          <a:lstStyle/>
+          <a:p>
+            <a:r>
+              <a:rPr lang="de-DE" dirty="0" smtClean="0"/>
+              <a:t>Interaktionskonzept für einen Rollstuhl</a:t>
+            </a:r>
+          </a:p>
+          <a:p>
+            <a:endParaRPr lang="de-DE" dirty="0"/>
+          </a:p>
+          <a:p>
+            <a:r>
+              <a:rPr lang="de-DE" dirty="0" smtClean="0"/>
+              <a:t>Rahmenbedingungen zu Beginn:</a:t>
+            </a:r>
+          </a:p>
+          <a:p>
+            <a:pPr lvl="1"/>
+            <a:r>
+              <a:rPr lang="de-DE" dirty="0" smtClean="0"/>
+              <a:t>MEYRA x1 Rollstuhl</a:t>
+            </a:r>
+            <a:endParaRPr lang="de-DE" dirty="0" smtClean="0"/>
+          </a:p>
+          <a:p>
+            <a:pPr lvl="1"/>
+            <a:r>
+              <a:rPr lang="de-DE" i="1" dirty="0" err="1" smtClean="0"/>
+              <a:t>Efix</a:t>
+            </a:r>
+            <a:r>
+              <a:rPr lang="de-DE" i="1" dirty="0" smtClean="0"/>
+              <a:t> Räder</a:t>
+            </a:r>
+          </a:p>
+        </p:txBody>
+      </p:sp>
+      <p:sp>
+        <p:nvSpPr>
           <p:cNvPr id="4" name="Datumsplatzhalter 3"/>
           <p:cNvSpPr>
             <a:spLocks noGrp="1"/>
@@ -4144,6 +4844,419 @@
               <a:rPr lang="de-DE" smtClean="0"/>
               <a:pPr/>
               <a:t>3</a:t>
+            </a:fld>
+            <a:endParaRPr lang="de-DE" dirty="0"/>
+          </a:p>
+        </p:txBody>
+      </p:sp>
+      <p:sp>
+        <p:nvSpPr>
+          <p:cNvPr id="6" name="TextBox 5"/>
+          <p:cNvSpPr txBox="1"/>
+          <p:nvPr/>
+        </p:nvSpPr>
+        <p:spPr>
+          <a:xfrm>
+            <a:off x="2042013" y="6437376"/>
+            <a:ext cx="4732386" cy="253916"/>
+          </a:xfrm>
+          <a:prstGeom prst="rect">
+            <a:avLst/>
+          </a:prstGeom>
+          <a:noFill/>
+        </p:spPr>
+        <p:txBody>
+          <a:bodyPr wrap="none" rtlCol="0">
+            <a:spAutoFit/>
+          </a:bodyPr>
+          <a:lstStyle/>
+          <a:p>
+            <a:pPr algn="ctr"/>
+            <a:r>
+              <a:rPr lang="en-US" sz="1050" dirty="0" smtClean="0"/>
+              <a:t>HSHL – ITD 6. Semester </a:t>
+            </a:r>
+            <a:r>
+              <a:rPr lang="mr-IN" sz="1050" dirty="0" smtClean="0"/>
+              <a:t>–</a:t>
+            </a:r>
+            <a:r>
+              <a:rPr lang="en-US" sz="1050" dirty="0" smtClean="0"/>
+              <a:t> Christopher Beck, Daniel </a:t>
+            </a:r>
+            <a:r>
+              <a:rPr lang="en-US" sz="1050" dirty="0" err="1" smtClean="0"/>
+              <a:t>Münstermann</a:t>
+            </a:r>
+            <a:r>
+              <a:rPr lang="en-US" sz="1050" dirty="0" smtClean="0"/>
+              <a:t>, Alexander Wilms</a:t>
+            </a:r>
+            <a:endParaRPr lang="en-US" sz="1050" dirty="0"/>
+          </a:p>
+        </p:txBody>
+      </p:sp>
+      <p:sp>
+        <p:nvSpPr>
+          <p:cNvPr id="7" name="Titel 1"/>
+          <p:cNvSpPr txBox="1">
+            <a:spLocks/>
+          </p:cNvSpPr>
+          <p:nvPr/>
+        </p:nvSpPr>
+        <p:spPr>
+          <a:xfrm>
+            <a:off x="648001" y="768252"/>
+            <a:ext cx="7520410" cy="941715"/>
+          </a:xfrm>
+          <a:prstGeom prst="rect">
+            <a:avLst/>
+          </a:prstGeom>
+        </p:spPr>
+        <p:txBody>
+          <a:bodyPr vert="horz" lIns="91440" tIns="45720" rIns="91440" bIns="45720" rtlCol="0" anchor="ctr">
+            <a:normAutofit/>
+          </a:bodyPr>
+          <a:lstStyle>
+            <a:lvl1pPr algn="l" defTabSz="457200" rtl="0" eaLnBrk="1" latinLnBrk="0" hangingPunct="1">
+              <a:spcBef>
+                <a:spcPct val="0"/>
+              </a:spcBef>
+              <a:buNone/>
+              <a:defRPr sz="4000" b="1" i="0" kern="1200">
+                <a:solidFill>
+                  <a:schemeClr val="tx1"/>
+                </a:solidFill>
+                <a:latin typeface="Source Sans Pro"/>
+                <a:ea typeface="+mj-ea"/>
+                <a:cs typeface="Source Sans Pro"/>
+              </a:defRPr>
+            </a:lvl1pPr>
+          </a:lstStyle>
+          <a:p>
+            <a:r>
+              <a:rPr lang="de-DE" sz="2400" dirty="0" smtClean="0"/>
+              <a:t>Anforderungen aus der Aufgabenstellung (</a:t>
+            </a:r>
+            <a:r>
+              <a:rPr lang="de-DE" sz="2400" dirty="0" err="1" smtClean="0"/>
+              <a:t>Use</a:t>
+            </a:r>
+            <a:r>
+              <a:rPr lang="de-DE" sz="2400" dirty="0" smtClean="0"/>
+              <a:t> Case)</a:t>
+            </a:r>
+            <a:endParaRPr lang="de-DE" sz="2400" dirty="0"/>
+          </a:p>
+        </p:txBody>
+      </p:sp>
+    </p:spTree>
+    <p:extLst>
+      <p:ext uri="{BB962C8B-B14F-4D97-AF65-F5344CB8AC3E}">
+        <p14:creationId xmlns:p14="http://schemas.microsoft.com/office/powerpoint/2010/main" val="745789"/>
+      </p:ext>
+    </p:extLst>
+  </p:cSld>
+  <p:clrMapOvr>
+    <a:masterClrMapping/>
+  </p:clrMapOvr>
+</p:sld>
+</file>
+
+<file path=ppt/slides/slide4.xml><?xml version="1.0" encoding="utf-8"?>
+<p:sld xmlns:a="http://schemas.openxmlformats.org/drawingml/2006/main" xmlns:r="http://schemas.openxmlformats.org/officeDocument/2006/relationships" xmlns:p="http://schemas.openxmlformats.org/presentationml/2006/main">
+  <p:cSld>
+    <p:spTree>
+      <p:nvGrpSpPr>
+        <p:cNvPr id="1" name=""/>
+        <p:cNvGrpSpPr/>
+        <p:nvPr/>
+      </p:nvGrpSpPr>
+      <p:grpSpPr>
+        <a:xfrm>
+          <a:off x="0" y="0"/>
+          <a:ext cx="0" cy="0"/>
+          <a:chOff x="0" y="0"/>
+          <a:chExt cx="0" cy="0"/>
+        </a:xfrm>
+      </p:grpSpPr>
+      <p:sp>
+        <p:nvSpPr>
+          <p:cNvPr id="3" name="Inhaltsplatzhalter 2"/>
+          <p:cNvSpPr>
+            <a:spLocks noGrp="1"/>
+          </p:cNvSpPr>
+          <p:nvPr>
+            <p:ph idx="1"/>
+          </p:nvPr>
+        </p:nvSpPr>
+        <p:spPr/>
+        <p:txBody>
+          <a:bodyPr>
+            <a:normAutofit/>
+          </a:bodyPr>
+          <a:lstStyle/>
+          <a:p>
+            <a:r>
+              <a:rPr lang="de-DE" sz="2800" dirty="0" smtClean="0"/>
+              <a:t>Feststellfunktion bei geradeausfahrt</a:t>
+            </a:r>
+          </a:p>
+          <a:p>
+            <a:r>
+              <a:rPr lang="de-DE" sz="2800" dirty="0" smtClean="0"/>
+              <a:t>Was ist bei einem Telefonanruf?</a:t>
+            </a:r>
+          </a:p>
+          <a:p>
+            <a:r>
+              <a:rPr lang="de-DE" sz="2800" dirty="0" err="1" smtClean="0"/>
+              <a:t>Rekoperation</a:t>
+            </a:r>
+            <a:r>
+              <a:rPr lang="de-DE" sz="2800" dirty="0" smtClean="0"/>
+              <a:t> als Bremse </a:t>
+            </a:r>
+            <a:r>
+              <a:rPr lang="mr-IN" sz="2800" dirty="0" smtClean="0"/>
+              <a:t>–</a:t>
+            </a:r>
+            <a:r>
+              <a:rPr lang="de-DE" sz="2800" dirty="0" smtClean="0"/>
+              <a:t> Manuelle Bremse?</a:t>
+            </a:r>
+            <a:endParaRPr lang="de-DE" sz="2800" dirty="0"/>
+          </a:p>
+        </p:txBody>
+      </p:sp>
+      <p:sp>
+        <p:nvSpPr>
+          <p:cNvPr id="4" name="Datumsplatzhalter 3"/>
+          <p:cNvSpPr>
+            <a:spLocks noGrp="1"/>
+          </p:cNvSpPr>
+          <p:nvPr>
+            <p:ph type="dt" sz="half" idx="2"/>
+          </p:nvPr>
+        </p:nvSpPr>
+        <p:spPr/>
+        <p:txBody>
+          <a:bodyPr/>
+          <a:lstStyle/>
+          <a:p>
+            <a:fld id="{C916D949-773C-3845-BFBA-C7D9987445EE}" type="datetime1">
+              <a:rPr lang="de-DE" smtClean="0"/>
+              <a:t>28.06.18</a:t>
+            </a:fld>
+            <a:endParaRPr lang="de-DE" dirty="0"/>
+          </a:p>
+        </p:txBody>
+      </p:sp>
+      <p:sp>
+        <p:nvSpPr>
+          <p:cNvPr id="5" name="Foliennummernplatzhalter 4"/>
+          <p:cNvSpPr>
+            <a:spLocks noGrp="1"/>
+          </p:cNvSpPr>
+          <p:nvPr>
+            <p:ph type="sldNum" sz="quarter" idx="4"/>
+          </p:nvPr>
+        </p:nvSpPr>
+        <p:spPr/>
+        <p:txBody>
+          <a:bodyPr/>
+          <a:lstStyle/>
+          <a:p>
+            <a:fld id="{E7BE1CCD-89A0-CC45-BF3E-2A331A7F0490}" type="slidenum">
+              <a:rPr lang="de-DE" smtClean="0"/>
+              <a:pPr/>
+              <a:t>4</a:t>
+            </a:fld>
+            <a:endParaRPr lang="de-DE" dirty="0"/>
+          </a:p>
+        </p:txBody>
+      </p:sp>
+      <p:sp>
+        <p:nvSpPr>
+          <p:cNvPr id="6" name="TextBox 5"/>
+          <p:cNvSpPr txBox="1"/>
+          <p:nvPr/>
+        </p:nvSpPr>
+        <p:spPr>
+          <a:xfrm>
+            <a:off x="2042013" y="6437376"/>
+            <a:ext cx="4732386" cy="253916"/>
+          </a:xfrm>
+          <a:prstGeom prst="rect">
+            <a:avLst/>
+          </a:prstGeom>
+          <a:noFill/>
+        </p:spPr>
+        <p:txBody>
+          <a:bodyPr wrap="none" rtlCol="0">
+            <a:spAutoFit/>
+          </a:bodyPr>
+          <a:lstStyle/>
+          <a:p>
+            <a:pPr algn="ctr"/>
+            <a:r>
+              <a:rPr lang="en-US" sz="1050" dirty="0" smtClean="0"/>
+              <a:t>HSHL – ITD 6. Semester </a:t>
+            </a:r>
+            <a:r>
+              <a:rPr lang="mr-IN" sz="1050" dirty="0" smtClean="0"/>
+              <a:t>–</a:t>
+            </a:r>
+            <a:r>
+              <a:rPr lang="en-US" sz="1050" dirty="0" smtClean="0"/>
+              <a:t> Christopher Beck, Daniel </a:t>
+            </a:r>
+            <a:r>
+              <a:rPr lang="en-US" sz="1050" dirty="0" err="1" smtClean="0"/>
+              <a:t>Münstermann</a:t>
+            </a:r>
+            <a:r>
+              <a:rPr lang="en-US" sz="1050" dirty="0" smtClean="0"/>
+              <a:t>, Alexander Wilms</a:t>
+            </a:r>
+            <a:endParaRPr lang="en-US" sz="1050" dirty="0"/>
+          </a:p>
+        </p:txBody>
+      </p:sp>
+      <p:sp>
+        <p:nvSpPr>
+          <p:cNvPr id="7" name="Titel 1"/>
+          <p:cNvSpPr txBox="1">
+            <a:spLocks/>
+          </p:cNvSpPr>
+          <p:nvPr/>
+        </p:nvSpPr>
+        <p:spPr>
+          <a:xfrm>
+            <a:off x="648001" y="768252"/>
+            <a:ext cx="7520410" cy="941715"/>
+          </a:xfrm>
+          <a:prstGeom prst="rect">
+            <a:avLst/>
+          </a:prstGeom>
+        </p:spPr>
+        <p:txBody>
+          <a:bodyPr vert="horz" lIns="91440" tIns="45720" rIns="91440" bIns="45720" rtlCol="0" anchor="ctr">
+            <a:normAutofit/>
+          </a:bodyPr>
+          <a:lstStyle>
+            <a:lvl1pPr algn="l" defTabSz="457200" rtl="0" eaLnBrk="1" latinLnBrk="0" hangingPunct="1">
+              <a:spcBef>
+                <a:spcPct val="0"/>
+              </a:spcBef>
+              <a:buNone/>
+              <a:defRPr sz="4000" b="1" i="0" kern="1200">
+                <a:solidFill>
+                  <a:schemeClr val="tx1"/>
+                </a:solidFill>
+                <a:latin typeface="Source Sans Pro"/>
+                <a:ea typeface="+mj-ea"/>
+                <a:cs typeface="Source Sans Pro"/>
+              </a:defRPr>
+            </a:lvl1pPr>
+          </a:lstStyle>
+          <a:p>
+            <a:r>
+              <a:rPr lang="de-DE" sz="2400" dirty="0" smtClean="0"/>
+              <a:t>Anforderungen aus der Experteninterview </a:t>
+            </a:r>
+            <a:r>
+              <a:rPr lang="mr-IN" sz="2400" dirty="0" smtClean="0"/>
+              <a:t>–</a:t>
+            </a:r>
+            <a:r>
+              <a:rPr lang="de-DE" sz="2400" dirty="0" smtClean="0"/>
+              <a:t> </a:t>
+            </a:r>
+            <a:r>
+              <a:rPr lang="de-DE" sz="2400" dirty="0" err="1" smtClean="0"/>
+              <a:t>Worst</a:t>
+            </a:r>
+            <a:r>
+              <a:rPr lang="de-DE" sz="2400" dirty="0" smtClean="0"/>
+              <a:t> Case Modellierung</a:t>
+            </a:r>
+            <a:endParaRPr lang="de-DE" sz="2400" dirty="0"/>
+          </a:p>
+        </p:txBody>
+      </p:sp>
+    </p:spTree>
+    <p:extLst>
+      <p:ext uri="{BB962C8B-B14F-4D97-AF65-F5344CB8AC3E}">
+        <p14:creationId xmlns:p14="http://schemas.microsoft.com/office/powerpoint/2010/main" val="888225302"/>
+      </p:ext>
+    </p:extLst>
+  </p:cSld>
+  <p:clrMapOvr>
+    <a:masterClrMapping/>
+  </p:clrMapOvr>
+</p:sld>
+</file>
+
+<file path=ppt/slides/slide5.xml><?xml version="1.0" encoding="utf-8"?>
+<p:sld xmlns:a="http://schemas.openxmlformats.org/drawingml/2006/main" xmlns:r="http://schemas.openxmlformats.org/officeDocument/2006/relationships" xmlns:p="http://schemas.openxmlformats.org/presentationml/2006/main">
+  <p:cSld>
+    <p:spTree>
+      <p:nvGrpSpPr>
+        <p:cNvPr id="1" name=""/>
+        <p:cNvGrpSpPr/>
+        <p:nvPr/>
+      </p:nvGrpSpPr>
+      <p:grpSpPr>
+        <a:xfrm>
+          <a:off x="0" y="0"/>
+          <a:ext cx="0" cy="0"/>
+          <a:chOff x="0" y="0"/>
+          <a:chExt cx="0" cy="0"/>
+        </a:xfrm>
+      </p:grpSpPr>
+      <p:sp>
+        <p:nvSpPr>
+          <p:cNvPr id="4" name="Datumsplatzhalter 3"/>
+          <p:cNvSpPr>
+            <a:spLocks noGrp="1"/>
+          </p:cNvSpPr>
+          <p:nvPr>
+            <p:ph type="dt" sz="half" idx="2"/>
+          </p:nvPr>
+        </p:nvSpPr>
+        <p:spPr/>
+        <p:txBody>
+          <a:bodyPr/>
+          <a:lstStyle/>
+          <a:p>
+            <a:fld id="{C916D949-773C-3845-BFBA-C7D9987445EE}" type="datetime1">
+              <a:rPr lang="de-DE" smtClean="0"/>
+              <a:t>28.06.18</a:t>
+            </a:fld>
+            <a:endParaRPr lang="de-DE" dirty="0"/>
+          </a:p>
+        </p:txBody>
+      </p:sp>
+      <p:sp>
+        <p:nvSpPr>
+          <p:cNvPr id="5" name="Foliennummernplatzhalter 4"/>
+          <p:cNvSpPr>
+            <a:spLocks noGrp="1"/>
+          </p:cNvSpPr>
+          <p:nvPr>
+            <p:ph type="sldNum" sz="quarter" idx="4"/>
+          </p:nvPr>
+        </p:nvSpPr>
+        <p:spPr/>
+        <p:txBody>
+          <a:bodyPr/>
+          <a:lstStyle/>
+          <a:p>
+            <a:fld id="{E7BE1CCD-89A0-CC45-BF3E-2A331A7F0490}" type="slidenum">
+              <a:rPr lang="de-DE" smtClean="0"/>
+              <a:pPr/>
+              <a:t>5</a:t>
             </a:fld>
             <a:endParaRPr lang="de-DE" dirty="0"/>
           </a:p>
@@ -5240,7 +6353,7 @@
 </p:sld>
 </file>
 
-<file path=ppt/slides/slide4.xml><?xml version="1.0" encoding="utf-8"?>
+<file path=ppt/slides/slide6.xml><?xml version="1.0" encoding="utf-8"?>
 <p:sld xmlns:a="http://schemas.openxmlformats.org/drawingml/2006/main" xmlns:r="http://schemas.openxmlformats.org/officeDocument/2006/relationships" xmlns:p="http://schemas.openxmlformats.org/presentationml/2006/main">
   <p:cSld>
     <p:spTree>
@@ -5272,6 +6385,38 @@
           <a:bodyPr/>
           <a:lstStyle/>
           <a:p>
+            <a:r>
+              <a:rPr lang="de-DE" dirty="0" smtClean="0"/>
+              <a:t>Problematik Krankenkasse</a:t>
+            </a:r>
+          </a:p>
+          <a:p>
+            <a:r>
+              <a:rPr lang="de-DE" dirty="0" smtClean="0"/>
+              <a:t>Schwere Räder mit Narbenantrieb teilweise nicht selbst </a:t>
+            </a:r>
+            <a:r>
+              <a:rPr lang="de-DE" dirty="0" err="1" smtClean="0"/>
+              <a:t>montierbar</a:t>
+            </a:r>
+            <a:endParaRPr lang="de-DE" dirty="0" smtClean="0"/>
+          </a:p>
+          <a:p>
+            <a:r>
+              <a:rPr lang="de-DE" dirty="0" smtClean="0"/>
+              <a:t>Fährt einen Custom Rollstuhl (Skatepark)</a:t>
+            </a:r>
+          </a:p>
+          <a:p>
+            <a:endParaRPr lang="de-DE" dirty="0"/>
+          </a:p>
+          <a:p>
+            <a:r>
+              <a:rPr lang="de-DE" dirty="0" smtClean="0"/>
+              <a:t>Idee Handreifen als Steuerung!</a:t>
+            </a:r>
+          </a:p>
+          <a:p>
             <a:endParaRPr lang="de-DE" dirty="0"/>
           </a:p>
         </p:txBody>
@@ -5317,7 +6462,7 @@
             <a:fld id="{E7BE1CCD-89A0-CC45-BF3E-2A331A7F0490}" type="slidenum">
               <a:rPr lang="de-DE" smtClean="0"/>
               <a:pPr/>
-              <a:t>4</a:t>
+              <a:t>6</a:t>
             </a:fld>
             <a:endParaRPr lang="de-DE" dirty="0"/>
           </a:p>
@@ -5409,12 +6554,8 @@
           </a:lstStyle>
           <a:p>
             <a:r>
-              <a:rPr lang="de-DE" sz="2400" dirty="0" err="1" smtClean="0"/>
-              <a:t>Trilateration</a:t>
-            </a:r>
-            <a:r>
               <a:rPr lang="de-DE" sz="2400" dirty="0" smtClean="0"/>
-              <a:t> der UWB Signale</a:t>
+              <a:t>Philipp Experteninterview	</a:t>
             </a:r>
             <a:endParaRPr lang="de-DE" sz="2400" dirty="0"/>
           </a:p>
@@ -5424,420 +6565,6 @@
     <p:extLst>
       <p:ext uri="{BB962C8B-B14F-4D97-AF65-F5344CB8AC3E}">
         <p14:creationId xmlns:p14="http://schemas.microsoft.com/office/powerpoint/2010/main" val="488629205"/>
-      </p:ext>
-    </p:extLst>
-  </p:cSld>
-  <p:clrMapOvr>
-    <a:masterClrMapping/>
-  </p:clrMapOvr>
-</p:sld>
-</file>
-
-<file path=ppt/slides/slide5.xml><?xml version="1.0" encoding="utf-8"?>
-<p:sld xmlns:a="http://schemas.openxmlformats.org/drawingml/2006/main" xmlns:r="http://schemas.openxmlformats.org/officeDocument/2006/relationships" xmlns:p="http://schemas.openxmlformats.org/presentationml/2006/main">
-  <p:cSld>
-    <p:spTree>
-      <p:nvGrpSpPr>
-        <p:cNvPr id="1" name=""/>
-        <p:cNvGrpSpPr/>
-        <p:nvPr/>
-      </p:nvGrpSpPr>
-      <p:grpSpPr>
-        <a:xfrm>
-          <a:off x="0" y="0"/>
-          <a:ext cx="0" cy="0"/>
-          <a:chOff x="0" y="0"/>
-          <a:chExt cx="0" cy="0"/>
-        </a:xfrm>
-      </p:grpSpPr>
-      <p:pic>
-        <p:nvPicPr>
-          <p:cNvPr id="2" name="Content Placeholder 1"/>
-          <p:cNvPicPr>
-            <a:picLocks noGrp="1" noChangeAspect="1"/>
-          </p:cNvPicPr>
-          <p:nvPr>
-            <p:ph idx="1"/>
-          </p:nvPr>
-        </p:nvPicPr>
-        <p:blipFill>
-          <a:blip r:embed="rId2">
-            <a:extLst>
-              <a:ext uri="{28A0092B-C50C-407E-A947-70E740481C1C}">
-                <a14:useLocalDpi xmlns:a14="http://schemas.microsoft.com/office/drawing/2010/main" val="0"/>
-              </a:ext>
-            </a:extLst>
-          </a:blip>
-          <a:stretch>
-            <a:fillRect/>
-          </a:stretch>
-        </p:blipFill>
-        <p:spPr>
-          <a:xfrm>
-            <a:off x="1262562" y="2020888"/>
-            <a:ext cx="6445839" cy="4105275"/>
-          </a:xfrm>
-        </p:spPr>
-      </p:pic>
-      <p:sp>
-        <p:nvSpPr>
-          <p:cNvPr id="4" name="Datumsplatzhalter 3"/>
-          <p:cNvSpPr>
-            <a:spLocks noGrp="1"/>
-          </p:cNvSpPr>
-          <p:nvPr>
-            <p:ph type="dt" sz="half" idx="2"/>
-          </p:nvPr>
-        </p:nvSpPr>
-        <p:spPr/>
-        <p:txBody>
-          <a:bodyPr/>
-          <a:lstStyle/>
-          <a:p>
-            <a:fld id="{C916D949-773C-3845-BFBA-C7D9987445EE}" type="datetime1">
-              <a:rPr lang="de-DE" smtClean="0"/>
-              <a:t>28.06.18</a:t>
-            </a:fld>
-            <a:endParaRPr lang="de-DE" dirty="0"/>
-          </a:p>
-        </p:txBody>
-      </p:sp>
-      <p:sp>
-        <p:nvSpPr>
-          <p:cNvPr id="5" name="Foliennummernplatzhalter 4"/>
-          <p:cNvSpPr>
-            <a:spLocks noGrp="1"/>
-          </p:cNvSpPr>
-          <p:nvPr>
-            <p:ph type="sldNum" sz="quarter" idx="4"/>
-          </p:nvPr>
-        </p:nvSpPr>
-        <p:spPr/>
-        <p:txBody>
-          <a:bodyPr/>
-          <a:lstStyle/>
-          <a:p>
-            <a:fld id="{E7BE1CCD-89A0-CC45-BF3E-2A331A7F0490}" type="slidenum">
-              <a:rPr lang="de-DE" smtClean="0"/>
-              <a:pPr/>
-              <a:t>5</a:t>
-            </a:fld>
-            <a:endParaRPr lang="de-DE" dirty="0"/>
-          </a:p>
-        </p:txBody>
-      </p:sp>
-      <p:sp>
-        <p:nvSpPr>
-          <p:cNvPr id="6" name="TextBox 5"/>
-          <p:cNvSpPr txBox="1"/>
-          <p:nvPr/>
-        </p:nvSpPr>
-        <p:spPr>
-          <a:xfrm>
-            <a:off x="2042013" y="6437376"/>
-            <a:ext cx="4732386" cy="253916"/>
-          </a:xfrm>
-          <a:prstGeom prst="rect">
-            <a:avLst/>
-          </a:prstGeom>
-          <a:noFill/>
-        </p:spPr>
-        <p:txBody>
-          <a:bodyPr wrap="none" rtlCol="0">
-            <a:spAutoFit/>
-          </a:bodyPr>
-          <a:lstStyle/>
-          <a:p>
-            <a:pPr algn="ctr"/>
-            <a:r>
-              <a:rPr lang="en-US" sz="1050" dirty="0" smtClean="0"/>
-              <a:t>HSHL – ITD 6. Semester </a:t>
-            </a:r>
-            <a:r>
-              <a:rPr lang="mr-IN" sz="1050" dirty="0" smtClean="0"/>
-              <a:t>–</a:t>
-            </a:r>
-            <a:r>
-              <a:rPr lang="en-US" sz="1050" dirty="0" smtClean="0"/>
-              <a:t> Christopher Beck, Daniel </a:t>
-            </a:r>
-            <a:r>
-              <a:rPr lang="en-US" sz="1050" dirty="0" err="1" smtClean="0"/>
-              <a:t>Münstermann</a:t>
-            </a:r>
-            <a:r>
-              <a:rPr lang="en-US" sz="1050" dirty="0" smtClean="0"/>
-              <a:t>, Alexander Wilms</a:t>
-            </a:r>
-            <a:endParaRPr lang="en-US" sz="1050" dirty="0"/>
-          </a:p>
-        </p:txBody>
-      </p:sp>
-      <p:sp>
-        <p:nvSpPr>
-          <p:cNvPr id="7" name="Titel 1"/>
-          <p:cNvSpPr txBox="1">
-            <a:spLocks/>
-          </p:cNvSpPr>
-          <p:nvPr/>
-        </p:nvSpPr>
-        <p:spPr>
-          <a:xfrm>
-            <a:off x="648001" y="768252"/>
-            <a:ext cx="7520410" cy="941715"/>
-          </a:xfrm>
-          <a:prstGeom prst="rect">
-            <a:avLst/>
-          </a:prstGeom>
-        </p:spPr>
-        <p:txBody>
-          <a:bodyPr vert="horz" lIns="91440" tIns="45720" rIns="91440" bIns="45720" rtlCol="0" anchor="ctr">
-            <a:normAutofit/>
-          </a:bodyPr>
-          <a:lstStyle>
-            <a:lvl1pPr algn="l" defTabSz="457200" rtl="0" eaLnBrk="1" latinLnBrk="0" hangingPunct="1">
-              <a:spcBef>
-                <a:spcPct val="0"/>
-              </a:spcBef>
-              <a:buNone/>
-              <a:defRPr sz="4000" b="1" i="0" kern="1200">
-                <a:solidFill>
-                  <a:schemeClr val="tx1"/>
-                </a:solidFill>
-                <a:latin typeface="Source Sans Pro"/>
-                <a:ea typeface="+mj-ea"/>
-                <a:cs typeface="Source Sans Pro"/>
-              </a:defRPr>
-            </a:lvl1pPr>
-          </a:lstStyle>
-          <a:p>
-            <a:r>
-              <a:rPr lang="de-DE" sz="2400" dirty="0" smtClean="0"/>
-              <a:t>MATLAB GUI</a:t>
-            </a:r>
-            <a:endParaRPr lang="de-DE" sz="2400" dirty="0"/>
-          </a:p>
-        </p:txBody>
-      </p:sp>
-    </p:spTree>
-    <p:extLst>
-      <p:ext uri="{BB962C8B-B14F-4D97-AF65-F5344CB8AC3E}">
-        <p14:creationId xmlns:p14="http://schemas.microsoft.com/office/powerpoint/2010/main" val="1277993466"/>
-      </p:ext>
-    </p:extLst>
-  </p:cSld>
-  <p:clrMapOvr>
-    <a:masterClrMapping/>
-  </p:clrMapOvr>
-</p:sld>
-</file>
-
-<file path=ppt/slides/slide6.xml><?xml version="1.0" encoding="utf-8"?>
-<p:sld xmlns:a="http://schemas.openxmlformats.org/drawingml/2006/main" xmlns:r="http://schemas.openxmlformats.org/officeDocument/2006/relationships" xmlns:p="http://schemas.openxmlformats.org/presentationml/2006/main">
-  <p:cSld>
-    <p:spTree>
-      <p:nvGrpSpPr>
-        <p:cNvPr id="1" name=""/>
-        <p:cNvGrpSpPr/>
-        <p:nvPr/>
-      </p:nvGrpSpPr>
-      <p:grpSpPr>
-        <a:xfrm>
-          <a:off x="0" y="0"/>
-          <a:ext cx="0" cy="0"/>
-          <a:chOff x="0" y="0"/>
-          <a:chExt cx="0" cy="0"/>
-        </a:xfrm>
-      </p:grpSpPr>
-      <p:sp>
-        <p:nvSpPr>
-          <p:cNvPr id="3" name="Inhaltsplatzhalter 2"/>
-          <p:cNvSpPr>
-            <a:spLocks noGrp="1"/>
-          </p:cNvSpPr>
-          <p:nvPr>
-            <p:ph idx="1"/>
-          </p:nvPr>
-        </p:nvSpPr>
-        <p:spPr/>
-        <p:txBody>
-          <a:bodyPr/>
-          <a:lstStyle/>
-          <a:p>
-            <a:r>
-              <a:rPr lang="de-DE" dirty="0" smtClean="0"/>
-              <a:t>Positionsbestimmung</a:t>
-            </a:r>
-            <a:endParaRPr lang="de-DE" dirty="0"/>
-          </a:p>
-          <a:p>
-            <a:r>
-              <a:rPr lang="de-DE" dirty="0" smtClean="0"/>
-              <a:t>Ausweichalgorithmus</a:t>
-            </a:r>
-          </a:p>
-          <a:p>
-            <a:endParaRPr lang="de-DE" dirty="0"/>
-          </a:p>
-          <a:p>
-            <a:r>
-              <a:rPr lang="de-DE" dirty="0"/>
-              <a:t>Übersetzen in Python</a:t>
-            </a:r>
-          </a:p>
-          <a:p>
-            <a:endParaRPr lang="de-DE" dirty="0"/>
-          </a:p>
-        </p:txBody>
-      </p:sp>
-      <p:sp>
-        <p:nvSpPr>
-          <p:cNvPr id="4" name="Datumsplatzhalter 3"/>
-          <p:cNvSpPr>
-            <a:spLocks noGrp="1"/>
-          </p:cNvSpPr>
-          <p:nvPr>
-            <p:ph type="dt" sz="half" idx="2"/>
-          </p:nvPr>
-        </p:nvSpPr>
-        <p:spPr/>
-        <p:txBody>
-          <a:bodyPr/>
-          <a:lstStyle/>
-          <a:p>
-            <a:fld id="{C916D949-773C-3845-BFBA-C7D9987445EE}" type="datetime1">
-              <a:rPr lang="de-DE" smtClean="0"/>
-              <a:t>28.06.18</a:t>
-            </a:fld>
-            <a:endParaRPr lang="de-DE" dirty="0"/>
-          </a:p>
-        </p:txBody>
-      </p:sp>
-      <p:sp>
-        <p:nvSpPr>
-          <p:cNvPr id="5" name="Foliennummernplatzhalter 4"/>
-          <p:cNvSpPr>
-            <a:spLocks noGrp="1"/>
-          </p:cNvSpPr>
-          <p:nvPr>
-            <p:ph type="sldNum" sz="quarter" idx="4"/>
-          </p:nvPr>
-        </p:nvSpPr>
-        <p:spPr/>
-        <p:txBody>
-          <a:bodyPr/>
-          <a:lstStyle/>
-          <a:p>
-            <a:fld id="{E7BE1CCD-89A0-CC45-BF3E-2A331A7F0490}" type="slidenum">
-              <a:rPr lang="de-DE" smtClean="0"/>
-              <a:pPr/>
-              <a:t>6</a:t>
-            </a:fld>
-            <a:endParaRPr lang="de-DE" dirty="0"/>
-          </a:p>
-        </p:txBody>
-      </p:sp>
-      <p:sp>
-        <p:nvSpPr>
-          <p:cNvPr id="6" name="TextBox 5"/>
-          <p:cNvSpPr txBox="1"/>
-          <p:nvPr/>
-        </p:nvSpPr>
-        <p:spPr>
-          <a:xfrm>
-            <a:off x="2042013" y="6437376"/>
-            <a:ext cx="4732386" cy="253916"/>
-          </a:xfrm>
-          <a:prstGeom prst="rect">
-            <a:avLst/>
-          </a:prstGeom>
-          <a:noFill/>
-        </p:spPr>
-        <p:txBody>
-          <a:bodyPr wrap="none" rtlCol="0">
-            <a:spAutoFit/>
-          </a:bodyPr>
-          <a:lstStyle/>
-          <a:p>
-            <a:pPr algn="ctr"/>
-            <a:r>
-              <a:rPr lang="en-US" sz="1050" dirty="0" smtClean="0"/>
-              <a:t>HSHL – ITD 6. Semester </a:t>
-            </a:r>
-            <a:r>
-              <a:rPr lang="mr-IN" sz="1050" dirty="0" smtClean="0"/>
-              <a:t>–</a:t>
-            </a:r>
-            <a:r>
-              <a:rPr lang="en-US" sz="1050" dirty="0" smtClean="0"/>
-              <a:t> Christopher Beck, Daniel </a:t>
-            </a:r>
-            <a:r>
-              <a:rPr lang="en-US" sz="1050" dirty="0" err="1" smtClean="0"/>
-              <a:t>Münstermann</a:t>
-            </a:r>
-            <a:r>
-              <a:rPr lang="en-US" sz="1050" dirty="0" smtClean="0"/>
-              <a:t>, Alexander Wilms</a:t>
-            </a:r>
-            <a:endParaRPr lang="en-US" sz="1050" dirty="0"/>
-          </a:p>
-        </p:txBody>
-      </p:sp>
-      <p:sp>
-        <p:nvSpPr>
-          <p:cNvPr id="7" name="Titel 1"/>
-          <p:cNvSpPr txBox="1">
-            <a:spLocks/>
-          </p:cNvSpPr>
-          <p:nvPr/>
-        </p:nvSpPr>
-        <p:spPr>
-          <a:xfrm>
-            <a:off x="648001" y="768252"/>
-            <a:ext cx="7520410" cy="941715"/>
-          </a:xfrm>
-          <a:prstGeom prst="rect">
-            <a:avLst/>
-          </a:prstGeom>
-        </p:spPr>
-        <p:txBody>
-          <a:bodyPr vert="horz" lIns="91440" tIns="45720" rIns="91440" bIns="45720" rtlCol="0" anchor="ctr">
-            <a:normAutofit/>
-          </a:bodyPr>
-          <a:lstStyle>
-            <a:lvl1pPr algn="l" defTabSz="457200" rtl="0" eaLnBrk="1" latinLnBrk="0" hangingPunct="1">
-              <a:spcBef>
-                <a:spcPct val="0"/>
-              </a:spcBef>
-              <a:buNone/>
-              <a:defRPr sz="4000" b="1" i="0" kern="1200">
-                <a:solidFill>
-                  <a:schemeClr val="tx1"/>
-                </a:solidFill>
-                <a:latin typeface="Source Sans Pro"/>
-                <a:ea typeface="+mj-ea"/>
-                <a:cs typeface="Source Sans Pro"/>
-              </a:defRPr>
-            </a:lvl1pPr>
-          </a:lstStyle>
-          <a:p>
-            <a:r>
-              <a:rPr lang="de-DE" sz="2400" dirty="0" smtClean="0"/>
-              <a:t>MATLAB Code-</a:t>
-            </a:r>
-            <a:r>
-              <a:rPr lang="de-DE" sz="2400" dirty="0" err="1" smtClean="0"/>
-              <a:t>Walkthrough</a:t>
-            </a:r>
-            <a:endParaRPr lang="de-DE" sz="2400" dirty="0"/>
-          </a:p>
-        </p:txBody>
-      </p:sp>
-    </p:spTree>
-    <p:extLst>
-      <p:ext uri="{BB962C8B-B14F-4D97-AF65-F5344CB8AC3E}">
-        <p14:creationId xmlns:p14="http://schemas.microsoft.com/office/powerpoint/2010/main" val="72829193"/>
       </p:ext>
     </p:extLst>
   </p:cSld>
@@ -5881,51 +6608,52 @@
           <a:p>
             <a:r>
               <a:rPr lang="de-DE" dirty="0" smtClean="0"/>
-              <a:t>Encoder auslesen</a:t>
-            </a:r>
-          </a:p>
-          <a:p>
-            <a:pPr lvl="1"/>
-            <a:r>
-              <a:rPr lang="de-DE" sz="2400" dirty="0" smtClean="0"/>
-              <a:t>Wiederverwendung von bestehendem Projektcode (5. Semester)</a:t>
-            </a:r>
-          </a:p>
-          <a:p>
-            <a:pPr lvl="1"/>
-            <a:r>
-              <a:rPr lang="de-DE" sz="2400" dirty="0" smtClean="0"/>
-              <a:t>Schlechte Doku seitens </a:t>
-            </a:r>
-            <a:r>
-              <a:rPr lang="de-DE" sz="2400" dirty="0" err="1" smtClean="0"/>
-              <a:t>mBot</a:t>
-            </a:r>
-            <a:endParaRPr lang="de-DE" sz="2400" dirty="0" smtClean="0"/>
-          </a:p>
-          <a:p>
-            <a:pPr lvl="1"/>
-            <a:r>
-              <a:rPr lang="de-DE" sz="2400" dirty="0" smtClean="0"/>
-              <a:t>Interpretation der Werte (RPM oder Grad fehlt noch)</a:t>
-            </a:r>
-          </a:p>
-          <a:p>
-            <a:endParaRPr lang="de-DE" dirty="0" smtClean="0"/>
-          </a:p>
-          <a:p>
+              <a:t>1 Joystick </a:t>
+            </a:r>
+            <a:r>
+              <a:rPr lang="mr-IN" dirty="0" smtClean="0"/>
+              <a:t>–</a:t>
+            </a:r>
             <a:r>
               <a:rPr lang="de-DE" dirty="0" smtClean="0"/>
-              <a:t>Ziel: </a:t>
+              <a:t> je nach Einschränkung</a:t>
+            </a:r>
+          </a:p>
+          <a:p>
+            <a:r>
+              <a:rPr lang="de-DE" dirty="0" smtClean="0"/>
+              <a:t>2  ODO (</a:t>
             </a:r>
             <a:r>
               <a:rPr lang="de-DE" dirty="0" err="1" smtClean="0"/>
-              <a:t>mBot</a:t>
+              <a:t>Segwayvariante</a:t>
             </a:r>
             <a:r>
               <a:rPr lang="de-DE" dirty="0" smtClean="0"/>
-              <a:t> immer gerade fahren lassen</a:t>
-            </a:r>
+              <a:t>)</a:t>
+            </a:r>
+          </a:p>
+          <a:p>
+            <a:r>
+              <a:rPr lang="de-DE" dirty="0" smtClean="0"/>
+              <a:t>3</a:t>
+            </a:r>
+          </a:p>
+          <a:p>
+            <a:r>
+              <a:rPr lang="de-DE" dirty="0" smtClean="0"/>
+              <a:t>4</a:t>
+            </a:r>
+          </a:p>
+          <a:p>
+            <a:endParaRPr lang="de-DE" dirty="0"/>
+          </a:p>
+          <a:p>
+            <a:r>
+              <a:rPr lang="de-DE" dirty="0" err="1" smtClean="0"/>
+              <a:t>individuallösungen</a:t>
+            </a:r>
+            <a:endParaRPr lang="de-DE" dirty="0"/>
           </a:p>
         </p:txBody>
       </p:sp>
@@ -6062,12 +6790,8 @@
           </a:lstStyle>
           <a:p>
             <a:r>
-              <a:rPr lang="de-DE" sz="2400" dirty="0" err="1" smtClean="0"/>
-              <a:t>mBot</a:t>
-            </a:r>
-            <a:r>
               <a:rPr lang="de-DE" sz="2400" dirty="0" smtClean="0"/>
-              <a:t> Zwischenstand</a:t>
+              <a:t>Bestehende Konzepte</a:t>
             </a:r>
             <a:endParaRPr lang="de-DE" sz="2400" dirty="0"/>
           </a:p>
@@ -6076,7 +6800,7 @@
     </p:spTree>
     <p:extLst>
       <p:ext uri="{BB962C8B-B14F-4D97-AF65-F5344CB8AC3E}">
-        <p14:creationId xmlns:p14="http://schemas.microsoft.com/office/powerpoint/2010/main" val="1887279694"/>
+        <p14:creationId xmlns:p14="http://schemas.microsoft.com/office/powerpoint/2010/main" val="2137486468"/>
       </p:ext>
     </p:extLst>
   </p:cSld>
@@ -6113,134 +6837,33 @@
             <p:ph idx="1"/>
           </p:nvPr>
         </p:nvSpPr>
-        <p:spPr>
-          <a:xfrm>
-            <a:off x="648000" y="1993460"/>
-            <a:ext cx="7675432" cy="4104983"/>
-          </a:xfrm>
-        </p:spPr>
-        <p:txBody>
-          <a:bodyPr>
-            <a:normAutofit/>
-          </a:bodyPr>
-          <a:lstStyle/>
-          <a:p>
-            <a:pPr marL="0" indent="0" defTabSz="914400">
-              <a:spcBef>
-                <a:spcPts val="0"/>
-              </a:spcBef>
-              <a:buNone/>
-            </a:pPr>
-            <a:r>
-              <a:rPr lang="de-DE" sz="2400" dirty="0" smtClean="0"/>
-              <a:t>Lautsprecher und Mikrofone</a:t>
-            </a:r>
-          </a:p>
-          <a:p>
-            <a:pPr marL="0" indent="0" defTabSz="914400">
-              <a:spcBef>
-                <a:spcPts val="0"/>
-              </a:spcBef>
-              <a:buNone/>
-            </a:pPr>
-            <a:r>
-              <a:rPr lang="de-DE" sz="2400" dirty="0"/>
-              <a:t>e</a:t>
-            </a:r>
-            <a:r>
-              <a:rPr lang="de-DE" sz="2400" dirty="0" smtClean="0"/>
-              <a:t>rzeugen im Gehäuse</a:t>
-            </a:r>
-            <a:br>
-              <a:rPr lang="de-DE" sz="2400" dirty="0" smtClean="0"/>
-            </a:br>
-            <a:r>
-              <a:rPr lang="de-DE" sz="2400" dirty="0" smtClean="0"/>
-              <a:t>Interferenzen.</a:t>
-            </a:r>
-          </a:p>
-          <a:p>
-            <a:pPr marL="0" indent="0" defTabSz="914400">
-              <a:spcBef>
-                <a:spcPts val="0"/>
-              </a:spcBef>
-              <a:buNone/>
-            </a:pPr>
-            <a:endParaRPr lang="de-DE" sz="2400" dirty="0"/>
-          </a:p>
-          <a:p>
-            <a:pPr marL="0" indent="0" defTabSz="914400">
-              <a:spcBef>
-                <a:spcPts val="0"/>
-              </a:spcBef>
-              <a:buNone/>
-            </a:pPr>
-            <a:r>
-              <a:rPr lang="de-DE" sz="2400" dirty="0" smtClean="0"/>
-              <a:t>Die genausten Ergebnisse bekommt man durch</a:t>
-            </a:r>
-          </a:p>
-          <a:p>
-            <a:pPr marL="0" indent="0" defTabSz="914400">
-              <a:spcBef>
-                <a:spcPts val="0"/>
-              </a:spcBef>
-              <a:buNone/>
-            </a:pPr>
-            <a:r>
-              <a:rPr lang="de-DE" sz="2400" dirty="0"/>
-              <a:t>e</a:t>
-            </a:r>
-            <a:r>
-              <a:rPr lang="de-DE" sz="2400" dirty="0" smtClean="0"/>
-              <a:t>inzelne Messungen der jeweiligen Sensoren.</a:t>
-            </a:r>
-          </a:p>
-          <a:p>
-            <a:pPr marL="0" indent="0" defTabSz="914400">
-              <a:spcBef>
-                <a:spcPts val="0"/>
-              </a:spcBef>
-              <a:buNone/>
-            </a:pPr>
-            <a:endParaRPr lang="de-DE" sz="2400" dirty="0"/>
-          </a:p>
-          <a:p>
-            <a:pPr marL="0" indent="0" defTabSz="914400">
-              <a:spcBef>
-                <a:spcPts val="0"/>
-              </a:spcBef>
-              <a:buNone/>
-            </a:pPr>
-            <a:r>
-              <a:rPr lang="de-DE" sz="2400" dirty="0" smtClean="0"/>
-              <a:t>Nachteil: 	12microseconds pro Sensor</a:t>
-            </a:r>
-          </a:p>
-          <a:p>
-            <a:pPr marL="0" indent="0" defTabSz="914400">
-              <a:spcBef>
-                <a:spcPts val="0"/>
-              </a:spcBef>
-              <a:buNone/>
-            </a:pPr>
-            <a:r>
-              <a:rPr lang="de-DE" sz="2400" dirty="0"/>
-              <a:t>	</a:t>
-            </a:r>
-            <a:r>
-              <a:rPr lang="de-DE" sz="2400" dirty="0" smtClean="0"/>
-              <a:t>	</a:t>
-            </a:r>
-          </a:p>
-          <a:p>
-            <a:pPr marL="0" indent="0" defTabSz="914400">
-              <a:spcBef>
-                <a:spcPts val="0"/>
-              </a:spcBef>
-              <a:buNone/>
-            </a:pPr>
-            <a:endParaRPr lang="de-DE" sz="2400" dirty="0" smtClean="0"/>
+        <p:spPr/>
+        <p:txBody>
+          <a:bodyPr/>
+          <a:lstStyle/>
+          <a:p>
+            <a:r>
+              <a:rPr lang="de-DE" dirty="0" smtClean="0"/>
+              <a:t>1</a:t>
+            </a:r>
+          </a:p>
+          <a:p>
+            <a:r>
+              <a:rPr lang="de-DE" dirty="0" smtClean="0"/>
+              <a:t>2</a:t>
+            </a:r>
+          </a:p>
+          <a:p>
+            <a:r>
+              <a:rPr lang="de-DE" dirty="0" smtClean="0"/>
+              <a:t>3</a:t>
+            </a:r>
+          </a:p>
+          <a:p>
+            <a:r>
+              <a:rPr lang="de-DE" dirty="0" smtClean="0"/>
+              <a:t>4</a:t>
+            </a:r>
           </a:p>
         </p:txBody>
       </p:sp>
@@ -6378,46 +7001,16 @@
           <a:p>
             <a:r>
               <a:rPr lang="de-DE" sz="2400" dirty="0" smtClean="0"/>
-              <a:t>HC-SR04 Array</a:t>
+              <a:t>Vorteile bestehender System</a:t>
             </a:r>
             <a:endParaRPr lang="de-DE" sz="2400" dirty="0"/>
           </a:p>
         </p:txBody>
       </p:sp>
-      <p:pic>
-        <p:nvPicPr>
-          <p:cNvPr id="8" name="Picture 7"/>
-          <p:cNvPicPr>
-            <a:picLocks noChangeAspect="1"/>
-          </p:cNvPicPr>
-          <p:nvPr/>
-        </p:nvPicPr>
-        <p:blipFill>
-          <a:blip r:embed="rId3">
-            <a:extLst>
-              <a:ext uri="{28A0092B-C50C-407E-A947-70E740481C1C}">
-                <a14:useLocalDpi xmlns:a14="http://schemas.microsoft.com/office/drawing/2010/main" val="0"/>
-              </a:ext>
-            </a:extLst>
-          </a:blip>
-          <a:stretch>
-            <a:fillRect/>
-          </a:stretch>
-        </p:blipFill>
-        <p:spPr>
-          <a:xfrm>
-            <a:off x="4495638" y="1080615"/>
-            <a:ext cx="3827794" cy="2272186"/>
-          </a:xfrm>
-          <a:prstGeom prst="rect">
-            <a:avLst/>
-          </a:prstGeom>
-        </p:spPr>
-      </p:pic>
     </p:spTree>
     <p:extLst>
       <p:ext uri="{BB962C8B-B14F-4D97-AF65-F5344CB8AC3E}">
-        <p14:creationId xmlns:p14="http://schemas.microsoft.com/office/powerpoint/2010/main" val="1097352276"/>
+        <p14:creationId xmlns:p14="http://schemas.microsoft.com/office/powerpoint/2010/main" val="74562383"/>
       </p:ext>
     </p:extLst>
   </p:cSld>
@@ -6460,20 +7053,26 @@
           <a:lstStyle/>
           <a:p>
             <a:r>
-              <a:rPr lang="de-DE" dirty="0" err="1" smtClean="0"/>
-              <a:t>Arduino</a:t>
-            </a:r>
-            <a:r>
               <a:rPr lang="de-DE" dirty="0" smtClean="0"/>
-              <a:t> </a:t>
-            </a:r>
-            <a:r>
-              <a:rPr lang="de-DE" dirty="0" err="1" smtClean="0"/>
-              <a:t>Piggy</a:t>
-            </a:r>
+              <a:t>1</a:t>
+            </a:r>
+          </a:p>
+          <a:p>
             <a:r>
               <a:rPr lang="de-DE" dirty="0" smtClean="0"/>
-              <a:t>-Back Board</a:t>
+              <a:t>2</a:t>
+            </a:r>
+          </a:p>
+          <a:p>
+            <a:r>
+              <a:rPr lang="de-DE" dirty="0" smtClean="0"/>
+              <a:t>3</a:t>
+            </a:r>
+          </a:p>
+          <a:p>
+            <a:r>
+              <a:rPr lang="de-DE" dirty="0" smtClean="0"/>
+              <a:t>4</a:t>
             </a:r>
           </a:p>
         </p:txBody>
@@ -6612,15 +7211,19 @@
           <a:p>
             <a:r>
               <a:rPr lang="de-DE" sz="2400" dirty="0" smtClean="0"/>
-              <a:t>Problematik UWB Tags (</a:t>
+              <a:t>Eigene </a:t>
             </a:r>
             <a:r>
               <a:rPr lang="de-DE" sz="2400" dirty="0" err="1" smtClean="0"/>
-              <a:t>DigiKey</a:t>
+              <a:t>Ansteuerungs</a:t>
             </a:r>
             <a:r>
               <a:rPr lang="de-DE" sz="2400" dirty="0" smtClean="0"/>
-              <a:t>)</a:t>
+              <a:t> Mock </a:t>
+            </a:r>
+            <a:r>
+              <a:rPr lang="de-DE" sz="2400" dirty="0" err="1" smtClean="0"/>
+              <a:t>Ups</a:t>
             </a:r>
             <a:endParaRPr lang="de-DE" sz="2400" dirty="0"/>
           </a:p>
@@ -6629,7 +7232,7 @@
     </p:spTree>
     <p:extLst>
       <p:ext uri="{BB962C8B-B14F-4D97-AF65-F5344CB8AC3E}">
-        <p14:creationId xmlns:p14="http://schemas.microsoft.com/office/powerpoint/2010/main" val="138460788"/>
+        <p14:creationId xmlns:p14="http://schemas.microsoft.com/office/powerpoint/2010/main" val="230872234"/>
       </p:ext>
     </p:extLst>
   </p:cSld>

--- a/Interaktionskonzept.pptx
+++ b/Interaktionskonzept.pptx
@@ -6837,33 +6837,51 @@
             <p:ph idx="1"/>
           </p:nvPr>
         </p:nvSpPr>
-        <p:spPr/>
-        <p:txBody>
-          <a:bodyPr/>
-          <a:lstStyle/>
-          <a:p>
-            <a:r>
-              <a:rPr lang="de-DE" dirty="0" smtClean="0"/>
-              <a:t>1</a:t>
-            </a:r>
-          </a:p>
-          <a:p>
-            <a:r>
-              <a:rPr lang="de-DE" dirty="0" smtClean="0"/>
-              <a:t>2</a:t>
-            </a:r>
-          </a:p>
-          <a:p>
-            <a:r>
-              <a:rPr lang="de-DE" dirty="0" smtClean="0"/>
-              <a:t>3</a:t>
-            </a:r>
-          </a:p>
-          <a:p>
-            <a:r>
-              <a:rPr lang="de-DE" dirty="0" smtClean="0"/>
-              <a:t>4</a:t>
-            </a:r>
+        <p:spPr>
+          <a:xfrm>
+            <a:off x="648000" y="2021180"/>
+            <a:ext cx="3741120" cy="4104983"/>
+          </a:xfrm>
+        </p:spPr>
+        <p:txBody>
+          <a:bodyPr>
+            <a:normAutofit/>
+          </a:bodyPr>
+          <a:lstStyle/>
+          <a:p>
+            <a:pPr marL="457200" indent="-457200">
+              <a:buFont typeface="+mj-lt"/>
+              <a:buAutoNum type="arabicPeriod"/>
+            </a:pPr>
+            <a:r>
+              <a:rPr lang="de-DE" sz="2400" dirty="0" smtClean="0"/>
+              <a:t>Stecknarbe </a:t>
+            </a:r>
+            <a:r>
+              <a:rPr lang="mr-IN" sz="2400" dirty="0" smtClean="0"/>
+              <a:t>–</a:t>
+            </a:r>
+            <a:r>
+              <a:rPr lang="de-DE" sz="2400" dirty="0" smtClean="0"/>
+              <a:t> unabhängig</a:t>
+            </a:r>
+          </a:p>
+          <a:p>
+            <a:pPr marL="457200" indent="-457200">
+              <a:buFont typeface="+mj-lt"/>
+              <a:buAutoNum type="arabicPeriod"/>
+            </a:pPr>
+            <a:r>
+              <a:rPr lang="de-DE" sz="2400" dirty="0" smtClean="0"/>
+              <a:t>Sichere Stoppfunktion</a:t>
+            </a:r>
+          </a:p>
+          <a:p>
+            <a:pPr marL="457200" indent="-457200">
+              <a:buFont typeface="+mj-lt"/>
+              <a:buAutoNum type="arabicPeriod"/>
+            </a:pPr>
+            <a:endParaRPr lang="de-DE" sz="2400" dirty="0" smtClean="0"/>
           </a:p>
         </p:txBody>
       </p:sp>
@@ -6971,8 +6989,8 @@
         </p:nvSpPr>
         <p:spPr>
           <a:xfrm>
-            <a:off x="648001" y="768252"/>
-            <a:ext cx="7520410" cy="941715"/>
+            <a:off x="648001" y="712147"/>
+            <a:ext cx="7520410" cy="482669"/>
           </a:xfrm>
           <a:prstGeom prst="rect">
             <a:avLst/>
@@ -7000,10 +7018,293 @@
           </a:lstStyle>
           <a:p>
             <a:r>
+              <a:rPr lang="de-DE" sz="2400" b="0" dirty="0" smtClean="0"/>
+              <a:t>Bestehende Systeme</a:t>
+            </a:r>
+            <a:endParaRPr lang="de-DE" sz="2400" b="0" dirty="0"/>
+          </a:p>
+        </p:txBody>
+      </p:sp>
+      <p:sp>
+        <p:nvSpPr>
+          <p:cNvPr id="9" name="Titel 1"/>
+          <p:cNvSpPr txBox="1">
+            <a:spLocks/>
+          </p:cNvSpPr>
+          <p:nvPr/>
+        </p:nvSpPr>
+        <p:spPr>
+          <a:xfrm>
+            <a:off x="648001" y="1227298"/>
+            <a:ext cx="4023359" cy="482669"/>
+          </a:xfrm>
+          <a:prstGeom prst="rect">
+            <a:avLst/>
+          </a:prstGeom>
+        </p:spPr>
+        <p:txBody>
+          <a:bodyPr vert="horz" lIns="91440" tIns="45720" rIns="91440" bIns="45720" rtlCol="0" anchor="ctr">
+            <a:normAutofit/>
+          </a:bodyPr>
+          <a:lstStyle>
+            <a:lvl1pPr algn="l" defTabSz="457200" rtl="0" eaLnBrk="1" latinLnBrk="0" hangingPunct="1">
+              <a:spcBef>
+                <a:spcPct val="0"/>
+              </a:spcBef>
+              <a:buNone/>
+              <a:defRPr sz="4000" b="1" i="0" kern="1200">
+                <a:solidFill>
+                  <a:schemeClr val="tx1"/>
+                </a:solidFill>
+                <a:latin typeface="Source Sans Pro"/>
+                <a:ea typeface="+mj-ea"/>
+                <a:cs typeface="Source Sans Pro"/>
+              </a:defRPr>
+            </a:lvl1pPr>
+          </a:lstStyle>
+          <a:p>
+            <a:r>
               <a:rPr lang="de-DE" sz="2400" dirty="0" smtClean="0"/>
-              <a:t>Vorteile bestehender System</a:t>
+              <a:t>Vorteile</a:t>
             </a:r>
             <a:endParaRPr lang="de-DE" sz="2400" dirty="0"/>
+          </a:p>
+        </p:txBody>
+      </p:sp>
+      <p:sp>
+        <p:nvSpPr>
+          <p:cNvPr id="10" name="Titel 1"/>
+          <p:cNvSpPr txBox="1">
+            <a:spLocks/>
+          </p:cNvSpPr>
+          <p:nvPr/>
+        </p:nvSpPr>
+        <p:spPr>
+          <a:xfrm>
+            <a:off x="4671360" y="1227298"/>
+            <a:ext cx="4023359" cy="482669"/>
+          </a:xfrm>
+          <a:prstGeom prst="rect">
+            <a:avLst/>
+          </a:prstGeom>
+        </p:spPr>
+        <p:txBody>
+          <a:bodyPr vert="horz" lIns="91440" tIns="45720" rIns="91440" bIns="45720" rtlCol="0" anchor="ctr">
+            <a:normAutofit/>
+          </a:bodyPr>
+          <a:lstStyle>
+            <a:lvl1pPr algn="l" defTabSz="457200" rtl="0" eaLnBrk="1" latinLnBrk="0" hangingPunct="1">
+              <a:spcBef>
+                <a:spcPct val="0"/>
+              </a:spcBef>
+              <a:buNone/>
+              <a:defRPr sz="4000" b="1" i="0" kern="1200">
+                <a:solidFill>
+                  <a:schemeClr val="tx1"/>
+                </a:solidFill>
+                <a:latin typeface="Source Sans Pro"/>
+                <a:ea typeface="+mj-ea"/>
+                <a:cs typeface="Source Sans Pro"/>
+              </a:defRPr>
+            </a:lvl1pPr>
+          </a:lstStyle>
+          <a:p>
+            <a:r>
+              <a:rPr lang="de-DE" sz="2400" dirty="0" smtClean="0"/>
+              <a:t>Nachteile</a:t>
+            </a:r>
+            <a:endParaRPr lang="de-DE" sz="2400" dirty="0"/>
+          </a:p>
+        </p:txBody>
+      </p:sp>
+      <p:sp>
+        <p:nvSpPr>
+          <p:cNvPr id="11" name="Inhaltsplatzhalter 2"/>
+          <p:cNvSpPr txBox="1">
+            <a:spLocks/>
+          </p:cNvSpPr>
+          <p:nvPr/>
+        </p:nvSpPr>
+        <p:spPr>
+          <a:xfrm>
+            <a:off x="4671360" y="2021180"/>
+            <a:ext cx="3741120" cy="4104983"/>
+          </a:xfrm>
+          <a:prstGeom prst="rect">
+            <a:avLst/>
+          </a:prstGeom>
+        </p:spPr>
+        <p:txBody>
+          <a:bodyPr vert="horz" lIns="91440" tIns="45720" rIns="91440" bIns="45720" rtlCol="0">
+            <a:normAutofit/>
+          </a:bodyPr>
+          <a:lstStyle>
+            <a:lvl1pPr marL="342900" indent="-342900" algn="l" defTabSz="457200" rtl="0" eaLnBrk="1" latinLnBrk="0" hangingPunct="1">
+              <a:spcBef>
+                <a:spcPct val="20000"/>
+              </a:spcBef>
+              <a:buFont typeface="Arial"/>
+              <a:buChar char="•"/>
+              <a:defRPr sz="3200" b="0" i="0" kern="1200">
+                <a:solidFill>
+                  <a:schemeClr val="tx1"/>
+                </a:solidFill>
+                <a:latin typeface="Source Sans Pro"/>
+                <a:ea typeface="+mn-ea"/>
+                <a:cs typeface="Source Sans Pro"/>
+              </a:defRPr>
+            </a:lvl1pPr>
+            <a:lvl2pPr marL="742950" indent="-285750" algn="l" defTabSz="457200" rtl="0" eaLnBrk="1" latinLnBrk="0" hangingPunct="1">
+              <a:spcBef>
+                <a:spcPct val="20000"/>
+              </a:spcBef>
+              <a:buFont typeface="Arial"/>
+              <a:buChar char="–"/>
+              <a:defRPr sz="2800" b="0" i="0" kern="1200">
+                <a:solidFill>
+                  <a:schemeClr val="tx1"/>
+                </a:solidFill>
+                <a:latin typeface="Source Sans Pro"/>
+                <a:ea typeface="+mn-ea"/>
+                <a:cs typeface="Source Sans Pro"/>
+              </a:defRPr>
+            </a:lvl2pPr>
+            <a:lvl3pPr marL="1143000" indent="-228600" algn="l" defTabSz="457200" rtl="0" eaLnBrk="1" latinLnBrk="0" hangingPunct="1">
+              <a:spcBef>
+                <a:spcPct val="20000"/>
+              </a:spcBef>
+              <a:buFont typeface="Arial"/>
+              <a:buChar char="•"/>
+              <a:defRPr sz="2400" b="0" i="0" kern="1200">
+                <a:solidFill>
+                  <a:schemeClr val="tx1"/>
+                </a:solidFill>
+                <a:latin typeface="Source Sans Pro"/>
+                <a:ea typeface="+mn-ea"/>
+                <a:cs typeface="Source Sans Pro"/>
+              </a:defRPr>
+            </a:lvl3pPr>
+            <a:lvl4pPr marL="1600200" indent="-228600" algn="l" defTabSz="457200" rtl="0" eaLnBrk="1" latinLnBrk="0" hangingPunct="1">
+              <a:spcBef>
+                <a:spcPct val="20000"/>
+              </a:spcBef>
+              <a:buFont typeface="Arial"/>
+              <a:buChar char="–"/>
+              <a:defRPr sz="2000" b="0" i="0" kern="1200">
+                <a:solidFill>
+                  <a:schemeClr val="tx1"/>
+                </a:solidFill>
+                <a:latin typeface="Source Sans Pro"/>
+                <a:ea typeface="+mn-ea"/>
+                <a:cs typeface="Source Sans Pro"/>
+              </a:defRPr>
+            </a:lvl4pPr>
+            <a:lvl5pPr marL="2057400" indent="-228600" algn="l" defTabSz="457200" rtl="0" eaLnBrk="1" latinLnBrk="0" hangingPunct="1">
+              <a:spcBef>
+                <a:spcPct val="20000"/>
+              </a:spcBef>
+              <a:buFont typeface="Arial"/>
+              <a:buChar char="»"/>
+              <a:defRPr sz="2000" b="0" i="0" kern="1200">
+                <a:solidFill>
+                  <a:schemeClr val="tx1"/>
+                </a:solidFill>
+                <a:latin typeface="Source Sans Pro"/>
+                <a:ea typeface="+mn-ea"/>
+                <a:cs typeface="Source Sans Pro"/>
+              </a:defRPr>
+            </a:lvl5pPr>
+            <a:lvl6pPr marL="2514600" indent="-228600" algn="l" defTabSz="457200" rtl="0" eaLnBrk="1" latinLnBrk="0" hangingPunct="1">
+              <a:spcBef>
+                <a:spcPct val="20000"/>
+              </a:spcBef>
+              <a:buFont typeface="Arial"/>
+              <a:buChar char="•"/>
+              <a:defRPr sz="2000" kern="1200">
+                <a:solidFill>
+                  <a:schemeClr val="tx1"/>
+                </a:solidFill>
+                <a:latin typeface="+mn-lt"/>
+                <a:ea typeface="+mn-ea"/>
+                <a:cs typeface="+mn-cs"/>
+              </a:defRPr>
+            </a:lvl6pPr>
+            <a:lvl7pPr marL="2971800" indent="-228600" algn="l" defTabSz="457200" rtl="0" eaLnBrk="1" latinLnBrk="0" hangingPunct="1">
+              <a:spcBef>
+                <a:spcPct val="20000"/>
+              </a:spcBef>
+              <a:buFont typeface="Arial"/>
+              <a:buChar char="•"/>
+              <a:defRPr sz="2000" kern="1200">
+                <a:solidFill>
+                  <a:schemeClr val="tx1"/>
+                </a:solidFill>
+                <a:latin typeface="+mn-lt"/>
+                <a:ea typeface="+mn-ea"/>
+                <a:cs typeface="+mn-cs"/>
+              </a:defRPr>
+            </a:lvl7pPr>
+            <a:lvl8pPr marL="3429000" indent="-228600" algn="l" defTabSz="457200" rtl="0" eaLnBrk="1" latinLnBrk="0" hangingPunct="1">
+              <a:spcBef>
+                <a:spcPct val="20000"/>
+              </a:spcBef>
+              <a:buFont typeface="Arial"/>
+              <a:buChar char="•"/>
+              <a:defRPr sz="2000" kern="1200">
+                <a:solidFill>
+                  <a:schemeClr val="tx1"/>
+                </a:solidFill>
+                <a:latin typeface="+mn-lt"/>
+                <a:ea typeface="+mn-ea"/>
+                <a:cs typeface="+mn-cs"/>
+              </a:defRPr>
+            </a:lvl8pPr>
+            <a:lvl9pPr marL="3886200" indent="-228600" algn="l" defTabSz="457200" rtl="0" eaLnBrk="1" latinLnBrk="0" hangingPunct="1">
+              <a:spcBef>
+                <a:spcPct val="20000"/>
+              </a:spcBef>
+              <a:buFont typeface="Arial"/>
+              <a:buChar char="•"/>
+              <a:defRPr sz="2000" kern="1200">
+                <a:solidFill>
+                  <a:schemeClr val="tx1"/>
+                </a:solidFill>
+                <a:latin typeface="+mn-lt"/>
+                <a:ea typeface="+mn-ea"/>
+                <a:cs typeface="+mn-cs"/>
+              </a:defRPr>
+            </a:lvl9pPr>
+          </a:lstStyle>
+          <a:p>
+            <a:pPr marL="457200" indent="-457200">
+              <a:buFont typeface="+mj-lt"/>
+              <a:buAutoNum type="arabicPeriod"/>
+            </a:pPr>
+            <a:r>
+              <a:rPr lang="de-DE" sz="2400" dirty="0" smtClean="0"/>
+              <a:t>Hohes Gewicht</a:t>
+            </a:r>
+          </a:p>
+          <a:p>
+            <a:pPr marL="457200" indent="-457200">
+              <a:buFont typeface="+mj-lt"/>
+              <a:buAutoNum type="arabicPeriod"/>
+            </a:pPr>
+            <a:r>
+              <a:rPr lang="de-DE" sz="2400" dirty="0" smtClean="0"/>
+              <a:t>Keine eigene Weiterentwicklung – eigene Personalisierung</a:t>
+            </a:r>
+          </a:p>
+          <a:p>
+            <a:pPr marL="457200" indent="-457200">
+              <a:buFont typeface="+mj-lt"/>
+              <a:buAutoNum type="arabicPeriod"/>
+            </a:pPr>
+            <a:r>
+              <a:rPr lang="de-DE" sz="2400" dirty="0" smtClean="0"/>
+              <a:t>Keine Portierbarkeit auf andere Rollstühle</a:t>
+            </a:r>
+            <a:endParaRPr lang="de-DE" sz="2400" dirty="0" smtClean="0"/>
           </a:p>
         </p:txBody>
       </p:sp>
@@ -7039,46 +7340,6 @@
       </p:grpSpPr>
       <p:sp>
         <p:nvSpPr>
-          <p:cNvPr id="3" name="Inhaltsplatzhalter 2"/>
-          <p:cNvSpPr>
-            <a:spLocks noGrp="1"/>
-          </p:cNvSpPr>
-          <p:nvPr>
-            <p:ph idx="1"/>
-          </p:nvPr>
-        </p:nvSpPr>
-        <p:spPr/>
-        <p:txBody>
-          <a:bodyPr/>
-          <a:lstStyle/>
-          <a:p>
-            <a:r>
-              <a:rPr lang="de-DE" dirty="0" smtClean="0"/>
-              <a:t>1</a:t>
-            </a:r>
-          </a:p>
-          <a:p>
-            <a:r>
-              <a:rPr lang="de-DE" dirty="0" smtClean="0"/>
-              <a:t>2</a:t>
-            </a:r>
-          </a:p>
-          <a:p>
-            <a:r>
-              <a:rPr lang="de-DE" dirty="0" smtClean="0"/>
-              <a:t>3</a:t>
-            </a:r>
-          </a:p>
-          <a:p>
-            <a:r>
-              <a:rPr lang="de-DE" dirty="0" smtClean="0"/>
-              <a:t>4</a:t>
-            </a:r>
-          </a:p>
-        </p:txBody>
-      </p:sp>
-      <p:sp>
-        <p:nvSpPr>
           <p:cNvPr id="4" name="Datumsplatzhalter 3"/>
           <p:cNvSpPr>
             <a:spLocks noGrp="1"/>
@@ -7214,12 +7475,20 @@
               <a:t>Eigene </a:t>
             </a:r>
             <a:r>
-              <a:rPr lang="de-DE" sz="2400" dirty="0" err="1" smtClean="0"/>
-              <a:t>Ansteuerungs</a:t>
+              <a:rPr lang="de-DE" sz="2400" dirty="0"/>
+              <a:t>A</a:t>
             </a:r>
             <a:r>
               <a:rPr lang="de-DE" sz="2400" dirty="0" smtClean="0"/>
-              <a:t> Mock </a:t>
+              <a:t>nsteuerungs</a:t>
+            </a:r>
+            <a:r>
+              <a:rPr lang="de-DE" sz="2400" dirty="0" smtClean="0"/>
+              <a:t>-</a:t>
+            </a:r>
+            <a:r>
+              <a:rPr lang="de-DE" sz="2400" dirty="0" smtClean="0"/>
+              <a:t>Mock-</a:t>
             </a:r>
             <a:r>
               <a:rPr lang="de-DE" sz="2400" dirty="0" err="1" smtClean="0"/>
@@ -7229,6 +7498,65 @@
           </a:p>
         </p:txBody>
       </p:sp>
+      <p:pic>
+        <p:nvPicPr>
+          <p:cNvPr id="8" name="Content Placeholder 7"/>
+          <p:cNvPicPr>
+            <a:picLocks noGrp="1" noChangeAspect="1"/>
+          </p:cNvPicPr>
+          <p:nvPr>
+            <p:ph idx="1"/>
+          </p:nvPr>
+        </p:nvPicPr>
+        <p:blipFill>
+          <a:blip r:embed="rId2">
+            <a:extLst>
+              <a:ext uri="{28A0092B-C50C-407E-A947-70E740481C1C}">
+                <a14:useLocalDpi xmlns:a14="http://schemas.microsoft.com/office/drawing/2010/main" val="0"/>
+              </a:ext>
+            </a:extLst>
+          </a:blip>
+          <a:stretch>
+            <a:fillRect/>
+          </a:stretch>
+        </p:blipFill>
+        <p:spPr>
+          <a:xfrm>
+            <a:off x="648000" y="1765407"/>
+            <a:ext cx="2313282" cy="4105275"/>
+          </a:xfrm>
+        </p:spPr>
+      </p:pic>
+      <p:pic>
+        <p:nvPicPr>
+          <p:cNvPr id="9" name="Picture 8"/>
+          <p:cNvPicPr>
+            <a:picLocks noChangeAspect="1"/>
+          </p:cNvPicPr>
+          <p:nvPr/>
+        </p:nvPicPr>
+        <p:blipFill>
+          <a:blip r:embed="rId3">
+            <a:extLst>
+              <a:ext uri="{28A0092B-C50C-407E-A947-70E740481C1C}">
+                <a14:useLocalDpi xmlns:a14="http://schemas.microsoft.com/office/drawing/2010/main" val="0"/>
+              </a:ext>
+            </a:extLst>
+          </a:blip>
+          <a:stretch>
+            <a:fillRect/>
+          </a:stretch>
+        </p:blipFill>
+        <p:spPr>
+          <a:xfrm>
+            <a:off x="3291840" y="1709967"/>
+            <a:ext cx="2048256" cy="4267200"/>
+          </a:xfrm>
+          <a:prstGeom prst="rect">
+            <a:avLst/>
+          </a:prstGeom>
+        </p:spPr>
+      </p:pic>
     </p:spTree>
     <p:extLst>
       <p:ext uri="{BB962C8B-B14F-4D97-AF65-F5344CB8AC3E}">

--- a/Interaktionskonzept.pptx
+++ b/Interaktionskonzept.pptx
@@ -222,7 +222,7 @@
           <a:p>
             <a:fld id="{276817F0-84FC-C145-AFC3-FA42D1D21F8E}" type="datetimeFigureOut">
               <a:rPr lang="de-DE" smtClean="0"/>
-              <a:t>28.06.18</a:t>
+              <a:t>24.07.18</a:t>
             </a:fld>
             <a:endParaRPr lang="de-DE"/>
           </a:p>
@@ -388,7 +388,7 @@
           <a:p>
             <a:fld id="{F80FA3C8-DE25-7348-A1F7-D749F91943C8}" type="datetimeFigureOut">
               <a:rPr lang="de-DE" smtClean="0"/>
-              <a:t>28.06.18</a:t>
+              <a:t>24.07.18</a:t>
             </a:fld>
             <a:endParaRPr lang="de-DE"/>
           </a:p>
@@ -985,7 +985,7 @@
           <a:p>
             <a:fld id="{C916D949-773C-3845-BFBA-C7D9987445EE}" type="datetime1">
               <a:rPr lang="de-DE" smtClean="0"/>
-              <a:t>28.06.18</a:t>
+              <a:t>24.07.18</a:t>
             </a:fld>
             <a:endParaRPr lang="de-DE" dirty="0"/>
           </a:p>
@@ -1155,7 +1155,7 @@
           <a:p>
             <a:fld id="{617E3445-959C-4840-857B-0726FC3AABF6}" type="datetime1">
               <a:rPr lang="de-DE" smtClean="0"/>
-              <a:t>28.06.18</a:t>
+              <a:t>24.07.18</a:t>
             </a:fld>
             <a:endParaRPr lang="de-DE"/>
           </a:p>
@@ -1316,7 +1316,7 @@
           <a:p>
             <a:fld id="{78D16519-39B1-594B-9118-53EDDEBB1F38}" type="datetime1">
               <a:rPr lang="de-DE" smtClean="0"/>
-              <a:t>28.06.18</a:t>
+              <a:t>24.07.18</a:t>
             </a:fld>
             <a:endParaRPr lang="de-DE"/>
           </a:p>
@@ -1485,7 +1485,7 @@
           <a:p>
             <a:fld id="{C916D949-773C-3845-BFBA-C7D9987445EE}" type="datetime1">
               <a:rPr lang="de-DE" smtClean="0"/>
-              <a:t>28.06.18</a:t>
+              <a:t>24.07.18</a:t>
             </a:fld>
             <a:endParaRPr lang="de-DE" dirty="0"/>
           </a:p>
@@ -1731,7 +1731,7 @@
           <a:p>
             <a:fld id="{254AFB14-23E0-1F4C-A6C5-95691F2AB521}" type="datetime1">
               <a:rPr lang="de-DE" smtClean="0"/>
-              <a:t>28.06.18</a:t>
+              <a:t>24.07.18</a:t>
             </a:fld>
             <a:endParaRPr lang="de-DE"/>
           </a:p>
@@ -2000,7 +2000,7 @@
           <a:p>
             <a:fld id="{6090EEAD-2E33-CB41-913B-6235DD169CF5}" type="datetime1">
               <a:rPr lang="de-DE" smtClean="0"/>
-              <a:t>28.06.18</a:t>
+              <a:t>24.07.18</a:t>
             </a:fld>
             <a:endParaRPr lang="de-DE"/>
           </a:p>
@@ -2403,7 +2403,7 @@
           <a:p>
             <a:fld id="{A16E645A-B693-BB43-8646-3B1C1BAD48BE}" type="datetime1">
               <a:rPr lang="de-DE" smtClean="0"/>
-              <a:t>28.06.18</a:t>
+              <a:t>24.07.18</a:t>
             </a:fld>
             <a:endParaRPr lang="de-DE"/>
           </a:p>
@@ -2502,7 +2502,7 @@
           <a:p>
             <a:fld id="{23E94868-D7B6-2349-81F6-28D3E8C9671D}" type="datetime1">
               <a:rPr lang="de-DE" smtClean="0"/>
-              <a:t>28.06.18</a:t>
+              <a:t>24.07.18</a:t>
             </a:fld>
             <a:endParaRPr lang="de-DE"/>
           </a:p>
@@ -2578,7 +2578,7 @@
           <a:p>
             <a:fld id="{A4ECBFB4-2031-A542-A2EF-20BD4D9E5256}" type="datetime1">
               <a:rPr lang="de-DE" smtClean="0"/>
-              <a:t>28.06.18</a:t>
+              <a:t>24.07.18</a:t>
             </a:fld>
             <a:endParaRPr lang="de-DE"/>
           </a:p>
@@ -2836,7 +2836,7 @@
           <a:p>
             <a:fld id="{A0188818-9833-2C4A-8849-8268EC11202B}" type="datetime1">
               <a:rPr lang="de-DE" smtClean="0"/>
-              <a:t>28.06.18</a:t>
+              <a:t>24.07.18</a:t>
             </a:fld>
             <a:endParaRPr lang="de-DE"/>
           </a:p>
@@ -3074,7 +3074,7 @@
           <a:p>
             <a:fld id="{82204BE1-0C38-F948-9EB8-8FC2670177F0}" type="datetime1">
               <a:rPr lang="de-DE" smtClean="0"/>
-              <a:t>28.06.18</a:t>
+              <a:t>24.07.18</a:t>
             </a:fld>
             <a:endParaRPr lang="de-DE"/>
           </a:p>
@@ -3313,7 +3313,7 @@
           <a:p>
             <a:fld id="{C916D949-773C-3845-BFBA-C7D9987445EE}" type="datetime1">
               <a:rPr lang="de-DE" smtClean="0"/>
-              <a:t>28.06.18</a:t>
+              <a:t>24.07.18</a:t>
             </a:fld>
             <a:endParaRPr lang="de-DE" dirty="0"/>
           </a:p>
@@ -3866,7 +3866,7 @@
           <a:p>
             <a:fld id="{C916D949-773C-3845-BFBA-C7D9987445EE}" type="datetime1">
               <a:rPr lang="de-DE" smtClean="0"/>
-              <a:t>28.06.18</a:t>
+              <a:t>24.07.18</a:t>
             </a:fld>
             <a:endParaRPr lang="de-DE" dirty="0"/>
           </a:p>
@@ -4065,7 +4065,7 @@
           <a:p>
             <a:fld id="{C916D949-773C-3845-BFBA-C7D9987445EE}" type="datetime1">
               <a:rPr lang="de-DE" smtClean="0"/>
-              <a:t>28.06.18</a:t>
+              <a:t>24.07.18</a:t>
             </a:fld>
             <a:endParaRPr lang="de-DE" dirty="0"/>
           </a:p>
@@ -4376,7 +4376,7 @@
           <a:p>
             <a:fld id="{C916D949-773C-3845-BFBA-C7D9987445EE}" type="datetime1">
               <a:rPr lang="de-DE" smtClean="0"/>
-              <a:t>28.06.18</a:t>
+              <a:t>24.07.18</a:t>
             </a:fld>
             <a:endParaRPr lang="de-DE" dirty="0"/>
           </a:p>
@@ -4599,7 +4599,7 @@
           <a:p>
             <a:fld id="{C916D949-773C-3845-BFBA-C7D9987445EE}" type="datetime1">
               <a:rPr lang="de-DE" smtClean="0"/>
-              <a:t>28.06.18</a:t>
+              <a:t>24.07.18</a:t>
             </a:fld>
             <a:endParaRPr lang="de-DE" dirty="0"/>
           </a:p>
@@ -4787,7 +4787,6 @@
               <a:rPr lang="de-DE" dirty="0" smtClean="0"/>
               <a:t>MEYRA x1 Rollstuhl</a:t>
             </a:r>
-            <a:endParaRPr lang="de-DE" dirty="0" smtClean="0"/>
           </a:p>
           <a:p>
             <a:pPr lvl="1"/>
@@ -4819,7 +4818,7 @@
           <a:p>
             <a:fld id="{C916D949-773C-3845-BFBA-C7D9987445EE}" type="datetime1">
               <a:rPr lang="de-DE" smtClean="0"/>
-              <a:t>28.06.18</a:t>
+              <a:t>24.07.18</a:t>
             </a:fld>
             <a:endParaRPr lang="de-DE" dirty="0"/>
           </a:p>
@@ -5046,7 +5045,7 @@
           <a:p>
             <a:fld id="{C916D949-773C-3845-BFBA-C7D9987445EE}" type="datetime1">
               <a:rPr lang="de-DE" smtClean="0"/>
-              <a:t>28.06.18</a:t>
+              <a:t>24.07.18</a:t>
             </a:fld>
             <a:endParaRPr lang="de-DE" dirty="0"/>
           </a:p>
@@ -5232,7 +5231,7 @@
           <a:p>
             <a:fld id="{C916D949-773C-3845-BFBA-C7D9987445EE}" type="datetime1">
               <a:rPr lang="de-DE" smtClean="0"/>
-              <a:t>28.06.18</a:t>
+              <a:t>24.07.18</a:t>
             </a:fld>
             <a:endParaRPr lang="de-DE" dirty="0"/>
           </a:p>
@@ -6438,7 +6437,7 @@
           <a:p>
             <a:fld id="{C916D949-773C-3845-BFBA-C7D9987445EE}" type="datetime1">
               <a:rPr lang="de-DE" smtClean="0"/>
-              <a:t>28.06.18</a:t>
+              <a:t>24.07.18</a:t>
             </a:fld>
             <a:endParaRPr lang="de-DE" dirty="0"/>
           </a:p>
@@ -6674,7 +6673,7 @@
           <a:p>
             <a:fld id="{C916D949-773C-3845-BFBA-C7D9987445EE}" type="datetime1">
               <a:rPr lang="de-DE" smtClean="0"/>
-              <a:t>28.06.18</a:t>
+              <a:t>24.07.18</a:t>
             </a:fld>
             <a:endParaRPr lang="de-DE" dirty="0"/>
           </a:p>
@@ -6902,7 +6901,7 @@
           <a:p>
             <a:fld id="{C916D949-773C-3845-BFBA-C7D9987445EE}" type="datetime1">
               <a:rPr lang="de-DE" smtClean="0"/>
-              <a:t>28.06.18</a:t>
+              <a:t>24.07.18</a:t>
             </a:fld>
             <a:endParaRPr lang="de-DE" dirty="0"/>
           </a:p>
@@ -7304,7 +7303,6 @@
               <a:rPr lang="de-DE" sz="2400" dirty="0" smtClean="0"/>
               <a:t>Keine Portierbarkeit auf andere Rollstühle</a:t>
             </a:r>
-            <a:endParaRPr lang="de-DE" sz="2400" dirty="0" smtClean="0"/>
           </a:p>
         </p:txBody>
       </p:sp>
@@ -7355,7 +7353,7 @@
           <a:p>
             <a:fld id="{C916D949-773C-3845-BFBA-C7D9987445EE}" type="datetime1">
               <a:rPr lang="de-DE" smtClean="0"/>
-              <a:t>28.06.18</a:t>
+              <a:t>24.07.18</a:t>
             </a:fld>
             <a:endParaRPr lang="de-DE" dirty="0"/>
           </a:p>
@@ -7393,8 +7391,8 @@
         </p:nvSpPr>
         <p:spPr>
           <a:xfrm>
-            <a:off x="2042013" y="6437376"/>
-            <a:ext cx="4732386" cy="253916"/>
+            <a:off x="3050302" y="6437376"/>
+            <a:ext cx="2715807" cy="253916"/>
           </a:xfrm>
           <a:prstGeom prst="rect">
             <a:avLst/>
@@ -7418,15 +7416,11 @@
             </a:r>
             <a:r>
               <a:rPr lang="en-US" sz="1050" dirty="0" smtClean="0"/>
-              <a:t> Christopher Beck, Daniel </a:t>
+              <a:t>Daniel </a:t>
             </a:r>
             <a:r>
               <a:rPr lang="en-US" sz="1050" dirty="0" err="1" smtClean="0"/>
               <a:t>Münstermann</a:t>
-            </a:r>
-            <a:r>
-              <a:rPr lang="en-US" sz="1050" dirty="0" smtClean="0"/>
-              <a:t>, Alexander Wilms</a:t>
             </a:r>
             <a:endParaRPr lang="en-US" sz="1050" dirty="0"/>
           </a:p>
@@ -7480,15 +7474,7 @@
             </a:r>
             <a:r>
               <a:rPr lang="de-DE" sz="2400" dirty="0" smtClean="0"/>
-              <a:t>nsteuerungs</a:t>
-            </a:r>
-            <a:r>
-              <a:rPr lang="de-DE" sz="2400" dirty="0" smtClean="0"/>
-              <a:t>-</a:t>
-            </a:r>
-            <a:r>
-              <a:rPr lang="de-DE" sz="2400" dirty="0" smtClean="0"/>
-              <a:t>Mock-</a:t>
+              <a:t>nsteuerungs-Mock-</a:t>
             </a:r>
             <a:r>
               <a:rPr lang="de-DE" sz="2400" dirty="0" err="1" smtClean="0"/>

--- a/Interaktionskonzept.pptx
+++ b/Interaktionskonzept.pptx
@@ -5,17 +5,17 @@
     <p:sldMasterId id="2147483648" r:id="rId1"/>
   </p:sldMasterIdLst>
   <p:notesMasterIdLst>
-    <p:notesMasterId r:id="rId14"/>
+    <p:notesMasterId r:id="rId23"/>
   </p:notesMasterIdLst>
   <p:handoutMasterIdLst>
-    <p:handoutMasterId r:id="rId15"/>
+    <p:handoutMasterId r:id="rId24"/>
   </p:handoutMasterIdLst>
   <p:sldIdLst>
     <p:sldId id="256" r:id="rId2"/>
     <p:sldId id="265" r:id="rId3"/>
-    <p:sldId id="271" r:id="rId4"/>
-    <p:sldId id="267" r:id="rId5"/>
-    <p:sldId id="257" r:id="rId6"/>
+    <p:sldId id="257" r:id="rId4"/>
+    <p:sldId id="271" r:id="rId5"/>
+    <p:sldId id="267" r:id="rId6"/>
     <p:sldId id="264" r:id="rId7"/>
     <p:sldId id="266" r:id="rId8"/>
     <p:sldId id="268" r:id="rId9"/>
@@ -23,6 +23,15 @@
     <p:sldId id="270" r:id="rId11"/>
     <p:sldId id="259" r:id="rId12"/>
     <p:sldId id="263" r:id="rId13"/>
+    <p:sldId id="276" r:id="rId14"/>
+    <p:sldId id="277" r:id="rId15"/>
+    <p:sldId id="278" r:id="rId16"/>
+    <p:sldId id="279" r:id="rId17"/>
+    <p:sldId id="280" r:id="rId18"/>
+    <p:sldId id="272" r:id="rId19"/>
+    <p:sldId id="273" r:id="rId20"/>
+    <p:sldId id="274" r:id="rId21"/>
+    <p:sldId id="275" r:id="rId22"/>
   </p:sldIdLst>
   <p:sldSz cx="9144000" cy="6858000" type="screen4x3"/>
   <p:notesSz cx="6858000" cy="9144000"/>
@@ -122,6 +131,62 @@
     </a:lvl9pPr>
   </p:defaultTextStyle>
   <p:extLst>
+    <p:ext uri="{521415D9-36F7-43E2-AB2F-B90AF26B5E84}">
+      <p14:sectionLst xmlns:p14="http://schemas.microsoft.com/office/powerpoint/2010/main">
+        <p14:section name="Default Section" id="{1BDD8F95-B8D4-A045-A753-B621FA842D00}">
+          <p14:sldIdLst/>
+        </p14:section>
+        <p14:section name="Projektübersicht" id="{45E56A9C-5A06-6840-AFD1-72D7D7243BF6}">
+          <p14:sldIdLst>
+            <p14:sldId id="256"/>
+            <p14:sldId id="265"/>
+            <p14:sldId id="257"/>
+          </p14:sldIdLst>
+        </p14:section>
+        <p14:section name="Plattform und Systemdesign" id="{874B953A-6C71-5341-A5E3-0F81EF8B208B}">
+          <p14:sldIdLst>
+            <p14:sldId id="271"/>
+            <p14:sldId id="267"/>
+            <p14:sldId id="264"/>
+            <p14:sldId id="266"/>
+            <p14:sldId id="268"/>
+            <p14:sldId id="269"/>
+            <p14:sldId id="270"/>
+            <p14:sldId id="259"/>
+            <p14:sldId id="263"/>
+          </p14:sldIdLst>
+        </p14:section>
+        <p14:section name="Anforderugnen / Requierments Pflichtenheft" id="{C30D3E09-659A-F143-94C4-DA8F6984839D}">
+          <p14:sldIdLst>
+            <p14:sldId id="276"/>
+            <p14:sldId id="277"/>
+            <p14:sldId id="278"/>
+            <p14:sldId id="279"/>
+            <p14:sldId id="280"/>
+          </p14:sldIdLst>
+        </p14:section>
+        <p14:section name="Hardwareanforderungen" id="{FF1CE25D-84E0-B147-924E-2F6C240627FD}">
+          <p14:sldIdLst>
+            <p14:sldId id="272"/>
+            <p14:sldId id="273"/>
+            <p14:sldId id="274"/>
+            <p14:sldId id="275"/>
+          </p14:sldIdLst>
+        </p14:section>
+        <p14:section name="Experteninterview" id="{AAB73D6B-3FF2-8940-8BDD-A42054D1EC13}">
+          <p14:sldIdLst/>
+        </p14:section>
+        <p14:section name="Bestehende Konzepte" id="{22BD9C8E-892C-7B47-9302-5C455B59B0CF}">
+          <p14:sldIdLst/>
+        </p14:section>
+        <p14:section name="Prototyp mBot" id="{3D537318-CBB6-9749-9B49-532214ACFD95}">
+          <p14:sldIdLst/>
+        </p14:section>
+        <p14:section name="App Gestaltung Mockup" id="{329D0D24-DB4E-C84B-BDB0-C2E684C1BC0B}">
+          <p14:sldIdLst/>
+        </p14:section>
+      </p14:sectionLst>
+    </p:ext>
     <p:ext uri="{EFAFB233-063F-42B5-8137-9DF3F51BA10A}">
       <p15:sldGuideLst xmlns:p15="http://schemas.microsoft.com/office/powerpoint/2012/main">
         <p15:guide id="1" orient="horz" pos="2160">
@@ -138,6 +203,3144 @@
     </p:ext>
   </p:extLst>
 </p:presentation>
+</file>
+
+<file path=ppt/diagrams/colors1.xml><?xml version="1.0" encoding="utf-8"?>
+<dgm:colorsDef xmlns:dgm="http://schemas.openxmlformats.org/drawingml/2006/diagram" xmlns:a="http://schemas.openxmlformats.org/drawingml/2006/main" uniqueId="urn:microsoft.com/office/officeart/2005/8/colors/accent1_1">
+  <dgm:title val=""/>
+  <dgm:desc val=""/>
+  <dgm:catLst>
+    <dgm:cat type="accent1" pri="11100"/>
+  </dgm:catLst>
+  <dgm:styleLbl name="node0">
+    <dgm:fillClrLst meth="repeat">
+      <a:schemeClr val="lt1"/>
+    </dgm:fillClrLst>
+    <dgm:linClrLst meth="repeat">
+      <a:schemeClr val="accent1">
+        <a:shade val="80000"/>
+      </a:schemeClr>
+    </dgm:linClrLst>
+    <dgm:effectClrLst/>
+    <dgm:txLinClrLst/>
+    <dgm:txFillClrLst meth="repeat">
+      <a:schemeClr val="dk1"/>
+    </dgm:txFillClrLst>
+    <dgm:txEffectClrLst/>
+  </dgm:styleLbl>
+  <dgm:styleLbl name="alignNode1">
+    <dgm:fillClrLst meth="repeat">
+      <a:schemeClr val="lt1"/>
+    </dgm:fillClrLst>
+    <dgm:linClrLst meth="repeat">
+      <a:schemeClr val="accent1">
+        <a:shade val="80000"/>
+      </a:schemeClr>
+    </dgm:linClrLst>
+    <dgm:effectClrLst/>
+    <dgm:txLinClrLst/>
+    <dgm:txFillClrLst meth="repeat">
+      <a:schemeClr val="dk1"/>
+    </dgm:txFillClrLst>
+    <dgm:txEffectClrLst/>
+  </dgm:styleLbl>
+  <dgm:styleLbl name="node1">
+    <dgm:fillClrLst meth="repeat">
+      <a:schemeClr val="lt1"/>
+    </dgm:fillClrLst>
+    <dgm:linClrLst meth="repeat">
+      <a:schemeClr val="accent1">
+        <a:shade val="80000"/>
+      </a:schemeClr>
+    </dgm:linClrLst>
+    <dgm:effectClrLst/>
+    <dgm:txLinClrLst/>
+    <dgm:txFillClrLst meth="repeat">
+      <a:schemeClr val="dk1"/>
+    </dgm:txFillClrLst>
+    <dgm:txEffectClrLst/>
+  </dgm:styleLbl>
+  <dgm:styleLbl name="lnNode1">
+    <dgm:fillClrLst meth="repeat">
+      <a:schemeClr val="lt1"/>
+    </dgm:fillClrLst>
+    <dgm:linClrLst meth="repeat">
+      <a:schemeClr val="accent1">
+        <a:shade val="80000"/>
+      </a:schemeClr>
+    </dgm:linClrLst>
+    <dgm:effectClrLst/>
+    <dgm:txLinClrLst/>
+    <dgm:txFillClrLst meth="repeat">
+      <a:schemeClr val="dk1"/>
+    </dgm:txFillClrLst>
+    <dgm:txEffectClrLst/>
+  </dgm:styleLbl>
+  <dgm:styleLbl name="vennNode1">
+    <dgm:fillClrLst meth="repeat">
+      <a:schemeClr val="lt1">
+        <a:alpha val="50000"/>
+      </a:schemeClr>
+    </dgm:fillClrLst>
+    <dgm:linClrLst meth="repeat">
+      <a:schemeClr val="accent1">
+        <a:shade val="80000"/>
+      </a:schemeClr>
+    </dgm:linClrLst>
+    <dgm:effectClrLst/>
+    <dgm:txLinClrLst/>
+    <dgm:txFillClrLst/>
+    <dgm:txEffectClrLst/>
+  </dgm:styleLbl>
+  <dgm:styleLbl name="node2">
+    <dgm:fillClrLst meth="repeat">
+      <a:schemeClr val="lt1"/>
+    </dgm:fillClrLst>
+    <dgm:linClrLst meth="repeat">
+      <a:schemeClr val="accent1">
+        <a:shade val="80000"/>
+      </a:schemeClr>
+    </dgm:linClrLst>
+    <dgm:effectClrLst/>
+    <dgm:txLinClrLst/>
+    <dgm:txFillClrLst meth="repeat">
+      <a:schemeClr val="dk1"/>
+    </dgm:txFillClrLst>
+    <dgm:txEffectClrLst/>
+  </dgm:styleLbl>
+  <dgm:styleLbl name="node3">
+    <dgm:fillClrLst meth="repeat">
+      <a:schemeClr val="lt1"/>
+    </dgm:fillClrLst>
+    <dgm:linClrLst meth="repeat">
+      <a:schemeClr val="accent1">
+        <a:shade val="80000"/>
+      </a:schemeClr>
+    </dgm:linClrLst>
+    <dgm:effectClrLst/>
+    <dgm:txLinClrLst/>
+    <dgm:txFillClrLst meth="repeat">
+      <a:schemeClr val="dk1"/>
+    </dgm:txFillClrLst>
+    <dgm:txEffectClrLst/>
+  </dgm:styleLbl>
+  <dgm:styleLbl name="node4">
+    <dgm:fillClrLst meth="repeat">
+      <a:schemeClr val="lt1"/>
+    </dgm:fillClrLst>
+    <dgm:linClrLst meth="repeat">
+      <a:schemeClr val="accent1">
+        <a:shade val="80000"/>
+      </a:schemeClr>
+    </dgm:linClrLst>
+    <dgm:effectClrLst/>
+    <dgm:txLinClrLst/>
+    <dgm:txFillClrLst meth="repeat">
+      <a:schemeClr val="dk1"/>
+    </dgm:txFillClrLst>
+    <dgm:txEffectClrLst/>
+  </dgm:styleLbl>
+  <dgm:styleLbl name="fgImgPlace1">
+    <dgm:fillClrLst meth="repeat">
+      <a:schemeClr val="accent1">
+        <a:tint val="40000"/>
+      </a:schemeClr>
+    </dgm:fillClrLst>
+    <dgm:linClrLst meth="repeat">
+      <a:schemeClr val="accent1">
+        <a:shade val="80000"/>
+      </a:schemeClr>
+    </dgm:linClrLst>
+    <dgm:effectClrLst/>
+    <dgm:txLinClrLst/>
+    <dgm:txFillClrLst meth="repeat">
+      <a:schemeClr val="lt1"/>
+    </dgm:txFillClrLst>
+    <dgm:txEffectClrLst/>
+  </dgm:styleLbl>
+  <dgm:styleLbl name="alignImgPlace1">
+    <dgm:fillClrLst meth="repeat">
+      <a:schemeClr val="accent1">
+        <a:tint val="40000"/>
+      </a:schemeClr>
+    </dgm:fillClrLst>
+    <dgm:linClrLst meth="repeat">
+      <a:schemeClr val="accent1">
+        <a:shade val="80000"/>
+      </a:schemeClr>
+    </dgm:linClrLst>
+    <dgm:effectClrLst/>
+    <dgm:txLinClrLst/>
+    <dgm:txFillClrLst meth="repeat">
+      <a:schemeClr val="lt1"/>
+    </dgm:txFillClrLst>
+    <dgm:txEffectClrLst/>
+  </dgm:styleLbl>
+  <dgm:styleLbl name="bgImgPlace1">
+    <dgm:fillClrLst meth="repeat">
+      <a:schemeClr val="accent1">
+        <a:tint val="40000"/>
+      </a:schemeClr>
+    </dgm:fillClrLst>
+    <dgm:linClrLst meth="repeat">
+      <a:schemeClr val="accent1">
+        <a:shade val="80000"/>
+      </a:schemeClr>
+    </dgm:linClrLst>
+    <dgm:effectClrLst/>
+    <dgm:txLinClrLst/>
+    <dgm:txFillClrLst meth="repeat">
+      <a:schemeClr val="lt1"/>
+    </dgm:txFillClrLst>
+    <dgm:txEffectClrLst/>
+  </dgm:styleLbl>
+  <dgm:styleLbl name="sibTrans2D1">
+    <dgm:fillClrLst meth="repeat">
+      <a:schemeClr val="accent1">
+        <a:tint val="60000"/>
+      </a:schemeClr>
+    </dgm:fillClrLst>
+    <dgm:linClrLst meth="repeat">
+      <a:schemeClr val="accent1">
+        <a:tint val="60000"/>
+      </a:schemeClr>
+    </dgm:linClrLst>
+    <dgm:effectClrLst/>
+    <dgm:txLinClrLst/>
+    <dgm:txFillClrLst meth="repeat">
+      <a:schemeClr val="dk1"/>
+    </dgm:txFillClrLst>
+    <dgm:txEffectClrLst/>
+  </dgm:styleLbl>
+  <dgm:styleLbl name="fgSibTrans2D1">
+    <dgm:fillClrLst meth="repeat">
+      <a:schemeClr val="accent1">
+        <a:tint val="60000"/>
+      </a:schemeClr>
+    </dgm:fillClrLst>
+    <dgm:linClrLst meth="repeat">
+      <a:schemeClr val="accent1">
+        <a:tint val="60000"/>
+      </a:schemeClr>
+    </dgm:linClrLst>
+    <dgm:effectClrLst/>
+    <dgm:txLinClrLst/>
+    <dgm:txFillClrLst meth="repeat">
+      <a:schemeClr val="dk1"/>
+    </dgm:txFillClrLst>
+    <dgm:txEffectClrLst/>
+  </dgm:styleLbl>
+  <dgm:styleLbl name="bgSibTrans2D1">
+    <dgm:fillClrLst meth="repeat">
+      <a:schemeClr val="accent1">
+        <a:tint val="60000"/>
+      </a:schemeClr>
+    </dgm:fillClrLst>
+    <dgm:linClrLst meth="repeat">
+      <a:schemeClr val="accent1">
+        <a:tint val="60000"/>
+      </a:schemeClr>
+    </dgm:linClrLst>
+    <dgm:effectClrLst/>
+    <dgm:txLinClrLst/>
+    <dgm:txFillClrLst meth="repeat">
+      <a:schemeClr val="dk1"/>
+    </dgm:txFillClrLst>
+    <dgm:txEffectClrLst/>
+  </dgm:styleLbl>
+  <dgm:styleLbl name="sibTrans1D1">
+    <dgm:fillClrLst meth="repeat">
+      <a:schemeClr val="accent1"/>
+    </dgm:fillClrLst>
+    <dgm:linClrLst meth="repeat">
+      <a:schemeClr val="accent1"/>
+    </dgm:linClrLst>
+    <dgm:effectClrLst/>
+    <dgm:txLinClrLst/>
+    <dgm:txFillClrLst meth="repeat">
+      <a:schemeClr val="tx1"/>
+    </dgm:txFillClrLst>
+    <dgm:txEffectClrLst/>
+  </dgm:styleLbl>
+  <dgm:styleLbl name="callout">
+    <dgm:fillClrLst meth="repeat">
+      <a:schemeClr val="accent1"/>
+    </dgm:fillClrLst>
+    <dgm:linClrLst meth="repeat">
+      <a:schemeClr val="accent1"/>
+    </dgm:linClrLst>
+    <dgm:effectClrLst/>
+    <dgm:txLinClrLst/>
+    <dgm:txFillClrLst meth="repeat">
+      <a:schemeClr val="tx1"/>
+    </dgm:txFillClrLst>
+    <dgm:txEffectClrLst/>
+  </dgm:styleLbl>
+  <dgm:styleLbl name="asst0">
+    <dgm:fillClrLst meth="repeat">
+      <a:schemeClr val="lt1"/>
+    </dgm:fillClrLst>
+    <dgm:linClrLst meth="repeat">
+      <a:schemeClr val="accent1">
+        <a:shade val="80000"/>
+      </a:schemeClr>
+    </dgm:linClrLst>
+    <dgm:effectClrLst/>
+    <dgm:txLinClrLst/>
+    <dgm:txFillClrLst meth="repeat">
+      <a:schemeClr val="dk1"/>
+    </dgm:txFillClrLst>
+    <dgm:txEffectClrLst/>
+  </dgm:styleLbl>
+  <dgm:styleLbl name="asst1">
+    <dgm:fillClrLst meth="repeat">
+      <a:schemeClr val="lt1"/>
+    </dgm:fillClrLst>
+    <dgm:linClrLst meth="repeat">
+      <a:schemeClr val="accent1">
+        <a:shade val="80000"/>
+      </a:schemeClr>
+    </dgm:linClrLst>
+    <dgm:effectClrLst/>
+    <dgm:txLinClrLst/>
+    <dgm:txFillClrLst meth="repeat">
+      <a:schemeClr val="dk1"/>
+    </dgm:txFillClrLst>
+    <dgm:txEffectClrLst/>
+  </dgm:styleLbl>
+  <dgm:styleLbl name="asst2">
+    <dgm:fillClrLst meth="repeat">
+      <a:schemeClr val="lt1"/>
+    </dgm:fillClrLst>
+    <dgm:linClrLst meth="repeat">
+      <a:schemeClr val="accent1">
+        <a:shade val="80000"/>
+      </a:schemeClr>
+    </dgm:linClrLst>
+    <dgm:effectClrLst/>
+    <dgm:txLinClrLst/>
+    <dgm:txFillClrLst meth="repeat">
+      <a:schemeClr val="dk1"/>
+    </dgm:txFillClrLst>
+    <dgm:txEffectClrLst/>
+  </dgm:styleLbl>
+  <dgm:styleLbl name="asst3">
+    <dgm:fillClrLst meth="repeat">
+      <a:schemeClr val="lt1"/>
+    </dgm:fillClrLst>
+    <dgm:linClrLst meth="repeat">
+      <a:schemeClr val="accent1">
+        <a:shade val="80000"/>
+      </a:schemeClr>
+    </dgm:linClrLst>
+    <dgm:effectClrLst/>
+    <dgm:txLinClrLst/>
+    <dgm:txFillClrLst meth="repeat">
+      <a:schemeClr val="dk1"/>
+    </dgm:txFillClrLst>
+    <dgm:txEffectClrLst/>
+  </dgm:styleLbl>
+  <dgm:styleLbl name="asst4">
+    <dgm:fillClrLst meth="repeat">
+      <a:schemeClr val="lt1"/>
+    </dgm:fillClrLst>
+    <dgm:linClrLst meth="repeat">
+      <a:schemeClr val="accent1">
+        <a:shade val="80000"/>
+      </a:schemeClr>
+    </dgm:linClrLst>
+    <dgm:effectClrLst/>
+    <dgm:txLinClrLst/>
+    <dgm:txFillClrLst meth="repeat">
+      <a:schemeClr val="dk1"/>
+    </dgm:txFillClrLst>
+    <dgm:txEffectClrLst/>
+  </dgm:styleLbl>
+  <dgm:styleLbl name="parChTrans2D1">
+    <dgm:fillClrLst meth="repeat">
+      <a:schemeClr val="accent1">
+        <a:tint val="60000"/>
+      </a:schemeClr>
+    </dgm:fillClrLst>
+    <dgm:linClrLst meth="repeat">
+      <a:schemeClr val="accent1">
+        <a:tint val="60000"/>
+      </a:schemeClr>
+    </dgm:linClrLst>
+    <dgm:effectClrLst/>
+    <dgm:txLinClrLst/>
+    <dgm:txFillClrLst/>
+    <dgm:txEffectClrLst/>
+  </dgm:styleLbl>
+  <dgm:styleLbl name="parChTrans2D2">
+    <dgm:fillClrLst meth="repeat">
+      <a:schemeClr val="accent1"/>
+    </dgm:fillClrLst>
+    <dgm:linClrLst meth="repeat">
+      <a:schemeClr val="accent1"/>
+    </dgm:linClrLst>
+    <dgm:effectClrLst/>
+    <dgm:txLinClrLst/>
+    <dgm:txFillClrLst/>
+    <dgm:txEffectClrLst/>
+  </dgm:styleLbl>
+  <dgm:styleLbl name="parChTrans2D3">
+    <dgm:fillClrLst meth="repeat">
+      <a:schemeClr val="accent1"/>
+    </dgm:fillClrLst>
+    <dgm:linClrLst meth="repeat">
+      <a:schemeClr val="accent1"/>
+    </dgm:linClrLst>
+    <dgm:effectClrLst/>
+    <dgm:txLinClrLst/>
+    <dgm:txFillClrLst/>
+    <dgm:txEffectClrLst/>
+  </dgm:styleLbl>
+  <dgm:styleLbl name="parChTrans2D4">
+    <dgm:fillClrLst meth="repeat">
+      <a:schemeClr val="accent1"/>
+    </dgm:fillClrLst>
+    <dgm:linClrLst meth="repeat">
+      <a:schemeClr val="accent1"/>
+    </dgm:linClrLst>
+    <dgm:effectClrLst/>
+    <dgm:txLinClrLst/>
+    <dgm:txFillClrLst meth="repeat">
+      <a:schemeClr val="lt1"/>
+    </dgm:txFillClrLst>
+    <dgm:txEffectClrLst/>
+  </dgm:styleLbl>
+  <dgm:styleLbl name="parChTrans1D1">
+    <dgm:fillClrLst meth="repeat">
+      <a:schemeClr val="accent1"/>
+    </dgm:fillClrLst>
+    <dgm:linClrLst meth="repeat">
+      <a:schemeClr val="accent1">
+        <a:shade val="60000"/>
+      </a:schemeClr>
+    </dgm:linClrLst>
+    <dgm:effectClrLst/>
+    <dgm:txLinClrLst/>
+    <dgm:txFillClrLst meth="repeat">
+      <a:schemeClr val="tx1"/>
+    </dgm:txFillClrLst>
+    <dgm:txEffectClrLst/>
+  </dgm:styleLbl>
+  <dgm:styleLbl name="parChTrans1D2">
+    <dgm:fillClrLst meth="repeat">
+      <a:schemeClr val="accent1"/>
+    </dgm:fillClrLst>
+    <dgm:linClrLst meth="repeat">
+      <a:schemeClr val="accent1">
+        <a:shade val="60000"/>
+      </a:schemeClr>
+    </dgm:linClrLst>
+    <dgm:effectClrLst/>
+    <dgm:txLinClrLst/>
+    <dgm:txFillClrLst meth="repeat">
+      <a:schemeClr val="tx1"/>
+    </dgm:txFillClrLst>
+    <dgm:txEffectClrLst/>
+  </dgm:styleLbl>
+  <dgm:styleLbl name="parChTrans1D3">
+    <dgm:fillClrLst meth="repeat">
+      <a:schemeClr val="accent1"/>
+    </dgm:fillClrLst>
+    <dgm:linClrLst meth="repeat">
+      <a:schemeClr val="accent1">
+        <a:shade val="80000"/>
+      </a:schemeClr>
+    </dgm:linClrLst>
+    <dgm:effectClrLst/>
+    <dgm:txLinClrLst/>
+    <dgm:txFillClrLst meth="repeat">
+      <a:schemeClr val="tx1"/>
+    </dgm:txFillClrLst>
+    <dgm:txEffectClrLst/>
+  </dgm:styleLbl>
+  <dgm:styleLbl name="parChTrans1D4">
+    <dgm:fillClrLst meth="repeat">
+      <a:schemeClr val="accent1"/>
+    </dgm:fillClrLst>
+    <dgm:linClrLst meth="repeat">
+      <a:schemeClr val="accent1">
+        <a:shade val="80000"/>
+      </a:schemeClr>
+    </dgm:linClrLst>
+    <dgm:effectClrLst/>
+    <dgm:txLinClrLst/>
+    <dgm:txFillClrLst meth="repeat">
+      <a:schemeClr val="tx1"/>
+    </dgm:txFillClrLst>
+    <dgm:txEffectClrLst/>
+  </dgm:styleLbl>
+  <dgm:styleLbl name="fgAcc1">
+    <dgm:fillClrLst meth="repeat">
+      <a:schemeClr val="accent1">
+        <a:alpha val="90000"/>
+        <a:tint val="40000"/>
+      </a:schemeClr>
+    </dgm:fillClrLst>
+    <dgm:linClrLst meth="repeat">
+      <a:schemeClr val="accent1"/>
+    </dgm:linClrLst>
+    <dgm:effectClrLst/>
+    <dgm:txLinClrLst/>
+    <dgm:txFillClrLst meth="repeat">
+      <a:schemeClr val="dk1"/>
+    </dgm:txFillClrLst>
+    <dgm:txEffectClrLst/>
+  </dgm:styleLbl>
+  <dgm:styleLbl name="conFgAcc1">
+    <dgm:fillClrLst meth="repeat">
+      <a:schemeClr val="accent1">
+        <a:alpha val="90000"/>
+        <a:tint val="40000"/>
+      </a:schemeClr>
+    </dgm:fillClrLst>
+    <dgm:linClrLst meth="repeat">
+      <a:schemeClr val="accent1"/>
+    </dgm:linClrLst>
+    <dgm:effectClrLst/>
+    <dgm:txLinClrLst/>
+    <dgm:txFillClrLst meth="repeat">
+      <a:schemeClr val="dk1"/>
+    </dgm:txFillClrLst>
+    <dgm:txEffectClrLst/>
+  </dgm:styleLbl>
+  <dgm:styleLbl name="alignAcc1">
+    <dgm:fillClrLst meth="repeat">
+      <a:schemeClr val="accent1">
+        <a:alpha val="90000"/>
+        <a:tint val="40000"/>
+      </a:schemeClr>
+    </dgm:fillClrLst>
+    <dgm:linClrLst meth="repeat">
+      <a:schemeClr val="accent1"/>
+    </dgm:linClrLst>
+    <dgm:effectClrLst/>
+    <dgm:txLinClrLst/>
+    <dgm:txFillClrLst meth="repeat">
+      <a:schemeClr val="dk1"/>
+    </dgm:txFillClrLst>
+    <dgm:txEffectClrLst/>
+  </dgm:styleLbl>
+  <dgm:styleLbl name="trAlignAcc1">
+    <dgm:fillClrLst meth="repeat">
+      <a:schemeClr val="accent1">
+        <a:alpha val="40000"/>
+        <a:tint val="40000"/>
+      </a:schemeClr>
+    </dgm:fillClrLst>
+    <dgm:linClrLst meth="repeat">
+      <a:schemeClr val="accent1"/>
+    </dgm:linClrLst>
+    <dgm:effectClrLst/>
+    <dgm:txLinClrLst/>
+    <dgm:txFillClrLst meth="repeat">
+      <a:schemeClr val="dk1"/>
+    </dgm:txFillClrLst>
+    <dgm:txEffectClrLst/>
+  </dgm:styleLbl>
+  <dgm:styleLbl name="bgAcc1">
+    <dgm:fillClrLst meth="repeat">
+      <a:schemeClr val="accent1">
+        <a:alpha val="90000"/>
+        <a:tint val="40000"/>
+      </a:schemeClr>
+    </dgm:fillClrLst>
+    <dgm:linClrLst meth="repeat">
+      <a:schemeClr val="accent1"/>
+    </dgm:linClrLst>
+    <dgm:effectClrLst/>
+    <dgm:txLinClrLst/>
+    <dgm:txFillClrLst meth="repeat">
+      <a:schemeClr val="dk1"/>
+    </dgm:txFillClrLst>
+    <dgm:txEffectClrLst/>
+  </dgm:styleLbl>
+  <dgm:styleLbl name="solidFgAcc1">
+    <dgm:fillClrLst meth="repeat">
+      <a:schemeClr val="lt1"/>
+    </dgm:fillClrLst>
+    <dgm:linClrLst meth="repeat">
+      <a:schemeClr val="accent1"/>
+    </dgm:linClrLst>
+    <dgm:effectClrLst/>
+    <dgm:txLinClrLst/>
+    <dgm:txFillClrLst meth="repeat">
+      <a:schemeClr val="dk1"/>
+    </dgm:txFillClrLst>
+    <dgm:txEffectClrLst/>
+  </dgm:styleLbl>
+  <dgm:styleLbl name="solidAlignAcc1">
+    <dgm:fillClrLst meth="repeat">
+      <a:schemeClr val="lt1"/>
+    </dgm:fillClrLst>
+    <dgm:linClrLst meth="repeat">
+      <a:schemeClr val="accent1"/>
+    </dgm:linClrLst>
+    <dgm:effectClrLst/>
+    <dgm:txLinClrLst/>
+    <dgm:txFillClrLst meth="repeat">
+      <a:schemeClr val="dk1"/>
+    </dgm:txFillClrLst>
+    <dgm:txEffectClrLst/>
+  </dgm:styleLbl>
+  <dgm:styleLbl name="solidBgAcc1">
+    <dgm:fillClrLst meth="repeat">
+      <a:schemeClr val="lt1"/>
+    </dgm:fillClrLst>
+    <dgm:linClrLst meth="repeat">
+      <a:schemeClr val="accent1"/>
+    </dgm:linClrLst>
+    <dgm:effectClrLst/>
+    <dgm:txLinClrLst/>
+    <dgm:txFillClrLst meth="repeat">
+      <a:schemeClr val="dk1"/>
+    </dgm:txFillClrLst>
+    <dgm:txEffectClrLst/>
+  </dgm:styleLbl>
+  <dgm:styleLbl name="fgAccFollowNode1">
+    <dgm:fillClrLst meth="repeat">
+      <a:schemeClr val="lt1">
+        <a:alpha val="90000"/>
+        <a:tint val="40000"/>
+      </a:schemeClr>
+    </dgm:fillClrLst>
+    <dgm:linClrLst meth="repeat">
+      <a:schemeClr val="accent1">
+        <a:alpha val="90000"/>
+      </a:schemeClr>
+    </dgm:linClrLst>
+    <dgm:effectClrLst/>
+    <dgm:txLinClrLst/>
+    <dgm:txFillClrLst meth="repeat">
+      <a:schemeClr val="dk1"/>
+    </dgm:txFillClrLst>
+    <dgm:txEffectClrLst/>
+  </dgm:styleLbl>
+  <dgm:styleLbl name="alignAccFollowNode1">
+    <dgm:fillClrLst meth="repeat">
+      <a:schemeClr val="lt1">
+        <a:alpha val="90000"/>
+        <a:tint val="40000"/>
+      </a:schemeClr>
+    </dgm:fillClrLst>
+    <dgm:linClrLst meth="repeat">
+      <a:schemeClr val="accent1">
+        <a:alpha val="90000"/>
+      </a:schemeClr>
+    </dgm:linClrLst>
+    <dgm:effectClrLst/>
+    <dgm:txLinClrLst/>
+    <dgm:txFillClrLst meth="repeat">
+      <a:schemeClr val="dk1"/>
+    </dgm:txFillClrLst>
+    <dgm:txEffectClrLst/>
+  </dgm:styleLbl>
+  <dgm:styleLbl name="bgAccFollowNode1">
+    <dgm:fillClrLst meth="repeat">
+      <a:schemeClr val="lt1">
+        <a:alpha val="90000"/>
+        <a:tint val="40000"/>
+      </a:schemeClr>
+    </dgm:fillClrLst>
+    <dgm:linClrLst meth="repeat">
+      <a:schemeClr val="accent1">
+        <a:alpha val="90000"/>
+      </a:schemeClr>
+    </dgm:linClrLst>
+    <dgm:effectClrLst/>
+    <dgm:txLinClrLst/>
+    <dgm:txFillClrLst meth="repeat">
+      <a:schemeClr val="dk1"/>
+    </dgm:txFillClrLst>
+    <dgm:txEffectClrLst/>
+  </dgm:styleLbl>
+  <dgm:styleLbl name="fgAcc0">
+    <dgm:fillClrLst meth="repeat">
+      <a:schemeClr val="accent1">
+        <a:alpha val="90000"/>
+        <a:tint val="40000"/>
+      </a:schemeClr>
+    </dgm:fillClrLst>
+    <dgm:linClrLst meth="repeat">
+      <a:schemeClr val="accent1"/>
+    </dgm:linClrLst>
+    <dgm:effectClrLst/>
+    <dgm:txLinClrLst/>
+    <dgm:txFillClrLst meth="repeat">
+      <a:schemeClr val="dk1"/>
+    </dgm:txFillClrLst>
+    <dgm:txEffectClrLst/>
+  </dgm:styleLbl>
+  <dgm:styleLbl name="fgAcc2">
+    <dgm:fillClrLst meth="repeat">
+      <a:schemeClr val="accent1">
+        <a:alpha val="90000"/>
+        <a:tint val="40000"/>
+      </a:schemeClr>
+    </dgm:fillClrLst>
+    <dgm:linClrLst meth="repeat">
+      <a:schemeClr val="accent1"/>
+    </dgm:linClrLst>
+    <dgm:effectClrLst/>
+    <dgm:txLinClrLst/>
+    <dgm:txFillClrLst meth="repeat">
+      <a:schemeClr val="dk1"/>
+    </dgm:txFillClrLst>
+    <dgm:txEffectClrLst/>
+  </dgm:styleLbl>
+  <dgm:styleLbl name="fgAcc3">
+    <dgm:fillClrLst meth="repeat">
+      <a:schemeClr val="accent1">
+        <a:alpha val="90000"/>
+        <a:tint val="40000"/>
+      </a:schemeClr>
+    </dgm:fillClrLst>
+    <dgm:linClrLst meth="repeat">
+      <a:schemeClr val="accent1"/>
+    </dgm:linClrLst>
+    <dgm:effectClrLst/>
+    <dgm:txLinClrLst/>
+    <dgm:txFillClrLst meth="repeat">
+      <a:schemeClr val="dk1"/>
+    </dgm:txFillClrLst>
+    <dgm:txEffectClrLst/>
+  </dgm:styleLbl>
+  <dgm:styleLbl name="fgAcc4">
+    <dgm:fillClrLst meth="repeat">
+      <a:schemeClr val="accent1">
+        <a:alpha val="90000"/>
+        <a:tint val="40000"/>
+      </a:schemeClr>
+    </dgm:fillClrLst>
+    <dgm:linClrLst meth="repeat">
+      <a:schemeClr val="accent1"/>
+    </dgm:linClrLst>
+    <dgm:effectClrLst/>
+    <dgm:txLinClrLst/>
+    <dgm:txFillClrLst meth="repeat">
+      <a:schemeClr val="dk1"/>
+    </dgm:txFillClrLst>
+    <dgm:txEffectClrLst/>
+  </dgm:styleLbl>
+  <dgm:styleLbl name="bgShp">
+    <dgm:fillClrLst meth="repeat">
+      <a:schemeClr val="accent1">
+        <a:tint val="40000"/>
+      </a:schemeClr>
+    </dgm:fillClrLst>
+    <dgm:linClrLst meth="repeat">
+      <a:schemeClr val="accent1"/>
+    </dgm:linClrLst>
+    <dgm:effectClrLst/>
+    <dgm:txLinClrLst/>
+    <dgm:txFillClrLst meth="repeat">
+      <a:schemeClr val="dk1"/>
+    </dgm:txFillClrLst>
+    <dgm:txEffectClrLst/>
+  </dgm:styleLbl>
+  <dgm:styleLbl name="dkBgShp">
+    <dgm:fillClrLst meth="repeat">
+      <a:schemeClr val="accent1">
+        <a:shade val="80000"/>
+      </a:schemeClr>
+    </dgm:fillClrLst>
+    <dgm:linClrLst meth="repeat">
+      <a:schemeClr val="accent1"/>
+    </dgm:linClrLst>
+    <dgm:effectClrLst/>
+    <dgm:txLinClrLst/>
+    <dgm:txFillClrLst meth="repeat">
+      <a:schemeClr val="lt1"/>
+    </dgm:txFillClrLst>
+    <dgm:txEffectClrLst/>
+  </dgm:styleLbl>
+  <dgm:styleLbl name="trBgShp">
+    <dgm:fillClrLst meth="repeat">
+      <a:schemeClr val="accent1">
+        <a:tint val="50000"/>
+        <a:alpha val="40000"/>
+      </a:schemeClr>
+    </dgm:fillClrLst>
+    <dgm:linClrLst meth="repeat">
+      <a:schemeClr val="accent1"/>
+    </dgm:linClrLst>
+    <dgm:effectClrLst/>
+    <dgm:txLinClrLst/>
+    <dgm:txFillClrLst meth="repeat">
+      <a:schemeClr val="lt1"/>
+    </dgm:txFillClrLst>
+    <dgm:txEffectClrLst/>
+  </dgm:styleLbl>
+  <dgm:styleLbl name="fgShp">
+    <dgm:fillClrLst meth="repeat">
+      <a:schemeClr val="accent1">
+        <a:tint val="60000"/>
+      </a:schemeClr>
+    </dgm:fillClrLst>
+    <dgm:linClrLst meth="repeat">
+      <a:schemeClr val="lt1"/>
+    </dgm:linClrLst>
+    <dgm:effectClrLst/>
+    <dgm:txLinClrLst/>
+    <dgm:txFillClrLst meth="repeat">
+      <a:schemeClr val="dk1"/>
+    </dgm:txFillClrLst>
+    <dgm:txEffectClrLst/>
+  </dgm:styleLbl>
+  <dgm:styleLbl name="revTx">
+    <dgm:fillClrLst meth="repeat">
+      <a:schemeClr val="lt1">
+        <a:alpha val="0"/>
+      </a:schemeClr>
+    </dgm:fillClrLst>
+    <dgm:linClrLst meth="repeat">
+      <a:schemeClr val="dk1">
+        <a:alpha val="0"/>
+      </a:schemeClr>
+    </dgm:linClrLst>
+    <dgm:effectClrLst/>
+    <dgm:txLinClrLst/>
+    <dgm:txFillClrLst meth="repeat">
+      <a:schemeClr val="tx1"/>
+    </dgm:txFillClrLst>
+    <dgm:txEffectClrLst/>
+  </dgm:styleLbl>
+</dgm:colorsDef>
+</file>
+
+<file path=ppt/diagrams/data1.xml><?xml version="1.0" encoding="utf-8"?>
+<dgm:dataModel xmlns:dgm="http://schemas.openxmlformats.org/drawingml/2006/diagram" xmlns:a="http://schemas.openxmlformats.org/drawingml/2006/main">
+  <dgm:ptLst>
+    <dgm:pt modelId="{929F1A73-86D9-4111-B871-0E3E0D154CAF}" type="doc">
+      <dgm:prSet loTypeId="urn:microsoft.com/office/officeart/2005/8/layout/lProcess2" loCatId="list" qsTypeId="urn:microsoft.com/office/officeart/2005/8/quickstyle/simple3" qsCatId="simple" csTypeId="urn:microsoft.com/office/officeart/2005/8/colors/accent1_1" csCatId="accent1" phldr="1"/>
+      <dgm:spPr/>
+      <dgm:t>
+        <a:bodyPr/>
+        <a:lstStyle/>
+        <a:p>
+          <a:endParaRPr lang="de-DE"/>
+        </a:p>
+      </dgm:t>
+    </dgm:pt>
+    <dgm:pt modelId="{D94E91D6-9268-4E15-A03E-A54D934D8961}">
+      <dgm:prSet phldrT="[Text]"/>
+      <dgm:spPr/>
+      <dgm:t>
+        <a:bodyPr/>
+        <a:lstStyle/>
+        <a:p>
+          <a:r>
+            <a:rPr lang="de-DE" dirty="0"/>
+            <a:t>Batterien</a:t>
+          </a:r>
+        </a:p>
+      </dgm:t>
+    </dgm:pt>
+    <dgm:pt modelId="{2BD81B53-F614-416F-BA15-467607BB7192}" type="parTrans" cxnId="{DD075E7B-0834-4178-958E-88A67320972D}">
+      <dgm:prSet/>
+      <dgm:spPr/>
+      <dgm:t>
+        <a:bodyPr/>
+        <a:lstStyle/>
+        <a:p>
+          <a:endParaRPr lang="de-DE"/>
+        </a:p>
+      </dgm:t>
+    </dgm:pt>
+    <dgm:pt modelId="{9215794F-E30F-422E-A77F-ACCF537CAF87}" type="sibTrans" cxnId="{DD075E7B-0834-4178-958E-88A67320972D}">
+      <dgm:prSet/>
+      <dgm:spPr/>
+      <dgm:t>
+        <a:bodyPr/>
+        <a:lstStyle/>
+        <a:p>
+          <a:endParaRPr lang="de-DE"/>
+        </a:p>
+      </dgm:t>
+    </dgm:pt>
+    <dgm:pt modelId="{5AD5A7CF-B411-40F6-B51B-6CE04C3F269B}">
+      <dgm:prSet phldrT="[Text]"/>
+      <dgm:spPr/>
+      <dgm:t>
+        <a:bodyPr/>
+        <a:lstStyle/>
+        <a:p>
+          <a:r>
+            <a:rPr lang="de-DE" dirty="0"/>
+            <a:t>Ladezustand</a:t>
+          </a:r>
+          <a:r>
+            <a:rPr lang="de-DE" baseline="0" dirty="0"/>
+            <a:t> wird überwacht</a:t>
+          </a:r>
+          <a:endParaRPr lang="de-DE" dirty="0"/>
+        </a:p>
+      </dgm:t>
+    </dgm:pt>
+    <dgm:pt modelId="{22D489B1-7056-4FF4-B729-C224C1B328ED}" type="parTrans" cxnId="{E5E60394-5408-446E-BC72-8C63A269AD3F}">
+      <dgm:prSet/>
+      <dgm:spPr/>
+      <dgm:t>
+        <a:bodyPr/>
+        <a:lstStyle/>
+        <a:p>
+          <a:endParaRPr lang="de-DE"/>
+        </a:p>
+      </dgm:t>
+    </dgm:pt>
+    <dgm:pt modelId="{946560BA-BBB3-49A1-BA33-B3A2C4D00BE5}" type="sibTrans" cxnId="{E5E60394-5408-446E-BC72-8C63A269AD3F}">
+      <dgm:prSet/>
+      <dgm:spPr/>
+      <dgm:t>
+        <a:bodyPr/>
+        <a:lstStyle/>
+        <a:p>
+          <a:endParaRPr lang="de-DE"/>
+        </a:p>
+      </dgm:t>
+    </dgm:pt>
+    <dgm:pt modelId="{F67153FC-3414-4171-B138-27B66DC97AB5}">
+      <dgm:prSet phldrT="[Text]"/>
+      <dgm:spPr/>
+      <dgm:t>
+        <a:bodyPr/>
+        <a:lstStyle/>
+        <a:p>
+          <a:r>
+            <a:rPr lang="de-DE" dirty="0"/>
+            <a:t>Stromsparender Modus</a:t>
+          </a:r>
+        </a:p>
+      </dgm:t>
+    </dgm:pt>
+    <dgm:pt modelId="{2231A1F3-1F47-40C5-8C09-52CFFC18F684}" type="parTrans" cxnId="{DC4F391C-2A2C-4140-859D-C45F7B206B1D}">
+      <dgm:prSet/>
+      <dgm:spPr/>
+      <dgm:t>
+        <a:bodyPr/>
+        <a:lstStyle/>
+        <a:p>
+          <a:endParaRPr lang="de-DE"/>
+        </a:p>
+      </dgm:t>
+    </dgm:pt>
+    <dgm:pt modelId="{1A9E35A9-5E06-4EA0-85C0-2647E37D90F6}" type="sibTrans" cxnId="{DC4F391C-2A2C-4140-859D-C45F7B206B1D}">
+      <dgm:prSet/>
+      <dgm:spPr/>
+      <dgm:t>
+        <a:bodyPr/>
+        <a:lstStyle/>
+        <a:p>
+          <a:endParaRPr lang="de-DE"/>
+        </a:p>
+      </dgm:t>
+    </dgm:pt>
+    <dgm:pt modelId="{F2716151-8C5C-46E6-B852-927BB05E9DDC}">
+      <dgm:prSet phldrT="[Text]"/>
+      <dgm:spPr/>
+      <dgm:t>
+        <a:bodyPr/>
+        <a:lstStyle/>
+        <a:p>
+          <a:r>
+            <a:rPr lang="de-DE" dirty="0"/>
+            <a:t>RTOS</a:t>
+          </a:r>
+        </a:p>
+      </dgm:t>
+    </dgm:pt>
+    <dgm:pt modelId="{67BD83DB-D7B5-4414-AB66-D5EC294414A1}" type="parTrans" cxnId="{8577DDAB-9A4E-43A2-8F67-BCC3FED3FCD5}">
+      <dgm:prSet/>
+      <dgm:spPr/>
+      <dgm:t>
+        <a:bodyPr/>
+        <a:lstStyle/>
+        <a:p>
+          <a:endParaRPr lang="de-DE"/>
+        </a:p>
+      </dgm:t>
+    </dgm:pt>
+    <dgm:pt modelId="{4D3BFFC0-DC03-4256-8590-5B209123EE66}" type="sibTrans" cxnId="{8577DDAB-9A4E-43A2-8F67-BCC3FED3FCD5}">
+      <dgm:prSet/>
+      <dgm:spPr/>
+      <dgm:t>
+        <a:bodyPr/>
+        <a:lstStyle/>
+        <a:p>
+          <a:endParaRPr lang="de-DE"/>
+        </a:p>
+      </dgm:t>
+    </dgm:pt>
+    <dgm:pt modelId="{F2F04336-F611-4AA8-ABAE-2F2E0F631CD0}">
+      <dgm:prSet phldrT="[Text]"/>
+      <dgm:spPr/>
+      <dgm:t>
+        <a:bodyPr/>
+        <a:lstStyle/>
+        <a:p>
+          <a:r>
+            <a:rPr lang="de-DE" dirty="0"/>
+            <a:t>Einhaltung von Zeitbedingungen</a:t>
+          </a:r>
+        </a:p>
+      </dgm:t>
+    </dgm:pt>
+    <dgm:pt modelId="{F5A5F568-84C8-421E-A7F8-EF4FD367E17A}" type="parTrans" cxnId="{C5DC3C69-8FE3-4F9A-A63F-1D9D61168D03}">
+      <dgm:prSet/>
+      <dgm:spPr/>
+      <dgm:t>
+        <a:bodyPr/>
+        <a:lstStyle/>
+        <a:p>
+          <a:endParaRPr lang="de-DE"/>
+        </a:p>
+      </dgm:t>
+    </dgm:pt>
+    <dgm:pt modelId="{D7ADCAAA-5B22-4DCF-AC8C-DD37E976C11A}" type="sibTrans" cxnId="{C5DC3C69-8FE3-4F9A-A63F-1D9D61168D03}">
+      <dgm:prSet/>
+      <dgm:spPr/>
+      <dgm:t>
+        <a:bodyPr/>
+        <a:lstStyle/>
+        <a:p>
+          <a:endParaRPr lang="de-DE"/>
+        </a:p>
+      </dgm:t>
+    </dgm:pt>
+    <dgm:pt modelId="{61510AD7-9E35-43DA-9CB6-90861EDA8157}">
+      <dgm:prSet phldrT="[Text]"/>
+      <dgm:spPr/>
+      <dgm:t>
+        <a:bodyPr/>
+        <a:lstStyle/>
+        <a:p>
+          <a:r>
+            <a:rPr lang="de-DE" dirty="0"/>
+            <a:t>Vorhersagbarkeit des Systemverhaltens</a:t>
+          </a:r>
+        </a:p>
+      </dgm:t>
+    </dgm:pt>
+    <dgm:pt modelId="{2FF78976-6784-4673-BD5A-1EB49F2DFCE3}" type="parTrans" cxnId="{3FFD98AA-C4F7-4DA7-B1BA-3C37F97554A0}">
+      <dgm:prSet/>
+      <dgm:spPr/>
+      <dgm:t>
+        <a:bodyPr/>
+        <a:lstStyle/>
+        <a:p>
+          <a:endParaRPr lang="de-DE"/>
+        </a:p>
+      </dgm:t>
+    </dgm:pt>
+    <dgm:pt modelId="{CE4C884D-E08F-4C7E-AD38-19057C9D4C1A}" type="sibTrans" cxnId="{3FFD98AA-C4F7-4DA7-B1BA-3C37F97554A0}">
+      <dgm:prSet/>
+      <dgm:spPr/>
+      <dgm:t>
+        <a:bodyPr/>
+        <a:lstStyle/>
+        <a:p>
+          <a:endParaRPr lang="de-DE"/>
+        </a:p>
+      </dgm:t>
+    </dgm:pt>
+    <dgm:pt modelId="{5CA9FB10-F74C-4850-91C3-933CA035D58D}" type="pres">
+      <dgm:prSet presAssocID="{929F1A73-86D9-4111-B871-0E3E0D154CAF}" presName="theList" presStyleCnt="0">
+        <dgm:presLayoutVars>
+          <dgm:dir/>
+          <dgm:animLvl val="lvl"/>
+          <dgm:resizeHandles val="exact"/>
+        </dgm:presLayoutVars>
+      </dgm:prSet>
+      <dgm:spPr/>
+      <dgm:t>
+        <a:bodyPr/>
+        <a:lstStyle/>
+        <a:p>
+          <a:endParaRPr lang="en-US"/>
+        </a:p>
+      </dgm:t>
+    </dgm:pt>
+    <dgm:pt modelId="{1BEF9E55-CBEA-47B0-A5BD-EF3BECF9F281}" type="pres">
+      <dgm:prSet presAssocID="{D94E91D6-9268-4E15-A03E-A54D934D8961}" presName="compNode" presStyleCnt="0"/>
+      <dgm:spPr/>
+    </dgm:pt>
+    <dgm:pt modelId="{9660C95B-8830-421A-82F9-7F107215CE6F}" type="pres">
+      <dgm:prSet presAssocID="{D94E91D6-9268-4E15-A03E-A54D934D8961}" presName="aNode" presStyleLbl="bgShp" presStyleIdx="0" presStyleCnt="2"/>
+      <dgm:spPr/>
+      <dgm:t>
+        <a:bodyPr/>
+        <a:lstStyle/>
+        <a:p>
+          <a:endParaRPr lang="en-US"/>
+        </a:p>
+      </dgm:t>
+    </dgm:pt>
+    <dgm:pt modelId="{F5F5C086-9CA7-4BF1-A04B-0E82F8B0D3F0}" type="pres">
+      <dgm:prSet presAssocID="{D94E91D6-9268-4E15-A03E-A54D934D8961}" presName="textNode" presStyleLbl="bgShp" presStyleIdx="0" presStyleCnt="2"/>
+      <dgm:spPr/>
+      <dgm:t>
+        <a:bodyPr/>
+        <a:lstStyle/>
+        <a:p>
+          <a:endParaRPr lang="en-US"/>
+        </a:p>
+      </dgm:t>
+    </dgm:pt>
+    <dgm:pt modelId="{2E9EFDF7-3F9F-4D4E-AAD1-54C05AEA3F04}" type="pres">
+      <dgm:prSet presAssocID="{D94E91D6-9268-4E15-A03E-A54D934D8961}" presName="compChildNode" presStyleCnt="0"/>
+      <dgm:spPr/>
+    </dgm:pt>
+    <dgm:pt modelId="{B698B561-F8C2-4AF0-B72B-5A9D971019E8}" type="pres">
+      <dgm:prSet presAssocID="{D94E91D6-9268-4E15-A03E-A54D934D8961}" presName="theInnerList" presStyleCnt="0"/>
+      <dgm:spPr/>
+    </dgm:pt>
+    <dgm:pt modelId="{A0611EDE-FD2B-4789-83D9-ACABCBF4A1F3}" type="pres">
+      <dgm:prSet presAssocID="{5AD5A7CF-B411-40F6-B51B-6CE04C3F269B}" presName="childNode" presStyleLbl="node1" presStyleIdx="0" presStyleCnt="4">
+        <dgm:presLayoutVars>
+          <dgm:bulletEnabled val="1"/>
+        </dgm:presLayoutVars>
+      </dgm:prSet>
+      <dgm:spPr/>
+      <dgm:t>
+        <a:bodyPr/>
+        <a:lstStyle/>
+        <a:p>
+          <a:endParaRPr lang="en-US"/>
+        </a:p>
+      </dgm:t>
+    </dgm:pt>
+    <dgm:pt modelId="{3E1BADB2-305F-41A6-9170-BD94A7C14CBA}" type="pres">
+      <dgm:prSet presAssocID="{5AD5A7CF-B411-40F6-B51B-6CE04C3F269B}" presName="aSpace2" presStyleCnt="0"/>
+      <dgm:spPr/>
+    </dgm:pt>
+    <dgm:pt modelId="{3FDD5661-091B-4425-B408-E852D49A74D7}" type="pres">
+      <dgm:prSet presAssocID="{F67153FC-3414-4171-B138-27B66DC97AB5}" presName="childNode" presStyleLbl="node1" presStyleIdx="1" presStyleCnt="4">
+        <dgm:presLayoutVars>
+          <dgm:bulletEnabled val="1"/>
+        </dgm:presLayoutVars>
+      </dgm:prSet>
+      <dgm:spPr/>
+      <dgm:t>
+        <a:bodyPr/>
+        <a:lstStyle/>
+        <a:p>
+          <a:endParaRPr lang="en-US"/>
+        </a:p>
+      </dgm:t>
+    </dgm:pt>
+    <dgm:pt modelId="{5B018876-FA15-4D6C-BD12-9FEB0D1D9AC4}" type="pres">
+      <dgm:prSet presAssocID="{D94E91D6-9268-4E15-A03E-A54D934D8961}" presName="aSpace" presStyleCnt="0"/>
+      <dgm:spPr/>
+    </dgm:pt>
+    <dgm:pt modelId="{5964C0F7-905F-40A0-BD51-358049D489F3}" type="pres">
+      <dgm:prSet presAssocID="{F2716151-8C5C-46E6-B852-927BB05E9DDC}" presName="compNode" presStyleCnt="0"/>
+      <dgm:spPr/>
+    </dgm:pt>
+    <dgm:pt modelId="{E76F1E3B-E449-45F3-9E50-C1765423D167}" type="pres">
+      <dgm:prSet presAssocID="{F2716151-8C5C-46E6-B852-927BB05E9DDC}" presName="aNode" presStyleLbl="bgShp" presStyleIdx="1" presStyleCnt="2"/>
+      <dgm:spPr/>
+      <dgm:t>
+        <a:bodyPr/>
+        <a:lstStyle/>
+        <a:p>
+          <a:endParaRPr lang="en-US"/>
+        </a:p>
+      </dgm:t>
+    </dgm:pt>
+    <dgm:pt modelId="{40AAE297-5608-433D-8CB4-E56676E4BDCA}" type="pres">
+      <dgm:prSet presAssocID="{F2716151-8C5C-46E6-B852-927BB05E9DDC}" presName="textNode" presStyleLbl="bgShp" presStyleIdx="1" presStyleCnt="2"/>
+      <dgm:spPr/>
+      <dgm:t>
+        <a:bodyPr/>
+        <a:lstStyle/>
+        <a:p>
+          <a:endParaRPr lang="en-US"/>
+        </a:p>
+      </dgm:t>
+    </dgm:pt>
+    <dgm:pt modelId="{C405888E-71F3-41E4-B6BE-34A01BC88B85}" type="pres">
+      <dgm:prSet presAssocID="{F2716151-8C5C-46E6-B852-927BB05E9DDC}" presName="compChildNode" presStyleCnt="0"/>
+      <dgm:spPr/>
+    </dgm:pt>
+    <dgm:pt modelId="{343FA9D8-CAFC-408B-B764-0CAE3FC8887D}" type="pres">
+      <dgm:prSet presAssocID="{F2716151-8C5C-46E6-B852-927BB05E9DDC}" presName="theInnerList" presStyleCnt="0"/>
+      <dgm:spPr/>
+    </dgm:pt>
+    <dgm:pt modelId="{359AFD9B-FE1A-4786-9D1E-8101FAACA517}" type="pres">
+      <dgm:prSet presAssocID="{F2F04336-F611-4AA8-ABAE-2F2E0F631CD0}" presName="childNode" presStyleLbl="node1" presStyleIdx="2" presStyleCnt="4">
+        <dgm:presLayoutVars>
+          <dgm:bulletEnabled val="1"/>
+        </dgm:presLayoutVars>
+      </dgm:prSet>
+      <dgm:spPr/>
+      <dgm:t>
+        <a:bodyPr/>
+        <a:lstStyle/>
+        <a:p>
+          <a:endParaRPr lang="en-US"/>
+        </a:p>
+      </dgm:t>
+    </dgm:pt>
+    <dgm:pt modelId="{6510C834-E2F2-466B-8003-09AFB8754A13}" type="pres">
+      <dgm:prSet presAssocID="{F2F04336-F611-4AA8-ABAE-2F2E0F631CD0}" presName="aSpace2" presStyleCnt="0"/>
+      <dgm:spPr/>
+    </dgm:pt>
+    <dgm:pt modelId="{2355FF91-EA99-449B-BCAF-9A8D723A7E57}" type="pres">
+      <dgm:prSet presAssocID="{61510AD7-9E35-43DA-9CB6-90861EDA8157}" presName="childNode" presStyleLbl="node1" presStyleIdx="3" presStyleCnt="4">
+        <dgm:presLayoutVars>
+          <dgm:bulletEnabled val="1"/>
+        </dgm:presLayoutVars>
+      </dgm:prSet>
+      <dgm:spPr/>
+      <dgm:t>
+        <a:bodyPr/>
+        <a:lstStyle/>
+        <a:p>
+          <a:endParaRPr lang="en-US"/>
+        </a:p>
+      </dgm:t>
+    </dgm:pt>
+  </dgm:ptLst>
+  <dgm:cxnLst>
+    <dgm:cxn modelId="{8577DDAB-9A4E-43A2-8F67-BCC3FED3FCD5}" srcId="{929F1A73-86D9-4111-B871-0E3E0D154CAF}" destId="{F2716151-8C5C-46E6-B852-927BB05E9DDC}" srcOrd="1" destOrd="0" parTransId="{67BD83DB-D7B5-4414-AB66-D5EC294414A1}" sibTransId="{4D3BFFC0-DC03-4256-8590-5B209123EE66}"/>
+    <dgm:cxn modelId="{DD075E7B-0834-4178-958E-88A67320972D}" srcId="{929F1A73-86D9-4111-B871-0E3E0D154CAF}" destId="{D94E91D6-9268-4E15-A03E-A54D934D8961}" srcOrd="0" destOrd="0" parTransId="{2BD81B53-F614-416F-BA15-467607BB7192}" sibTransId="{9215794F-E30F-422E-A77F-ACCF537CAF87}"/>
+    <dgm:cxn modelId="{E5E60394-5408-446E-BC72-8C63A269AD3F}" srcId="{D94E91D6-9268-4E15-A03E-A54D934D8961}" destId="{5AD5A7CF-B411-40F6-B51B-6CE04C3F269B}" srcOrd="0" destOrd="0" parTransId="{22D489B1-7056-4FF4-B729-C224C1B328ED}" sibTransId="{946560BA-BBB3-49A1-BA33-B3A2C4D00BE5}"/>
+    <dgm:cxn modelId="{18610A86-B908-7A48-8344-109D2BBD9295}" type="presOf" srcId="{929F1A73-86D9-4111-B871-0E3E0D154CAF}" destId="{5CA9FB10-F74C-4850-91C3-933CA035D58D}" srcOrd="0" destOrd="0" presId="urn:microsoft.com/office/officeart/2005/8/layout/lProcess2"/>
+    <dgm:cxn modelId="{DAEA9AB7-7047-424D-9A33-22DB3821C69C}" type="presOf" srcId="{D94E91D6-9268-4E15-A03E-A54D934D8961}" destId="{9660C95B-8830-421A-82F9-7F107215CE6F}" srcOrd="0" destOrd="0" presId="urn:microsoft.com/office/officeart/2005/8/layout/lProcess2"/>
+    <dgm:cxn modelId="{7B033C76-9490-7A4D-AB79-7846A955E7D9}" type="presOf" srcId="{F67153FC-3414-4171-B138-27B66DC97AB5}" destId="{3FDD5661-091B-4425-B408-E852D49A74D7}" srcOrd="0" destOrd="0" presId="urn:microsoft.com/office/officeart/2005/8/layout/lProcess2"/>
+    <dgm:cxn modelId="{0E0F966D-1674-6241-98F2-3E1435E00572}" type="presOf" srcId="{F2F04336-F611-4AA8-ABAE-2F2E0F631CD0}" destId="{359AFD9B-FE1A-4786-9D1E-8101FAACA517}" srcOrd="0" destOrd="0" presId="urn:microsoft.com/office/officeart/2005/8/layout/lProcess2"/>
+    <dgm:cxn modelId="{DC4F391C-2A2C-4140-859D-C45F7B206B1D}" srcId="{D94E91D6-9268-4E15-A03E-A54D934D8961}" destId="{F67153FC-3414-4171-B138-27B66DC97AB5}" srcOrd="1" destOrd="0" parTransId="{2231A1F3-1F47-40C5-8C09-52CFFC18F684}" sibTransId="{1A9E35A9-5E06-4EA0-85C0-2647E37D90F6}"/>
+    <dgm:cxn modelId="{C5DC3C69-8FE3-4F9A-A63F-1D9D61168D03}" srcId="{F2716151-8C5C-46E6-B852-927BB05E9DDC}" destId="{F2F04336-F611-4AA8-ABAE-2F2E0F631CD0}" srcOrd="0" destOrd="0" parTransId="{F5A5F568-84C8-421E-A7F8-EF4FD367E17A}" sibTransId="{D7ADCAAA-5B22-4DCF-AC8C-DD37E976C11A}"/>
+    <dgm:cxn modelId="{A054E90C-35E3-7C45-A765-5954F4D7270E}" type="presOf" srcId="{F2716151-8C5C-46E6-B852-927BB05E9DDC}" destId="{E76F1E3B-E449-45F3-9E50-C1765423D167}" srcOrd="0" destOrd="0" presId="urn:microsoft.com/office/officeart/2005/8/layout/lProcess2"/>
+    <dgm:cxn modelId="{C256946C-022D-764E-880E-B0CB72F0E8FB}" type="presOf" srcId="{D94E91D6-9268-4E15-A03E-A54D934D8961}" destId="{F5F5C086-9CA7-4BF1-A04B-0E82F8B0D3F0}" srcOrd="1" destOrd="0" presId="urn:microsoft.com/office/officeart/2005/8/layout/lProcess2"/>
+    <dgm:cxn modelId="{3FFD98AA-C4F7-4DA7-B1BA-3C37F97554A0}" srcId="{F2716151-8C5C-46E6-B852-927BB05E9DDC}" destId="{61510AD7-9E35-43DA-9CB6-90861EDA8157}" srcOrd="1" destOrd="0" parTransId="{2FF78976-6784-4673-BD5A-1EB49F2DFCE3}" sibTransId="{CE4C884D-E08F-4C7E-AD38-19057C9D4C1A}"/>
+    <dgm:cxn modelId="{70326443-8739-5A49-812F-524DE6F0FA19}" type="presOf" srcId="{F2716151-8C5C-46E6-B852-927BB05E9DDC}" destId="{40AAE297-5608-433D-8CB4-E56676E4BDCA}" srcOrd="1" destOrd="0" presId="urn:microsoft.com/office/officeart/2005/8/layout/lProcess2"/>
+    <dgm:cxn modelId="{0EB4C0EE-852B-6E4E-B2FD-E38220B2D358}" type="presOf" srcId="{5AD5A7CF-B411-40F6-B51B-6CE04C3F269B}" destId="{A0611EDE-FD2B-4789-83D9-ACABCBF4A1F3}" srcOrd="0" destOrd="0" presId="urn:microsoft.com/office/officeart/2005/8/layout/lProcess2"/>
+    <dgm:cxn modelId="{4360DF4F-1F5B-8743-826C-0E75A9A0DB1E}" type="presOf" srcId="{61510AD7-9E35-43DA-9CB6-90861EDA8157}" destId="{2355FF91-EA99-449B-BCAF-9A8D723A7E57}" srcOrd="0" destOrd="0" presId="urn:microsoft.com/office/officeart/2005/8/layout/lProcess2"/>
+    <dgm:cxn modelId="{5740A7BC-E0C5-D649-82C5-20CCC4BD0ED7}" type="presParOf" srcId="{5CA9FB10-F74C-4850-91C3-933CA035D58D}" destId="{1BEF9E55-CBEA-47B0-A5BD-EF3BECF9F281}" srcOrd="0" destOrd="0" presId="urn:microsoft.com/office/officeart/2005/8/layout/lProcess2"/>
+    <dgm:cxn modelId="{CEA1389A-ED3F-BE47-9062-45930057130A}" type="presParOf" srcId="{1BEF9E55-CBEA-47B0-A5BD-EF3BECF9F281}" destId="{9660C95B-8830-421A-82F9-7F107215CE6F}" srcOrd="0" destOrd="0" presId="urn:microsoft.com/office/officeart/2005/8/layout/lProcess2"/>
+    <dgm:cxn modelId="{8BE3A9BF-7DF7-4941-ADC9-0E110FCC5B79}" type="presParOf" srcId="{1BEF9E55-CBEA-47B0-A5BD-EF3BECF9F281}" destId="{F5F5C086-9CA7-4BF1-A04B-0E82F8B0D3F0}" srcOrd="1" destOrd="0" presId="urn:microsoft.com/office/officeart/2005/8/layout/lProcess2"/>
+    <dgm:cxn modelId="{77EC0F7A-02A8-A347-BF18-8C1C6C9EA158}" type="presParOf" srcId="{1BEF9E55-CBEA-47B0-A5BD-EF3BECF9F281}" destId="{2E9EFDF7-3F9F-4D4E-AAD1-54C05AEA3F04}" srcOrd="2" destOrd="0" presId="urn:microsoft.com/office/officeart/2005/8/layout/lProcess2"/>
+    <dgm:cxn modelId="{16E478F0-F246-864E-92C4-047772BFDB7F}" type="presParOf" srcId="{2E9EFDF7-3F9F-4D4E-AAD1-54C05AEA3F04}" destId="{B698B561-F8C2-4AF0-B72B-5A9D971019E8}" srcOrd="0" destOrd="0" presId="urn:microsoft.com/office/officeart/2005/8/layout/lProcess2"/>
+    <dgm:cxn modelId="{F653E102-4376-2541-AE2F-20EB7B321D2E}" type="presParOf" srcId="{B698B561-F8C2-4AF0-B72B-5A9D971019E8}" destId="{A0611EDE-FD2B-4789-83D9-ACABCBF4A1F3}" srcOrd="0" destOrd="0" presId="urn:microsoft.com/office/officeart/2005/8/layout/lProcess2"/>
+    <dgm:cxn modelId="{5C6938D6-644A-7E4B-B80D-8892C2B92BA4}" type="presParOf" srcId="{B698B561-F8C2-4AF0-B72B-5A9D971019E8}" destId="{3E1BADB2-305F-41A6-9170-BD94A7C14CBA}" srcOrd="1" destOrd="0" presId="urn:microsoft.com/office/officeart/2005/8/layout/lProcess2"/>
+    <dgm:cxn modelId="{F76FD372-2F01-744A-AAF8-4C76424BB6DC}" type="presParOf" srcId="{B698B561-F8C2-4AF0-B72B-5A9D971019E8}" destId="{3FDD5661-091B-4425-B408-E852D49A74D7}" srcOrd="2" destOrd="0" presId="urn:microsoft.com/office/officeart/2005/8/layout/lProcess2"/>
+    <dgm:cxn modelId="{DCA638F0-D1B4-B443-9566-5538C90F277D}" type="presParOf" srcId="{5CA9FB10-F74C-4850-91C3-933CA035D58D}" destId="{5B018876-FA15-4D6C-BD12-9FEB0D1D9AC4}" srcOrd="1" destOrd="0" presId="urn:microsoft.com/office/officeart/2005/8/layout/lProcess2"/>
+    <dgm:cxn modelId="{E2D2EAD2-5370-5946-A7DB-96DF1674C37E}" type="presParOf" srcId="{5CA9FB10-F74C-4850-91C3-933CA035D58D}" destId="{5964C0F7-905F-40A0-BD51-358049D489F3}" srcOrd="2" destOrd="0" presId="urn:microsoft.com/office/officeart/2005/8/layout/lProcess2"/>
+    <dgm:cxn modelId="{ECCE66EA-C017-924B-B751-2CE89920A996}" type="presParOf" srcId="{5964C0F7-905F-40A0-BD51-358049D489F3}" destId="{E76F1E3B-E449-45F3-9E50-C1765423D167}" srcOrd="0" destOrd="0" presId="urn:microsoft.com/office/officeart/2005/8/layout/lProcess2"/>
+    <dgm:cxn modelId="{F5C437AC-B325-294F-917D-AF474F0ACEE5}" type="presParOf" srcId="{5964C0F7-905F-40A0-BD51-358049D489F3}" destId="{40AAE297-5608-433D-8CB4-E56676E4BDCA}" srcOrd="1" destOrd="0" presId="urn:microsoft.com/office/officeart/2005/8/layout/lProcess2"/>
+    <dgm:cxn modelId="{9DEDE368-D8BF-7E40-8F11-3244CCC6E355}" type="presParOf" srcId="{5964C0F7-905F-40A0-BD51-358049D489F3}" destId="{C405888E-71F3-41E4-B6BE-34A01BC88B85}" srcOrd="2" destOrd="0" presId="urn:microsoft.com/office/officeart/2005/8/layout/lProcess2"/>
+    <dgm:cxn modelId="{75AF5262-544F-1E48-9F34-D8846F6EBE76}" type="presParOf" srcId="{C405888E-71F3-41E4-B6BE-34A01BC88B85}" destId="{343FA9D8-CAFC-408B-B764-0CAE3FC8887D}" srcOrd="0" destOrd="0" presId="urn:microsoft.com/office/officeart/2005/8/layout/lProcess2"/>
+    <dgm:cxn modelId="{3809AB99-94EA-4F40-A05E-5DC296C81F6B}" type="presParOf" srcId="{343FA9D8-CAFC-408B-B764-0CAE3FC8887D}" destId="{359AFD9B-FE1A-4786-9D1E-8101FAACA517}" srcOrd="0" destOrd="0" presId="urn:microsoft.com/office/officeart/2005/8/layout/lProcess2"/>
+    <dgm:cxn modelId="{3BF44D3C-DC0B-F44F-ABC9-21AF662E9D7F}" type="presParOf" srcId="{343FA9D8-CAFC-408B-B764-0CAE3FC8887D}" destId="{6510C834-E2F2-466B-8003-09AFB8754A13}" srcOrd="1" destOrd="0" presId="urn:microsoft.com/office/officeart/2005/8/layout/lProcess2"/>
+    <dgm:cxn modelId="{828C2126-238A-6146-B6B6-4962CEC5F5FA}" type="presParOf" srcId="{343FA9D8-CAFC-408B-B764-0CAE3FC8887D}" destId="{2355FF91-EA99-449B-BCAF-9A8D723A7E57}" srcOrd="2" destOrd="0" presId="urn:microsoft.com/office/officeart/2005/8/layout/lProcess2"/>
+  </dgm:cxnLst>
+  <dgm:bg/>
+  <dgm:whole/>
+  <dgm:extLst>
+    <a:ext uri="http://schemas.microsoft.com/office/drawing/2008/diagram">
+      <dsp:dataModelExt xmlns:dsp="http://schemas.microsoft.com/office/drawing/2008/diagram" relId="rId6" minVer="http://schemas.openxmlformats.org/drawingml/2006/diagram"/>
+    </a:ext>
+  </dgm:extLst>
+</dgm:dataModel>
+</file>
+
+<file path=ppt/diagrams/drawing1.xml><?xml version="1.0" encoding="utf-8"?>
+<dsp:drawing xmlns:dgm="http://schemas.openxmlformats.org/drawingml/2006/diagram" xmlns:dsp="http://schemas.microsoft.com/office/drawing/2008/diagram" xmlns:a="http://schemas.openxmlformats.org/drawingml/2006/main">
+  <dsp:spTree>
+    <dsp:nvGrpSpPr>
+      <dsp:cNvPr id="0" name=""/>
+      <dsp:cNvGrpSpPr/>
+    </dsp:nvGrpSpPr>
+    <dsp:grpSpPr/>
+    <dsp:sp modelId="{9660C95B-8830-421A-82F9-7F107215CE6F}">
+      <dsp:nvSpPr>
+        <dsp:cNvPr id="0" name=""/>
+        <dsp:cNvSpPr/>
+      </dsp:nvSpPr>
+      <dsp:spPr>
+        <a:xfrm>
+          <a:off x="4150" y="0"/>
+          <a:ext cx="3992553" cy="3473792"/>
+        </a:xfrm>
+        <a:prstGeom prst="roundRect">
+          <a:avLst>
+            <a:gd name="adj" fmla="val 10000"/>
+          </a:avLst>
+        </a:prstGeom>
+        <a:solidFill>
+          <a:schemeClr val="accent1">
+            <a:tint val="40000"/>
+            <a:hueOff val="0"/>
+            <a:satOff val="0"/>
+            <a:lumOff val="0"/>
+            <a:alphaOff val="0"/>
+          </a:schemeClr>
+        </a:solidFill>
+        <a:ln>
+          <a:noFill/>
+        </a:ln>
+        <a:effectLst>
+          <a:outerShdw blurRad="40000" dist="20000" dir="5400000" rotWithShape="0">
+            <a:srgbClr val="000000">
+              <a:alpha val="38000"/>
+            </a:srgbClr>
+          </a:outerShdw>
+        </a:effectLst>
+      </dsp:spPr>
+      <dsp:style>
+        <a:lnRef idx="0">
+          <a:scrgbClr r="0" g="0" b="0"/>
+        </a:lnRef>
+        <a:fillRef idx="1">
+          <a:scrgbClr r="0" g="0" b="0"/>
+        </a:fillRef>
+        <a:effectRef idx="1">
+          <a:scrgbClr r="0" g="0" b="0"/>
+        </a:effectRef>
+        <a:fontRef idx="minor"/>
+      </dsp:style>
+      <dsp:txBody>
+        <a:bodyPr spcFirstLastPara="0" vert="horz" wrap="square" lIns="182880" tIns="182880" rIns="182880" bIns="182880" numCol="1" spcCol="1270" anchor="ctr" anchorCtr="0">
+          <a:noAutofit/>
+        </a:bodyPr>
+        <a:lstStyle/>
+        <a:p>
+          <a:pPr lvl="0" algn="ctr" defTabSz="2133600">
+            <a:lnSpc>
+              <a:spcPct val="90000"/>
+            </a:lnSpc>
+            <a:spcBef>
+              <a:spcPct val="0"/>
+            </a:spcBef>
+            <a:spcAft>
+              <a:spcPct val="35000"/>
+            </a:spcAft>
+          </a:pPr>
+          <a:r>
+            <a:rPr lang="de-DE" sz="4800" kern="1200" dirty="0"/>
+            <a:t>Batterien</a:t>
+          </a:r>
+        </a:p>
+      </dsp:txBody>
+      <dsp:txXfrm>
+        <a:off x="4150" y="0"/>
+        <a:ext cx="3992553" cy="1042137"/>
+      </dsp:txXfrm>
+    </dsp:sp>
+    <dsp:sp modelId="{A0611EDE-FD2B-4789-83D9-ACABCBF4A1F3}">
+      <dsp:nvSpPr>
+        <dsp:cNvPr id="0" name=""/>
+        <dsp:cNvSpPr/>
+      </dsp:nvSpPr>
+      <dsp:spPr>
+        <a:xfrm>
+          <a:off x="403405" y="1043155"/>
+          <a:ext cx="3194042" cy="1047395"/>
+        </a:xfrm>
+        <a:prstGeom prst="roundRect">
+          <a:avLst>
+            <a:gd name="adj" fmla="val 10000"/>
+          </a:avLst>
+        </a:prstGeom>
+        <a:gradFill rotWithShape="0">
+          <a:gsLst>
+            <a:gs pos="0">
+              <a:schemeClr val="lt1">
+                <a:hueOff val="0"/>
+                <a:satOff val="0"/>
+                <a:lumOff val="0"/>
+                <a:alphaOff val="0"/>
+                <a:tint val="50000"/>
+                <a:satMod val="300000"/>
+              </a:schemeClr>
+            </a:gs>
+            <a:gs pos="35000">
+              <a:schemeClr val="lt1">
+                <a:hueOff val="0"/>
+                <a:satOff val="0"/>
+                <a:lumOff val="0"/>
+                <a:alphaOff val="0"/>
+                <a:tint val="37000"/>
+                <a:satMod val="300000"/>
+              </a:schemeClr>
+            </a:gs>
+            <a:gs pos="100000">
+              <a:schemeClr val="lt1">
+                <a:hueOff val="0"/>
+                <a:satOff val="0"/>
+                <a:lumOff val="0"/>
+                <a:alphaOff val="0"/>
+                <a:tint val="15000"/>
+                <a:satMod val="350000"/>
+              </a:schemeClr>
+            </a:gs>
+          </a:gsLst>
+          <a:lin ang="16200000" scaled="1"/>
+        </a:gradFill>
+        <a:ln>
+          <a:noFill/>
+        </a:ln>
+        <a:effectLst>
+          <a:outerShdw blurRad="40000" dist="20000" dir="5400000" rotWithShape="0">
+            <a:srgbClr val="000000">
+              <a:alpha val="38000"/>
+            </a:srgbClr>
+          </a:outerShdw>
+        </a:effectLst>
+        <a:scene3d>
+          <a:camera prst="orthographicFront"/>
+          <a:lightRig rig="flat" dir="t"/>
+        </a:scene3d>
+        <a:sp3d prstMaterial="dkEdge">
+          <a:bevelT w="8200" h="38100"/>
+        </a:sp3d>
+      </dsp:spPr>
+      <dsp:style>
+        <a:lnRef idx="0">
+          <a:scrgbClr r="0" g="0" b="0"/>
+        </a:lnRef>
+        <a:fillRef idx="2">
+          <a:scrgbClr r="0" g="0" b="0"/>
+        </a:fillRef>
+        <a:effectRef idx="1">
+          <a:scrgbClr r="0" g="0" b="0"/>
+        </a:effectRef>
+        <a:fontRef idx="minor">
+          <a:schemeClr val="dk1"/>
+        </a:fontRef>
+      </dsp:style>
+      <dsp:txBody>
+        <a:bodyPr spcFirstLastPara="0" vert="horz" wrap="square" lIns="68580" tIns="51435" rIns="68580" bIns="51435" numCol="1" spcCol="1270" anchor="ctr" anchorCtr="0">
+          <a:noAutofit/>
+        </a:bodyPr>
+        <a:lstStyle/>
+        <a:p>
+          <a:pPr lvl="0" algn="ctr" defTabSz="1200150">
+            <a:lnSpc>
+              <a:spcPct val="90000"/>
+            </a:lnSpc>
+            <a:spcBef>
+              <a:spcPct val="0"/>
+            </a:spcBef>
+            <a:spcAft>
+              <a:spcPct val="35000"/>
+            </a:spcAft>
+          </a:pPr>
+          <a:r>
+            <a:rPr lang="de-DE" sz="2700" kern="1200" dirty="0"/>
+            <a:t>Ladezustand</a:t>
+          </a:r>
+          <a:r>
+            <a:rPr lang="de-DE" sz="2700" kern="1200" baseline="0" dirty="0"/>
+            <a:t> wird überwacht</a:t>
+          </a:r>
+          <a:endParaRPr lang="de-DE" sz="2700" kern="1200" dirty="0"/>
+        </a:p>
+      </dsp:txBody>
+      <dsp:txXfrm>
+        <a:off x="434082" y="1073832"/>
+        <a:ext cx="3132688" cy="986041"/>
+      </dsp:txXfrm>
+    </dsp:sp>
+    <dsp:sp modelId="{3FDD5661-091B-4425-B408-E852D49A74D7}">
+      <dsp:nvSpPr>
+        <dsp:cNvPr id="0" name=""/>
+        <dsp:cNvSpPr/>
+      </dsp:nvSpPr>
+      <dsp:spPr>
+        <a:xfrm>
+          <a:off x="403405" y="2251688"/>
+          <a:ext cx="3194042" cy="1047395"/>
+        </a:xfrm>
+        <a:prstGeom prst="roundRect">
+          <a:avLst>
+            <a:gd name="adj" fmla="val 10000"/>
+          </a:avLst>
+        </a:prstGeom>
+        <a:gradFill rotWithShape="0">
+          <a:gsLst>
+            <a:gs pos="0">
+              <a:schemeClr val="lt1">
+                <a:hueOff val="0"/>
+                <a:satOff val="0"/>
+                <a:lumOff val="0"/>
+                <a:alphaOff val="0"/>
+                <a:tint val="50000"/>
+                <a:satMod val="300000"/>
+              </a:schemeClr>
+            </a:gs>
+            <a:gs pos="35000">
+              <a:schemeClr val="lt1">
+                <a:hueOff val="0"/>
+                <a:satOff val="0"/>
+                <a:lumOff val="0"/>
+                <a:alphaOff val="0"/>
+                <a:tint val="37000"/>
+                <a:satMod val="300000"/>
+              </a:schemeClr>
+            </a:gs>
+            <a:gs pos="100000">
+              <a:schemeClr val="lt1">
+                <a:hueOff val="0"/>
+                <a:satOff val="0"/>
+                <a:lumOff val="0"/>
+                <a:alphaOff val="0"/>
+                <a:tint val="15000"/>
+                <a:satMod val="350000"/>
+              </a:schemeClr>
+            </a:gs>
+          </a:gsLst>
+          <a:lin ang="16200000" scaled="1"/>
+        </a:gradFill>
+        <a:ln>
+          <a:noFill/>
+        </a:ln>
+        <a:effectLst>
+          <a:outerShdw blurRad="40000" dist="20000" dir="5400000" rotWithShape="0">
+            <a:srgbClr val="000000">
+              <a:alpha val="38000"/>
+            </a:srgbClr>
+          </a:outerShdw>
+        </a:effectLst>
+        <a:scene3d>
+          <a:camera prst="orthographicFront"/>
+          <a:lightRig rig="flat" dir="t"/>
+        </a:scene3d>
+        <a:sp3d prstMaterial="dkEdge">
+          <a:bevelT w="8200" h="38100"/>
+        </a:sp3d>
+      </dsp:spPr>
+      <dsp:style>
+        <a:lnRef idx="0">
+          <a:scrgbClr r="0" g="0" b="0"/>
+        </a:lnRef>
+        <a:fillRef idx="2">
+          <a:scrgbClr r="0" g="0" b="0"/>
+        </a:fillRef>
+        <a:effectRef idx="1">
+          <a:scrgbClr r="0" g="0" b="0"/>
+        </a:effectRef>
+        <a:fontRef idx="minor">
+          <a:schemeClr val="dk1"/>
+        </a:fontRef>
+      </dsp:style>
+      <dsp:txBody>
+        <a:bodyPr spcFirstLastPara="0" vert="horz" wrap="square" lIns="68580" tIns="51435" rIns="68580" bIns="51435" numCol="1" spcCol="1270" anchor="ctr" anchorCtr="0">
+          <a:noAutofit/>
+        </a:bodyPr>
+        <a:lstStyle/>
+        <a:p>
+          <a:pPr lvl="0" algn="ctr" defTabSz="1200150">
+            <a:lnSpc>
+              <a:spcPct val="90000"/>
+            </a:lnSpc>
+            <a:spcBef>
+              <a:spcPct val="0"/>
+            </a:spcBef>
+            <a:spcAft>
+              <a:spcPct val="35000"/>
+            </a:spcAft>
+          </a:pPr>
+          <a:r>
+            <a:rPr lang="de-DE" sz="2700" kern="1200" dirty="0"/>
+            <a:t>Stromsparender Modus</a:t>
+          </a:r>
+        </a:p>
+      </dsp:txBody>
+      <dsp:txXfrm>
+        <a:off x="434082" y="2282365"/>
+        <a:ext cx="3132688" cy="986041"/>
+      </dsp:txXfrm>
+    </dsp:sp>
+    <dsp:sp modelId="{E76F1E3B-E449-45F3-9E50-C1765423D167}">
+      <dsp:nvSpPr>
+        <dsp:cNvPr id="0" name=""/>
+        <dsp:cNvSpPr/>
+      </dsp:nvSpPr>
+      <dsp:spPr>
+        <a:xfrm>
+          <a:off x="4296145" y="0"/>
+          <a:ext cx="3992553" cy="3473792"/>
+        </a:xfrm>
+        <a:prstGeom prst="roundRect">
+          <a:avLst>
+            <a:gd name="adj" fmla="val 10000"/>
+          </a:avLst>
+        </a:prstGeom>
+        <a:solidFill>
+          <a:schemeClr val="accent1">
+            <a:tint val="40000"/>
+            <a:hueOff val="0"/>
+            <a:satOff val="0"/>
+            <a:lumOff val="0"/>
+            <a:alphaOff val="0"/>
+          </a:schemeClr>
+        </a:solidFill>
+        <a:ln>
+          <a:noFill/>
+        </a:ln>
+        <a:effectLst>
+          <a:outerShdw blurRad="40000" dist="20000" dir="5400000" rotWithShape="0">
+            <a:srgbClr val="000000">
+              <a:alpha val="38000"/>
+            </a:srgbClr>
+          </a:outerShdw>
+        </a:effectLst>
+      </dsp:spPr>
+      <dsp:style>
+        <a:lnRef idx="0">
+          <a:scrgbClr r="0" g="0" b="0"/>
+        </a:lnRef>
+        <a:fillRef idx="1">
+          <a:scrgbClr r="0" g="0" b="0"/>
+        </a:fillRef>
+        <a:effectRef idx="1">
+          <a:scrgbClr r="0" g="0" b="0"/>
+        </a:effectRef>
+        <a:fontRef idx="minor"/>
+      </dsp:style>
+      <dsp:txBody>
+        <a:bodyPr spcFirstLastPara="0" vert="horz" wrap="square" lIns="182880" tIns="182880" rIns="182880" bIns="182880" numCol="1" spcCol="1270" anchor="ctr" anchorCtr="0">
+          <a:noAutofit/>
+        </a:bodyPr>
+        <a:lstStyle/>
+        <a:p>
+          <a:pPr lvl="0" algn="ctr" defTabSz="2133600">
+            <a:lnSpc>
+              <a:spcPct val="90000"/>
+            </a:lnSpc>
+            <a:spcBef>
+              <a:spcPct val="0"/>
+            </a:spcBef>
+            <a:spcAft>
+              <a:spcPct val="35000"/>
+            </a:spcAft>
+          </a:pPr>
+          <a:r>
+            <a:rPr lang="de-DE" sz="4800" kern="1200" dirty="0"/>
+            <a:t>RTOS</a:t>
+          </a:r>
+        </a:p>
+      </dsp:txBody>
+      <dsp:txXfrm>
+        <a:off x="4296145" y="0"/>
+        <a:ext cx="3992553" cy="1042137"/>
+      </dsp:txXfrm>
+    </dsp:sp>
+    <dsp:sp modelId="{359AFD9B-FE1A-4786-9D1E-8101FAACA517}">
+      <dsp:nvSpPr>
+        <dsp:cNvPr id="0" name=""/>
+        <dsp:cNvSpPr/>
+      </dsp:nvSpPr>
+      <dsp:spPr>
+        <a:xfrm>
+          <a:off x="4695400" y="1043155"/>
+          <a:ext cx="3194042" cy="1047395"/>
+        </a:xfrm>
+        <a:prstGeom prst="roundRect">
+          <a:avLst>
+            <a:gd name="adj" fmla="val 10000"/>
+          </a:avLst>
+        </a:prstGeom>
+        <a:gradFill rotWithShape="0">
+          <a:gsLst>
+            <a:gs pos="0">
+              <a:schemeClr val="lt1">
+                <a:hueOff val="0"/>
+                <a:satOff val="0"/>
+                <a:lumOff val="0"/>
+                <a:alphaOff val="0"/>
+                <a:tint val="50000"/>
+                <a:satMod val="300000"/>
+              </a:schemeClr>
+            </a:gs>
+            <a:gs pos="35000">
+              <a:schemeClr val="lt1">
+                <a:hueOff val="0"/>
+                <a:satOff val="0"/>
+                <a:lumOff val="0"/>
+                <a:alphaOff val="0"/>
+                <a:tint val="37000"/>
+                <a:satMod val="300000"/>
+              </a:schemeClr>
+            </a:gs>
+            <a:gs pos="100000">
+              <a:schemeClr val="lt1">
+                <a:hueOff val="0"/>
+                <a:satOff val="0"/>
+                <a:lumOff val="0"/>
+                <a:alphaOff val="0"/>
+                <a:tint val="15000"/>
+                <a:satMod val="350000"/>
+              </a:schemeClr>
+            </a:gs>
+          </a:gsLst>
+          <a:lin ang="16200000" scaled="1"/>
+        </a:gradFill>
+        <a:ln>
+          <a:noFill/>
+        </a:ln>
+        <a:effectLst>
+          <a:outerShdw blurRad="40000" dist="20000" dir="5400000" rotWithShape="0">
+            <a:srgbClr val="000000">
+              <a:alpha val="38000"/>
+            </a:srgbClr>
+          </a:outerShdw>
+        </a:effectLst>
+        <a:scene3d>
+          <a:camera prst="orthographicFront"/>
+          <a:lightRig rig="flat" dir="t"/>
+        </a:scene3d>
+        <a:sp3d prstMaterial="dkEdge">
+          <a:bevelT w="8200" h="38100"/>
+        </a:sp3d>
+      </dsp:spPr>
+      <dsp:style>
+        <a:lnRef idx="0">
+          <a:scrgbClr r="0" g="0" b="0"/>
+        </a:lnRef>
+        <a:fillRef idx="2">
+          <a:scrgbClr r="0" g="0" b="0"/>
+        </a:fillRef>
+        <a:effectRef idx="1">
+          <a:scrgbClr r="0" g="0" b="0"/>
+        </a:effectRef>
+        <a:fontRef idx="minor">
+          <a:schemeClr val="dk1"/>
+        </a:fontRef>
+      </dsp:style>
+      <dsp:txBody>
+        <a:bodyPr spcFirstLastPara="0" vert="horz" wrap="square" lIns="68580" tIns="51435" rIns="68580" bIns="51435" numCol="1" spcCol="1270" anchor="ctr" anchorCtr="0">
+          <a:noAutofit/>
+        </a:bodyPr>
+        <a:lstStyle/>
+        <a:p>
+          <a:pPr lvl="0" algn="ctr" defTabSz="1200150">
+            <a:lnSpc>
+              <a:spcPct val="90000"/>
+            </a:lnSpc>
+            <a:spcBef>
+              <a:spcPct val="0"/>
+            </a:spcBef>
+            <a:spcAft>
+              <a:spcPct val="35000"/>
+            </a:spcAft>
+          </a:pPr>
+          <a:r>
+            <a:rPr lang="de-DE" sz="2700" kern="1200" dirty="0"/>
+            <a:t>Einhaltung von Zeitbedingungen</a:t>
+          </a:r>
+        </a:p>
+      </dsp:txBody>
+      <dsp:txXfrm>
+        <a:off x="4726077" y="1073832"/>
+        <a:ext cx="3132688" cy="986041"/>
+      </dsp:txXfrm>
+    </dsp:sp>
+    <dsp:sp modelId="{2355FF91-EA99-449B-BCAF-9A8D723A7E57}">
+      <dsp:nvSpPr>
+        <dsp:cNvPr id="0" name=""/>
+        <dsp:cNvSpPr/>
+      </dsp:nvSpPr>
+      <dsp:spPr>
+        <a:xfrm>
+          <a:off x="4695400" y="2251688"/>
+          <a:ext cx="3194042" cy="1047395"/>
+        </a:xfrm>
+        <a:prstGeom prst="roundRect">
+          <a:avLst>
+            <a:gd name="adj" fmla="val 10000"/>
+          </a:avLst>
+        </a:prstGeom>
+        <a:gradFill rotWithShape="0">
+          <a:gsLst>
+            <a:gs pos="0">
+              <a:schemeClr val="lt1">
+                <a:hueOff val="0"/>
+                <a:satOff val="0"/>
+                <a:lumOff val="0"/>
+                <a:alphaOff val="0"/>
+                <a:tint val="50000"/>
+                <a:satMod val="300000"/>
+              </a:schemeClr>
+            </a:gs>
+            <a:gs pos="35000">
+              <a:schemeClr val="lt1">
+                <a:hueOff val="0"/>
+                <a:satOff val="0"/>
+                <a:lumOff val="0"/>
+                <a:alphaOff val="0"/>
+                <a:tint val="37000"/>
+                <a:satMod val="300000"/>
+              </a:schemeClr>
+            </a:gs>
+            <a:gs pos="100000">
+              <a:schemeClr val="lt1">
+                <a:hueOff val="0"/>
+                <a:satOff val="0"/>
+                <a:lumOff val="0"/>
+                <a:alphaOff val="0"/>
+                <a:tint val="15000"/>
+                <a:satMod val="350000"/>
+              </a:schemeClr>
+            </a:gs>
+          </a:gsLst>
+          <a:lin ang="16200000" scaled="1"/>
+        </a:gradFill>
+        <a:ln>
+          <a:noFill/>
+        </a:ln>
+        <a:effectLst>
+          <a:outerShdw blurRad="40000" dist="20000" dir="5400000" rotWithShape="0">
+            <a:srgbClr val="000000">
+              <a:alpha val="38000"/>
+            </a:srgbClr>
+          </a:outerShdw>
+        </a:effectLst>
+        <a:scene3d>
+          <a:camera prst="orthographicFront"/>
+          <a:lightRig rig="flat" dir="t"/>
+        </a:scene3d>
+        <a:sp3d prstMaterial="dkEdge">
+          <a:bevelT w="8200" h="38100"/>
+        </a:sp3d>
+      </dsp:spPr>
+      <dsp:style>
+        <a:lnRef idx="0">
+          <a:scrgbClr r="0" g="0" b="0"/>
+        </a:lnRef>
+        <a:fillRef idx="2">
+          <a:scrgbClr r="0" g="0" b="0"/>
+        </a:fillRef>
+        <a:effectRef idx="1">
+          <a:scrgbClr r="0" g="0" b="0"/>
+        </a:effectRef>
+        <a:fontRef idx="minor">
+          <a:schemeClr val="dk1"/>
+        </a:fontRef>
+      </dsp:style>
+      <dsp:txBody>
+        <a:bodyPr spcFirstLastPara="0" vert="horz" wrap="square" lIns="68580" tIns="51435" rIns="68580" bIns="51435" numCol="1" spcCol="1270" anchor="ctr" anchorCtr="0">
+          <a:noAutofit/>
+        </a:bodyPr>
+        <a:lstStyle/>
+        <a:p>
+          <a:pPr lvl="0" algn="ctr" defTabSz="1200150">
+            <a:lnSpc>
+              <a:spcPct val="90000"/>
+            </a:lnSpc>
+            <a:spcBef>
+              <a:spcPct val="0"/>
+            </a:spcBef>
+            <a:spcAft>
+              <a:spcPct val="35000"/>
+            </a:spcAft>
+          </a:pPr>
+          <a:r>
+            <a:rPr lang="de-DE" sz="2700" kern="1200" dirty="0"/>
+            <a:t>Vorhersagbarkeit des Systemverhaltens</a:t>
+          </a:r>
+        </a:p>
+      </dsp:txBody>
+      <dsp:txXfrm>
+        <a:off x="4726077" y="2282365"/>
+        <a:ext cx="3132688" cy="986041"/>
+      </dsp:txXfrm>
+    </dsp:sp>
+  </dsp:spTree>
+</dsp:drawing>
+</file>
+
+<file path=ppt/diagrams/layout1.xml><?xml version="1.0" encoding="utf-8"?>
+<dgm:layoutDef xmlns:dgm="http://schemas.openxmlformats.org/drawingml/2006/diagram" xmlns:a="http://schemas.openxmlformats.org/drawingml/2006/main" uniqueId="urn:microsoft.com/office/officeart/2005/8/layout/lProcess2">
+  <dgm:title val=""/>
+  <dgm:desc val=""/>
+  <dgm:catLst>
+    <dgm:cat type="list" pri="10000"/>
+    <dgm:cat type="relationship" pri="13000"/>
+  </dgm:catLst>
+  <dgm:sampData>
+    <dgm:dataModel>
+      <dgm:ptLst>
+        <dgm:pt modelId="0" type="doc"/>
+        <dgm:pt modelId="1">
+          <dgm:prSet phldr="1"/>
+        </dgm:pt>
+        <dgm:pt modelId="11">
+          <dgm:prSet phldr="1"/>
+        </dgm:pt>
+        <dgm:pt modelId="12">
+          <dgm:prSet phldr="1"/>
+        </dgm:pt>
+        <dgm:pt modelId="2">
+          <dgm:prSet phldr="1"/>
+        </dgm:pt>
+        <dgm:pt modelId="21">
+          <dgm:prSet phldr="1"/>
+        </dgm:pt>
+        <dgm:pt modelId="22">
+          <dgm:prSet phldr="1"/>
+        </dgm:pt>
+        <dgm:pt modelId="3">
+          <dgm:prSet phldr="1"/>
+        </dgm:pt>
+        <dgm:pt modelId="31">
+          <dgm:prSet phldr="1"/>
+        </dgm:pt>
+        <dgm:pt modelId="32">
+          <dgm:prSet phldr="1"/>
+        </dgm:pt>
+      </dgm:ptLst>
+      <dgm:cxnLst>
+        <dgm:cxn modelId="4" srcId="0" destId="1" srcOrd="0" destOrd="0"/>
+        <dgm:cxn modelId="5" srcId="0" destId="2" srcOrd="1" destOrd="0"/>
+        <dgm:cxn modelId="13" srcId="1" destId="11" srcOrd="0" destOrd="0"/>
+        <dgm:cxn modelId="14" srcId="1" destId="12" srcOrd="0" destOrd="0"/>
+        <dgm:cxn modelId="23" srcId="2" destId="21" srcOrd="0" destOrd="0"/>
+        <dgm:cxn modelId="24" srcId="2" destId="22" srcOrd="0" destOrd="0"/>
+        <dgm:cxn modelId="33" srcId="3" destId="31" srcOrd="0" destOrd="0"/>
+        <dgm:cxn modelId="34" srcId="3" destId="32" srcOrd="0" destOrd="0"/>
+      </dgm:cxnLst>
+      <dgm:bg/>
+      <dgm:whole/>
+    </dgm:dataModel>
+  </dgm:sampData>
+  <dgm:styleData useDef="1">
+    <dgm:dataModel>
+      <dgm:ptLst/>
+      <dgm:bg/>
+      <dgm:whole/>
+    </dgm:dataModel>
+  </dgm:styleData>
+  <dgm:clrData useDef="1">
+    <dgm:dataModel>
+      <dgm:ptLst/>
+      <dgm:bg/>
+      <dgm:whole/>
+    </dgm:dataModel>
+  </dgm:clrData>
+  <dgm:layoutNode name="theList">
+    <dgm:varLst>
+      <dgm:dir/>
+      <dgm:animLvl val="lvl"/>
+      <dgm:resizeHandles val="exact"/>
+    </dgm:varLst>
+    <dgm:choose name="Name0">
+      <dgm:if name="Name1" func="var" arg="dir" op="equ" val="norm">
+        <dgm:alg type="lin"/>
+      </dgm:if>
+      <dgm:else name="Name2">
+        <dgm:alg type="lin">
+          <dgm:param type="linDir" val="fromR"/>
+        </dgm:alg>
+      </dgm:else>
+    </dgm:choose>
+    <dgm:shape xmlns:r="http://schemas.openxmlformats.org/officeDocument/2006/relationships" r:blip="">
+      <dgm:adjLst/>
+    </dgm:shape>
+    <dgm:presOf/>
+    <dgm:constrLst>
+      <dgm:constr type="w" for="ch" forName="compNode" refType="w"/>
+      <dgm:constr type="h" for="ch" forName="compNode" refType="h"/>
+      <dgm:constr type="w" for="ch" forName="aSpace" refType="w" fact="0.075"/>
+      <dgm:constr type="h" for="des" forName="aSpace2" refType="h" fact="0.1"/>
+      <dgm:constr type="primFontSz" for="des" forName="textNode" op="equ"/>
+      <dgm:constr type="primFontSz" for="des" forName="childNode" op="equ"/>
+    </dgm:constrLst>
+    <dgm:ruleLst/>
+    <dgm:forEach name="aNodeForEach" axis="ch" ptType="node">
+      <dgm:layoutNode name="compNode">
+        <dgm:alg type="composite"/>
+        <dgm:shape xmlns:r="http://schemas.openxmlformats.org/officeDocument/2006/relationships" r:blip="">
+          <dgm:adjLst/>
+        </dgm:shape>
+        <dgm:presOf/>
+        <dgm:constrLst>
+          <dgm:constr type="w" for="ch" forName="aNode" refType="w"/>
+          <dgm:constr type="h" for="ch" forName="aNode" refType="h"/>
+          <dgm:constr type="w" for="ch" forName="textNode" refType="w"/>
+          <dgm:constr type="h" for="ch" forName="textNode" refType="h" fact="0.3"/>
+          <dgm:constr type="ctrX" for="ch" forName="textNode" refType="w" fact="0.5"/>
+          <dgm:constr type="w" for="ch" forName="compChildNode" refType="w" fact="0.8"/>
+          <dgm:constr type="h" for="ch" forName="compChildNode" refType="h" fact="0.65"/>
+          <dgm:constr type="t" for="ch" forName="compChildNode" refType="h" fact="0.3"/>
+          <dgm:constr type="ctrX" for="ch" forName="compChildNode" refType="w" fact="0.5"/>
+        </dgm:constrLst>
+        <dgm:ruleLst/>
+        <dgm:layoutNode name="aNode" styleLbl="bgShp">
+          <dgm:alg type="sp"/>
+          <dgm:shape xmlns:r="http://schemas.openxmlformats.org/officeDocument/2006/relationships" type="roundRect" r:blip="">
+            <dgm:adjLst>
+              <dgm:adj idx="1" val="0.1"/>
+            </dgm:adjLst>
+          </dgm:shape>
+          <dgm:presOf axis="self"/>
+          <dgm:constrLst/>
+          <dgm:ruleLst/>
+        </dgm:layoutNode>
+        <dgm:layoutNode name="textNode" styleLbl="bgShp">
+          <dgm:alg type="tx"/>
+          <dgm:shape xmlns:r="http://schemas.openxmlformats.org/officeDocument/2006/relationships" type="rect" r:blip="" hideGeom="1">
+            <dgm:adjLst>
+              <dgm:adj idx="1" val="0.1"/>
+            </dgm:adjLst>
+          </dgm:shape>
+          <dgm:presOf axis="self"/>
+          <dgm:constrLst>
+            <dgm:constr type="primFontSz" val="65"/>
+            <dgm:constr type="lMarg" refType="primFontSz" fact="0.3"/>
+            <dgm:constr type="rMarg" refType="primFontSz" fact="0.3"/>
+            <dgm:constr type="tMarg" refType="primFontSz" fact="0.3"/>
+            <dgm:constr type="bMarg" refType="primFontSz" fact="0.3"/>
+          </dgm:constrLst>
+          <dgm:ruleLst>
+            <dgm:rule type="primFontSz" val="5" fact="NaN" max="NaN"/>
+          </dgm:ruleLst>
+        </dgm:layoutNode>
+        <dgm:layoutNode name="compChildNode">
+          <dgm:alg type="composite"/>
+          <dgm:shape xmlns:r="http://schemas.openxmlformats.org/officeDocument/2006/relationships" r:blip="">
+            <dgm:adjLst/>
+          </dgm:shape>
+          <dgm:presOf/>
+          <dgm:constrLst>
+            <dgm:constr type="w" for="des" forName="childNode" refType="w"/>
+            <dgm:constr type="h" for="des" forName="childNode" refType="h"/>
+          </dgm:constrLst>
+          <dgm:ruleLst/>
+          <dgm:layoutNode name="theInnerList">
+            <dgm:alg type="lin">
+              <dgm:param type="linDir" val="fromT"/>
+            </dgm:alg>
+            <dgm:shape xmlns:r="http://schemas.openxmlformats.org/officeDocument/2006/relationships" r:blip="">
+              <dgm:adjLst/>
+            </dgm:shape>
+            <dgm:presOf/>
+            <dgm:constrLst/>
+            <dgm:ruleLst/>
+            <dgm:forEach name="childNodeForEach" axis="ch" ptType="node">
+              <dgm:layoutNode name="childNode" styleLbl="node1">
+                <dgm:varLst>
+                  <dgm:bulletEnabled val="1"/>
+                </dgm:varLst>
+                <dgm:alg type="tx"/>
+                <dgm:shape xmlns:r="http://schemas.openxmlformats.org/officeDocument/2006/relationships" type="roundRect" r:blip="">
+                  <dgm:adjLst>
+                    <dgm:adj idx="1" val="0.1"/>
+                  </dgm:adjLst>
+                </dgm:shape>
+                <dgm:presOf axis="desOrSelf" ptType="node"/>
+                <dgm:constrLst>
+                  <dgm:constr type="primFontSz" val="65"/>
+                  <dgm:constr type="tMarg" refType="primFontSz" fact="0.15"/>
+                  <dgm:constr type="bMarg" refType="primFontSz" fact="0.15"/>
+                  <dgm:constr type="lMarg" refType="primFontSz" fact="0.2"/>
+                  <dgm:constr type="rMarg" refType="primFontSz" fact="0.2"/>
+                </dgm:constrLst>
+                <dgm:ruleLst>
+                  <dgm:rule type="primFontSz" val="5" fact="NaN" max="NaN"/>
+                </dgm:ruleLst>
+              </dgm:layoutNode>
+              <dgm:choose name="Name3">
+                <dgm:if name="Name4" axis="self" ptType="node" func="revPos" op="equ" val="1"/>
+                <dgm:else name="Name5">
+                  <dgm:layoutNode name="aSpace2">
+                    <dgm:alg type="sp"/>
+                    <dgm:shape xmlns:r="http://schemas.openxmlformats.org/officeDocument/2006/relationships" r:blip="">
+                      <dgm:adjLst/>
+                    </dgm:shape>
+                    <dgm:presOf/>
+                    <dgm:constrLst/>
+                    <dgm:ruleLst/>
+                  </dgm:layoutNode>
+                </dgm:else>
+              </dgm:choose>
+            </dgm:forEach>
+          </dgm:layoutNode>
+        </dgm:layoutNode>
+      </dgm:layoutNode>
+      <dgm:choose name="Name6">
+        <dgm:if name="Name7" axis="self" ptType="node" func="revPos" op="equ" val="1"/>
+        <dgm:else name="Name8">
+          <dgm:layoutNode name="aSpace">
+            <dgm:alg type="sp"/>
+            <dgm:shape xmlns:r="http://schemas.openxmlformats.org/officeDocument/2006/relationships" r:blip="">
+              <dgm:adjLst/>
+            </dgm:shape>
+            <dgm:presOf/>
+            <dgm:constrLst/>
+            <dgm:ruleLst/>
+          </dgm:layoutNode>
+        </dgm:else>
+      </dgm:choose>
+    </dgm:forEach>
+  </dgm:layoutNode>
+</dgm:layoutDef>
+</file>
+
+<file path=ppt/diagrams/quickStyle1.xml><?xml version="1.0" encoding="utf-8"?>
+<dgm:styleDef xmlns:dgm="http://schemas.openxmlformats.org/drawingml/2006/diagram" xmlns:a="http://schemas.openxmlformats.org/drawingml/2006/main" uniqueId="urn:microsoft.com/office/officeart/2005/8/quickstyle/simple3">
+  <dgm:title val=""/>
+  <dgm:desc val=""/>
+  <dgm:catLst>
+    <dgm:cat type="simple" pri="10300"/>
+  </dgm:catLst>
+  <dgm:scene3d>
+    <a:camera prst="orthographicFront"/>
+    <a:lightRig rig="threePt" dir="t"/>
+  </dgm:scene3d>
+  <dgm:styleLbl name="node0">
+    <dgm:scene3d>
+      <a:camera prst="orthographicFront"/>
+      <a:lightRig rig="flat" dir="t"/>
+    </dgm:scene3d>
+    <dgm:sp3d prstMaterial="dkEdge">
+      <a:bevelT w="8200" h="38100"/>
+    </dgm:sp3d>
+    <dgm:txPr/>
+    <dgm:style>
+      <a:lnRef idx="0">
+        <a:scrgbClr r="0" g="0" b="0"/>
+      </a:lnRef>
+      <a:fillRef idx="2">
+        <a:scrgbClr r="0" g="0" b="0"/>
+      </a:fillRef>
+      <a:effectRef idx="1">
+        <a:scrgbClr r="0" g="0" b="0"/>
+      </a:effectRef>
+      <a:fontRef idx="minor">
+        <a:schemeClr val="dk1"/>
+      </a:fontRef>
+    </dgm:style>
+  </dgm:styleLbl>
+  <dgm:styleLbl name="lnNode1">
+    <dgm:scene3d>
+      <a:camera prst="orthographicFront"/>
+      <a:lightRig rig="flat" dir="t"/>
+    </dgm:scene3d>
+    <dgm:sp3d prstMaterial="dkEdge">
+      <a:bevelT w="8200" h="38100"/>
+    </dgm:sp3d>
+    <dgm:txPr/>
+    <dgm:style>
+      <a:lnRef idx="1">
+        <a:scrgbClr r="0" g="0" b="0"/>
+      </a:lnRef>
+      <a:fillRef idx="2">
+        <a:scrgbClr r="0" g="0" b="0"/>
+      </a:fillRef>
+      <a:effectRef idx="0">
+        <a:scrgbClr r="0" g="0" b="0"/>
+      </a:effectRef>
+      <a:fontRef idx="minor">
+        <a:schemeClr val="dk1"/>
+      </a:fontRef>
+    </dgm:style>
+  </dgm:styleLbl>
+  <dgm:styleLbl name="vennNode1">
+    <dgm:scene3d>
+      <a:camera prst="orthographicFront"/>
+      <a:lightRig rig="flat" dir="t"/>
+    </dgm:scene3d>
+    <dgm:sp3d prstMaterial="dkEdge">
+      <a:bevelT w="8200" h="38100"/>
+    </dgm:sp3d>
+    <dgm:txPr/>
+    <dgm:style>
+      <a:lnRef idx="0">
+        <a:scrgbClr r="0" g="0" b="0"/>
+      </a:lnRef>
+      <a:fillRef idx="2">
+        <a:scrgbClr r="0" g="0" b="0"/>
+      </a:fillRef>
+      <a:effectRef idx="0">
+        <a:scrgbClr r="0" g="0" b="0"/>
+      </a:effectRef>
+      <a:fontRef idx="minor">
+        <a:schemeClr val="tx1"/>
+      </a:fontRef>
+    </dgm:style>
+  </dgm:styleLbl>
+  <dgm:styleLbl name="alignNode1">
+    <dgm:scene3d>
+      <a:camera prst="orthographicFront"/>
+      <a:lightRig rig="threePt" dir="t"/>
+    </dgm:scene3d>
+    <dgm:sp3d/>
+    <dgm:txPr/>
+    <dgm:style>
+      <a:lnRef idx="1">
+        <a:scrgbClr r="0" g="0" b="0"/>
+      </a:lnRef>
+      <a:fillRef idx="2">
+        <a:scrgbClr r="0" g="0" b="0"/>
+      </a:fillRef>
+      <a:effectRef idx="1">
+        <a:scrgbClr r="0" g="0" b="0"/>
+      </a:effectRef>
+      <a:fontRef idx="minor">
+        <a:schemeClr val="dk1"/>
+      </a:fontRef>
+    </dgm:style>
+  </dgm:styleLbl>
+  <dgm:styleLbl name="node1">
+    <dgm:scene3d>
+      <a:camera prst="orthographicFront"/>
+      <a:lightRig rig="flat" dir="t"/>
+    </dgm:scene3d>
+    <dgm:sp3d prstMaterial="dkEdge">
+      <a:bevelT w="8200" h="38100"/>
+    </dgm:sp3d>
+    <dgm:txPr/>
+    <dgm:style>
+      <a:lnRef idx="0">
+        <a:scrgbClr r="0" g="0" b="0"/>
+      </a:lnRef>
+      <a:fillRef idx="2">
+        <a:scrgbClr r="0" g="0" b="0"/>
+      </a:fillRef>
+      <a:effectRef idx="1">
+        <a:scrgbClr r="0" g="0" b="0"/>
+      </a:effectRef>
+      <a:fontRef idx="minor">
+        <a:schemeClr val="dk1"/>
+      </a:fontRef>
+    </dgm:style>
+  </dgm:styleLbl>
+  <dgm:styleLbl name="node2">
+    <dgm:scene3d>
+      <a:camera prst="orthographicFront"/>
+      <a:lightRig rig="flat" dir="t"/>
+    </dgm:scene3d>
+    <dgm:sp3d prstMaterial="dkEdge">
+      <a:bevelT w="8200" h="38100"/>
+    </dgm:sp3d>
+    <dgm:txPr/>
+    <dgm:style>
+      <a:lnRef idx="0">
+        <a:scrgbClr r="0" g="0" b="0"/>
+      </a:lnRef>
+      <a:fillRef idx="2">
+        <a:scrgbClr r="0" g="0" b="0"/>
+      </a:fillRef>
+      <a:effectRef idx="1">
+        <a:scrgbClr r="0" g="0" b="0"/>
+      </a:effectRef>
+      <a:fontRef idx="minor">
+        <a:schemeClr val="dk1"/>
+      </a:fontRef>
+    </dgm:style>
+  </dgm:styleLbl>
+  <dgm:styleLbl name="node3">
+    <dgm:scene3d>
+      <a:camera prst="orthographicFront"/>
+      <a:lightRig rig="flat" dir="t"/>
+    </dgm:scene3d>
+    <dgm:sp3d prstMaterial="dkEdge">
+      <a:bevelT w="8200" h="38100"/>
+    </dgm:sp3d>
+    <dgm:txPr/>
+    <dgm:style>
+      <a:lnRef idx="0">
+        <a:scrgbClr r="0" g="0" b="0"/>
+      </a:lnRef>
+      <a:fillRef idx="2">
+        <a:scrgbClr r="0" g="0" b="0"/>
+      </a:fillRef>
+      <a:effectRef idx="1">
+        <a:scrgbClr r="0" g="0" b="0"/>
+      </a:effectRef>
+      <a:fontRef idx="minor">
+        <a:schemeClr val="dk1"/>
+      </a:fontRef>
+    </dgm:style>
+  </dgm:styleLbl>
+  <dgm:styleLbl name="node4">
+    <dgm:scene3d>
+      <a:camera prst="orthographicFront"/>
+      <a:lightRig rig="flat" dir="t"/>
+    </dgm:scene3d>
+    <dgm:sp3d prstMaterial="dkEdge">
+      <a:bevelT w="8200" h="38100"/>
+    </dgm:sp3d>
+    <dgm:txPr/>
+    <dgm:style>
+      <a:lnRef idx="0">
+        <a:scrgbClr r="0" g="0" b="0"/>
+      </a:lnRef>
+      <a:fillRef idx="2">
+        <a:scrgbClr r="0" g="0" b="0"/>
+      </a:fillRef>
+      <a:effectRef idx="1">
+        <a:scrgbClr r="0" g="0" b="0"/>
+      </a:effectRef>
+      <a:fontRef idx="minor">
+        <a:schemeClr val="dk1"/>
+      </a:fontRef>
+    </dgm:style>
+  </dgm:styleLbl>
+  <dgm:styleLbl name="fgImgPlace1">
+    <dgm:scene3d>
+      <a:camera prst="orthographicFront"/>
+      <a:lightRig rig="threePt" dir="t"/>
+    </dgm:scene3d>
+    <dgm:sp3d/>
+    <dgm:txPr/>
+    <dgm:style>
+      <a:lnRef idx="1">
+        <a:scrgbClr r="0" g="0" b="0"/>
+      </a:lnRef>
+      <a:fillRef idx="1">
+        <a:scrgbClr r="0" g="0" b="0"/>
+      </a:fillRef>
+      <a:effectRef idx="1">
+        <a:scrgbClr r="0" g="0" b="0"/>
+      </a:effectRef>
+      <a:fontRef idx="minor"/>
+    </dgm:style>
+  </dgm:styleLbl>
+  <dgm:styleLbl name="alignImgPlace1">
+    <dgm:scene3d>
+      <a:camera prst="orthographicFront"/>
+      <a:lightRig rig="threePt" dir="t"/>
+    </dgm:scene3d>
+    <dgm:sp3d/>
+    <dgm:txPr/>
+    <dgm:style>
+      <a:lnRef idx="1">
+        <a:scrgbClr r="0" g="0" b="0"/>
+      </a:lnRef>
+      <a:fillRef idx="1">
+        <a:scrgbClr r="0" g="0" b="0"/>
+      </a:fillRef>
+      <a:effectRef idx="1">
+        <a:scrgbClr r="0" g="0" b="0"/>
+      </a:effectRef>
+      <a:fontRef idx="minor"/>
+    </dgm:style>
+  </dgm:styleLbl>
+  <dgm:styleLbl name="bgImgPlace1">
+    <dgm:scene3d>
+      <a:camera prst="orthographicFront"/>
+      <a:lightRig rig="threePt" dir="t"/>
+    </dgm:scene3d>
+    <dgm:sp3d/>
+    <dgm:txPr/>
+    <dgm:style>
+      <a:lnRef idx="1">
+        <a:scrgbClr r="0" g="0" b="0"/>
+      </a:lnRef>
+      <a:fillRef idx="1">
+        <a:scrgbClr r="0" g="0" b="0"/>
+      </a:fillRef>
+      <a:effectRef idx="1">
+        <a:scrgbClr r="0" g="0" b="0"/>
+      </a:effectRef>
+      <a:fontRef idx="minor"/>
+    </dgm:style>
+  </dgm:styleLbl>
+  <dgm:styleLbl name="sibTrans2D1">
+    <dgm:scene3d>
+      <a:camera prst="orthographicFront"/>
+      <a:lightRig rig="threePt" dir="t"/>
+    </dgm:scene3d>
+    <dgm:sp3d/>
+    <dgm:txPr/>
+    <dgm:style>
+      <a:lnRef idx="0">
+        <a:scrgbClr r="0" g="0" b="0"/>
+      </a:lnRef>
+      <a:fillRef idx="2">
+        <a:scrgbClr r="0" g="0" b="0"/>
+      </a:fillRef>
+      <a:effectRef idx="1">
+        <a:scrgbClr r="0" g="0" b="0"/>
+      </a:effectRef>
+      <a:fontRef idx="minor">
+        <a:schemeClr val="dk1"/>
+      </a:fontRef>
+    </dgm:style>
+  </dgm:styleLbl>
+  <dgm:styleLbl name="fgSibTrans2D1">
+    <dgm:scene3d>
+      <a:camera prst="orthographicFront"/>
+      <a:lightRig rig="threePt" dir="t"/>
+    </dgm:scene3d>
+    <dgm:sp3d/>
+    <dgm:txPr/>
+    <dgm:style>
+      <a:lnRef idx="0">
+        <a:scrgbClr r="0" g="0" b="0"/>
+      </a:lnRef>
+      <a:fillRef idx="2">
+        <a:scrgbClr r="0" g="0" b="0"/>
+      </a:fillRef>
+      <a:effectRef idx="1">
+        <a:scrgbClr r="0" g="0" b="0"/>
+      </a:effectRef>
+      <a:fontRef idx="minor">
+        <a:schemeClr val="dk1"/>
+      </a:fontRef>
+    </dgm:style>
+  </dgm:styleLbl>
+  <dgm:styleLbl name="bgSibTrans2D1">
+    <dgm:scene3d>
+      <a:camera prst="orthographicFront"/>
+      <a:lightRig rig="threePt" dir="t"/>
+    </dgm:scene3d>
+    <dgm:sp3d/>
+    <dgm:txPr/>
+    <dgm:style>
+      <a:lnRef idx="0">
+        <a:scrgbClr r="0" g="0" b="0"/>
+      </a:lnRef>
+      <a:fillRef idx="2">
+        <a:scrgbClr r="0" g="0" b="0"/>
+      </a:fillRef>
+      <a:effectRef idx="1">
+        <a:scrgbClr r="0" g="0" b="0"/>
+      </a:effectRef>
+      <a:fontRef idx="minor">
+        <a:schemeClr val="dk1"/>
+      </a:fontRef>
+    </dgm:style>
+  </dgm:styleLbl>
+  <dgm:styleLbl name="sibTrans1D1">
+    <dgm:scene3d>
+      <a:camera prst="orthographicFront"/>
+      <a:lightRig rig="threePt" dir="t"/>
+    </dgm:scene3d>
+    <dgm:sp3d/>
+    <dgm:txPr/>
+    <dgm:style>
+      <a:lnRef idx="1">
+        <a:scrgbClr r="0" g="0" b="0"/>
+      </a:lnRef>
+      <a:fillRef idx="0">
+        <a:scrgbClr r="0" g="0" b="0"/>
+      </a:fillRef>
+      <a:effectRef idx="0">
+        <a:scrgbClr r="0" g="0" b="0"/>
+      </a:effectRef>
+      <a:fontRef idx="minor"/>
+    </dgm:style>
+  </dgm:styleLbl>
+  <dgm:styleLbl name="callout">
+    <dgm:scene3d>
+      <a:camera prst="orthographicFront"/>
+      <a:lightRig rig="threePt" dir="t"/>
+    </dgm:scene3d>
+    <dgm:sp3d/>
+    <dgm:txPr/>
+    <dgm:style>
+      <a:lnRef idx="1">
+        <a:scrgbClr r="0" g="0" b="0"/>
+      </a:lnRef>
+      <a:fillRef idx="2">
+        <a:scrgbClr r="0" g="0" b="0"/>
+      </a:fillRef>
+      <a:effectRef idx="1">
+        <a:scrgbClr r="0" g="0" b="0"/>
+      </a:effectRef>
+      <a:fontRef idx="minor"/>
+    </dgm:style>
+  </dgm:styleLbl>
+  <dgm:styleLbl name="asst0">
+    <dgm:scene3d>
+      <a:camera prst="orthographicFront"/>
+      <a:lightRig rig="flat" dir="t"/>
+    </dgm:scene3d>
+    <dgm:sp3d prstMaterial="dkEdge">
+      <a:bevelT w="8200" h="38100"/>
+    </dgm:sp3d>
+    <dgm:txPr/>
+    <dgm:style>
+      <a:lnRef idx="0">
+        <a:scrgbClr r="0" g="0" b="0"/>
+      </a:lnRef>
+      <a:fillRef idx="2">
+        <a:scrgbClr r="0" g="0" b="0"/>
+      </a:fillRef>
+      <a:effectRef idx="1">
+        <a:scrgbClr r="0" g="0" b="0"/>
+      </a:effectRef>
+      <a:fontRef idx="minor">
+        <a:schemeClr val="dk1"/>
+      </a:fontRef>
+    </dgm:style>
+  </dgm:styleLbl>
+  <dgm:styleLbl name="asst1">
+    <dgm:scene3d>
+      <a:camera prst="orthographicFront"/>
+      <a:lightRig rig="flat" dir="t"/>
+    </dgm:scene3d>
+    <dgm:sp3d prstMaterial="dkEdge">
+      <a:bevelT w="8200" h="38100"/>
+    </dgm:sp3d>
+    <dgm:txPr/>
+    <dgm:style>
+      <a:lnRef idx="0">
+        <a:scrgbClr r="0" g="0" b="0"/>
+      </a:lnRef>
+      <a:fillRef idx="2">
+        <a:scrgbClr r="0" g="0" b="0"/>
+      </a:fillRef>
+      <a:effectRef idx="1">
+        <a:scrgbClr r="0" g="0" b="0"/>
+      </a:effectRef>
+      <a:fontRef idx="minor">
+        <a:schemeClr val="dk1"/>
+      </a:fontRef>
+    </dgm:style>
+  </dgm:styleLbl>
+  <dgm:styleLbl name="asst2">
+    <dgm:scene3d>
+      <a:camera prst="orthographicFront"/>
+      <a:lightRig rig="flat" dir="t"/>
+    </dgm:scene3d>
+    <dgm:sp3d prstMaterial="dkEdge">
+      <a:bevelT w="8200" h="38100"/>
+    </dgm:sp3d>
+    <dgm:txPr/>
+    <dgm:style>
+      <a:lnRef idx="0">
+        <a:scrgbClr r="0" g="0" b="0"/>
+      </a:lnRef>
+      <a:fillRef idx="2">
+        <a:scrgbClr r="0" g="0" b="0"/>
+      </a:fillRef>
+      <a:effectRef idx="1">
+        <a:scrgbClr r="0" g="0" b="0"/>
+      </a:effectRef>
+      <a:fontRef idx="minor">
+        <a:schemeClr val="dk1"/>
+      </a:fontRef>
+    </dgm:style>
+  </dgm:styleLbl>
+  <dgm:styleLbl name="asst3">
+    <dgm:scene3d>
+      <a:camera prst="orthographicFront"/>
+      <a:lightRig rig="flat" dir="t"/>
+    </dgm:scene3d>
+    <dgm:sp3d prstMaterial="dkEdge">
+      <a:bevelT w="8200" h="38100"/>
+    </dgm:sp3d>
+    <dgm:txPr/>
+    <dgm:style>
+      <a:lnRef idx="0">
+        <a:scrgbClr r="0" g="0" b="0"/>
+      </a:lnRef>
+      <a:fillRef idx="2">
+        <a:scrgbClr r="0" g="0" b="0"/>
+      </a:fillRef>
+      <a:effectRef idx="1">
+        <a:scrgbClr r="0" g="0" b="0"/>
+      </a:effectRef>
+      <a:fontRef idx="minor">
+        <a:schemeClr val="dk1"/>
+      </a:fontRef>
+    </dgm:style>
+  </dgm:styleLbl>
+  <dgm:styleLbl name="asst4">
+    <dgm:scene3d>
+      <a:camera prst="orthographicFront"/>
+      <a:lightRig rig="flat" dir="t"/>
+    </dgm:scene3d>
+    <dgm:sp3d prstMaterial="dkEdge">
+      <a:bevelT w="8200" h="38100"/>
+    </dgm:sp3d>
+    <dgm:txPr/>
+    <dgm:style>
+      <a:lnRef idx="0">
+        <a:scrgbClr r="0" g="0" b="0"/>
+      </a:lnRef>
+      <a:fillRef idx="2">
+        <a:scrgbClr r="0" g="0" b="0"/>
+      </a:fillRef>
+      <a:effectRef idx="1">
+        <a:scrgbClr r="0" g="0" b="0"/>
+      </a:effectRef>
+      <a:fontRef idx="minor">
+        <a:schemeClr val="dk1"/>
+      </a:fontRef>
+    </dgm:style>
+  </dgm:styleLbl>
+  <dgm:styleLbl name="parChTrans2D1">
+    <dgm:scene3d>
+      <a:camera prst="orthographicFront"/>
+      <a:lightRig rig="threePt" dir="t"/>
+    </dgm:scene3d>
+    <dgm:sp3d/>
+    <dgm:txPr/>
+    <dgm:style>
+      <a:lnRef idx="1">
+        <a:scrgbClr r="0" g="0" b="0"/>
+      </a:lnRef>
+      <a:fillRef idx="2">
+        <a:scrgbClr r="0" g="0" b="0"/>
+      </a:fillRef>
+      <a:effectRef idx="1">
+        <a:scrgbClr r="0" g="0" b="0"/>
+      </a:effectRef>
+      <a:fontRef idx="minor">
+        <a:schemeClr val="dk1"/>
+      </a:fontRef>
+    </dgm:style>
+  </dgm:styleLbl>
+  <dgm:styleLbl name="parChTrans2D2">
+    <dgm:scene3d>
+      <a:camera prst="orthographicFront"/>
+      <a:lightRig rig="threePt" dir="t"/>
+    </dgm:scene3d>
+    <dgm:sp3d/>
+    <dgm:txPr/>
+    <dgm:style>
+      <a:lnRef idx="1">
+        <a:scrgbClr r="0" g="0" b="0"/>
+      </a:lnRef>
+      <a:fillRef idx="2">
+        <a:scrgbClr r="0" g="0" b="0"/>
+      </a:fillRef>
+      <a:effectRef idx="1">
+        <a:scrgbClr r="0" g="0" b="0"/>
+      </a:effectRef>
+      <a:fontRef idx="minor">
+        <a:schemeClr val="dk1"/>
+      </a:fontRef>
+    </dgm:style>
+  </dgm:styleLbl>
+  <dgm:styleLbl name="parChTrans2D3">
+    <dgm:scene3d>
+      <a:camera prst="orthographicFront"/>
+      <a:lightRig rig="threePt" dir="t"/>
+    </dgm:scene3d>
+    <dgm:sp3d/>
+    <dgm:txPr/>
+    <dgm:style>
+      <a:lnRef idx="1">
+        <a:scrgbClr r="0" g="0" b="0"/>
+      </a:lnRef>
+      <a:fillRef idx="2">
+        <a:scrgbClr r="0" g="0" b="0"/>
+      </a:fillRef>
+      <a:effectRef idx="1">
+        <a:scrgbClr r="0" g="0" b="0"/>
+      </a:effectRef>
+      <a:fontRef idx="minor">
+        <a:schemeClr val="dk1"/>
+      </a:fontRef>
+    </dgm:style>
+  </dgm:styleLbl>
+  <dgm:styleLbl name="parChTrans2D4">
+    <dgm:scene3d>
+      <a:camera prst="orthographicFront"/>
+      <a:lightRig rig="threePt" dir="t"/>
+    </dgm:scene3d>
+    <dgm:sp3d/>
+    <dgm:txPr/>
+    <dgm:style>
+      <a:lnRef idx="1">
+        <a:scrgbClr r="0" g="0" b="0"/>
+      </a:lnRef>
+      <a:fillRef idx="2">
+        <a:scrgbClr r="0" g="0" b="0"/>
+      </a:fillRef>
+      <a:effectRef idx="1">
+        <a:scrgbClr r="0" g="0" b="0"/>
+      </a:effectRef>
+      <a:fontRef idx="minor">
+        <a:schemeClr val="dk1"/>
+      </a:fontRef>
+    </dgm:style>
+  </dgm:styleLbl>
+  <dgm:styleLbl name="parChTrans1D1">
+    <dgm:scene3d>
+      <a:camera prst="orthographicFront"/>
+      <a:lightRig rig="threePt" dir="t"/>
+    </dgm:scene3d>
+    <dgm:sp3d/>
+    <dgm:txPr/>
+    <dgm:style>
+      <a:lnRef idx="2">
+        <a:scrgbClr r="0" g="0" b="0"/>
+      </a:lnRef>
+      <a:fillRef idx="0">
+        <a:scrgbClr r="0" g="0" b="0"/>
+      </a:fillRef>
+      <a:effectRef idx="0">
+        <a:scrgbClr r="0" g="0" b="0"/>
+      </a:effectRef>
+      <a:fontRef idx="minor"/>
+    </dgm:style>
+  </dgm:styleLbl>
+  <dgm:styleLbl name="parChTrans1D2">
+    <dgm:scene3d>
+      <a:camera prst="orthographicFront"/>
+      <a:lightRig rig="threePt" dir="t"/>
+    </dgm:scene3d>
+    <dgm:sp3d/>
+    <dgm:txPr/>
+    <dgm:style>
+      <a:lnRef idx="2">
+        <a:scrgbClr r="0" g="0" b="0"/>
+      </a:lnRef>
+      <a:fillRef idx="0">
+        <a:scrgbClr r="0" g="0" b="0"/>
+      </a:fillRef>
+      <a:effectRef idx="0">
+        <a:scrgbClr r="0" g="0" b="0"/>
+      </a:effectRef>
+      <a:fontRef idx="minor"/>
+    </dgm:style>
+  </dgm:styleLbl>
+  <dgm:styleLbl name="parChTrans1D3">
+    <dgm:scene3d>
+      <a:camera prst="orthographicFront"/>
+      <a:lightRig rig="threePt" dir="t"/>
+    </dgm:scene3d>
+    <dgm:sp3d/>
+    <dgm:txPr/>
+    <dgm:style>
+      <a:lnRef idx="2">
+        <a:scrgbClr r="0" g="0" b="0"/>
+      </a:lnRef>
+      <a:fillRef idx="0">
+        <a:scrgbClr r="0" g="0" b="0"/>
+      </a:fillRef>
+      <a:effectRef idx="0">
+        <a:scrgbClr r="0" g="0" b="0"/>
+      </a:effectRef>
+      <a:fontRef idx="minor"/>
+    </dgm:style>
+  </dgm:styleLbl>
+  <dgm:styleLbl name="parChTrans1D4">
+    <dgm:scene3d>
+      <a:camera prst="orthographicFront"/>
+      <a:lightRig rig="threePt" dir="t"/>
+    </dgm:scene3d>
+    <dgm:sp3d/>
+    <dgm:txPr/>
+    <dgm:style>
+      <a:lnRef idx="2">
+        <a:scrgbClr r="0" g="0" b="0"/>
+      </a:lnRef>
+      <a:fillRef idx="0">
+        <a:scrgbClr r="0" g="0" b="0"/>
+      </a:fillRef>
+      <a:effectRef idx="0">
+        <a:scrgbClr r="0" g="0" b="0"/>
+      </a:effectRef>
+      <a:fontRef idx="minor"/>
+    </dgm:style>
+  </dgm:styleLbl>
+  <dgm:styleLbl name="fgAcc1">
+    <dgm:scene3d>
+      <a:camera prst="orthographicFront"/>
+      <a:lightRig rig="threePt" dir="t"/>
+    </dgm:scene3d>
+    <dgm:sp3d/>
+    <dgm:txPr/>
+    <dgm:style>
+      <a:lnRef idx="1">
+        <a:scrgbClr r="0" g="0" b="0"/>
+      </a:lnRef>
+      <a:fillRef idx="1">
+        <a:scrgbClr r="0" g="0" b="0"/>
+      </a:fillRef>
+      <a:effectRef idx="0">
+        <a:scrgbClr r="0" g="0" b="0"/>
+      </a:effectRef>
+      <a:fontRef idx="minor"/>
+    </dgm:style>
+  </dgm:styleLbl>
+  <dgm:styleLbl name="conFgAcc1">
+    <dgm:scene3d>
+      <a:camera prst="orthographicFront"/>
+      <a:lightRig rig="threePt" dir="t"/>
+    </dgm:scene3d>
+    <dgm:sp3d/>
+    <dgm:txPr/>
+    <dgm:style>
+      <a:lnRef idx="1">
+        <a:scrgbClr r="0" g="0" b="0"/>
+      </a:lnRef>
+      <a:fillRef idx="1">
+        <a:scrgbClr r="0" g="0" b="0"/>
+      </a:fillRef>
+      <a:effectRef idx="0">
+        <a:scrgbClr r="0" g="0" b="0"/>
+      </a:effectRef>
+      <a:fontRef idx="minor"/>
+    </dgm:style>
+  </dgm:styleLbl>
+  <dgm:styleLbl name="alignAcc1">
+    <dgm:scene3d>
+      <a:camera prst="orthographicFront"/>
+      <a:lightRig rig="threePt" dir="t"/>
+    </dgm:scene3d>
+    <dgm:sp3d/>
+    <dgm:txPr/>
+    <dgm:style>
+      <a:lnRef idx="1">
+        <a:scrgbClr r="0" g="0" b="0"/>
+      </a:lnRef>
+      <a:fillRef idx="1">
+        <a:scrgbClr r="0" g="0" b="0"/>
+      </a:fillRef>
+      <a:effectRef idx="0">
+        <a:scrgbClr r="0" g="0" b="0"/>
+      </a:effectRef>
+      <a:fontRef idx="minor"/>
+    </dgm:style>
+  </dgm:styleLbl>
+  <dgm:styleLbl name="trAlignAcc1">
+    <dgm:scene3d>
+      <a:camera prst="orthographicFront"/>
+      <a:lightRig rig="threePt" dir="t"/>
+    </dgm:scene3d>
+    <dgm:sp3d/>
+    <dgm:txPr/>
+    <dgm:style>
+      <a:lnRef idx="1">
+        <a:scrgbClr r="0" g="0" b="0"/>
+      </a:lnRef>
+      <a:fillRef idx="1">
+        <a:scrgbClr r="0" g="0" b="0"/>
+      </a:fillRef>
+      <a:effectRef idx="0">
+        <a:scrgbClr r="0" g="0" b="0"/>
+      </a:effectRef>
+      <a:fontRef idx="minor"/>
+    </dgm:style>
+  </dgm:styleLbl>
+  <dgm:styleLbl name="bgAcc1">
+    <dgm:scene3d>
+      <a:camera prst="orthographicFront"/>
+      <a:lightRig rig="threePt" dir="t"/>
+    </dgm:scene3d>
+    <dgm:sp3d/>
+    <dgm:txPr/>
+    <dgm:style>
+      <a:lnRef idx="1">
+        <a:scrgbClr r="0" g="0" b="0"/>
+      </a:lnRef>
+      <a:fillRef idx="1">
+        <a:scrgbClr r="0" g="0" b="0"/>
+      </a:fillRef>
+      <a:effectRef idx="0">
+        <a:scrgbClr r="0" g="0" b="0"/>
+      </a:effectRef>
+      <a:fontRef idx="minor"/>
+    </dgm:style>
+  </dgm:styleLbl>
+  <dgm:styleLbl name="solidFgAcc1">
+    <dgm:scene3d>
+      <a:camera prst="orthographicFront"/>
+      <a:lightRig rig="threePt" dir="t"/>
+    </dgm:scene3d>
+    <dgm:sp3d/>
+    <dgm:txPr/>
+    <dgm:style>
+      <a:lnRef idx="1">
+        <a:scrgbClr r="0" g="0" b="0"/>
+      </a:lnRef>
+      <a:fillRef idx="2">
+        <a:scrgbClr r="0" g="0" b="0"/>
+      </a:fillRef>
+      <a:effectRef idx="0">
+        <a:scrgbClr r="0" g="0" b="0"/>
+      </a:effectRef>
+      <a:fontRef idx="minor"/>
+    </dgm:style>
+  </dgm:styleLbl>
+  <dgm:styleLbl name="solidAlignAcc1">
+    <dgm:scene3d>
+      <a:camera prst="orthographicFront"/>
+      <a:lightRig rig="threePt" dir="t"/>
+    </dgm:scene3d>
+    <dgm:sp3d/>
+    <dgm:txPr/>
+    <dgm:style>
+      <a:lnRef idx="1">
+        <a:scrgbClr r="0" g="0" b="0"/>
+      </a:lnRef>
+      <a:fillRef idx="1">
+        <a:scrgbClr r="0" g="0" b="0"/>
+      </a:fillRef>
+      <a:effectRef idx="0">
+        <a:scrgbClr r="0" g="0" b="0"/>
+      </a:effectRef>
+      <a:fontRef idx="minor"/>
+    </dgm:style>
+  </dgm:styleLbl>
+  <dgm:styleLbl name="solidBgAcc1">
+    <dgm:scene3d>
+      <a:camera prst="orthographicFront"/>
+      <a:lightRig rig="threePt" dir="t"/>
+    </dgm:scene3d>
+    <dgm:sp3d/>
+    <dgm:txPr/>
+    <dgm:style>
+      <a:lnRef idx="1">
+        <a:scrgbClr r="0" g="0" b="0"/>
+      </a:lnRef>
+      <a:fillRef idx="1">
+        <a:scrgbClr r="0" g="0" b="0"/>
+      </a:fillRef>
+      <a:effectRef idx="0">
+        <a:scrgbClr r="0" g="0" b="0"/>
+      </a:effectRef>
+      <a:fontRef idx="minor"/>
+    </dgm:style>
+  </dgm:styleLbl>
+  <dgm:styleLbl name="fgAccFollowNode1">
+    <dgm:scene3d>
+      <a:camera prst="orthographicFront"/>
+      <a:lightRig rig="threePt" dir="t"/>
+    </dgm:scene3d>
+    <dgm:sp3d/>
+    <dgm:txPr/>
+    <dgm:style>
+      <a:lnRef idx="1">
+        <a:scrgbClr r="0" g="0" b="0"/>
+      </a:lnRef>
+      <a:fillRef idx="1">
+        <a:scrgbClr r="0" g="0" b="0"/>
+      </a:fillRef>
+      <a:effectRef idx="0">
+        <a:scrgbClr r="0" g="0" b="0"/>
+      </a:effectRef>
+      <a:fontRef idx="minor"/>
+    </dgm:style>
+  </dgm:styleLbl>
+  <dgm:styleLbl name="alignAccFollowNode1">
+    <dgm:scene3d>
+      <a:camera prst="orthographicFront"/>
+      <a:lightRig rig="threePt" dir="t"/>
+    </dgm:scene3d>
+    <dgm:sp3d/>
+    <dgm:txPr/>
+    <dgm:style>
+      <a:lnRef idx="1">
+        <a:scrgbClr r="0" g="0" b="0"/>
+      </a:lnRef>
+      <a:fillRef idx="1">
+        <a:scrgbClr r="0" g="0" b="0"/>
+      </a:fillRef>
+      <a:effectRef idx="0">
+        <a:scrgbClr r="0" g="0" b="0"/>
+      </a:effectRef>
+      <a:fontRef idx="minor"/>
+    </dgm:style>
+  </dgm:styleLbl>
+  <dgm:styleLbl name="bgAccFollowNode1">
+    <dgm:scene3d>
+      <a:camera prst="orthographicFront"/>
+      <a:lightRig rig="threePt" dir="t"/>
+    </dgm:scene3d>
+    <dgm:sp3d/>
+    <dgm:txPr/>
+    <dgm:style>
+      <a:lnRef idx="1">
+        <a:scrgbClr r="0" g="0" b="0"/>
+      </a:lnRef>
+      <a:fillRef idx="1">
+        <a:scrgbClr r="0" g="0" b="0"/>
+      </a:fillRef>
+      <a:effectRef idx="0">
+        <a:scrgbClr r="0" g="0" b="0"/>
+      </a:effectRef>
+      <a:fontRef idx="minor"/>
+    </dgm:style>
+  </dgm:styleLbl>
+  <dgm:styleLbl name="fgAcc0">
+    <dgm:scene3d>
+      <a:camera prst="orthographicFront"/>
+      <a:lightRig rig="threePt" dir="t"/>
+    </dgm:scene3d>
+    <dgm:sp3d/>
+    <dgm:txPr/>
+    <dgm:style>
+      <a:lnRef idx="1">
+        <a:scrgbClr r="0" g="0" b="0"/>
+      </a:lnRef>
+      <a:fillRef idx="1">
+        <a:scrgbClr r="0" g="0" b="0"/>
+      </a:fillRef>
+      <a:effectRef idx="0">
+        <a:scrgbClr r="0" g="0" b="0"/>
+      </a:effectRef>
+      <a:fontRef idx="minor"/>
+    </dgm:style>
+  </dgm:styleLbl>
+  <dgm:styleLbl name="fgAcc2">
+    <dgm:scene3d>
+      <a:camera prst="orthographicFront"/>
+      <a:lightRig rig="threePt" dir="t"/>
+    </dgm:scene3d>
+    <dgm:sp3d/>
+    <dgm:txPr/>
+    <dgm:style>
+      <a:lnRef idx="1">
+        <a:scrgbClr r="0" g="0" b="0"/>
+      </a:lnRef>
+      <a:fillRef idx="1">
+        <a:scrgbClr r="0" g="0" b="0"/>
+      </a:fillRef>
+      <a:effectRef idx="0">
+        <a:scrgbClr r="0" g="0" b="0"/>
+      </a:effectRef>
+      <a:fontRef idx="minor"/>
+    </dgm:style>
+  </dgm:styleLbl>
+  <dgm:styleLbl name="fgAcc3">
+    <dgm:scene3d>
+      <a:camera prst="orthographicFront"/>
+      <a:lightRig rig="threePt" dir="t"/>
+    </dgm:scene3d>
+    <dgm:sp3d/>
+    <dgm:txPr/>
+    <dgm:style>
+      <a:lnRef idx="1">
+        <a:scrgbClr r="0" g="0" b="0"/>
+      </a:lnRef>
+      <a:fillRef idx="1">
+        <a:scrgbClr r="0" g="0" b="0"/>
+      </a:fillRef>
+      <a:effectRef idx="0">
+        <a:scrgbClr r="0" g="0" b="0"/>
+      </a:effectRef>
+      <a:fontRef idx="minor"/>
+    </dgm:style>
+  </dgm:styleLbl>
+  <dgm:styleLbl name="fgAcc4">
+    <dgm:scene3d>
+      <a:camera prst="orthographicFront"/>
+      <a:lightRig rig="threePt" dir="t"/>
+    </dgm:scene3d>
+    <dgm:sp3d/>
+    <dgm:txPr/>
+    <dgm:style>
+      <a:lnRef idx="1">
+        <a:scrgbClr r="0" g="0" b="0"/>
+      </a:lnRef>
+      <a:fillRef idx="1">
+        <a:scrgbClr r="0" g="0" b="0"/>
+      </a:fillRef>
+      <a:effectRef idx="0">
+        <a:scrgbClr r="0" g="0" b="0"/>
+      </a:effectRef>
+      <a:fontRef idx="minor"/>
+    </dgm:style>
+  </dgm:styleLbl>
+  <dgm:styleLbl name="bgShp">
+    <dgm:scene3d>
+      <a:camera prst="orthographicFront"/>
+      <a:lightRig rig="threePt" dir="t"/>
+    </dgm:scene3d>
+    <dgm:sp3d/>
+    <dgm:txPr/>
+    <dgm:style>
+      <a:lnRef idx="0">
+        <a:scrgbClr r="0" g="0" b="0"/>
+      </a:lnRef>
+      <a:fillRef idx="1">
+        <a:scrgbClr r="0" g="0" b="0"/>
+      </a:fillRef>
+      <a:effectRef idx="1">
+        <a:scrgbClr r="0" g="0" b="0"/>
+      </a:effectRef>
+      <a:fontRef idx="minor"/>
+    </dgm:style>
+  </dgm:styleLbl>
+  <dgm:styleLbl name="dkBgShp">
+    <dgm:scene3d>
+      <a:camera prst="orthographicFront"/>
+      <a:lightRig rig="threePt" dir="t"/>
+    </dgm:scene3d>
+    <dgm:sp3d/>
+    <dgm:txPr/>
+    <dgm:style>
+      <a:lnRef idx="0">
+        <a:scrgbClr r="0" g="0" b="0"/>
+      </a:lnRef>
+      <a:fillRef idx="1">
+        <a:scrgbClr r="0" g="0" b="0"/>
+      </a:fillRef>
+      <a:effectRef idx="1">
+        <a:scrgbClr r="0" g="0" b="0"/>
+      </a:effectRef>
+      <a:fontRef idx="minor"/>
+    </dgm:style>
+  </dgm:styleLbl>
+  <dgm:styleLbl name="trBgShp">
+    <dgm:scene3d>
+      <a:camera prst="orthographicFront"/>
+      <a:lightRig rig="threePt" dir="t"/>
+    </dgm:scene3d>
+    <dgm:sp3d/>
+    <dgm:txPr/>
+    <dgm:style>
+      <a:lnRef idx="0">
+        <a:scrgbClr r="0" g="0" b="0"/>
+      </a:lnRef>
+      <a:fillRef idx="1">
+        <a:scrgbClr r="0" g="0" b="0"/>
+      </a:fillRef>
+      <a:effectRef idx="0">
+        <a:scrgbClr r="0" g="0" b="0"/>
+      </a:effectRef>
+      <a:fontRef idx="minor"/>
+    </dgm:style>
+  </dgm:styleLbl>
+  <dgm:styleLbl name="fgShp">
+    <dgm:scene3d>
+      <a:camera prst="orthographicFront"/>
+      <a:lightRig rig="flat" dir="t"/>
+    </dgm:scene3d>
+    <dgm:sp3d prstMaterial="dkEdge">
+      <a:bevelT w="8200" h="38100"/>
+    </dgm:sp3d>
+    <dgm:txPr/>
+    <dgm:style>
+      <a:lnRef idx="1">
+        <a:scrgbClr r="0" g="0" b="0"/>
+      </a:lnRef>
+      <a:fillRef idx="2">
+        <a:scrgbClr r="0" g="0" b="0"/>
+      </a:fillRef>
+      <a:effectRef idx="1">
+        <a:scrgbClr r="0" g="0" b="0"/>
+      </a:effectRef>
+      <a:fontRef idx="minor"/>
+    </dgm:style>
+  </dgm:styleLbl>
+  <dgm:styleLbl name="revTx">
+    <dgm:scene3d>
+      <a:camera prst="orthographicFront"/>
+      <a:lightRig rig="threePt" dir="t"/>
+    </dgm:scene3d>
+    <dgm:sp3d/>
+    <dgm:txPr/>
+    <dgm:style>
+      <a:lnRef idx="0">
+        <a:scrgbClr r="0" g="0" b="0"/>
+      </a:lnRef>
+      <a:fillRef idx="0">
+        <a:scrgbClr r="0" g="0" b="0"/>
+      </a:fillRef>
+      <a:effectRef idx="0">
+        <a:scrgbClr r="0" g="0" b="0"/>
+      </a:effectRef>
+      <a:fontRef idx="minor"/>
+    </dgm:style>
+  </dgm:styleLbl>
+</dgm:styleDef>
 </file>
 
 <file path=ppt/handoutMasters/handoutMaster1.xml><?xml version="1.0" encoding="utf-8"?>
@@ -3739,8 +6942,8 @@
         </p:nvSpPr>
         <p:spPr>
           <a:xfrm>
-            <a:off x="2042013" y="6437376"/>
-            <a:ext cx="4732386" cy="253916"/>
+            <a:off x="3677878" y="6437376"/>
+            <a:ext cx="1460656" cy="253916"/>
           </a:xfrm>
           <a:prstGeom prst="rect">
             <a:avLst/>
@@ -3756,23 +6959,15 @@
             <a:pPr algn="ctr"/>
             <a:r>
               <a:rPr lang="en-US" sz="1050" dirty="0" smtClean="0"/>
-              <a:t>HSHL – ITD 6. Semester </a:t>
-            </a:r>
-            <a:r>
-              <a:rPr lang="mr-IN" sz="1050" dirty="0" smtClean="0"/>
-              <a:t>–</a:t>
-            </a:r>
-            <a:r>
-              <a:rPr lang="en-US" sz="1050" dirty="0" smtClean="0"/>
-              <a:t> Christopher Beck, Daniel </a:t>
-            </a:r>
-            <a:r>
-              <a:rPr lang="en-US" sz="1050" dirty="0" err="1" smtClean="0"/>
-              <a:t>Münstermann</a:t>
-            </a:r>
-            <a:r>
-              <a:rPr lang="en-US" sz="1050" dirty="0" smtClean="0"/>
-              <a:t>, Alexander Wilms</a:t>
+              <a:t>HSHL – ITD 6</a:t>
+            </a:r>
+            <a:r>
+              <a:rPr lang="en-US" sz="1050" smtClean="0"/>
+              <a:t>. </a:t>
+            </a:r>
+            <a:r>
+              <a:rPr lang="en-US" sz="1050" smtClean="0"/>
+              <a:t>Semester</a:t>
             </a:r>
             <a:endParaRPr lang="en-US" sz="1050" dirty="0"/>
           </a:p>
@@ -4542,7 +7737,7 @@
 </p:sld>
 </file>
 
-<file path=ppt/slides/slide2.xml><?xml version="1.0" encoding="utf-8"?>
+<file path=ppt/slides/slide13.xml><?xml version="1.0" encoding="utf-8"?>
 <p:sld xmlns:a="http://schemas.openxmlformats.org/drawingml/2006/main" xmlns:r="http://schemas.openxmlformats.org/officeDocument/2006/relationships" xmlns:p="http://schemas.openxmlformats.org/presentationml/2006/main">
   <p:cSld>
     <p:spTree>
@@ -4561,7 +7756,3342 @@
       </p:grpSpPr>
       <p:sp>
         <p:nvSpPr>
-          <p:cNvPr id="3" name="Inhaltsplatzhalter 2"/>
+          <p:cNvPr id="2" name="Ellipse 1">
+            <a:extLst>
+              <a:ext uri="{FF2B5EF4-FFF2-40B4-BE49-F238E27FC236}">
+                <a16:creationId xmlns:a16="http://schemas.microsoft.com/office/drawing/2014/main" xmlns="" id="{0473C76D-1C14-4B34-A78E-612378BFAAB0}"/>
+              </a:ext>
+            </a:extLst>
+          </p:cNvPr>
+          <p:cNvSpPr/>
+          <p:nvPr/>
+        </p:nvSpPr>
+        <p:spPr>
+          <a:xfrm>
+            <a:off x="3694014" y="2800703"/>
+            <a:ext cx="1783871" cy="1256595"/>
+          </a:xfrm>
+          <a:prstGeom prst="ellipse">
+            <a:avLst/>
+          </a:prstGeom>
+          <a:solidFill>
+            <a:schemeClr val="bg1"/>
+          </a:solidFill>
+          <a:ln w="28575">
+            <a:solidFill>
+              <a:schemeClr val="tx1"/>
+            </a:solidFill>
+          </a:ln>
+        </p:spPr>
+        <p:style>
+          <a:lnRef idx="2">
+            <a:schemeClr val="accent1">
+              <a:shade val="50000"/>
+            </a:schemeClr>
+          </a:lnRef>
+          <a:fillRef idx="1">
+            <a:schemeClr val="accent1"/>
+          </a:fillRef>
+          <a:effectRef idx="0">
+            <a:schemeClr val="accent1"/>
+          </a:effectRef>
+          <a:fontRef idx="minor">
+            <a:schemeClr val="lt1"/>
+          </a:fontRef>
+        </p:style>
+        <p:txBody>
+          <a:bodyPr rtlCol="0" anchor="ctr"/>
+          <a:lstStyle/>
+          <a:p>
+            <a:pPr algn="ctr" defTabSz="685800">
+              <a:defRPr/>
+            </a:pPr>
+            <a:r>
+              <a:rPr lang="de-DE" sz="1350" dirty="0">
+                <a:solidFill>
+                  <a:prstClr val="black"/>
+                </a:solidFill>
+                <a:latin typeface="Arial" panose="020B0604020202020204" pitchFamily="34" charset="0"/>
+                <a:cs typeface="Arial" panose="020B0604020202020204" pitchFamily="34" charset="0"/>
+              </a:rPr>
+              <a:t>Rollstuhl-steuerung</a:t>
+            </a:r>
+          </a:p>
+        </p:txBody>
+      </p:sp>
+      <p:graphicFrame>
+        <p:nvGraphicFramePr>
+          <p:cNvPr id="3" name="Tabelle 2">
+            <a:extLst>
+              <a:ext uri="{FF2B5EF4-FFF2-40B4-BE49-F238E27FC236}">
+                <a16:creationId xmlns:a16="http://schemas.microsoft.com/office/drawing/2014/main" xmlns="" id="{AC1D6CEF-6CA7-4BE1-993E-274416914213}"/>
+              </a:ext>
+            </a:extLst>
+          </p:cNvPr>
+          <p:cNvGraphicFramePr>
+            <a:graphicFrameLocks noGrp="1"/>
+          </p:cNvGraphicFramePr>
+          <p:nvPr>
+            <p:extLst/>
+          </p:nvPr>
+        </p:nvGraphicFramePr>
+        <p:xfrm>
+          <a:off x="22501" y="4876403"/>
+          <a:ext cx="2282692" cy="1767840"/>
+        </p:xfrm>
+        <a:graphic>
+          <a:graphicData uri="http://schemas.openxmlformats.org/drawingml/2006/table">
+            <a:tbl>
+              <a:tblPr firstRow="1" bandRow="1">
+                <a:tableStyleId>{073A0DAA-6AF3-43AB-8588-CEC1D06C72B9}</a:tableStyleId>
+              </a:tblPr>
+              <a:tblGrid>
+                <a:gridCol w="1141346">
+                  <a:extLst>
+                    <a:ext uri="{9D8B030D-6E8A-4147-A177-3AD203B41FA5}">
+                      <a16:colId xmlns:a16="http://schemas.microsoft.com/office/drawing/2014/main" xmlns="" val="3781081371"/>
+                    </a:ext>
+                  </a:extLst>
+                </a:gridCol>
+                <a:gridCol w="1141346">
+                  <a:extLst>
+                    <a:ext uri="{9D8B030D-6E8A-4147-A177-3AD203B41FA5}">
+                      <a16:colId xmlns:a16="http://schemas.microsoft.com/office/drawing/2014/main" xmlns="" val="873354020"/>
+                    </a:ext>
+                  </a:extLst>
+                </a:gridCol>
+              </a:tblGrid>
+              <a:tr h="274320">
+                <a:tc>
+                  <a:txBody>
+                    <a:bodyPr/>
+                    <a:lstStyle/>
+                    <a:p>
+                      <a:pPr algn="ctr"/>
+                      <a:r>
+                        <a:rPr lang="de-DE" sz="1400" dirty="0">
+                          <a:latin typeface="Arial" panose="020B0604020202020204" pitchFamily="34" charset="0"/>
+                          <a:cs typeface="Arial" panose="020B0604020202020204" pitchFamily="34" charset="0"/>
+                        </a:rPr>
+                        <a:t>Einfluss</a:t>
+                      </a:r>
+                    </a:p>
+                  </a:txBody>
+                  <a:tcPr marL="68580" marR="68580" marT="34290" marB="34290"/>
+                </a:tc>
+                <a:tc>
+                  <a:txBody>
+                    <a:bodyPr/>
+                    <a:lstStyle/>
+                    <a:p>
+                      <a:pPr algn="ctr"/>
+                      <a:r>
+                        <a:rPr lang="de-DE" sz="1400" dirty="0">
+                          <a:latin typeface="Arial" panose="020B0604020202020204" pitchFamily="34" charset="0"/>
+                          <a:cs typeface="Arial" panose="020B0604020202020204" pitchFamily="34" charset="0"/>
+                        </a:rPr>
+                        <a:t>Einstellung</a:t>
+                      </a:r>
+                      <a:r>
+                        <a:rPr lang="de-DE" sz="1400" dirty="0"/>
+                        <a:t> </a:t>
+                      </a:r>
+                    </a:p>
+                  </a:txBody>
+                  <a:tcPr marL="68580" marR="68580" marT="34290" marB="34290"/>
+                </a:tc>
+                <a:extLst>
+                  <a:ext uri="{0D108BD9-81ED-4DB2-BD59-A6C34878D82A}">
+                    <a16:rowId xmlns:a16="http://schemas.microsoft.com/office/drawing/2014/main" xmlns="" val="4104672862"/>
+                  </a:ext>
+                </a:extLst>
+              </a:tr>
+              <a:tr h="274320">
+                <a:tc>
+                  <a:txBody>
+                    <a:bodyPr/>
+                    <a:lstStyle/>
+                    <a:p>
+                      <a:pPr algn="r"/>
+                      <a:r>
+                        <a:rPr lang="de-DE" sz="1400" dirty="0">
+                          <a:latin typeface="Arial" panose="020B0604020202020204" pitchFamily="34" charset="0"/>
+                          <a:cs typeface="Arial" panose="020B0604020202020204" pitchFamily="34" charset="0"/>
+                        </a:rPr>
+                        <a:t>Hoch</a:t>
+                      </a:r>
+                      <a:r>
+                        <a:rPr lang="de-DE" sz="1400" dirty="0"/>
+                        <a:t> </a:t>
+                      </a:r>
+                    </a:p>
+                  </a:txBody>
+                  <a:tcPr marL="68580" marR="68580" marT="34290" marB="34290"/>
+                </a:tc>
+                <a:tc>
+                  <a:txBody>
+                    <a:bodyPr/>
+                    <a:lstStyle/>
+                    <a:p>
+                      <a:r>
+                        <a:rPr lang="de-DE" sz="1400" dirty="0">
+                          <a:latin typeface="Arial" panose="020B0604020202020204" pitchFamily="34" charset="0"/>
+                          <a:cs typeface="Arial" panose="020B0604020202020204" pitchFamily="34" charset="0"/>
+                        </a:rPr>
+                        <a:t>+        Positiv</a:t>
+                      </a:r>
+                    </a:p>
+                  </a:txBody>
+                  <a:tcPr marL="68580" marR="68580" marT="34290" marB="34290"/>
+                </a:tc>
+                <a:extLst>
+                  <a:ext uri="{0D108BD9-81ED-4DB2-BD59-A6C34878D82A}">
+                    <a16:rowId xmlns:a16="http://schemas.microsoft.com/office/drawing/2014/main" xmlns="" val="1469610111"/>
+                  </a:ext>
+                </a:extLst>
+              </a:tr>
+              <a:tr h="274320">
+                <a:tc>
+                  <a:txBody>
+                    <a:bodyPr/>
+                    <a:lstStyle/>
+                    <a:p>
+                      <a:pPr algn="r"/>
+                      <a:r>
+                        <a:rPr lang="de-DE" sz="1400" dirty="0">
+                          <a:latin typeface="Arial" panose="020B0604020202020204" pitchFamily="34" charset="0"/>
+                          <a:cs typeface="Arial" panose="020B0604020202020204" pitchFamily="34" charset="0"/>
+                        </a:rPr>
+                        <a:t>Mittel</a:t>
+                      </a:r>
+                      <a:r>
+                        <a:rPr lang="de-DE" sz="1400" dirty="0"/>
+                        <a:t> </a:t>
+                      </a:r>
+                    </a:p>
+                  </a:txBody>
+                  <a:tcPr marL="68580" marR="68580" marT="34290" marB="34290"/>
+                </a:tc>
+                <a:tc>
+                  <a:txBody>
+                    <a:bodyPr/>
+                    <a:lstStyle/>
+                    <a:p>
+                      <a:r>
+                        <a:rPr lang="de-DE" sz="1400" dirty="0">
+                          <a:latin typeface="Arial" panose="020B0604020202020204" pitchFamily="34" charset="0"/>
+                          <a:cs typeface="Arial" panose="020B0604020202020204" pitchFamily="34" charset="0"/>
+                        </a:rPr>
+                        <a:t>-       Negativ </a:t>
+                      </a:r>
+                    </a:p>
+                  </a:txBody>
+                  <a:tcPr marL="68580" marR="68580" marT="34290" marB="34290"/>
+                </a:tc>
+                <a:extLst>
+                  <a:ext uri="{0D108BD9-81ED-4DB2-BD59-A6C34878D82A}">
+                    <a16:rowId xmlns:a16="http://schemas.microsoft.com/office/drawing/2014/main" xmlns="" val="77720559"/>
+                  </a:ext>
+                </a:extLst>
+              </a:tr>
+              <a:tr h="274320">
+                <a:tc>
+                  <a:txBody>
+                    <a:bodyPr/>
+                    <a:lstStyle/>
+                    <a:p>
+                      <a:pPr algn="r"/>
+                      <a:r>
+                        <a:rPr lang="de-DE" sz="1400" dirty="0">
+                          <a:latin typeface="Arial" panose="020B0604020202020204" pitchFamily="34" charset="0"/>
+                          <a:cs typeface="Arial" panose="020B0604020202020204" pitchFamily="34" charset="0"/>
+                        </a:rPr>
+                        <a:t>Gering</a:t>
+                      </a:r>
+                      <a:r>
+                        <a:rPr lang="de-DE" sz="1400" dirty="0"/>
+                        <a:t> </a:t>
+                      </a:r>
+                    </a:p>
+                  </a:txBody>
+                  <a:tcPr marL="68580" marR="68580" marT="34290" marB="34290"/>
+                </a:tc>
+                <a:tc>
+                  <a:txBody>
+                    <a:bodyPr/>
+                    <a:lstStyle/>
+                    <a:p>
+                      <a:r>
+                        <a:rPr lang="de-DE" sz="1400" dirty="0">
+                          <a:latin typeface="Arial" panose="020B0604020202020204" pitchFamily="34" charset="0"/>
+                          <a:cs typeface="Arial" panose="020B0604020202020204" pitchFamily="34" charset="0"/>
+                        </a:rPr>
+                        <a:t>=       Neutral </a:t>
+                      </a:r>
+                    </a:p>
+                  </a:txBody>
+                  <a:tcPr marL="68580" marR="68580" marT="34290" marB="34290"/>
+                </a:tc>
+                <a:extLst>
+                  <a:ext uri="{0D108BD9-81ED-4DB2-BD59-A6C34878D82A}">
+                    <a16:rowId xmlns:a16="http://schemas.microsoft.com/office/drawing/2014/main" xmlns="" val="140727696"/>
+                  </a:ext>
+                </a:extLst>
+              </a:tr>
+            </a:tbl>
+          </a:graphicData>
+        </a:graphic>
+      </p:graphicFrame>
+      <p:cxnSp>
+        <p:nvCxnSpPr>
+          <p:cNvPr id="6" name="Gerader Verbinder 5">
+            <a:extLst>
+              <a:ext uri="{FF2B5EF4-FFF2-40B4-BE49-F238E27FC236}">
+                <a16:creationId xmlns:a16="http://schemas.microsoft.com/office/drawing/2014/main" xmlns="" id="{0698F457-EDA3-4839-A5D4-E83AD43EEE8B}"/>
+              </a:ext>
+            </a:extLst>
+          </p:cNvPr>
+          <p:cNvCxnSpPr>
+            <a:cxnSpLocks/>
+            <a:stCxn id="2" idx="0"/>
+            <a:endCxn id="7" idx="4"/>
+          </p:cNvCxnSpPr>
+          <p:nvPr/>
+        </p:nvCxnSpPr>
+        <p:spPr>
+          <a:xfrm flipV="1">
+            <a:off x="4585949" y="2201860"/>
+            <a:ext cx="0" cy="598843"/>
+          </a:xfrm>
+          <a:prstGeom prst="line">
+            <a:avLst/>
+          </a:prstGeom>
+          <a:ln>
+            <a:solidFill>
+              <a:srgbClr val="FFC000"/>
+            </a:solidFill>
+          </a:ln>
+        </p:spPr>
+        <p:style>
+          <a:lnRef idx="1">
+            <a:schemeClr val="accent1"/>
+          </a:lnRef>
+          <a:fillRef idx="0">
+            <a:schemeClr val="accent1"/>
+          </a:fillRef>
+          <a:effectRef idx="0">
+            <a:schemeClr val="accent1"/>
+          </a:effectRef>
+          <a:fontRef idx="minor">
+            <a:schemeClr val="tx1"/>
+          </a:fontRef>
+        </p:style>
+      </p:cxnSp>
+      <p:sp>
+        <p:nvSpPr>
+          <p:cNvPr id="7" name="Ellipse 6">
+            <a:extLst>
+              <a:ext uri="{FF2B5EF4-FFF2-40B4-BE49-F238E27FC236}">
+                <a16:creationId xmlns:a16="http://schemas.microsoft.com/office/drawing/2014/main" xmlns="" id="{A5BEFADA-E7D9-42F9-8F68-EF0409C84554}"/>
+              </a:ext>
+            </a:extLst>
+          </p:cNvPr>
+          <p:cNvSpPr/>
+          <p:nvPr/>
+        </p:nvSpPr>
+        <p:spPr>
+          <a:xfrm>
+            <a:off x="3803242" y="972477"/>
+            <a:ext cx="1565415" cy="1229383"/>
+          </a:xfrm>
+          <a:prstGeom prst="ellipse">
+            <a:avLst/>
+          </a:prstGeom>
+          <a:solidFill>
+            <a:srgbClr val="FFC000"/>
+          </a:solidFill>
+          <a:ln>
+            <a:solidFill>
+              <a:srgbClr val="FFC000"/>
+            </a:solidFill>
+          </a:ln>
+        </p:spPr>
+        <p:style>
+          <a:lnRef idx="2">
+            <a:schemeClr val="accent1">
+              <a:shade val="50000"/>
+            </a:schemeClr>
+          </a:lnRef>
+          <a:fillRef idx="1">
+            <a:schemeClr val="accent1"/>
+          </a:fillRef>
+          <a:effectRef idx="0">
+            <a:schemeClr val="accent1"/>
+          </a:effectRef>
+          <a:fontRef idx="minor">
+            <a:schemeClr val="lt1"/>
+          </a:fontRef>
+        </p:style>
+        <p:txBody>
+          <a:bodyPr rtlCol="0" anchor="ctr"/>
+          <a:lstStyle/>
+          <a:p>
+            <a:pPr algn="ctr" defTabSz="685800">
+              <a:defRPr/>
+            </a:pPr>
+            <a:r>
+              <a:rPr lang="de-DE" sz="1350" b="1" dirty="0">
+                <a:solidFill>
+                  <a:prstClr val="white"/>
+                </a:solidFill>
+                <a:latin typeface="Arial" panose="020B0604020202020204" pitchFamily="34" charset="0"/>
+                <a:cs typeface="Arial" panose="020B0604020202020204" pitchFamily="34" charset="0"/>
+              </a:rPr>
+              <a:t>+ </a:t>
+            </a:r>
+          </a:p>
+          <a:p>
+            <a:pPr algn="ctr" defTabSz="685800">
+              <a:defRPr/>
+            </a:pPr>
+            <a:r>
+              <a:rPr lang="de-DE" sz="1350" dirty="0">
+                <a:solidFill>
+                  <a:prstClr val="white"/>
+                </a:solidFill>
+                <a:latin typeface="Arial" panose="020B0604020202020204" pitchFamily="34" charset="0"/>
+                <a:cs typeface="Arial" panose="020B0604020202020204" pitchFamily="34" charset="0"/>
+              </a:rPr>
+              <a:t>Projektteam</a:t>
+            </a:r>
+          </a:p>
+          <a:p>
+            <a:pPr algn="ctr" defTabSz="685800">
+              <a:defRPr/>
+            </a:pPr>
+            <a:r>
+              <a:rPr lang="de-DE" sz="1350" dirty="0">
+                <a:solidFill>
+                  <a:prstClr val="white"/>
+                </a:solidFill>
+                <a:latin typeface="Arial" panose="020B0604020202020204" pitchFamily="34" charset="0"/>
+                <a:cs typeface="Arial" panose="020B0604020202020204" pitchFamily="34" charset="0"/>
+              </a:rPr>
+              <a:t>Betreuer </a:t>
+            </a:r>
+          </a:p>
+          <a:p>
+            <a:pPr algn="ctr" defTabSz="685800">
+              <a:defRPr/>
+            </a:pPr>
+            <a:r>
+              <a:rPr lang="de-DE" sz="1350" dirty="0">
+                <a:solidFill>
+                  <a:prstClr val="white"/>
+                </a:solidFill>
+                <a:latin typeface="Arial" panose="020B0604020202020204" pitchFamily="34" charset="0"/>
+                <a:cs typeface="Arial" panose="020B0604020202020204" pitchFamily="34" charset="0"/>
+              </a:rPr>
+              <a:t>Hochschule</a:t>
+            </a:r>
+          </a:p>
+        </p:txBody>
+      </p:sp>
+      <p:sp>
+        <p:nvSpPr>
+          <p:cNvPr id="8" name="Rechteck 7">
+            <a:extLst>
+              <a:ext uri="{FF2B5EF4-FFF2-40B4-BE49-F238E27FC236}">
+                <a16:creationId xmlns:a16="http://schemas.microsoft.com/office/drawing/2014/main" xmlns="" id="{567A3427-F251-453A-8E0A-6C40A2B1C376}"/>
+              </a:ext>
+            </a:extLst>
+          </p:cNvPr>
+          <p:cNvSpPr/>
+          <p:nvPr/>
+        </p:nvSpPr>
+        <p:spPr>
+          <a:xfrm>
+            <a:off x="173933" y="5245178"/>
+            <a:ext cx="248480" cy="118276"/>
+          </a:xfrm>
+          <a:prstGeom prst="rect">
+            <a:avLst/>
+          </a:prstGeom>
+          <a:solidFill>
+            <a:srgbClr val="FFC000"/>
+          </a:solidFill>
+          <a:ln>
+            <a:solidFill>
+              <a:srgbClr val="FFC000"/>
+            </a:solidFill>
+          </a:ln>
+        </p:spPr>
+        <p:style>
+          <a:lnRef idx="2">
+            <a:schemeClr val="accent1">
+              <a:shade val="50000"/>
+            </a:schemeClr>
+          </a:lnRef>
+          <a:fillRef idx="1">
+            <a:schemeClr val="accent1"/>
+          </a:fillRef>
+          <a:effectRef idx="0">
+            <a:schemeClr val="accent1"/>
+          </a:effectRef>
+          <a:fontRef idx="minor">
+            <a:schemeClr val="lt1"/>
+          </a:fontRef>
+        </p:style>
+        <p:txBody>
+          <a:bodyPr rtlCol="0" anchor="ctr"/>
+          <a:lstStyle/>
+          <a:p>
+            <a:pPr algn="ctr" defTabSz="685800">
+              <a:defRPr/>
+            </a:pPr>
+            <a:endParaRPr lang="de-DE" sz="1350" dirty="0">
+              <a:solidFill>
+                <a:prstClr val="white"/>
+              </a:solidFill>
+              <a:latin typeface="Calibri" panose="020F0502020204030204"/>
+            </a:endParaRPr>
+          </a:p>
+        </p:txBody>
+      </p:sp>
+      <p:sp>
+        <p:nvSpPr>
+          <p:cNvPr id="9" name="Rechteck 8">
+            <a:extLst>
+              <a:ext uri="{FF2B5EF4-FFF2-40B4-BE49-F238E27FC236}">
+                <a16:creationId xmlns:a16="http://schemas.microsoft.com/office/drawing/2014/main" xmlns="" id="{2799547A-3549-4018-A918-D2F4C6CDB8C1}"/>
+              </a:ext>
+            </a:extLst>
+          </p:cNvPr>
+          <p:cNvSpPr/>
+          <p:nvPr/>
+        </p:nvSpPr>
+        <p:spPr>
+          <a:xfrm>
+            <a:off x="173933" y="5495376"/>
+            <a:ext cx="248480" cy="118276"/>
+          </a:xfrm>
+          <a:prstGeom prst="rect">
+            <a:avLst/>
+          </a:prstGeom>
+          <a:solidFill>
+            <a:srgbClr val="92D050"/>
+          </a:solidFill>
+          <a:ln>
+            <a:solidFill>
+              <a:srgbClr val="92D050"/>
+            </a:solidFill>
+          </a:ln>
+        </p:spPr>
+        <p:style>
+          <a:lnRef idx="2">
+            <a:schemeClr val="accent1">
+              <a:shade val="50000"/>
+            </a:schemeClr>
+          </a:lnRef>
+          <a:fillRef idx="1">
+            <a:schemeClr val="accent1"/>
+          </a:fillRef>
+          <a:effectRef idx="0">
+            <a:schemeClr val="accent1"/>
+          </a:effectRef>
+          <a:fontRef idx="minor">
+            <a:schemeClr val="lt1"/>
+          </a:fontRef>
+        </p:style>
+        <p:txBody>
+          <a:bodyPr rtlCol="0" anchor="ctr"/>
+          <a:lstStyle/>
+          <a:p>
+            <a:pPr algn="ctr" defTabSz="685800">
+              <a:defRPr/>
+            </a:pPr>
+            <a:endParaRPr lang="de-DE" sz="1350" dirty="0">
+              <a:solidFill>
+                <a:prstClr val="white"/>
+              </a:solidFill>
+              <a:latin typeface="Calibri" panose="020F0502020204030204"/>
+            </a:endParaRPr>
+          </a:p>
+        </p:txBody>
+      </p:sp>
+      <p:sp>
+        <p:nvSpPr>
+          <p:cNvPr id="10" name="Rechteck 9">
+            <a:extLst>
+              <a:ext uri="{FF2B5EF4-FFF2-40B4-BE49-F238E27FC236}">
+                <a16:creationId xmlns:a16="http://schemas.microsoft.com/office/drawing/2014/main" xmlns="" id="{4FE6D9F7-B9EE-4DF2-AFA7-DB99E2B2A204}"/>
+              </a:ext>
+            </a:extLst>
+          </p:cNvPr>
+          <p:cNvSpPr/>
+          <p:nvPr/>
+        </p:nvSpPr>
+        <p:spPr>
+          <a:xfrm>
+            <a:off x="173933" y="5758510"/>
+            <a:ext cx="248480" cy="118276"/>
+          </a:xfrm>
+          <a:prstGeom prst="rect">
+            <a:avLst/>
+          </a:prstGeom>
+          <a:solidFill>
+            <a:schemeClr val="accent1">
+              <a:lumMod val="60000"/>
+              <a:lumOff val="40000"/>
+            </a:schemeClr>
+          </a:solidFill>
+          <a:ln>
+            <a:solidFill>
+              <a:schemeClr val="accent1">
+                <a:lumMod val="60000"/>
+                <a:lumOff val="40000"/>
+              </a:schemeClr>
+            </a:solidFill>
+          </a:ln>
+        </p:spPr>
+        <p:style>
+          <a:lnRef idx="2">
+            <a:schemeClr val="accent1">
+              <a:shade val="50000"/>
+            </a:schemeClr>
+          </a:lnRef>
+          <a:fillRef idx="1">
+            <a:schemeClr val="accent1"/>
+          </a:fillRef>
+          <a:effectRef idx="0">
+            <a:schemeClr val="accent1"/>
+          </a:effectRef>
+          <a:fontRef idx="minor">
+            <a:schemeClr val="lt1"/>
+          </a:fontRef>
+        </p:style>
+        <p:txBody>
+          <a:bodyPr rtlCol="0" anchor="ctr"/>
+          <a:lstStyle/>
+          <a:p>
+            <a:pPr algn="ctr" defTabSz="685800">
+              <a:defRPr/>
+            </a:pPr>
+            <a:endParaRPr lang="de-DE" sz="1350" dirty="0">
+              <a:solidFill>
+                <a:prstClr val="white"/>
+              </a:solidFill>
+              <a:latin typeface="Calibri" panose="020F0502020204030204"/>
+            </a:endParaRPr>
+          </a:p>
+        </p:txBody>
+      </p:sp>
+      <p:cxnSp>
+        <p:nvCxnSpPr>
+          <p:cNvPr id="13" name="Gerader Verbinder 12">
+            <a:extLst>
+              <a:ext uri="{FF2B5EF4-FFF2-40B4-BE49-F238E27FC236}">
+                <a16:creationId xmlns:a16="http://schemas.microsoft.com/office/drawing/2014/main" xmlns="" id="{244B4C8B-AD46-45DD-A5E9-AA156C165A37}"/>
+              </a:ext>
+            </a:extLst>
+          </p:cNvPr>
+          <p:cNvCxnSpPr>
+            <a:cxnSpLocks/>
+            <a:stCxn id="2" idx="7"/>
+            <a:endCxn id="38" idx="3"/>
+          </p:cNvCxnSpPr>
+          <p:nvPr/>
+        </p:nvCxnSpPr>
+        <p:spPr>
+          <a:xfrm flipV="1">
+            <a:off x="5216643" y="1944346"/>
+            <a:ext cx="1058064" cy="1040381"/>
+          </a:xfrm>
+          <a:prstGeom prst="line">
+            <a:avLst/>
+          </a:prstGeom>
+          <a:ln>
+            <a:solidFill>
+              <a:schemeClr val="accent1">
+                <a:lumMod val="60000"/>
+                <a:lumOff val="40000"/>
+              </a:schemeClr>
+            </a:solidFill>
+          </a:ln>
+        </p:spPr>
+        <p:style>
+          <a:lnRef idx="1">
+            <a:schemeClr val="accent1"/>
+          </a:lnRef>
+          <a:fillRef idx="0">
+            <a:schemeClr val="accent1"/>
+          </a:fillRef>
+          <a:effectRef idx="0">
+            <a:schemeClr val="accent1"/>
+          </a:effectRef>
+          <a:fontRef idx="minor">
+            <a:schemeClr val="tx1"/>
+          </a:fontRef>
+        </p:style>
+      </p:cxnSp>
+      <p:cxnSp>
+        <p:nvCxnSpPr>
+          <p:cNvPr id="15" name="Gerader Verbinder 14">
+            <a:extLst>
+              <a:ext uri="{FF2B5EF4-FFF2-40B4-BE49-F238E27FC236}">
+                <a16:creationId xmlns:a16="http://schemas.microsoft.com/office/drawing/2014/main" xmlns="" id="{41D03C64-E2D1-47E3-86A1-B94F787ED9C4}"/>
+              </a:ext>
+            </a:extLst>
+          </p:cNvPr>
+          <p:cNvCxnSpPr>
+            <a:cxnSpLocks/>
+            <a:stCxn id="2" idx="3"/>
+            <a:endCxn id="41" idx="7"/>
+          </p:cNvCxnSpPr>
+          <p:nvPr/>
+        </p:nvCxnSpPr>
+        <p:spPr>
+          <a:xfrm flipH="1">
+            <a:off x="3488670" y="3873274"/>
+            <a:ext cx="466586" cy="287262"/>
+          </a:xfrm>
+          <a:prstGeom prst="line">
+            <a:avLst/>
+          </a:prstGeom>
+          <a:ln>
+            <a:solidFill>
+              <a:srgbClr val="92D050"/>
+            </a:solidFill>
+          </a:ln>
+        </p:spPr>
+        <p:style>
+          <a:lnRef idx="1">
+            <a:schemeClr val="accent1"/>
+          </a:lnRef>
+          <a:fillRef idx="0">
+            <a:schemeClr val="accent1"/>
+          </a:fillRef>
+          <a:effectRef idx="0">
+            <a:schemeClr val="accent1"/>
+          </a:effectRef>
+          <a:fontRef idx="minor">
+            <a:schemeClr val="tx1"/>
+          </a:fontRef>
+        </p:style>
+      </p:cxnSp>
+      <p:cxnSp>
+        <p:nvCxnSpPr>
+          <p:cNvPr id="17" name="Gerader Verbinder 16">
+            <a:extLst>
+              <a:ext uri="{FF2B5EF4-FFF2-40B4-BE49-F238E27FC236}">
+                <a16:creationId xmlns:a16="http://schemas.microsoft.com/office/drawing/2014/main" xmlns="" id="{F4F00ED5-D643-4779-9345-6C7B9ECCE817}"/>
+              </a:ext>
+            </a:extLst>
+          </p:cNvPr>
+          <p:cNvCxnSpPr>
+            <a:cxnSpLocks/>
+            <a:endCxn id="27" idx="2"/>
+          </p:cNvCxnSpPr>
+          <p:nvPr/>
+        </p:nvCxnSpPr>
+        <p:spPr>
+          <a:xfrm>
+            <a:off x="5411560" y="3688186"/>
+            <a:ext cx="1941497" cy="736427"/>
+          </a:xfrm>
+          <a:prstGeom prst="line">
+            <a:avLst/>
+          </a:prstGeom>
+          <a:ln>
+            <a:solidFill>
+              <a:schemeClr val="accent1">
+                <a:lumMod val="60000"/>
+                <a:lumOff val="40000"/>
+              </a:schemeClr>
+            </a:solidFill>
+          </a:ln>
+        </p:spPr>
+        <p:style>
+          <a:lnRef idx="1">
+            <a:schemeClr val="accent1"/>
+          </a:lnRef>
+          <a:fillRef idx="0">
+            <a:schemeClr val="accent1"/>
+          </a:fillRef>
+          <a:effectRef idx="0">
+            <a:schemeClr val="accent1"/>
+          </a:effectRef>
+          <a:fontRef idx="minor">
+            <a:schemeClr val="tx1"/>
+          </a:fontRef>
+        </p:style>
+      </p:cxnSp>
+      <p:cxnSp>
+        <p:nvCxnSpPr>
+          <p:cNvPr id="19" name="Gerader Verbinder 18">
+            <a:extLst>
+              <a:ext uri="{FF2B5EF4-FFF2-40B4-BE49-F238E27FC236}">
+                <a16:creationId xmlns:a16="http://schemas.microsoft.com/office/drawing/2014/main" xmlns="" id="{40C1BDB8-7122-4AB5-8282-7BF5B6A7AD20}"/>
+              </a:ext>
+            </a:extLst>
+          </p:cNvPr>
+          <p:cNvCxnSpPr>
+            <a:cxnSpLocks/>
+            <a:stCxn id="43" idx="2"/>
+            <a:endCxn id="2" idx="6"/>
+          </p:cNvCxnSpPr>
+          <p:nvPr/>
+        </p:nvCxnSpPr>
+        <p:spPr>
+          <a:xfrm flipH="1">
+            <a:off x="5477885" y="2948292"/>
+            <a:ext cx="1555889" cy="480709"/>
+          </a:xfrm>
+          <a:prstGeom prst="line">
+            <a:avLst/>
+          </a:prstGeom>
+          <a:ln>
+            <a:solidFill>
+              <a:schemeClr val="accent1">
+                <a:lumMod val="60000"/>
+                <a:lumOff val="40000"/>
+              </a:schemeClr>
+            </a:solidFill>
+          </a:ln>
+        </p:spPr>
+        <p:style>
+          <a:lnRef idx="1">
+            <a:schemeClr val="accent1"/>
+          </a:lnRef>
+          <a:fillRef idx="0">
+            <a:schemeClr val="accent1"/>
+          </a:fillRef>
+          <a:effectRef idx="0">
+            <a:schemeClr val="accent1"/>
+          </a:effectRef>
+          <a:fontRef idx="minor">
+            <a:schemeClr val="tx1"/>
+          </a:fontRef>
+        </p:style>
+      </p:cxnSp>
+      <p:cxnSp>
+        <p:nvCxnSpPr>
+          <p:cNvPr id="21" name="Gerader Verbinder 20">
+            <a:extLst>
+              <a:ext uri="{FF2B5EF4-FFF2-40B4-BE49-F238E27FC236}">
+                <a16:creationId xmlns:a16="http://schemas.microsoft.com/office/drawing/2014/main" xmlns="" id="{6561C95C-5DD5-4C4E-AE3F-01F943478F75}"/>
+              </a:ext>
+            </a:extLst>
+          </p:cNvPr>
+          <p:cNvCxnSpPr>
+            <a:cxnSpLocks/>
+            <a:stCxn id="2" idx="1"/>
+            <a:endCxn id="37" idx="5"/>
+          </p:cNvCxnSpPr>
+          <p:nvPr/>
+        </p:nvCxnSpPr>
+        <p:spPr>
+          <a:xfrm flipH="1" flipV="1">
+            <a:off x="2608977" y="2191417"/>
+            <a:ext cx="1346279" cy="793310"/>
+          </a:xfrm>
+          <a:prstGeom prst="line">
+            <a:avLst/>
+          </a:prstGeom>
+          <a:ln>
+            <a:solidFill>
+              <a:srgbClr val="FFC000"/>
+            </a:solidFill>
+          </a:ln>
+        </p:spPr>
+        <p:style>
+          <a:lnRef idx="1">
+            <a:schemeClr val="accent1"/>
+          </a:lnRef>
+          <a:fillRef idx="0">
+            <a:schemeClr val="accent1"/>
+          </a:fillRef>
+          <a:effectRef idx="0">
+            <a:schemeClr val="accent1"/>
+          </a:effectRef>
+          <a:fontRef idx="minor">
+            <a:schemeClr val="tx1"/>
+          </a:fontRef>
+        </p:style>
+      </p:cxnSp>
+      <p:cxnSp>
+        <p:nvCxnSpPr>
+          <p:cNvPr id="23" name="Gerader Verbinder 22">
+            <a:extLst>
+              <a:ext uri="{FF2B5EF4-FFF2-40B4-BE49-F238E27FC236}">
+                <a16:creationId xmlns:a16="http://schemas.microsoft.com/office/drawing/2014/main" xmlns="" id="{1D725A64-D548-49E7-8103-004D3670CEC0}"/>
+              </a:ext>
+            </a:extLst>
+          </p:cNvPr>
+          <p:cNvCxnSpPr>
+            <a:cxnSpLocks/>
+            <a:stCxn id="2" idx="2"/>
+            <a:endCxn id="26" idx="6"/>
+          </p:cNvCxnSpPr>
+          <p:nvPr/>
+        </p:nvCxnSpPr>
+        <p:spPr>
+          <a:xfrm flipH="1">
+            <a:off x="2156872" y="3429000"/>
+            <a:ext cx="1537142" cy="0"/>
+          </a:xfrm>
+          <a:prstGeom prst="line">
+            <a:avLst/>
+          </a:prstGeom>
+          <a:ln>
+            <a:solidFill>
+              <a:srgbClr val="FFC000"/>
+            </a:solidFill>
+          </a:ln>
+        </p:spPr>
+        <p:style>
+          <a:lnRef idx="1">
+            <a:schemeClr val="accent1"/>
+          </a:lnRef>
+          <a:fillRef idx="0">
+            <a:schemeClr val="accent1"/>
+          </a:fillRef>
+          <a:effectRef idx="0">
+            <a:schemeClr val="accent1"/>
+          </a:effectRef>
+          <a:fontRef idx="minor">
+            <a:schemeClr val="tx1"/>
+          </a:fontRef>
+        </p:style>
+      </p:cxnSp>
+      <p:cxnSp>
+        <p:nvCxnSpPr>
+          <p:cNvPr id="25" name="Gerader Verbinder 24">
+            <a:extLst>
+              <a:ext uri="{FF2B5EF4-FFF2-40B4-BE49-F238E27FC236}">
+                <a16:creationId xmlns:a16="http://schemas.microsoft.com/office/drawing/2014/main" xmlns="" id="{8B2F8111-5C97-493E-BDB6-F18D0987D557}"/>
+              </a:ext>
+            </a:extLst>
+          </p:cNvPr>
+          <p:cNvCxnSpPr>
+            <a:cxnSpLocks/>
+            <a:stCxn id="2" idx="4"/>
+            <a:endCxn id="39" idx="0"/>
+          </p:cNvCxnSpPr>
+          <p:nvPr/>
+        </p:nvCxnSpPr>
+        <p:spPr>
+          <a:xfrm flipH="1">
+            <a:off x="4572001" y="4057298"/>
+            <a:ext cx="13949" cy="777958"/>
+          </a:xfrm>
+          <a:prstGeom prst="line">
+            <a:avLst/>
+          </a:prstGeom>
+          <a:ln>
+            <a:solidFill>
+              <a:srgbClr val="92D050"/>
+            </a:solidFill>
+          </a:ln>
+        </p:spPr>
+        <p:style>
+          <a:lnRef idx="1">
+            <a:schemeClr val="accent1"/>
+          </a:lnRef>
+          <a:fillRef idx="0">
+            <a:schemeClr val="accent1"/>
+          </a:fillRef>
+          <a:effectRef idx="0">
+            <a:schemeClr val="accent1"/>
+          </a:effectRef>
+          <a:fontRef idx="minor">
+            <a:schemeClr val="tx1"/>
+          </a:fontRef>
+        </p:style>
+      </p:cxnSp>
+      <p:sp>
+        <p:nvSpPr>
+          <p:cNvPr id="26" name="Ellipse 25">
+            <a:extLst>
+              <a:ext uri="{FF2B5EF4-FFF2-40B4-BE49-F238E27FC236}">
+                <a16:creationId xmlns:a16="http://schemas.microsoft.com/office/drawing/2014/main" xmlns="" id="{B59E3ACB-C955-409C-8068-901C0430E002}"/>
+              </a:ext>
+            </a:extLst>
+          </p:cNvPr>
+          <p:cNvSpPr/>
+          <p:nvPr/>
+        </p:nvSpPr>
+        <p:spPr>
+          <a:xfrm>
+            <a:off x="302805" y="2723864"/>
+            <a:ext cx="1854067" cy="1410273"/>
+          </a:xfrm>
+          <a:prstGeom prst="ellipse">
+            <a:avLst/>
+          </a:prstGeom>
+          <a:solidFill>
+            <a:srgbClr val="FFC000"/>
+          </a:solidFill>
+          <a:ln>
+            <a:solidFill>
+              <a:srgbClr val="FFC000"/>
+            </a:solidFill>
+          </a:ln>
+        </p:spPr>
+        <p:style>
+          <a:lnRef idx="2">
+            <a:schemeClr val="accent1">
+              <a:shade val="50000"/>
+            </a:schemeClr>
+          </a:lnRef>
+          <a:fillRef idx="1">
+            <a:schemeClr val="accent1"/>
+          </a:fillRef>
+          <a:effectRef idx="0">
+            <a:schemeClr val="accent1"/>
+          </a:effectRef>
+          <a:fontRef idx="minor">
+            <a:schemeClr val="lt1"/>
+          </a:fontRef>
+        </p:style>
+        <p:txBody>
+          <a:bodyPr rtlCol="0" anchor="ctr"/>
+          <a:lstStyle/>
+          <a:p>
+            <a:pPr algn="ctr" defTabSz="685800">
+              <a:defRPr/>
+            </a:pPr>
+            <a:r>
+              <a:rPr lang="de-DE" sz="1350" b="1" dirty="0">
+                <a:solidFill>
+                  <a:prstClr val="white"/>
+                </a:solidFill>
+                <a:latin typeface="Arial" panose="020B0604020202020204" pitchFamily="34" charset="0"/>
+                <a:cs typeface="Arial" panose="020B0604020202020204" pitchFamily="34" charset="0"/>
+              </a:rPr>
+              <a:t>+</a:t>
+            </a:r>
+          </a:p>
+          <a:p>
+            <a:pPr algn="ctr" defTabSz="685800">
+              <a:defRPr/>
+            </a:pPr>
+            <a:r>
+              <a:rPr lang="de-DE" sz="1350" dirty="0">
+                <a:solidFill>
+                  <a:prstClr val="white"/>
+                </a:solidFill>
+                <a:latin typeface="Arial" panose="020B0604020202020204" pitchFamily="34" charset="0"/>
+                <a:cs typeface="Arial" panose="020B0604020202020204" pitchFamily="34" charset="0"/>
+              </a:rPr>
+              <a:t>Rollstuhlfahrer /  Anwendungs-bereiche</a:t>
+            </a:r>
+          </a:p>
+        </p:txBody>
+      </p:sp>
+      <p:sp>
+        <p:nvSpPr>
+          <p:cNvPr id="27" name="Ellipse 26">
+            <a:extLst>
+              <a:ext uri="{FF2B5EF4-FFF2-40B4-BE49-F238E27FC236}">
+                <a16:creationId xmlns:a16="http://schemas.microsoft.com/office/drawing/2014/main" xmlns="" id="{92524078-2817-4F34-9C26-2391A829A7D2}"/>
+              </a:ext>
+            </a:extLst>
+          </p:cNvPr>
+          <p:cNvSpPr/>
+          <p:nvPr/>
+        </p:nvSpPr>
+        <p:spPr>
+          <a:xfrm>
+            <a:off x="7353057" y="3796316"/>
+            <a:ext cx="1610235" cy="1256594"/>
+          </a:xfrm>
+          <a:prstGeom prst="ellipse">
+            <a:avLst/>
+          </a:prstGeom>
+          <a:solidFill>
+            <a:schemeClr val="accent1">
+              <a:lumMod val="60000"/>
+              <a:lumOff val="40000"/>
+            </a:schemeClr>
+          </a:solidFill>
+          <a:ln>
+            <a:solidFill>
+              <a:schemeClr val="accent1">
+                <a:lumMod val="60000"/>
+                <a:lumOff val="40000"/>
+              </a:schemeClr>
+            </a:solidFill>
+          </a:ln>
+        </p:spPr>
+        <p:style>
+          <a:lnRef idx="2">
+            <a:schemeClr val="accent1">
+              <a:shade val="50000"/>
+            </a:schemeClr>
+          </a:lnRef>
+          <a:fillRef idx="1">
+            <a:schemeClr val="accent1"/>
+          </a:fillRef>
+          <a:effectRef idx="0">
+            <a:schemeClr val="accent1"/>
+          </a:effectRef>
+          <a:fontRef idx="minor">
+            <a:schemeClr val="lt1"/>
+          </a:fontRef>
+        </p:style>
+        <p:txBody>
+          <a:bodyPr rtlCol="0" anchor="ctr"/>
+          <a:lstStyle/>
+          <a:p>
+            <a:pPr algn="ctr" defTabSz="685800">
+              <a:defRPr/>
+            </a:pPr>
+            <a:r>
+              <a:rPr lang="de-DE" sz="1350" b="1" dirty="0">
+                <a:solidFill>
+                  <a:prstClr val="white"/>
+                </a:solidFill>
+                <a:latin typeface="Arial" panose="020B0604020202020204" pitchFamily="34" charset="0"/>
+                <a:cs typeface="Arial" panose="020B0604020202020204" pitchFamily="34" charset="0"/>
+              </a:rPr>
+              <a:t>+</a:t>
+            </a:r>
+          </a:p>
+          <a:p>
+            <a:pPr algn="ctr" defTabSz="685800">
+              <a:defRPr/>
+            </a:pPr>
+            <a:r>
+              <a:rPr lang="de-DE" sz="1350" dirty="0">
+                <a:solidFill>
+                  <a:prstClr val="white"/>
+                </a:solidFill>
+                <a:latin typeface="Arial" panose="020B0604020202020204" pitchFamily="34" charset="0"/>
+                <a:cs typeface="Arial" panose="020B0604020202020204" pitchFamily="34" charset="0"/>
+              </a:rPr>
+              <a:t>Technikaffine</a:t>
+            </a:r>
+          </a:p>
+          <a:p>
+            <a:pPr algn="ctr" defTabSz="685800">
+              <a:defRPr/>
+            </a:pPr>
+            <a:r>
+              <a:rPr lang="de-DE" sz="1350" dirty="0">
+                <a:solidFill>
+                  <a:prstClr val="white"/>
+                </a:solidFill>
+                <a:latin typeface="Arial" panose="020B0604020202020204" pitchFamily="34" charset="0"/>
+                <a:cs typeface="Arial" panose="020B0604020202020204" pitchFamily="34" charset="0"/>
+              </a:rPr>
+              <a:t>Menschen</a:t>
+            </a:r>
+          </a:p>
+        </p:txBody>
+      </p:sp>
+      <p:sp>
+        <p:nvSpPr>
+          <p:cNvPr id="28" name="Ellipse 27">
+            <a:extLst>
+              <a:ext uri="{FF2B5EF4-FFF2-40B4-BE49-F238E27FC236}">
+                <a16:creationId xmlns:a16="http://schemas.microsoft.com/office/drawing/2014/main" xmlns="" id="{DD1BC920-A55C-40CF-8590-6EEEABE22F00}"/>
+              </a:ext>
+            </a:extLst>
+          </p:cNvPr>
+          <p:cNvSpPr/>
+          <p:nvPr/>
+        </p:nvSpPr>
+        <p:spPr>
+          <a:xfrm>
+            <a:off x="5763170" y="4739401"/>
+            <a:ext cx="1421027" cy="1171997"/>
+          </a:xfrm>
+          <a:prstGeom prst="ellipse">
+            <a:avLst/>
+          </a:prstGeom>
+          <a:solidFill>
+            <a:schemeClr val="accent1">
+              <a:lumMod val="60000"/>
+              <a:lumOff val="40000"/>
+            </a:schemeClr>
+          </a:solidFill>
+          <a:ln>
+            <a:solidFill>
+              <a:schemeClr val="accent1">
+                <a:lumMod val="60000"/>
+                <a:lumOff val="40000"/>
+              </a:schemeClr>
+            </a:solidFill>
+          </a:ln>
+        </p:spPr>
+        <p:style>
+          <a:lnRef idx="2">
+            <a:schemeClr val="accent1">
+              <a:shade val="50000"/>
+            </a:schemeClr>
+          </a:lnRef>
+          <a:fillRef idx="1">
+            <a:schemeClr val="accent1"/>
+          </a:fillRef>
+          <a:effectRef idx="0">
+            <a:schemeClr val="accent1"/>
+          </a:effectRef>
+          <a:fontRef idx="minor">
+            <a:schemeClr val="lt1"/>
+          </a:fontRef>
+        </p:style>
+        <p:txBody>
+          <a:bodyPr rtlCol="0" anchor="ctr"/>
+          <a:lstStyle/>
+          <a:p>
+            <a:pPr algn="ctr" defTabSz="685800">
+              <a:defRPr/>
+            </a:pPr>
+            <a:r>
+              <a:rPr lang="de-DE" sz="1350" b="1" dirty="0">
+                <a:solidFill>
+                  <a:prstClr val="white"/>
+                </a:solidFill>
+                <a:latin typeface="Arial" panose="020B0604020202020204" pitchFamily="34" charset="0"/>
+                <a:cs typeface="Arial" panose="020B0604020202020204" pitchFamily="34" charset="0"/>
+              </a:rPr>
+              <a:t>-</a:t>
+            </a:r>
+          </a:p>
+          <a:p>
+            <a:pPr algn="ctr" defTabSz="685800">
+              <a:defRPr/>
+            </a:pPr>
+            <a:r>
+              <a:rPr lang="de-DE" sz="1350" dirty="0" err="1">
+                <a:solidFill>
+                  <a:prstClr val="white"/>
+                </a:solidFill>
+                <a:latin typeface="Arial" panose="020B0604020202020204" pitchFamily="34" charset="0"/>
+                <a:cs typeface="Arial" panose="020B0604020202020204" pitchFamily="34" charset="0"/>
+              </a:rPr>
+              <a:t>Menschen,die</a:t>
+            </a:r>
+            <a:r>
+              <a:rPr lang="de-DE" sz="1350" dirty="0">
+                <a:solidFill>
+                  <a:prstClr val="white"/>
+                </a:solidFill>
+                <a:latin typeface="Arial" panose="020B0604020202020204" pitchFamily="34" charset="0"/>
+                <a:cs typeface="Arial" panose="020B0604020202020204" pitchFamily="34" charset="0"/>
+              </a:rPr>
+              <a:t> Technik ablehnen</a:t>
+            </a:r>
+          </a:p>
+        </p:txBody>
+      </p:sp>
+      <p:sp>
+        <p:nvSpPr>
+          <p:cNvPr id="37" name="Ellipse 36">
+            <a:extLst>
+              <a:ext uri="{FF2B5EF4-FFF2-40B4-BE49-F238E27FC236}">
+                <a16:creationId xmlns:a16="http://schemas.microsoft.com/office/drawing/2014/main" xmlns="" id="{FBD44FAE-0795-4C02-986B-9BCC33B3154D}"/>
+              </a:ext>
+            </a:extLst>
+          </p:cNvPr>
+          <p:cNvSpPr/>
+          <p:nvPr/>
+        </p:nvSpPr>
+        <p:spPr>
+          <a:xfrm>
+            <a:off x="1656371" y="1305791"/>
+            <a:ext cx="1116047" cy="1037574"/>
+          </a:xfrm>
+          <a:prstGeom prst="ellipse">
+            <a:avLst/>
+          </a:prstGeom>
+          <a:solidFill>
+            <a:srgbClr val="FFC000"/>
+          </a:solidFill>
+          <a:ln>
+            <a:solidFill>
+              <a:srgbClr val="FFC000"/>
+            </a:solidFill>
+          </a:ln>
+        </p:spPr>
+        <p:style>
+          <a:lnRef idx="2">
+            <a:schemeClr val="accent1">
+              <a:shade val="50000"/>
+            </a:schemeClr>
+          </a:lnRef>
+          <a:fillRef idx="1">
+            <a:schemeClr val="accent1"/>
+          </a:fillRef>
+          <a:effectRef idx="0">
+            <a:schemeClr val="accent1"/>
+          </a:effectRef>
+          <a:fontRef idx="minor">
+            <a:schemeClr val="lt1"/>
+          </a:fontRef>
+        </p:style>
+        <p:txBody>
+          <a:bodyPr rtlCol="0" anchor="ctr"/>
+          <a:lstStyle/>
+          <a:p>
+            <a:pPr algn="ctr" defTabSz="685800">
+              <a:defRPr/>
+            </a:pPr>
+            <a:r>
+              <a:rPr lang="de-DE" sz="1350" b="1" dirty="0">
+                <a:solidFill>
+                  <a:prstClr val="white"/>
+                </a:solidFill>
+                <a:latin typeface="Calibri" panose="020F0502020204030204"/>
+              </a:rPr>
+              <a:t>+</a:t>
+            </a:r>
+          </a:p>
+          <a:p>
+            <a:pPr algn="ctr" defTabSz="685800">
+              <a:defRPr/>
+            </a:pPr>
+            <a:r>
+              <a:rPr lang="de-DE" sz="1350" dirty="0">
+                <a:solidFill>
+                  <a:prstClr val="white"/>
+                </a:solidFill>
+                <a:latin typeface="Calibri" panose="020F0502020204030204"/>
+              </a:rPr>
+              <a:t>Industrie </a:t>
+            </a:r>
+          </a:p>
+        </p:txBody>
+      </p:sp>
+      <p:sp>
+        <p:nvSpPr>
+          <p:cNvPr id="41" name="Ellipse 40">
+            <a:extLst>
+              <a:ext uri="{FF2B5EF4-FFF2-40B4-BE49-F238E27FC236}">
+                <a16:creationId xmlns:a16="http://schemas.microsoft.com/office/drawing/2014/main" xmlns="" id="{FA4F77EC-A2C8-4A4A-AA38-15D994B54FAA}"/>
+              </a:ext>
+            </a:extLst>
+          </p:cNvPr>
+          <p:cNvSpPr/>
+          <p:nvPr/>
+        </p:nvSpPr>
+        <p:spPr>
+          <a:xfrm>
+            <a:off x="2444268" y="4000307"/>
+            <a:ext cx="1223593" cy="1094108"/>
+          </a:xfrm>
+          <a:prstGeom prst="ellipse">
+            <a:avLst/>
+          </a:prstGeom>
+          <a:solidFill>
+            <a:srgbClr val="92D050"/>
+          </a:solidFill>
+          <a:ln>
+            <a:solidFill>
+              <a:srgbClr val="92D050"/>
+            </a:solidFill>
+          </a:ln>
+        </p:spPr>
+        <p:style>
+          <a:lnRef idx="2">
+            <a:schemeClr val="accent1">
+              <a:shade val="50000"/>
+            </a:schemeClr>
+          </a:lnRef>
+          <a:fillRef idx="1">
+            <a:schemeClr val="accent1"/>
+          </a:fillRef>
+          <a:effectRef idx="0">
+            <a:schemeClr val="accent1"/>
+          </a:effectRef>
+          <a:fontRef idx="minor">
+            <a:schemeClr val="lt1"/>
+          </a:fontRef>
+        </p:style>
+        <p:txBody>
+          <a:bodyPr rtlCol="0" anchor="ctr"/>
+          <a:lstStyle/>
+          <a:p>
+            <a:pPr algn="ctr" defTabSz="685800">
+              <a:defRPr/>
+            </a:pPr>
+            <a:r>
+              <a:rPr lang="de-DE" sz="1350" b="1" dirty="0">
+                <a:solidFill>
+                  <a:prstClr val="white"/>
+                </a:solidFill>
+                <a:latin typeface="Arial" panose="020B0604020202020204" pitchFamily="34" charset="0"/>
+                <a:cs typeface="Arial" panose="020B0604020202020204" pitchFamily="34" charset="0"/>
+              </a:rPr>
+              <a:t>-</a:t>
+            </a:r>
+          </a:p>
+          <a:p>
+            <a:pPr algn="ctr" defTabSz="685800">
+              <a:defRPr/>
+            </a:pPr>
+            <a:r>
+              <a:rPr lang="de-DE" sz="1350" dirty="0">
+                <a:solidFill>
+                  <a:prstClr val="white"/>
+                </a:solidFill>
+                <a:latin typeface="Arial" panose="020B0604020202020204" pitchFamily="34" charset="0"/>
+                <a:cs typeface="Arial" panose="020B0604020202020204" pitchFamily="34" charset="0"/>
+              </a:rPr>
+              <a:t>Daten-</a:t>
+            </a:r>
+          </a:p>
+          <a:p>
+            <a:pPr algn="ctr" defTabSz="685800">
+              <a:defRPr/>
+            </a:pPr>
+            <a:r>
+              <a:rPr lang="de-DE" sz="1350" dirty="0">
+                <a:solidFill>
+                  <a:prstClr val="white"/>
+                </a:solidFill>
+                <a:latin typeface="Arial" panose="020B0604020202020204" pitchFamily="34" charset="0"/>
+                <a:cs typeface="Arial" panose="020B0604020202020204" pitchFamily="34" charset="0"/>
+              </a:rPr>
+              <a:t>schützer </a:t>
+            </a:r>
+          </a:p>
+        </p:txBody>
+      </p:sp>
+      <p:sp>
+        <p:nvSpPr>
+          <p:cNvPr id="38" name="Ellipse 37">
+            <a:extLst>
+              <a:ext uri="{FF2B5EF4-FFF2-40B4-BE49-F238E27FC236}">
+                <a16:creationId xmlns:a16="http://schemas.microsoft.com/office/drawing/2014/main" xmlns="" id="{15AB20E7-9558-42A6-A48B-003BDA11FCDB}"/>
+              </a:ext>
+            </a:extLst>
+          </p:cNvPr>
+          <p:cNvSpPr/>
+          <p:nvPr/>
+        </p:nvSpPr>
+        <p:spPr>
+          <a:xfrm>
+            <a:off x="6066603" y="943984"/>
+            <a:ext cx="1421027" cy="1171997"/>
+          </a:xfrm>
+          <a:prstGeom prst="ellipse">
+            <a:avLst/>
+          </a:prstGeom>
+          <a:solidFill>
+            <a:schemeClr val="accent1">
+              <a:lumMod val="60000"/>
+              <a:lumOff val="40000"/>
+            </a:schemeClr>
+          </a:solidFill>
+          <a:ln>
+            <a:solidFill>
+              <a:schemeClr val="accent1">
+                <a:lumMod val="60000"/>
+                <a:lumOff val="40000"/>
+              </a:schemeClr>
+            </a:solidFill>
+          </a:ln>
+        </p:spPr>
+        <p:style>
+          <a:lnRef idx="2">
+            <a:schemeClr val="accent1">
+              <a:shade val="50000"/>
+            </a:schemeClr>
+          </a:lnRef>
+          <a:fillRef idx="1">
+            <a:schemeClr val="accent1"/>
+          </a:fillRef>
+          <a:effectRef idx="0">
+            <a:schemeClr val="accent1"/>
+          </a:effectRef>
+          <a:fontRef idx="minor">
+            <a:schemeClr val="lt1"/>
+          </a:fontRef>
+        </p:style>
+        <p:txBody>
+          <a:bodyPr rtlCol="0" anchor="ctr"/>
+          <a:lstStyle/>
+          <a:p>
+            <a:pPr algn="ctr" defTabSz="685800">
+              <a:defRPr/>
+            </a:pPr>
+            <a:r>
+              <a:rPr lang="de-DE" sz="1350" b="1" dirty="0">
+                <a:solidFill>
+                  <a:prstClr val="white"/>
+                </a:solidFill>
+                <a:latin typeface="Arial" panose="020B0604020202020204" pitchFamily="34" charset="0"/>
+                <a:cs typeface="Arial" panose="020B0604020202020204" pitchFamily="34" charset="0"/>
+              </a:rPr>
+              <a:t>=</a:t>
+            </a:r>
+          </a:p>
+          <a:p>
+            <a:pPr algn="ctr" defTabSz="685800">
+              <a:defRPr/>
+            </a:pPr>
+            <a:r>
+              <a:rPr lang="de-DE" sz="1350" dirty="0">
+                <a:solidFill>
+                  <a:prstClr val="white"/>
+                </a:solidFill>
+                <a:latin typeface="Arial" panose="020B0604020202020204" pitchFamily="34" charset="0"/>
+                <a:cs typeface="Arial" panose="020B0604020202020204" pitchFamily="34" charset="0"/>
+              </a:rPr>
+              <a:t>Wartungs-/Service-</a:t>
+            </a:r>
+          </a:p>
+          <a:p>
+            <a:pPr algn="ctr" defTabSz="685800">
+              <a:defRPr/>
+            </a:pPr>
+            <a:r>
+              <a:rPr lang="de-DE" sz="1350" dirty="0">
+                <a:solidFill>
+                  <a:prstClr val="white"/>
+                </a:solidFill>
+                <a:latin typeface="Arial" panose="020B0604020202020204" pitchFamily="34" charset="0"/>
+                <a:cs typeface="Arial" panose="020B0604020202020204" pitchFamily="34" charset="0"/>
+              </a:rPr>
+              <a:t>personal</a:t>
+            </a:r>
+          </a:p>
+        </p:txBody>
+      </p:sp>
+      <p:sp>
+        <p:nvSpPr>
+          <p:cNvPr id="39" name="Ellipse 38">
+            <a:extLst>
+              <a:ext uri="{FF2B5EF4-FFF2-40B4-BE49-F238E27FC236}">
+                <a16:creationId xmlns:a16="http://schemas.microsoft.com/office/drawing/2014/main" xmlns="" id="{338530AE-DC44-4560-9E7D-30F1DE056F2F}"/>
+              </a:ext>
+            </a:extLst>
+          </p:cNvPr>
+          <p:cNvSpPr/>
+          <p:nvPr/>
+        </p:nvSpPr>
+        <p:spPr>
+          <a:xfrm>
+            <a:off x="3946008" y="4835256"/>
+            <a:ext cx="1251984" cy="1134739"/>
+          </a:xfrm>
+          <a:prstGeom prst="ellipse">
+            <a:avLst/>
+          </a:prstGeom>
+          <a:solidFill>
+            <a:srgbClr val="92D050"/>
+          </a:solidFill>
+          <a:ln>
+            <a:solidFill>
+              <a:srgbClr val="92D050"/>
+            </a:solidFill>
+          </a:ln>
+        </p:spPr>
+        <p:style>
+          <a:lnRef idx="2">
+            <a:schemeClr val="accent1">
+              <a:shade val="50000"/>
+            </a:schemeClr>
+          </a:lnRef>
+          <a:fillRef idx="1">
+            <a:schemeClr val="accent1"/>
+          </a:fillRef>
+          <a:effectRef idx="0">
+            <a:schemeClr val="accent1"/>
+          </a:effectRef>
+          <a:fontRef idx="minor">
+            <a:schemeClr val="lt1"/>
+          </a:fontRef>
+        </p:style>
+        <p:txBody>
+          <a:bodyPr rtlCol="0" anchor="ctr"/>
+          <a:lstStyle/>
+          <a:p>
+            <a:pPr algn="ctr" defTabSz="685800">
+              <a:defRPr/>
+            </a:pPr>
+            <a:r>
+              <a:rPr lang="de-DE" sz="1350" b="1" dirty="0">
+                <a:solidFill>
+                  <a:prstClr val="white"/>
+                </a:solidFill>
+                <a:latin typeface="Arial" panose="020B0604020202020204" pitchFamily="34" charset="0"/>
+                <a:cs typeface="Arial" panose="020B0604020202020204" pitchFamily="34" charset="0"/>
+              </a:rPr>
+              <a:t>- </a:t>
+            </a:r>
+          </a:p>
+          <a:p>
+            <a:pPr algn="ctr" defTabSz="685800">
+              <a:defRPr/>
+            </a:pPr>
+            <a:r>
+              <a:rPr lang="de-DE" sz="1350" dirty="0">
+                <a:solidFill>
+                  <a:prstClr val="white"/>
+                </a:solidFill>
+                <a:latin typeface="Arial" panose="020B0604020202020204" pitchFamily="34" charset="0"/>
+                <a:cs typeface="Arial" panose="020B0604020202020204" pitchFamily="34" charset="0"/>
+              </a:rPr>
+              <a:t>Mögliche </a:t>
+            </a:r>
+            <a:r>
+              <a:rPr lang="de-DE" sz="1350" dirty="0" err="1">
+                <a:solidFill>
+                  <a:prstClr val="white"/>
+                </a:solidFill>
+                <a:latin typeface="Arial" panose="020B0604020202020204" pitchFamily="34" charset="0"/>
+                <a:cs typeface="Arial" panose="020B0604020202020204" pitchFamily="34" charset="0"/>
+              </a:rPr>
+              <a:t>Konkur</a:t>
+            </a:r>
+            <a:r>
+              <a:rPr lang="de-DE" sz="1350" dirty="0">
+                <a:solidFill>
+                  <a:prstClr val="white"/>
+                </a:solidFill>
+                <a:latin typeface="Arial" panose="020B0604020202020204" pitchFamily="34" charset="0"/>
+                <a:cs typeface="Arial" panose="020B0604020202020204" pitchFamily="34" charset="0"/>
+              </a:rPr>
+              <a:t>-</a:t>
+            </a:r>
+          </a:p>
+          <a:p>
+            <a:pPr algn="ctr" defTabSz="685800">
+              <a:defRPr/>
+            </a:pPr>
+            <a:r>
+              <a:rPr lang="de-DE" sz="1350" dirty="0" err="1">
+                <a:solidFill>
+                  <a:prstClr val="white"/>
+                </a:solidFill>
+                <a:latin typeface="Arial" panose="020B0604020202020204" pitchFamily="34" charset="0"/>
+                <a:cs typeface="Arial" panose="020B0604020202020204" pitchFamily="34" charset="0"/>
+              </a:rPr>
+              <a:t>renz</a:t>
+            </a:r>
+            <a:endParaRPr lang="de-DE" sz="1350" dirty="0">
+              <a:solidFill>
+                <a:prstClr val="white"/>
+              </a:solidFill>
+              <a:latin typeface="Arial" panose="020B0604020202020204" pitchFamily="34" charset="0"/>
+              <a:cs typeface="Arial" panose="020B0604020202020204" pitchFamily="34" charset="0"/>
+            </a:endParaRPr>
+          </a:p>
+        </p:txBody>
+      </p:sp>
+      <p:sp>
+        <p:nvSpPr>
+          <p:cNvPr id="43" name="Ellipse 42">
+            <a:extLst>
+              <a:ext uri="{FF2B5EF4-FFF2-40B4-BE49-F238E27FC236}">
+                <a16:creationId xmlns:a16="http://schemas.microsoft.com/office/drawing/2014/main" xmlns="" id="{C349BED2-E888-497B-9EAF-5FD482EBD47E}"/>
+              </a:ext>
+            </a:extLst>
+          </p:cNvPr>
+          <p:cNvSpPr/>
+          <p:nvPr/>
+        </p:nvSpPr>
+        <p:spPr>
+          <a:xfrm>
+            <a:off x="7033774" y="2319994"/>
+            <a:ext cx="1783871" cy="1256595"/>
+          </a:xfrm>
+          <a:prstGeom prst="ellipse">
+            <a:avLst/>
+          </a:prstGeom>
+          <a:solidFill>
+            <a:schemeClr val="accent1">
+              <a:lumMod val="60000"/>
+              <a:lumOff val="40000"/>
+            </a:schemeClr>
+          </a:solidFill>
+          <a:ln>
+            <a:solidFill>
+              <a:schemeClr val="accent1">
+                <a:lumMod val="60000"/>
+                <a:lumOff val="40000"/>
+              </a:schemeClr>
+            </a:solidFill>
+          </a:ln>
+        </p:spPr>
+        <p:style>
+          <a:lnRef idx="2">
+            <a:schemeClr val="accent1">
+              <a:shade val="50000"/>
+            </a:schemeClr>
+          </a:lnRef>
+          <a:fillRef idx="1">
+            <a:schemeClr val="accent1"/>
+          </a:fillRef>
+          <a:effectRef idx="0">
+            <a:schemeClr val="accent1"/>
+          </a:effectRef>
+          <a:fontRef idx="minor">
+            <a:schemeClr val="lt1"/>
+          </a:fontRef>
+        </p:style>
+        <p:txBody>
+          <a:bodyPr rtlCol="0" anchor="ctr"/>
+          <a:lstStyle/>
+          <a:p>
+            <a:pPr algn="ctr" defTabSz="685800">
+              <a:defRPr/>
+            </a:pPr>
+            <a:r>
+              <a:rPr lang="de-DE" sz="1350" b="1" dirty="0">
+                <a:solidFill>
+                  <a:prstClr val="white"/>
+                </a:solidFill>
+                <a:latin typeface="Arial" panose="020B0604020202020204" pitchFamily="34" charset="0"/>
+                <a:cs typeface="Arial" panose="020B0604020202020204" pitchFamily="34" charset="0"/>
+              </a:rPr>
+              <a:t>+</a:t>
+            </a:r>
+          </a:p>
+          <a:p>
+            <a:pPr algn="ctr" defTabSz="685800">
+              <a:defRPr/>
+            </a:pPr>
+            <a:r>
+              <a:rPr lang="de-DE" sz="1350" dirty="0">
+                <a:solidFill>
+                  <a:prstClr val="white"/>
+                </a:solidFill>
+                <a:latin typeface="Arial" panose="020B0604020202020204" pitchFamily="34" charset="0"/>
+                <a:cs typeface="Arial" panose="020B0604020202020204" pitchFamily="34" charset="0"/>
+              </a:rPr>
+              <a:t>Benutzer</a:t>
+            </a:r>
+          </a:p>
+        </p:txBody>
+      </p:sp>
+      <p:cxnSp>
+        <p:nvCxnSpPr>
+          <p:cNvPr id="67" name="Gerader Verbinder 66">
+            <a:extLst>
+              <a:ext uri="{FF2B5EF4-FFF2-40B4-BE49-F238E27FC236}">
+                <a16:creationId xmlns:a16="http://schemas.microsoft.com/office/drawing/2014/main" xmlns="" id="{E73880F1-8937-484A-BD87-4D6F68D779E8}"/>
+              </a:ext>
+            </a:extLst>
+          </p:cNvPr>
+          <p:cNvCxnSpPr>
+            <a:cxnSpLocks/>
+            <a:stCxn id="28" idx="1"/>
+            <a:endCxn id="2" idx="5"/>
+          </p:cNvCxnSpPr>
+          <p:nvPr/>
+        </p:nvCxnSpPr>
+        <p:spPr>
+          <a:xfrm flipH="1" flipV="1">
+            <a:off x="5216644" y="3873274"/>
+            <a:ext cx="754631" cy="1037762"/>
+          </a:xfrm>
+          <a:prstGeom prst="line">
+            <a:avLst/>
+          </a:prstGeom>
+          <a:ln>
+            <a:solidFill>
+              <a:schemeClr val="accent1">
+                <a:lumMod val="60000"/>
+                <a:lumOff val="40000"/>
+              </a:schemeClr>
+            </a:solidFill>
+          </a:ln>
+        </p:spPr>
+        <p:style>
+          <a:lnRef idx="1">
+            <a:schemeClr val="accent1"/>
+          </a:lnRef>
+          <a:fillRef idx="0">
+            <a:schemeClr val="accent1"/>
+          </a:fillRef>
+          <a:effectRef idx="0">
+            <a:schemeClr val="accent1"/>
+          </a:effectRef>
+          <a:fontRef idx="minor">
+            <a:schemeClr val="tx1"/>
+          </a:fontRef>
+        </p:style>
+      </p:cxnSp>
+    </p:spTree>
+    <p:extLst>
+      <p:ext uri="{BB962C8B-B14F-4D97-AF65-F5344CB8AC3E}">
+        <p14:creationId xmlns:p14="http://schemas.microsoft.com/office/powerpoint/2010/main" val="1655463339"/>
+      </p:ext>
+    </p:extLst>
+  </p:cSld>
+  <p:clrMapOvr>
+    <a:masterClrMapping/>
+  </p:clrMapOvr>
+</p:sld>
+</file>
+
+<file path=ppt/slides/slide14.xml><?xml version="1.0" encoding="utf-8"?>
+<p:sld xmlns:a="http://schemas.openxmlformats.org/drawingml/2006/main" xmlns:r="http://schemas.openxmlformats.org/officeDocument/2006/relationships" xmlns:p="http://schemas.openxmlformats.org/presentationml/2006/main">
+  <p:cSld>
+    <p:spTree>
+      <p:nvGrpSpPr>
+        <p:cNvPr id="1" name=""/>
+        <p:cNvGrpSpPr/>
+        <p:nvPr/>
+      </p:nvGrpSpPr>
+      <p:grpSpPr>
+        <a:xfrm>
+          <a:off x="0" y="0"/>
+          <a:ext cx="0" cy="0"/>
+          <a:chOff x="0" y="0"/>
+          <a:chExt cx="0" cy="0"/>
+        </a:xfrm>
+      </p:grpSpPr>
+      <p:sp>
+        <p:nvSpPr>
+          <p:cNvPr id="6" name="Ellipse 5">
+            <a:extLst>
+              <a:ext uri="{FF2B5EF4-FFF2-40B4-BE49-F238E27FC236}">
+                <a16:creationId xmlns:a16="http://schemas.microsoft.com/office/drawing/2014/main" xmlns="" id="{4A670F27-2EAF-4419-A0E9-36E641CFE860}"/>
+              </a:ext>
+            </a:extLst>
+          </p:cNvPr>
+          <p:cNvSpPr/>
+          <p:nvPr/>
+        </p:nvSpPr>
+        <p:spPr>
+          <a:xfrm>
+            <a:off x="6793241" y="4635724"/>
+            <a:ext cx="1519311" cy="717452"/>
+          </a:xfrm>
+          <a:prstGeom prst="ellipse">
+            <a:avLst/>
+          </a:prstGeom>
+          <a:solidFill>
+            <a:schemeClr val="bg1"/>
+          </a:solidFill>
+          <a:ln>
+            <a:solidFill>
+              <a:schemeClr val="tx1"/>
+            </a:solidFill>
+          </a:ln>
+        </p:spPr>
+        <p:style>
+          <a:lnRef idx="2">
+            <a:schemeClr val="accent1">
+              <a:shade val="50000"/>
+            </a:schemeClr>
+          </a:lnRef>
+          <a:fillRef idx="1">
+            <a:schemeClr val="accent1"/>
+          </a:fillRef>
+          <a:effectRef idx="0">
+            <a:schemeClr val="accent1"/>
+          </a:effectRef>
+          <a:fontRef idx="minor">
+            <a:schemeClr val="lt1"/>
+          </a:fontRef>
+        </p:style>
+        <p:txBody>
+          <a:bodyPr rtlCol="0" anchor="ctr"/>
+          <a:lstStyle/>
+          <a:p>
+            <a:pPr algn="ctr" defTabSz="685800">
+              <a:defRPr/>
+            </a:pPr>
+            <a:endParaRPr lang="de-DE" sz="1350">
+              <a:solidFill>
+                <a:prstClr val="white"/>
+              </a:solidFill>
+              <a:latin typeface="Calibri" panose="020F0502020204030204"/>
+            </a:endParaRPr>
+          </a:p>
+        </p:txBody>
+      </p:sp>
+      <p:sp>
+        <p:nvSpPr>
+          <p:cNvPr id="12" name="Ellipse 11">
+            <a:extLst>
+              <a:ext uri="{FF2B5EF4-FFF2-40B4-BE49-F238E27FC236}">
+                <a16:creationId xmlns:a16="http://schemas.microsoft.com/office/drawing/2014/main" xmlns="" id="{FD3AC86A-AF47-4106-BACB-B399259442F3}"/>
+              </a:ext>
+            </a:extLst>
+          </p:cNvPr>
+          <p:cNvSpPr/>
+          <p:nvPr/>
+        </p:nvSpPr>
+        <p:spPr>
+          <a:xfrm>
+            <a:off x="6706009" y="1993639"/>
+            <a:ext cx="1519311" cy="717452"/>
+          </a:xfrm>
+          <a:prstGeom prst="ellipse">
+            <a:avLst/>
+          </a:prstGeom>
+          <a:solidFill>
+            <a:schemeClr val="bg1"/>
+          </a:solidFill>
+          <a:ln>
+            <a:solidFill>
+              <a:schemeClr val="tx1"/>
+            </a:solidFill>
+          </a:ln>
+        </p:spPr>
+        <p:style>
+          <a:lnRef idx="2">
+            <a:schemeClr val="accent1">
+              <a:shade val="50000"/>
+            </a:schemeClr>
+          </a:lnRef>
+          <a:fillRef idx="1">
+            <a:schemeClr val="accent1"/>
+          </a:fillRef>
+          <a:effectRef idx="0">
+            <a:schemeClr val="accent1"/>
+          </a:effectRef>
+          <a:fontRef idx="minor">
+            <a:schemeClr val="lt1"/>
+          </a:fontRef>
+        </p:style>
+        <p:txBody>
+          <a:bodyPr rtlCol="0" anchor="ctr"/>
+          <a:lstStyle/>
+          <a:p>
+            <a:pPr algn="ctr" defTabSz="685800">
+              <a:defRPr/>
+            </a:pPr>
+            <a:endParaRPr lang="de-DE" sz="1350">
+              <a:solidFill>
+                <a:prstClr val="white"/>
+              </a:solidFill>
+              <a:latin typeface="Calibri" panose="020F0502020204030204"/>
+            </a:endParaRPr>
+          </a:p>
+        </p:txBody>
+      </p:sp>
+      <p:sp>
+        <p:nvSpPr>
+          <p:cNvPr id="13" name="Ellipse 12">
+            <a:extLst>
+              <a:ext uri="{FF2B5EF4-FFF2-40B4-BE49-F238E27FC236}">
+                <a16:creationId xmlns:a16="http://schemas.microsoft.com/office/drawing/2014/main" xmlns="" id="{BE539209-6550-46AA-B0EC-27690033B351}"/>
+              </a:ext>
+            </a:extLst>
+          </p:cNvPr>
+          <p:cNvSpPr/>
+          <p:nvPr/>
+        </p:nvSpPr>
+        <p:spPr>
+          <a:xfrm>
+            <a:off x="6706009" y="3429000"/>
+            <a:ext cx="1519311" cy="717452"/>
+          </a:xfrm>
+          <a:prstGeom prst="ellipse">
+            <a:avLst/>
+          </a:prstGeom>
+          <a:solidFill>
+            <a:schemeClr val="bg1"/>
+          </a:solidFill>
+          <a:ln>
+            <a:solidFill>
+              <a:schemeClr val="tx1"/>
+            </a:solidFill>
+          </a:ln>
+        </p:spPr>
+        <p:style>
+          <a:lnRef idx="2">
+            <a:schemeClr val="accent1">
+              <a:shade val="50000"/>
+            </a:schemeClr>
+          </a:lnRef>
+          <a:fillRef idx="1">
+            <a:schemeClr val="accent1"/>
+          </a:fillRef>
+          <a:effectRef idx="0">
+            <a:schemeClr val="accent1"/>
+          </a:effectRef>
+          <a:fontRef idx="minor">
+            <a:schemeClr val="lt1"/>
+          </a:fontRef>
+        </p:style>
+        <p:txBody>
+          <a:bodyPr rtlCol="0" anchor="ctr"/>
+          <a:lstStyle/>
+          <a:p>
+            <a:pPr algn="ctr" defTabSz="685800">
+              <a:defRPr/>
+            </a:pPr>
+            <a:r>
+              <a:rPr lang="de-DE" sz="1350" dirty="0">
+                <a:solidFill>
+                  <a:prstClr val="white"/>
+                </a:solidFill>
+                <a:latin typeface="Calibri" panose="020F0502020204030204"/>
+              </a:rPr>
+              <a:t>B</a:t>
+            </a:r>
+            <a:r>
+              <a:rPr lang="de-DE" sz="1350" dirty="0">
+                <a:solidFill>
+                  <a:schemeClr val="tx1"/>
+                </a:solidFill>
+                <a:latin typeface="Calibri" panose="020F0502020204030204"/>
+              </a:rPr>
+              <a:t>B</a:t>
+            </a:r>
+            <a:r>
+              <a:rPr lang="de-DE" sz="1350" dirty="0" err="1">
+                <a:solidFill>
+                  <a:schemeClr val="tx1"/>
+                </a:solidFill>
+                <a:latin typeface="Calibri" panose="020F0502020204030204"/>
+              </a:rPr>
+              <a:t>enutzen</a:t>
+            </a:r>
+            <a:r>
+              <a:rPr lang="de-DE" sz="1350" dirty="0">
+                <a:solidFill>
+                  <a:schemeClr val="tx1"/>
+                </a:solidFill>
+                <a:latin typeface="Calibri" panose="020F0502020204030204"/>
+              </a:rPr>
+              <a:t> der App</a:t>
+            </a:r>
+            <a:endParaRPr lang="de-DE" sz="1350" dirty="0">
+              <a:solidFill>
+                <a:prstClr val="white"/>
+              </a:solidFill>
+              <a:latin typeface="Calibri" panose="020F0502020204030204"/>
+            </a:endParaRPr>
+          </a:p>
+        </p:txBody>
+      </p:sp>
+      <p:sp>
+        <p:nvSpPr>
+          <p:cNvPr id="14" name="Ellipse 13">
+            <a:extLst>
+              <a:ext uri="{FF2B5EF4-FFF2-40B4-BE49-F238E27FC236}">
+                <a16:creationId xmlns:a16="http://schemas.microsoft.com/office/drawing/2014/main" xmlns="" id="{0713C136-6615-4944-8F52-1467346066A8}"/>
+              </a:ext>
+            </a:extLst>
+          </p:cNvPr>
+          <p:cNvSpPr/>
+          <p:nvPr/>
+        </p:nvSpPr>
+        <p:spPr>
+          <a:xfrm>
+            <a:off x="2473468" y="2014165"/>
+            <a:ext cx="1519311" cy="717452"/>
+          </a:xfrm>
+          <a:prstGeom prst="ellipse">
+            <a:avLst/>
+          </a:prstGeom>
+          <a:solidFill>
+            <a:schemeClr val="bg1"/>
+          </a:solidFill>
+          <a:ln>
+            <a:solidFill>
+              <a:schemeClr val="tx1"/>
+            </a:solidFill>
+          </a:ln>
+        </p:spPr>
+        <p:style>
+          <a:lnRef idx="2">
+            <a:schemeClr val="accent1">
+              <a:shade val="50000"/>
+            </a:schemeClr>
+          </a:lnRef>
+          <a:fillRef idx="1">
+            <a:schemeClr val="accent1"/>
+          </a:fillRef>
+          <a:effectRef idx="0">
+            <a:schemeClr val="accent1"/>
+          </a:effectRef>
+          <a:fontRef idx="minor">
+            <a:schemeClr val="lt1"/>
+          </a:fontRef>
+        </p:style>
+        <p:txBody>
+          <a:bodyPr rtlCol="0" anchor="ctr"/>
+          <a:lstStyle/>
+          <a:p>
+            <a:pPr algn="ctr" defTabSz="685800">
+              <a:defRPr/>
+            </a:pPr>
+            <a:endParaRPr lang="de-DE" sz="1350">
+              <a:solidFill>
+                <a:prstClr val="white"/>
+              </a:solidFill>
+              <a:latin typeface="Calibri" panose="020F0502020204030204"/>
+            </a:endParaRPr>
+          </a:p>
+        </p:txBody>
+      </p:sp>
+      <p:sp>
+        <p:nvSpPr>
+          <p:cNvPr id="15" name="Ellipse 14">
+            <a:extLst>
+              <a:ext uri="{FF2B5EF4-FFF2-40B4-BE49-F238E27FC236}">
+                <a16:creationId xmlns:a16="http://schemas.microsoft.com/office/drawing/2014/main" xmlns="" id="{16D959B8-84ED-42AC-9005-32F09247D304}"/>
+              </a:ext>
+            </a:extLst>
+          </p:cNvPr>
+          <p:cNvSpPr/>
+          <p:nvPr/>
+        </p:nvSpPr>
+        <p:spPr>
+          <a:xfrm>
+            <a:off x="2484099" y="4635724"/>
+            <a:ext cx="1519311" cy="717452"/>
+          </a:xfrm>
+          <a:prstGeom prst="ellipse">
+            <a:avLst/>
+          </a:prstGeom>
+          <a:solidFill>
+            <a:schemeClr val="bg1"/>
+          </a:solidFill>
+          <a:ln>
+            <a:solidFill>
+              <a:schemeClr val="tx1"/>
+            </a:solidFill>
+          </a:ln>
+        </p:spPr>
+        <p:style>
+          <a:lnRef idx="2">
+            <a:schemeClr val="accent1">
+              <a:shade val="50000"/>
+            </a:schemeClr>
+          </a:lnRef>
+          <a:fillRef idx="1">
+            <a:schemeClr val="accent1"/>
+          </a:fillRef>
+          <a:effectRef idx="0">
+            <a:schemeClr val="accent1"/>
+          </a:effectRef>
+          <a:fontRef idx="minor">
+            <a:schemeClr val="lt1"/>
+          </a:fontRef>
+        </p:style>
+        <p:txBody>
+          <a:bodyPr rtlCol="0" anchor="ctr"/>
+          <a:lstStyle/>
+          <a:p>
+            <a:pPr algn="ctr" defTabSz="685800">
+              <a:defRPr/>
+            </a:pPr>
+            <a:endParaRPr lang="de-DE" sz="1350">
+              <a:solidFill>
+                <a:prstClr val="white"/>
+              </a:solidFill>
+              <a:latin typeface="Calibri" panose="020F0502020204030204"/>
+            </a:endParaRPr>
+          </a:p>
+        </p:txBody>
+      </p:sp>
+      <p:cxnSp>
+        <p:nvCxnSpPr>
+          <p:cNvPr id="18" name="Gerader Verbinder 17">
+            <a:extLst>
+              <a:ext uri="{FF2B5EF4-FFF2-40B4-BE49-F238E27FC236}">
+                <a16:creationId xmlns:a16="http://schemas.microsoft.com/office/drawing/2014/main" xmlns="" id="{66852AEE-8E4A-4D4A-A1E6-B805C4C91500}"/>
+              </a:ext>
+            </a:extLst>
+          </p:cNvPr>
+          <p:cNvCxnSpPr>
+            <a:cxnSpLocks/>
+          </p:cNvCxnSpPr>
+          <p:nvPr/>
+        </p:nvCxnSpPr>
+        <p:spPr>
+          <a:xfrm>
+            <a:off x="2473468" y="2298424"/>
+            <a:ext cx="1519311" cy="0"/>
+          </a:xfrm>
+          <a:prstGeom prst="line">
+            <a:avLst/>
+          </a:prstGeom>
+          <a:ln>
+            <a:solidFill>
+              <a:schemeClr val="tx1"/>
+            </a:solidFill>
+          </a:ln>
+        </p:spPr>
+        <p:style>
+          <a:lnRef idx="1">
+            <a:schemeClr val="accent1"/>
+          </a:lnRef>
+          <a:fillRef idx="0">
+            <a:schemeClr val="accent1"/>
+          </a:fillRef>
+          <a:effectRef idx="0">
+            <a:schemeClr val="accent1"/>
+          </a:effectRef>
+          <a:fontRef idx="minor">
+            <a:schemeClr val="tx1"/>
+          </a:fontRef>
+        </p:style>
+      </p:cxnSp>
+      <p:sp>
+        <p:nvSpPr>
+          <p:cNvPr id="23" name="Textfeld 22">
+            <a:extLst>
+              <a:ext uri="{FF2B5EF4-FFF2-40B4-BE49-F238E27FC236}">
+                <a16:creationId xmlns:a16="http://schemas.microsoft.com/office/drawing/2014/main" xmlns="" id="{C3C6E9D1-52F1-43BC-AFEA-3D41E4FCE266}"/>
+              </a:ext>
+            </a:extLst>
+          </p:cNvPr>
+          <p:cNvSpPr txBox="1"/>
+          <p:nvPr/>
+        </p:nvSpPr>
+        <p:spPr>
+          <a:xfrm>
+            <a:off x="3001618" y="2075365"/>
+            <a:ext cx="516835" cy="507831"/>
+          </a:xfrm>
+          <a:prstGeom prst="rect">
+            <a:avLst/>
+          </a:prstGeom>
+          <a:noFill/>
+        </p:spPr>
+        <p:txBody>
+          <a:bodyPr wrap="square" rtlCol="0">
+            <a:spAutoFit/>
+          </a:bodyPr>
+          <a:lstStyle/>
+          <a:p>
+            <a:pPr defTabSz="685800">
+              <a:defRPr/>
+            </a:pPr>
+            <a:r>
+              <a:rPr lang="de-DE" sz="1350" dirty="0">
+                <a:solidFill>
+                  <a:prstClr val="black"/>
+                </a:solidFill>
+                <a:latin typeface="Calibri" panose="020F0502020204030204"/>
+              </a:rPr>
+              <a:t>steht</a:t>
+            </a:r>
+          </a:p>
+        </p:txBody>
+      </p:sp>
+      <p:cxnSp>
+        <p:nvCxnSpPr>
+          <p:cNvPr id="24" name="Gerader Verbinder 23">
+            <a:extLst>
+              <a:ext uri="{FF2B5EF4-FFF2-40B4-BE49-F238E27FC236}">
+                <a16:creationId xmlns:a16="http://schemas.microsoft.com/office/drawing/2014/main" xmlns="" id="{B5EE185C-112F-47C3-9EB9-66C6D5B39B24}"/>
+              </a:ext>
+            </a:extLst>
+          </p:cNvPr>
+          <p:cNvCxnSpPr>
+            <a:cxnSpLocks/>
+          </p:cNvCxnSpPr>
+          <p:nvPr/>
+        </p:nvCxnSpPr>
+        <p:spPr>
+          <a:xfrm>
+            <a:off x="2473468" y="4955171"/>
+            <a:ext cx="1519311" cy="0"/>
+          </a:xfrm>
+          <a:prstGeom prst="line">
+            <a:avLst/>
+          </a:prstGeom>
+          <a:ln>
+            <a:solidFill>
+              <a:schemeClr val="tx1"/>
+            </a:solidFill>
+          </a:ln>
+        </p:spPr>
+        <p:style>
+          <a:lnRef idx="1">
+            <a:schemeClr val="accent1"/>
+          </a:lnRef>
+          <a:fillRef idx="0">
+            <a:schemeClr val="accent1"/>
+          </a:fillRef>
+          <a:effectRef idx="0">
+            <a:schemeClr val="accent1"/>
+          </a:effectRef>
+          <a:fontRef idx="minor">
+            <a:schemeClr val="tx1"/>
+          </a:fontRef>
+        </p:style>
+      </p:cxnSp>
+      <p:sp>
+        <p:nvSpPr>
+          <p:cNvPr id="25" name="Textfeld 24">
+            <a:extLst>
+              <a:ext uri="{FF2B5EF4-FFF2-40B4-BE49-F238E27FC236}">
+                <a16:creationId xmlns:a16="http://schemas.microsoft.com/office/drawing/2014/main" xmlns="" id="{053DE8EA-CD4D-40E3-821A-D0841F9988BF}"/>
+              </a:ext>
+            </a:extLst>
+          </p:cNvPr>
+          <p:cNvSpPr txBox="1"/>
+          <p:nvPr/>
+        </p:nvSpPr>
+        <p:spPr>
+          <a:xfrm>
+            <a:off x="3001618" y="4686611"/>
+            <a:ext cx="765313" cy="300082"/>
+          </a:xfrm>
+          <a:prstGeom prst="rect">
+            <a:avLst/>
+          </a:prstGeom>
+          <a:noFill/>
+        </p:spPr>
+        <p:txBody>
+          <a:bodyPr wrap="square" rtlCol="0">
+            <a:spAutoFit/>
+          </a:bodyPr>
+          <a:lstStyle/>
+          <a:p>
+            <a:pPr defTabSz="685800">
+              <a:defRPr/>
+            </a:pPr>
+            <a:r>
+              <a:rPr lang="de-DE" sz="1350" dirty="0">
+                <a:solidFill>
+                  <a:prstClr val="black"/>
+                </a:solidFill>
+                <a:latin typeface="Calibri" panose="020F0502020204030204"/>
+              </a:rPr>
+              <a:t>fährt</a:t>
+            </a:r>
+          </a:p>
+        </p:txBody>
+      </p:sp>
+      <p:sp>
+        <p:nvSpPr>
+          <p:cNvPr id="26" name="Textfeld 25">
+            <a:extLst>
+              <a:ext uri="{FF2B5EF4-FFF2-40B4-BE49-F238E27FC236}">
+                <a16:creationId xmlns:a16="http://schemas.microsoft.com/office/drawing/2014/main" xmlns="" id="{BE36E4D9-8332-436F-A146-D698B1DC85C9}"/>
+              </a:ext>
+            </a:extLst>
+          </p:cNvPr>
+          <p:cNvSpPr txBox="1"/>
+          <p:nvPr/>
+        </p:nvSpPr>
+        <p:spPr>
+          <a:xfrm>
+            <a:off x="6977270" y="2104229"/>
+            <a:ext cx="1063487" cy="507831"/>
+          </a:xfrm>
+          <a:prstGeom prst="rect">
+            <a:avLst/>
+          </a:prstGeom>
+          <a:noFill/>
+        </p:spPr>
+        <p:txBody>
+          <a:bodyPr wrap="square" rtlCol="0">
+            <a:spAutoFit/>
+          </a:bodyPr>
+          <a:lstStyle/>
+          <a:p>
+            <a:pPr defTabSz="685800">
+              <a:defRPr/>
+            </a:pPr>
+            <a:r>
+              <a:rPr lang="de-DE" sz="1350" dirty="0">
+                <a:solidFill>
+                  <a:prstClr val="black"/>
+                </a:solidFill>
+                <a:latin typeface="Calibri" panose="020F0502020204030204"/>
+              </a:rPr>
+              <a:t>setzt sich in Bewegung</a:t>
+            </a:r>
+          </a:p>
+        </p:txBody>
+      </p:sp>
+      <p:sp>
+        <p:nvSpPr>
+          <p:cNvPr id="27" name="Textfeld 26">
+            <a:extLst>
+              <a:ext uri="{FF2B5EF4-FFF2-40B4-BE49-F238E27FC236}">
+                <a16:creationId xmlns:a16="http://schemas.microsoft.com/office/drawing/2014/main" xmlns="" id="{A1F2CCA3-961F-4493-B3E5-A3342523A528}"/>
+              </a:ext>
+            </a:extLst>
+          </p:cNvPr>
+          <p:cNvSpPr txBox="1"/>
+          <p:nvPr/>
+        </p:nvSpPr>
+        <p:spPr>
+          <a:xfrm>
+            <a:off x="5205357" y="1314948"/>
+            <a:ext cx="1556836" cy="600164"/>
+          </a:xfrm>
+          <a:prstGeom prst="rect">
+            <a:avLst/>
+          </a:prstGeom>
+          <a:noFill/>
+        </p:spPr>
+        <p:txBody>
+          <a:bodyPr wrap="none" rtlCol="0">
+            <a:spAutoFit/>
+          </a:bodyPr>
+          <a:lstStyle/>
+          <a:p>
+            <a:pPr defTabSz="685800">
+              <a:defRPr/>
+            </a:pPr>
+            <a:r>
+              <a:rPr lang="de-DE" sz="825" u="sng" dirty="0" err="1">
+                <a:solidFill>
+                  <a:prstClr val="black"/>
+                </a:solidFill>
+                <a:latin typeface="Calibri" panose="020F0502020204030204"/>
+              </a:rPr>
+              <a:t>Condition</a:t>
+            </a:r>
+            <a:r>
+              <a:rPr lang="de-DE" sz="825" u="sng" dirty="0">
+                <a:solidFill>
+                  <a:prstClr val="black"/>
+                </a:solidFill>
+                <a:latin typeface="Calibri" panose="020F0502020204030204"/>
+              </a:rPr>
+              <a:t>:</a:t>
+            </a:r>
+            <a:r>
+              <a:rPr lang="de-DE" sz="825" dirty="0">
+                <a:solidFill>
+                  <a:prstClr val="black"/>
+                </a:solidFill>
+                <a:latin typeface="Calibri" panose="020F0502020204030204"/>
+              </a:rPr>
+              <a:t> </a:t>
+            </a:r>
+          </a:p>
+          <a:p>
+            <a:pPr defTabSz="685800">
+              <a:defRPr/>
+            </a:pPr>
+            <a:r>
+              <a:rPr lang="de-DE" sz="825" dirty="0">
+                <a:solidFill>
+                  <a:prstClr val="black"/>
+                </a:solidFill>
+                <a:latin typeface="Calibri" panose="020F0502020204030204"/>
+              </a:rPr>
+              <a:t>(An)Steuerung per App</a:t>
+            </a:r>
+          </a:p>
+          <a:p>
+            <a:pPr defTabSz="685800">
+              <a:defRPr/>
+            </a:pPr>
+            <a:r>
+              <a:rPr lang="de-DE" sz="825" u="sng" dirty="0">
+                <a:solidFill>
+                  <a:prstClr val="black"/>
+                </a:solidFill>
+                <a:latin typeface="Calibri" panose="020F0502020204030204"/>
+              </a:rPr>
+              <a:t>Extension point</a:t>
+            </a:r>
+            <a:r>
+              <a:rPr lang="de-DE" sz="825" dirty="0">
+                <a:solidFill>
+                  <a:prstClr val="black"/>
+                </a:solidFill>
+                <a:latin typeface="Calibri" panose="020F0502020204030204"/>
+              </a:rPr>
+              <a:t>: Fahrzeug setzt </a:t>
+            </a:r>
+          </a:p>
+          <a:p>
+            <a:pPr defTabSz="685800">
+              <a:defRPr/>
+            </a:pPr>
+            <a:r>
+              <a:rPr lang="de-DE" sz="825" dirty="0">
+                <a:solidFill>
+                  <a:prstClr val="black"/>
+                </a:solidFill>
+                <a:latin typeface="Calibri" panose="020F0502020204030204"/>
+              </a:rPr>
+              <a:t>sich in Bewegung</a:t>
+            </a:r>
+          </a:p>
+        </p:txBody>
+      </p:sp>
+      <p:sp>
+        <p:nvSpPr>
+          <p:cNvPr id="28" name="Rechteck 27">
+            <a:extLst>
+              <a:ext uri="{FF2B5EF4-FFF2-40B4-BE49-F238E27FC236}">
+                <a16:creationId xmlns:a16="http://schemas.microsoft.com/office/drawing/2014/main" xmlns="" id="{1D45D0D9-3248-4CDE-AA18-35AF60C7FBE5}"/>
+              </a:ext>
+            </a:extLst>
+          </p:cNvPr>
+          <p:cNvSpPr/>
+          <p:nvPr/>
+        </p:nvSpPr>
+        <p:spPr>
+          <a:xfrm>
+            <a:off x="4911838" y="2158274"/>
+            <a:ext cx="1004552" cy="230832"/>
+          </a:xfrm>
+          <a:prstGeom prst="rect">
+            <a:avLst/>
+          </a:prstGeom>
+        </p:spPr>
+        <p:txBody>
+          <a:bodyPr wrap="square">
+            <a:spAutoFit/>
+          </a:bodyPr>
+          <a:lstStyle/>
+          <a:p>
+            <a:pPr defTabSz="685800">
+              <a:defRPr/>
+            </a:pPr>
+            <a:r>
+              <a:rPr lang="de-DE" sz="900" dirty="0">
+                <a:solidFill>
+                  <a:prstClr val="black"/>
+                </a:solidFill>
+                <a:latin typeface="Calibri" panose="020F0502020204030204"/>
+              </a:rPr>
+              <a:t>&lt;&lt;extend&gt;&gt;</a:t>
+            </a:r>
+          </a:p>
+        </p:txBody>
+      </p:sp>
+      <p:cxnSp>
+        <p:nvCxnSpPr>
+          <p:cNvPr id="30" name="Gerade Verbindung mit Pfeil 29">
+            <a:extLst>
+              <a:ext uri="{FF2B5EF4-FFF2-40B4-BE49-F238E27FC236}">
+                <a16:creationId xmlns:a16="http://schemas.microsoft.com/office/drawing/2014/main" xmlns="" id="{3008540D-5686-4497-8DD1-E0D5A7EF1288}"/>
+              </a:ext>
+            </a:extLst>
+          </p:cNvPr>
+          <p:cNvCxnSpPr>
+            <a:stCxn id="12" idx="2"/>
+            <a:endCxn id="14" idx="6"/>
+          </p:cNvCxnSpPr>
+          <p:nvPr/>
+        </p:nvCxnSpPr>
+        <p:spPr>
+          <a:xfrm flipH="1">
+            <a:off x="3992779" y="2352365"/>
+            <a:ext cx="2713230" cy="20526"/>
+          </a:xfrm>
+          <a:prstGeom prst="straightConnector1">
+            <a:avLst/>
+          </a:prstGeom>
+          <a:ln>
+            <a:solidFill>
+              <a:schemeClr val="tx1"/>
+            </a:solidFill>
+            <a:tailEnd type="triangle"/>
+          </a:ln>
+        </p:spPr>
+        <p:style>
+          <a:lnRef idx="1">
+            <a:schemeClr val="accent1"/>
+          </a:lnRef>
+          <a:fillRef idx="0">
+            <a:schemeClr val="accent1"/>
+          </a:fillRef>
+          <a:effectRef idx="0">
+            <a:schemeClr val="accent1"/>
+          </a:effectRef>
+          <a:fontRef idx="minor">
+            <a:schemeClr val="tx1"/>
+          </a:fontRef>
+        </p:style>
+      </p:cxnSp>
+      <p:sp>
+        <p:nvSpPr>
+          <p:cNvPr id="31" name="Rechteck 30">
+            <a:extLst>
+              <a:ext uri="{FF2B5EF4-FFF2-40B4-BE49-F238E27FC236}">
+                <a16:creationId xmlns:a16="http://schemas.microsoft.com/office/drawing/2014/main" xmlns="" id="{0317CDD5-E4EE-4E30-AB5B-1372370008E4}"/>
+              </a:ext>
+            </a:extLst>
+          </p:cNvPr>
+          <p:cNvSpPr/>
+          <p:nvPr/>
+        </p:nvSpPr>
+        <p:spPr>
+          <a:xfrm>
+            <a:off x="5187718" y="1306469"/>
+            <a:ext cx="1550021" cy="595774"/>
+          </a:xfrm>
+          <a:prstGeom prst="rect">
+            <a:avLst/>
+          </a:prstGeom>
+          <a:noFill/>
+          <a:ln>
+            <a:solidFill>
+              <a:schemeClr val="tx1"/>
+            </a:solidFill>
+          </a:ln>
+        </p:spPr>
+        <p:style>
+          <a:lnRef idx="2">
+            <a:schemeClr val="accent1">
+              <a:shade val="50000"/>
+            </a:schemeClr>
+          </a:lnRef>
+          <a:fillRef idx="1">
+            <a:schemeClr val="accent1"/>
+          </a:fillRef>
+          <a:effectRef idx="0">
+            <a:schemeClr val="accent1"/>
+          </a:effectRef>
+          <a:fontRef idx="minor">
+            <a:schemeClr val="lt1"/>
+          </a:fontRef>
+        </p:style>
+        <p:txBody>
+          <a:bodyPr rtlCol="0" anchor="ctr"/>
+          <a:lstStyle/>
+          <a:p>
+            <a:pPr algn="ctr" defTabSz="685800">
+              <a:defRPr/>
+            </a:pPr>
+            <a:endParaRPr lang="de-DE" sz="1350">
+              <a:solidFill>
+                <a:prstClr val="white"/>
+              </a:solidFill>
+              <a:latin typeface="Calibri" panose="020F0502020204030204"/>
+            </a:endParaRPr>
+          </a:p>
+        </p:txBody>
+      </p:sp>
+      <p:cxnSp>
+        <p:nvCxnSpPr>
+          <p:cNvPr id="33" name="Gerader Verbinder 32">
+            <a:extLst>
+              <a:ext uri="{FF2B5EF4-FFF2-40B4-BE49-F238E27FC236}">
+                <a16:creationId xmlns:a16="http://schemas.microsoft.com/office/drawing/2014/main" xmlns="" id="{1D531BB4-D985-40FD-AAFD-91A2F741C9C9}"/>
+              </a:ext>
+            </a:extLst>
+          </p:cNvPr>
+          <p:cNvCxnSpPr>
+            <a:cxnSpLocks/>
+            <a:stCxn id="31" idx="2"/>
+          </p:cNvCxnSpPr>
+          <p:nvPr/>
+        </p:nvCxnSpPr>
+        <p:spPr>
+          <a:xfrm>
+            <a:off x="5962729" y="1902243"/>
+            <a:ext cx="0" cy="450122"/>
+          </a:xfrm>
+          <a:prstGeom prst="line">
+            <a:avLst/>
+          </a:prstGeom>
+          <a:ln>
+            <a:solidFill>
+              <a:schemeClr val="tx1"/>
+            </a:solidFill>
+          </a:ln>
+        </p:spPr>
+        <p:style>
+          <a:lnRef idx="1">
+            <a:schemeClr val="accent1"/>
+          </a:lnRef>
+          <a:fillRef idx="0">
+            <a:schemeClr val="accent1"/>
+          </a:fillRef>
+          <a:effectRef idx="0">
+            <a:schemeClr val="accent1"/>
+          </a:effectRef>
+          <a:fontRef idx="minor">
+            <a:schemeClr val="tx1"/>
+          </a:fontRef>
+        </p:style>
+      </p:cxnSp>
+      <p:cxnSp>
+        <p:nvCxnSpPr>
+          <p:cNvPr id="36" name="Gerade Verbindung mit Pfeil 35">
+            <a:extLst>
+              <a:ext uri="{FF2B5EF4-FFF2-40B4-BE49-F238E27FC236}">
+                <a16:creationId xmlns:a16="http://schemas.microsoft.com/office/drawing/2014/main" xmlns="" id="{DC7C0B8C-DF81-4558-8FA4-DCA9E47C6AD6}"/>
+              </a:ext>
+            </a:extLst>
+          </p:cNvPr>
+          <p:cNvCxnSpPr>
+            <a:stCxn id="12" idx="4"/>
+            <a:endCxn id="13" idx="0"/>
+          </p:cNvCxnSpPr>
+          <p:nvPr/>
+        </p:nvCxnSpPr>
+        <p:spPr>
+          <a:xfrm>
+            <a:off x="7465664" y="2711090"/>
+            <a:ext cx="0" cy="717909"/>
+          </a:xfrm>
+          <a:prstGeom prst="straightConnector1">
+            <a:avLst/>
+          </a:prstGeom>
+          <a:ln>
+            <a:solidFill>
+              <a:schemeClr val="tx1"/>
+            </a:solidFill>
+            <a:tailEnd type="triangle"/>
+          </a:ln>
+        </p:spPr>
+        <p:style>
+          <a:lnRef idx="1">
+            <a:schemeClr val="accent1"/>
+          </a:lnRef>
+          <a:fillRef idx="0">
+            <a:schemeClr val="accent1"/>
+          </a:fillRef>
+          <a:effectRef idx="0">
+            <a:schemeClr val="accent1"/>
+          </a:effectRef>
+          <a:fontRef idx="minor">
+            <a:schemeClr val="tx1"/>
+          </a:fontRef>
+        </p:style>
+      </p:cxnSp>
+      <p:sp>
+        <p:nvSpPr>
+          <p:cNvPr id="38" name="Rechteck 37">
+            <a:extLst>
+              <a:ext uri="{FF2B5EF4-FFF2-40B4-BE49-F238E27FC236}">
+                <a16:creationId xmlns:a16="http://schemas.microsoft.com/office/drawing/2014/main" xmlns="" id="{FC051207-7611-4E64-B72A-88B7EA6EB205}"/>
+              </a:ext>
+            </a:extLst>
+          </p:cNvPr>
+          <p:cNvSpPr/>
+          <p:nvPr/>
+        </p:nvSpPr>
+        <p:spPr>
+          <a:xfrm rot="5400000">
+            <a:off x="7182958" y="2964401"/>
+            <a:ext cx="758541" cy="230832"/>
+          </a:xfrm>
+          <a:prstGeom prst="rect">
+            <a:avLst/>
+          </a:prstGeom>
+        </p:spPr>
+        <p:txBody>
+          <a:bodyPr wrap="none">
+            <a:spAutoFit/>
+          </a:bodyPr>
+          <a:lstStyle/>
+          <a:p>
+            <a:pPr defTabSz="685800">
+              <a:defRPr/>
+            </a:pPr>
+            <a:r>
+              <a:rPr lang="de-DE" sz="900" dirty="0">
+                <a:solidFill>
+                  <a:prstClr val="black"/>
+                </a:solidFill>
+                <a:latin typeface="Calibri" panose="020F0502020204030204"/>
+              </a:rPr>
+              <a:t>&lt;&lt;include&gt;&gt;</a:t>
+            </a:r>
+          </a:p>
+        </p:txBody>
+      </p:sp>
+      <p:sp>
+        <p:nvSpPr>
+          <p:cNvPr id="42" name="Textfeld 41">
+            <a:extLst>
+              <a:ext uri="{FF2B5EF4-FFF2-40B4-BE49-F238E27FC236}">
+                <a16:creationId xmlns:a16="http://schemas.microsoft.com/office/drawing/2014/main" xmlns="" id="{ADA6EDBE-396A-499B-B73D-0DCC642DE769}"/>
+              </a:ext>
+            </a:extLst>
+          </p:cNvPr>
+          <p:cNvSpPr txBox="1"/>
+          <p:nvPr/>
+        </p:nvSpPr>
+        <p:spPr>
+          <a:xfrm>
+            <a:off x="2766000" y="2251088"/>
+            <a:ext cx="1751030" cy="507831"/>
+          </a:xfrm>
+          <a:prstGeom prst="rect">
+            <a:avLst/>
+          </a:prstGeom>
+          <a:noFill/>
+        </p:spPr>
+        <p:txBody>
+          <a:bodyPr wrap="square" rtlCol="0">
+            <a:spAutoFit/>
+          </a:bodyPr>
+          <a:lstStyle/>
+          <a:p>
+            <a:pPr defTabSz="685800">
+              <a:defRPr/>
+            </a:pPr>
+            <a:r>
+              <a:rPr lang="de-DE" sz="900" b="1" u="sng" dirty="0">
+                <a:solidFill>
+                  <a:prstClr val="black"/>
+                </a:solidFill>
+                <a:latin typeface="Calibri" panose="020F0502020204030204"/>
+              </a:rPr>
+              <a:t>Extension points: </a:t>
+            </a:r>
+          </a:p>
+          <a:p>
+            <a:pPr defTabSz="685800">
+              <a:defRPr/>
+            </a:pPr>
+            <a:r>
+              <a:rPr lang="de-DE" sz="900" dirty="0">
+                <a:solidFill>
+                  <a:prstClr val="black"/>
+                </a:solidFill>
+                <a:latin typeface="Calibri" panose="020F0502020204030204"/>
+              </a:rPr>
+              <a:t>A: Rollstuhl setzt sich</a:t>
+            </a:r>
+          </a:p>
+          <a:p>
+            <a:pPr defTabSz="685800">
+              <a:defRPr/>
+            </a:pPr>
+            <a:r>
+              <a:rPr lang="de-DE" sz="900" dirty="0">
+                <a:solidFill>
+                  <a:prstClr val="black"/>
+                </a:solidFill>
+                <a:latin typeface="Calibri" panose="020F0502020204030204"/>
+              </a:rPr>
+              <a:t> in Bewegung</a:t>
+            </a:r>
+          </a:p>
+        </p:txBody>
+      </p:sp>
+      <p:sp>
+        <p:nvSpPr>
+          <p:cNvPr id="43" name="Textfeld 42">
+            <a:extLst>
+              <a:ext uri="{FF2B5EF4-FFF2-40B4-BE49-F238E27FC236}">
+                <a16:creationId xmlns:a16="http://schemas.microsoft.com/office/drawing/2014/main" xmlns="" id="{A16AD8D5-DD1D-4615-96ED-23B948D7AAE8}"/>
+              </a:ext>
+            </a:extLst>
+          </p:cNvPr>
+          <p:cNvSpPr txBox="1"/>
+          <p:nvPr/>
+        </p:nvSpPr>
+        <p:spPr>
+          <a:xfrm>
+            <a:off x="7250174" y="4825273"/>
+            <a:ext cx="844826" cy="300082"/>
+          </a:xfrm>
+          <a:prstGeom prst="rect">
+            <a:avLst/>
+          </a:prstGeom>
+          <a:noFill/>
+        </p:spPr>
+        <p:txBody>
+          <a:bodyPr wrap="square" rtlCol="0">
+            <a:spAutoFit/>
+          </a:bodyPr>
+          <a:lstStyle/>
+          <a:p>
+            <a:pPr defTabSz="685800">
+              <a:defRPr/>
+            </a:pPr>
+            <a:r>
+              <a:rPr lang="de-DE" sz="1350" dirty="0">
+                <a:solidFill>
+                  <a:prstClr val="black"/>
+                </a:solidFill>
+                <a:latin typeface="Calibri" panose="020F0502020204030204"/>
+              </a:rPr>
+              <a:t>hält an</a:t>
+            </a:r>
+          </a:p>
+        </p:txBody>
+      </p:sp>
+      <p:cxnSp>
+        <p:nvCxnSpPr>
+          <p:cNvPr id="45" name="Gerade Verbindung mit Pfeil 44">
+            <a:extLst>
+              <a:ext uri="{FF2B5EF4-FFF2-40B4-BE49-F238E27FC236}">
+                <a16:creationId xmlns:a16="http://schemas.microsoft.com/office/drawing/2014/main" xmlns="" id="{2CE2D3C4-A033-4005-A1DA-E263262AAB6C}"/>
+              </a:ext>
+            </a:extLst>
+          </p:cNvPr>
+          <p:cNvCxnSpPr>
+            <a:stCxn id="6" idx="2"/>
+            <a:endCxn id="15" idx="6"/>
+          </p:cNvCxnSpPr>
+          <p:nvPr/>
+        </p:nvCxnSpPr>
+        <p:spPr>
+          <a:xfrm flipH="1">
+            <a:off x="4003411" y="4994450"/>
+            <a:ext cx="2789831" cy="0"/>
+          </a:xfrm>
+          <a:prstGeom prst="straightConnector1">
+            <a:avLst/>
+          </a:prstGeom>
+          <a:ln>
+            <a:solidFill>
+              <a:schemeClr val="tx1"/>
+            </a:solidFill>
+            <a:tailEnd type="triangle"/>
+          </a:ln>
+        </p:spPr>
+        <p:style>
+          <a:lnRef idx="1">
+            <a:schemeClr val="accent1"/>
+          </a:lnRef>
+          <a:fillRef idx="0">
+            <a:schemeClr val="accent1"/>
+          </a:fillRef>
+          <a:effectRef idx="0">
+            <a:schemeClr val="accent1"/>
+          </a:effectRef>
+          <a:fontRef idx="minor">
+            <a:schemeClr val="tx1"/>
+          </a:fontRef>
+        </p:style>
+      </p:cxnSp>
+      <p:sp>
+        <p:nvSpPr>
+          <p:cNvPr id="46" name="Rechteck 45">
+            <a:extLst>
+              <a:ext uri="{FF2B5EF4-FFF2-40B4-BE49-F238E27FC236}">
+                <a16:creationId xmlns:a16="http://schemas.microsoft.com/office/drawing/2014/main" xmlns="" id="{D10D6AA2-3620-473C-8C6F-DB4BA1F4A1ED}"/>
+              </a:ext>
+            </a:extLst>
+          </p:cNvPr>
+          <p:cNvSpPr/>
+          <p:nvPr/>
+        </p:nvSpPr>
+        <p:spPr>
+          <a:xfrm>
+            <a:off x="4652665" y="5312680"/>
+            <a:ext cx="1500652" cy="618437"/>
+          </a:xfrm>
+          <a:prstGeom prst="rect">
+            <a:avLst/>
+          </a:prstGeom>
+          <a:noFill/>
+          <a:ln>
+            <a:solidFill>
+              <a:schemeClr val="tx1"/>
+            </a:solidFill>
+          </a:ln>
+        </p:spPr>
+        <p:style>
+          <a:lnRef idx="2">
+            <a:schemeClr val="accent1">
+              <a:shade val="50000"/>
+            </a:schemeClr>
+          </a:lnRef>
+          <a:fillRef idx="1">
+            <a:schemeClr val="accent1"/>
+          </a:fillRef>
+          <a:effectRef idx="0">
+            <a:schemeClr val="accent1"/>
+          </a:effectRef>
+          <a:fontRef idx="minor">
+            <a:schemeClr val="lt1"/>
+          </a:fontRef>
+        </p:style>
+        <p:txBody>
+          <a:bodyPr rtlCol="0" anchor="ctr"/>
+          <a:lstStyle/>
+          <a:p>
+            <a:pPr algn="ctr" defTabSz="685800">
+              <a:defRPr/>
+            </a:pPr>
+            <a:endParaRPr lang="de-DE" sz="1350">
+              <a:solidFill>
+                <a:prstClr val="white"/>
+              </a:solidFill>
+              <a:latin typeface="Calibri" panose="020F0502020204030204"/>
+            </a:endParaRPr>
+          </a:p>
+        </p:txBody>
+      </p:sp>
+      <p:sp>
+        <p:nvSpPr>
+          <p:cNvPr id="47" name="Rechteck 46">
+            <a:extLst>
+              <a:ext uri="{FF2B5EF4-FFF2-40B4-BE49-F238E27FC236}">
+                <a16:creationId xmlns:a16="http://schemas.microsoft.com/office/drawing/2014/main" xmlns="" id="{870B98E1-91E3-4AE2-98D1-2B7444C9DDD3}"/>
+              </a:ext>
+            </a:extLst>
+          </p:cNvPr>
+          <p:cNvSpPr/>
+          <p:nvPr/>
+        </p:nvSpPr>
+        <p:spPr>
+          <a:xfrm>
+            <a:off x="4642762" y="5327284"/>
+            <a:ext cx="2625839" cy="473206"/>
+          </a:xfrm>
+          <a:prstGeom prst="rect">
+            <a:avLst/>
+          </a:prstGeom>
+        </p:spPr>
+        <p:txBody>
+          <a:bodyPr wrap="square">
+            <a:spAutoFit/>
+          </a:bodyPr>
+          <a:lstStyle/>
+          <a:p>
+            <a:pPr defTabSz="685800">
+              <a:defRPr/>
+            </a:pPr>
+            <a:r>
+              <a:rPr lang="de-DE" sz="825" u="sng" dirty="0">
+                <a:solidFill>
+                  <a:prstClr val="black"/>
+                </a:solidFill>
+                <a:latin typeface="Calibri" panose="020F0502020204030204"/>
+              </a:rPr>
+              <a:t>Condition:</a:t>
+            </a:r>
+          </a:p>
+          <a:p>
+            <a:pPr defTabSz="685800">
+              <a:defRPr/>
+            </a:pPr>
+            <a:r>
+              <a:rPr lang="de-DE" sz="825" dirty="0">
+                <a:solidFill>
+                  <a:prstClr val="black"/>
+                </a:solidFill>
+                <a:latin typeface="Calibri" panose="020F0502020204030204"/>
+              </a:rPr>
+              <a:t>Steuerung per App</a:t>
+            </a:r>
+          </a:p>
+          <a:p>
+            <a:pPr defTabSz="685800">
+              <a:defRPr/>
+            </a:pPr>
+            <a:r>
+              <a:rPr lang="de-DE" sz="825" u="sng" dirty="0">
+                <a:solidFill>
+                  <a:prstClr val="black"/>
+                </a:solidFill>
+                <a:latin typeface="Calibri" panose="020F0502020204030204"/>
+              </a:rPr>
+              <a:t>Extension point: </a:t>
+            </a:r>
+            <a:r>
+              <a:rPr lang="de-DE" sz="825" dirty="0">
+                <a:solidFill>
+                  <a:prstClr val="black"/>
+                </a:solidFill>
+                <a:latin typeface="Calibri" panose="020F0502020204030204"/>
+              </a:rPr>
+              <a:t>Fahrzeug stoppt</a:t>
+            </a:r>
+          </a:p>
+        </p:txBody>
+      </p:sp>
+      <p:cxnSp>
+        <p:nvCxnSpPr>
+          <p:cNvPr id="53" name="Gerader Verbinder 52">
+            <a:extLst>
+              <a:ext uri="{FF2B5EF4-FFF2-40B4-BE49-F238E27FC236}">
+                <a16:creationId xmlns:a16="http://schemas.microsoft.com/office/drawing/2014/main" xmlns="" id="{3C0F79CD-8359-422A-82A2-6AA8782B418E}"/>
+              </a:ext>
+            </a:extLst>
+          </p:cNvPr>
+          <p:cNvCxnSpPr>
+            <a:stCxn id="46" idx="0"/>
+          </p:cNvCxnSpPr>
+          <p:nvPr/>
+        </p:nvCxnSpPr>
+        <p:spPr>
+          <a:xfrm flipH="1" flipV="1">
+            <a:off x="5402991" y="4994449"/>
+            <a:ext cx="1" cy="318231"/>
+          </a:xfrm>
+          <a:prstGeom prst="line">
+            <a:avLst/>
+          </a:prstGeom>
+          <a:ln>
+            <a:solidFill>
+              <a:schemeClr val="tx1"/>
+            </a:solidFill>
+          </a:ln>
+        </p:spPr>
+        <p:style>
+          <a:lnRef idx="1">
+            <a:schemeClr val="accent1"/>
+          </a:lnRef>
+          <a:fillRef idx="0">
+            <a:schemeClr val="accent1"/>
+          </a:fillRef>
+          <a:effectRef idx="0">
+            <a:schemeClr val="accent1"/>
+          </a:effectRef>
+          <a:fontRef idx="minor">
+            <a:schemeClr val="tx1"/>
+          </a:fontRef>
+        </p:style>
+      </p:cxnSp>
+      <p:sp>
+        <p:nvSpPr>
+          <p:cNvPr id="55" name="Rechteck 54">
+            <a:extLst>
+              <a:ext uri="{FF2B5EF4-FFF2-40B4-BE49-F238E27FC236}">
+                <a16:creationId xmlns:a16="http://schemas.microsoft.com/office/drawing/2014/main" xmlns="" id="{0F239C44-37FB-4469-B37B-149A401FA41F}"/>
+              </a:ext>
+            </a:extLst>
+          </p:cNvPr>
+          <p:cNvSpPr/>
+          <p:nvPr/>
+        </p:nvSpPr>
+        <p:spPr>
+          <a:xfrm>
+            <a:off x="4954202" y="4756313"/>
+            <a:ext cx="740908" cy="230832"/>
+          </a:xfrm>
+          <a:prstGeom prst="rect">
+            <a:avLst/>
+          </a:prstGeom>
+        </p:spPr>
+        <p:txBody>
+          <a:bodyPr wrap="none">
+            <a:spAutoFit/>
+          </a:bodyPr>
+          <a:lstStyle/>
+          <a:p>
+            <a:pPr defTabSz="685800">
+              <a:defRPr/>
+            </a:pPr>
+            <a:r>
+              <a:rPr lang="de-DE" sz="900" dirty="0">
+                <a:solidFill>
+                  <a:prstClr val="black"/>
+                </a:solidFill>
+                <a:latin typeface="Calibri" panose="020F0502020204030204"/>
+              </a:rPr>
+              <a:t>&lt;&lt;extend&gt;&gt;</a:t>
+            </a:r>
+          </a:p>
+        </p:txBody>
+      </p:sp>
+      <p:pic>
+        <p:nvPicPr>
+          <p:cNvPr id="29" name="Grafik 28">
+            <a:extLst>
+              <a:ext uri="{FF2B5EF4-FFF2-40B4-BE49-F238E27FC236}">
+                <a16:creationId xmlns:a16="http://schemas.microsoft.com/office/drawing/2014/main" xmlns="" id="{E8A27A51-BC95-4E0D-B7C8-3405953603F0}"/>
+              </a:ext>
+            </a:extLst>
+          </p:cNvPr>
+          <p:cNvPicPr>
+            <a:picLocks noChangeAspect="1"/>
+          </p:cNvPicPr>
+          <p:nvPr/>
+        </p:nvPicPr>
+        <p:blipFill>
+          <a:blip r:embed="rId2">
+            <a:extLst>
+              <a:ext uri="{28A0092B-C50C-407E-A947-70E740481C1C}">
+                <a14:useLocalDpi xmlns:a14="http://schemas.microsoft.com/office/drawing/2010/main" val="0"/>
+              </a:ext>
+            </a:extLst>
+          </a:blip>
+          <a:stretch>
+            <a:fillRect/>
+          </a:stretch>
+        </p:blipFill>
+        <p:spPr>
+          <a:xfrm>
+            <a:off x="272476" y="2818750"/>
+            <a:ext cx="1519312" cy="1519312"/>
+          </a:xfrm>
+          <a:prstGeom prst="rect">
+            <a:avLst/>
+          </a:prstGeom>
+        </p:spPr>
+      </p:pic>
+      <p:cxnSp>
+        <p:nvCxnSpPr>
+          <p:cNvPr id="8" name="Gerader Verbinder 7">
+            <a:extLst>
+              <a:ext uri="{FF2B5EF4-FFF2-40B4-BE49-F238E27FC236}">
+                <a16:creationId xmlns:a16="http://schemas.microsoft.com/office/drawing/2014/main" xmlns="" id="{831D6E72-D7CF-416F-9696-3FCFBE1F0AED}"/>
+              </a:ext>
+            </a:extLst>
+          </p:cNvPr>
+          <p:cNvCxnSpPr>
+            <a:stCxn id="29" idx="3"/>
+            <a:endCxn id="14" idx="3"/>
+          </p:cNvCxnSpPr>
+          <p:nvPr/>
+        </p:nvCxnSpPr>
+        <p:spPr>
+          <a:xfrm flipV="1">
+            <a:off x="1791788" y="2626548"/>
+            <a:ext cx="904178" cy="951858"/>
+          </a:xfrm>
+          <a:prstGeom prst="line">
+            <a:avLst/>
+          </a:prstGeom>
+          <a:ln>
+            <a:solidFill>
+              <a:schemeClr val="tx1"/>
+            </a:solidFill>
+          </a:ln>
+        </p:spPr>
+        <p:style>
+          <a:lnRef idx="1">
+            <a:schemeClr val="accent1"/>
+          </a:lnRef>
+          <a:fillRef idx="0">
+            <a:schemeClr val="accent1"/>
+          </a:fillRef>
+          <a:effectRef idx="0">
+            <a:schemeClr val="accent1"/>
+          </a:effectRef>
+          <a:fontRef idx="minor">
+            <a:schemeClr val="tx1"/>
+          </a:fontRef>
+        </p:style>
+      </p:cxnSp>
+      <p:cxnSp>
+        <p:nvCxnSpPr>
+          <p:cNvPr id="10" name="Gerader Verbinder 9">
+            <a:extLst>
+              <a:ext uri="{FF2B5EF4-FFF2-40B4-BE49-F238E27FC236}">
+                <a16:creationId xmlns:a16="http://schemas.microsoft.com/office/drawing/2014/main" xmlns="" id="{1540069E-5419-414E-AD56-14A2608F74B9}"/>
+              </a:ext>
+            </a:extLst>
+          </p:cNvPr>
+          <p:cNvCxnSpPr>
+            <a:stCxn id="29" idx="3"/>
+            <a:endCxn id="15" idx="1"/>
+          </p:cNvCxnSpPr>
+          <p:nvPr/>
+        </p:nvCxnSpPr>
+        <p:spPr>
+          <a:xfrm>
+            <a:off x="1791787" y="3578407"/>
+            <a:ext cx="914810" cy="1162385"/>
+          </a:xfrm>
+          <a:prstGeom prst="line">
+            <a:avLst/>
+          </a:prstGeom>
+          <a:ln>
+            <a:solidFill>
+              <a:schemeClr val="tx1"/>
+            </a:solidFill>
+          </a:ln>
+        </p:spPr>
+        <p:style>
+          <a:lnRef idx="1">
+            <a:schemeClr val="accent1"/>
+          </a:lnRef>
+          <a:fillRef idx="0">
+            <a:schemeClr val="accent1"/>
+          </a:fillRef>
+          <a:effectRef idx="0">
+            <a:schemeClr val="accent1"/>
+          </a:effectRef>
+          <a:fontRef idx="minor">
+            <a:schemeClr val="tx1"/>
+          </a:fontRef>
+        </p:style>
+      </p:cxnSp>
+      <p:sp>
+        <p:nvSpPr>
+          <p:cNvPr id="17" name="Titel 16">
+            <a:extLst>
+              <a:ext uri="{FF2B5EF4-FFF2-40B4-BE49-F238E27FC236}">
+                <a16:creationId xmlns:a16="http://schemas.microsoft.com/office/drawing/2014/main" xmlns="" id="{20C42CF5-051B-4AF2-9A13-9EE9A91F4D5C}"/>
+              </a:ext>
+            </a:extLst>
+          </p:cNvPr>
+          <p:cNvSpPr>
+            <a:spLocks noGrp="1"/>
+          </p:cNvSpPr>
+          <p:nvPr>
+            <p:ph type="title"/>
+          </p:nvPr>
+        </p:nvSpPr>
+        <p:spPr/>
+        <p:txBody>
+          <a:bodyPr/>
+          <a:lstStyle/>
+          <a:p>
+            <a:r>
+              <a:rPr lang="de-DE" dirty="0"/>
+              <a:t>Use-Case Rollstuhl</a:t>
+            </a:r>
+          </a:p>
+        </p:txBody>
+      </p:sp>
+    </p:spTree>
+    <p:extLst>
+      <p:ext uri="{BB962C8B-B14F-4D97-AF65-F5344CB8AC3E}">
+        <p14:creationId xmlns:p14="http://schemas.microsoft.com/office/powerpoint/2010/main" val="574208041"/>
+      </p:ext>
+    </p:extLst>
+  </p:cSld>
+  <p:clrMapOvr>
+    <a:masterClrMapping/>
+  </p:clrMapOvr>
+</p:sld>
+</file>
+
+<file path=ppt/slides/slide15.xml><?xml version="1.0" encoding="utf-8"?>
+<p:sld xmlns:a="http://schemas.openxmlformats.org/drawingml/2006/main" xmlns:r="http://schemas.openxmlformats.org/officeDocument/2006/relationships" xmlns:p="http://schemas.openxmlformats.org/presentationml/2006/main">
+  <p:cSld>
+    <p:spTree>
+      <p:nvGrpSpPr>
+        <p:cNvPr id="1" name=""/>
+        <p:cNvGrpSpPr/>
+        <p:nvPr/>
+      </p:nvGrpSpPr>
+      <p:grpSpPr>
+        <a:xfrm>
+          <a:off x="0" y="0"/>
+          <a:ext cx="0" cy="0"/>
+          <a:chOff x="0" y="0"/>
+          <a:chExt cx="0" cy="0"/>
+        </a:xfrm>
+      </p:grpSpPr>
+      <p:sp>
+        <p:nvSpPr>
+          <p:cNvPr id="2" name="Titel 1">
+            <a:extLst>
+              <a:ext uri="{FF2B5EF4-FFF2-40B4-BE49-F238E27FC236}">
+                <a16:creationId xmlns:a16="http://schemas.microsoft.com/office/drawing/2014/main" xmlns="" id="{AF9FF294-1228-447B-9301-45890A8F9516}"/>
+              </a:ext>
+            </a:extLst>
+          </p:cNvPr>
+          <p:cNvSpPr>
+            <a:spLocks noGrp="1"/>
+          </p:cNvSpPr>
+          <p:nvPr>
+            <p:ph type="title"/>
+          </p:nvPr>
+        </p:nvSpPr>
+        <p:spPr/>
+        <p:txBody>
+          <a:bodyPr/>
+          <a:lstStyle/>
+          <a:p>
+            <a:r>
+              <a:rPr lang="de-DE" dirty="0"/>
+              <a:t>Use-Case App</a:t>
+            </a:r>
+          </a:p>
+        </p:txBody>
+      </p:sp>
+      <p:sp>
+        <p:nvSpPr>
+          <p:cNvPr id="3" name="Inhaltsplatzhalter 2">
+            <a:extLst>
+              <a:ext uri="{FF2B5EF4-FFF2-40B4-BE49-F238E27FC236}">
+                <a16:creationId xmlns:a16="http://schemas.microsoft.com/office/drawing/2014/main" xmlns="" id="{0BD4F298-9D99-4333-B34E-CBE53DBA8F1F}"/>
+              </a:ext>
+            </a:extLst>
+          </p:cNvPr>
           <p:cNvSpPr>
             <a:spLocks noGrp="1"/>
           </p:cNvSpPr>
@@ -4574,14 +11104,457 @@
           <a:bodyPr/>
           <a:lstStyle/>
           <a:p>
-            <a:r>
-              <a:rPr lang="de-DE" dirty="0" smtClean="0"/>
-              <a:t>Krankenkasse werfen einem Stöcke in die Speichen ;)</a:t>
-            </a:r>
+            <a:endParaRPr lang="de-DE"/>
+          </a:p>
+        </p:txBody>
+      </p:sp>
+    </p:spTree>
+    <p:extLst>
+      <p:ext uri="{BB962C8B-B14F-4D97-AF65-F5344CB8AC3E}">
+        <p14:creationId xmlns:p14="http://schemas.microsoft.com/office/powerpoint/2010/main" val="2070519116"/>
+      </p:ext>
+    </p:extLst>
+  </p:cSld>
+  <p:clrMapOvr>
+    <a:masterClrMapping/>
+  </p:clrMapOvr>
+</p:sld>
+</file>
+
+<file path=ppt/slides/slide16.xml><?xml version="1.0" encoding="utf-8"?>
+<p:sld xmlns:a="http://schemas.openxmlformats.org/drawingml/2006/main" xmlns:r="http://schemas.openxmlformats.org/officeDocument/2006/relationships" xmlns:p="http://schemas.openxmlformats.org/presentationml/2006/main">
+  <p:cSld>
+    <p:spTree>
+      <p:nvGrpSpPr>
+        <p:cNvPr id="1" name=""/>
+        <p:cNvGrpSpPr/>
+        <p:nvPr/>
+      </p:nvGrpSpPr>
+      <p:grpSpPr>
+        <a:xfrm>
+          <a:off x="0" y="0"/>
+          <a:ext cx="0" cy="0"/>
+          <a:chOff x="0" y="0"/>
+          <a:chExt cx="0" cy="0"/>
+        </a:xfrm>
+      </p:grpSpPr>
+      <p:sp>
+        <p:nvSpPr>
+          <p:cNvPr id="2" name="Titel 1"/>
+          <p:cNvSpPr>
+            <a:spLocks noGrp="1"/>
+          </p:cNvSpPr>
+          <p:nvPr>
+            <p:ph type="title"/>
+          </p:nvPr>
+        </p:nvSpPr>
+        <p:spPr/>
+        <p:txBody>
+          <a:bodyPr/>
+          <a:lstStyle/>
+          <a:p>
+            <a:r>
+              <a:rPr lang="de-DE" dirty="0"/>
+              <a:t>Persona 	– 		Thomas Müller, 38</a:t>
+            </a:r>
+          </a:p>
+        </p:txBody>
+      </p:sp>
+      <p:pic>
+        <p:nvPicPr>
+          <p:cNvPr id="4" name="Inhaltsplatzhalter 3"/>
+          <p:cNvPicPr>
+            <a:picLocks noGrp="1" noChangeAspect="1"/>
+          </p:cNvPicPr>
+          <p:nvPr>
+            <p:ph sz="half" idx="1"/>
+          </p:nvPr>
+        </p:nvPicPr>
+        <p:blipFill>
+          <a:blip r:embed="rId2" cstate="print">
+            <a:extLst>
+              <a:ext uri="{28A0092B-C50C-407E-A947-70E740481C1C}">
+                <a14:useLocalDpi xmlns:a14="http://schemas.microsoft.com/office/drawing/2010/main" val="0"/>
+              </a:ext>
+            </a:extLst>
+          </a:blip>
+          <a:stretch>
+            <a:fillRect/>
+          </a:stretch>
+        </p:blipFill>
+        <p:spPr>
+          <a:xfrm>
+            <a:off x="963938" y="2104381"/>
+            <a:ext cx="2338453" cy="3507680"/>
+          </a:xfrm>
+        </p:spPr>
+      </p:pic>
+      <p:sp>
+        <p:nvSpPr>
+          <p:cNvPr id="11" name="Inhaltsplatzhalter 10"/>
+          <p:cNvSpPr>
+            <a:spLocks noGrp="1"/>
+          </p:cNvSpPr>
+          <p:nvPr>
+            <p:ph sz="half" idx="2"/>
+          </p:nvPr>
+        </p:nvSpPr>
+        <p:spPr/>
+        <p:txBody>
+          <a:bodyPr/>
+          <a:lstStyle/>
+          <a:p>
+            <a:r>
+              <a:rPr lang="de-DE" dirty="0"/>
+              <a:t>Rollstuhlfahrer, keinen elektronischen</a:t>
+            </a:r>
+          </a:p>
+          <a:p>
+            <a:r>
+              <a:rPr lang="de-DE" dirty="0"/>
+              <a:t>verheiratet</a:t>
+            </a:r>
+          </a:p>
+          <a:p>
+            <a:r>
+              <a:rPr lang="de-DE" dirty="0"/>
+              <a:t>Finanzkaufmann</a:t>
+            </a:r>
+          </a:p>
+          <a:p>
+            <a:r>
+              <a:rPr lang="de-DE" dirty="0"/>
+              <a:t>Modern, offen, technikinteressiert</a:t>
+            </a:r>
+          </a:p>
+          <a:p>
+            <a:r>
+              <a:rPr lang="de-DE" dirty="0"/>
+              <a:t>Genießt gerne Natur + Fahrten durch den Park</a:t>
+            </a:r>
+          </a:p>
+          <a:p>
+            <a:pPr marL="0" indent="0">
+              <a:buNone/>
+            </a:pPr>
             <a:endParaRPr lang="de-DE" dirty="0"/>
           </a:p>
-        </p:txBody>
-      </p:sp>
+          <a:p>
+            <a:pPr marL="0" indent="0">
+              <a:buNone/>
+            </a:pPr>
+            <a:endParaRPr lang="de-DE" dirty="0"/>
+          </a:p>
+          <a:p>
+            <a:pPr marL="0" indent="0">
+              <a:buNone/>
+            </a:pPr>
+            <a:endParaRPr lang="de-DE" dirty="0"/>
+          </a:p>
+        </p:txBody>
+      </p:sp>
+    </p:spTree>
+    <p:extLst>
+      <p:ext uri="{BB962C8B-B14F-4D97-AF65-F5344CB8AC3E}">
+        <p14:creationId xmlns:p14="http://schemas.microsoft.com/office/powerpoint/2010/main" val="1389766624"/>
+      </p:ext>
+    </p:extLst>
+  </p:cSld>
+  <p:clrMapOvr>
+    <a:masterClrMapping/>
+  </p:clrMapOvr>
+</p:sld>
+</file>
+
+<file path=ppt/slides/slide17.xml><?xml version="1.0" encoding="utf-8"?>
+<p:sld xmlns:a="http://schemas.openxmlformats.org/drawingml/2006/main" xmlns:r="http://schemas.openxmlformats.org/officeDocument/2006/relationships" xmlns:p="http://schemas.openxmlformats.org/presentationml/2006/main">
+  <p:cSld>
+    <p:spTree>
+      <p:nvGrpSpPr>
+        <p:cNvPr id="1" name=""/>
+        <p:cNvGrpSpPr/>
+        <p:nvPr/>
+      </p:nvGrpSpPr>
+      <p:grpSpPr>
+        <a:xfrm>
+          <a:off x="0" y="0"/>
+          <a:ext cx="0" cy="0"/>
+          <a:chOff x="0" y="0"/>
+          <a:chExt cx="0" cy="0"/>
+        </a:xfrm>
+      </p:grpSpPr>
+      <p:sp>
+        <p:nvSpPr>
+          <p:cNvPr id="4" name="Titel 3"/>
+          <p:cNvSpPr>
+            <a:spLocks noGrp="1"/>
+          </p:cNvSpPr>
+          <p:nvPr>
+            <p:ph type="title"/>
+          </p:nvPr>
+        </p:nvSpPr>
+        <p:spPr/>
+        <p:txBody>
+          <a:bodyPr/>
+          <a:lstStyle/>
+          <a:p>
+            <a:endParaRPr lang="de-DE"/>
+          </a:p>
+        </p:txBody>
+      </p:sp>
+      <p:pic>
+        <p:nvPicPr>
+          <p:cNvPr id="12" name="Inhaltsplatzhalter 11"/>
+          <p:cNvPicPr>
+            <a:picLocks noGrp="1" noChangeAspect="1"/>
+          </p:cNvPicPr>
+          <p:nvPr>
+            <p:ph sz="half" idx="2"/>
+          </p:nvPr>
+        </p:nvPicPr>
+        <p:blipFill>
+          <a:blip r:embed="rId2" cstate="print">
+            <a:extLst>
+              <a:ext uri="{28A0092B-C50C-407E-A947-70E740481C1C}">
+                <a14:useLocalDpi xmlns:a14="http://schemas.microsoft.com/office/drawing/2010/main" val="0"/>
+              </a:ext>
+            </a:extLst>
+          </a:blip>
+          <a:stretch>
+            <a:fillRect/>
+          </a:stretch>
+        </p:blipFill>
+        <p:spPr>
+          <a:xfrm>
+            <a:off x="590906" y="1504446"/>
+            <a:ext cx="3334425" cy="2406117"/>
+          </a:xfrm>
+        </p:spPr>
+      </p:pic>
+      <p:sp>
+        <p:nvSpPr>
+          <p:cNvPr id="7" name="AutoShape 2" descr="Bildergebnis für park"/>
+          <p:cNvSpPr>
+            <a:spLocks noChangeAspect="1" noChangeArrowheads="1"/>
+          </p:cNvSpPr>
+          <p:nvPr/>
+        </p:nvSpPr>
+        <p:spPr bwMode="auto">
+          <a:xfrm>
+            <a:off x="116682" y="-1051323"/>
+            <a:ext cx="7079456" cy="3979070"/>
+          </a:xfrm>
+          <a:prstGeom prst="rect">
+            <a:avLst/>
+          </a:prstGeom>
+          <a:noFill/>
+          <a:extLst>
+            <a:ext uri="{909E8E84-426E-40DD-AFC4-6F175D3DCCD1}">
+              <a14:hiddenFill xmlns:a14="http://schemas.microsoft.com/office/drawing/2010/main">
+                <a:solidFill>
+                  <a:srgbClr val="FFFFFF"/>
+                </a:solidFill>
+              </a14:hiddenFill>
+            </a:ext>
+          </a:extLst>
+        </p:spPr>
+        <p:txBody>
+          <a:bodyPr vert="horz" wrap="square" lIns="68580" tIns="34290" rIns="68580" bIns="34290" numCol="1" anchor="t" anchorCtr="0" compatLnSpc="1">
+            <a:prstTxWarp prst="textNoShape">
+              <a:avLst/>
+            </a:prstTxWarp>
+          </a:bodyPr>
+          <a:lstStyle/>
+          <a:p>
+            <a:pPr defTabSz="685800">
+              <a:defRPr/>
+            </a:pPr>
+            <a:endParaRPr lang="de-DE" sz="1350">
+              <a:solidFill>
+                <a:prstClr val="black"/>
+              </a:solidFill>
+              <a:latin typeface="Calibri" panose="020F0502020204030204"/>
+            </a:endParaRPr>
+          </a:p>
+        </p:txBody>
+      </p:sp>
+      <p:pic>
+        <p:nvPicPr>
+          <p:cNvPr id="13" name="Grafik 12"/>
+          <p:cNvPicPr>
+            <a:picLocks noChangeAspect="1"/>
+          </p:cNvPicPr>
+          <p:nvPr/>
+        </p:nvPicPr>
+        <p:blipFill>
+          <a:blip r:embed="rId3" cstate="print">
+            <a:extLst>
+              <a:ext uri="{28A0092B-C50C-407E-A947-70E740481C1C}">
+                <a14:useLocalDpi xmlns:a14="http://schemas.microsoft.com/office/drawing/2010/main" val="0"/>
+              </a:ext>
+            </a:extLst>
+          </a:blip>
+          <a:stretch>
+            <a:fillRect/>
+          </a:stretch>
+        </p:blipFill>
+        <p:spPr>
+          <a:xfrm>
+            <a:off x="5731647" y="2977240"/>
+            <a:ext cx="2928982" cy="1647551"/>
+          </a:xfrm>
+          <a:prstGeom prst="rect">
+            <a:avLst/>
+          </a:prstGeom>
+        </p:spPr>
+      </p:pic>
+      <p:pic>
+        <p:nvPicPr>
+          <p:cNvPr id="15" name="Grafik 14"/>
+          <p:cNvPicPr>
+            <a:picLocks noChangeAspect="1"/>
+          </p:cNvPicPr>
+          <p:nvPr/>
+        </p:nvPicPr>
+        <p:blipFill>
+          <a:blip r:embed="rId4">
+            <a:extLst>
+              <a:ext uri="{28A0092B-C50C-407E-A947-70E740481C1C}">
+                <a14:useLocalDpi xmlns:a14="http://schemas.microsoft.com/office/drawing/2010/main" val="0"/>
+              </a:ext>
+            </a:extLst>
+          </a:blip>
+          <a:stretch>
+            <a:fillRect/>
+          </a:stretch>
+        </p:blipFill>
+        <p:spPr>
+          <a:xfrm>
+            <a:off x="1869287" y="3801016"/>
+            <a:ext cx="2143125" cy="2143125"/>
+          </a:xfrm>
+          <a:prstGeom prst="rect">
+            <a:avLst/>
+          </a:prstGeom>
+        </p:spPr>
+      </p:pic>
+      <p:pic>
+        <p:nvPicPr>
+          <p:cNvPr id="17" name="Grafik 16"/>
+          <p:cNvPicPr>
+            <a:picLocks noChangeAspect="1"/>
+          </p:cNvPicPr>
+          <p:nvPr/>
+        </p:nvPicPr>
+        <p:blipFill>
+          <a:blip r:embed="rId5">
+            <a:extLst>
+              <a:ext uri="{28A0092B-C50C-407E-A947-70E740481C1C}">
+                <a14:useLocalDpi xmlns:a14="http://schemas.microsoft.com/office/drawing/2010/main" val="0"/>
+              </a:ext>
+            </a:extLst>
+          </a:blip>
+          <a:stretch>
+            <a:fillRect/>
+          </a:stretch>
+        </p:blipFill>
+        <p:spPr>
+          <a:xfrm>
+            <a:off x="3925330" y="2787415"/>
+            <a:ext cx="2027201" cy="2027201"/>
+          </a:xfrm>
+          <a:prstGeom prst="rect">
+            <a:avLst/>
+          </a:prstGeom>
+        </p:spPr>
+      </p:pic>
+      <p:pic>
+        <p:nvPicPr>
+          <p:cNvPr id="16" name="Grafik 15"/>
+          <p:cNvPicPr>
+            <a:picLocks noChangeAspect="1"/>
+          </p:cNvPicPr>
+          <p:nvPr/>
+        </p:nvPicPr>
+        <p:blipFill>
+          <a:blip r:embed="rId6">
+            <a:extLst>
+              <a:ext uri="{28A0092B-C50C-407E-A947-70E740481C1C}">
+                <a14:useLocalDpi xmlns:a14="http://schemas.microsoft.com/office/drawing/2010/main" val="0"/>
+              </a:ext>
+            </a:extLst>
+          </a:blip>
+          <a:stretch>
+            <a:fillRect/>
+          </a:stretch>
+        </p:blipFill>
+        <p:spPr>
+          <a:xfrm rot="587275">
+            <a:off x="121024" y="3777000"/>
+            <a:ext cx="1643063" cy="1564481"/>
+          </a:xfrm>
+          <a:prstGeom prst="rect">
+            <a:avLst/>
+          </a:prstGeom>
+        </p:spPr>
+      </p:pic>
+    </p:spTree>
+    <p:extLst>
+      <p:ext uri="{BB962C8B-B14F-4D97-AF65-F5344CB8AC3E}">
+        <p14:creationId xmlns:p14="http://schemas.microsoft.com/office/powerpoint/2010/main" val="1775504796"/>
+      </p:ext>
+    </p:extLst>
+  </p:cSld>
+  <p:clrMapOvr>
+    <a:masterClrMapping/>
+  </p:clrMapOvr>
+</p:sld>
+</file>
+
+<file path=ppt/slides/slide18.xml><?xml version="1.0" encoding="utf-8"?>
+<p:sld xmlns:a="http://schemas.openxmlformats.org/drawingml/2006/main" xmlns:r="http://schemas.openxmlformats.org/officeDocument/2006/relationships" xmlns:p="http://schemas.openxmlformats.org/presentationml/2006/main">
+  <p:cSld>
+    <p:spTree>
+      <p:nvGrpSpPr>
+        <p:cNvPr id="1" name=""/>
+        <p:cNvGrpSpPr/>
+        <p:nvPr/>
+      </p:nvGrpSpPr>
+      <p:grpSpPr>
+        <a:xfrm>
+          <a:off x="0" y="0"/>
+          <a:ext cx="0" cy="0"/>
+          <a:chOff x="0" y="0"/>
+          <a:chExt cx="0" cy="0"/>
+        </a:xfrm>
+      </p:grpSpPr>
+      <p:graphicFrame>
+        <p:nvGraphicFramePr>
+          <p:cNvPr id="2" name="Inhaltsplatzhalter 1">
+            <a:extLst>
+              <a:ext uri="{FF2B5EF4-FFF2-40B4-BE49-F238E27FC236}">
+                <a16:creationId xmlns:a16="http://schemas.microsoft.com/office/drawing/2014/main" xmlns="" id="{E6A8FDB7-D702-4E59-92D8-AC0C8F47C754}"/>
+              </a:ext>
+            </a:extLst>
+          </p:cNvPr>
+          <p:cNvGraphicFramePr>
+            <a:graphicFrameLocks noGrp="1"/>
+          </p:cNvGraphicFramePr>
+          <p:nvPr>
+            <p:ph idx="1"/>
+            <p:extLst/>
+          </p:nvPr>
+        </p:nvGraphicFramePr>
+        <p:xfrm>
+          <a:off x="126609" y="2153287"/>
+          <a:ext cx="8292849" cy="3473792"/>
+        </p:xfrm>
+        <a:graphic>
+          <a:graphicData uri="http://schemas.openxmlformats.org/drawingml/2006/diagram">
+            <dgm:relIds xmlns:dgm="http://schemas.openxmlformats.org/drawingml/2006/diagram" xmlns:r="http://schemas.openxmlformats.org/officeDocument/2006/relationships" r:dm="rId2" r:lo="rId3" r:qs="rId4" r:cs="rId5"/>
+          </a:graphicData>
+        </a:graphic>
+      </p:graphicFrame>
       <p:sp>
         <p:nvSpPr>
           <p:cNvPr id="4" name="Datumsplatzhalter 3"/>
@@ -4597,7 +11570,7 @@
           <a:bodyPr/>
           <a:lstStyle/>
           <a:p>
-            <a:fld id="{C916D949-773C-3845-BFBA-C7D9987445EE}" type="datetime1">
+            <a:fld id="{F562E25D-699C-4C92-878C-CC3BF1593050}" type="datetime1">
               <a:rPr lang="de-DE" smtClean="0"/>
               <a:t>24.07.18</a:t>
             </a:fld>
@@ -4623,56 +11596,9 @@
             <a:fld id="{E7BE1CCD-89A0-CC45-BF3E-2A331A7F0490}" type="slidenum">
               <a:rPr lang="de-DE" smtClean="0"/>
               <a:pPr/>
-              <a:t>2</a:t>
+              <a:t>18</a:t>
             </a:fld>
             <a:endParaRPr lang="de-DE" dirty="0"/>
-          </a:p>
-        </p:txBody>
-      </p:sp>
-      <p:sp>
-        <p:nvSpPr>
-          <p:cNvPr id="6" name="TextBox 5"/>
-          <p:cNvSpPr txBox="1"/>
-          <p:nvPr/>
-        </p:nvSpPr>
-        <p:spPr>
-          <a:xfrm>
-            <a:off x="2042013" y="6437376"/>
-            <a:ext cx="4732386" cy="253916"/>
-          </a:xfrm>
-          <a:prstGeom prst="rect">
-            <a:avLst/>
-          </a:prstGeom>
-          <a:noFill/>
-        </p:spPr>
-        <p:txBody>
-          <a:bodyPr wrap="none" rtlCol="0">
-            <a:spAutoFit/>
-          </a:bodyPr>
-          <a:lstStyle/>
-          <a:p>
-            <a:pPr algn="ctr"/>
-            <a:r>
-              <a:rPr lang="en-US" sz="1050" dirty="0" smtClean="0"/>
-              <a:t>HSHL – ITD 6. Semester </a:t>
-            </a:r>
-            <a:r>
-              <a:rPr lang="mr-IN" sz="1050" dirty="0" smtClean="0"/>
-              <a:t>–</a:t>
-            </a:r>
-            <a:r>
-              <a:rPr lang="en-US" sz="1050" dirty="0" smtClean="0"/>
-              <a:t> Christopher Beck, Daniel </a:t>
-            </a:r>
-            <a:r>
-              <a:rPr lang="en-US" sz="1050" dirty="0" err="1" smtClean="0"/>
-              <a:t>Münstermann</a:t>
-            </a:r>
-            <a:r>
-              <a:rPr lang="en-US" sz="1050" dirty="0" smtClean="0"/>
-              <a:t>, Alexander Wilms</a:t>
-            </a:r>
-            <a:endParaRPr lang="en-US" sz="1050" dirty="0"/>
           </a:p>
         </p:txBody>
       </p:sp>
@@ -4714,6 +11640,444 @@
             </a:lvl1pPr>
           </a:lstStyle>
           <a:p>
+            <a:pPr algn="ctr"/>
+            <a:r>
+              <a:rPr lang="de-DE" sz="2400" dirty="0"/>
+              <a:t>Hardwareanforderungen</a:t>
+            </a:r>
+          </a:p>
+        </p:txBody>
+      </p:sp>
+      <p:sp>
+        <p:nvSpPr>
+          <p:cNvPr id="6" name="TextBox 5"/>
+          <p:cNvSpPr txBox="1"/>
+          <p:nvPr/>
+        </p:nvSpPr>
+        <p:spPr>
+          <a:xfrm>
+            <a:off x="3265107" y="6437376"/>
+            <a:ext cx="2286203" cy="253916"/>
+          </a:xfrm>
+          <a:prstGeom prst="rect">
+            <a:avLst/>
+          </a:prstGeom>
+          <a:noFill/>
+        </p:spPr>
+        <p:txBody>
+          <a:bodyPr wrap="none" rtlCol="0">
+            <a:spAutoFit/>
+          </a:bodyPr>
+          <a:lstStyle/>
+          <a:p>
+            <a:pPr algn="ctr"/>
+            <a:r>
+              <a:rPr lang="en-US" sz="1050" dirty="0" smtClean="0"/>
+              <a:t>HSHL – ITD 6. Semester </a:t>
+            </a:r>
+            <a:r>
+              <a:rPr lang="mr-IN" sz="1050" dirty="0" smtClean="0"/>
+              <a:t>–</a:t>
+            </a:r>
+            <a:r>
+              <a:rPr lang="en-US" sz="1050" dirty="0" smtClean="0"/>
+              <a:t> </a:t>
+            </a:r>
+            <a:r>
+              <a:rPr lang="en-US" sz="1050" dirty="0" smtClean="0"/>
+              <a:t>Melissa Sens</a:t>
+            </a:r>
+            <a:endParaRPr lang="en-US" sz="1050" dirty="0"/>
+          </a:p>
+        </p:txBody>
+      </p:sp>
+    </p:spTree>
+    <p:extLst>
+      <p:ext uri="{BB962C8B-B14F-4D97-AF65-F5344CB8AC3E}">
+        <p14:creationId xmlns:p14="http://schemas.microsoft.com/office/powerpoint/2010/main" val="1558163019"/>
+      </p:ext>
+    </p:extLst>
+  </p:cSld>
+  <p:clrMapOvr>
+    <a:masterClrMapping/>
+  </p:clrMapOvr>
+</p:sld>
+</file>
+
+<file path=ppt/slides/slide19.xml><?xml version="1.0" encoding="utf-8"?>
+<p:sld xmlns:a="http://schemas.openxmlformats.org/drawingml/2006/main" xmlns:r="http://schemas.openxmlformats.org/officeDocument/2006/relationships" xmlns:p="http://schemas.openxmlformats.org/presentationml/2006/main">
+  <p:cSld>
+    <p:spTree>
+      <p:nvGrpSpPr>
+        <p:cNvPr id="1" name=""/>
+        <p:cNvGrpSpPr/>
+        <p:nvPr/>
+      </p:nvGrpSpPr>
+      <p:grpSpPr>
+        <a:xfrm>
+          <a:off x="0" y="0"/>
+          <a:ext cx="0" cy="0"/>
+          <a:chOff x="0" y="0"/>
+          <a:chExt cx="0" cy="0"/>
+        </a:xfrm>
+      </p:grpSpPr>
+      <p:sp>
+        <p:nvSpPr>
+          <p:cNvPr id="3" name="Inhaltsplatzhalter 2"/>
+          <p:cNvSpPr>
+            <a:spLocks noGrp="1"/>
+          </p:cNvSpPr>
+          <p:nvPr>
+            <p:ph idx="1"/>
+          </p:nvPr>
+        </p:nvSpPr>
+        <p:spPr/>
+        <p:txBody>
+          <a:bodyPr/>
+          <a:lstStyle/>
+          <a:p>
+            <a:r>
+              <a:rPr lang="de-DE" dirty="0"/>
+              <a:t>Jederzeit betriebsbereit</a:t>
+            </a:r>
+          </a:p>
+          <a:p>
+            <a:r>
+              <a:rPr lang="de-DE" dirty="0"/>
+              <a:t>Multitasking/Multithreading</a:t>
+            </a:r>
+          </a:p>
+          <a:p>
+            <a:r>
+              <a:rPr lang="de-DE" dirty="0"/>
+              <a:t>Definiertes Verhalten für die Synchronisation </a:t>
+            </a:r>
+          </a:p>
+          <a:p>
+            <a:r>
+              <a:rPr lang="de-DE" dirty="0"/>
+              <a:t>Prioritätenvererbung wird unterstützt</a:t>
+            </a:r>
+          </a:p>
+          <a:p>
+            <a:r>
+              <a:rPr lang="de-DE" dirty="0"/>
+              <a:t>Verzögerungsverhalten vorhersagbar </a:t>
+            </a:r>
+          </a:p>
+          <a:p>
+            <a:endParaRPr lang="de-DE" dirty="0"/>
+          </a:p>
+        </p:txBody>
+      </p:sp>
+      <p:sp>
+        <p:nvSpPr>
+          <p:cNvPr id="4" name="Datumsplatzhalter 3"/>
+          <p:cNvSpPr>
+            <a:spLocks noGrp="1"/>
+          </p:cNvSpPr>
+          <p:nvPr>
+            <p:ph type="dt" sz="half" idx="2"/>
+          </p:nvPr>
+        </p:nvSpPr>
+        <p:spPr/>
+        <p:txBody>
+          <a:bodyPr/>
+          <a:lstStyle/>
+          <a:p>
+            <a:fld id="{F562E25D-699C-4C92-878C-CC3BF1593050}" type="datetime1">
+              <a:rPr lang="de-DE" smtClean="0"/>
+              <a:t>24.07.18</a:t>
+            </a:fld>
+            <a:endParaRPr lang="de-DE" dirty="0"/>
+          </a:p>
+        </p:txBody>
+      </p:sp>
+      <p:sp>
+        <p:nvSpPr>
+          <p:cNvPr id="5" name="Foliennummernplatzhalter 4"/>
+          <p:cNvSpPr>
+            <a:spLocks noGrp="1"/>
+          </p:cNvSpPr>
+          <p:nvPr>
+            <p:ph type="sldNum" sz="quarter" idx="4"/>
+          </p:nvPr>
+        </p:nvSpPr>
+        <p:spPr/>
+        <p:txBody>
+          <a:bodyPr/>
+          <a:lstStyle/>
+          <a:p>
+            <a:fld id="{E7BE1CCD-89A0-CC45-BF3E-2A331A7F0490}" type="slidenum">
+              <a:rPr lang="de-DE" smtClean="0"/>
+              <a:pPr/>
+              <a:t>19</a:t>
+            </a:fld>
+            <a:endParaRPr lang="de-DE" dirty="0"/>
+          </a:p>
+        </p:txBody>
+      </p:sp>
+      <p:sp>
+        <p:nvSpPr>
+          <p:cNvPr id="7" name="Titel 1"/>
+          <p:cNvSpPr txBox="1">
+            <a:spLocks/>
+          </p:cNvSpPr>
+          <p:nvPr/>
+        </p:nvSpPr>
+        <p:spPr>
+          <a:xfrm>
+            <a:off x="648001" y="768252"/>
+            <a:ext cx="7520410" cy="941715"/>
+          </a:xfrm>
+          <a:prstGeom prst="rect">
+            <a:avLst/>
+          </a:prstGeom>
+        </p:spPr>
+        <p:txBody>
+          <a:bodyPr vert="horz" lIns="91440" tIns="45720" rIns="91440" bIns="45720" rtlCol="0" anchor="ctr">
+            <a:normAutofit/>
+          </a:bodyPr>
+          <a:lstStyle>
+            <a:lvl1pPr algn="l" defTabSz="457200" rtl="0" eaLnBrk="1" latinLnBrk="0" hangingPunct="1">
+              <a:spcBef>
+                <a:spcPct val="0"/>
+              </a:spcBef>
+              <a:buNone/>
+              <a:defRPr sz="4000" b="1" i="0" kern="1200">
+                <a:solidFill>
+                  <a:schemeClr val="tx1"/>
+                </a:solidFill>
+                <a:latin typeface="Source Sans Pro"/>
+                <a:ea typeface="+mj-ea"/>
+                <a:cs typeface="Source Sans Pro"/>
+              </a:defRPr>
+            </a:lvl1pPr>
+          </a:lstStyle>
+          <a:p>
+            <a:r>
+              <a:rPr lang="de-DE" sz="2400" dirty="0"/>
+              <a:t>Anforderungen - RTOS</a:t>
+            </a:r>
+          </a:p>
+        </p:txBody>
+      </p:sp>
+      <p:sp>
+        <p:nvSpPr>
+          <p:cNvPr id="6" name="TextBox 5"/>
+          <p:cNvSpPr txBox="1"/>
+          <p:nvPr/>
+        </p:nvSpPr>
+        <p:spPr>
+          <a:xfrm>
+            <a:off x="3265107" y="6437376"/>
+            <a:ext cx="2286203" cy="253916"/>
+          </a:xfrm>
+          <a:prstGeom prst="rect">
+            <a:avLst/>
+          </a:prstGeom>
+          <a:noFill/>
+        </p:spPr>
+        <p:txBody>
+          <a:bodyPr wrap="none" rtlCol="0">
+            <a:spAutoFit/>
+          </a:bodyPr>
+          <a:lstStyle/>
+          <a:p>
+            <a:pPr algn="ctr"/>
+            <a:r>
+              <a:rPr lang="en-US" sz="1050" dirty="0" smtClean="0"/>
+              <a:t>HSHL – ITD 6. Semester </a:t>
+            </a:r>
+            <a:r>
+              <a:rPr lang="mr-IN" sz="1050" dirty="0" smtClean="0"/>
+              <a:t>–</a:t>
+            </a:r>
+            <a:r>
+              <a:rPr lang="en-US" sz="1050" smtClean="0"/>
+              <a:t> </a:t>
+            </a:r>
+            <a:r>
+              <a:rPr lang="en-US" sz="1050" smtClean="0"/>
+              <a:t>Melissa Sens</a:t>
+            </a:r>
+            <a:endParaRPr lang="en-US" sz="1050" dirty="0"/>
+          </a:p>
+        </p:txBody>
+      </p:sp>
+    </p:spTree>
+    <p:extLst>
+      <p:ext uri="{BB962C8B-B14F-4D97-AF65-F5344CB8AC3E}">
+        <p14:creationId xmlns:p14="http://schemas.microsoft.com/office/powerpoint/2010/main" val="1630268815"/>
+      </p:ext>
+    </p:extLst>
+  </p:cSld>
+  <p:clrMapOvr>
+    <a:masterClrMapping/>
+  </p:clrMapOvr>
+</p:sld>
+</file>
+
+<file path=ppt/slides/slide2.xml><?xml version="1.0" encoding="utf-8"?>
+<p:sld xmlns:a="http://schemas.openxmlformats.org/drawingml/2006/main" xmlns:r="http://schemas.openxmlformats.org/officeDocument/2006/relationships" xmlns:p="http://schemas.openxmlformats.org/presentationml/2006/main">
+  <p:cSld>
+    <p:spTree>
+      <p:nvGrpSpPr>
+        <p:cNvPr id="1" name=""/>
+        <p:cNvGrpSpPr/>
+        <p:nvPr/>
+      </p:nvGrpSpPr>
+      <p:grpSpPr>
+        <a:xfrm>
+          <a:off x="0" y="0"/>
+          <a:ext cx="0" cy="0"/>
+          <a:chOff x="0" y="0"/>
+          <a:chExt cx="0" cy="0"/>
+        </a:xfrm>
+      </p:grpSpPr>
+      <p:sp>
+        <p:nvSpPr>
+          <p:cNvPr id="3" name="Inhaltsplatzhalter 2"/>
+          <p:cNvSpPr>
+            <a:spLocks noGrp="1"/>
+          </p:cNvSpPr>
+          <p:nvPr>
+            <p:ph idx="1"/>
+          </p:nvPr>
+        </p:nvSpPr>
+        <p:spPr/>
+        <p:txBody>
+          <a:bodyPr/>
+          <a:lstStyle/>
+          <a:p>
+            <a:r>
+              <a:rPr lang="de-DE" dirty="0" smtClean="0"/>
+              <a:t>Krankenkasse werfen einem Stöcke in die Speichen ;)</a:t>
+            </a:r>
+            <a:endParaRPr lang="de-DE" dirty="0"/>
+          </a:p>
+        </p:txBody>
+      </p:sp>
+      <p:sp>
+        <p:nvSpPr>
+          <p:cNvPr id="4" name="Datumsplatzhalter 3"/>
+          <p:cNvSpPr>
+            <a:spLocks noGrp="1"/>
+          </p:cNvSpPr>
+          <p:nvPr>
+            <p:ph type="dt" sz="half" idx="2"/>
+          </p:nvPr>
+        </p:nvSpPr>
+        <p:spPr/>
+        <p:txBody>
+          <a:bodyPr/>
+          <a:lstStyle/>
+          <a:p>
+            <a:fld id="{C916D949-773C-3845-BFBA-C7D9987445EE}" type="datetime1">
+              <a:rPr lang="de-DE" smtClean="0"/>
+              <a:t>24.07.18</a:t>
+            </a:fld>
+            <a:endParaRPr lang="de-DE" dirty="0"/>
+          </a:p>
+        </p:txBody>
+      </p:sp>
+      <p:sp>
+        <p:nvSpPr>
+          <p:cNvPr id="5" name="Foliennummernplatzhalter 4"/>
+          <p:cNvSpPr>
+            <a:spLocks noGrp="1"/>
+          </p:cNvSpPr>
+          <p:nvPr>
+            <p:ph type="sldNum" sz="quarter" idx="4"/>
+          </p:nvPr>
+        </p:nvSpPr>
+        <p:spPr/>
+        <p:txBody>
+          <a:bodyPr/>
+          <a:lstStyle/>
+          <a:p>
+            <a:fld id="{E7BE1CCD-89A0-CC45-BF3E-2A331A7F0490}" type="slidenum">
+              <a:rPr lang="de-DE" smtClean="0"/>
+              <a:pPr/>
+              <a:t>2</a:t>
+            </a:fld>
+            <a:endParaRPr lang="de-DE" dirty="0"/>
+          </a:p>
+        </p:txBody>
+      </p:sp>
+      <p:sp>
+        <p:nvSpPr>
+          <p:cNvPr id="6" name="TextBox 5"/>
+          <p:cNvSpPr txBox="1"/>
+          <p:nvPr/>
+        </p:nvSpPr>
+        <p:spPr>
+          <a:xfrm>
+            <a:off x="3677878" y="6437376"/>
+            <a:ext cx="1460656" cy="253916"/>
+          </a:xfrm>
+          <a:prstGeom prst="rect">
+            <a:avLst/>
+          </a:prstGeom>
+          <a:noFill/>
+        </p:spPr>
+        <p:txBody>
+          <a:bodyPr wrap="none" rtlCol="0">
+            <a:spAutoFit/>
+          </a:bodyPr>
+          <a:lstStyle/>
+          <a:p>
+            <a:pPr algn="ctr"/>
+            <a:r>
+              <a:rPr lang="en-US" sz="1050" dirty="0" smtClean="0"/>
+              <a:t>HSHL – ITD 6. </a:t>
+            </a:r>
+            <a:r>
+              <a:rPr lang="en-US" sz="1050" dirty="0" smtClean="0"/>
+              <a:t>Semester</a:t>
+            </a:r>
+            <a:endParaRPr lang="en-US" sz="1050" dirty="0"/>
+          </a:p>
+        </p:txBody>
+      </p:sp>
+      <p:sp>
+        <p:nvSpPr>
+          <p:cNvPr id="7" name="Titel 1"/>
+          <p:cNvSpPr txBox="1">
+            <a:spLocks/>
+          </p:cNvSpPr>
+          <p:nvPr/>
+        </p:nvSpPr>
+        <p:spPr>
+          <a:xfrm>
+            <a:off x="648001" y="768252"/>
+            <a:ext cx="7520410" cy="941715"/>
+          </a:xfrm>
+          <a:prstGeom prst="rect">
+            <a:avLst/>
+          </a:prstGeom>
+        </p:spPr>
+        <p:txBody>
+          <a:bodyPr vert="horz" lIns="91440" tIns="45720" rIns="91440" bIns="45720" rtlCol="0" anchor="ctr">
+            <a:normAutofit/>
+          </a:bodyPr>
+          <a:lstStyle>
+            <a:lvl1pPr algn="l" defTabSz="457200" rtl="0" eaLnBrk="1" latinLnBrk="0" hangingPunct="1">
+              <a:spcBef>
+                <a:spcPct val="0"/>
+              </a:spcBef>
+              <a:buNone/>
+              <a:defRPr sz="4000" b="1" i="0" kern="1200">
+                <a:solidFill>
+                  <a:schemeClr val="tx1"/>
+                </a:solidFill>
+                <a:latin typeface="Source Sans Pro"/>
+                <a:ea typeface="+mj-ea"/>
+                <a:cs typeface="Source Sans Pro"/>
+              </a:defRPr>
+            </a:lvl1pPr>
+          </a:lstStyle>
+          <a:p>
             <a:r>
               <a:rPr lang="de-DE" sz="2400" dirty="0" smtClean="0"/>
               <a:t>Motivation</a:t>
@@ -4726,6 +12090,423 @@
     <p:extLst>
       <p:ext uri="{BB962C8B-B14F-4D97-AF65-F5344CB8AC3E}">
         <p14:creationId xmlns:p14="http://schemas.microsoft.com/office/powerpoint/2010/main" val="548810832"/>
+      </p:ext>
+    </p:extLst>
+  </p:cSld>
+  <p:clrMapOvr>
+    <a:masterClrMapping/>
+  </p:clrMapOvr>
+</p:sld>
+</file>
+
+<file path=ppt/slides/slide20.xml><?xml version="1.0" encoding="utf-8"?>
+<p:sld xmlns:a="http://schemas.openxmlformats.org/drawingml/2006/main" xmlns:r="http://schemas.openxmlformats.org/officeDocument/2006/relationships" xmlns:p="http://schemas.openxmlformats.org/presentationml/2006/main">
+  <p:cSld>
+    <p:spTree>
+      <p:nvGrpSpPr>
+        <p:cNvPr id="1" name=""/>
+        <p:cNvGrpSpPr/>
+        <p:nvPr/>
+      </p:nvGrpSpPr>
+      <p:grpSpPr>
+        <a:xfrm>
+          <a:off x="0" y="0"/>
+          <a:ext cx="0" cy="0"/>
+          <a:chOff x="0" y="0"/>
+          <a:chExt cx="0" cy="0"/>
+        </a:xfrm>
+      </p:grpSpPr>
+      <p:sp>
+        <p:nvSpPr>
+          <p:cNvPr id="3" name="Inhaltsplatzhalter 2"/>
+          <p:cNvSpPr>
+            <a:spLocks noGrp="1"/>
+          </p:cNvSpPr>
+          <p:nvPr>
+            <p:ph idx="1"/>
+          </p:nvPr>
+        </p:nvSpPr>
+        <p:spPr/>
+        <p:txBody>
+          <a:bodyPr/>
+          <a:lstStyle/>
+          <a:p>
+            <a:r>
+              <a:rPr lang="de-DE" dirty="0"/>
+              <a:t>ergonomische Gestaltung der Benutzungsschnittstelle </a:t>
+            </a:r>
+          </a:p>
+          <a:p>
+            <a:r>
+              <a:rPr lang="de-DE" dirty="0"/>
+              <a:t>Angemessenheit der Aufgaben</a:t>
+            </a:r>
+          </a:p>
+          <a:p>
+            <a:r>
+              <a:rPr lang="de-DE" dirty="0"/>
+              <a:t>Erlernbarkeit</a:t>
+            </a:r>
+          </a:p>
+          <a:p>
+            <a:r>
+              <a:rPr lang="de-DE" dirty="0"/>
+              <a:t>Robustheit bzgl. Fehlern</a:t>
+            </a:r>
+          </a:p>
+        </p:txBody>
+      </p:sp>
+      <p:sp>
+        <p:nvSpPr>
+          <p:cNvPr id="4" name="Datumsplatzhalter 3"/>
+          <p:cNvSpPr>
+            <a:spLocks noGrp="1"/>
+          </p:cNvSpPr>
+          <p:nvPr>
+            <p:ph type="dt" sz="half" idx="2"/>
+          </p:nvPr>
+        </p:nvSpPr>
+        <p:spPr/>
+        <p:txBody>
+          <a:bodyPr/>
+          <a:lstStyle/>
+          <a:p>
+            <a:fld id="{F562E25D-699C-4C92-878C-CC3BF1593050}" type="datetime1">
+              <a:rPr lang="de-DE" smtClean="0"/>
+              <a:t>24.07.18</a:t>
+            </a:fld>
+            <a:endParaRPr lang="de-DE" dirty="0"/>
+          </a:p>
+        </p:txBody>
+      </p:sp>
+      <p:sp>
+        <p:nvSpPr>
+          <p:cNvPr id="5" name="Foliennummernplatzhalter 4"/>
+          <p:cNvSpPr>
+            <a:spLocks noGrp="1"/>
+          </p:cNvSpPr>
+          <p:nvPr>
+            <p:ph type="sldNum" sz="quarter" idx="4"/>
+          </p:nvPr>
+        </p:nvSpPr>
+        <p:spPr/>
+        <p:txBody>
+          <a:bodyPr/>
+          <a:lstStyle/>
+          <a:p>
+            <a:fld id="{E7BE1CCD-89A0-CC45-BF3E-2A331A7F0490}" type="slidenum">
+              <a:rPr lang="de-DE" smtClean="0"/>
+              <a:pPr/>
+              <a:t>20</a:t>
+            </a:fld>
+            <a:endParaRPr lang="de-DE" dirty="0"/>
+          </a:p>
+        </p:txBody>
+      </p:sp>
+      <p:sp>
+        <p:nvSpPr>
+          <p:cNvPr id="7" name="Titel 1"/>
+          <p:cNvSpPr txBox="1">
+            <a:spLocks/>
+          </p:cNvSpPr>
+          <p:nvPr/>
+        </p:nvSpPr>
+        <p:spPr>
+          <a:xfrm>
+            <a:off x="648001" y="768252"/>
+            <a:ext cx="7520410" cy="941715"/>
+          </a:xfrm>
+          <a:prstGeom prst="rect">
+            <a:avLst/>
+          </a:prstGeom>
+        </p:spPr>
+        <p:txBody>
+          <a:bodyPr vert="horz" lIns="91440" tIns="45720" rIns="91440" bIns="45720" rtlCol="0" anchor="ctr">
+            <a:normAutofit/>
+          </a:bodyPr>
+          <a:lstStyle>
+            <a:lvl1pPr algn="l" defTabSz="457200" rtl="0" eaLnBrk="1" latinLnBrk="0" hangingPunct="1">
+              <a:spcBef>
+                <a:spcPct val="0"/>
+              </a:spcBef>
+              <a:buNone/>
+              <a:defRPr sz="4000" b="1" i="0" kern="1200">
+                <a:solidFill>
+                  <a:schemeClr val="tx1"/>
+                </a:solidFill>
+                <a:latin typeface="Source Sans Pro"/>
+                <a:ea typeface="+mj-ea"/>
+                <a:cs typeface="Source Sans Pro"/>
+              </a:defRPr>
+            </a:lvl1pPr>
+          </a:lstStyle>
+          <a:p>
+            <a:r>
+              <a:rPr lang="de-DE" sz="2400" dirty="0"/>
+              <a:t>Anforderungen - Benutzbarkeit</a:t>
+            </a:r>
+          </a:p>
+        </p:txBody>
+      </p:sp>
+      <p:sp>
+        <p:nvSpPr>
+          <p:cNvPr id="6" name="TextBox 5"/>
+          <p:cNvSpPr txBox="1"/>
+          <p:nvPr/>
+        </p:nvSpPr>
+        <p:spPr>
+          <a:xfrm>
+            <a:off x="3265107" y="6437376"/>
+            <a:ext cx="2286203" cy="253916"/>
+          </a:xfrm>
+          <a:prstGeom prst="rect">
+            <a:avLst/>
+          </a:prstGeom>
+          <a:noFill/>
+        </p:spPr>
+        <p:txBody>
+          <a:bodyPr wrap="none" rtlCol="0">
+            <a:spAutoFit/>
+          </a:bodyPr>
+          <a:lstStyle/>
+          <a:p>
+            <a:pPr algn="ctr"/>
+            <a:r>
+              <a:rPr lang="en-US" sz="1050" dirty="0" smtClean="0"/>
+              <a:t>HSHL – ITD 6. Semester </a:t>
+            </a:r>
+            <a:r>
+              <a:rPr lang="mr-IN" sz="1050" dirty="0" smtClean="0"/>
+              <a:t>–</a:t>
+            </a:r>
+            <a:r>
+              <a:rPr lang="en-US" sz="1050" smtClean="0"/>
+              <a:t> </a:t>
+            </a:r>
+            <a:r>
+              <a:rPr lang="en-US" sz="1050" smtClean="0"/>
+              <a:t>Melissa Sens</a:t>
+            </a:r>
+            <a:endParaRPr lang="en-US" sz="1050" dirty="0"/>
+          </a:p>
+        </p:txBody>
+      </p:sp>
+    </p:spTree>
+    <p:extLst>
+      <p:ext uri="{BB962C8B-B14F-4D97-AF65-F5344CB8AC3E}">
+        <p14:creationId xmlns:p14="http://schemas.microsoft.com/office/powerpoint/2010/main" val="184121632"/>
+      </p:ext>
+    </p:extLst>
+  </p:cSld>
+  <p:clrMapOvr>
+    <a:masterClrMapping/>
+  </p:clrMapOvr>
+</p:sld>
+</file>
+
+<file path=ppt/slides/slide21.xml><?xml version="1.0" encoding="utf-8"?>
+<p:sld xmlns:a="http://schemas.openxmlformats.org/drawingml/2006/main" xmlns:r="http://schemas.openxmlformats.org/officeDocument/2006/relationships" xmlns:p="http://schemas.openxmlformats.org/presentationml/2006/main">
+  <p:cSld>
+    <p:spTree>
+      <p:nvGrpSpPr>
+        <p:cNvPr id="1" name=""/>
+        <p:cNvGrpSpPr/>
+        <p:nvPr/>
+      </p:nvGrpSpPr>
+      <p:grpSpPr>
+        <a:xfrm>
+          <a:off x="0" y="0"/>
+          <a:ext cx="0" cy="0"/>
+          <a:chOff x="0" y="0"/>
+          <a:chExt cx="0" cy="0"/>
+        </a:xfrm>
+      </p:grpSpPr>
+      <p:sp>
+        <p:nvSpPr>
+          <p:cNvPr id="3" name="Inhaltsplatzhalter 2"/>
+          <p:cNvSpPr>
+            <a:spLocks noGrp="1"/>
+          </p:cNvSpPr>
+          <p:nvPr>
+            <p:ph idx="1"/>
+          </p:nvPr>
+        </p:nvSpPr>
+        <p:spPr/>
+        <p:txBody>
+          <a:bodyPr/>
+          <a:lstStyle/>
+          <a:p>
+            <a:r>
+              <a:rPr lang="de-DE" dirty="0"/>
+              <a:t>Performanz </a:t>
+            </a:r>
+          </a:p>
+          <a:p>
+            <a:pPr lvl="1"/>
+            <a:r>
+              <a:rPr lang="de-DE" dirty="0"/>
+              <a:t>Antwortzeiten, Speicherkapazität</a:t>
+            </a:r>
+          </a:p>
+          <a:p>
+            <a:r>
+              <a:rPr lang="de-DE" dirty="0"/>
+              <a:t>Zuverlässigkeit</a:t>
+            </a:r>
+          </a:p>
+          <a:p>
+            <a:r>
+              <a:rPr lang="de-DE" dirty="0"/>
+              <a:t>Änderbarkeit/Wartbarkeit</a:t>
+            </a:r>
+          </a:p>
+          <a:p>
+            <a:r>
+              <a:rPr lang="de-DE" dirty="0"/>
+              <a:t>Portabilität</a:t>
+            </a:r>
+          </a:p>
+        </p:txBody>
+      </p:sp>
+      <p:sp>
+        <p:nvSpPr>
+          <p:cNvPr id="4" name="Datumsplatzhalter 3"/>
+          <p:cNvSpPr>
+            <a:spLocks noGrp="1"/>
+          </p:cNvSpPr>
+          <p:nvPr>
+            <p:ph type="dt" sz="half" idx="2"/>
+          </p:nvPr>
+        </p:nvSpPr>
+        <p:spPr/>
+        <p:txBody>
+          <a:bodyPr/>
+          <a:lstStyle/>
+          <a:p>
+            <a:fld id="{F562E25D-699C-4C92-878C-CC3BF1593050}" type="datetime1">
+              <a:rPr lang="de-DE" smtClean="0"/>
+              <a:t>24.07.18</a:t>
+            </a:fld>
+            <a:endParaRPr lang="de-DE" dirty="0"/>
+          </a:p>
+        </p:txBody>
+      </p:sp>
+      <p:sp>
+        <p:nvSpPr>
+          <p:cNvPr id="5" name="Foliennummernplatzhalter 4"/>
+          <p:cNvSpPr>
+            <a:spLocks noGrp="1"/>
+          </p:cNvSpPr>
+          <p:nvPr>
+            <p:ph type="sldNum" sz="quarter" idx="4"/>
+          </p:nvPr>
+        </p:nvSpPr>
+        <p:spPr/>
+        <p:txBody>
+          <a:bodyPr/>
+          <a:lstStyle/>
+          <a:p>
+            <a:fld id="{E7BE1CCD-89A0-CC45-BF3E-2A331A7F0490}" type="slidenum">
+              <a:rPr lang="de-DE" smtClean="0"/>
+              <a:pPr/>
+              <a:t>21</a:t>
+            </a:fld>
+            <a:endParaRPr lang="de-DE" dirty="0"/>
+          </a:p>
+        </p:txBody>
+      </p:sp>
+      <p:sp>
+        <p:nvSpPr>
+          <p:cNvPr id="7" name="Titel 1"/>
+          <p:cNvSpPr txBox="1">
+            <a:spLocks/>
+          </p:cNvSpPr>
+          <p:nvPr/>
+        </p:nvSpPr>
+        <p:spPr>
+          <a:xfrm>
+            <a:off x="648001" y="768252"/>
+            <a:ext cx="7520410" cy="941715"/>
+          </a:xfrm>
+          <a:prstGeom prst="rect">
+            <a:avLst/>
+          </a:prstGeom>
+        </p:spPr>
+        <p:txBody>
+          <a:bodyPr vert="horz" lIns="91440" tIns="45720" rIns="91440" bIns="45720" rtlCol="0" anchor="ctr">
+            <a:normAutofit/>
+          </a:bodyPr>
+          <a:lstStyle>
+            <a:lvl1pPr algn="l" defTabSz="457200" rtl="0" eaLnBrk="1" latinLnBrk="0" hangingPunct="1">
+              <a:spcBef>
+                <a:spcPct val="0"/>
+              </a:spcBef>
+              <a:buNone/>
+              <a:defRPr sz="4000" b="1" i="0" kern="1200">
+                <a:solidFill>
+                  <a:schemeClr val="tx1"/>
+                </a:solidFill>
+                <a:latin typeface="Source Sans Pro"/>
+                <a:ea typeface="+mj-ea"/>
+                <a:cs typeface="Source Sans Pro"/>
+              </a:defRPr>
+            </a:lvl1pPr>
+          </a:lstStyle>
+          <a:p>
+            <a:r>
+              <a:rPr lang="de-DE" sz="2400" dirty="0"/>
+              <a:t>Qualitätsanforderungen</a:t>
+            </a:r>
+          </a:p>
+        </p:txBody>
+      </p:sp>
+      <p:sp>
+        <p:nvSpPr>
+          <p:cNvPr id="6" name="TextBox 5"/>
+          <p:cNvSpPr txBox="1"/>
+          <p:nvPr/>
+        </p:nvSpPr>
+        <p:spPr>
+          <a:xfrm>
+            <a:off x="3265107" y="6437376"/>
+            <a:ext cx="2286203" cy="253916"/>
+          </a:xfrm>
+          <a:prstGeom prst="rect">
+            <a:avLst/>
+          </a:prstGeom>
+          <a:noFill/>
+        </p:spPr>
+        <p:txBody>
+          <a:bodyPr wrap="none" rtlCol="0">
+            <a:spAutoFit/>
+          </a:bodyPr>
+          <a:lstStyle/>
+          <a:p>
+            <a:pPr algn="ctr"/>
+            <a:r>
+              <a:rPr lang="en-US" sz="1050" dirty="0" smtClean="0"/>
+              <a:t>HSHL – ITD 6. Semester </a:t>
+            </a:r>
+            <a:r>
+              <a:rPr lang="mr-IN" sz="1050" dirty="0" smtClean="0"/>
+              <a:t>–</a:t>
+            </a:r>
+            <a:r>
+              <a:rPr lang="en-US" sz="1050" smtClean="0"/>
+              <a:t> </a:t>
+            </a:r>
+            <a:r>
+              <a:rPr lang="en-US" sz="1050" smtClean="0"/>
+              <a:t>Melissa Sens</a:t>
+            </a:r>
+            <a:endParaRPr lang="en-US" sz="1050" dirty="0"/>
+          </a:p>
+        </p:txBody>
+      </p:sp>
+    </p:spTree>
+    <p:extLst>
+      <p:ext uri="{BB962C8B-B14F-4D97-AF65-F5344CB8AC3E}">
+        <p14:creationId xmlns:p14="http://schemas.microsoft.com/office/powerpoint/2010/main" val="8333697"/>
       </p:ext>
     </p:extLst>
   </p:cSld>
@@ -4754,55 +12535,6 @@
       </p:grpSpPr>
       <p:sp>
         <p:nvSpPr>
-          <p:cNvPr id="3" name="Inhaltsplatzhalter 2"/>
-          <p:cNvSpPr>
-            <a:spLocks noGrp="1"/>
-          </p:cNvSpPr>
-          <p:nvPr>
-            <p:ph idx="1"/>
-          </p:nvPr>
-        </p:nvSpPr>
-        <p:spPr/>
-        <p:txBody>
-          <a:bodyPr/>
-          <a:lstStyle/>
-          <a:p>
-            <a:r>
-              <a:rPr lang="de-DE" dirty="0" smtClean="0"/>
-              <a:t>Interaktionskonzept für einen Rollstuhl</a:t>
-            </a:r>
-          </a:p>
-          <a:p>
-            <a:endParaRPr lang="de-DE" dirty="0"/>
-          </a:p>
-          <a:p>
-            <a:r>
-              <a:rPr lang="de-DE" dirty="0" smtClean="0"/>
-              <a:t>Rahmenbedingungen zu Beginn:</a:t>
-            </a:r>
-          </a:p>
-          <a:p>
-            <a:pPr lvl="1"/>
-            <a:r>
-              <a:rPr lang="de-DE" dirty="0" smtClean="0"/>
-              <a:t>MEYRA x1 Rollstuhl</a:t>
-            </a:r>
-          </a:p>
-          <a:p>
-            <a:pPr lvl="1"/>
-            <a:r>
-              <a:rPr lang="de-DE" i="1" dirty="0" err="1" smtClean="0"/>
-              <a:t>Efix</a:t>
-            </a:r>
-            <a:r>
-              <a:rPr lang="de-DE" i="1" dirty="0" smtClean="0"/>
-              <a:t> Räder</a:t>
-            </a:r>
-          </a:p>
-        </p:txBody>
-      </p:sp>
-      <p:sp>
-        <p:nvSpPr>
           <p:cNvPr id="4" name="Datumsplatzhalter 3"/>
           <p:cNvSpPr>
             <a:spLocks noGrp="1"/>
@@ -4856,8 +12588,8 @@
         </p:nvSpPr>
         <p:spPr>
           <a:xfrm>
-            <a:off x="2042013" y="6437376"/>
-            <a:ext cx="4732386" cy="253916"/>
+            <a:off x="3662649" y="6437376"/>
+            <a:ext cx="1491113" cy="253916"/>
           </a:xfrm>
           <a:prstGeom prst="rect">
             <a:avLst/>
@@ -4873,436 +12605,11 @@
             <a:pPr algn="ctr"/>
             <a:r>
               <a:rPr lang="en-US" sz="1050" dirty="0" smtClean="0"/>
-              <a:t>HSHL – ITD 6. Semester </a:t>
-            </a:r>
-            <a:r>
-              <a:rPr lang="mr-IN" sz="1050" dirty="0" smtClean="0"/>
-              <a:t>–</a:t>
+              <a:t>HSHL – ITD 6. </a:t>
             </a:r>
             <a:r>
               <a:rPr lang="en-US" sz="1050" dirty="0" smtClean="0"/>
-              <a:t> Christopher Beck, Daniel </a:t>
-            </a:r>
-            <a:r>
-              <a:rPr lang="en-US" sz="1050" dirty="0" err="1" smtClean="0"/>
-              <a:t>Münstermann</a:t>
-            </a:r>
-            <a:r>
-              <a:rPr lang="en-US" sz="1050" dirty="0" smtClean="0"/>
-              <a:t>, Alexander Wilms</a:t>
-            </a:r>
-            <a:endParaRPr lang="en-US" sz="1050" dirty="0"/>
-          </a:p>
-        </p:txBody>
-      </p:sp>
-      <p:sp>
-        <p:nvSpPr>
-          <p:cNvPr id="7" name="Titel 1"/>
-          <p:cNvSpPr txBox="1">
-            <a:spLocks/>
-          </p:cNvSpPr>
-          <p:nvPr/>
-        </p:nvSpPr>
-        <p:spPr>
-          <a:xfrm>
-            <a:off x="648001" y="768252"/>
-            <a:ext cx="7520410" cy="941715"/>
-          </a:xfrm>
-          <a:prstGeom prst="rect">
-            <a:avLst/>
-          </a:prstGeom>
-        </p:spPr>
-        <p:txBody>
-          <a:bodyPr vert="horz" lIns="91440" tIns="45720" rIns="91440" bIns="45720" rtlCol="0" anchor="ctr">
-            <a:normAutofit/>
-          </a:bodyPr>
-          <a:lstStyle>
-            <a:lvl1pPr algn="l" defTabSz="457200" rtl="0" eaLnBrk="1" latinLnBrk="0" hangingPunct="1">
-              <a:spcBef>
-                <a:spcPct val="0"/>
-              </a:spcBef>
-              <a:buNone/>
-              <a:defRPr sz="4000" b="1" i="0" kern="1200">
-                <a:solidFill>
-                  <a:schemeClr val="tx1"/>
-                </a:solidFill>
-                <a:latin typeface="Source Sans Pro"/>
-                <a:ea typeface="+mj-ea"/>
-                <a:cs typeface="Source Sans Pro"/>
-              </a:defRPr>
-            </a:lvl1pPr>
-          </a:lstStyle>
-          <a:p>
-            <a:r>
-              <a:rPr lang="de-DE" sz="2400" dirty="0" smtClean="0"/>
-              <a:t>Anforderungen aus der Aufgabenstellung (</a:t>
-            </a:r>
-            <a:r>
-              <a:rPr lang="de-DE" sz="2400" dirty="0" err="1" smtClean="0"/>
-              <a:t>Use</a:t>
-            </a:r>
-            <a:r>
-              <a:rPr lang="de-DE" sz="2400" dirty="0" smtClean="0"/>
-              <a:t> Case)</a:t>
-            </a:r>
-            <a:endParaRPr lang="de-DE" sz="2400" dirty="0"/>
-          </a:p>
-        </p:txBody>
-      </p:sp>
-    </p:spTree>
-    <p:extLst>
-      <p:ext uri="{BB962C8B-B14F-4D97-AF65-F5344CB8AC3E}">
-        <p14:creationId xmlns:p14="http://schemas.microsoft.com/office/powerpoint/2010/main" val="745789"/>
-      </p:ext>
-    </p:extLst>
-  </p:cSld>
-  <p:clrMapOvr>
-    <a:masterClrMapping/>
-  </p:clrMapOvr>
-</p:sld>
-</file>
-
-<file path=ppt/slides/slide4.xml><?xml version="1.0" encoding="utf-8"?>
-<p:sld xmlns:a="http://schemas.openxmlformats.org/drawingml/2006/main" xmlns:r="http://schemas.openxmlformats.org/officeDocument/2006/relationships" xmlns:p="http://schemas.openxmlformats.org/presentationml/2006/main">
-  <p:cSld>
-    <p:spTree>
-      <p:nvGrpSpPr>
-        <p:cNvPr id="1" name=""/>
-        <p:cNvGrpSpPr/>
-        <p:nvPr/>
-      </p:nvGrpSpPr>
-      <p:grpSpPr>
-        <a:xfrm>
-          <a:off x="0" y="0"/>
-          <a:ext cx="0" cy="0"/>
-          <a:chOff x="0" y="0"/>
-          <a:chExt cx="0" cy="0"/>
-        </a:xfrm>
-      </p:grpSpPr>
-      <p:sp>
-        <p:nvSpPr>
-          <p:cNvPr id="3" name="Inhaltsplatzhalter 2"/>
-          <p:cNvSpPr>
-            <a:spLocks noGrp="1"/>
-          </p:cNvSpPr>
-          <p:nvPr>
-            <p:ph idx="1"/>
-          </p:nvPr>
-        </p:nvSpPr>
-        <p:spPr/>
-        <p:txBody>
-          <a:bodyPr>
-            <a:normAutofit/>
-          </a:bodyPr>
-          <a:lstStyle/>
-          <a:p>
-            <a:r>
-              <a:rPr lang="de-DE" sz="2800" dirty="0" smtClean="0"/>
-              <a:t>Feststellfunktion bei geradeausfahrt</a:t>
-            </a:r>
-          </a:p>
-          <a:p>
-            <a:r>
-              <a:rPr lang="de-DE" sz="2800" dirty="0" smtClean="0"/>
-              <a:t>Was ist bei einem Telefonanruf?</a:t>
-            </a:r>
-          </a:p>
-          <a:p>
-            <a:r>
-              <a:rPr lang="de-DE" sz="2800" dirty="0" err="1" smtClean="0"/>
-              <a:t>Rekoperation</a:t>
-            </a:r>
-            <a:r>
-              <a:rPr lang="de-DE" sz="2800" dirty="0" smtClean="0"/>
-              <a:t> als Bremse </a:t>
-            </a:r>
-            <a:r>
-              <a:rPr lang="mr-IN" sz="2800" dirty="0" smtClean="0"/>
-              <a:t>–</a:t>
-            </a:r>
-            <a:r>
-              <a:rPr lang="de-DE" sz="2800" dirty="0" smtClean="0"/>
-              <a:t> Manuelle Bremse?</a:t>
-            </a:r>
-            <a:endParaRPr lang="de-DE" sz="2800" dirty="0"/>
-          </a:p>
-        </p:txBody>
-      </p:sp>
-      <p:sp>
-        <p:nvSpPr>
-          <p:cNvPr id="4" name="Datumsplatzhalter 3"/>
-          <p:cNvSpPr>
-            <a:spLocks noGrp="1"/>
-          </p:cNvSpPr>
-          <p:nvPr>
-            <p:ph type="dt" sz="half" idx="2"/>
-          </p:nvPr>
-        </p:nvSpPr>
-        <p:spPr/>
-        <p:txBody>
-          <a:bodyPr/>
-          <a:lstStyle/>
-          <a:p>
-            <a:fld id="{C916D949-773C-3845-BFBA-C7D9987445EE}" type="datetime1">
-              <a:rPr lang="de-DE" smtClean="0"/>
-              <a:t>24.07.18</a:t>
-            </a:fld>
-            <a:endParaRPr lang="de-DE" dirty="0"/>
-          </a:p>
-        </p:txBody>
-      </p:sp>
-      <p:sp>
-        <p:nvSpPr>
-          <p:cNvPr id="5" name="Foliennummernplatzhalter 4"/>
-          <p:cNvSpPr>
-            <a:spLocks noGrp="1"/>
-          </p:cNvSpPr>
-          <p:nvPr>
-            <p:ph type="sldNum" sz="quarter" idx="4"/>
-          </p:nvPr>
-        </p:nvSpPr>
-        <p:spPr/>
-        <p:txBody>
-          <a:bodyPr/>
-          <a:lstStyle/>
-          <a:p>
-            <a:fld id="{E7BE1CCD-89A0-CC45-BF3E-2A331A7F0490}" type="slidenum">
-              <a:rPr lang="de-DE" smtClean="0"/>
-              <a:pPr/>
-              <a:t>4</a:t>
-            </a:fld>
-            <a:endParaRPr lang="de-DE" dirty="0"/>
-          </a:p>
-        </p:txBody>
-      </p:sp>
-      <p:sp>
-        <p:nvSpPr>
-          <p:cNvPr id="6" name="TextBox 5"/>
-          <p:cNvSpPr txBox="1"/>
-          <p:nvPr/>
-        </p:nvSpPr>
-        <p:spPr>
-          <a:xfrm>
-            <a:off x="2042013" y="6437376"/>
-            <a:ext cx="4732386" cy="253916"/>
-          </a:xfrm>
-          <a:prstGeom prst="rect">
-            <a:avLst/>
-          </a:prstGeom>
-          <a:noFill/>
-        </p:spPr>
-        <p:txBody>
-          <a:bodyPr wrap="none" rtlCol="0">
-            <a:spAutoFit/>
-          </a:bodyPr>
-          <a:lstStyle/>
-          <a:p>
-            <a:pPr algn="ctr"/>
-            <a:r>
-              <a:rPr lang="en-US" sz="1050" dirty="0" smtClean="0"/>
-              <a:t>HSHL – ITD 6. Semester </a:t>
-            </a:r>
-            <a:r>
-              <a:rPr lang="mr-IN" sz="1050" dirty="0" smtClean="0"/>
-              <a:t>–</a:t>
-            </a:r>
-            <a:r>
-              <a:rPr lang="en-US" sz="1050" dirty="0" smtClean="0"/>
-              <a:t> Christopher Beck, Daniel </a:t>
-            </a:r>
-            <a:r>
-              <a:rPr lang="en-US" sz="1050" dirty="0" err="1" smtClean="0"/>
-              <a:t>Münstermann</a:t>
-            </a:r>
-            <a:r>
-              <a:rPr lang="en-US" sz="1050" dirty="0" smtClean="0"/>
-              <a:t>, Alexander Wilms</a:t>
-            </a:r>
-            <a:endParaRPr lang="en-US" sz="1050" dirty="0"/>
-          </a:p>
-        </p:txBody>
-      </p:sp>
-      <p:sp>
-        <p:nvSpPr>
-          <p:cNvPr id="7" name="Titel 1"/>
-          <p:cNvSpPr txBox="1">
-            <a:spLocks/>
-          </p:cNvSpPr>
-          <p:nvPr/>
-        </p:nvSpPr>
-        <p:spPr>
-          <a:xfrm>
-            <a:off x="648001" y="768252"/>
-            <a:ext cx="7520410" cy="941715"/>
-          </a:xfrm>
-          <a:prstGeom prst="rect">
-            <a:avLst/>
-          </a:prstGeom>
-        </p:spPr>
-        <p:txBody>
-          <a:bodyPr vert="horz" lIns="91440" tIns="45720" rIns="91440" bIns="45720" rtlCol="0" anchor="ctr">
-            <a:normAutofit/>
-          </a:bodyPr>
-          <a:lstStyle>
-            <a:lvl1pPr algn="l" defTabSz="457200" rtl="0" eaLnBrk="1" latinLnBrk="0" hangingPunct="1">
-              <a:spcBef>
-                <a:spcPct val="0"/>
-              </a:spcBef>
-              <a:buNone/>
-              <a:defRPr sz="4000" b="1" i="0" kern="1200">
-                <a:solidFill>
-                  <a:schemeClr val="tx1"/>
-                </a:solidFill>
-                <a:latin typeface="Source Sans Pro"/>
-                <a:ea typeface="+mj-ea"/>
-                <a:cs typeface="Source Sans Pro"/>
-              </a:defRPr>
-            </a:lvl1pPr>
-          </a:lstStyle>
-          <a:p>
-            <a:r>
-              <a:rPr lang="de-DE" sz="2400" dirty="0" smtClean="0"/>
-              <a:t>Anforderungen aus der Experteninterview </a:t>
-            </a:r>
-            <a:r>
-              <a:rPr lang="mr-IN" sz="2400" dirty="0" smtClean="0"/>
-              <a:t>–</a:t>
-            </a:r>
-            <a:r>
-              <a:rPr lang="de-DE" sz="2400" dirty="0" smtClean="0"/>
-              <a:t> </a:t>
-            </a:r>
-            <a:r>
-              <a:rPr lang="de-DE" sz="2400" dirty="0" err="1" smtClean="0"/>
-              <a:t>Worst</a:t>
-            </a:r>
-            <a:r>
-              <a:rPr lang="de-DE" sz="2400" dirty="0" smtClean="0"/>
-              <a:t> Case Modellierung</a:t>
-            </a:r>
-            <a:endParaRPr lang="de-DE" sz="2400" dirty="0"/>
-          </a:p>
-        </p:txBody>
-      </p:sp>
-    </p:spTree>
-    <p:extLst>
-      <p:ext uri="{BB962C8B-B14F-4D97-AF65-F5344CB8AC3E}">
-        <p14:creationId xmlns:p14="http://schemas.microsoft.com/office/powerpoint/2010/main" val="888225302"/>
-      </p:ext>
-    </p:extLst>
-  </p:cSld>
-  <p:clrMapOvr>
-    <a:masterClrMapping/>
-  </p:clrMapOvr>
-</p:sld>
-</file>
-
-<file path=ppt/slides/slide5.xml><?xml version="1.0" encoding="utf-8"?>
-<p:sld xmlns:a="http://schemas.openxmlformats.org/drawingml/2006/main" xmlns:r="http://schemas.openxmlformats.org/officeDocument/2006/relationships" xmlns:p="http://schemas.openxmlformats.org/presentationml/2006/main">
-  <p:cSld>
-    <p:spTree>
-      <p:nvGrpSpPr>
-        <p:cNvPr id="1" name=""/>
-        <p:cNvGrpSpPr/>
-        <p:nvPr/>
-      </p:nvGrpSpPr>
-      <p:grpSpPr>
-        <a:xfrm>
-          <a:off x="0" y="0"/>
-          <a:ext cx="0" cy="0"/>
-          <a:chOff x="0" y="0"/>
-          <a:chExt cx="0" cy="0"/>
-        </a:xfrm>
-      </p:grpSpPr>
-      <p:sp>
-        <p:nvSpPr>
-          <p:cNvPr id="4" name="Datumsplatzhalter 3"/>
-          <p:cNvSpPr>
-            <a:spLocks noGrp="1"/>
-          </p:cNvSpPr>
-          <p:nvPr>
-            <p:ph type="dt" sz="half" idx="2"/>
-          </p:nvPr>
-        </p:nvSpPr>
-        <p:spPr/>
-        <p:txBody>
-          <a:bodyPr/>
-          <a:lstStyle/>
-          <a:p>
-            <a:fld id="{C916D949-773C-3845-BFBA-C7D9987445EE}" type="datetime1">
-              <a:rPr lang="de-DE" smtClean="0"/>
-              <a:t>24.07.18</a:t>
-            </a:fld>
-            <a:endParaRPr lang="de-DE" dirty="0"/>
-          </a:p>
-        </p:txBody>
-      </p:sp>
-      <p:sp>
-        <p:nvSpPr>
-          <p:cNvPr id="5" name="Foliennummernplatzhalter 4"/>
-          <p:cNvSpPr>
-            <a:spLocks noGrp="1"/>
-          </p:cNvSpPr>
-          <p:nvPr>
-            <p:ph type="sldNum" sz="quarter" idx="4"/>
-          </p:nvPr>
-        </p:nvSpPr>
-        <p:spPr/>
-        <p:txBody>
-          <a:bodyPr/>
-          <a:lstStyle/>
-          <a:p>
-            <a:fld id="{E7BE1CCD-89A0-CC45-BF3E-2A331A7F0490}" type="slidenum">
-              <a:rPr lang="de-DE" smtClean="0"/>
-              <a:pPr/>
-              <a:t>5</a:t>
-            </a:fld>
-            <a:endParaRPr lang="de-DE" dirty="0"/>
-          </a:p>
-        </p:txBody>
-      </p:sp>
-      <p:sp>
-        <p:nvSpPr>
-          <p:cNvPr id="6" name="TextBox 5"/>
-          <p:cNvSpPr txBox="1"/>
-          <p:nvPr/>
-        </p:nvSpPr>
-        <p:spPr>
-          <a:xfrm>
-            <a:off x="2042013" y="6437376"/>
-            <a:ext cx="4732386" cy="253916"/>
-          </a:xfrm>
-          <a:prstGeom prst="rect">
-            <a:avLst/>
-          </a:prstGeom>
-          <a:noFill/>
-        </p:spPr>
-        <p:txBody>
-          <a:bodyPr wrap="none" rtlCol="0">
-            <a:spAutoFit/>
-          </a:bodyPr>
-          <a:lstStyle/>
-          <a:p>
-            <a:pPr algn="ctr"/>
-            <a:r>
-              <a:rPr lang="en-US" sz="1050" dirty="0" smtClean="0"/>
-              <a:t>HSHL – ITD 6. Semester </a:t>
-            </a:r>
-            <a:r>
-              <a:rPr lang="mr-IN" sz="1050" dirty="0" smtClean="0"/>
-              <a:t>–</a:t>
-            </a:r>
-            <a:r>
-              <a:rPr lang="en-US" sz="1050" dirty="0" smtClean="0"/>
-              <a:t> Christopher Beck, Daniel </a:t>
-            </a:r>
-            <a:r>
-              <a:rPr lang="en-US" sz="1050" dirty="0" err="1" smtClean="0"/>
-              <a:t>Münstermann</a:t>
-            </a:r>
-            <a:r>
-              <a:rPr lang="en-US" sz="1050" dirty="0" smtClean="0"/>
-              <a:t>, Alexander Wilms</a:t>
+              <a:t>Semester</a:t>
             </a:r>
             <a:endParaRPr lang="en-US" sz="1050" dirty="0"/>
           </a:p>
@@ -6352,6 +13659,468 @@
 </p:sld>
 </file>
 
+<file path=ppt/slides/slide4.xml><?xml version="1.0" encoding="utf-8"?>
+<p:sld xmlns:a="http://schemas.openxmlformats.org/drawingml/2006/main" xmlns:r="http://schemas.openxmlformats.org/officeDocument/2006/relationships" xmlns:p="http://schemas.openxmlformats.org/presentationml/2006/main">
+  <p:cSld>
+    <p:spTree>
+      <p:nvGrpSpPr>
+        <p:cNvPr id="1" name=""/>
+        <p:cNvGrpSpPr/>
+        <p:nvPr/>
+      </p:nvGrpSpPr>
+      <p:grpSpPr>
+        <a:xfrm>
+          <a:off x="0" y="0"/>
+          <a:ext cx="0" cy="0"/>
+          <a:chOff x="0" y="0"/>
+          <a:chExt cx="0" cy="0"/>
+        </a:xfrm>
+      </p:grpSpPr>
+      <p:sp>
+        <p:nvSpPr>
+          <p:cNvPr id="3" name="Inhaltsplatzhalter 2"/>
+          <p:cNvSpPr>
+            <a:spLocks noGrp="1"/>
+          </p:cNvSpPr>
+          <p:nvPr>
+            <p:ph idx="1"/>
+          </p:nvPr>
+        </p:nvSpPr>
+        <p:spPr/>
+        <p:txBody>
+          <a:bodyPr/>
+          <a:lstStyle/>
+          <a:p>
+            <a:r>
+              <a:rPr lang="de-DE" dirty="0" smtClean="0"/>
+              <a:t>Interaktionskonzept für einen Rollstuhl</a:t>
+            </a:r>
+          </a:p>
+          <a:p>
+            <a:endParaRPr lang="de-DE" dirty="0"/>
+          </a:p>
+          <a:p>
+            <a:r>
+              <a:rPr lang="de-DE" dirty="0" smtClean="0"/>
+              <a:t>Rahmenbedingungen zu Beginn:</a:t>
+            </a:r>
+          </a:p>
+          <a:p>
+            <a:pPr lvl="1"/>
+            <a:r>
+              <a:rPr lang="de-DE" dirty="0" smtClean="0"/>
+              <a:t>MEYRA x1 Rollstuhl</a:t>
+            </a:r>
+          </a:p>
+          <a:p>
+            <a:pPr lvl="1"/>
+            <a:r>
+              <a:rPr lang="de-DE" i="1" dirty="0" err="1" smtClean="0"/>
+              <a:t>Efix</a:t>
+            </a:r>
+            <a:r>
+              <a:rPr lang="de-DE" i="1" dirty="0" smtClean="0"/>
+              <a:t> Räder</a:t>
+            </a:r>
+          </a:p>
+        </p:txBody>
+      </p:sp>
+      <p:sp>
+        <p:nvSpPr>
+          <p:cNvPr id="4" name="Datumsplatzhalter 3"/>
+          <p:cNvSpPr>
+            <a:spLocks noGrp="1"/>
+          </p:cNvSpPr>
+          <p:nvPr>
+            <p:ph type="dt" sz="half" idx="2"/>
+          </p:nvPr>
+        </p:nvSpPr>
+        <p:spPr/>
+        <p:txBody>
+          <a:bodyPr/>
+          <a:lstStyle/>
+          <a:p>
+            <a:fld id="{C916D949-773C-3845-BFBA-C7D9987445EE}" type="datetime1">
+              <a:rPr lang="de-DE" smtClean="0"/>
+              <a:t>24.07.18</a:t>
+            </a:fld>
+            <a:endParaRPr lang="de-DE" dirty="0"/>
+          </a:p>
+        </p:txBody>
+      </p:sp>
+      <p:sp>
+        <p:nvSpPr>
+          <p:cNvPr id="5" name="Foliennummernplatzhalter 4"/>
+          <p:cNvSpPr>
+            <a:spLocks noGrp="1"/>
+          </p:cNvSpPr>
+          <p:nvPr>
+            <p:ph type="sldNum" sz="quarter" idx="4"/>
+          </p:nvPr>
+        </p:nvSpPr>
+        <p:spPr/>
+        <p:txBody>
+          <a:bodyPr/>
+          <a:lstStyle/>
+          <a:p>
+            <a:fld id="{E7BE1CCD-89A0-CC45-BF3E-2A331A7F0490}" type="slidenum">
+              <a:rPr lang="de-DE" smtClean="0"/>
+              <a:pPr/>
+              <a:t>4</a:t>
+            </a:fld>
+            <a:endParaRPr lang="de-DE" dirty="0"/>
+          </a:p>
+        </p:txBody>
+      </p:sp>
+      <p:sp>
+        <p:nvSpPr>
+          <p:cNvPr id="6" name="TextBox 5"/>
+          <p:cNvSpPr txBox="1"/>
+          <p:nvPr/>
+        </p:nvSpPr>
+        <p:spPr>
+          <a:xfrm>
+            <a:off x="2042013" y="6437376"/>
+            <a:ext cx="4732386" cy="253916"/>
+          </a:xfrm>
+          <a:prstGeom prst="rect">
+            <a:avLst/>
+          </a:prstGeom>
+          <a:noFill/>
+        </p:spPr>
+        <p:txBody>
+          <a:bodyPr wrap="none" rtlCol="0">
+            <a:spAutoFit/>
+          </a:bodyPr>
+          <a:lstStyle/>
+          <a:p>
+            <a:pPr algn="ctr"/>
+            <a:r>
+              <a:rPr lang="en-US" sz="1050" dirty="0" smtClean="0"/>
+              <a:t>HSHL – ITD 6. Semester </a:t>
+            </a:r>
+            <a:r>
+              <a:rPr lang="mr-IN" sz="1050" dirty="0" smtClean="0"/>
+              <a:t>–</a:t>
+            </a:r>
+            <a:r>
+              <a:rPr lang="en-US" sz="1050" dirty="0" smtClean="0"/>
+              <a:t> Christopher Beck, Daniel </a:t>
+            </a:r>
+            <a:r>
+              <a:rPr lang="en-US" sz="1050" dirty="0" err="1" smtClean="0"/>
+              <a:t>Münstermann</a:t>
+            </a:r>
+            <a:r>
+              <a:rPr lang="en-US" sz="1050" dirty="0" smtClean="0"/>
+              <a:t>, Alexander Wilms</a:t>
+            </a:r>
+            <a:endParaRPr lang="en-US" sz="1050" dirty="0"/>
+          </a:p>
+        </p:txBody>
+      </p:sp>
+      <p:sp>
+        <p:nvSpPr>
+          <p:cNvPr id="7" name="Titel 1"/>
+          <p:cNvSpPr txBox="1">
+            <a:spLocks/>
+          </p:cNvSpPr>
+          <p:nvPr/>
+        </p:nvSpPr>
+        <p:spPr>
+          <a:xfrm>
+            <a:off x="648001" y="768252"/>
+            <a:ext cx="7520410" cy="941715"/>
+          </a:xfrm>
+          <a:prstGeom prst="rect">
+            <a:avLst/>
+          </a:prstGeom>
+        </p:spPr>
+        <p:txBody>
+          <a:bodyPr vert="horz" lIns="91440" tIns="45720" rIns="91440" bIns="45720" rtlCol="0" anchor="ctr">
+            <a:normAutofit/>
+          </a:bodyPr>
+          <a:lstStyle>
+            <a:lvl1pPr algn="l" defTabSz="457200" rtl="0" eaLnBrk="1" latinLnBrk="0" hangingPunct="1">
+              <a:spcBef>
+                <a:spcPct val="0"/>
+              </a:spcBef>
+              <a:buNone/>
+              <a:defRPr sz="4000" b="1" i="0" kern="1200">
+                <a:solidFill>
+                  <a:schemeClr val="tx1"/>
+                </a:solidFill>
+                <a:latin typeface="Source Sans Pro"/>
+                <a:ea typeface="+mj-ea"/>
+                <a:cs typeface="Source Sans Pro"/>
+              </a:defRPr>
+            </a:lvl1pPr>
+          </a:lstStyle>
+          <a:p>
+            <a:r>
+              <a:rPr lang="de-DE" sz="2400" dirty="0" smtClean="0"/>
+              <a:t>Anforderungen aus der Aufgabenstellung (</a:t>
+            </a:r>
+            <a:r>
+              <a:rPr lang="de-DE" sz="2400" dirty="0" err="1" smtClean="0"/>
+              <a:t>Use</a:t>
+            </a:r>
+            <a:r>
+              <a:rPr lang="de-DE" sz="2400" dirty="0" smtClean="0"/>
+              <a:t> Case)</a:t>
+            </a:r>
+            <a:endParaRPr lang="de-DE" sz="2400" dirty="0"/>
+          </a:p>
+        </p:txBody>
+      </p:sp>
+    </p:spTree>
+    <p:extLst>
+      <p:ext uri="{BB962C8B-B14F-4D97-AF65-F5344CB8AC3E}">
+        <p14:creationId xmlns:p14="http://schemas.microsoft.com/office/powerpoint/2010/main" val="745789"/>
+      </p:ext>
+    </p:extLst>
+  </p:cSld>
+  <p:clrMapOvr>
+    <a:masterClrMapping/>
+  </p:clrMapOvr>
+</p:sld>
+</file>
+
+<file path=ppt/slides/slide5.xml><?xml version="1.0" encoding="utf-8"?>
+<p:sld xmlns:a="http://schemas.openxmlformats.org/drawingml/2006/main" xmlns:r="http://schemas.openxmlformats.org/officeDocument/2006/relationships" xmlns:p="http://schemas.openxmlformats.org/presentationml/2006/main">
+  <p:cSld>
+    <p:spTree>
+      <p:nvGrpSpPr>
+        <p:cNvPr id="1" name=""/>
+        <p:cNvGrpSpPr/>
+        <p:nvPr/>
+      </p:nvGrpSpPr>
+      <p:grpSpPr>
+        <a:xfrm>
+          <a:off x="0" y="0"/>
+          <a:ext cx="0" cy="0"/>
+          <a:chOff x="0" y="0"/>
+          <a:chExt cx="0" cy="0"/>
+        </a:xfrm>
+      </p:grpSpPr>
+      <p:sp>
+        <p:nvSpPr>
+          <p:cNvPr id="3" name="Inhaltsplatzhalter 2"/>
+          <p:cNvSpPr>
+            <a:spLocks noGrp="1"/>
+          </p:cNvSpPr>
+          <p:nvPr>
+            <p:ph idx="1"/>
+          </p:nvPr>
+        </p:nvSpPr>
+        <p:spPr/>
+        <p:txBody>
+          <a:bodyPr>
+            <a:normAutofit/>
+          </a:bodyPr>
+          <a:lstStyle/>
+          <a:p>
+            <a:r>
+              <a:rPr lang="de-DE" sz="2800" dirty="0" smtClean="0"/>
+              <a:t>Feststellfunktion bei geradeausfahrt</a:t>
+            </a:r>
+          </a:p>
+          <a:p>
+            <a:r>
+              <a:rPr lang="de-DE" sz="2800" dirty="0" smtClean="0"/>
+              <a:t>Was ist bei einem Telefonanruf?</a:t>
+            </a:r>
+          </a:p>
+          <a:p>
+            <a:r>
+              <a:rPr lang="de-DE" sz="2800" dirty="0" err="1" smtClean="0"/>
+              <a:t>Rekoperation</a:t>
+            </a:r>
+            <a:r>
+              <a:rPr lang="de-DE" sz="2800" dirty="0" smtClean="0"/>
+              <a:t> als Bremse </a:t>
+            </a:r>
+            <a:r>
+              <a:rPr lang="mr-IN" sz="2800" dirty="0" smtClean="0"/>
+              <a:t>–</a:t>
+            </a:r>
+            <a:r>
+              <a:rPr lang="de-DE" sz="2800" dirty="0" smtClean="0"/>
+              <a:t> Manuelle Bremse?</a:t>
+            </a:r>
+            <a:endParaRPr lang="de-DE" sz="2800" dirty="0"/>
+          </a:p>
+        </p:txBody>
+      </p:sp>
+      <p:sp>
+        <p:nvSpPr>
+          <p:cNvPr id="4" name="Datumsplatzhalter 3"/>
+          <p:cNvSpPr>
+            <a:spLocks noGrp="1"/>
+          </p:cNvSpPr>
+          <p:nvPr>
+            <p:ph type="dt" sz="half" idx="2"/>
+          </p:nvPr>
+        </p:nvSpPr>
+        <p:spPr/>
+        <p:txBody>
+          <a:bodyPr/>
+          <a:lstStyle/>
+          <a:p>
+            <a:fld id="{C916D949-773C-3845-BFBA-C7D9987445EE}" type="datetime1">
+              <a:rPr lang="de-DE" smtClean="0"/>
+              <a:t>24.07.18</a:t>
+            </a:fld>
+            <a:endParaRPr lang="de-DE" dirty="0"/>
+          </a:p>
+        </p:txBody>
+      </p:sp>
+      <p:sp>
+        <p:nvSpPr>
+          <p:cNvPr id="5" name="Foliennummernplatzhalter 4"/>
+          <p:cNvSpPr>
+            <a:spLocks noGrp="1"/>
+          </p:cNvSpPr>
+          <p:nvPr>
+            <p:ph type="sldNum" sz="quarter" idx="4"/>
+          </p:nvPr>
+        </p:nvSpPr>
+        <p:spPr/>
+        <p:txBody>
+          <a:bodyPr/>
+          <a:lstStyle/>
+          <a:p>
+            <a:fld id="{E7BE1CCD-89A0-CC45-BF3E-2A331A7F0490}" type="slidenum">
+              <a:rPr lang="de-DE" smtClean="0"/>
+              <a:pPr/>
+              <a:t>5</a:t>
+            </a:fld>
+            <a:endParaRPr lang="de-DE" dirty="0"/>
+          </a:p>
+        </p:txBody>
+      </p:sp>
+      <p:sp>
+        <p:nvSpPr>
+          <p:cNvPr id="6" name="TextBox 5"/>
+          <p:cNvSpPr txBox="1"/>
+          <p:nvPr/>
+        </p:nvSpPr>
+        <p:spPr>
+          <a:xfrm>
+            <a:off x="2042013" y="6437376"/>
+            <a:ext cx="4732386" cy="253916"/>
+          </a:xfrm>
+          <a:prstGeom prst="rect">
+            <a:avLst/>
+          </a:prstGeom>
+          <a:noFill/>
+        </p:spPr>
+        <p:txBody>
+          <a:bodyPr wrap="none" rtlCol="0">
+            <a:spAutoFit/>
+          </a:bodyPr>
+          <a:lstStyle/>
+          <a:p>
+            <a:pPr algn="ctr"/>
+            <a:r>
+              <a:rPr lang="en-US" sz="1050" dirty="0" smtClean="0"/>
+              <a:t>HSHL – ITD 6. Semester </a:t>
+            </a:r>
+            <a:r>
+              <a:rPr lang="mr-IN" sz="1050" dirty="0" smtClean="0"/>
+              <a:t>–</a:t>
+            </a:r>
+            <a:r>
+              <a:rPr lang="en-US" sz="1050" dirty="0" smtClean="0"/>
+              <a:t> Christopher Beck, Daniel </a:t>
+            </a:r>
+            <a:r>
+              <a:rPr lang="en-US" sz="1050" dirty="0" err="1" smtClean="0"/>
+              <a:t>Münstermann</a:t>
+            </a:r>
+            <a:r>
+              <a:rPr lang="en-US" sz="1050" dirty="0" smtClean="0"/>
+              <a:t>, Alexander Wilms</a:t>
+            </a:r>
+            <a:endParaRPr lang="en-US" sz="1050" dirty="0"/>
+          </a:p>
+        </p:txBody>
+      </p:sp>
+      <p:sp>
+        <p:nvSpPr>
+          <p:cNvPr id="7" name="Titel 1"/>
+          <p:cNvSpPr txBox="1">
+            <a:spLocks/>
+          </p:cNvSpPr>
+          <p:nvPr/>
+        </p:nvSpPr>
+        <p:spPr>
+          <a:xfrm>
+            <a:off x="648001" y="768252"/>
+            <a:ext cx="7520410" cy="941715"/>
+          </a:xfrm>
+          <a:prstGeom prst="rect">
+            <a:avLst/>
+          </a:prstGeom>
+        </p:spPr>
+        <p:txBody>
+          <a:bodyPr vert="horz" lIns="91440" tIns="45720" rIns="91440" bIns="45720" rtlCol="0" anchor="ctr">
+            <a:normAutofit/>
+          </a:bodyPr>
+          <a:lstStyle>
+            <a:lvl1pPr algn="l" defTabSz="457200" rtl="0" eaLnBrk="1" latinLnBrk="0" hangingPunct="1">
+              <a:spcBef>
+                <a:spcPct val="0"/>
+              </a:spcBef>
+              <a:buNone/>
+              <a:defRPr sz="4000" b="1" i="0" kern="1200">
+                <a:solidFill>
+                  <a:schemeClr val="tx1"/>
+                </a:solidFill>
+                <a:latin typeface="Source Sans Pro"/>
+                <a:ea typeface="+mj-ea"/>
+                <a:cs typeface="Source Sans Pro"/>
+              </a:defRPr>
+            </a:lvl1pPr>
+          </a:lstStyle>
+          <a:p>
+            <a:r>
+              <a:rPr lang="de-DE" sz="2400" dirty="0" smtClean="0"/>
+              <a:t>Anforderungen aus der Experteninterview </a:t>
+            </a:r>
+            <a:r>
+              <a:rPr lang="mr-IN" sz="2400" dirty="0" smtClean="0"/>
+              <a:t>–</a:t>
+            </a:r>
+            <a:r>
+              <a:rPr lang="de-DE" sz="2400" dirty="0" smtClean="0"/>
+              <a:t> </a:t>
+            </a:r>
+            <a:r>
+              <a:rPr lang="de-DE" sz="2400" dirty="0" err="1" smtClean="0"/>
+              <a:t>Worst</a:t>
+            </a:r>
+            <a:r>
+              <a:rPr lang="de-DE" sz="2400" dirty="0" smtClean="0"/>
+              <a:t> Case Modellierung</a:t>
+            </a:r>
+            <a:endParaRPr lang="de-DE" sz="2400" dirty="0"/>
+          </a:p>
+        </p:txBody>
+      </p:sp>
+    </p:spTree>
+    <p:extLst>
+      <p:ext uri="{BB962C8B-B14F-4D97-AF65-F5344CB8AC3E}">
+        <p14:creationId xmlns:p14="http://schemas.microsoft.com/office/powerpoint/2010/main" val="888225302"/>
+      </p:ext>
+    </p:extLst>
+  </p:cSld>
+  <p:clrMapOvr>
+    <a:masterClrMapping/>
+  </p:clrMapOvr>
+</p:sld>
+</file>
+
 <file path=ppt/slides/slide6.xml><?xml version="1.0" encoding="utf-8"?>
 <p:sld xmlns:a="http://schemas.openxmlformats.org/drawingml/2006/main" xmlns:r="http://schemas.openxmlformats.org/officeDocument/2006/relationships" xmlns:p="http://schemas.openxmlformats.org/presentationml/2006/main">
   <p:cSld>
@@ -6475,8 +14244,8 @@
         </p:nvSpPr>
         <p:spPr>
           <a:xfrm>
-            <a:off x="2042013" y="6437376"/>
-            <a:ext cx="4732386" cy="253916"/>
+            <a:off x="3151291" y="6437376"/>
+            <a:ext cx="2513830" cy="253916"/>
           </a:xfrm>
           <a:prstGeom prst="rect">
             <a:avLst/>
@@ -6500,15 +14269,11 @@
             </a:r>
             <a:r>
               <a:rPr lang="en-US" sz="1050" dirty="0" smtClean="0"/>
-              <a:t> Christopher Beck, Daniel </a:t>
-            </a:r>
-            <a:r>
-              <a:rPr lang="en-US" sz="1050" dirty="0" err="1" smtClean="0"/>
-              <a:t>Münstermann</a:t>
+              <a:t> </a:t>
             </a:r>
             <a:r>
               <a:rPr lang="en-US" sz="1050" dirty="0" smtClean="0"/>
-              <a:t>, Alexander Wilms</a:t>
+              <a:t>Alexander Wilms</a:t>
             </a:r>
             <a:endParaRPr lang="en-US" sz="1050" dirty="0"/>
           </a:p>

--- a/Interaktionskonzept.pptx
+++ b/Interaktionskonzept.pptx
@@ -5,33 +5,38 @@
     <p:sldMasterId id="2147483648" r:id="rId1"/>
   </p:sldMasterIdLst>
   <p:notesMasterIdLst>
-    <p:notesMasterId r:id="rId23"/>
+    <p:notesMasterId r:id="rId28"/>
   </p:notesMasterIdLst>
   <p:handoutMasterIdLst>
-    <p:handoutMasterId r:id="rId24"/>
+    <p:handoutMasterId r:id="rId29"/>
   </p:handoutMasterIdLst>
   <p:sldIdLst>
     <p:sldId id="256" r:id="rId2"/>
     <p:sldId id="265" r:id="rId3"/>
-    <p:sldId id="257" r:id="rId4"/>
-    <p:sldId id="271" r:id="rId5"/>
-    <p:sldId id="267" r:id="rId6"/>
-    <p:sldId id="264" r:id="rId7"/>
-    <p:sldId id="266" r:id="rId8"/>
-    <p:sldId id="268" r:id="rId9"/>
-    <p:sldId id="269" r:id="rId10"/>
-    <p:sldId id="270" r:id="rId11"/>
-    <p:sldId id="259" r:id="rId12"/>
-    <p:sldId id="263" r:id="rId13"/>
-    <p:sldId id="276" r:id="rId14"/>
-    <p:sldId id="277" r:id="rId15"/>
-    <p:sldId id="278" r:id="rId16"/>
-    <p:sldId id="279" r:id="rId17"/>
-    <p:sldId id="280" r:id="rId18"/>
-    <p:sldId id="272" r:id="rId19"/>
-    <p:sldId id="273" r:id="rId20"/>
-    <p:sldId id="274" r:id="rId21"/>
-    <p:sldId id="275" r:id="rId22"/>
+    <p:sldId id="285" r:id="rId4"/>
+    <p:sldId id="257" r:id="rId5"/>
+    <p:sldId id="271" r:id="rId6"/>
+    <p:sldId id="267" r:id="rId7"/>
+    <p:sldId id="264" r:id="rId8"/>
+    <p:sldId id="266" r:id="rId9"/>
+    <p:sldId id="268" r:id="rId10"/>
+    <p:sldId id="269" r:id="rId11"/>
+    <p:sldId id="270" r:id="rId12"/>
+    <p:sldId id="259" r:id="rId13"/>
+    <p:sldId id="263" r:id="rId14"/>
+    <p:sldId id="276" r:id="rId15"/>
+    <p:sldId id="277" r:id="rId16"/>
+    <p:sldId id="278" r:id="rId17"/>
+    <p:sldId id="279" r:id="rId18"/>
+    <p:sldId id="280" r:id="rId19"/>
+    <p:sldId id="272" r:id="rId20"/>
+    <p:sldId id="273" r:id="rId21"/>
+    <p:sldId id="274" r:id="rId22"/>
+    <p:sldId id="275" r:id="rId23"/>
+    <p:sldId id="281" r:id="rId24"/>
+    <p:sldId id="284" r:id="rId25"/>
+    <p:sldId id="283" r:id="rId26"/>
+    <p:sldId id="282" r:id="rId27"/>
   </p:sldIdLst>
   <p:sldSz cx="9144000" cy="6858000" type="screen4x3"/>
   <p:notesSz cx="6858000" cy="9144000"/>
@@ -140,6 +145,7 @@
           <p14:sldIdLst>
             <p14:sldId id="256"/>
             <p14:sldId id="265"/>
+            <p14:sldId id="285"/>
             <p14:sldId id="257"/>
           </p14:sldIdLst>
         </p14:section>
@@ -174,7 +180,12 @@
           </p14:sldIdLst>
         </p14:section>
         <p14:section name="Experteninterview" id="{AAB73D6B-3FF2-8940-8BDD-A42054D1EC13}">
-          <p14:sldIdLst/>
+          <p14:sldIdLst>
+            <p14:sldId id="281"/>
+            <p14:sldId id="284"/>
+            <p14:sldId id="283"/>
+            <p14:sldId id="282"/>
+          </p14:sldIdLst>
         </p14:section>
         <p14:section name="Bestehende Konzepte" id="{22BD9C8E-892C-7B47-9302-5C455B59B0CF}">
           <p14:sldIdLst/>
@@ -3961,7 +3972,7 @@
           <a:p>
             <a:fld id="{5C0E6540-DBC8-1449-A578-CCAD6D2991BC}" type="slidenum">
               <a:rPr lang="de-DE" smtClean="0"/>
-              <a:t>12</a:t>
+              <a:t>13</a:t>
             </a:fld>
             <a:endParaRPr lang="de-DE"/>
           </a:p>
@@ -6959,14 +6970,10 @@
             <a:pPr algn="ctr"/>
             <a:r>
               <a:rPr lang="en-US" sz="1050" dirty="0" smtClean="0"/>
-              <a:t>HSHL – ITD 6</a:t>
-            </a:r>
-            <a:r>
-              <a:rPr lang="en-US" sz="1050" smtClean="0"/>
-              <a:t>. </a:t>
-            </a:r>
-            <a:r>
-              <a:rPr lang="en-US" sz="1050" smtClean="0"/>
+              <a:t>HSHL – ITD 6. </a:t>
+            </a:r>
+            <a:r>
+              <a:rPr lang="en-US" sz="1050" dirty="0" smtClean="0"/>
               <a:t>Semester</a:t>
             </a:r>
             <a:endParaRPr lang="en-US" sz="1050" dirty="0"/>
@@ -7005,47 +7012,6 @@
       </p:grpSpPr>
       <p:sp>
         <p:nvSpPr>
-          <p:cNvPr id="3" name="Inhaltsplatzhalter 2"/>
-          <p:cNvSpPr>
-            <a:spLocks noGrp="1"/>
-          </p:cNvSpPr>
-          <p:nvPr>
-            <p:ph idx="1"/>
-          </p:nvPr>
-        </p:nvSpPr>
-        <p:spPr/>
-        <p:txBody>
-          <a:bodyPr/>
-          <a:lstStyle/>
-          <a:p>
-            <a:r>
-              <a:rPr lang="de-DE" dirty="0" err="1" smtClean="0"/>
-              <a:t>Use</a:t>
-            </a:r>
-            <a:r>
-              <a:rPr lang="de-DE" dirty="0" smtClean="0"/>
-              <a:t> Case --&gt;</a:t>
-            </a:r>
-          </a:p>
-          <a:p>
-            <a:r>
-              <a:rPr lang="de-DE" dirty="0" smtClean="0"/>
-              <a:t>Funktionale / Nicht funktionale Anforderungen (Was ist Rollstuhlfahrern wichtig)</a:t>
-            </a:r>
-          </a:p>
-          <a:p>
-            <a:r>
-              <a:rPr lang="de-DE" dirty="0" smtClean="0"/>
-              <a:t>Model View Control Architektur</a:t>
-            </a:r>
-          </a:p>
-          <a:p>
-            <a:endParaRPr lang="de-DE" dirty="0" smtClean="0"/>
-          </a:p>
-        </p:txBody>
-      </p:sp>
-      <p:sp>
-        <p:nvSpPr>
           <p:cNvPr id="4" name="Datumsplatzhalter 3"/>
           <p:cNvSpPr>
             <a:spLocks noGrp="1"/>
@@ -7099,8 +7065,8 @@
         </p:nvSpPr>
         <p:spPr>
           <a:xfrm>
-            <a:off x="2042013" y="6437376"/>
-            <a:ext cx="4732386" cy="253916"/>
+            <a:off x="3050302" y="6437376"/>
+            <a:ext cx="2715807" cy="253916"/>
           </a:xfrm>
           <a:prstGeom prst="rect">
             <a:avLst/>
@@ -7124,15 +7090,11 @@
             </a:r>
             <a:r>
               <a:rPr lang="en-US" sz="1050" dirty="0" smtClean="0"/>
-              <a:t> Christopher Beck, Daniel </a:t>
+              <a:t>Daniel </a:t>
             </a:r>
             <a:r>
               <a:rPr lang="en-US" sz="1050" dirty="0" err="1" smtClean="0"/>
               <a:t>Münstermann</a:t>
-            </a:r>
-            <a:r>
-              <a:rPr lang="en-US" sz="1050" dirty="0" smtClean="0"/>
-              <a:t>, Alexander Wilms</a:t>
             </a:r>
             <a:endParaRPr lang="en-US" sz="1050" dirty="0"/>
           </a:p>
@@ -7178,6 +7140,288 @@
           <a:p>
             <a:r>
               <a:rPr lang="de-DE" sz="2400" dirty="0" smtClean="0"/>
+              <a:t>Eigene </a:t>
+            </a:r>
+            <a:r>
+              <a:rPr lang="de-DE" sz="2400" dirty="0"/>
+              <a:t>A</a:t>
+            </a:r>
+            <a:r>
+              <a:rPr lang="de-DE" sz="2400" dirty="0" smtClean="0"/>
+              <a:t>nsteuerungs-Mock-</a:t>
+            </a:r>
+            <a:r>
+              <a:rPr lang="de-DE" sz="2400" dirty="0" err="1" smtClean="0"/>
+              <a:t>Ups</a:t>
+            </a:r>
+            <a:endParaRPr lang="de-DE" sz="2400" dirty="0"/>
+          </a:p>
+        </p:txBody>
+      </p:sp>
+      <p:pic>
+        <p:nvPicPr>
+          <p:cNvPr id="8" name="Content Placeholder 7"/>
+          <p:cNvPicPr>
+            <a:picLocks noGrp="1" noChangeAspect="1"/>
+          </p:cNvPicPr>
+          <p:nvPr>
+            <p:ph idx="1"/>
+          </p:nvPr>
+        </p:nvPicPr>
+        <p:blipFill>
+          <a:blip r:embed="rId2">
+            <a:extLst>
+              <a:ext uri="{28A0092B-C50C-407E-A947-70E740481C1C}">
+                <a14:useLocalDpi xmlns:a14="http://schemas.microsoft.com/office/drawing/2010/main" val="0"/>
+              </a:ext>
+            </a:extLst>
+          </a:blip>
+          <a:stretch>
+            <a:fillRect/>
+          </a:stretch>
+        </p:blipFill>
+        <p:spPr>
+          <a:xfrm>
+            <a:off x="648000" y="1765407"/>
+            <a:ext cx="2313282" cy="4105275"/>
+          </a:xfrm>
+        </p:spPr>
+      </p:pic>
+      <p:pic>
+        <p:nvPicPr>
+          <p:cNvPr id="9" name="Picture 8"/>
+          <p:cNvPicPr>
+            <a:picLocks noChangeAspect="1"/>
+          </p:cNvPicPr>
+          <p:nvPr/>
+        </p:nvPicPr>
+        <p:blipFill>
+          <a:blip r:embed="rId3">
+            <a:extLst>
+              <a:ext uri="{28A0092B-C50C-407E-A947-70E740481C1C}">
+                <a14:useLocalDpi xmlns:a14="http://schemas.microsoft.com/office/drawing/2010/main" val="0"/>
+              </a:ext>
+            </a:extLst>
+          </a:blip>
+          <a:stretch>
+            <a:fillRect/>
+          </a:stretch>
+        </p:blipFill>
+        <p:spPr>
+          <a:xfrm>
+            <a:off x="3291840" y="1709967"/>
+            <a:ext cx="2048256" cy="4267200"/>
+          </a:xfrm>
+          <a:prstGeom prst="rect">
+            <a:avLst/>
+          </a:prstGeom>
+        </p:spPr>
+      </p:pic>
+    </p:spTree>
+    <p:extLst>
+      <p:ext uri="{BB962C8B-B14F-4D97-AF65-F5344CB8AC3E}">
+        <p14:creationId xmlns:p14="http://schemas.microsoft.com/office/powerpoint/2010/main" val="230872234"/>
+      </p:ext>
+    </p:extLst>
+  </p:cSld>
+  <p:clrMapOvr>
+    <a:masterClrMapping/>
+  </p:clrMapOvr>
+</p:sld>
+</file>
+
+<file path=ppt/slides/slide11.xml><?xml version="1.0" encoding="utf-8"?>
+<p:sld xmlns:a="http://schemas.openxmlformats.org/drawingml/2006/main" xmlns:r="http://schemas.openxmlformats.org/officeDocument/2006/relationships" xmlns:p="http://schemas.openxmlformats.org/presentationml/2006/main">
+  <p:cSld>
+    <p:spTree>
+      <p:nvGrpSpPr>
+        <p:cNvPr id="1" name=""/>
+        <p:cNvGrpSpPr/>
+        <p:nvPr/>
+      </p:nvGrpSpPr>
+      <p:grpSpPr>
+        <a:xfrm>
+          <a:off x="0" y="0"/>
+          <a:ext cx="0" cy="0"/>
+          <a:chOff x="0" y="0"/>
+          <a:chExt cx="0" cy="0"/>
+        </a:xfrm>
+      </p:grpSpPr>
+      <p:sp>
+        <p:nvSpPr>
+          <p:cNvPr id="3" name="Inhaltsplatzhalter 2"/>
+          <p:cNvSpPr>
+            <a:spLocks noGrp="1"/>
+          </p:cNvSpPr>
+          <p:nvPr>
+            <p:ph idx="1"/>
+          </p:nvPr>
+        </p:nvSpPr>
+        <p:spPr/>
+        <p:txBody>
+          <a:bodyPr/>
+          <a:lstStyle/>
+          <a:p>
+            <a:r>
+              <a:rPr lang="de-DE" dirty="0" err="1" smtClean="0"/>
+              <a:t>Use</a:t>
+            </a:r>
+            <a:r>
+              <a:rPr lang="de-DE" dirty="0" smtClean="0"/>
+              <a:t> Case --&gt;</a:t>
+            </a:r>
+          </a:p>
+          <a:p>
+            <a:r>
+              <a:rPr lang="de-DE" dirty="0" smtClean="0"/>
+              <a:t>Funktionale / Nicht funktionale Anforderungen (Was ist Rollstuhlfahrern wichtig)</a:t>
+            </a:r>
+          </a:p>
+          <a:p>
+            <a:r>
+              <a:rPr lang="de-DE" dirty="0" smtClean="0"/>
+              <a:t>Model View Control Architektur</a:t>
+            </a:r>
+          </a:p>
+          <a:p>
+            <a:endParaRPr lang="de-DE" dirty="0" smtClean="0"/>
+          </a:p>
+        </p:txBody>
+      </p:sp>
+      <p:sp>
+        <p:nvSpPr>
+          <p:cNvPr id="4" name="Datumsplatzhalter 3"/>
+          <p:cNvSpPr>
+            <a:spLocks noGrp="1"/>
+          </p:cNvSpPr>
+          <p:nvPr>
+            <p:ph type="dt" sz="half" idx="2"/>
+          </p:nvPr>
+        </p:nvSpPr>
+        <p:spPr/>
+        <p:txBody>
+          <a:bodyPr/>
+          <a:lstStyle/>
+          <a:p>
+            <a:fld id="{C916D949-773C-3845-BFBA-C7D9987445EE}" type="datetime1">
+              <a:rPr lang="de-DE" smtClean="0"/>
+              <a:t>24.07.18</a:t>
+            </a:fld>
+            <a:endParaRPr lang="de-DE" dirty="0"/>
+          </a:p>
+        </p:txBody>
+      </p:sp>
+      <p:sp>
+        <p:nvSpPr>
+          <p:cNvPr id="5" name="Foliennummernplatzhalter 4"/>
+          <p:cNvSpPr>
+            <a:spLocks noGrp="1"/>
+          </p:cNvSpPr>
+          <p:nvPr>
+            <p:ph type="sldNum" sz="quarter" idx="4"/>
+          </p:nvPr>
+        </p:nvSpPr>
+        <p:spPr/>
+        <p:txBody>
+          <a:bodyPr/>
+          <a:lstStyle/>
+          <a:p>
+            <a:fld id="{E7BE1CCD-89A0-CC45-BF3E-2A331A7F0490}" type="slidenum">
+              <a:rPr lang="de-DE" smtClean="0"/>
+              <a:pPr/>
+              <a:t>11</a:t>
+            </a:fld>
+            <a:endParaRPr lang="de-DE" dirty="0"/>
+          </a:p>
+        </p:txBody>
+      </p:sp>
+      <p:sp>
+        <p:nvSpPr>
+          <p:cNvPr id="6" name="TextBox 5"/>
+          <p:cNvSpPr txBox="1"/>
+          <p:nvPr/>
+        </p:nvSpPr>
+        <p:spPr>
+          <a:xfrm>
+            <a:off x="2042013" y="6437376"/>
+            <a:ext cx="4732386" cy="253916"/>
+          </a:xfrm>
+          <a:prstGeom prst="rect">
+            <a:avLst/>
+          </a:prstGeom>
+          <a:noFill/>
+        </p:spPr>
+        <p:txBody>
+          <a:bodyPr wrap="none" rtlCol="0">
+            <a:spAutoFit/>
+          </a:bodyPr>
+          <a:lstStyle/>
+          <a:p>
+            <a:pPr algn="ctr"/>
+            <a:r>
+              <a:rPr lang="en-US" sz="1050" dirty="0" smtClean="0"/>
+              <a:t>HSHL – ITD 6. Semester </a:t>
+            </a:r>
+            <a:r>
+              <a:rPr lang="mr-IN" sz="1050" dirty="0" smtClean="0"/>
+              <a:t>–</a:t>
+            </a:r>
+            <a:r>
+              <a:rPr lang="en-US" sz="1050" dirty="0" smtClean="0"/>
+              <a:t> Christopher Beck, Daniel </a:t>
+            </a:r>
+            <a:r>
+              <a:rPr lang="en-US" sz="1050" dirty="0" err="1" smtClean="0"/>
+              <a:t>Münstermann</a:t>
+            </a:r>
+            <a:r>
+              <a:rPr lang="en-US" sz="1050" dirty="0" smtClean="0"/>
+              <a:t>, Alexander Wilms</a:t>
+            </a:r>
+            <a:endParaRPr lang="en-US" sz="1050" dirty="0"/>
+          </a:p>
+        </p:txBody>
+      </p:sp>
+      <p:sp>
+        <p:nvSpPr>
+          <p:cNvPr id="7" name="Titel 1"/>
+          <p:cNvSpPr txBox="1">
+            <a:spLocks/>
+          </p:cNvSpPr>
+          <p:nvPr/>
+        </p:nvSpPr>
+        <p:spPr>
+          <a:xfrm>
+            <a:off x="648001" y="768252"/>
+            <a:ext cx="7520410" cy="941715"/>
+          </a:xfrm>
+          <a:prstGeom prst="rect">
+            <a:avLst/>
+          </a:prstGeom>
+        </p:spPr>
+        <p:txBody>
+          <a:bodyPr vert="horz" lIns="91440" tIns="45720" rIns="91440" bIns="45720" rtlCol="0" anchor="ctr">
+            <a:normAutofit/>
+          </a:bodyPr>
+          <a:lstStyle>
+            <a:lvl1pPr algn="l" defTabSz="457200" rtl="0" eaLnBrk="1" latinLnBrk="0" hangingPunct="1">
+              <a:spcBef>
+                <a:spcPct val="0"/>
+              </a:spcBef>
+              <a:buNone/>
+              <a:defRPr sz="4000" b="1" i="0" kern="1200">
+                <a:solidFill>
+                  <a:schemeClr val="tx1"/>
+                </a:solidFill>
+                <a:latin typeface="Source Sans Pro"/>
+                <a:ea typeface="+mj-ea"/>
+                <a:cs typeface="Source Sans Pro"/>
+              </a:defRPr>
+            </a:lvl1pPr>
+          </a:lstStyle>
+          <a:p>
+            <a:r>
+              <a:rPr lang="de-DE" sz="2400" dirty="0" smtClean="0"/>
               <a:t>Systemanforderungen</a:t>
             </a:r>
             <a:endParaRPr lang="de-DE" sz="2400" dirty="0"/>
@@ -7197,7 +7441,7 @@
 </p:sld>
 </file>
 
-<file path=ppt/slides/slide11.xml><?xml version="1.0" encoding="utf-8"?>
+<file path=ppt/slides/slide12.xml><?xml version="1.0" encoding="utf-8"?>
 <p:sld xmlns:a="http://schemas.openxmlformats.org/drawingml/2006/main" xmlns:r="http://schemas.openxmlformats.org/officeDocument/2006/relationships" xmlns:p="http://schemas.openxmlformats.org/presentationml/2006/main">
   <p:cSld>
     <p:spTree>
@@ -7284,7 +7528,7 @@
             <a:fld id="{E7BE1CCD-89A0-CC45-BF3E-2A331A7F0490}" type="slidenum">
               <a:rPr lang="de-DE" smtClean="0"/>
               <a:pPr/>
-              <a:t>11</a:t>
+              <a:t>12</a:t>
             </a:fld>
             <a:endParaRPr lang="de-DE" dirty="0"/>
           </a:p>
@@ -7396,7 +7640,7 @@
 </p:sld>
 </file>
 
-<file path=ppt/slides/slide12.xml><?xml version="1.0" encoding="utf-8"?>
+<file path=ppt/slides/slide13.xml><?xml version="1.0" encoding="utf-8"?>
 <p:sld xmlns:a="http://schemas.openxmlformats.org/drawingml/2006/main" xmlns:r="http://schemas.openxmlformats.org/officeDocument/2006/relationships" xmlns:p="http://schemas.openxmlformats.org/presentationml/2006/main">
   <p:cSld>
     <p:spTree>
@@ -7595,7 +7839,7 @@
             <a:fld id="{E7BE1CCD-89A0-CC45-BF3E-2A331A7F0490}" type="slidenum">
               <a:rPr lang="de-DE" smtClean="0"/>
               <a:pPr/>
-              <a:t>12</a:t>
+              <a:t>13</a:t>
             </a:fld>
             <a:endParaRPr lang="de-DE" dirty="0"/>
           </a:p>
@@ -7737,7 +7981,7 @@
 </p:sld>
 </file>
 
-<file path=ppt/slides/slide13.xml><?xml version="1.0" encoding="utf-8"?>
+<file path=ppt/slides/slide14.xml><?xml version="1.0" encoding="utf-8"?>
 <p:sld xmlns:a="http://schemas.openxmlformats.org/drawingml/2006/main" xmlns:r="http://schemas.openxmlformats.org/officeDocument/2006/relationships" xmlns:p="http://schemas.openxmlformats.org/presentationml/2006/main">
   <p:cSld>
     <p:spTree>
@@ -9529,7 +9773,7 @@
 </p:sld>
 </file>
 
-<file path=ppt/slides/slide14.xml><?xml version="1.0" encoding="utf-8"?>
+<file path=ppt/slides/slide15.xml><?xml version="1.0" encoding="utf-8"?>
 <p:sld xmlns:a="http://schemas.openxmlformats.org/drawingml/2006/main" xmlns:r="http://schemas.openxmlformats.org/officeDocument/2006/relationships" xmlns:p="http://schemas.openxmlformats.org/presentationml/2006/main">
   <p:cSld>
     <p:spTree>
@@ -11038,7 +11282,7 @@
 </p:sld>
 </file>
 
-<file path=ppt/slides/slide15.xml><?xml version="1.0" encoding="utf-8"?>
+<file path=ppt/slides/slide16.xml><?xml version="1.0" encoding="utf-8"?>
 <p:sld xmlns:a="http://schemas.openxmlformats.org/drawingml/2006/main" xmlns:r="http://schemas.openxmlformats.org/officeDocument/2006/relationships" xmlns:p="http://schemas.openxmlformats.org/presentationml/2006/main">
   <p:cSld>
     <p:spTree>
@@ -11121,7 +11365,7 @@
 </p:sld>
 </file>
 
-<file path=ppt/slides/slide16.xml><?xml version="1.0" encoding="utf-8"?>
+<file path=ppt/slides/slide17.xml><?xml version="1.0" encoding="utf-8"?>
 <p:sld xmlns:a="http://schemas.openxmlformats.org/drawingml/2006/main" xmlns:r="http://schemas.openxmlformats.org/officeDocument/2006/relationships" xmlns:p="http://schemas.openxmlformats.org/presentationml/2006/main">
   <p:cSld>
     <p:spTree>
@@ -11266,7 +11510,7 @@
 </p:sld>
 </file>
 
-<file path=ppt/slides/slide17.xml><?xml version="1.0" encoding="utf-8"?>
+<file path=ppt/slides/slide18.xml><?xml version="1.0" encoding="utf-8"?>
 <p:sld xmlns:a="http://schemas.openxmlformats.org/drawingml/2006/main" xmlns:r="http://schemas.openxmlformats.org/officeDocument/2006/relationships" xmlns:p="http://schemas.openxmlformats.org/presentationml/2006/main">
   <p:cSld>
     <p:spTree>
@@ -11511,7 +11755,7 @@
 </p:sld>
 </file>
 
-<file path=ppt/slides/slide18.xml><?xml version="1.0" encoding="utf-8"?>
+<file path=ppt/slides/slide19.xml><?xml version="1.0" encoding="utf-8"?>
 <p:sld xmlns:a="http://schemas.openxmlformats.org/drawingml/2006/main" xmlns:r="http://schemas.openxmlformats.org/officeDocument/2006/relationships" xmlns:p="http://schemas.openxmlformats.org/presentationml/2006/main">
   <p:cSld>
     <p:spTree>
@@ -11596,7 +11840,7 @@
             <a:fld id="{E7BE1CCD-89A0-CC45-BF3E-2A331A7F0490}" type="slidenum">
               <a:rPr lang="de-DE" smtClean="0"/>
               <a:pPr/>
-              <a:t>18</a:t>
+              <a:t>19</a:t>
             </a:fld>
             <a:endParaRPr lang="de-DE" dirty="0"/>
           </a:p>
@@ -11695,220 +11939,6 @@
     <p:extLst>
       <p:ext uri="{BB962C8B-B14F-4D97-AF65-F5344CB8AC3E}">
         <p14:creationId xmlns:p14="http://schemas.microsoft.com/office/powerpoint/2010/main" val="1558163019"/>
-      </p:ext>
-    </p:extLst>
-  </p:cSld>
-  <p:clrMapOvr>
-    <a:masterClrMapping/>
-  </p:clrMapOvr>
-</p:sld>
-</file>
-
-<file path=ppt/slides/slide19.xml><?xml version="1.0" encoding="utf-8"?>
-<p:sld xmlns:a="http://schemas.openxmlformats.org/drawingml/2006/main" xmlns:r="http://schemas.openxmlformats.org/officeDocument/2006/relationships" xmlns:p="http://schemas.openxmlformats.org/presentationml/2006/main">
-  <p:cSld>
-    <p:spTree>
-      <p:nvGrpSpPr>
-        <p:cNvPr id="1" name=""/>
-        <p:cNvGrpSpPr/>
-        <p:nvPr/>
-      </p:nvGrpSpPr>
-      <p:grpSpPr>
-        <a:xfrm>
-          <a:off x="0" y="0"/>
-          <a:ext cx="0" cy="0"/>
-          <a:chOff x="0" y="0"/>
-          <a:chExt cx="0" cy="0"/>
-        </a:xfrm>
-      </p:grpSpPr>
-      <p:sp>
-        <p:nvSpPr>
-          <p:cNvPr id="3" name="Inhaltsplatzhalter 2"/>
-          <p:cNvSpPr>
-            <a:spLocks noGrp="1"/>
-          </p:cNvSpPr>
-          <p:nvPr>
-            <p:ph idx="1"/>
-          </p:nvPr>
-        </p:nvSpPr>
-        <p:spPr/>
-        <p:txBody>
-          <a:bodyPr/>
-          <a:lstStyle/>
-          <a:p>
-            <a:r>
-              <a:rPr lang="de-DE" dirty="0"/>
-              <a:t>Jederzeit betriebsbereit</a:t>
-            </a:r>
-          </a:p>
-          <a:p>
-            <a:r>
-              <a:rPr lang="de-DE" dirty="0"/>
-              <a:t>Multitasking/Multithreading</a:t>
-            </a:r>
-          </a:p>
-          <a:p>
-            <a:r>
-              <a:rPr lang="de-DE" dirty="0"/>
-              <a:t>Definiertes Verhalten für die Synchronisation </a:t>
-            </a:r>
-          </a:p>
-          <a:p>
-            <a:r>
-              <a:rPr lang="de-DE" dirty="0"/>
-              <a:t>Prioritätenvererbung wird unterstützt</a:t>
-            </a:r>
-          </a:p>
-          <a:p>
-            <a:r>
-              <a:rPr lang="de-DE" dirty="0"/>
-              <a:t>Verzögerungsverhalten vorhersagbar </a:t>
-            </a:r>
-          </a:p>
-          <a:p>
-            <a:endParaRPr lang="de-DE" dirty="0"/>
-          </a:p>
-        </p:txBody>
-      </p:sp>
-      <p:sp>
-        <p:nvSpPr>
-          <p:cNvPr id="4" name="Datumsplatzhalter 3"/>
-          <p:cNvSpPr>
-            <a:spLocks noGrp="1"/>
-          </p:cNvSpPr>
-          <p:nvPr>
-            <p:ph type="dt" sz="half" idx="2"/>
-          </p:nvPr>
-        </p:nvSpPr>
-        <p:spPr/>
-        <p:txBody>
-          <a:bodyPr/>
-          <a:lstStyle/>
-          <a:p>
-            <a:fld id="{F562E25D-699C-4C92-878C-CC3BF1593050}" type="datetime1">
-              <a:rPr lang="de-DE" smtClean="0"/>
-              <a:t>24.07.18</a:t>
-            </a:fld>
-            <a:endParaRPr lang="de-DE" dirty="0"/>
-          </a:p>
-        </p:txBody>
-      </p:sp>
-      <p:sp>
-        <p:nvSpPr>
-          <p:cNvPr id="5" name="Foliennummernplatzhalter 4"/>
-          <p:cNvSpPr>
-            <a:spLocks noGrp="1"/>
-          </p:cNvSpPr>
-          <p:nvPr>
-            <p:ph type="sldNum" sz="quarter" idx="4"/>
-          </p:nvPr>
-        </p:nvSpPr>
-        <p:spPr/>
-        <p:txBody>
-          <a:bodyPr/>
-          <a:lstStyle/>
-          <a:p>
-            <a:fld id="{E7BE1CCD-89A0-CC45-BF3E-2A331A7F0490}" type="slidenum">
-              <a:rPr lang="de-DE" smtClean="0"/>
-              <a:pPr/>
-              <a:t>19</a:t>
-            </a:fld>
-            <a:endParaRPr lang="de-DE" dirty="0"/>
-          </a:p>
-        </p:txBody>
-      </p:sp>
-      <p:sp>
-        <p:nvSpPr>
-          <p:cNvPr id="7" name="Titel 1"/>
-          <p:cNvSpPr txBox="1">
-            <a:spLocks/>
-          </p:cNvSpPr>
-          <p:nvPr/>
-        </p:nvSpPr>
-        <p:spPr>
-          <a:xfrm>
-            <a:off x="648001" y="768252"/>
-            <a:ext cx="7520410" cy="941715"/>
-          </a:xfrm>
-          <a:prstGeom prst="rect">
-            <a:avLst/>
-          </a:prstGeom>
-        </p:spPr>
-        <p:txBody>
-          <a:bodyPr vert="horz" lIns="91440" tIns="45720" rIns="91440" bIns="45720" rtlCol="0" anchor="ctr">
-            <a:normAutofit/>
-          </a:bodyPr>
-          <a:lstStyle>
-            <a:lvl1pPr algn="l" defTabSz="457200" rtl="0" eaLnBrk="1" latinLnBrk="0" hangingPunct="1">
-              <a:spcBef>
-                <a:spcPct val="0"/>
-              </a:spcBef>
-              <a:buNone/>
-              <a:defRPr sz="4000" b="1" i="0" kern="1200">
-                <a:solidFill>
-                  <a:schemeClr val="tx1"/>
-                </a:solidFill>
-                <a:latin typeface="Source Sans Pro"/>
-                <a:ea typeface="+mj-ea"/>
-                <a:cs typeface="Source Sans Pro"/>
-              </a:defRPr>
-            </a:lvl1pPr>
-          </a:lstStyle>
-          <a:p>
-            <a:r>
-              <a:rPr lang="de-DE" sz="2400" dirty="0"/>
-              <a:t>Anforderungen - RTOS</a:t>
-            </a:r>
-          </a:p>
-        </p:txBody>
-      </p:sp>
-      <p:sp>
-        <p:nvSpPr>
-          <p:cNvPr id="6" name="TextBox 5"/>
-          <p:cNvSpPr txBox="1"/>
-          <p:nvPr/>
-        </p:nvSpPr>
-        <p:spPr>
-          <a:xfrm>
-            <a:off x="3265107" y="6437376"/>
-            <a:ext cx="2286203" cy="253916"/>
-          </a:xfrm>
-          <a:prstGeom prst="rect">
-            <a:avLst/>
-          </a:prstGeom>
-          <a:noFill/>
-        </p:spPr>
-        <p:txBody>
-          <a:bodyPr wrap="none" rtlCol="0">
-            <a:spAutoFit/>
-          </a:bodyPr>
-          <a:lstStyle/>
-          <a:p>
-            <a:pPr algn="ctr"/>
-            <a:r>
-              <a:rPr lang="en-US" sz="1050" dirty="0" smtClean="0"/>
-              <a:t>HSHL – ITD 6. Semester </a:t>
-            </a:r>
-            <a:r>
-              <a:rPr lang="mr-IN" sz="1050" dirty="0" smtClean="0"/>
-              <a:t>–</a:t>
-            </a:r>
-            <a:r>
-              <a:rPr lang="en-US" sz="1050" smtClean="0"/>
-              <a:t> </a:t>
-            </a:r>
-            <a:r>
-              <a:rPr lang="en-US" sz="1050" smtClean="0"/>
-              <a:t>Melissa Sens</a:t>
-            </a:r>
-            <a:endParaRPr lang="en-US" sz="1050" dirty="0"/>
-          </a:p>
-        </p:txBody>
-      </p:sp>
-    </p:spTree>
-    <p:extLst>
-      <p:ext uri="{BB962C8B-B14F-4D97-AF65-F5344CB8AC3E}">
-        <p14:creationId xmlns:p14="http://schemas.microsoft.com/office/powerpoint/2010/main" val="1630268815"/>
       </p:ext>
     </p:extLst>
   </p:cSld>
@@ -11947,14 +11977,71 @@
         </p:nvSpPr>
         <p:spPr/>
         <p:txBody>
-          <a:bodyPr/>
+          <a:bodyPr>
+            <a:normAutofit lnSpcReduction="10000"/>
+          </a:bodyPr>
           <a:lstStyle/>
           <a:p>
             <a:r>
-              <a:rPr lang="de-DE" dirty="0" smtClean="0"/>
-              <a:t>Krankenkasse werfen einem Stöcke in die Speichen ;)</a:t>
-            </a:r>
-            <a:endParaRPr lang="de-DE" dirty="0"/>
+              <a:rPr lang="de-DE" sz="2800" dirty="0" smtClean="0"/>
+              <a:t>Sanitätshaus wirkt für gefühlte </a:t>
+            </a:r>
+            <a:r>
+              <a:rPr lang="de-DE" sz="2800" b="1" dirty="0" smtClean="0"/>
+              <a:t>Preisaufschläge</a:t>
+            </a:r>
+            <a:r>
+              <a:rPr lang="de-DE" sz="2800" dirty="0" smtClean="0"/>
+              <a:t> von mindestens </a:t>
+            </a:r>
+            <a:r>
+              <a:rPr lang="de-DE" sz="2800" b="1" dirty="0" smtClean="0"/>
+              <a:t>200%</a:t>
+            </a:r>
+          </a:p>
+          <a:p>
+            <a:r>
+              <a:rPr lang="de-DE" sz="2800" dirty="0"/>
+              <a:t>Krankenkasse werfen einem Stöcke in die Speichen </a:t>
+            </a:r>
+            <a:r>
+              <a:rPr lang="de-DE" sz="2800" dirty="0" smtClean="0"/>
+              <a:t>;) </a:t>
+            </a:r>
+          </a:p>
+          <a:p>
+            <a:pPr lvl="1"/>
+            <a:r>
+              <a:rPr lang="de-DE" sz="2400" b="1" dirty="0" smtClean="0"/>
+              <a:t>Formulare</a:t>
+            </a:r>
+            <a:r>
+              <a:rPr lang="de-DE" sz="2400" dirty="0" smtClean="0"/>
+              <a:t> ausfüllen – Hohe </a:t>
+            </a:r>
+            <a:r>
+              <a:rPr lang="de-DE" sz="2400" b="1" dirty="0" smtClean="0"/>
+              <a:t>kosten abrechnen</a:t>
+            </a:r>
+          </a:p>
+          <a:p>
+            <a:r>
+              <a:rPr lang="de-DE" sz="2800" dirty="0" smtClean="0"/>
+              <a:t>Rollstuhlkomponenten ähnlich zu Fahrradzubehör</a:t>
+            </a:r>
+          </a:p>
+          <a:p>
+            <a:r>
+              <a:rPr lang="de-DE" sz="2800" dirty="0" smtClean="0"/>
+              <a:t>Genehmigungen von Rollstühlen in DE problematisch</a:t>
+            </a:r>
+            <a:endParaRPr lang="de-DE" sz="2800" dirty="0"/>
+          </a:p>
+          <a:p>
+            <a:endParaRPr lang="de-DE" sz="2800" dirty="0" smtClean="0"/>
+          </a:p>
+          <a:p>
+            <a:endParaRPr lang="de-DE" sz="2800" dirty="0"/>
           </a:p>
         </p:txBody>
       </p:sp>
@@ -12133,26 +12220,35 @@
           <a:p>
             <a:r>
               <a:rPr lang="de-DE" dirty="0"/>
-              <a:t>ergonomische Gestaltung der Benutzungsschnittstelle </a:t>
+              <a:t>Jederzeit betriebsbereit</a:t>
             </a:r>
           </a:p>
           <a:p>
             <a:r>
               <a:rPr lang="de-DE" dirty="0"/>
-              <a:t>Angemessenheit der Aufgaben</a:t>
+              <a:t>Multitasking/Multithreading</a:t>
             </a:r>
           </a:p>
           <a:p>
             <a:r>
               <a:rPr lang="de-DE" dirty="0"/>
-              <a:t>Erlernbarkeit</a:t>
+              <a:t>Definiertes Verhalten für die Synchronisation </a:t>
             </a:r>
           </a:p>
           <a:p>
             <a:r>
               <a:rPr lang="de-DE" dirty="0"/>
-              <a:t>Robustheit bzgl. Fehlern</a:t>
-            </a:r>
+              <a:t>Prioritätenvererbung wird unterstützt</a:t>
+            </a:r>
+          </a:p>
+          <a:p>
+            <a:r>
+              <a:rPr lang="de-DE" dirty="0"/>
+              <a:t>Verzögerungsverhalten vorhersagbar </a:t>
+            </a:r>
+          </a:p>
+          <a:p>
+            <a:endParaRPr lang="de-DE" dirty="0"/>
           </a:p>
         </p:txBody>
       </p:sp>
@@ -12243,7 +12339,7 @@
           <a:p>
             <a:r>
               <a:rPr lang="de-DE" sz="2400" dirty="0"/>
-              <a:t>Anforderungen - Benutzbarkeit</a:t>
+              <a:t>Anforderungen - RTOS</a:t>
             </a:r>
           </a:p>
         </p:txBody>
@@ -12294,7 +12390,7 @@
     </p:spTree>
     <p:extLst>
       <p:ext uri="{BB962C8B-B14F-4D97-AF65-F5344CB8AC3E}">
-        <p14:creationId xmlns:p14="http://schemas.microsoft.com/office/powerpoint/2010/main" val="184121632"/>
+        <p14:creationId xmlns:p14="http://schemas.microsoft.com/office/powerpoint/2010/main" val="1630268815"/>
       </p:ext>
     </p:extLst>
   </p:cSld>
@@ -12338,32 +12434,25 @@
           <a:p>
             <a:r>
               <a:rPr lang="de-DE" dirty="0"/>
-              <a:t>Performanz </a:t>
-            </a:r>
-          </a:p>
-          <a:p>
-            <a:pPr lvl="1"/>
+              <a:t>ergonomische Gestaltung der Benutzungsschnittstelle </a:t>
+            </a:r>
+          </a:p>
+          <a:p>
             <a:r>
               <a:rPr lang="de-DE" dirty="0"/>
-              <a:t>Antwortzeiten, Speicherkapazität</a:t>
+              <a:t>Angemessenheit der Aufgaben</a:t>
             </a:r>
           </a:p>
           <a:p>
             <a:r>
               <a:rPr lang="de-DE" dirty="0"/>
-              <a:t>Zuverlässigkeit</a:t>
+              <a:t>Erlernbarkeit</a:t>
             </a:r>
           </a:p>
           <a:p>
             <a:r>
               <a:rPr lang="de-DE" dirty="0"/>
-              <a:t>Änderbarkeit/Wartbarkeit</a:t>
-            </a:r>
-          </a:p>
-          <a:p>
-            <a:r>
-              <a:rPr lang="de-DE" dirty="0"/>
-              <a:t>Portabilität</a:t>
+              <a:t>Robustheit bzgl. Fehlern</a:t>
             </a:r>
           </a:p>
         </p:txBody>
@@ -12455,7 +12544,7 @@
           <a:p>
             <a:r>
               <a:rPr lang="de-DE" sz="2400" dirty="0"/>
-              <a:t>Qualitätsanforderungen</a:t>
+              <a:t>Anforderungen - Benutzbarkeit</a:t>
             </a:r>
           </a:p>
         </p:txBody>
@@ -12506,7 +12595,1116 @@
     </p:spTree>
     <p:extLst>
       <p:ext uri="{BB962C8B-B14F-4D97-AF65-F5344CB8AC3E}">
+        <p14:creationId xmlns:p14="http://schemas.microsoft.com/office/powerpoint/2010/main" val="184121632"/>
+      </p:ext>
+    </p:extLst>
+  </p:cSld>
+  <p:clrMapOvr>
+    <a:masterClrMapping/>
+  </p:clrMapOvr>
+</p:sld>
+</file>
+
+<file path=ppt/slides/slide22.xml><?xml version="1.0" encoding="utf-8"?>
+<p:sld xmlns:a="http://schemas.openxmlformats.org/drawingml/2006/main" xmlns:r="http://schemas.openxmlformats.org/officeDocument/2006/relationships" xmlns:p="http://schemas.openxmlformats.org/presentationml/2006/main">
+  <p:cSld>
+    <p:spTree>
+      <p:nvGrpSpPr>
+        <p:cNvPr id="1" name=""/>
+        <p:cNvGrpSpPr/>
+        <p:nvPr/>
+      </p:nvGrpSpPr>
+      <p:grpSpPr>
+        <a:xfrm>
+          <a:off x="0" y="0"/>
+          <a:ext cx="0" cy="0"/>
+          <a:chOff x="0" y="0"/>
+          <a:chExt cx="0" cy="0"/>
+        </a:xfrm>
+      </p:grpSpPr>
+      <p:sp>
+        <p:nvSpPr>
+          <p:cNvPr id="3" name="Inhaltsplatzhalter 2"/>
+          <p:cNvSpPr>
+            <a:spLocks noGrp="1"/>
+          </p:cNvSpPr>
+          <p:nvPr>
+            <p:ph idx="1"/>
+          </p:nvPr>
+        </p:nvSpPr>
+        <p:spPr/>
+        <p:txBody>
+          <a:bodyPr/>
+          <a:lstStyle/>
+          <a:p>
+            <a:r>
+              <a:rPr lang="de-DE" dirty="0"/>
+              <a:t>Performanz </a:t>
+            </a:r>
+          </a:p>
+          <a:p>
+            <a:pPr lvl="1"/>
+            <a:r>
+              <a:rPr lang="de-DE" dirty="0"/>
+              <a:t>Antwortzeiten, Speicherkapazität</a:t>
+            </a:r>
+          </a:p>
+          <a:p>
+            <a:r>
+              <a:rPr lang="de-DE" dirty="0"/>
+              <a:t>Zuverlässigkeit</a:t>
+            </a:r>
+          </a:p>
+          <a:p>
+            <a:r>
+              <a:rPr lang="de-DE" dirty="0"/>
+              <a:t>Änderbarkeit/Wartbarkeit</a:t>
+            </a:r>
+          </a:p>
+          <a:p>
+            <a:r>
+              <a:rPr lang="de-DE" dirty="0"/>
+              <a:t>Portabilität</a:t>
+            </a:r>
+          </a:p>
+        </p:txBody>
+      </p:sp>
+      <p:sp>
+        <p:nvSpPr>
+          <p:cNvPr id="4" name="Datumsplatzhalter 3"/>
+          <p:cNvSpPr>
+            <a:spLocks noGrp="1"/>
+          </p:cNvSpPr>
+          <p:nvPr>
+            <p:ph type="dt" sz="half" idx="2"/>
+          </p:nvPr>
+        </p:nvSpPr>
+        <p:spPr/>
+        <p:txBody>
+          <a:bodyPr/>
+          <a:lstStyle/>
+          <a:p>
+            <a:fld id="{F562E25D-699C-4C92-878C-CC3BF1593050}" type="datetime1">
+              <a:rPr lang="de-DE" smtClean="0"/>
+              <a:t>24.07.18</a:t>
+            </a:fld>
+            <a:endParaRPr lang="de-DE" dirty="0"/>
+          </a:p>
+        </p:txBody>
+      </p:sp>
+      <p:sp>
+        <p:nvSpPr>
+          <p:cNvPr id="5" name="Foliennummernplatzhalter 4"/>
+          <p:cNvSpPr>
+            <a:spLocks noGrp="1"/>
+          </p:cNvSpPr>
+          <p:nvPr>
+            <p:ph type="sldNum" sz="quarter" idx="4"/>
+          </p:nvPr>
+        </p:nvSpPr>
+        <p:spPr/>
+        <p:txBody>
+          <a:bodyPr/>
+          <a:lstStyle/>
+          <a:p>
+            <a:fld id="{E7BE1CCD-89A0-CC45-BF3E-2A331A7F0490}" type="slidenum">
+              <a:rPr lang="de-DE" smtClean="0"/>
+              <a:pPr/>
+              <a:t>22</a:t>
+            </a:fld>
+            <a:endParaRPr lang="de-DE" dirty="0"/>
+          </a:p>
+        </p:txBody>
+      </p:sp>
+      <p:sp>
+        <p:nvSpPr>
+          <p:cNvPr id="7" name="Titel 1"/>
+          <p:cNvSpPr txBox="1">
+            <a:spLocks/>
+          </p:cNvSpPr>
+          <p:nvPr/>
+        </p:nvSpPr>
+        <p:spPr>
+          <a:xfrm>
+            <a:off x="648001" y="768252"/>
+            <a:ext cx="7520410" cy="941715"/>
+          </a:xfrm>
+          <a:prstGeom prst="rect">
+            <a:avLst/>
+          </a:prstGeom>
+        </p:spPr>
+        <p:txBody>
+          <a:bodyPr vert="horz" lIns="91440" tIns="45720" rIns="91440" bIns="45720" rtlCol="0" anchor="ctr">
+            <a:normAutofit/>
+          </a:bodyPr>
+          <a:lstStyle>
+            <a:lvl1pPr algn="l" defTabSz="457200" rtl="0" eaLnBrk="1" latinLnBrk="0" hangingPunct="1">
+              <a:spcBef>
+                <a:spcPct val="0"/>
+              </a:spcBef>
+              <a:buNone/>
+              <a:defRPr sz="4000" b="1" i="0" kern="1200">
+                <a:solidFill>
+                  <a:schemeClr val="tx1"/>
+                </a:solidFill>
+                <a:latin typeface="Source Sans Pro"/>
+                <a:ea typeface="+mj-ea"/>
+                <a:cs typeface="Source Sans Pro"/>
+              </a:defRPr>
+            </a:lvl1pPr>
+          </a:lstStyle>
+          <a:p>
+            <a:r>
+              <a:rPr lang="de-DE" sz="2400" dirty="0"/>
+              <a:t>Qualitätsanforderungen</a:t>
+            </a:r>
+          </a:p>
+        </p:txBody>
+      </p:sp>
+      <p:sp>
+        <p:nvSpPr>
+          <p:cNvPr id="6" name="TextBox 5"/>
+          <p:cNvSpPr txBox="1"/>
+          <p:nvPr/>
+        </p:nvSpPr>
+        <p:spPr>
+          <a:xfrm>
+            <a:off x="3265107" y="6437376"/>
+            <a:ext cx="2286203" cy="253916"/>
+          </a:xfrm>
+          <a:prstGeom prst="rect">
+            <a:avLst/>
+          </a:prstGeom>
+          <a:noFill/>
+        </p:spPr>
+        <p:txBody>
+          <a:bodyPr wrap="none" rtlCol="0">
+            <a:spAutoFit/>
+          </a:bodyPr>
+          <a:lstStyle/>
+          <a:p>
+            <a:pPr algn="ctr"/>
+            <a:r>
+              <a:rPr lang="en-US" sz="1050" dirty="0" smtClean="0"/>
+              <a:t>HSHL – ITD 6. Semester </a:t>
+            </a:r>
+            <a:r>
+              <a:rPr lang="mr-IN" sz="1050" dirty="0" smtClean="0"/>
+              <a:t>–</a:t>
+            </a:r>
+            <a:r>
+              <a:rPr lang="en-US" sz="1050" smtClean="0"/>
+              <a:t> </a:t>
+            </a:r>
+            <a:r>
+              <a:rPr lang="en-US" sz="1050" smtClean="0"/>
+              <a:t>Melissa Sens</a:t>
+            </a:r>
+            <a:endParaRPr lang="en-US" sz="1050" dirty="0"/>
+          </a:p>
+        </p:txBody>
+      </p:sp>
+    </p:spTree>
+    <p:extLst>
+      <p:ext uri="{BB962C8B-B14F-4D97-AF65-F5344CB8AC3E}">
         <p14:creationId xmlns:p14="http://schemas.microsoft.com/office/powerpoint/2010/main" val="8333697"/>
+      </p:ext>
+    </p:extLst>
+  </p:cSld>
+  <p:clrMapOvr>
+    <a:masterClrMapping/>
+  </p:clrMapOvr>
+</p:sld>
+</file>
+
+<file path=ppt/slides/slide23.xml><?xml version="1.0" encoding="utf-8"?>
+<p:sld xmlns:a="http://schemas.openxmlformats.org/drawingml/2006/main" xmlns:r="http://schemas.openxmlformats.org/officeDocument/2006/relationships" xmlns:p="http://schemas.openxmlformats.org/presentationml/2006/main">
+  <p:cSld>
+    <p:spTree>
+      <p:nvGrpSpPr>
+        <p:cNvPr id="1" name=""/>
+        <p:cNvGrpSpPr/>
+        <p:nvPr/>
+      </p:nvGrpSpPr>
+      <p:grpSpPr>
+        <a:xfrm>
+          <a:off x="0" y="0"/>
+          <a:ext cx="0" cy="0"/>
+          <a:chOff x="0" y="0"/>
+          <a:chExt cx="0" cy="0"/>
+        </a:xfrm>
+      </p:grpSpPr>
+      <p:sp>
+        <p:nvSpPr>
+          <p:cNvPr id="3" name="Inhaltsplatzhalter 2"/>
+          <p:cNvSpPr>
+            <a:spLocks noGrp="1"/>
+          </p:cNvSpPr>
+          <p:nvPr>
+            <p:ph idx="1"/>
+          </p:nvPr>
+        </p:nvSpPr>
+        <p:spPr/>
+        <p:txBody>
+          <a:bodyPr>
+            <a:normAutofit/>
+          </a:bodyPr>
+          <a:lstStyle/>
+          <a:p>
+            <a:r>
+              <a:rPr lang="de-DE" sz="2800" dirty="0" smtClean="0"/>
+              <a:t>Stecknarben</a:t>
+            </a:r>
+          </a:p>
+          <a:p>
+            <a:r>
+              <a:rPr lang="de-DE" sz="2800" dirty="0" err="1" smtClean="0"/>
+              <a:t>eFix</a:t>
+            </a:r>
+            <a:endParaRPr lang="de-DE" sz="2800" dirty="0" smtClean="0"/>
+          </a:p>
+          <a:p>
+            <a:r>
+              <a:rPr lang="de-DE" sz="2800" dirty="0" smtClean="0"/>
+              <a:t>ODO (</a:t>
+            </a:r>
+            <a:r>
+              <a:rPr lang="de-DE" sz="2800" dirty="0" err="1" smtClean="0"/>
+              <a:t>Segway</a:t>
+            </a:r>
+            <a:r>
+              <a:rPr lang="de-DE" sz="2800" dirty="0" smtClean="0"/>
+              <a:t>)</a:t>
+            </a:r>
+          </a:p>
+          <a:p>
+            <a:r>
+              <a:rPr lang="de-DE" sz="2800" dirty="0" err="1" smtClean="0"/>
+              <a:t>eMotion</a:t>
+            </a:r>
+            <a:endParaRPr lang="de-DE" sz="2400" dirty="0"/>
+          </a:p>
+        </p:txBody>
+      </p:sp>
+      <p:sp>
+        <p:nvSpPr>
+          <p:cNvPr id="4" name="Datumsplatzhalter 3"/>
+          <p:cNvSpPr>
+            <a:spLocks noGrp="1"/>
+          </p:cNvSpPr>
+          <p:nvPr>
+            <p:ph type="dt" sz="half" idx="2"/>
+          </p:nvPr>
+        </p:nvSpPr>
+        <p:spPr/>
+        <p:txBody>
+          <a:bodyPr/>
+          <a:lstStyle/>
+          <a:p>
+            <a:fld id="{C916D949-773C-3845-BFBA-C7D9987445EE}" type="datetime1">
+              <a:rPr lang="de-DE" smtClean="0"/>
+              <a:t>24.07.18</a:t>
+            </a:fld>
+            <a:endParaRPr lang="de-DE" dirty="0"/>
+          </a:p>
+        </p:txBody>
+      </p:sp>
+      <p:sp>
+        <p:nvSpPr>
+          <p:cNvPr id="5" name="Foliennummernplatzhalter 4"/>
+          <p:cNvSpPr>
+            <a:spLocks noGrp="1"/>
+          </p:cNvSpPr>
+          <p:nvPr>
+            <p:ph type="sldNum" sz="quarter" idx="4"/>
+          </p:nvPr>
+        </p:nvSpPr>
+        <p:spPr/>
+        <p:txBody>
+          <a:bodyPr/>
+          <a:lstStyle/>
+          <a:p>
+            <a:fld id="{E7BE1CCD-89A0-CC45-BF3E-2A331A7F0490}" type="slidenum">
+              <a:rPr lang="de-DE" smtClean="0"/>
+              <a:pPr/>
+              <a:t>23</a:t>
+            </a:fld>
+            <a:endParaRPr lang="de-DE" dirty="0"/>
+          </a:p>
+        </p:txBody>
+      </p:sp>
+      <p:sp>
+        <p:nvSpPr>
+          <p:cNvPr id="6" name="TextBox 5"/>
+          <p:cNvSpPr txBox="1"/>
+          <p:nvPr/>
+        </p:nvSpPr>
+        <p:spPr>
+          <a:xfrm>
+            <a:off x="3677878" y="6437376"/>
+            <a:ext cx="1460656" cy="253916"/>
+          </a:xfrm>
+          <a:prstGeom prst="rect">
+            <a:avLst/>
+          </a:prstGeom>
+          <a:noFill/>
+        </p:spPr>
+        <p:txBody>
+          <a:bodyPr wrap="none" rtlCol="0">
+            <a:spAutoFit/>
+          </a:bodyPr>
+          <a:lstStyle/>
+          <a:p>
+            <a:pPr algn="ctr"/>
+            <a:r>
+              <a:rPr lang="en-US" sz="1050" dirty="0" smtClean="0"/>
+              <a:t>HSHL – ITD 6. </a:t>
+            </a:r>
+            <a:r>
+              <a:rPr lang="en-US" sz="1050" dirty="0" smtClean="0"/>
+              <a:t>Semester</a:t>
+            </a:r>
+            <a:endParaRPr lang="en-US" sz="1050" dirty="0"/>
+          </a:p>
+        </p:txBody>
+      </p:sp>
+      <p:sp>
+        <p:nvSpPr>
+          <p:cNvPr id="7" name="Titel 1"/>
+          <p:cNvSpPr txBox="1">
+            <a:spLocks/>
+          </p:cNvSpPr>
+          <p:nvPr/>
+        </p:nvSpPr>
+        <p:spPr>
+          <a:xfrm>
+            <a:off x="648001" y="768252"/>
+            <a:ext cx="7520410" cy="941715"/>
+          </a:xfrm>
+          <a:prstGeom prst="rect">
+            <a:avLst/>
+          </a:prstGeom>
+        </p:spPr>
+        <p:txBody>
+          <a:bodyPr vert="horz" lIns="91440" tIns="45720" rIns="91440" bIns="45720" rtlCol="0" anchor="ctr">
+            <a:normAutofit/>
+          </a:bodyPr>
+          <a:lstStyle>
+            <a:lvl1pPr algn="l" defTabSz="457200" rtl="0" eaLnBrk="1" latinLnBrk="0" hangingPunct="1">
+              <a:spcBef>
+                <a:spcPct val="0"/>
+              </a:spcBef>
+              <a:buNone/>
+              <a:defRPr sz="4000" b="1" i="0" kern="1200">
+                <a:solidFill>
+                  <a:schemeClr val="tx1"/>
+                </a:solidFill>
+                <a:latin typeface="Source Sans Pro"/>
+                <a:ea typeface="+mj-ea"/>
+                <a:cs typeface="Source Sans Pro"/>
+              </a:defRPr>
+            </a:lvl1pPr>
+          </a:lstStyle>
+          <a:p>
+            <a:r>
+              <a:rPr lang="de-DE" sz="2400" dirty="0" smtClean="0"/>
+              <a:t>Populäre	System</a:t>
+            </a:r>
+            <a:endParaRPr lang="de-DE" sz="2400" dirty="0"/>
+          </a:p>
+        </p:txBody>
+      </p:sp>
+    </p:spTree>
+    <p:extLst>
+      <p:ext uri="{BB962C8B-B14F-4D97-AF65-F5344CB8AC3E}">
+        <p14:creationId xmlns:p14="http://schemas.microsoft.com/office/powerpoint/2010/main" val="824321917"/>
+      </p:ext>
+    </p:extLst>
+  </p:cSld>
+  <p:clrMapOvr>
+    <a:masterClrMapping/>
+  </p:clrMapOvr>
+</p:sld>
+</file>
+
+<file path=ppt/slides/slide24.xml><?xml version="1.0" encoding="utf-8"?>
+<p:sld xmlns:a="http://schemas.openxmlformats.org/drawingml/2006/main" xmlns:r="http://schemas.openxmlformats.org/officeDocument/2006/relationships" xmlns:p="http://schemas.openxmlformats.org/presentationml/2006/main">
+  <p:cSld>
+    <p:spTree>
+      <p:nvGrpSpPr>
+        <p:cNvPr id="1" name=""/>
+        <p:cNvGrpSpPr/>
+        <p:nvPr/>
+      </p:nvGrpSpPr>
+      <p:grpSpPr>
+        <a:xfrm>
+          <a:off x="0" y="0"/>
+          <a:ext cx="0" cy="0"/>
+          <a:chOff x="0" y="0"/>
+          <a:chExt cx="0" cy="0"/>
+        </a:xfrm>
+      </p:grpSpPr>
+      <p:sp>
+        <p:nvSpPr>
+          <p:cNvPr id="3" name="Inhaltsplatzhalter 2"/>
+          <p:cNvSpPr>
+            <a:spLocks noGrp="1"/>
+          </p:cNvSpPr>
+          <p:nvPr>
+            <p:ph idx="1"/>
+          </p:nvPr>
+        </p:nvSpPr>
+        <p:spPr/>
+        <p:txBody>
+          <a:bodyPr>
+            <a:normAutofit/>
+          </a:bodyPr>
+          <a:lstStyle/>
+          <a:p>
+            <a:r>
+              <a:rPr lang="de-DE" sz="2800" dirty="0" smtClean="0"/>
+              <a:t>Joystick</a:t>
+            </a:r>
+          </a:p>
+          <a:p>
+            <a:r>
+              <a:rPr lang="de-DE" sz="2800" dirty="0" smtClean="0"/>
+              <a:t>Piercing</a:t>
+            </a:r>
+          </a:p>
+          <a:p>
+            <a:r>
+              <a:rPr lang="de-DE" sz="2800" dirty="0" smtClean="0"/>
+              <a:t>Eye-Tracking</a:t>
+            </a:r>
+          </a:p>
+          <a:p>
+            <a:endParaRPr lang="de-DE" sz="2400" dirty="0"/>
+          </a:p>
+        </p:txBody>
+      </p:sp>
+      <p:sp>
+        <p:nvSpPr>
+          <p:cNvPr id="4" name="Datumsplatzhalter 3"/>
+          <p:cNvSpPr>
+            <a:spLocks noGrp="1"/>
+          </p:cNvSpPr>
+          <p:nvPr>
+            <p:ph type="dt" sz="half" idx="2"/>
+          </p:nvPr>
+        </p:nvSpPr>
+        <p:spPr/>
+        <p:txBody>
+          <a:bodyPr/>
+          <a:lstStyle/>
+          <a:p>
+            <a:fld id="{C916D949-773C-3845-BFBA-C7D9987445EE}" type="datetime1">
+              <a:rPr lang="de-DE" smtClean="0"/>
+              <a:t>24.07.18</a:t>
+            </a:fld>
+            <a:endParaRPr lang="de-DE" dirty="0"/>
+          </a:p>
+        </p:txBody>
+      </p:sp>
+      <p:sp>
+        <p:nvSpPr>
+          <p:cNvPr id="5" name="Foliennummernplatzhalter 4"/>
+          <p:cNvSpPr>
+            <a:spLocks noGrp="1"/>
+          </p:cNvSpPr>
+          <p:nvPr>
+            <p:ph type="sldNum" sz="quarter" idx="4"/>
+          </p:nvPr>
+        </p:nvSpPr>
+        <p:spPr/>
+        <p:txBody>
+          <a:bodyPr/>
+          <a:lstStyle/>
+          <a:p>
+            <a:fld id="{E7BE1CCD-89A0-CC45-BF3E-2A331A7F0490}" type="slidenum">
+              <a:rPr lang="de-DE" smtClean="0"/>
+              <a:pPr/>
+              <a:t>24</a:t>
+            </a:fld>
+            <a:endParaRPr lang="de-DE" dirty="0"/>
+          </a:p>
+        </p:txBody>
+      </p:sp>
+      <p:sp>
+        <p:nvSpPr>
+          <p:cNvPr id="6" name="TextBox 5"/>
+          <p:cNvSpPr txBox="1"/>
+          <p:nvPr/>
+        </p:nvSpPr>
+        <p:spPr>
+          <a:xfrm>
+            <a:off x="3677878" y="6437376"/>
+            <a:ext cx="1460656" cy="253916"/>
+          </a:xfrm>
+          <a:prstGeom prst="rect">
+            <a:avLst/>
+          </a:prstGeom>
+          <a:noFill/>
+        </p:spPr>
+        <p:txBody>
+          <a:bodyPr wrap="none" rtlCol="0">
+            <a:spAutoFit/>
+          </a:bodyPr>
+          <a:lstStyle/>
+          <a:p>
+            <a:pPr algn="ctr"/>
+            <a:r>
+              <a:rPr lang="en-US" sz="1050" dirty="0" smtClean="0"/>
+              <a:t>HSHL – ITD 6. </a:t>
+            </a:r>
+            <a:r>
+              <a:rPr lang="en-US" sz="1050" dirty="0" smtClean="0"/>
+              <a:t>Semester</a:t>
+            </a:r>
+            <a:endParaRPr lang="en-US" sz="1050" dirty="0"/>
+          </a:p>
+        </p:txBody>
+      </p:sp>
+      <p:sp>
+        <p:nvSpPr>
+          <p:cNvPr id="7" name="Titel 1"/>
+          <p:cNvSpPr txBox="1">
+            <a:spLocks/>
+          </p:cNvSpPr>
+          <p:nvPr/>
+        </p:nvSpPr>
+        <p:spPr>
+          <a:xfrm>
+            <a:off x="648001" y="768252"/>
+            <a:ext cx="7520410" cy="941715"/>
+          </a:xfrm>
+          <a:prstGeom prst="rect">
+            <a:avLst/>
+          </a:prstGeom>
+        </p:spPr>
+        <p:txBody>
+          <a:bodyPr vert="horz" lIns="91440" tIns="45720" rIns="91440" bIns="45720" rtlCol="0" anchor="ctr">
+            <a:normAutofit/>
+          </a:bodyPr>
+          <a:lstStyle>
+            <a:lvl1pPr algn="l" defTabSz="457200" rtl="0" eaLnBrk="1" latinLnBrk="0" hangingPunct="1">
+              <a:spcBef>
+                <a:spcPct val="0"/>
+              </a:spcBef>
+              <a:buNone/>
+              <a:defRPr sz="4000" b="1" i="0" kern="1200">
+                <a:solidFill>
+                  <a:schemeClr val="tx1"/>
+                </a:solidFill>
+                <a:latin typeface="Source Sans Pro"/>
+                <a:ea typeface="+mj-ea"/>
+                <a:cs typeface="Source Sans Pro"/>
+              </a:defRPr>
+            </a:lvl1pPr>
+          </a:lstStyle>
+          <a:p>
+            <a:r>
+              <a:rPr lang="de-DE" sz="2400" dirty="0" smtClean="0"/>
+              <a:t>Gängige Ansteuerungsmöglichkeiten</a:t>
+            </a:r>
+            <a:endParaRPr lang="de-DE" sz="2400" dirty="0"/>
+          </a:p>
+        </p:txBody>
+      </p:sp>
+    </p:spTree>
+    <p:extLst>
+      <p:ext uri="{BB962C8B-B14F-4D97-AF65-F5344CB8AC3E}">
+        <p14:creationId xmlns:p14="http://schemas.microsoft.com/office/powerpoint/2010/main" val="2091668893"/>
+      </p:ext>
+    </p:extLst>
+  </p:cSld>
+  <p:clrMapOvr>
+    <a:masterClrMapping/>
+  </p:clrMapOvr>
+</p:sld>
+</file>
+
+<file path=ppt/slides/slide25.xml><?xml version="1.0" encoding="utf-8"?>
+<p:sld xmlns:a="http://schemas.openxmlformats.org/drawingml/2006/main" xmlns:r="http://schemas.openxmlformats.org/officeDocument/2006/relationships" xmlns:p="http://schemas.openxmlformats.org/presentationml/2006/main">
+  <p:cSld>
+    <p:spTree>
+      <p:nvGrpSpPr>
+        <p:cNvPr id="1" name=""/>
+        <p:cNvGrpSpPr/>
+        <p:nvPr/>
+      </p:nvGrpSpPr>
+      <p:grpSpPr>
+        <a:xfrm>
+          <a:off x="0" y="0"/>
+          <a:ext cx="0" cy="0"/>
+          <a:chOff x="0" y="0"/>
+          <a:chExt cx="0" cy="0"/>
+        </a:xfrm>
+      </p:grpSpPr>
+      <p:sp>
+        <p:nvSpPr>
+          <p:cNvPr id="3" name="Inhaltsplatzhalter 2"/>
+          <p:cNvSpPr>
+            <a:spLocks noGrp="1"/>
+          </p:cNvSpPr>
+          <p:nvPr>
+            <p:ph idx="1"/>
+          </p:nvPr>
+        </p:nvSpPr>
+        <p:spPr/>
+        <p:txBody>
+          <a:bodyPr>
+            <a:normAutofit/>
+          </a:bodyPr>
+          <a:lstStyle/>
+          <a:p>
+            <a:r>
+              <a:rPr lang="de-DE" sz="2800" dirty="0" smtClean="0"/>
+              <a:t>Philipp </a:t>
+            </a:r>
+            <a:r>
+              <a:rPr lang="de-DE" sz="2800" dirty="0" err="1" smtClean="0"/>
+              <a:t>Berens</a:t>
+            </a:r>
+            <a:endParaRPr lang="de-DE" sz="2800" dirty="0" smtClean="0"/>
+          </a:p>
+          <a:p>
+            <a:pPr lvl="1"/>
+            <a:r>
+              <a:rPr lang="de-DE" sz="2400" dirty="0" smtClean="0"/>
+              <a:t>M. Psychologie in Düsseldorf</a:t>
+            </a:r>
+          </a:p>
+          <a:p>
+            <a:pPr lvl="1"/>
+            <a:r>
+              <a:rPr lang="de-DE" sz="2400" dirty="0" smtClean="0"/>
+              <a:t>Parese</a:t>
+            </a:r>
+          </a:p>
+          <a:p>
+            <a:pPr lvl="1"/>
+            <a:r>
+              <a:rPr lang="de-DE" sz="2400" dirty="0" smtClean="0"/>
+              <a:t>Hohes Mobilitätsbedürfnis und </a:t>
+            </a:r>
+            <a:r>
+              <a:rPr lang="de-DE" sz="2400" dirty="0" err="1" smtClean="0"/>
+              <a:t>Aktivitätenprofil</a:t>
+            </a:r>
+            <a:endParaRPr lang="de-DE" sz="2400" dirty="0" smtClean="0"/>
+          </a:p>
+          <a:p>
+            <a:pPr lvl="1"/>
+            <a:r>
+              <a:rPr lang="de-DE" sz="2400" dirty="0" smtClean="0"/>
+              <a:t>Wunschlösung: </a:t>
+            </a:r>
+            <a:r>
+              <a:rPr lang="de-DE" sz="2400" dirty="0" err="1" smtClean="0"/>
+              <a:t>Plug‘n‘Play</a:t>
+            </a:r>
+            <a:endParaRPr lang="de-DE" sz="2400" dirty="0"/>
+          </a:p>
+        </p:txBody>
+      </p:sp>
+      <p:sp>
+        <p:nvSpPr>
+          <p:cNvPr id="4" name="Datumsplatzhalter 3"/>
+          <p:cNvSpPr>
+            <a:spLocks noGrp="1"/>
+          </p:cNvSpPr>
+          <p:nvPr>
+            <p:ph type="dt" sz="half" idx="2"/>
+          </p:nvPr>
+        </p:nvSpPr>
+        <p:spPr/>
+        <p:txBody>
+          <a:bodyPr/>
+          <a:lstStyle/>
+          <a:p>
+            <a:fld id="{C916D949-773C-3845-BFBA-C7D9987445EE}" type="datetime1">
+              <a:rPr lang="de-DE" smtClean="0"/>
+              <a:t>24.07.18</a:t>
+            </a:fld>
+            <a:endParaRPr lang="de-DE" dirty="0"/>
+          </a:p>
+        </p:txBody>
+      </p:sp>
+      <p:sp>
+        <p:nvSpPr>
+          <p:cNvPr id="5" name="Foliennummernplatzhalter 4"/>
+          <p:cNvSpPr>
+            <a:spLocks noGrp="1"/>
+          </p:cNvSpPr>
+          <p:nvPr>
+            <p:ph type="sldNum" sz="quarter" idx="4"/>
+          </p:nvPr>
+        </p:nvSpPr>
+        <p:spPr/>
+        <p:txBody>
+          <a:bodyPr/>
+          <a:lstStyle/>
+          <a:p>
+            <a:fld id="{E7BE1CCD-89A0-CC45-BF3E-2A331A7F0490}" type="slidenum">
+              <a:rPr lang="de-DE" smtClean="0"/>
+              <a:pPr/>
+              <a:t>25</a:t>
+            </a:fld>
+            <a:endParaRPr lang="de-DE" dirty="0"/>
+          </a:p>
+        </p:txBody>
+      </p:sp>
+      <p:sp>
+        <p:nvSpPr>
+          <p:cNvPr id="6" name="TextBox 5"/>
+          <p:cNvSpPr txBox="1"/>
+          <p:nvPr/>
+        </p:nvSpPr>
+        <p:spPr>
+          <a:xfrm>
+            <a:off x="3677878" y="6437376"/>
+            <a:ext cx="1460656" cy="253916"/>
+          </a:xfrm>
+          <a:prstGeom prst="rect">
+            <a:avLst/>
+          </a:prstGeom>
+          <a:noFill/>
+        </p:spPr>
+        <p:txBody>
+          <a:bodyPr wrap="none" rtlCol="0">
+            <a:spAutoFit/>
+          </a:bodyPr>
+          <a:lstStyle/>
+          <a:p>
+            <a:pPr algn="ctr"/>
+            <a:r>
+              <a:rPr lang="en-US" sz="1050" dirty="0" smtClean="0"/>
+              <a:t>HSHL – ITD 6. </a:t>
+            </a:r>
+            <a:r>
+              <a:rPr lang="en-US" sz="1050" dirty="0" smtClean="0"/>
+              <a:t>Semester</a:t>
+            </a:r>
+            <a:endParaRPr lang="en-US" sz="1050" dirty="0"/>
+          </a:p>
+        </p:txBody>
+      </p:sp>
+      <p:sp>
+        <p:nvSpPr>
+          <p:cNvPr id="7" name="Titel 1"/>
+          <p:cNvSpPr txBox="1">
+            <a:spLocks/>
+          </p:cNvSpPr>
+          <p:nvPr/>
+        </p:nvSpPr>
+        <p:spPr>
+          <a:xfrm>
+            <a:off x="648001" y="768252"/>
+            <a:ext cx="7520410" cy="941715"/>
+          </a:xfrm>
+          <a:prstGeom prst="rect">
+            <a:avLst/>
+          </a:prstGeom>
+        </p:spPr>
+        <p:txBody>
+          <a:bodyPr vert="horz" lIns="91440" tIns="45720" rIns="91440" bIns="45720" rtlCol="0" anchor="ctr">
+            <a:normAutofit/>
+          </a:bodyPr>
+          <a:lstStyle>
+            <a:lvl1pPr algn="l" defTabSz="457200" rtl="0" eaLnBrk="1" latinLnBrk="0" hangingPunct="1">
+              <a:spcBef>
+                <a:spcPct val="0"/>
+              </a:spcBef>
+              <a:buNone/>
+              <a:defRPr sz="4000" b="1" i="0" kern="1200">
+                <a:solidFill>
+                  <a:schemeClr val="tx1"/>
+                </a:solidFill>
+                <a:latin typeface="Source Sans Pro"/>
+                <a:ea typeface="+mj-ea"/>
+                <a:cs typeface="Source Sans Pro"/>
+              </a:defRPr>
+            </a:lvl1pPr>
+          </a:lstStyle>
+          <a:p>
+            <a:r>
+              <a:rPr lang="de-DE" sz="2400" dirty="0" smtClean="0"/>
+              <a:t>Experteninterview Philipp</a:t>
+            </a:r>
+            <a:endParaRPr lang="de-DE" sz="2400" dirty="0"/>
+          </a:p>
+        </p:txBody>
+      </p:sp>
+    </p:spTree>
+    <p:extLst>
+      <p:ext uri="{BB962C8B-B14F-4D97-AF65-F5344CB8AC3E}">
+        <p14:creationId xmlns:p14="http://schemas.microsoft.com/office/powerpoint/2010/main" val="838583223"/>
+      </p:ext>
+    </p:extLst>
+  </p:cSld>
+  <p:clrMapOvr>
+    <a:masterClrMapping/>
+  </p:clrMapOvr>
+</p:sld>
+</file>
+
+<file path=ppt/slides/slide26.xml><?xml version="1.0" encoding="utf-8"?>
+<p:sld xmlns:a="http://schemas.openxmlformats.org/drawingml/2006/main" xmlns:r="http://schemas.openxmlformats.org/officeDocument/2006/relationships" xmlns:p="http://schemas.openxmlformats.org/presentationml/2006/main">
+  <p:cSld>
+    <p:spTree>
+      <p:nvGrpSpPr>
+        <p:cNvPr id="1" name=""/>
+        <p:cNvGrpSpPr/>
+        <p:nvPr/>
+      </p:nvGrpSpPr>
+      <p:grpSpPr>
+        <a:xfrm>
+          <a:off x="0" y="0"/>
+          <a:ext cx="0" cy="0"/>
+          <a:chOff x="0" y="0"/>
+          <a:chExt cx="0" cy="0"/>
+        </a:xfrm>
+      </p:grpSpPr>
+      <p:sp>
+        <p:nvSpPr>
+          <p:cNvPr id="3" name="Inhaltsplatzhalter 2"/>
+          <p:cNvSpPr>
+            <a:spLocks noGrp="1"/>
+          </p:cNvSpPr>
+          <p:nvPr>
+            <p:ph idx="1"/>
+          </p:nvPr>
+        </p:nvSpPr>
+        <p:spPr/>
+        <p:txBody>
+          <a:bodyPr>
+            <a:normAutofit/>
+          </a:bodyPr>
+          <a:lstStyle/>
+          <a:p>
+            <a:r>
+              <a:rPr lang="de-DE" sz="2800" dirty="0" smtClean="0"/>
+              <a:t>Frust:</a:t>
+            </a:r>
+          </a:p>
+          <a:p>
+            <a:pPr lvl="1"/>
+            <a:r>
+              <a:rPr lang="de-DE" sz="2400" dirty="0" smtClean="0"/>
+              <a:t>Reparatur dauert teilweise 6 Wochen</a:t>
+            </a:r>
+          </a:p>
+          <a:p>
+            <a:pPr lvl="2"/>
+            <a:r>
+              <a:rPr lang="de-DE" sz="2000" dirty="0" err="1" smtClean="0"/>
+              <a:t>Workarround</a:t>
+            </a:r>
+            <a:r>
+              <a:rPr lang="de-DE" sz="2000" dirty="0" smtClean="0"/>
+              <a:t>: Fahrradservices nutzen</a:t>
+            </a:r>
+          </a:p>
+          <a:p>
+            <a:pPr lvl="1"/>
+            <a:r>
+              <a:rPr lang="de-DE" sz="2400" dirty="0" smtClean="0"/>
+              <a:t>Aktivrollstuhl aus NL </a:t>
+            </a:r>
+          </a:p>
+          <a:p>
+            <a:pPr lvl="2"/>
+            <a:r>
+              <a:rPr lang="de-DE" sz="2000" dirty="0" err="1" smtClean="0"/>
+              <a:t>Maßgefertig</a:t>
+            </a:r>
+            <a:endParaRPr lang="de-DE" sz="2000" dirty="0" smtClean="0"/>
+          </a:p>
+          <a:p>
+            <a:pPr lvl="2"/>
+            <a:r>
+              <a:rPr lang="de-DE" sz="2000" dirty="0" smtClean="0"/>
+              <a:t>Vollgefedert</a:t>
+            </a:r>
+          </a:p>
+          <a:p>
+            <a:pPr lvl="2"/>
+            <a:r>
+              <a:rPr lang="de-DE" sz="2000" dirty="0" smtClean="0"/>
+              <a:t>Sport (Halfpipe)</a:t>
+            </a:r>
+          </a:p>
+          <a:p>
+            <a:pPr lvl="1"/>
+            <a:r>
+              <a:rPr lang="de-DE" sz="2400" dirty="0" err="1" smtClean="0"/>
+              <a:t>eFix</a:t>
+            </a:r>
+            <a:r>
+              <a:rPr lang="de-DE" sz="2400" dirty="0" smtClean="0"/>
+              <a:t> Räder sehr schwer, nicht selbst demontierbar</a:t>
+            </a:r>
+          </a:p>
+          <a:p>
+            <a:pPr lvl="1"/>
+            <a:r>
+              <a:rPr lang="de-DE" sz="2400" dirty="0" smtClean="0"/>
+              <a:t>Große Rollstühle sorgen für Aufmerksamkeit</a:t>
+            </a:r>
+          </a:p>
+          <a:p>
+            <a:pPr lvl="2"/>
+            <a:r>
+              <a:rPr lang="de-DE" sz="2000" dirty="0" smtClean="0"/>
+              <a:t>Unpersönlich </a:t>
+            </a:r>
+            <a:r>
+              <a:rPr lang="de-DE" sz="2000" dirty="0" smtClean="0">
+                <a:sym typeface="Wingdings"/>
+              </a:rPr>
+              <a:t> behindern</a:t>
+            </a:r>
+            <a:endParaRPr lang="de-DE" sz="2000" dirty="0" smtClean="0"/>
+          </a:p>
+          <a:p>
+            <a:pPr lvl="1"/>
+            <a:endParaRPr lang="de-DE" dirty="0"/>
+          </a:p>
+        </p:txBody>
+      </p:sp>
+      <p:sp>
+        <p:nvSpPr>
+          <p:cNvPr id="4" name="Datumsplatzhalter 3"/>
+          <p:cNvSpPr>
+            <a:spLocks noGrp="1"/>
+          </p:cNvSpPr>
+          <p:nvPr>
+            <p:ph type="dt" sz="half" idx="2"/>
+          </p:nvPr>
+        </p:nvSpPr>
+        <p:spPr/>
+        <p:txBody>
+          <a:bodyPr/>
+          <a:lstStyle/>
+          <a:p>
+            <a:fld id="{C916D949-773C-3845-BFBA-C7D9987445EE}" type="datetime1">
+              <a:rPr lang="de-DE" smtClean="0"/>
+              <a:t>24.07.18</a:t>
+            </a:fld>
+            <a:endParaRPr lang="de-DE" dirty="0"/>
+          </a:p>
+        </p:txBody>
+      </p:sp>
+      <p:sp>
+        <p:nvSpPr>
+          <p:cNvPr id="5" name="Foliennummernplatzhalter 4"/>
+          <p:cNvSpPr>
+            <a:spLocks noGrp="1"/>
+          </p:cNvSpPr>
+          <p:nvPr>
+            <p:ph type="sldNum" sz="quarter" idx="4"/>
+          </p:nvPr>
+        </p:nvSpPr>
+        <p:spPr/>
+        <p:txBody>
+          <a:bodyPr/>
+          <a:lstStyle/>
+          <a:p>
+            <a:fld id="{E7BE1CCD-89A0-CC45-BF3E-2A331A7F0490}" type="slidenum">
+              <a:rPr lang="de-DE" smtClean="0"/>
+              <a:pPr/>
+              <a:t>26</a:t>
+            </a:fld>
+            <a:endParaRPr lang="de-DE" dirty="0"/>
+          </a:p>
+        </p:txBody>
+      </p:sp>
+      <p:sp>
+        <p:nvSpPr>
+          <p:cNvPr id="6" name="TextBox 5"/>
+          <p:cNvSpPr txBox="1"/>
+          <p:nvPr/>
+        </p:nvSpPr>
+        <p:spPr>
+          <a:xfrm>
+            <a:off x="3677878" y="6437376"/>
+            <a:ext cx="1460656" cy="253916"/>
+          </a:xfrm>
+          <a:prstGeom prst="rect">
+            <a:avLst/>
+          </a:prstGeom>
+          <a:noFill/>
+        </p:spPr>
+        <p:txBody>
+          <a:bodyPr wrap="none" rtlCol="0">
+            <a:spAutoFit/>
+          </a:bodyPr>
+          <a:lstStyle/>
+          <a:p>
+            <a:pPr algn="ctr"/>
+            <a:r>
+              <a:rPr lang="en-US" sz="1050" dirty="0" smtClean="0"/>
+              <a:t>HSHL – ITD 6. </a:t>
+            </a:r>
+            <a:r>
+              <a:rPr lang="en-US" sz="1050" dirty="0" smtClean="0"/>
+              <a:t>Semester</a:t>
+            </a:r>
+            <a:endParaRPr lang="en-US" sz="1050" dirty="0"/>
+          </a:p>
+        </p:txBody>
+      </p:sp>
+      <p:sp>
+        <p:nvSpPr>
+          <p:cNvPr id="7" name="Titel 1"/>
+          <p:cNvSpPr txBox="1">
+            <a:spLocks/>
+          </p:cNvSpPr>
+          <p:nvPr/>
+        </p:nvSpPr>
+        <p:spPr>
+          <a:xfrm>
+            <a:off x="648001" y="768252"/>
+            <a:ext cx="7520410" cy="941715"/>
+          </a:xfrm>
+          <a:prstGeom prst="rect">
+            <a:avLst/>
+          </a:prstGeom>
+        </p:spPr>
+        <p:txBody>
+          <a:bodyPr vert="horz" lIns="91440" tIns="45720" rIns="91440" bIns="45720" rtlCol="0" anchor="ctr">
+            <a:normAutofit/>
+          </a:bodyPr>
+          <a:lstStyle>
+            <a:lvl1pPr algn="l" defTabSz="457200" rtl="0" eaLnBrk="1" latinLnBrk="0" hangingPunct="1">
+              <a:spcBef>
+                <a:spcPct val="0"/>
+              </a:spcBef>
+              <a:buNone/>
+              <a:defRPr sz="4000" b="1" i="0" kern="1200">
+                <a:solidFill>
+                  <a:schemeClr val="tx1"/>
+                </a:solidFill>
+                <a:latin typeface="Source Sans Pro"/>
+                <a:ea typeface="+mj-ea"/>
+                <a:cs typeface="Source Sans Pro"/>
+              </a:defRPr>
+            </a:lvl1pPr>
+          </a:lstStyle>
+          <a:p>
+            <a:r>
+              <a:rPr lang="de-DE" sz="2400" smtClean="0"/>
+              <a:t>Experteninterview</a:t>
+            </a:r>
+            <a:endParaRPr lang="de-DE" sz="2400" dirty="0"/>
+          </a:p>
+        </p:txBody>
+      </p:sp>
+    </p:spTree>
+    <p:extLst>
+      <p:ext uri="{BB962C8B-B14F-4D97-AF65-F5344CB8AC3E}">
+        <p14:creationId xmlns:p14="http://schemas.microsoft.com/office/powerpoint/2010/main" val="1320693892"/>
       </p:ext>
     </p:extLst>
   </p:cSld>
@@ -12535,6 +13733,58 @@
       </p:grpSpPr>
       <p:sp>
         <p:nvSpPr>
+          <p:cNvPr id="3" name="Inhaltsplatzhalter 2"/>
+          <p:cNvSpPr>
+            <a:spLocks noGrp="1"/>
+          </p:cNvSpPr>
+          <p:nvPr>
+            <p:ph idx="1"/>
+          </p:nvPr>
+        </p:nvSpPr>
+        <p:spPr/>
+        <p:txBody>
+          <a:bodyPr>
+            <a:normAutofit/>
+          </a:bodyPr>
+          <a:lstStyle/>
+          <a:p>
+            <a:r>
+              <a:rPr lang="de-DE" sz="2800" dirty="0" smtClean="0"/>
+              <a:t>Bisherige Lösungen sind immer auf Firmen-</a:t>
+            </a:r>
+            <a:r>
+              <a:rPr lang="de-DE" sz="2800" dirty="0" err="1" smtClean="0"/>
+              <a:t>Ecosysteme</a:t>
+            </a:r>
+            <a:r>
+              <a:rPr lang="de-DE" sz="2800" dirty="0" smtClean="0"/>
+              <a:t> gebunden</a:t>
+            </a:r>
+            <a:r>
+              <a:rPr lang="de-DE" sz="2800" dirty="0"/>
+              <a:t> </a:t>
+            </a:r>
+            <a:r>
+              <a:rPr lang="de-DE" sz="2800" dirty="0" smtClean="0"/>
+              <a:t>// Monopole</a:t>
+            </a:r>
+          </a:p>
+          <a:p>
+            <a:r>
+              <a:rPr lang="de-DE" sz="2800" dirty="0" smtClean="0"/>
+              <a:t>Open Source Gedanke</a:t>
+            </a:r>
+          </a:p>
+          <a:p>
+            <a:r>
+              <a:rPr lang="de-DE" sz="2800" dirty="0" smtClean="0"/>
+              <a:t>Haftungsfragen aushebeln durch RTOS </a:t>
+            </a:r>
+          </a:p>
+        </p:txBody>
+      </p:sp>
+      <p:sp>
+        <p:nvSpPr>
           <p:cNvPr id="4" name="Datumsplatzhalter 3"/>
           <p:cNvSpPr>
             <a:spLocks noGrp="1"/>
@@ -12575,6 +13825,164 @@
               <a:rPr lang="de-DE" smtClean="0"/>
               <a:pPr/>
               <a:t>3</a:t>
+            </a:fld>
+            <a:endParaRPr lang="de-DE" dirty="0"/>
+          </a:p>
+        </p:txBody>
+      </p:sp>
+      <p:sp>
+        <p:nvSpPr>
+          <p:cNvPr id="6" name="TextBox 5"/>
+          <p:cNvSpPr txBox="1"/>
+          <p:nvPr/>
+        </p:nvSpPr>
+        <p:spPr>
+          <a:xfrm>
+            <a:off x="3677878" y="6437376"/>
+            <a:ext cx="1460656" cy="253916"/>
+          </a:xfrm>
+          <a:prstGeom prst="rect">
+            <a:avLst/>
+          </a:prstGeom>
+          <a:noFill/>
+        </p:spPr>
+        <p:txBody>
+          <a:bodyPr wrap="none" rtlCol="0">
+            <a:spAutoFit/>
+          </a:bodyPr>
+          <a:lstStyle/>
+          <a:p>
+            <a:pPr algn="ctr"/>
+            <a:r>
+              <a:rPr lang="en-US" sz="1050" dirty="0" smtClean="0"/>
+              <a:t>HSHL – ITD 6. </a:t>
+            </a:r>
+            <a:r>
+              <a:rPr lang="en-US" sz="1050" dirty="0" smtClean="0"/>
+              <a:t>Semester</a:t>
+            </a:r>
+            <a:endParaRPr lang="en-US" sz="1050" dirty="0"/>
+          </a:p>
+        </p:txBody>
+      </p:sp>
+      <p:sp>
+        <p:nvSpPr>
+          <p:cNvPr id="7" name="Titel 1"/>
+          <p:cNvSpPr txBox="1">
+            <a:spLocks/>
+          </p:cNvSpPr>
+          <p:nvPr/>
+        </p:nvSpPr>
+        <p:spPr>
+          <a:xfrm>
+            <a:off x="648001" y="768252"/>
+            <a:ext cx="7520410" cy="941715"/>
+          </a:xfrm>
+          <a:prstGeom prst="rect">
+            <a:avLst/>
+          </a:prstGeom>
+        </p:spPr>
+        <p:txBody>
+          <a:bodyPr vert="horz" lIns="91440" tIns="45720" rIns="91440" bIns="45720" rtlCol="0" anchor="ctr">
+            <a:normAutofit/>
+          </a:bodyPr>
+          <a:lstStyle>
+            <a:lvl1pPr algn="l" defTabSz="457200" rtl="0" eaLnBrk="1" latinLnBrk="0" hangingPunct="1">
+              <a:spcBef>
+                <a:spcPct val="0"/>
+              </a:spcBef>
+              <a:buNone/>
+              <a:defRPr sz="4000" b="1" i="0" kern="1200">
+                <a:solidFill>
+                  <a:schemeClr val="tx1"/>
+                </a:solidFill>
+                <a:latin typeface="Source Sans Pro"/>
+                <a:ea typeface="+mj-ea"/>
+                <a:cs typeface="Source Sans Pro"/>
+              </a:defRPr>
+            </a:lvl1pPr>
+          </a:lstStyle>
+          <a:p>
+            <a:r>
+              <a:rPr lang="de-DE" sz="2400" dirty="0" smtClean="0"/>
+              <a:t>Motivation – </a:t>
+            </a:r>
+            <a:endParaRPr lang="de-DE" sz="2400" dirty="0"/>
+          </a:p>
+        </p:txBody>
+      </p:sp>
+    </p:spTree>
+    <p:extLst>
+      <p:ext uri="{BB962C8B-B14F-4D97-AF65-F5344CB8AC3E}">
+        <p14:creationId xmlns:p14="http://schemas.microsoft.com/office/powerpoint/2010/main" val="1532009945"/>
+      </p:ext>
+    </p:extLst>
+  </p:cSld>
+  <p:clrMapOvr>
+    <a:masterClrMapping/>
+  </p:clrMapOvr>
+</p:sld>
+</file>
+
+<file path=ppt/slides/slide4.xml><?xml version="1.0" encoding="utf-8"?>
+<p:sld xmlns:a="http://schemas.openxmlformats.org/drawingml/2006/main" xmlns:r="http://schemas.openxmlformats.org/officeDocument/2006/relationships" xmlns:p="http://schemas.openxmlformats.org/presentationml/2006/main">
+  <p:cSld>
+    <p:spTree>
+      <p:nvGrpSpPr>
+        <p:cNvPr id="1" name=""/>
+        <p:cNvGrpSpPr/>
+        <p:nvPr/>
+      </p:nvGrpSpPr>
+      <p:grpSpPr>
+        <a:xfrm>
+          <a:off x="0" y="0"/>
+          <a:ext cx="0" cy="0"/>
+          <a:chOff x="0" y="0"/>
+          <a:chExt cx="0" cy="0"/>
+        </a:xfrm>
+      </p:grpSpPr>
+      <p:sp>
+        <p:nvSpPr>
+          <p:cNvPr id="4" name="Datumsplatzhalter 3"/>
+          <p:cNvSpPr>
+            <a:spLocks noGrp="1"/>
+          </p:cNvSpPr>
+          <p:nvPr>
+            <p:ph type="dt" sz="half" idx="2"/>
+          </p:nvPr>
+        </p:nvSpPr>
+        <p:spPr/>
+        <p:txBody>
+          <a:bodyPr/>
+          <a:lstStyle/>
+          <a:p>
+            <a:fld id="{C916D949-773C-3845-BFBA-C7D9987445EE}" type="datetime1">
+              <a:rPr lang="de-DE" smtClean="0"/>
+              <a:t>24.07.18</a:t>
+            </a:fld>
+            <a:endParaRPr lang="de-DE" dirty="0"/>
+          </a:p>
+        </p:txBody>
+      </p:sp>
+      <p:sp>
+        <p:nvSpPr>
+          <p:cNvPr id="5" name="Foliennummernplatzhalter 4"/>
+          <p:cNvSpPr>
+            <a:spLocks noGrp="1"/>
+          </p:cNvSpPr>
+          <p:nvPr>
+            <p:ph type="sldNum" sz="quarter" idx="4"/>
+          </p:nvPr>
+        </p:nvSpPr>
+        <p:spPr/>
+        <p:txBody>
+          <a:bodyPr/>
+          <a:lstStyle/>
+          <a:p>
+            <a:fld id="{E7BE1CCD-89A0-CC45-BF3E-2A331A7F0490}" type="slidenum">
+              <a:rPr lang="de-DE" smtClean="0"/>
+              <a:pPr/>
+              <a:t>4</a:t>
             </a:fld>
             <a:endParaRPr lang="de-DE" dirty="0"/>
           </a:p>
@@ -13659,7 +15067,7 @@
 </p:sld>
 </file>
 
-<file path=ppt/slides/slide4.xml><?xml version="1.0" encoding="utf-8"?>
+<file path=ppt/slides/slide5.xml><?xml version="1.0" encoding="utf-8"?>
 <p:sld xmlns:a="http://schemas.openxmlformats.org/drawingml/2006/main" xmlns:r="http://schemas.openxmlformats.org/officeDocument/2006/relationships" xmlns:p="http://schemas.openxmlformats.org/presentationml/2006/main">
   <p:cSld>
     <p:spTree>
@@ -13766,7 +15174,7 @@
             <a:fld id="{E7BE1CCD-89A0-CC45-BF3E-2A331A7F0490}" type="slidenum">
               <a:rPr lang="de-DE" smtClean="0"/>
               <a:pPr/>
-              <a:t>4</a:t>
+              <a:t>5</a:t>
             </a:fld>
             <a:endParaRPr lang="de-DE" dirty="0"/>
           </a:p>
@@ -13877,241 +15285,6 @@
     <p:extLst>
       <p:ext uri="{BB962C8B-B14F-4D97-AF65-F5344CB8AC3E}">
         <p14:creationId xmlns:p14="http://schemas.microsoft.com/office/powerpoint/2010/main" val="745789"/>
-      </p:ext>
-    </p:extLst>
-  </p:cSld>
-  <p:clrMapOvr>
-    <a:masterClrMapping/>
-  </p:clrMapOvr>
-</p:sld>
-</file>
-
-<file path=ppt/slides/slide5.xml><?xml version="1.0" encoding="utf-8"?>
-<p:sld xmlns:a="http://schemas.openxmlformats.org/drawingml/2006/main" xmlns:r="http://schemas.openxmlformats.org/officeDocument/2006/relationships" xmlns:p="http://schemas.openxmlformats.org/presentationml/2006/main">
-  <p:cSld>
-    <p:spTree>
-      <p:nvGrpSpPr>
-        <p:cNvPr id="1" name=""/>
-        <p:cNvGrpSpPr/>
-        <p:nvPr/>
-      </p:nvGrpSpPr>
-      <p:grpSpPr>
-        <a:xfrm>
-          <a:off x="0" y="0"/>
-          <a:ext cx="0" cy="0"/>
-          <a:chOff x="0" y="0"/>
-          <a:chExt cx="0" cy="0"/>
-        </a:xfrm>
-      </p:grpSpPr>
-      <p:sp>
-        <p:nvSpPr>
-          <p:cNvPr id="3" name="Inhaltsplatzhalter 2"/>
-          <p:cNvSpPr>
-            <a:spLocks noGrp="1"/>
-          </p:cNvSpPr>
-          <p:nvPr>
-            <p:ph idx="1"/>
-          </p:nvPr>
-        </p:nvSpPr>
-        <p:spPr/>
-        <p:txBody>
-          <a:bodyPr>
-            <a:normAutofit/>
-          </a:bodyPr>
-          <a:lstStyle/>
-          <a:p>
-            <a:r>
-              <a:rPr lang="de-DE" sz="2800" dirty="0" smtClean="0"/>
-              <a:t>Feststellfunktion bei geradeausfahrt</a:t>
-            </a:r>
-          </a:p>
-          <a:p>
-            <a:r>
-              <a:rPr lang="de-DE" sz="2800" dirty="0" smtClean="0"/>
-              <a:t>Was ist bei einem Telefonanruf?</a:t>
-            </a:r>
-          </a:p>
-          <a:p>
-            <a:r>
-              <a:rPr lang="de-DE" sz="2800" dirty="0" err="1" smtClean="0"/>
-              <a:t>Rekoperation</a:t>
-            </a:r>
-            <a:r>
-              <a:rPr lang="de-DE" sz="2800" dirty="0" smtClean="0"/>
-              <a:t> als Bremse </a:t>
-            </a:r>
-            <a:r>
-              <a:rPr lang="mr-IN" sz="2800" dirty="0" smtClean="0"/>
-              <a:t>–</a:t>
-            </a:r>
-            <a:r>
-              <a:rPr lang="de-DE" sz="2800" dirty="0" smtClean="0"/>
-              <a:t> Manuelle Bremse?</a:t>
-            </a:r>
-            <a:endParaRPr lang="de-DE" sz="2800" dirty="0"/>
-          </a:p>
-        </p:txBody>
-      </p:sp>
-      <p:sp>
-        <p:nvSpPr>
-          <p:cNvPr id="4" name="Datumsplatzhalter 3"/>
-          <p:cNvSpPr>
-            <a:spLocks noGrp="1"/>
-          </p:cNvSpPr>
-          <p:nvPr>
-            <p:ph type="dt" sz="half" idx="2"/>
-          </p:nvPr>
-        </p:nvSpPr>
-        <p:spPr/>
-        <p:txBody>
-          <a:bodyPr/>
-          <a:lstStyle/>
-          <a:p>
-            <a:fld id="{C916D949-773C-3845-BFBA-C7D9987445EE}" type="datetime1">
-              <a:rPr lang="de-DE" smtClean="0"/>
-              <a:t>24.07.18</a:t>
-            </a:fld>
-            <a:endParaRPr lang="de-DE" dirty="0"/>
-          </a:p>
-        </p:txBody>
-      </p:sp>
-      <p:sp>
-        <p:nvSpPr>
-          <p:cNvPr id="5" name="Foliennummernplatzhalter 4"/>
-          <p:cNvSpPr>
-            <a:spLocks noGrp="1"/>
-          </p:cNvSpPr>
-          <p:nvPr>
-            <p:ph type="sldNum" sz="quarter" idx="4"/>
-          </p:nvPr>
-        </p:nvSpPr>
-        <p:spPr/>
-        <p:txBody>
-          <a:bodyPr/>
-          <a:lstStyle/>
-          <a:p>
-            <a:fld id="{E7BE1CCD-89A0-CC45-BF3E-2A331A7F0490}" type="slidenum">
-              <a:rPr lang="de-DE" smtClean="0"/>
-              <a:pPr/>
-              <a:t>5</a:t>
-            </a:fld>
-            <a:endParaRPr lang="de-DE" dirty="0"/>
-          </a:p>
-        </p:txBody>
-      </p:sp>
-      <p:sp>
-        <p:nvSpPr>
-          <p:cNvPr id="6" name="TextBox 5"/>
-          <p:cNvSpPr txBox="1"/>
-          <p:nvPr/>
-        </p:nvSpPr>
-        <p:spPr>
-          <a:xfrm>
-            <a:off x="2042013" y="6437376"/>
-            <a:ext cx="4732386" cy="253916"/>
-          </a:xfrm>
-          <a:prstGeom prst="rect">
-            <a:avLst/>
-          </a:prstGeom>
-          <a:noFill/>
-        </p:spPr>
-        <p:txBody>
-          <a:bodyPr wrap="none" rtlCol="0">
-            <a:spAutoFit/>
-          </a:bodyPr>
-          <a:lstStyle/>
-          <a:p>
-            <a:pPr algn="ctr"/>
-            <a:r>
-              <a:rPr lang="en-US" sz="1050" dirty="0" smtClean="0"/>
-              <a:t>HSHL – ITD 6. Semester </a:t>
-            </a:r>
-            <a:r>
-              <a:rPr lang="mr-IN" sz="1050" dirty="0" smtClean="0"/>
-              <a:t>–</a:t>
-            </a:r>
-            <a:r>
-              <a:rPr lang="en-US" sz="1050" dirty="0" smtClean="0"/>
-              <a:t> Christopher Beck, Daniel </a:t>
-            </a:r>
-            <a:r>
-              <a:rPr lang="en-US" sz="1050" dirty="0" err="1" smtClean="0"/>
-              <a:t>Münstermann</a:t>
-            </a:r>
-            <a:r>
-              <a:rPr lang="en-US" sz="1050" dirty="0" smtClean="0"/>
-              <a:t>, Alexander Wilms</a:t>
-            </a:r>
-            <a:endParaRPr lang="en-US" sz="1050" dirty="0"/>
-          </a:p>
-        </p:txBody>
-      </p:sp>
-      <p:sp>
-        <p:nvSpPr>
-          <p:cNvPr id="7" name="Titel 1"/>
-          <p:cNvSpPr txBox="1">
-            <a:spLocks/>
-          </p:cNvSpPr>
-          <p:nvPr/>
-        </p:nvSpPr>
-        <p:spPr>
-          <a:xfrm>
-            <a:off x="648001" y="768252"/>
-            <a:ext cx="7520410" cy="941715"/>
-          </a:xfrm>
-          <a:prstGeom prst="rect">
-            <a:avLst/>
-          </a:prstGeom>
-        </p:spPr>
-        <p:txBody>
-          <a:bodyPr vert="horz" lIns="91440" tIns="45720" rIns="91440" bIns="45720" rtlCol="0" anchor="ctr">
-            <a:normAutofit/>
-          </a:bodyPr>
-          <a:lstStyle>
-            <a:lvl1pPr algn="l" defTabSz="457200" rtl="0" eaLnBrk="1" latinLnBrk="0" hangingPunct="1">
-              <a:spcBef>
-                <a:spcPct val="0"/>
-              </a:spcBef>
-              <a:buNone/>
-              <a:defRPr sz="4000" b="1" i="0" kern="1200">
-                <a:solidFill>
-                  <a:schemeClr val="tx1"/>
-                </a:solidFill>
-                <a:latin typeface="Source Sans Pro"/>
-                <a:ea typeface="+mj-ea"/>
-                <a:cs typeface="Source Sans Pro"/>
-              </a:defRPr>
-            </a:lvl1pPr>
-          </a:lstStyle>
-          <a:p>
-            <a:r>
-              <a:rPr lang="de-DE" sz="2400" dirty="0" smtClean="0"/>
-              <a:t>Anforderungen aus der Experteninterview </a:t>
-            </a:r>
-            <a:r>
-              <a:rPr lang="mr-IN" sz="2400" dirty="0" smtClean="0"/>
-              <a:t>–</a:t>
-            </a:r>
-            <a:r>
-              <a:rPr lang="de-DE" sz="2400" dirty="0" smtClean="0"/>
-              <a:t> </a:t>
-            </a:r>
-            <a:r>
-              <a:rPr lang="de-DE" sz="2400" dirty="0" err="1" smtClean="0"/>
-              <a:t>Worst</a:t>
-            </a:r>
-            <a:r>
-              <a:rPr lang="de-DE" sz="2400" dirty="0" smtClean="0"/>
-              <a:t> Case Modellierung</a:t>
-            </a:r>
-            <a:endParaRPr lang="de-DE" sz="2400" dirty="0"/>
-          </a:p>
-        </p:txBody>
-      </p:sp>
-    </p:spTree>
-    <p:extLst>
-      <p:ext uri="{BB962C8B-B14F-4D97-AF65-F5344CB8AC3E}">
-        <p14:creationId xmlns:p14="http://schemas.microsoft.com/office/powerpoint/2010/main" val="888225302"/>
       </p:ext>
     </p:extLst>
   </p:cSld>
@@ -14150,42 +15323,40 @@
         </p:nvSpPr>
         <p:spPr/>
         <p:txBody>
-          <a:bodyPr/>
+          <a:bodyPr>
+            <a:normAutofit/>
+          </a:bodyPr>
           <a:lstStyle/>
           <a:p>
             <a:r>
-              <a:rPr lang="de-DE" dirty="0" smtClean="0"/>
-              <a:t>Problematik Krankenkasse</a:t>
-            </a:r>
-          </a:p>
-          <a:p>
-            <a:r>
-              <a:rPr lang="de-DE" dirty="0" smtClean="0"/>
-              <a:t>Schwere Räder mit Narbenantrieb teilweise nicht selbst </a:t>
-            </a:r>
-            <a:r>
-              <a:rPr lang="de-DE" dirty="0" err="1" smtClean="0"/>
-              <a:t>montierbar</a:t>
-            </a:r>
-            <a:endParaRPr lang="de-DE" dirty="0" smtClean="0"/>
-          </a:p>
-          <a:p>
-            <a:r>
-              <a:rPr lang="de-DE" dirty="0" smtClean="0"/>
-              <a:t>Fährt einen Custom Rollstuhl (Skatepark)</a:t>
-            </a:r>
-          </a:p>
-          <a:p>
-            <a:endParaRPr lang="de-DE" dirty="0"/>
-          </a:p>
-          <a:p>
-            <a:r>
-              <a:rPr lang="de-DE" dirty="0" smtClean="0"/>
-              <a:t>Idee Handreifen als Steuerung!</a:t>
-            </a:r>
-          </a:p>
-          <a:p>
-            <a:endParaRPr lang="de-DE" dirty="0"/>
+              <a:rPr lang="de-DE" sz="2800" dirty="0" smtClean="0"/>
+              <a:t>Feststellfunktion bei geradeausfahrt</a:t>
+            </a:r>
+          </a:p>
+          <a:p>
+            <a:r>
+              <a:rPr lang="de-DE" sz="2800" dirty="0" smtClean="0"/>
+              <a:t>Was ist bei einem Telefonanruf?</a:t>
+            </a:r>
+          </a:p>
+          <a:p>
+            <a:r>
+              <a:rPr lang="de-DE" sz="2800" dirty="0" err="1" smtClean="0"/>
+              <a:t>Rekoperation</a:t>
+            </a:r>
+            <a:r>
+              <a:rPr lang="de-DE" sz="2800" dirty="0" smtClean="0"/>
+              <a:t> als Bremse </a:t>
+            </a:r>
+            <a:r>
+              <a:rPr lang="mr-IN" sz="2800" dirty="0" smtClean="0"/>
+              <a:t>–</a:t>
+            </a:r>
+            <a:r>
+              <a:rPr lang="de-DE" sz="2800" dirty="0" smtClean="0"/>
+              <a:t> Manuelle Bremse?</a:t>
+            </a:r>
+            <a:endParaRPr lang="de-DE" sz="2800" dirty="0"/>
           </a:p>
         </p:txBody>
       </p:sp>
@@ -14244,8 +15415,8 @@
         </p:nvSpPr>
         <p:spPr>
           <a:xfrm>
-            <a:off x="3151291" y="6437376"/>
-            <a:ext cx="2513830" cy="253916"/>
+            <a:off x="2042013" y="6437376"/>
+            <a:ext cx="4732386" cy="253916"/>
           </a:xfrm>
           <a:prstGeom prst="rect">
             <a:avLst/>
@@ -14269,11 +15440,15 @@
             </a:r>
             <a:r>
               <a:rPr lang="en-US" sz="1050" dirty="0" smtClean="0"/>
-              <a:t> </a:t>
+              <a:t> Christopher Beck, Daniel </a:t>
+            </a:r>
+            <a:r>
+              <a:rPr lang="en-US" sz="1050" dirty="0" err="1" smtClean="0"/>
+              <a:t>Münstermann</a:t>
             </a:r>
             <a:r>
               <a:rPr lang="en-US" sz="1050" dirty="0" smtClean="0"/>
-              <a:t>Alexander Wilms</a:t>
+              <a:t>, Alexander Wilms</a:t>
             </a:r>
             <a:endParaRPr lang="en-US" sz="1050" dirty="0"/>
           </a:p>
@@ -14319,7 +15494,23 @@
           <a:p>
             <a:r>
               <a:rPr lang="de-DE" sz="2400" dirty="0" smtClean="0"/>
-              <a:t>Philipp Experteninterview	</a:t>
+              <a:t>Anforderungen aus der Experteninterview </a:t>
+            </a:r>
+            <a:r>
+              <a:rPr lang="mr-IN" sz="2400" dirty="0" smtClean="0"/>
+              <a:t>–</a:t>
+            </a:r>
+            <a:r>
+              <a:rPr lang="de-DE" sz="2400" dirty="0" smtClean="0"/>
+              <a:t> </a:t>
+            </a:r>
+            <a:r>
+              <a:rPr lang="de-DE" sz="2400" dirty="0" err="1" smtClean="0"/>
+              <a:t>Worst</a:t>
+            </a:r>
+            <a:r>
+              <a:rPr lang="de-DE" sz="2400" dirty="0" smtClean="0"/>
+              <a:t> Case Modellierung</a:t>
             </a:r>
             <a:endParaRPr lang="de-DE" sz="2400" dirty="0"/>
           </a:p>
@@ -14328,7 +15519,7 @@
     </p:spTree>
     <p:extLst>
       <p:ext uri="{BB962C8B-B14F-4D97-AF65-F5344CB8AC3E}">
-        <p14:creationId xmlns:p14="http://schemas.microsoft.com/office/powerpoint/2010/main" val="488629205"/>
+        <p14:creationId xmlns:p14="http://schemas.microsoft.com/office/powerpoint/2010/main" val="888225302"/>
       </p:ext>
     </p:extLst>
   </p:cSld>
@@ -14372,51 +15563,36 @@
           <a:p>
             <a:r>
               <a:rPr lang="de-DE" dirty="0" smtClean="0"/>
-              <a:t>1 Joystick </a:t>
-            </a:r>
-            <a:r>
-              <a:rPr lang="mr-IN" dirty="0" smtClean="0"/>
-              <a:t>–</a:t>
-            </a:r>
+              <a:t>Problematik Krankenkasse</a:t>
+            </a:r>
+          </a:p>
+          <a:p>
             <a:r>
               <a:rPr lang="de-DE" dirty="0" smtClean="0"/>
-              <a:t> je nach Einschränkung</a:t>
-            </a:r>
+              <a:t>Schwere Räder mit Narbenantrieb teilweise nicht selbst </a:t>
+            </a:r>
+            <a:r>
+              <a:rPr lang="de-DE" dirty="0" err="1" smtClean="0"/>
+              <a:t>montierbar</a:t>
+            </a:r>
+            <a:endParaRPr lang="de-DE" dirty="0" smtClean="0"/>
           </a:p>
           <a:p>
             <a:r>
               <a:rPr lang="de-DE" dirty="0" smtClean="0"/>
-              <a:t>2  ODO (</a:t>
-            </a:r>
-            <a:r>
-              <a:rPr lang="de-DE" dirty="0" err="1" smtClean="0"/>
-              <a:t>Segwayvariante</a:t>
-            </a:r>
+              <a:t>Fährt einen Custom Rollstuhl (Skatepark)</a:t>
+            </a:r>
+          </a:p>
+          <a:p>
+            <a:endParaRPr lang="de-DE" dirty="0"/>
+          </a:p>
+          <a:p>
             <a:r>
               <a:rPr lang="de-DE" dirty="0" smtClean="0"/>
-              <a:t>)</a:t>
-            </a:r>
-          </a:p>
-          <a:p>
-            <a:r>
-              <a:rPr lang="de-DE" dirty="0" smtClean="0"/>
-              <a:t>3</a:t>
-            </a:r>
-          </a:p>
-          <a:p>
-            <a:r>
-              <a:rPr lang="de-DE" dirty="0" smtClean="0"/>
-              <a:t>4</a:t>
-            </a:r>
-          </a:p>
-          <a:p>
-            <a:endParaRPr lang="de-DE" dirty="0"/>
-          </a:p>
-          <a:p>
-            <a:r>
-              <a:rPr lang="de-DE" dirty="0" err="1" smtClean="0"/>
-              <a:t>individuallösungen</a:t>
-            </a:r>
+              <a:t>Idee Handreifen als Steuerung!</a:t>
+            </a:r>
+          </a:p>
+          <a:p>
             <a:endParaRPr lang="de-DE" dirty="0"/>
           </a:p>
         </p:txBody>
@@ -14476,8 +15652,8 @@
         </p:nvSpPr>
         <p:spPr>
           <a:xfrm>
-            <a:off x="2042013" y="6437376"/>
-            <a:ext cx="4732386" cy="253916"/>
+            <a:off x="3151291" y="6437376"/>
+            <a:ext cx="2513830" cy="253916"/>
           </a:xfrm>
           <a:prstGeom prst="rect">
             <a:avLst/>
@@ -14501,15 +15677,11 @@
             </a:r>
             <a:r>
               <a:rPr lang="en-US" sz="1050" dirty="0" smtClean="0"/>
-              <a:t> Christopher Beck, Daniel </a:t>
-            </a:r>
-            <a:r>
-              <a:rPr lang="en-US" sz="1050" dirty="0" err="1" smtClean="0"/>
-              <a:t>Münstermann</a:t>
+              <a:t> </a:t>
             </a:r>
             <a:r>
               <a:rPr lang="en-US" sz="1050" dirty="0" smtClean="0"/>
-              <a:t>, Alexander Wilms</a:t>
+              <a:t>Alexander Wilms</a:t>
             </a:r>
             <a:endParaRPr lang="en-US" sz="1050" dirty="0"/>
           </a:p>
@@ -14555,7 +15727,7 @@
           <a:p>
             <a:r>
               <a:rPr lang="de-DE" sz="2400" dirty="0" smtClean="0"/>
-              <a:t>Bestehende Konzepte</a:t>
+              <a:t>Philipp Experteninterview	</a:t>
             </a:r>
             <a:endParaRPr lang="de-DE" sz="2400" dirty="0"/>
           </a:p>
@@ -14564,7 +15736,7 @@
     </p:spTree>
     <p:extLst>
       <p:ext uri="{BB962C8B-B14F-4D97-AF65-F5344CB8AC3E}">
-        <p14:creationId xmlns:p14="http://schemas.microsoft.com/office/powerpoint/2010/main" val="2137486468"/>
+        <p14:creationId xmlns:p14="http://schemas.microsoft.com/office/powerpoint/2010/main" val="488629205"/>
       </p:ext>
     </p:extLst>
   </p:cSld>
@@ -14601,51 +15773,59 @@
             <p:ph idx="1"/>
           </p:nvPr>
         </p:nvSpPr>
-        <p:spPr>
-          <a:xfrm>
-            <a:off x="648000" y="2021180"/>
-            <a:ext cx="3741120" cy="4104983"/>
-          </a:xfrm>
-        </p:spPr>
-        <p:txBody>
-          <a:bodyPr>
-            <a:normAutofit/>
-          </a:bodyPr>
+        <p:spPr/>
+        <p:txBody>
+          <a:bodyPr/>
           <a:lstStyle/>
           <a:p>
-            <a:pPr marL="457200" indent="-457200">
-              <a:buFont typeface="+mj-lt"/>
-              <a:buAutoNum type="arabicPeriod"/>
-            </a:pPr>
-            <a:r>
-              <a:rPr lang="de-DE" sz="2400" dirty="0" smtClean="0"/>
-              <a:t>Stecknarbe </a:t>
-            </a:r>
-            <a:r>
-              <a:rPr lang="mr-IN" sz="2400" dirty="0" smtClean="0"/>
+            <a:r>
+              <a:rPr lang="de-DE" dirty="0" smtClean="0"/>
+              <a:t>1 Joystick </a:t>
+            </a:r>
+            <a:r>
+              <a:rPr lang="mr-IN" dirty="0" smtClean="0"/>
               <a:t>–</a:t>
             </a:r>
             <a:r>
-              <a:rPr lang="de-DE" sz="2400" dirty="0" smtClean="0"/>
-              <a:t> unabhängig</a:t>
-            </a:r>
-          </a:p>
-          <a:p>
-            <a:pPr marL="457200" indent="-457200">
-              <a:buFont typeface="+mj-lt"/>
-              <a:buAutoNum type="arabicPeriod"/>
-            </a:pPr>
-            <a:r>
-              <a:rPr lang="de-DE" sz="2400" dirty="0" smtClean="0"/>
-              <a:t>Sichere Stoppfunktion</a:t>
-            </a:r>
-          </a:p>
-          <a:p>
-            <a:pPr marL="457200" indent="-457200">
-              <a:buFont typeface="+mj-lt"/>
-              <a:buAutoNum type="arabicPeriod"/>
-            </a:pPr>
-            <a:endParaRPr lang="de-DE" sz="2400" dirty="0" smtClean="0"/>
+              <a:rPr lang="de-DE" dirty="0" smtClean="0"/>
+              <a:t> je nach Einschränkung</a:t>
+            </a:r>
+          </a:p>
+          <a:p>
+            <a:r>
+              <a:rPr lang="de-DE" dirty="0" smtClean="0"/>
+              <a:t>2  ODO (</a:t>
+            </a:r>
+            <a:r>
+              <a:rPr lang="de-DE" dirty="0" err="1" smtClean="0"/>
+              <a:t>Segwayvariante</a:t>
+            </a:r>
+            <a:r>
+              <a:rPr lang="de-DE" dirty="0" smtClean="0"/>
+              <a:t>)</a:t>
+            </a:r>
+          </a:p>
+          <a:p>
+            <a:r>
+              <a:rPr lang="de-DE" dirty="0" smtClean="0"/>
+              <a:t>3</a:t>
+            </a:r>
+          </a:p>
+          <a:p>
+            <a:r>
+              <a:rPr lang="de-DE" dirty="0" smtClean="0"/>
+              <a:t>4</a:t>
+            </a:r>
+          </a:p>
+          <a:p>
+            <a:endParaRPr lang="de-DE" dirty="0"/>
+          </a:p>
+          <a:p>
+            <a:r>
+              <a:rPr lang="de-DE" dirty="0" err="1" smtClean="0"/>
+              <a:t>individuallösungen</a:t>
+            </a:r>
+            <a:endParaRPr lang="de-DE" dirty="0"/>
           </a:p>
         </p:txBody>
       </p:sp>
@@ -14691,6 +15871,234 @@
               <a:rPr lang="de-DE" smtClean="0"/>
               <a:pPr/>
               <a:t>8</a:t>
+            </a:fld>
+            <a:endParaRPr lang="de-DE" dirty="0"/>
+          </a:p>
+        </p:txBody>
+      </p:sp>
+      <p:sp>
+        <p:nvSpPr>
+          <p:cNvPr id="6" name="TextBox 5"/>
+          <p:cNvSpPr txBox="1"/>
+          <p:nvPr/>
+        </p:nvSpPr>
+        <p:spPr>
+          <a:xfrm>
+            <a:off x="2042013" y="6437376"/>
+            <a:ext cx="4732386" cy="253916"/>
+          </a:xfrm>
+          <a:prstGeom prst="rect">
+            <a:avLst/>
+          </a:prstGeom>
+          <a:noFill/>
+        </p:spPr>
+        <p:txBody>
+          <a:bodyPr wrap="none" rtlCol="0">
+            <a:spAutoFit/>
+          </a:bodyPr>
+          <a:lstStyle/>
+          <a:p>
+            <a:pPr algn="ctr"/>
+            <a:r>
+              <a:rPr lang="en-US" sz="1050" dirty="0" smtClean="0"/>
+              <a:t>HSHL – ITD 6. Semester </a:t>
+            </a:r>
+            <a:r>
+              <a:rPr lang="mr-IN" sz="1050" dirty="0" smtClean="0"/>
+              <a:t>–</a:t>
+            </a:r>
+            <a:r>
+              <a:rPr lang="en-US" sz="1050" dirty="0" smtClean="0"/>
+              <a:t> Christopher Beck, Daniel </a:t>
+            </a:r>
+            <a:r>
+              <a:rPr lang="en-US" sz="1050" dirty="0" err="1" smtClean="0"/>
+              <a:t>Münstermann</a:t>
+            </a:r>
+            <a:r>
+              <a:rPr lang="en-US" sz="1050" dirty="0" smtClean="0"/>
+              <a:t>, Alexander Wilms</a:t>
+            </a:r>
+            <a:endParaRPr lang="en-US" sz="1050" dirty="0"/>
+          </a:p>
+        </p:txBody>
+      </p:sp>
+      <p:sp>
+        <p:nvSpPr>
+          <p:cNvPr id="7" name="Titel 1"/>
+          <p:cNvSpPr txBox="1">
+            <a:spLocks/>
+          </p:cNvSpPr>
+          <p:nvPr/>
+        </p:nvSpPr>
+        <p:spPr>
+          <a:xfrm>
+            <a:off x="648001" y="768252"/>
+            <a:ext cx="7520410" cy="941715"/>
+          </a:xfrm>
+          <a:prstGeom prst="rect">
+            <a:avLst/>
+          </a:prstGeom>
+        </p:spPr>
+        <p:txBody>
+          <a:bodyPr vert="horz" lIns="91440" tIns="45720" rIns="91440" bIns="45720" rtlCol="0" anchor="ctr">
+            <a:normAutofit/>
+          </a:bodyPr>
+          <a:lstStyle>
+            <a:lvl1pPr algn="l" defTabSz="457200" rtl="0" eaLnBrk="1" latinLnBrk="0" hangingPunct="1">
+              <a:spcBef>
+                <a:spcPct val="0"/>
+              </a:spcBef>
+              <a:buNone/>
+              <a:defRPr sz="4000" b="1" i="0" kern="1200">
+                <a:solidFill>
+                  <a:schemeClr val="tx1"/>
+                </a:solidFill>
+                <a:latin typeface="Source Sans Pro"/>
+                <a:ea typeface="+mj-ea"/>
+                <a:cs typeface="Source Sans Pro"/>
+              </a:defRPr>
+            </a:lvl1pPr>
+          </a:lstStyle>
+          <a:p>
+            <a:r>
+              <a:rPr lang="de-DE" sz="2400" dirty="0" smtClean="0"/>
+              <a:t>Bestehende Konzepte</a:t>
+            </a:r>
+            <a:endParaRPr lang="de-DE" sz="2400" dirty="0"/>
+          </a:p>
+        </p:txBody>
+      </p:sp>
+    </p:spTree>
+    <p:extLst>
+      <p:ext uri="{BB962C8B-B14F-4D97-AF65-F5344CB8AC3E}">
+        <p14:creationId xmlns:p14="http://schemas.microsoft.com/office/powerpoint/2010/main" val="2137486468"/>
+      </p:ext>
+    </p:extLst>
+  </p:cSld>
+  <p:clrMapOvr>
+    <a:masterClrMapping/>
+  </p:clrMapOvr>
+</p:sld>
+</file>
+
+<file path=ppt/slides/slide9.xml><?xml version="1.0" encoding="utf-8"?>
+<p:sld xmlns:a="http://schemas.openxmlformats.org/drawingml/2006/main" xmlns:r="http://schemas.openxmlformats.org/officeDocument/2006/relationships" xmlns:p="http://schemas.openxmlformats.org/presentationml/2006/main">
+  <p:cSld>
+    <p:spTree>
+      <p:nvGrpSpPr>
+        <p:cNvPr id="1" name=""/>
+        <p:cNvGrpSpPr/>
+        <p:nvPr/>
+      </p:nvGrpSpPr>
+      <p:grpSpPr>
+        <a:xfrm>
+          <a:off x="0" y="0"/>
+          <a:ext cx="0" cy="0"/>
+          <a:chOff x="0" y="0"/>
+          <a:chExt cx="0" cy="0"/>
+        </a:xfrm>
+      </p:grpSpPr>
+      <p:sp>
+        <p:nvSpPr>
+          <p:cNvPr id="3" name="Inhaltsplatzhalter 2"/>
+          <p:cNvSpPr>
+            <a:spLocks noGrp="1"/>
+          </p:cNvSpPr>
+          <p:nvPr>
+            <p:ph idx="1"/>
+          </p:nvPr>
+        </p:nvSpPr>
+        <p:spPr>
+          <a:xfrm>
+            <a:off x="648000" y="2021180"/>
+            <a:ext cx="3741120" cy="4104983"/>
+          </a:xfrm>
+        </p:spPr>
+        <p:txBody>
+          <a:bodyPr>
+            <a:normAutofit/>
+          </a:bodyPr>
+          <a:lstStyle/>
+          <a:p>
+            <a:pPr marL="457200" indent="-457200">
+              <a:buFont typeface="+mj-lt"/>
+              <a:buAutoNum type="arabicPeriod"/>
+            </a:pPr>
+            <a:r>
+              <a:rPr lang="de-DE" sz="2400" dirty="0" smtClean="0"/>
+              <a:t>Stecknarbe </a:t>
+            </a:r>
+            <a:r>
+              <a:rPr lang="mr-IN" sz="2400" dirty="0" smtClean="0"/>
+              <a:t>–</a:t>
+            </a:r>
+            <a:r>
+              <a:rPr lang="de-DE" sz="2400" dirty="0" smtClean="0"/>
+              <a:t> unabhängig</a:t>
+            </a:r>
+          </a:p>
+          <a:p>
+            <a:pPr marL="457200" indent="-457200">
+              <a:buFont typeface="+mj-lt"/>
+              <a:buAutoNum type="arabicPeriod"/>
+            </a:pPr>
+            <a:r>
+              <a:rPr lang="de-DE" sz="2400" dirty="0" smtClean="0"/>
+              <a:t>Sichere Stoppfunktion</a:t>
+            </a:r>
+          </a:p>
+          <a:p>
+            <a:pPr marL="457200" indent="-457200">
+              <a:buFont typeface="+mj-lt"/>
+              <a:buAutoNum type="arabicPeriod"/>
+            </a:pPr>
+            <a:endParaRPr lang="de-DE" sz="2400" dirty="0" smtClean="0"/>
+          </a:p>
+        </p:txBody>
+      </p:sp>
+      <p:sp>
+        <p:nvSpPr>
+          <p:cNvPr id="4" name="Datumsplatzhalter 3"/>
+          <p:cNvSpPr>
+            <a:spLocks noGrp="1"/>
+          </p:cNvSpPr>
+          <p:nvPr>
+            <p:ph type="dt" sz="half" idx="2"/>
+          </p:nvPr>
+        </p:nvSpPr>
+        <p:spPr/>
+        <p:txBody>
+          <a:bodyPr/>
+          <a:lstStyle/>
+          <a:p>
+            <a:fld id="{C916D949-773C-3845-BFBA-C7D9987445EE}" type="datetime1">
+              <a:rPr lang="de-DE" smtClean="0"/>
+              <a:t>24.07.18</a:t>
+            </a:fld>
+            <a:endParaRPr lang="de-DE" dirty="0"/>
+          </a:p>
+        </p:txBody>
+      </p:sp>
+      <p:sp>
+        <p:nvSpPr>
+          <p:cNvPr id="5" name="Foliennummernplatzhalter 4"/>
+          <p:cNvSpPr>
+            <a:spLocks noGrp="1"/>
+          </p:cNvSpPr>
+          <p:nvPr>
+            <p:ph type="sldNum" sz="quarter" idx="4"/>
+          </p:nvPr>
+        </p:nvSpPr>
+        <p:spPr/>
+        <p:txBody>
+          <a:bodyPr/>
+          <a:lstStyle/>
+          <a:p>
+            <a:fld id="{E7BE1CCD-89A0-CC45-BF3E-2A331A7F0490}" type="slidenum">
+              <a:rPr lang="de-DE" smtClean="0"/>
+              <a:pPr/>
+              <a:t>9</a:t>
             </a:fld>
             <a:endParaRPr lang="de-DE" dirty="0"/>
           </a:p>
@@ -15075,243 +16483,6 @@
     <p:extLst>
       <p:ext uri="{BB962C8B-B14F-4D97-AF65-F5344CB8AC3E}">
         <p14:creationId xmlns:p14="http://schemas.microsoft.com/office/powerpoint/2010/main" val="74562383"/>
-      </p:ext>
-    </p:extLst>
-  </p:cSld>
-  <p:clrMapOvr>
-    <a:masterClrMapping/>
-  </p:clrMapOvr>
-</p:sld>
-</file>
-
-<file path=ppt/slides/slide9.xml><?xml version="1.0" encoding="utf-8"?>
-<p:sld xmlns:a="http://schemas.openxmlformats.org/drawingml/2006/main" xmlns:r="http://schemas.openxmlformats.org/officeDocument/2006/relationships" xmlns:p="http://schemas.openxmlformats.org/presentationml/2006/main">
-  <p:cSld>
-    <p:spTree>
-      <p:nvGrpSpPr>
-        <p:cNvPr id="1" name=""/>
-        <p:cNvGrpSpPr/>
-        <p:nvPr/>
-      </p:nvGrpSpPr>
-      <p:grpSpPr>
-        <a:xfrm>
-          <a:off x="0" y="0"/>
-          <a:ext cx="0" cy="0"/>
-          <a:chOff x="0" y="0"/>
-          <a:chExt cx="0" cy="0"/>
-        </a:xfrm>
-      </p:grpSpPr>
-      <p:sp>
-        <p:nvSpPr>
-          <p:cNvPr id="4" name="Datumsplatzhalter 3"/>
-          <p:cNvSpPr>
-            <a:spLocks noGrp="1"/>
-          </p:cNvSpPr>
-          <p:nvPr>
-            <p:ph type="dt" sz="half" idx="2"/>
-          </p:nvPr>
-        </p:nvSpPr>
-        <p:spPr/>
-        <p:txBody>
-          <a:bodyPr/>
-          <a:lstStyle/>
-          <a:p>
-            <a:fld id="{C916D949-773C-3845-BFBA-C7D9987445EE}" type="datetime1">
-              <a:rPr lang="de-DE" smtClean="0"/>
-              <a:t>24.07.18</a:t>
-            </a:fld>
-            <a:endParaRPr lang="de-DE" dirty="0"/>
-          </a:p>
-        </p:txBody>
-      </p:sp>
-      <p:sp>
-        <p:nvSpPr>
-          <p:cNvPr id="5" name="Foliennummernplatzhalter 4"/>
-          <p:cNvSpPr>
-            <a:spLocks noGrp="1"/>
-          </p:cNvSpPr>
-          <p:nvPr>
-            <p:ph type="sldNum" sz="quarter" idx="4"/>
-          </p:nvPr>
-        </p:nvSpPr>
-        <p:spPr/>
-        <p:txBody>
-          <a:bodyPr/>
-          <a:lstStyle/>
-          <a:p>
-            <a:fld id="{E7BE1CCD-89A0-CC45-BF3E-2A331A7F0490}" type="slidenum">
-              <a:rPr lang="de-DE" smtClean="0"/>
-              <a:pPr/>
-              <a:t>9</a:t>
-            </a:fld>
-            <a:endParaRPr lang="de-DE" dirty="0"/>
-          </a:p>
-        </p:txBody>
-      </p:sp>
-      <p:sp>
-        <p:nvSpPr>
-          <p:cNvPr id="6" name="TextBox 5"/>
-          <p:cNvSpPr txBox="1"/>
-          <p:nvPr/>
-        </p:nvSpPr>
-        <p:spPr>
-          <a:xfrm>
-            <a:off x="3050302" y="6437376"/>
-            <a:ext cx="2715807" cy="253916"/>
-          </a:xfrm>
-          <a:prstGeom prst="rect">
-            <a:avLst/>
-          </a:prstGeom>
-          <a:noFill/>
-        </p:spPr>
-        <p:txBody>
-          <a:bodyPr wrap="none" rtlCol="0">
-            <a:spAutoFit/>
-          </a:bodyPr>
-          <a:lstStyle/>
-          <a:p>
-            <a:pPr algn="ctr"/>
-            <a:r>
-              <a:rPr lang="en-US" sz="1050" dirty="0" smtClean="0"/>
-              <a:t>HSHL – ITD 6. Semester </a:t>
-            </a:r>
-            <a:r>
-              <a:rPr lang="mr-IN" sz="1050" dirty="0" smtClean="0"/>
-              <a:t>–</a:t>
-            </a:r>
-            <a:r>
-              <a:rPr lang="en-US" sz="1050" dirty="0" smtClean="0"/>
-              <a:t>Daniel </a:t>
-            </a:r>
-            <a:r>
-              <a:rPr lang="en-US" sz="1050" dirty="0" err="1" smtClean="0"/>
-              <a:t>Münstermann</a:t>
-            </a:r>
-            <a:endParaRPr lang="en-US" sz="1050" dirty="0"/>
-          </a:p>
-        </p:txBody>
-      </p:sp>
-      <p:sp>
-        <p:nvSpPr>
-          <p:cNvPr id="7" name="Titel 1"/>
-          <p:cNvSpPr txBox="1">
-            <a:spLocks/>
-          </p:cNvSpPr>
-          <p:nvPr/>
-        </p:nvSpPr>
-        <p:spPr>
-          <a:xfrm>
-            <a:off x="648001" y="768252"/>
-            <a:ext cx="7520410" cy="941715"/>
-          </a:xfrm>
-          <a:prstGeom prst="rect">
-            <a:avLst/>
-          </a:prstGeom>
-        </p:spPr>
-        <p:txBody>
-          <a:bodyPr vert="horz" lIns="91440" tIns="45720" rIns="91440" bIns="45720" rtlCol="0" anchor="ctr">
-            <a:normAutofit/>
-          </a:bodyPr>
-          <a:lstStyle>
-            <a:lvl1pPr algn="l" defTabSz="457200" rtl="0" eaLnBrk="1" latinLnBrk="0" hangingPunct="1">
-              <a:spcBef>
-                <a:spcPct val="0"/>
-              </a:spcBef>
-              <a:buNone/>
-              <a:defRPr sz="4000" b="1" i="0" kern="1200">
-                <a:solidFill>
-                  <a:schemeClr val="tx1"/>
-                </a:solidFill>
-                <a:latin typeface="Source Sans Pro"/>
-                <a:ea typeface="+mj-ea"/>
-                <a:cs typeface="Source Sans Pro"/>
-              </a:defRPr>
-            </a:lvl1pPr>
-          </a:lstStyle>
-          <a:p>
-            <a:r>
-              <a:rPr lang="de-DE" sz="2400" dirty="0" smtClean="0"/>
-              <a:t>Eigene </a:t>
-            </a:r>
-            <a:r>
-              <a:rPr lang="de-DE" sz="2400" dirty="0"/>
-              <a:t>A</a:t>
-            </a:r>
-            <a:r>
-              <a:rPr lang="de-DE" sz="2400" dirty="0" smtClean="0"/>
-              <a:t>nsteuerungs-Mock-</a:t>
-            </a:r>
-            <a:r>
-              <a:rPr lang="de-DE" sz="2400" dirty="0" err="1" smtClean="0"/>
-              <a:t>Ups</a:t>
-            </a:r>
-            <a:endParaRPr lang="de-DE" sz="2400" dirty="0"/>
-          </a:p>
-        </p:txBody>
-      </p:sp>
-      <p:pic>
-        <p:nvPicPr>
-          <p:cNvPr id="8" name="Content Placeholder 7"/>
-          <p:cNvPicPr>
-            <a:picLocks noGrp="1" noChangeAspect="1"/>
-          </p:cNvPicPr>
-          <p:nvPr>
-            <p:ph idx="1"/>
-          </p:nvPr>
-        </p:nvPicPr>
-        <p:blipFill>
-          <a:blip r:embed="rId2">
-            <a:extLst>
-              <a:ext uri="{28A0092B-C50C-407E-A947-70E740481C1C}">
-                <a14:useLocalDpi xmlns:a14="http://schemas.microsoft.com/office/drawing/2010/main" val="0"/>
-              </a:ext>
-            </a:extLst>
-          </a:blip>
-          <a:stretch>
-            <a:fillRect/>
-          </a:stretch>
-        </p:blipFill>
-        <p:spPr>
-          <a:xfrm>
-            <a:off x="648000" y="1765407"/>
-            <a:ext cx="2313282" cy="4105275"/>
-          </a:xfrm>
-        </p:spPr>
-      </p:pic>
-      <p:pic>
-        <p:nvPicPr>
-          <p:cNvPr id="9" name="Picture 8"/>
-          <p:cNvPicPr>
-            <a:picLocks noChangeAspect="1"/>
-          </p:cNvPicPr>
-          <p:nvPr/>
-        </p:nvPicPr>
-        <p:blipFill>
-          <a:blip r:embed="rId3">
-            <a:extLst>
-              <a:ext uri="{28A0092B-C50C-407E-A947-70E740481C1C}">
-                <a14:useLocalDpi xmlns:a14="http://schemas.microsoft.com/office/drawing/2010/main" val="0"/>
-              </a:ext>
-            </a:extLst>
-          </a:blip>
-          <a:stretch>
-            <a:fillRect/>
-          </a:stretch>
-        </p:blipFill>
-        <p:spPr>
-          <a:xfrm>
-            <a:off x="3291840" y="1709967"/>
-            <a:ext cx="2048256" cy="4267200"/>
-          </a:xfrm>
-          <a:prstGeom prst="rect">
-            <a:avLst/>
-          </a:prstGeom>
-        </p:spPr>
-      </p:pic>
-    </p:spTree>
-    <p:extLst>
-      <p:ext uri="{BB962C8B-B14F-4D97-AF65-F5344CB8AC3E}">
-        <p14:creationId xmlns:p14="http://schemas.microsoft.com/office/powerpoint/2010/main" val="230872234"/>
       </p:ext>
     </p:extLst>
   </p:cSld>

--- a/Interaktionskonzept.pptx
+++ b/Interaktionskonzept.pptx
@@ -5,38 +5,44 @@
     <p:sldMasterId id="2147483648" r:id="rId1"/>
   </p:sldMasterIdLst>
   <p:notesMasterIdLst>
-    <p:notesMasterId r:id="rId28"/>
+    <p:notesMasterId r:id="rId34"/>
   </p:notesMasterIdLst>
   <p:handoutMasterIdLst>
-    <p:handoutMasterId r:id="rId29"/>
+    <p:handoutMasterId r:id="rId35"/>
   </p:handoutMasterIdLst>
   <p:sldIdLst>
     <p:sldId id="256" r:id="rId2"/>
     <p:sldId id="265" r:id="rId3"/>
-    <p:sldId id="285" r:id="rId4"/>
-    <p:sldId id="257" r:id="rId5"/>
+    <p:sldId id="286" r:id="rId4"/>
+    <p:sldId id="289" r:id="rId5"/>
     <p:sldId id="271" r:id="rId6"/>
-    <p:sldId id="267" r:id="rId7"/>
+    <p:sldId id="287" r:id="rId7"/>
     <p:sldId id="264" r:id="rId8"/>
     <p:sldId id="266" r:id="rId9"/>
     <p:sldId id="268" r:id="rId10"/>
-    <p:sldId id="269" r:id="rId11"/>
-    <p:sldId id="270" r:id="rId12"/>
-    <p:sldId id="259" r:id="rId13"/>
-    <p:sldId id="263" r:id="rId14"/>
-    <p:sldId id="276" r:id="rId15"/>
-    <p:sldId id="277" r:id="rId16"/>
-    <p:sldId id="278" r:id="rId17"/>
-    <p:sldId id="279" r:id="rId18"/>
-    <p:sldId id="280" r:id="rId19"/>
-    <p:sldId id="272" r:id="rId20"/>
-    <p:sldId id="273" r:id="rId21"/>
-    <p:sldId id="274" r:id="rId22"/>
-    <p:sldId id="275" r:id="rId23"/>
-    <p:sldId id="281" r:id="rId24"/>
-    <p:sldId id="284" r:id="rId25"/>
-    <p:sldId id="283" r:id="rId26"/>
-    <p:sldId id="282" r:id="rId27"/>
+    <p:sldId id="290" r:id="rId11"/>
+    <p:sldId id="293" r:id="rId12"/>
+    <p:sldId id="276" r:id="rId13"/>
+    <p:sldId id="277" r:id="rId14"/>
+    <p:sldId id="278" r:id="rId15"/>
+    <p:sldId id="279" r:id="rId16"/>
+    <p:sldId id="280" r:id="rId17"/>
+    <p:sldId id="272" r:id="rId18"/>
+    <p:sldId id="273" r:id="rId19"/>
+    <p:sldId id="274" r:id="rId20"/>
+    <p:sldId id="275" r:id="rId21"/>
+    <p:sldId id="281" r:id="rId22"/>
+    <p:sldId id="284" r:id="rId23"/>
+    <p:sldId id="288" r:id="rId24"/>
+    <p:sldId id="283" r:id="rId25"/>
+    <p:sldId id="282" r:id="rId26"/>
+    <p:sldId id="295" r:id="rId27"/>
+    <p:sldId id="296" r:id="rId28"/>
+    <p:sldId id="297" r:id="rId29"/>
+    <p:sldId id="298" r:id="rId30"/>
+    <p:sldId id="294" r:id="rId31"/>
+    <p:sldId id="299" r:id="rId32"/>
+    <p:sldId id="300" r:id="rId33"/>
   </p:sldIdLst>
   <p:sldSz cx="9144000" cy="6858000" type="screen4x3"/>
   <p:notesSz cx="6858000" cy="9144000"/>
@@ -145,25 +151,23 @@
           <p14:sldIdLst>
             <p14:sldId id="256"/>
             <p14:sldId id="265"/>
-            <p14:sldId id="285"/>
-            <p14:sldId id="257"/>
+            <p14:sldId id="286"/>
+            <p14:sldId id="289"/>
           </p14:sldIdLst>
         </p14:section>
         <p14:section name="Plattform und Systemdesign" id="{874B953A-6C71-5341-A5E3-0F81EF8B208B}">
           <p14:sldIdLst>
             <p14:sldId id="271"/>
-            <p14:sldId id="267"/>
+            <p14:sldId id="287"/>
             <p14:sldId id="264"/>
             <p14:sldId id="266"/>
             <p14:sldId id="268"/>
-            <p14:sldId id="269"/>
-            <p14:sldId id="270"/>
-            <p14:sldId id="259"/>
-            <p14:sldId id="263"/>
+            <p14:sldId id="290"/>
           </p14:sldIdLst>
         </p14:section>
         <p14:section name="Anforderugnen / Requierments Pflichtenheft" id="{C30D3E09-659A-F143-94C4-DA8F6984839D}">
           <p14:sldIdLst>
+            <p14:sldId id="293"/>
             <p14:sldId id="276"/>
             <p14:sldId id="277"/>
             <p14:sldId id="278"/>
@@ -183,6 +187,7 @@
           <p14:sldIdLst>
             <p14:sldId id="281"/>
             <p14:sldId id="284"/>
+            <p14:sldId id="288"/>
             <p14:sldId id="283"/>
             <p14:sldId id="282"/>
           </p14:sldIdLst>
@@ -191,10 +196,23 @@
           <p14:sldIdLst/>
         </p14:section>
         <p14:section name="Prototyp mBot" id="{3D537318-CBB6-9749-9B49-532214ACFD95}">
-          <p14:sldIdLst/>
+          <p14:sldIdLst>
+            <p14:sldId id="295"/>
+            <p14:sldId id="296"/>
+            <p14:sldId id="297"/>
+            <p14:sldId id="298"/>
+          </p14:sldIdLst>
         </p14:section>
         <p14:section name="App Gestaltung Mockup" id="{329D0D24-DB4E-C84B-BDB0-C2E684C1BC0B}">
-          <p14:sldIdLst/>
+          <p14:sldIdLst>
+            <p14:sldId id="294"/>
+          </p14:sldIdLst>
+        </p14:section>
+        <p14:section name="Alternatives Ansteuerungskonzept" id="{BE23903A-004A-224F-87FF-FAEA0A92238C}">
+          <p14:sldIdLst>
+            <p14:sldId id="299"/>
+            <p14:sldId id="300"/>
+          </p14:sldIdLst>
         </p14:section>
       </p14:sectionLst>
     </p:ext>
@@ -3972,7 +3990,7 @@
           <a:p>
             <a:fld id="{5C0E6540-DBC8-1449-A578-CCAD6D2991BC}" type="slidenum">
               <a:rPr lang="de-DE" smtClean="0"/>
-              <a:t>13</a:t>
+              <a:t>28</a:t>
             </a:fld>
             <a:endParaRPr lang="de-DE"/>
           </a:p>
@@ -3981,7 +3999,127 @@
     </p:spTree>
     <p:extLst>
       <p:ext uri="{BB962C8B-B14F-4D97-AF65-F5344CB8AC3E}">
-        <p14:creationId xmlns:p14="http://schemas.microsoft.com/office/powerpoint/2010/main" val="125999037"/>
+        <p14:creationId xmlns:p14="http://schemas.microsoft.com/office/powerpoint/2010/main" val="1028386100"/>
+      </p:ext>
+    </p:extLst>
+  </p:cSld>
+  <p:clrMapOvr>
+    <a:masterClrMapping/>
+  </p:clrMapOvr>
+</p:notes>
+</file>
+
+<file path=ppt/notesSlides/notesSlide2.xml><?xml version="1.0" encoding="utf-8"?>
+<p:notes xmlns:a="http://schemas.openxmlformats.org/drawingml/2006/main" xmlns:r="http://schemas.openxmlformats.org/officeDocument/2006/relationships" xmlns:p="http://schemas.openxmlformats.org/presentationml/2006/main">
+  <p:cSld>
+    <p:spTree>
+      <p:nvGrpSpPr>
+        <p:cNvPr id="1" name=""/>
+        <p:cNvGrpSpPr/>
+        <p:nvPr/>
+      </p:nvGrpSpPr>
+      <p:grpSpPr>
+        <a:xfrm>
+          <a:off x="0" y="0"/>
+          <a:ext cx="0" cy="0"/>
+          <a:chOff x="0" y="0"/>
+          <a:chExt cx="0" cy="0"/>
+        </a:xfrm>
+      </p:grpSpPr>
+      <p:sp>
+        <p:nvSpPr>
+          <p:cNvPr id="2" name="Slide Image Placeholder 1"/>
+          <p:cNvSpPr>
+            <a:spLocks noGrp="1" noRot="1" noChangeAspect="1"/>
+          </p:cNvSpPr>
+          <p:nvPr>
+            <p:ph type="sldImg"/>
+          </p:nvPr>
+        </p:nvSpPr>
+        <p:spPr/>
+      </p:sp>
+      <p:sp>
+        <p:nvSpPr>
+          <p:cNvPr id="3" name="Notes Placeholder 2"/>
+          <p:cNvSpPr>
+            <a:spLocks noGrp="1"/>
+          </p:cNvSpPr>
+          <p:nvPr>
+            <p:ph type="body" idx="1"/>
+          </p:nvPr>
+        </p:nvSpPr>
+        <p:spPr/>
+        <p:txBody>
+          <a:bodyPr/>
+          <a:lstStyle/>
+          <a:p>
+            <a:r>
+              <a:rPr lang="en-US" dirty="0" err="1" smtClean="0"/>
+              <a:t>Tiere</a:t>
+            </a:r>
+            <a:r>
+              <a:rPr lang="en-US" dirty="0" smtClean="0"/>
+              <a:t> </a:t>
+            </a:r>
+            <a:r>
+              <a:rPr lang="en-US" dirty="0" err="1" smtClean="0"/>
+              <a:t>werden</a:t>
+            </a:r>
+            <a:r>
+              <a:rPr lang="en-US" dirty="0" smtClean="0"/>
+              <a:t> </a:t>
+            </a:r>
+            <a:r>
+              <a:rPr lang="en-US" dirty="0" err="1" smtClean="0"/>
+              <a:t>durch</a:t>
+            </a:r>
+            <a:r>
+              <a:rPr lang="en-US" dirty="0" smtClean="0"/>
+              <a:t> </a:t>
+            </a:r>
+            <a:r>
+              <a:rPr lang="en-US" dirty="0" err="1" smtClean="0"/>
+              <a:t>Ultraschall</a:t>
+            </a:r>
+            <a:r>
+              <a:rPr lang="en-US" dirty="0" smtClean="0"/>
+              <a:t> </a:t>
+            </a:r>
+            <a:r>
+              <a:rPr lang="en-US" dirty="0" err="1" smtClean="0"/>
+              <a:t>beeinflusst</a:t>
+            </a:r>
+            <a:endParaRPr lang="en-US" dirty="0"/>
+          </a:p>
+        </p:txBody>
+      </p:sp>
+      <p:sp>
+        <p:nvSpPr>
+          <p:cNvPr id="4" name="Slide Number Placeholder 3"/>
+          <p:cNvSpPr>
+            <a:spLocks noGrp="1"/>
+          </p:cNvSpPr>
+          <p:nvPr>
+            <p:ph type="sldNum" sz="quarter" idx="10"/>
+          </p:nvPr>
+        </p:nvSpPr>
+        <p:spPr/>
+        <p:txBody>
+          <a:bodyPr/>
+          <a:lstStyle/>
+          <a:p>
+            <a:fld id="{5C0E6540-DBC8-1449-A578-CCAD6D2991BC}" type="slidenum">
+              <a:rPr lang="de-DE" smtClean="0"/>
+              <a:t>29</a:t>
+            </a:fld>
+            <a:endParaRPr lang="de-DE"/>
+          </a:p>
+        </p:txBody>
+      </p:sp>
+    </p:spTree>
+    <p:extLst>
+      <p:ext uri="{BB962C8B-B14F-4D97-AF65-F5344CB8AC3E}">
+        <p14:creationId xmlns:p14="http://schemas.microsoft.com/office/powerpoint/2010/main" val="2042636996"/>
       </p:ext>
     </p:extLst>
   </p:cSld>
@@ -7012,6 +7150,55 @@
       </p:grpSpPr>
       <p:sp>
         <p:nvSpPr>
+          <p:cNvPr id="3" name="Inhaltsplatzhalter 2"/>
+          <p:cNvSpPr>
+            <a:spLocks noGrp="1"/>
+          </p:cNvSpPr>
+          <p:nvPr>
+            <p:ph idx="1"/>
+          </p:nvPr>
+        </p:nvSpPr>
+        <p:spPr/>
+        <p:txBody>
+          <a:bodyPr>
+            <a:normAutofit/>
+          </a:bodyPr>
+          <a:lstStyle/>
+          <a:p>
+            <a:r>
+              <a:rPr lang="de-DE" sz="2800" dirty="0" smtClean="0"/>
+              <a:t>Feststellfunktion bei geradeausfahrt</a:t>
+            </a:r>
+          </a:p>
+          <a:p>
+            <a:r>
+              <a:rPr lang="de-DE" sz="2800" dirty="0" smtClean="0"/>
+              <a:t>Was ist bei einem Telefonanruf?</a:t>
+            </a:r>
+          </a:p>
+          <a:p>
+            <a:r>
+              <a:rPr lang="de-DE" sz="2800" dirty="0" err="1" smtClean="0"/>
+              <a:t>Rekoperation</a:t>
+            </a:r>
+            <a:r>
+              <a:rPr lang="de-DE" sz="2800" dirty="0" smtClean="0"/>
+              <a:t> als Bremse </a:t>
+            </a:r>
+            <a:r>
+              <a:rPr lang="mr-IN" sz="2800" dirty="0" smtClean="0"/>
+              <a:t>–</a:t>
+            </a:r>
+            <a:r>
+              <a:rPr lang="de-DE" sz="2800" dirty="0" smtClean="0"/>
+              <a:t> Manuelle Bremse?</a:t>
+            </a:r>
+            <a:endParaRPr lang="de-DE" sz="2800" dirty="0"/>
+          </a:p>
+        </p:txBody>
+      </p:sp>
+      <p:sp>
+        <p:nvSpPr>
           <p:cNvPr id="4" name="Datumsplatzhalter 3"/>
           <p:cNvSpPr>
             <a:spLocks noGrp="1"/>
@@ -7065,8 +7252,8 @@
         </p:nvSpPr>
         <p:spPr>
           <a:xfrm>
-            <a:off x="3050302" y="6437376"/>
-            <a:ext cx="2715807" cy="253916"/>
+            <a:off x="2042013" y="6437376"/>
+            <a:ext cx="4732386" cy="253916"/>
           </a:xfrm>
           <a:prstGeom prst="rect">
             <a:avLst/>
@@ -7090,11 +7277,15 @@
             </a:r>
             <a:r>
               <a:rPr lang="en-US" sz="1050" dirty="0" smtClean="0"/>
-              <a:t>Daniel </a:t>
+              <a:t> Christopher Beck, Daniel </a:t>
             </a:r>
             <a:r>
               <a:rPr lang="en-US" sz="1050" dirty="0" err="1" smtClean="0"/>
               <a:t>Münstermann</a:t>
+            </a:r>
+            <a:r>
+              <a:rPr lang="en-US" sz="1050" dirty="0" smtClean="0"/>
+              <a:t>, Alexander Wilms</a:t>
             </a:r>
             <a:endParaRPr lang="en-US" sz="1050" dirty="0"/>
           </a:p>
@@ -7140,87 +7331,32 @@
           <a:p>
             <a:r>
               <a:rPr lang="de-DE" sz="2400" dirty="0" smtClean="0"/>
-              <a:t>Eigene </a:t>
-            </a:r>
-            <a:r>
-              <a:rPr lang="de-DE" sz="2400" dirty="0"/>
-              <a:t>A</a:t>
+              <a:t>Anforderungen aus der Experteninterview </a:t>
+            </a:r>
+            <a:r>
+              <a:rPr lang="mr-IN" sz="2400" dirty="0" smtClean="0"/>
+              <a:t>–</a:t>
             </a:r>
             <a:r>
               <a:rPr lang="de-DE" sz="2400" dirty="0" smtClean="0"/>
-              <a:t>nsteuerungs-Mock-</a:t>
+              <a:t> </a:t>
             </a:r>
             <a:r>
               <a:rPr lang="de-DE" sz="2400" dirty="0" err="1" smtClean="0"/>
-              <a:t>Ups</a:t>
+              <a:t>Worst</a:t>
+            </a:r>
+            <a:r>
+              <a:rPr lang="de-DE" sz="2400" dirty="0" smtClean="0"/>
+              <a:t> Case Modellierung</a:t>
             </a:r>
             <a:endParaRPr lang="de-DE" sz="2400" dirty="0"/>
           </a:p>
         </p:txBody>
       </p:sp>
-      <p:pic>
-        <p:nvPicPr>
-          <p:cNvPr id="8" name="Content Placeholder 7"/>
-          <p:cNvPicPr>
-            <a:picLocks noGrp="1" noChangeAspect="1"/>
-          </p:cNvPicPr>
-          <p:nvPr>
-            <p:ph idx="1"/>
-          </p:nvPr>
-        </p:nvPicPr>
-        <p:blipFill>
-          <a:blip r:embed="rId2">
-            <a:extLst>
-              <a:ext uri="{28A0092B-C50C-407E-A947-70E740481C1C}">
-                <a14:useLocalDpi xmlns:a14="http://schemas.microsoft.com/office/drawing/2010/main" val="0"/>
-              </a:ext>
-            </a:extLst>
-          </a:blip>
-          <a:stretch>
-            <a:fillRect/>
-          </a:stretch>
-        </p:blipFill>
-        <p:spPr>
-          <a:xfrm>
-            <a:off x="648000" y="1765407"/>
-            <a:ext cx="2313282" cy="4105275"/>
-          </a:xfrm>
-        </p:spPr>
-      </p:pic>
-      <p:pic>
-        <p:nvPicPr>
-          <p:cNvPr id="9" name="Picture 8"/>
-          <p:cNvPicPr>
-            <a:picLocks noChangeAspect="1"/>
-          </p:cNvPicPr>
-          <p:nvPr/>
-        </p:nvPicPr>
-        <p:blipFill>
-          <a:blip r:embed="rId3">
-            <a:extLst>
-              <a:ext uri="{28A0092B-C50C-407E-A947-70E740481C1C}">
-                <a14:useLocalDpi xmlns:a14="http://schemas.microsoft.com/office/drawing/2010/main" val="0"/>
-              </a:ext>
-            </a:extLst>
-          </a:blip>
-          <a:stretch>
-            <a:fillRect/>
-          </a:stretch>
-        </p:blipFill>
-        <p:spPr>
-          <a:xfrm>
-            <a:off x="3291840" y="1709967"/>
-            <a:ext cx="2048256" cy="4267200"/>
-          </a:xfrm>
-          <a:prstGeom prst="rect">
-            <a:avLst/>
-          </a:prstGeom>
-        </p:spPr>
-      </p:pic>
     </p:spTree>
     <p:extLst>
       <p:ext uri="{BB962C8B-B14F-4D97-AF65-F5344CB8AC3E}">
-        <p14:creationId xmlns:p14="http://schemas.microsoft.com/office/powerpoint/2010/main" val="230872234"/>
+        <p14:creationId xmlns:p14="http://schemas.microsoft.com/office/powerpoint/2010/main" val="1427461671"/>
       </p:ext>
     </p:extLst>
   </p:cSld>
@@ -7431,7 +7567,7 @@
     </p:spTree>
     <p:extLst>
       <p:ext uri="{BB962C8B-B14F-4D97-AF65-F5344CB8AC3E}">
-        <p14:creationId xmlns:p14="http://schemas.microsoft.com/office/powerpoint/2010/main" val="1530361700"/>
+        <p14:creationId xmlns:p14="http://schemas.microsoft.com/office/powerpoint/2010/main" val="1454911911"/>
       </p:ext>
     </p:extLst>
   </p:cSld>
@@ -7442,546 +7578,6 @@
 </file>
 
 <file path=ppt/slides/slide12.xml><?xml version="1.0" encoding="utf-8"?>
-<p:sld xmlns:a="http://schemas.openxmlformats.org/drawingml/2006/main" xmlns:r="http://schemas.openxmlformats.org/officeDocument/2006/relationships" xmlns:p="http://schemas.openxmlformats.org/presentationml/2006/main">
-  <p:cSld>
-    <p:spTree>
-      <p:nvGrpSpPr>
-        <p:cNvPr id="1" name=""/>
-        <p:cNvGrpSpPr/>
-        <p:nvPr/>
-      </p:nvGrpSpPr>
-      <p:grpSpPr>
-        <a:xfrm>
-          <a:off x="0" y="0"/>
-          <a:ext cx="0" cy="0"/>
-          <a:chOff x="0" y="0"/>
-          <a:chExt cx="0" cy="0"/>
-        </a:xfrm>
-      </p:grpSpPr>
-      <p:pic>
-        <p:nvPicPr>
-          <p:cNvPr id="2" name="Content Placeholder 1"/>
-          <p:cNvPicPr>
-            <a:picLocks noGrp="1" noChangeAspect="1"/>
-          </p:cNvPicPr>
-          <p:nvPr>
-            <p:ph idx="1"/>
-          </p:nvPr>
-        </p:nvPicPr>
-        <p:blipFill>
-          <a:blip r:embed="rId2">
-            <a:extLst>
-              <a:ext uri="{28A0092B-C50C-407E-A947-70E740481C1C}">
-                <a14:useLocalDpi xmlns:a14="http://schemas.microsoft.com/office/drawing/2010/main" val="0"/>
-              </a:ext>
-            </a:extLst>
-          </a:blip>
-          <a:stretch>
-            <a:fillRect/>
-          </a:stretch>
-        </p:blipFill>
-        <p:spPr>
-          <a:xfrm>
-            <a:off x="1262562" y="2020888"/>
-            <a:ext cx="6445839" cy="4105275"/>
-          </a:xfrm>
-        </p:spPr>
-      </p:pic>
-      <p:sp>
-        <p:nvSpPr>
-          <p:cNvPr id="4" name="Datumsplatzhalter 3"/>
-          <p:cNvSpPr>
-            <a:spLocks noGrp="1"/>
-          </p:cNvSpPr>
-          <p:nvPr>
-            <p:ph type="dt" sz="half" idx="2"/>
-          </p:nvPr>
-        </p:nvSpPr>
-        <p:spPr/>
-        <p:txBody>
-          <a:bodyPr/>
-          <a:lstStyle/>
-          <a:p>
-            <a:fld id="{C916D949-773C-3845-BFBA-C7D9987445EE}" type="datetime1">
-              <a:rPr lang="de-DE" smtClean="0"/>
-              <a:t>24.07.18</a:t>
-            </a:fld>
-            <a:endParaRPr lang="de-DE" dirty="0"/>
-          </a:p>
-        </p:txBody>
-      </p:sp>
-      <p:sp>
-        <p:nvSpPr>
-          <p:cNvPr id="5" name="Foliennummernplatzhalter 4"/>
-          <p:cNvSpPr>
-            <a:spLocks noGrp="1"/>
-          </p:cNvSpPr>
-          <p:nvPr>
-            <p:ph type="sldNum" sz="quarter" idx="4"/>
-          </p:nvPr>
-        </p:nvSpPr>
-        <p:spPr/>
-        <p:txBody>
-          <a:bodyPr/>
-          <a:lstStyle/>
-          <a:p>
-            <a:fld id="{E7BE1CCD-89A0-CC45-BF3E-2A331A7F0490}" type="slidenum">
-              <a:rPr lang="de-DE" smtClean="0"/>
-              <a:pPr/>
-              <a:t>12</a:t>
-            </a:fld>
-            <a:endParaRPr lang="de-DE" dirty="0"/>
-          </a:p>
-        </p:txBody>
-      </p:sp>
-      <p:sp>
-        <p:nvSpPr>
-          <p:cNvPr id="6" name="TextBox 5"/>
-          <p:cNvSpPr txBox="1"/>
-          <p:nvPr/>
-        </p:nvSpPr>
-        <p:spPr>
-          <a:xfrm>
-            <a:off x="2042013" y="6437376"/>
-            <a:ext cx="4732386" cy="253916"/>
-          </a:xfrm>
-          <a:prstGeom prst="rect">
-            <a:avLst/>
-          </a:prstGeom>
-          <a:noFill/>
-        </p:spPr>
-        <p:txBody>
-          <a:bodyPr wrap="none" rtlCol="0">
-            <a:spAutoFit/>
-          </a:bodyPr>
-          <a:lstStyle/>
-          <a:p>
-            <a:pPr algn="ctr"/>
-            <a:r>
-              <a:rPr lang="en-US" sz="1050" dirty="0" smtClean="0"/>
-              <a:t>HSHL – ITD 6. Semester </a:t>
-            </a:r>
-            <a:r>
-              <a:rPr lang="mr-IN" sz="1050" dirty="0" smtClean="0"/>
-              <a:t>–</a:t>
-            </a:r>
-            <a:r>
-              <a:rPr lang="en-US" sz="1050" dirty="0" smtClean="0"/>
-              <a:t> Christopher Beck, Daniel </a:t>
-            </a:r>
-            <a:r>
-              <a:rPr lang="en-US" sz="1050" dirty="0" err="1" smtClean="0"/>
-              <a:t>Münstermann</a:t>
-            </a:r>
-            <a:r>
-              <a:rPr lang="en-US" sz="1050" dirty="0" smtClean="0"/>
-              <a:t>, Alexander Wilms</a:t>
-            </a:r>
-            <a:endParaRPr lang="en-US" sz="1050" dirty="0"/>
-          </a:p>
-        </p:txBody>
-      </p:sp>
-      <p:sp>
-        <p:nvSpPr>
-          <p:cNvPr id="7" name="Titel 1"/>
-          <p:cNvSpPr txBox="1">
-            <a:spLocks/>
-          </p:cNvSpPr>
-          <p:nvPr/>
-        </p:nvSpPr>
-        <p:spPr>
-          <a:xfrm>
-            <a:off x="648001" y="768252"/>
-            <a:ext cx="7520410" cy="941715"/>
-          </a:xfrm>
-          <a:prstGeom prst="rect">
-            <a:avLst/>
-          </a:prstGeom>
-        </p:spPr>
-        <p:txBody>
-          <a:bodyPr vert="horz" lIns="91440" tIns="45720" rIns="91440" bIns="45720" rtlCol="0" anchor="ctr">
-            <a:normAutofit/>
-          </a:bodyPr>
-          <a:lstStyle>
-            <a:lvl1pPr algn="l" defTabSz="457200" rtl="0" eaLnBrk="1" latinLnBrk="0" hangingPunct="1">
-              <a:spcBef>
-                <a:spcPct val="0"/>
-              </a:spcBef>
-              <a:buNone/>
-              <a:defRPr sz="4000" b="1" i="0" kern="1200">
-                <a:solidFill>
-                  <a:schemeClr val="tx1"/>
-                </a:solidFill>
-                <a:latin typeface="Source Sans Pro"/>
-                <a:ea typeface="+mj-ea"/>
-                <a:cs typeface="Source Sans Pro"/>
-              </a:defRPr>
-            </a:lvl1pPr>
-          </a:lstStyle>
-          <a:p>
-            <a:r>
-              <a:rPr lang="de-DE" sz="2400" dirty="0" smtClean="0"/>
-              <a:t>MATLAB GUI</a:t>
-            </a:r>
-            <a:endParaRPr lang="de-DE" sz="2400" dirty="0"/>
-          </a:p>
-        </p:txBody>
-      </p:sp>
-    </p:spTree>
-    <p:extLst>
-      <p:ext uri="{BB962C8B-B14F-4D97-AF65-F5344CB8AC3E}">
-        <p14:creationId xmlns:p14="http://schemas.microsoft.com/office/powerpoint/2010/main" val="1277993466"/>
-      </p:ext>
-    </p:extLst>
-  </p:cSld>
-  <p:clrMapOvr>
-    <a:masterClrMapping/>
-  </p:clrMapOvr>
-</p:sld>
-</file>
-
-<file path=ppt/slides/slide13.xml><?xml version="1.0" encoding="utf-8"?>
-<p:sld xmlns:a="http://schemas.openxmlformats.org/drawingml/2006/main" xmlns:r="http://schemas.openxmlformats.org/officeDocument/2006/relationships" xmlns:p="http://schemas.openxmlformats.org/presentationml/2006/main">
-  <p:cSld>
-    <p:spTree>
-      <p:nvGrpSpPr>
-        <p:cNvPr id="1" name=""/>
-        <p:cNvGrpSpPr/>
-        <p:nvPr/>
-      </p:nvGrpSpPr>
-      <p:grpSpPr>
-        <a:xfrm>
-          <a:off x="0" y="0"/>
-          <a:ext cx="0" cy="0"/>
-          <a:chOff x="0" y="0"/>
-          <a:chExt cx="0" cy="0"/>
-        </a:xfrm>
-      </p:grpSpPr>
-      <p:sp>
-        <p:nvSpPr>
-          <p:cNvPr id="3" name="Inhaltsplatzhalter 2"/>
-          <p:cNvSpPr>
-            <a:spLocks noGrp="1"/>
-          </p:cNvSpPr>
-          <p:nvPr>
-            <p:ph idx="1"/>
-          </p:nvPr>
-        </p:nvSpPr>
-        <p:spPr>
-          <a:xfrm>
-            <a:off x="648000" y="1993460"/>
-            <a:ext cx="7675432" cy="4104983"/>
-          </a:xfrm>
-        </p:spPr>
-        <p:txBody>
-          <a:bodyPr>
-            <a:normAutofit/>
-          </a:bodyPr>
-          <a:lstStyle/>
-          <a:p>
-            <a:pPr marL="0" indent="0" defTabSz="914400">
-              <a:spcBef>
-                <a:spcPts val="0"/>
-              </a:spcBef>
-              <a:buNone/>
-            </a:pPr>
-            <a:r>
-              <a:rPr lang="de-DE" sz="2400" dirty="0" smtClean="0"/>
-              <a:t>Lautsprecher und Mikrofone</a:t>
-            </a:r>
-          </a:p>
-          <a:p>
-            <a:pPr marL="0" indent="0" defTabSz="914400">
-              <a:spcBef>
-                <a:spcPts val="0"/>
-              </a:spcBef>
-              <a:buNone/>
-            </a:pPr>
-            <a:r>
-              <a:rPr lang="de-DE" sz="2400" dirty="0"/>
-              <a:t>e</a:t>
-            </a:r>
-            <a:r>
-              <a:rPr lang="de-DE" sz="2400" dirty="0" smtClean="0"/>
-              <a:t>rzeugen im Gehäuse</a:t>
-            </a:r>
-            <a:br>
-              <a:rPr lang="de-DE" sz="2400" dirty="0" smtClean="0"/>
-            </a:br>
-            <a:r>
-              <a:rPr lang="de-DE" sz="2400" dirty="0" smtClean="0"/>
-              <a:t>Interferenzen.</a:t>
-            </a:r>
-          </a:p>
-          <a:p>
-            <a:pPr marL="0" indent="0" defTabSz="914400">
-              <a:spcBef>
-                <a:spcPts val="0"/>
-              </a:spcBef>
-              <a:buNone/>
-            </a:pPr>
-            <a:endParaRPr lang="de-DE" sz="2400" dirty="0"/>
-          </a:p>
-          <a:p>
-            <a:pPr marL="0" indent="0" defTabSz="914400">
-              <a:spcBef>
-                <a:spcPts val="0"/>
-              </a:spcBef>
-              <a:buNone/>
-            </a:pPr>
-            <a:r>
-              <a:rPr lang="de-DE" sz="2400" dirty="0" smtClean="0"/>
-              <a:t>Die genausten Ergebnisse bekommt man durch</a:t>
-            </a:r>
-          </a:p>
-          <a:p>
-            <a:pPr marL="0" indent="0" defTabSz="914400">
-              <a:spcBef>
-                <a:spcPts val="0"/>
-              </a:spcBef>
-              <a:buNone/>
-            </a:pPr>
-            <a:r>
-              <a:rPr lang="de-DE" sz="2400" dirty="0"/>
-              <a:t>e</a:t>
-            </a:r>
-            <a:r>
-              <a:rPr lang="de-DE" sz="2400" dirty="0" smtClean="0"/>
-              <a:t>inzelne Messungen der jeweiligen Sensoren.</a:t>
-            </a:r>
-          </a:p>
-          <a:p>
-            <a:pPr marL="0" indent="0" defTabSz="914400">
-              <a:spcBef>
-                <a:spcPts val="0"/>
-              </a:spcBef>
-              <a:buNone/>
-            </a:pPr>
-            <a:endParaRPr lang="de-DE" sz="2400" dirty="0"/>
-          </a:p>
-          <a:p>
-            <a:pPr marL="0" indent="0" defTabSz="914400">
-              <a:spcBef>
-                <a:spcPts val="0"/>
-              </a:spcBef>
-              <a:buNone/>
-            </a:pPr>
-            <a:r>
-              <a:rPr lang="de-DE" sz="2400" dirty="0" smtClean="0"/>
-              <a:t>Nachteil: 	12microseconds pro Sensor</a:t>
-            </a:r>
-          </a:p>
-          <a:p>
-            <a:pPr marL="0" indent="0" defTabSz="914400">
-              <a:spcBef>
-                <a:spcPts val="0"/>
-              </a:spcBef>
-              <a:buNone/>
-            </a:pPr>
-            <a:r>
-              <a:rPr lang="de-DE" sz="2400" dirty="0"/>
-              <a:t>	</a:t>
-            </a:r>
-            <a:r>
-              <a:rPr lang="de-DE" sz="2400" dirty="0" smtClean="0"/>
-              <a:t>	</a:t>
-            </a:r>
-          </a:p>
-          <a:p>
-            <a:pPr marL="0" indent="0" defTabSz="914400">
-              <a:spcBef>
-                <a:spcPts val="0"/>
-              </a:spcBef>
-              <a:buNone/>
-            </a:pPr>
-            <a:endParaRPr lang="de-DE" sz="2400" dirty="0" smtClean="0"/>
-          </a:p>
-        </p:txBody>
-      </p:sp>
-      <p:sp>
-        <p:nvSpPr>
-          <p:cNvPr id="4" name="Datumsplatzhalter 3"/>
-          <p:cNvSpPr>
-            <a:spLocks noGrp="1"/>
-          </p:cNvSpPr>
-          <p:nvPr>
-            <p:ph type="dt" sz="half" idx="2"/>
-          </p:nvPr>
-        </p:nvSpPr>
-        <p:spPr/>
-        <p:txBody>
-          <a:bodyPr/>
-          <a:lstStyle/>
-          <a:p>
-            <a:fld id="{C916D949-773C-3845-BFBA-C7D9987445EE}" type="datetime1">
-              <a:rPr lang="de-DE" smtClean="0"/>
-              <a:t>24.07.18</a:t>
-            </a:fld>
-            <a:endParaRPr lang="de-DE" dirty="0"/>
-          </a:p>
-        </p:txBody>
-      </p:sp>
-      <p:sp>
-        <p:nvSpPr>
-          <p:cNvPr id="5" name="Foliennummernplatzhalter 4"/>
-          <p:cNvSpPr>
-            <a:spLocks noGrp="1"/>
-          </p:cNvSpPr>
-          <p:nvPr>
-            <p:ph type="sldNum" sz="quarter" idx="4"/>
-          </p:nvPr>
-        </p:nvSpPr>
-        <p:spPr/>
-        <p:txBody>
-          <a:bodyPr/>
-          <a:lstStyle/>
-          <a:p>
-            <a:fld id="{E7BE1CCD-89A0-CC45-BF3E-2A331A7F0490}" type="slidenum">
-              <a:rPr lang="de-DE" smtClean="0"/>
-              <a:pPr/>
-              <a:t>13</a:t>
-            </a:fld>
-            <a:endParaRPr lang="de-DE" dirty="0"/>
-          </a:p>
-        </p:txBody>
-      </p:sp>
-      <p:sp>
-        <p:nvSpPr>
-          <p:cNvPr id="6" name="TextBox 5"/>
-          <p:cNvSpPr txBox="1"/>
-          <p:nvPr/>
-        </p:nvSpPr>
-        <p:spPr>
-          <a:xfrm>
-            <a:off x="2042013" y="6437376"/>
-            <a:ext cx="4732386" cy="253916"/>
-          </a:xfrm>
-          <a:prstGeom prst="rect">
-            <a:avLst/>
-          </a:prstGeom>
-          <a:noFill/>
-        </p:spPr>
-        <p:txBody>
-          <a:bodyPr wrap="none" rtlCol="0">
-            <a:spAutoFit/>
-          </a:bodyPr>
-          <a:lstStyle/>
-          <a:p>
-            <a:pPr algn="ctr"/>
-            <a:r>
-              <a:rPr lang="en-US" sz="1050" dirty="0" smtClean="0"/>
-              <a:t>HSHL – ITD 6. Semester </a:t>
-            </a:r>
-            <a:r>
-              <a:rPr lang="mr-IN" sz="1050" dirty="0" smtClean="0"/>
-              <a:t>–</a:t>
-            </a:r>
-            <a:r>
-              <a:rPr lang="en-US" sz="1050" dirty="0" smtClean="0"/>
-              <a:t> Christopher Beck, Daniel </a:t>
-            </a:r>
-            <a:r>
-              <a:rPr lang="en-US" sz="1050" dirty="0" err="1" smtClean="0"/>
-              <a:t>Münstermann</a:t>
-            </a:r>
-            <a:r>
-              <a:rPr lang="en-US" sz="1050" dirty="0" smtClean="0"/>
-              <a:t>, Alexander Wilms</a:t>
-            </a:r>
-            <a:endParaRPr lang="en-US" sz="1050" dirty="0"/>
-          </a:p>
-        </p:txBody>
-      </p:sp>
-      <p:sp>
-        <p:nvSpPr>
-          <p:cNvPr id="7" name="Titel 1"/>
-          <p:cNvSpPr txBox="1">
-            <a:spLocks/>
-          </p:cNvSpPr>
-          <p:nvPr/>
-        </p:nvSpPr>
-        <p:spPr>
-          <a:xfrm>
-            <a:off x="648001" y="768252"/>
-            <a:ext cx="7520410" cy="941715"/>
-          </a:xfrm>
-          <a:prstGeom prst="rect">
-            <a:avLst/>
-          </a:prstGeom>
-        </p:spPr>
-        <p:txBody>
-          <a:bodyPr vert="horz" lIns="91440" tIns="45720" rIns="91440" bIns="45720" rtlCol="0" anchor="ctr">
-            <a:normAutofit/>
-          </a:bodyPr>
-          <a:lstStyle>
-            <a:lvl1pPr algn="l" defTabSz="457200" rtl="0" eaLnBrk="1" latinLnBrk="0" hangingPunct="1">
-              <a:spcBef>
-                <a:spcPct val="0"/>
-              </a:spcBef>
-              <a:buNone/>
-              <a:defRPr sz="4000" b="1" i="0" kern="1200">
-                <a:solidFill>
-                  <a:schemeClr val="tx1"/>
-                </a:solidFill>
-                <a:latin typeface="Source Sans Pro"/>
-                <a:ea typeface="+mj-ea"/>
-                <a:cs typeface="Source Sans Pro"/>
-              </a:defRPr>
-            </a:lvl1pPr>
-          </a:lstStyle>
-          <a:p>
-            <a:r>
-              <a:rPr lang="de-DE" sz="2400" dirty="0" smtClean="0"/>
-              <a:t>HC-SR04 Array</a:t>
-            </a:r>
-            <a:endParaRPr lang="de-DE" sz="2400" dirty="0"/>
-          </a:p>
-        </p:txBody>
-      </p:sp>
-      <p:pic>
-        <p:nvPicPr>
-          <p:cNvPr id="8" name="Picture 7"/>
-          <p:cNvPicPr>
-            <a:picLocks noChangeAspect="1"/>
-          </p:cNvPicPr>
-          <p:nvPr/>
-        </p:nvPicPr>
-        <p:blipFill>
-          <a:blip r:embed="rId3">
-            <a:extLst>
-              <a:ext uri="{28A0092B-C50C-407E-A947-70E740481C1C}">
-                <a14:useLocalDpi xmlns:a14="http://schemas.microsoft.com/office/drawing/2010/main" val="0"/>
-              </a:ext>
-            </a:extLst>
-          </a:blip>
-          <a:stretch>
-            <a:fillRect/>
-          </a:stretch>
-        </p:blipFill>
-        <p:spPr>
-          <a:xfrm>
-            <a:off x="4495638" y="1080615"/>
-            <a:ext cx="3827794" cy="2272186"/>
-          </a:xfrm>
-          <a:prstGeom prst="rect">
-            <a:avLst/>
-          </a:prstGeom>
-        </p:spPr>
-      </p:pic>
-    </p:spTree>
-    <p:extLst>
-      <p:ext uri="{BB962C8B-B14F-4D97-AF65-F5344CB8AC3E}">
-        <p14:creationId xmlns:p14="http://schemas.microsoft.com/office/powerpoint/2010/main" val="1097352276"/>
-      </p:ext>
-    </p:extLst>
-  </p:cSld>
-  <p:clrMapOvr>
-    <a:masterClrMapping/>
-  </p:clrMapOvr>
-</p:sld>
-</file>
-
-<file path=ppt/slides/slide14.xml><?xml version="1.0" encoding="utf-8"?>
 <p:sld xmlns:a="http://schemas.openxmlformats.org/drawingml/2006/main" xmlns:r="http://schemas.openxmlformats.org/officeDocument/2006/relationships" xmlns:p="http://schemas.openxmlformats.org/presentationml/2006/main">
   <p:cSld>
     <p:spTree>
@@ -9773,7 +9369,7 @@
 </p:sld>
 </file>
 
-<file path=ppt/slides/slide15.xml><?xml version="1.0" encoding="utf-8"?>
+<file path=ppt/slides/slide13.xml><?xml version="1.0" encoding="utf-8"?>
 <p:sld xmlns:a="http://schemas.openxmlformats.org/drawingml/2006/main" xmlns:r="http://schemas.openxmlformats.org/officeDocument/2006/relationships" xmlns:p="http://schemas.openxmlformats.org/presentationml/2006/main">
   <p:cSld>
     <p:spTree>
@@ -11282,7 +10878,7 @@
 </p:sld>
 </file>
 
-<file path=ppt/slides/slide16.xml><?xml version="1.0" encoding="utf-8"?>
+<file path=ppt/slides/slide14.xml><?xml version="1.0" encoding="utf-8"?>
 <p:sld xmlns:a="http://schemas.openxmlformats.org/drawingml/2006/main" xmlns:r="http://schemas.openxmlformats.org/officeDocument/2006/relationships" xmlns:p="http://schemas.openxmlformats.org/presentationml/2006/main">
   <p:cSld>
     <p:spTree>
@@ -11365,7 +10961,7 @@
 </p:sld>
 </file>
 
-<file path=ppt/slides/slide17.xml><?xml version="1.0" encoding="utf-8"?>
+<file path=ppt/slides/slide15.xml><?xml version="1.0" encoding="utf-8"?>
 <p:sld xmlns:a="http://schemas.openxmlformats.org/drawingml/2006/main" xmlns:r="http://schemas.openxmlformats.org/officeDocument/2006/relationships" xmlns:p="http://schemas.openxmlformats.org/presentationml/2006/main">
   <p:cSld>
     <p:spTree>
@@ -11510,7 +11106,7 @@
 </p:sld>
 </file>
 
-<file path=ppt/slides/slide18.xml><?xml version="1.0" encoding="utf-8"?>
+<file path=ppt/slides/slide16.xml><?xml version="1.0" encoding="utf-8"?>
 <p:sld xmlns:a="http://schemas.openxmlformats.org/drawingml/2006/main" xmlns:r="http://schemas.openxmlformats.org/officeDocument/2006/relationships" xmlns:p="http://schemas.openxmlformats.org/presentationml/2006/main">
   <p:cSld>
     <p:spTree>
@@ -11755,7 +11351,7 @@
 </p:sld>
 </file>
 
-<file path=ppt/slides/slide19.xml><?xml version="1.0" encoding="utf-8"?>
+<file path=ppt/slides/slide17.xml><?xml version="1.0" encoding="utf-8"?>
 <p:sld xmlns:a="http://schemas.openxmlformats.org/drawingml/2006/main" xmlns:r="http://schemas.openxmlformats.org/officeDocument/2006/relationships" xmlns:p="http://schemas.openxmlformats.org/presentationml/2006/main">
   <p:cSld>
     <p:spTree>
@@ -11840,7 +11436,7 @@
             <a:fld id="{E7BE1CCD-89A0-CC45-BF3E-2A331A7F0490}" type="slidenum">
               <a:rPr lang="de-DE" smtClean="0"/>
               <a:pPr/>
-              <a:t>19</a:t>
+              <a:t>17</a:t>
             </a:fld>
             <a:endParaRPr lang="de-DE" dirty="0"/>
           </a:p>
@@ -11939,6 +11535,425 @@
     <p:extLst>
       <p:ext uri="{BB962C8B-B14F-4D97-AF65-F5344CB8AC3E}">
         <p14:creationId xmlns:p14="http://schemas.microsoft.com/office/powerpoint/2010/main" val="1558163019"/>
+      </p:ext>
+    </p:extLst>
+  </p:cSld>
+  <p:clrMapOvr>
+    <a:masterClrMapping/>
+  </p:clrMapOvr>
+</p:sld>
+</file>
+
+<file path=ppt/slides/slide18.xml><?xml version="1.0" encoding="utf-8"?>
+<p:sld xmlns:a="http://schemas.openxmlformats.org/drawingml/2006/main" xmlns:r="http://schemas.openxmlformats.org/officeDocument/2006/relationships" xmlns:p="http://schemas.openxmlformats.org/presentationml/2006/main">
+  <p:cSld>
+    <p:spTree>
+      <p:nvGrpSpPr>
+        <p:cNvPr id="1" name=""/>
+        <p:cNvGrpSpPr/>
+        <p:nvPr/>
+      </p:nvGrpSpPr>
+      <p:grpSpPr>
+        <a:xfrm>
+          <a:off x="0" y="0"/>
+          <a:ext cx="0" cy="0"/>
+          <a:chOff x="0" y="0"/>
+          <a:chExt cx="0" cy="0"/>
+        </a:xfrm>
+      </p:grpSpPr>
+      <p:sp>
+        <p:nvSpPr>
+          <p:cNvPr id="3" name="Inhaltsplatzhalter 2"/>
+          <p:cNvSpPr>
+            <a:spLocks noGrp="1"/>
+          </p:cNvSpPr>
+          <p:nvPr>
+            <p:ph idx="1"/>
+          </p:nvPr>
+        </p:nvSpPr>
+        <p:spPr/>
+        <p:txBody>
+          <a:bodyPr/>
+          <a:lstStyle/>
+          <a:p>
+            <a:r>
+              <a:rPr lang="de-DE" dirty="0"/>
+              <a:t>Jederzeit betriebsbereit</a:t>
+            </a:r>
+          </a:p>
+          <a:p>
+            <a:r>
+              <a:rPr lang="de-DE" dirty="0"/>
+              <a:t>Multitasking/Multithreading</a:t>
+            </a:r>
+          </a:p>
+          <a:p>
+            <a:r>
+              <a:rPr lang="de-DE" dirty="0"/>
+              <a:t>Definiertes Verhalten für die Synchronisation </a:t>
+            </a:r>
+          </a:p>
+          <a:p>
+            <a:r>
+              <a:rPr lang="de-DE" dirty="0"/>
+              <a:t>Prioritätenvererbung wird unterstützt</a:t>
+            </a:r>
+          </a:p>
+          <a:p>
+            <a:r>
+              <a:rPr lang="de-DE" dirty="0"/>
+              <a:t>Verzögerungsverhalten vorhersagbar </a:t>
+            </a:r>
+          </a:p>
+          <a:p>
+            <a:endParaRPr lang="de-DE" dirty="0"/>
+          </a:p>
+        </p:txBody>
+      </p:sp>
+      <p:sp>
+        <p:nvSpPr>
+          <p:cNvPr id="4" name="Datumsplatzhalter 3"/>
+          <p:cNvSpPr>
+            <a:spLocks noGrp="1"/>
+          </p:cNvSpPr>
+          <p:nvPr>
+            <p:ph type="dt" sz="half" idx="2"/>
+          </p:nvPr>
+        </p:nvSpPr>
+        <p:spPr/>
+        <p:txBody>
+          <a:bodyPr/>
+          <a:lstStyle/>
+          <a:p>
+            <a:fld id="{F562E25D-699C-4C92-878C-CC3BF1593050}" type="datetime1">
+              <a:rPr lang="de-DE" smtClean="0"/>
+              <a:t>24.07.18</a:t>
+            </a:fld>
+            <a:endParaRPr lang="de-DE" dirty="0"/>
+          </a:p>
+        </p:txBody>
+      </p:sp>
+      <p:sp>
+        <p:nvSpPr>
+          <p:cNvPr id="5" name="Foliennummernplatzhalter 4"/>
+          <p:cNvSpPr>
+            <a:spLocks noGrp="1"/>
+          </p:cNvSpPr>
+          <p:nvPr>
+            <p:ph type="sldNum" sz="quarter" idx="4"/>
+          </p:nvPr>
+        </p:nvSpPr>
+        <p:spPr/>
+        <p:txBody>
+          <a:bodyPr/>
+          <a:lstStyle/>
+          <a:p>
+            <a:fld id="{E7BE1CCD-89A0-CC45-BF3E-2A331A7F0490}" type="slidenum">
+              <a:rPr lang="de-DE" smtClean="0"/>
+              <a:pPr/>
+              <a:t>18</a:t>
+            </a:fld>
+            <a:endParaRPr lang="de-DE" dirty="0"/>
+          </a:p>
+        </p:txBody>
+      </p:sp>
+      <p:sp>
+        <p:nvSpPr>
+          <p:cNvPr id="7" name="Titel 1"/>
+          <p:cNvSpPr txBox="1">
+            <a:spLocks/>
+          </p:cNvSpPr>
+          <p:nvPr/>
+        </p:nvSpPr>
+        <p:spPr>
+          <a:xfrm>
+            <a:off x="648001" y="768252"/>
+            <a:ext cx="7520410" cy="941715"/>
+          </a:xfrm>
+          <a:prstGeom prst="rect">
+            <a:avLst/>
+          </a:prstGeom>
+        </p:spPr>
+        <p:txBody>
+          <a:bodyPr vert="horz" lIns="91440" tIns="45720" rIns="91440" bIns="45720" rtlCol="0" anchor="ctr">
+            <a:normAutofit/>
+          </a:bodyPr>
+          <a:lstStyle>
+            <a:lvl1pPr algn="l" defTabSz="457200" rtl="0" eaLnBrk="1" latinLnBrk="0" hangingPunct="1">
+              <a:spcBef>
+                <a:spcPct val="0"/>
+              </a:spcBef>
+              <a:buNone/>
+              <a:defRPr sz="4000" b="1" i="0" kern="1200">
+                <a:solidFill>
+                  <a:schemeClr val="tx1"/>
+                </a:solidFill>
+                <a:latin typeface="Source Sans Pro"/>
+                <a:ea typeface="+mj-ea"/>
+                <a:cs typeface="Source Sans Pro"/>
+              </a:defRPr>
+            </a:lvl1pPr>
+          </a:lstStyle>
+          <a:p>
+            <a:r>
+              <a:rPr lang="de-DE" sz="2400" dirty="0"/>
+              <a:t>Anforderungen - RTOS</a:t>
+            </a:r>
+          </a:p>
+        </p:txBody>
+      </p:sp>
+      <p:sp>
+        <p:nvSpPr>
+          <p:cNvPr id="6" name="TextBox 5"/>
+          <p:cNvSpPr txBox="1"/>
+          <p:nvPr/>
+        </p:nvSpPr>
+        <p:spPr>
+          <a:xfrm>
+            <a:off x="3265107" y="6437376"/>
+            <a:ext cx="2286203" cy="253916"/>
+          </a:xfrm>
+          <a:prstGeom prst="rect">
+            <a:avLst/>
+          </a:prstGeom>
+          <a:noFill/>
+        </p:spPr>
+        <p:txBody>
+          <a:bodyPr wrap="none" rtlCol="0">
+            <a:spAutoFit/>
+          </a:bodyPr>
+          <a:lstStyle/>
+          <a:p>
+            <a:pPr algn="ctr"/>
+            <a:r>
+              <a:rPr lang="en-US" sz="1050" dirty="0" smtClean="0"/>
+              <a:t>HSHL – ITD 6. Semester </a:t>
+            </a:r>
+            <a:r>
+              <a:rPr lang="mr-IN" sz="1050" dirty="0" smtClean="0"/>
+              <a:t>–</a:t>
+            </a:r>
+            <a:r>
+              <a:rPr lang="en-US" sz="1050" smtClean="0"/>
+              <a:t> </a:t>
+            </a:r>
+            <a:r>
+              <a:rPr lang="en-US" sz="1050" smtClean="0"/>
+              <a:t>Melissa Sens</a:t>
+            </a:r>
+            <a:endParaRPr lang="en-US" sz="1050" dirty="0"/>
+          </a:p>
+        </p:txBody>
+      </p:sp>
+    </p:spTree>
+    <p:extLst>
+      <p:ext uri="{BB962C8B-B14F-4D97-AF65-F5344CB8AC3E}">
+        <p14:creationId xmlns:p14="http://schemas.microsoft.com/office/powerpoint/2010/main" val="1630268815"/>
+      </p:ext>
+    </p:extLst>
+  </p:cSld>
+  <p:clrMapOvr>
+    <a:masterClrMapping/>
+  </p:clrMapOvr>
+</p:sld>
+</file>
+
+<file path=ppt/slides/slide19.xml><?xml version="1.0" encoding="utf-8"?>
+<p:sld xmlns:a="http://schemas.openxmlformats.org/drawingml/2006/main" xmlns:r="http://schemas.openxmlformats.org/officeDocument/2006/relationships" xmlns:p="http://schemas.openxmlformats.org/presentationml/2006/main">
+  <p:cSld>
+    <p:spTree>
+      <p:nvGrpSpPr>
+        <p:cNvPr id="1" name=""/>
+        <p:cNvGrpSpPr/>
+        <p:nvPr/>
+      </p:nvGrpSpPr>
+      <p:grpSpPr>
+        <a:xfrm>
+          <a:off x="0" y="0"/>
+          <a:ext cx="0" cy="0"/>
+          <a:chOff x="0" y="0"/>
+          <a:chExt cx="0" cy="0"/>
+        </a:xfrm>
+      </p:grpSpPr>
+      <p:sp>
+        <p:nvSpPr>
+          <p:cNvPr id="3" name="Inhaltsplatzhalter 2"/>
+          <p:cNvSpPr>
+            <a:spLocks noGrp="1"/>
+          </p:cNvSpPr>
+          <p:nvPr>
+            <p:ph idx="1"/>
+          </p:nvPr>
+        </p:nvSpPr>
+        <p:spPr/>
+        <p:txBody>
+          <a:bodyPr/>
+          <a:lstStyle/>
+          <a:p>
+            <a:r>
+              <a:rPr lang="de-DE" dirty="0"/>
+              <a:t>ergonomische Gestaltung der Benutzungsschnittstelle </a:t>
+            </a:r>
+          </a:p>
+          <a:p>
+            <a:r>
+              <a:rPr lang="de-DE" dirty="0"/>
+              <a:t>Angemessenheit der Aufgaben</a:t>
+            </a:r>
+          </a:p>
+          <a:p>
+            <a:r>
+              <a:rPr lang="de-DE" dirty="0"/>
+              <a:t>Erlernbarkeit</a:t>
+            </a:r>
+          </a:p>
+          <a:p>
+            <a:r>
+              <a:rPr lang="de-DE" dirty="0"/>
+              <a:t>Robustheit bzgl. Fehlern</a:t>
+            </a:r>
+          </a:p>
+        </p:txBody>
+      </p:sp>
+      <p:sp>
+        <p:nvSpPr>
+          <p:cNvPr id="4" name="Datumsplatzhalter 3"/>
+          <p:cNvSpPr>
+            <a:spLocks noGrp="1"/>
+          </p:cNvSpPr>
+          <p:nvPr>
+            <p:ph type="dt" sz="half" idx="2"/>
+          </p:nvPr>
+        </p:nvSpPr>
+        <p:spPr/>
+        <p:txBody>
+          <a:bodyPr/>
+          <a:lstStyle/>
+          <a:p>
+            <a:fld id="{F562E25D-699C-4C92-878C-CC3BF1593050}" type="datetime1">
+              <a:rPr lang="de-DE" smtClean="0"/>
+              <a:t>24.07.18</a:t>
+            </a:fld>
+            <a:endParaRPr lang="de-DE" dirty="0"/>
+          </a:p>
+        </p:txBody>
+      </p:sp>
+      <p:sp>
+        <p:nvSpPr>
+          <p:cNvPr id="5" name="Foliennummernplatzhalter 4"/>
+          <p:cNvSpPr>
+            <a:spLocks noGrp="1"/>
+          </p:cNvSpPr>
+          <p:nvPr>
+            <p:ph type="sldNum" sz="quarter" idx="4"/>
+          </p:nvPr>
+        </p:nvSpPr>
+        <p:spPr/>
+        <p:txBody>
+          <a:bodyPr/>
+          <a:lstStyle/>
+          <a:p>
+            <a:fld id="{E7BE1CCD-89A0-CC45-BF3E-2A331A7F0490}" type="slidenum">
+              <a:rPr lang="de-DE" smtClean="0"/>
+              <a:pPr/>
+              <a:t>19</a:t>
+            </a:fld>
+            <a:endParaRPr lang="de-DE" dirty="0"/>
+          </a:p>
+        </p:txBody>
+      </p:sp>
+      <p:sp>
+        <p:nvSpPr>
+          <p:cNvPr id="7" name="Titel 1"/>
+          <p:cNvSpPr txBox="1">
+            <a:spLocks/>
+          </p:cNvSpPr>
+          <p:nvPr/>
+        </p:nvSpPr>
+        <p:spPr>
+          <a:xfrm>
+            <a:off x="648001" y="768252"/>
+            <a:ext cx="7520410" cy="941715"/>
+          </a:xfrm>
+          <a:prstGeom prst="rect">
+            <a:avLst/>
+          </a:prstGeom>
+        </p:spPr>
+        <p:txBody>
+          <a:bodyPr vert="horz" lIns="91440" tIns="45720" rIns="91440" bIns="45720" rtlCol="0" anchor="ctr">
+            <a:normAutofit/>
+          </a:bodyPr>
+          <a:lstStyle>
+            <a:lvl1pPr algn="l" defTabSz="457200" rtl="0" eaLnBrk="1" latinLnBrk="0" hangingPunct="1">
+              <a:spcBef>
+                <a:spcPct val="0"/>
+              </a:spcBef>
+              <a:buNone/>
+              <a:defRPr sz="4000" b="1" i="0" kern="1200">
+                <a:solidFill>
+                  <a:schemeClr val="tx1"/>
+                </a:solidFill>
+                <a:latin typeface="Source Sans Pro"/>
+                <a:ea typeface="+mj-ea"/>
+                <a:cs typeface="Source Sans Pro"/>
+              </a:defRPr>
+            </a:lvl1pPr>
+          </a:lstStyle>
+          <a:p>
+            <a:r>
+              <a:rPr lang="de-DE" sz="2400" dirty="0"/>
+              <a:t>Anforderungen - Benutzbarkeit</a:t>
+            </a:r>
+          </a:p>
+        </p:txBody>
+      </p:sp>
+      <p:sp>
+        <p:nvSpPr>
+          <p:cNvPr id="6" name="TextBox 5"/>
+          <p:cNvSpPr txBox="1"/>
+          <p:nvPr/>
+        </p:nvSpPr>
+        <p:spPr>
+          <a:xfrm>
+            <a:off x="3265107" y="6437376"/>
+            <a:ext cx="2286203" cy="253916"/>
+          </a:xfrm>
+          <a:prstGeom prst="rect">
+            <a:avLst/>
+          </a:prstGeom>
+          <a:noFill/>
+        </p:spPr>
+        <p:txBody>
+          <a:bodyPr wrap="none" rtlCol="0">
+            <a:spAutoFit/>
+          </a:bodyPr>
+          <a:lstStyle/>
+          <a:p>
+            <a:pPr algn="ctr"/>
+            <a:r>
+              <a:rPr lang="en-US" sz="1050" dirty="0" smtClean="0"/>
+              <a:t>HSHL – ITD 6. Semester </a:t>
+            </a:r>
+            <a:r>
+              <a:rPr lang="mr-IN" sz="1050" dirty="0" smtClean="0"/>
+              <a:t>–</a:t>
+            </a:r>
+            <a:r>
+              <a:rPr lang="en-US" sz="1050" smtClean="0"/>
+              <a:t> </a:t>
+            </a:r>
+            <a:r>
+              <a:rPr lang="en-US" sz="1050" smtClean="0"/>
+              <a:t>Melissa Sens</a:t>
+            </a:r>
+            <a:endParaRPr lang="en-US" sz="1050" dirty="0"/>
+          </a:p>
+        </p:txBody>
+      </p:sp>
+    </p:spTree>
+    <p:extLst>
+      <p:ext uri="{BB962C8B-B14F-4D97-AF65-F5344CB8AC3E}">
+        <p14:creationId xmlns:p14="http://schemas.microsoft.com/office/powerpoint/2010/main" val="184121632"/>
       </p:ext>
     </p:extLst>
   </p:cSld>
@@ -12027,7 +12042,11 @@
           <a:p>
             <a:r>
               <a:rPr lang="de-DE" sz="2800" dirty="0" smtClean="0"/>
-              <a:t>Rollstuhlkomponenten ähnlich zu Fahrradzubehör</a:t>
+              <a:t>Rollstuhlkomponenten </a:t>
+            </a:r>
+            <a:r>
+              <a:rPr lang="de-DE" sz="2800" b="1" dirty="0" smtClean="0"/>
+              <a:t>ähnlich zu Fahrradzubehör</a:t>
             </a:r>
           </a:p>
           <a:p>
@@ -12220,35 +12239,33 @@
           <a:p>
             <a:r>
               <a:rPr lang="de-DE" dirty="0"/>
-              <a:t>Jederzeit betriebsbereit</a:t>
-            </a:r>
-          </a:p>
-          <a:p>
+              <a:t>Performanz </a:t>
+            </a:r>
+          </a:p>
+          <a:p>
+            <a:pPr lvl="1"/>
             <a:r>
               <a:rPr lang="de-DE" dirty="0"/>
-              <a:t>Multitasking/Multithreading</a:t>
+              <a:t>Antwortzeiten, Speicherkapazität</a:t>
             </a:r>
           </a:p>
           <a:p>
             <a:r>
               <a:rPr lang="de-DE" dirty="0"/>
-              <a:t>Definiertes Verhalten für die Synchronisation </a:t>
+              <a:t>Zuverlässigkeit</a:t>
             </a:r>
           </a:p>
           <a:p>
             <a:r>
               <a:rPr lang="de-DE" dirty="0"/>
-              <a:t>Prioritätenvererbung wird unterstützt</a:t>
+              <a:t>Änderbarkeit/Wartbarkeit</a:t>
             </a:r>
           </a:p>
           <a:p>
             <a:r>
               <a:rPr lang="de-DE" dirty="0"/>
-              <a:t>Verzögerungsverhalten vorhersagbar </a:t>
-            </a:r>
-          </a:p>
-          <a:p>
-            <a:endParaRPr lang="de-DE" dirty="0"/>
+              <a:t>Portabilität</a:t>
+            </a:r>
           </a:p>
         </p:txBody>
       </p:sp>
@@ -12339,7 +12356,7 @@
           <a:p>
             <a:r>
               <a:rPr lang="de-DE" sz="2400" dirty="0"/>
-              <a:t>Anforderungen - RTOS</a:t>
+              <a:t>Qualitätsanforderungen</a:t>
             </a:r>
           </a:p>
         </p:txBody>
@@ -12390,7 +12407,7 @@
     </p:spTree>
     <p:extLst>
       <p:ext uri="{BB962C8B-B14F-4D97-AF65-F5344CB8AC3E}">
-        <p14:creationId xmlns:p14="http://schemas.microsoft.com/office/powerpoint/2010/main" val="1630268815"/>
+        <p14:creationId xmlns:p14="http://schemas.microsoft.com/office/powerpoint/2010/main" val="8333697"/>
       </p:ext>
     </p:extLst>
   </p:cSld>
@@ -12429,31 +12446,43 @@
         </p:nvSpPr>
         <p:spPr/>
         <p:txBody>
-          <a:bodyPr/>
+          <a:bodyPr>
+            <a:normAutofit/>
+          </a:bodyPr>
           <a:lstStyle/>
           <a:p>
             <a:r>
-              <a:rPr lang="de-DE" dirty="0"/>
-              <a:t>ergonomische Gestaltung der Benutzungsschnittstelle </a:t>
-            </a:r>
-          </a:p>
-          <a:p>
-            <a:r>
-              <a:rPr lang="de-DE" dirty="0"/>
-              <a:t>Angemessenheit der Aufgaben</a:t>
-            </a:r>
-          </a:p>
-          <a:p>
-            <a:r>
-              <a:rPr lang="de-DE" dirty="0"/>
-              <a:t>Erlernbarkeit</a:t>
-            </a:r>
-          </a:p>
-          <a:p>
-            <a:r>
-              <a:rPr lang="de-DE" dirty="0"/>
-              <a:t>Robustheit bzgl. Fehlern</a:t>
-            </a:r>
+              <a:rPr lang="de-DE" sz="2800" dirty="0" smtClean="0"/>
+              <a:t>Stecknarben</a:t>
+            </a:r>
+          </a:p>
+          <a:p>
+            <a:r>
+              <a:rPr lang="de-DE" sz="2800" dirty="0" err="1" smtClean="0"/>
+              <a:t>eFix</a:t>
+            </a:r>
+            <a:endParaRPr lang="de-DE" sz="2800" dirty="0" smtClean="0"/>
+          </a:p>
+          <a:p>
+            <a:r>
+              <a:rPr lang="de-DE" sz="2800" dirty="0" smtClean="0"/>
+              <a:t>ODO (</a:t>
+            </a:r>
+            <a:r>
+              <a:rPr lang="de-DE" sz="2800" dirty="0" err="1" smtClean="0"/>
+              <a:t>Segway</a:t>
+            </a:r>
+            <a:r>
+              <a:rPr lang="de-DE" sz="2800" dirty="0" smtClean="0"/>
+              <a:t>)</a:t>
+            </a:r>
+          </a:p>
+          <a:p>
+            <a:r>
+              <a:rPr lang="de-DE" sz="2800" dirty="0" err="1" smtClean="0"/>
+              <a:t>eMotion</a:t>
+            </a:r>
+            <a:endParaRPr lang="de-DE" sz="2400" dirty="0"/>
           </a:p>
         </p:txBody>
       </p:sp>
@@ -12472,7 +12501,7 @@
           <a:bodyPr/>
           <a:lstStyle/>
           <a:p>
-            <a:fld id="{F562E25D-699C-4C92-878C-CC3BF1593050}" type="datetime1">
+            <a:fld id="{C916D949-773C-3845-BFBA-C7D9987445EE}" type="datetime1">
               <a:rPr lang="de-DE" smtClean="0"/>
               <a:t>24.07.18</a:t>
             </a:fld>
@@ -12501,6 +12530,41 @@
               <a:t>21</a:t>
             </a:fld>
             <a:endParaRPr lang="de-DE" dirty="0"/>
+          </a:p>
+        </p:txBody>
+      </p:sp>
+      <p:sp>
+        <p:nvSpPr>
+          <p:cNvPr id="6" name="TextBox 5"/>
+          <p:cNvSpPr txBox="1"/>
+          <p:nvPr/>
+        </p:nvSpPr>
+        <p:spPr>
+          <a:xfrm>
+            <a:off x="3677878" y="6437376"/>
+            <a:ext cx="1460656" cy="253916"/>
+          </a:xfrm>
+          <a:prstGeom prst="rect">
+            <a:avLst/>
+          </a:prstGeom>
+          <a:noFill/>
+        </p:spPr>
+        <p:txBody>
+          <a:bodyPr wrap="none" rtlCol="0">
+            <a:spAutoFit/>
+          </a:bodyPr>
+          <a:lstStyle/>
+          <a:p>
+            <a:pPr algn="ctr"/>
+            <a:r>
+              <a:rPr lang="en-US" sz="1050" dirty="0" smtClean="0"/>
+              <a:t>HSHL – ITD 6. </a:t>
+            </a:r>
+            <a:r>
+              <a:rPr lang="en-US" sz="1050" dirty="0" smtClean="0"/>
+              <a:t>Semester</a:t>
+            </a:r>
+            <a:endParaRPr lang="en-US" sz="1050" dirty="0"/>
           </a:p>
         </p:txBody>
       </p:sp>
@@ -12543,59 +12607,17 @@
           </a:lstStyle>
           <a:p>
             <a:r>
-              <a:rPr lang="de-DE" sz="2400" dirty="0"/>
-              <a:t>Anforderungen - Benutzbarkeit</a:t>
-            </a:r>
-          </a:p>
-        </p:txBody>
-      </p:sp>
-      <p:sp>
-        <p:nvSpPr>
-          <p:cNvPr id="6" name="TextBox 5"/>
-          <p:cNvSpPr txBox="1"/>
-          <p:nvPr/>
-        </p:nvSpPr>
-        <p:spPr>
-          <a:xfrm>
-            <a:off x="3265107" y="6437376"/>
-            <a:ext cx="2286203" cy="253916"/>
-          </a:xfrm>
-          <a:prstGeom prst="rect">
-            <a:avLst/>
-          </a:prstGeom>
-          <a:noFill/>
-        </p:spPr>
-        <p:txBody>
-          <a:bodyPr wrap="none" rtlCol="0">
-            <a:spAutoFit/>
-          </a:bodyPr>
-          <a:lstStyle/>
-          <a:p>
-            <a:pPr algn="ctr"/>
-            <a:r>
-              <a:rPr lang="en-US" sz="1050" dirty="0" smtClean="0"/>
-              <a:t>HSHL – ITD 6. Semester </a:t>
-            </a:r>
-            <a:r>
-              <a:rPr lang="mr-IN" sz="1050" dirty="0" smtClean="0"/>
-              <a:t>–</a:t>
-            </a:r>
-            <a:r>
-              <a:rPr lang="en-US" sz="1050" smtClean="0"/>
-              <a:t> </a:t>
-            </a:r>
-            <a:r>
-              <a:rPr lang="en-US" sz="1050" smtClean="0"/>
-              <a:t>Melissa Sens</a:t>
-            </a:r>
-            <a:endParaRPr lang="en-US" sz="1050" dirty="0"/>
+              <a:rPr lang="de-DE" sz="2400" dirty="0" smtClean="0"/>
+              <a:t>Populäre	System</a:t>
+            </a:r>
+            <a:endParaRPr lang="de-DE" sz="2400" dirty="0"/>
           </a:p>
         </p:txBody>
       </p:sp>
     </p:spTree>
     <p:extLst>
       <p:ext uri="{BB962C8B-B14F-4D97-AF65-F5344CB8AC3E}">
-        <p14:creationId xmlns:p14="http://schemas.microsoft.com/office/powerpoint/2010/main" val="184121632"/>
+        <p14:creationId xmlns:p14="http://schemas.microsoft.com/office/powerpoint/2010/main" val="824321917"/>
       </p:ext>
     </p:extLst>
   </p:cSld>
@@ -12634,38 +12656,30 @@
         </p:nvSpPr>
         <p:spPr/>
         <p:txBody>
-          <a:bodyPr/>
+          <a:bodyPr>
+            <a:normAutofit/>
+          </a:bodyPr>
           <a:lstStyle/>
           <a:p>
             <a:r>
-              <a:rPr lang="de-DE" dirty="0"/>
-              <a:t>Performanz </a:t>
-            </a:r>
-          </a:p>
-          <a:p>
-            <a:pPr lvl="1"/>
-            <a:r>
-              <a:rPr lang="de-DE" dirty="0"/>
-              <a:t>Antwortzeiten, Speicherkapazität</a:t>
-            </a:r>
-          </a:p>
-          <a:p>
-            <a:r>
-              <a:rPr lang="de-DE" dirty="0"/>
-              <a:t>Zuverlässigkeit</a:t>
-            </a:r>
-          </a:p>
-          <a:p>
-            <a:r>
-              <a:rPr lang="de-DE" dirty="0"/>
-              <a:t>Änderbarkeit/Wartbarkeit</a:t>
-            </a:r>
-          </a:p>
-          <a:p>
-            <a:r>
-              <a:rPr lang="de-DE" dirty="0"/>
-              <a:t>Portabilität</a:t>
-            </a:r>
+              <a:rPr lang="de-DE" sz="2800" dirty="0" smtClean="0"/>
+              <a:t>Joystick</a:t>
+            </a:r>
+          </a:p>
+          <a:p>
+            <a:r>
+              <a:rPr lang="de-DE" sz="2800" dirty="0" smtClean="0"/>
+              <a:t>Piercing</a:t>
+            </a:r>
+          </a:p>
+          <a:p>
+            <a:r>
+              <a:rPr lang="de-DE" sz="2800" dirty="0" smtClean="0"/>
+              <a:t>Eye-Tracking</a:t>
+            </a:r>
+          </a:p>
+          <a:p>
+            <a:endParaRPr lang="de-DE" sz="2400" dirty="0"/>
           </a:p>
         </p:txBody>
       </p:sp>
@@ -12684,7 +12698,7 @@
           <a:bodyPr/>
           <a:lstStyle/>
           <a:p>
-            <a:fld id="{F562E25D-699C-4C92-878C-CC3BF1593050}" type="datetime1">
+            <a:fld id="{C916D949-773C-3845-BFBA-C7D9987445EE}" type="datetime1">
               <a:rPr lang="de-DE" smtClean="0"/>
               <a:t>24.07.18</a:t>
             </a:fld>
@@ -12713,6 +12727,41 @@
               <a:t>22</a:t>
             </a:fld>
             <a:endParaRPr lang="de-DE" dirty="0"/>
+          </a:p>
+        </p:txBody>
+      </p:sp>
+      <p:sp>
+        <p:nvSpPr>
+          <p:cNvPr id="6" name="TextBox 5"/>
+          <p:cNvSpPr txBox="1"/>
+          <p:nvPr/>
+        </p:nvSpPr>
+        <p:spPr>
+          <a:xfrm>
+            <a:off x="3677878" y="6437376"/>
+            <a:ext cx="1460656" cy="253916"/>
+          </a:xfrm>
+          <a:prstGeom prst="rect">
+            <a:avLst/>
+          </a:prstGeom>
+          <a:noFill/>
+        </p:spPr>
+        <p:txBody>
+          <a:bodyPr wrap="none" rtlCol="0">
+            <a:spAutoFit/>
+          </a:bodyPr>
+          <a:lstStyle/>
+          <a:p>
+            <a:pPr algn="ctr"/>
+            <a:r>
+              <a:rPr lang="en-US" sz="1050" dirty="0" smtClean="0"/>
+              <a:t>HSHL – ITD 6. </a:t>
+            </a:r>
+            <a:r>
+              <a:rPr lang="en-US" sz="1050" dirty="0" smtClean="0"/>
+              <a:t>Semester</a:t>
+            </a:r>
+            <a:endParaRPr lang="en-US" sz="1050" dirty="0"/>
           </a:p>
         </p:txBody>
       </p:sp>
@@ -12755,59 +12804,17 @@
           </a:lstStyle>
           <a:p>
             <a:r>
-              <a:rPr lang="de-DE" sz="2400" dirty="0"/>
-              <a:t>Qualitätsanforderungen</a:t>
-            </a:r>
-          </a:p>
-        </p:txBody>
-      </p:sp>
-      <p:sp>
-        <p:nvSpPr>
-          <p:cNvPr id="6" name="TextBox 5"/>
-          <p:cNvSpPr txBox="1"/>
-          <p:nvPr/>
-        </p:nvSpPr>
-        <p:spPr>
-          <a:xfrm>
-            <a:off x="3265107" y="6437376"/>
-            <a:ext cx="2286203" cy="253916"/>
-          </a:xfrm>
-          <a:prstGeom prst="rect">
-            <a:avLst/>
-          </a:prstGeom>
-          <a:noFill/>
-        </p:spPr>
-        <p:txBody>
-          <a:bodyPr wrap="none" rtlCol="0">
-            <a:spAutoFit/>
-          </a:bodyPr>
-          <a:lstStyle/>
-          <a:p>
-            <a:pPr algn="ctr"/>
-            <a:r>
-              <a:rPr lang="en-US" sz="1050" dirty="0" smtClean="0"/>
-              <a:t>HSHL – ITD 6. Semester </a:t>
-            </a:r>
-            <a:r>
-              <a:rPr lang="mr-IN" sz="1050" dirty="0" smtClean="0"/>
-              <a:t>–</a:t>
-            </a:r>
-            <a:r>
-              <a:rPr lang="en-US" sz="1050" smtClean="0"/>
-              <a:t> </a:t>
-            </a:r>
-            <a:r>
-              <a:rPr lang="en-US" sz="1050" smtClean="0"/>
-              <a:t>Melissa Sens</a:t>
-            </a:r>
-            <a:endParaRPr lang="en-US" sz="1050" dirty="0"/>
+              <a:rPr lang="de-DE" sz="2400" dirty="0" smtClean="0"/>
+              <a:t>Gängige Ansteuerungsmöglichkeiten</a:t>
+            </a:r>
+            <a:endParaRPr lang="de-DE" sz="2400" dirty="0"/>
           </a:p>
         </p:txBody>
       </p:sp>
     </p:spTree>
     <p:extLst>
       <p:ext uri="{BB962C8B-B14F-4D97-AF65-F5344CB8AC3E}">
-        <p14:creationId xmlns:p14="http://schemas.microsoft.com/office/powerpoint/2010/main" val="8333697"/>
+        <p14:creationId xmlns:p14="http://schemas.microsoft.com/office/powerpoint/2010/main" val="2091668893"/>
       </p:ext>
     </p:extLst>
   </p:cSld>
@@ -12853,36 +12860,42 @@
           <a:p>
             <a:r>
               <a:rPr lang="de-DE" sz="2800" dirty="0" smtClean="0"/>
-              <a:t>Stecknarben</a:t>
-            </a:r>
-          </a:p>
-          <a:p>
+              <a:t>Bisherige Lösungen sind immer auf Firmen-</a:t>
+            </a:r>
             <a:r>
               <a:rPr lang="de-DE" sz="2800" dirty="0" err="1" smtClean="0"/>
-              <a:t>eFix</a:t>
-            </a:r>
-            <a:endParaRPr lang="de-DE" sz="2800" dirty="0" smtClean="0"/>
-          </a:p>
-          <a:p>
+              <a:t>Ecosysteme</a:t>
+            </a:r>
             <a:r>
               <a:rPr lang="de-DE" sz="2800" dirty="0" smtClean="0"/>
-              <a:t>ODO (</a:t>
-            </a:r>
-            <a:r>
-              <a:rPr lang="de-DE" sz="2800" dirty="0" err="1" smtClean="0"/>
-              <a:t>Segway</a:t>
+              <a:t> gebunden</a:t>
+            </a:r>
+            <a:r>
+              <a:rPr lang="de-DE" sz="2800" dirty="0"/>
+              <a:t> </a:t>
             </a:r>
             <a:r>
               <a:rPr lang="de-DE" sz="2800" dirty="0" smtClean="0"/>
-              <a:t>)</a:t>
-            </a:r>
-          </a:p>
-          <a:p>
-            <a:r>
-              <a:rPr lang="de-DE" sz="2800" dirty="0" err="1" smtClean="0"/>
-              <a:t>eMotion</a:t>
-            </a:r>
-            <a:endParaRPr lang="de-DE" sz="2400" dirty="0"/>
+              <a:t>// Monopole</a:t>
+            </a:r>
+          </a:p>
+          <a:p>
+            <a:r>
+              <a:rPr lang="de-DE" sz="2800" dirty="0" smtClean="0"/>
+              <a:t>Open Source Gedanke</a:t>
+            </a:r>
+          </a:p>
+          <a:p>
+            <a:r>
+              <a:rPr lang="de-DE" sz="2800" dirty="0" smtClean="0"/>
+              <a:t>DIY</a:t>
+            </a:r>
+          </a:p>
+          <a:p>
+            <a:r>
+              <a:rPr lang="de-DE" sz="2800" dirty="0" smtClean="0"/>
+              <a:t>Haftungsfragen aushebeln durch RTOS </a:t>
+            </a:r>
           </a:p>
         </p:txBody>
       </p:sp>
@@ -13008,7 +13021,7 @@
           <a:p>
             <a:r>
               <a:rPr lang="de-DE" sz="2400" dirty="0" smtClean="0"/>
-              <a:t>Populäre	System</a:t>
+              <a:t>Motivation – </a:t>
             </a:r>
             <a:endParaRPr lang="de-DE" sz="2400" dirty="0"/>
           </a:p>
@@ -13017,7 +13030,7 @@
     </p:spTree>
     <p:extLst>
       <p:ext uri="{BB962C8B-B14F-4D97-AF65-F5344CB8AC3E}">
-        <p14:creationId xmlns:p14="http://schemas.microsoft.com/office/powerpoint/2010/main" val="824321917"/>
+        <p14:creationId xmlns:p14="http://schemas.microsoft.com/office/powerpoint/2010/main" val="1293028857"/>
       </p:ext>
     </p:extLst>
   </p:cSld>
@@ -13063,22 +13076,50 @@
           <a:p>
             <a:r>
               <a:rPr lang="de-DE" sz="2800" dirty="0" smtClean="0"/>
-              <a:t>Joystick</a:t>
-            </a:r>
-          </a:p>
-          <a:p>
-            <a:r>
-              <a:rPr lang="de-DE" sz="2800" dirty="0" smtClean="0"/>
-              <a:t>Piercing</a:t>
-            </a:r>
-          </a:p>
-          <a:p>
-            <a:r>
-              <a:rPr lang="de-DE" sz="2800" dirty="0" smtClean="0"/>
-              <a:t>Eye-Tracking</a:t>
-            </a:r>
-          </a:p>
-          <a:p>
+              <a:t>Philipp </a:t>
+            </a:r>
+            <a:r>
+              <a:rPr lang="de-DE" sz="2800" dirty="0" err="1" smtClean="0"/>
+              <a:t>Berens</a:t>
+            </a:r>
+            <a:endParaRPr lang="de-DE" sz="2800" dirty="0" smtClean="0"/>
+          </a:p>
+          <a:p>
+            <a:pPr lvl="1"/>
+            <a:r>
+              <a:rPr lang="de-DE" sz="2400" dirty="0" smtClean="0"/>
+              <a:t>M. Psychologie in Düsseldorf</a:t>
+            </a:r>
+          </a:p>
+          <a:p>
+            <a:pPr lvl="1"/>
+            <a:r>
+              <a:rPr lang="de-DE" sz="2400" dirty="0" smtClean="0"/>
+              <a:t>Parese</a:t>
+            </a:r>
+          </a:p>
+          <a:p>
+            <a:pPr lvl="1"/>
+            <a:r>
+              <a:rPr lang="de-DE" sz="2400" dirty="0" smtClean="0"/>
+              <a:t>Hohes Mobilitätsbedürfnis und </a:t>
+            </a:r>
+            <a:r>
+              <a:rPr lang="de-DE" sz="2400" dirty="0" err="1" smtClean="0"/>
+              <a:t>Aktivitätenprofil</a:t>
+            </a:r>
+            <a:endParaRPr lang="de-DE" sz="2400" dirty="0" smtClean="0"/>
+          </a:p>
+          <a:p>
+            <a:pPr lvl="1"/>
+            <a:r>
+              <a:rPr lang="de-DE" sz="2400" dirty="0" smtClean="0"/>
+              <a:t>Wunschlösung: </a:t>
+            </a:r>
+            <a:r>
+              <a:rPr lang="de-DE" sz="2400" dirty="0" err="1" smtClean="0"/>
+              <a:t>Plug‘n‘Play</a:t>
+            </a:r>
             <a:endParaRPr lang="de-DE" sz="2400" dirty="0"/>
           </a:p>
         </p:txBody>
@@ -13205,7 +13246,7 @@
           <a:p>
             <a:r>
               <a:rPr lang="de-DE" sz="2400" dirty="0" smtClean="0"/>
-              <a:t>Gängige Ansteuerungsmöglichkeiten</a:t>
+              <a:t>Experteninterview Philipp</a:t>
             </a:r>
             <a:endParaRPr lang="de-DE" sz="2400" dirty="0"/>
           </a:p>
@@ -13214,7 +13255,7 @@
     </p:spTree>
     <p:extLst>
       <p:ext uri="{BB962C8B-B14F-4D97-AF65-F5344CB8AC3E}">
-        <p14:creationId xmlns:p14="http://schemas.microsoft.com/office/powerpoint/2010/main" val="2091668893"/>
+        <p14:creationId xmlns:p14="http://schemas.microsoft.com/office/powerpoint/2010/main" val="838583223"/>
       </p:ext>
     </p:extLst>
   </p:cSld>
@@ -13260,51 +13301,91 @@
           <a:p>
             <a:r>
               <a:rPr lang="de-DE" sz="2800" dirty="0" smtClean="0"/>
-              <a:t>Philipp </a:t>
-            </a:r>
-            <a:r>
-              <a:rPr lang="de-DE" sz="2800" dirty="0" err="1" smtClean="0"/>
-              <a:t>Berens</a:t>
-            </a:r>
-            <a:endParaRPr lang="de-DE" sz="2800" dirty="0" smtClean="0"/>
+              <a:t>Frust:</a:t>
+            </a:r>
           </a:p>
           <a:p>
             <a:pPr lvl="1"/>
             <a:r>
               <a:rPr lang="de-DE" sz="2400" dirty="0" smtClean="0"/>
-              <a:t>M. Psychologie in Düsseldorf</a:t>
+              <a:t>Reparatur dauert teilweise 6 Wochen</a:t>
+            </a:r>
+          </a:p>
+          <a:p>
+            <a:pPr lvl="2"/>
+            <a:r>
+              <a:rPr lang="de-DE" sz="2000" dirty="0" err="1" smtClean="0"/>
+              <a:t>Workarround</a:t>
+            </a:r>
+            <a:r>
+              <a:rPr lang="de-DE" sz="2000" dirty="0" smtClean="0"/>
+              <a:t>: Fahrradservices nutzen</a:t>
             </a:r>
           </a:p>
           <a:p>
             <a:pPr lvl="1"/>
             <a:r>
               <a:rPr lang="de-DE" sz="2400" dirty="0" smtClean="0"/>
-              <a:t>Parese</a:t>
+              <a:t>Aktivrollstuhl aus NL </a:t>
+            </a:r>
+          </a:p>
+          <a:p>
+            <a:pPr lvl="2"/>
+            <a:r>
+              <a:rPr lang="de-DE" sz="2000" dirty="0" err="1" smtClean="0"/>
+              <a:t>Maßgefertig</a:t>
+            </a:r>
+            <a:endParaRPr lang="de-DE" sz="2000" dirty="0" smtClean="0"/>
+          </a:p>
+          <a:p>
+            <a:pPr lvl="2"/>
+            <a:r>
+              <a:rPr lang="de-DE" sz="2000" dirty="0" smtClean="0"/>
+              <a:t>Vollgefedert</a:t>
+            </a:r>
+          </a:p>
+          <a:p>
+            <a:pPr lvl="2"/>
+            <a:r>
+              <a:rPr lang="de-DE" sz="2000" dirty="0" smtClean="0"/>
+              <a:t>Sport (Halfpipe)</a:t>
             </a:r>
           </a:p>
           <a:p>
             <a:pPr lvl="1"/>
             <a:r>
+              <a:rPr lang="de-DE" sz="2400" dirty="0" err="1" smtClean="0"/>
+              <a:t>eFix</a:t>
+            </a:r>
+            <a:r>
               <a:rPr lang="de-DE" sz="2400" dirty="0" smtClean="0"/>
-              <a:t>Hohes Mobilitätsbedürfnis und </a:t>
-            </a:r>
-            <a:r>
-              <a:rPr lang="de-DE" sz="2400" dirty="0" err="1" smtClean="0"/>
-              <a:t>Aktivitätenprofil</a:t>
-            </a:r>
-            <a:endParaRPr lang="de-DE" sz="2400" dirty="0" smtClean="0"/>
+              <a:t> Räder sehr schwer, nicht selbst demontierbar</a:t>
+            </a:r>
           </a:p>
           <a:p>
             <a:pPr lvl="1"/>
             <a:r>
               <a:rPr lang="de-DE" sz="2400" dirty="0" smtClean="0"/>
-              <a:t>Wunschlösung: </a:t>
-            </a:r>
-            <a:r>
-              <a:rPr lang="de-DE" sz="2400" dirty="0" err="1" smtClean="0"/>
-              <a:t>Plug‘n‘Play</a:t>
-            </a:r>
-            <a:endParaRPr lang="de-DE" sz="2400" dirty="0"/>
+              <a:t>Große Rollstühle sorgen für Aufmerksamkeit</a:t>
+            </a:r>
+          </a:p>
+          <a:p>
+            <a:pPr lvl="2"/>
+            <a:r>
+              <a:rPr lang="de-DE" sz="2000" dirty="0" smtClean="0"/>
+              <a:t>Unpersönlich </a:t>
+            </a:r>
+            <a:r>
+              <a:rPr lang="de-DE" sz="2000" dirty="0" smtClean="0">
+                <a:sym typeface="Wingdings"/>
+              </a:rPr>
+              <a:t> behindern</a:t>
+            </a:r>
+            <a:endParaRPr lang="de-DE" sz="2000" dirty="0" smtClean="0"/>
+          </a:p>
+          <a:p>
+            <a:pPr lvl="1"/>
+            <a:endParaRPr lang="de-DE" dirty="0"/>
           </a:p>
         </p:txBody>
       </p:sp>
@@ -13429,8 +13510,8 @@
           </a:lstStyle>
           <a:p>
             <a:r>
-              <a:rPr lang="de-DE" sz="2400" dirty="0" smtClean="0"/>
-              <a:t>Experteninterview Philipp</a:t>
+              <a:rPr lang="de-DE" sz="2400" smtClean="0"/>
+              <a:t>Experteninterview</a:t>
             </a:r>
             <a:endParaRPr lang="de-DE" sz="2400" dirty="0"/>
           </a:p>
@@ -13439,7 +13520,7 @@
     </p:spTree>
     <p:extLst>
       <p:ext uri="{BB962C8B-B14F-4D97-AF65-F5344CB8AC3E}">
-        <p14:creationId xmlns:p14="http://schemas.microsoft.com/office/powerpoint/2010/main" val="838583223"/>
+        <p14:creationId xmlns:p14="http://schemas.microsoft.com/office/powerpoint/2010/main" val="1320693892"/>
       </p:ext>
     </p:extLst>
   </p:cSld>
@@ -13466,113 +13547,35 @@
           <a:chExt cx="0" cy="0"/>
         </a:xfrm>
       </p:grpSpPr>
-      <p:sp>
-        <p:nvSpPr>
-          <p:cNvPr id="3" name="Inhaltsplatzhalter 2"/>
-          <p:cNvSpPr>
-            <a:spLocks noGrp="1"/>
-          </p:cNvSpPr>
+      <p:pic>
+        <p:nvPicPr>
+          <p:cNvPr id="2" name="Content Placeholder 1"/>
+          <p:cNvPicPr>
+            <a:picLocks noGrp="1" noChangeAspect="1"/>
+          </p:cNvPicPr>
           <p:nvPr>
             <p:ph idx="1"/>
           </p:nvPr>
-        </p:nvSpPr>
-        <p:spPr/>
-        <p:txBody>
-          <a:bodyPr>
-            <a:normAutofit/>
-          </a:bodyPr>
-          <a:lstStyle/>
-          <a:p>
-            <a:r>
-              <a:rPr lang="de-DE" sz="2800" dirty="0" smtClean="0"/>
-              <a:t>Frust:</a:t>
-            </a:r>
-          </a:p>
-          <a:p>
-            <a:pPr lvl="1"/>
-            <a:r>
-              <a:rPr lang="de-DE" sz="2400" dirty="0" smtClean="0"/>
-              <a:t>Reparatur dauert teilweise 6 Wochen</a:t>
-            </a:r>
-          </a:p>
-          <a:p>
-            <a:pPr lvl="2"/>
-            <a:r>
-              <a:rPr lang="de-DE" sz="2000" dirty="0" err="1" smtClean="0"/>
-              <a:t>Workarround</a:t>
-            </a:r>
-            <a:r>
-              <a:rPr lang="de-DE" sz="2000" dirty="0" smtClean="0"/>
-              <a:t>: Fahrradservices nutzen</a:t>
-            </a:r>
-          </a:p>
-          <a:p>
-            <a:pPr lvl="1"/>
-            <a:r>
-              <a:rPr lang="de-DE" sz="2400" dirty="0" smtClean="0"/>
-              <a:t>Aktivrollstuhl aus NL </a:t>
-            </a:r>
-          </a:p>
-          <a:p>
-            <a:pPr lvl="2"/>
-            <a:r>
-              <a:rPr lang="de-DE" sz="2000" dirty="0" err="1" smtClean="0"/>
-              <a:t>Maßgefertig</a:t>
-            </a:r>
-            <a:endParaRPr lang="de-DE" sz="2000" dirty="0" smtClean="0"/>
-          </a:p>
-          <a:p>
-            <a:pPr lvl="2"/>
-            <a:r>
-              <a:rPr lang="de-DE" sz="2000" dirty="0" smtClean="0"/>
-              <a:t>Vollgefedert</a:t>
-            </a:r>
-          </a:p>
-          <a:p>
-            <a:pPr lvl="2"/>
-            <a:r>
-              <a:rPr lang="de-DE" sz="2000" dirty="0" smtClean="0"/>
-              <a:t>Sport (Halfpipe)</a:t>
-            </a:r>
-          </a:p>
-          <a:p>
-            <a:pPr lvl="1"/>
-            <a:r>
-              <a:rPr lang="de-DE" sz="2400" dirty="0" err="1" smtClean="0"/>
-              <a:t>eFix</a:t>
-            </a:r>
-            <a:r>
-              <a:rPr lang="de-DE" sz="2400" dirty="0" smtClean="0"/>
-              <a:t> Räder sehr schwer, nicht selbst demontierbar</a:t>
-            </a:r>
-          </a:p>
-          <a:p>
-            <a:pPr lvl="1"/>
-            <a:r>
-              <a:rPr lang="de-DE" sz="2400" dirty="0" smtClean="0"/>
-              <a:t>Große Rollstühle sorgen für Aufmerksamkeit</a:t>
-            </a:r>
-          </a:p>
-          <a:p>
-            <a:pPr lvl="2"/>
-            <a:r>
-              <a:rPr lang="de-DE" sz="2000" dirty="0" smtClean="0"/>
-              <a:t>Unpersönlich </a:t>
-            </a:r>
-            <a:r>
-              <a:rPr lang="de-DE" sz="2000" dirty="0" smtClean="0">
-                <a:sym typeface="Wingdings"/>
-              </a:rPr>
-              <a:t> behindern</a:t>
-            </a:r>
-            <a:endParaRPr lang="de-DE" sz="2000" dirty="0" smtClean="0"/>
-          </a:p>
-          <a:p>
-            <a:pPr lvl="1"/>
-            <a:endParaRPr lang="de-DE" dirty="0"/>
-          </a:p>
-        </p:txBody>
-      </p:sp>
+        </p:nvPicPr>
+        <p:blipFill>
+          <a:blip r:embed="rId2">
+            <a:extLst>
+              <a:ext uri="{28A0092B-C50C-407E-A947-70E740481C1C}">
+                <a14:useLocalDpi xmlns:a14="http://schemas.microsoft.com/office/drawing/2010/main" val="0"/>
+              </a:ext>
+            </a:extLst>
+          </a:blip>
+          <a:stretch>
+            <a:fillRect/>
+          </a:stretch>
+        </p:blipFill>
+        <p:spPr>
+          <a:xfrm>
+            <a:off x="1262562" y="2020888"/>
+            <a:ext cx="6445839" cy="4105275"/>
+          </a:xfrm>
+        </p:spPr>
+      </p:pic>
       <p:sp>
         <p:nvSpPr>
           <p:cNvPr id="4" name="Datumsplatzhalter 3"/>
@@ -13628,8 +13631,8 @@
         </p:nvSpPr>
         <p:spPr>
           <a:xfrm>
-            <a:off x="3677878" y="6437376"/>
-            <a:ext cx="1460656" cy="253916"/>
+            <a:off x="2042013" y="6437376"/>
+            <a:ext cx="4732386" cy="253916"/>
           </a:xfrm>
           <a:prstGeom prst="rect">
             <a:avLst/>
@@ -13645,11 +13648,23 @@
             <a:pPr algn="ctr"/>
             <a:r>
               <a:rPr lang="en-US" sz="1050" dirty="0" smtClean="0"/>
-              <a:t>HSHL – ITD 6. </a:t>
+              <a:t>HSHL – ITD 6. Semester </a:t>
+            </a:r>
+            <a:r>
+              <a:rPr lang="mr-IN" sz="1050" dirty="0" smtClean="0"/>
+              <a:t>–</a:t>
             </a:r>
             <a:r>
               <a:rPr lang="en-US" sz="1050" dirty="0" smtClean="0"/>
-              <a:t>Semester</a:t>
+              <a:t> Christopher Beck, Daniel </a:t>
+            </a:r>
+            <a:r>
+              <a:rPr lang="en-US" sz="1050" dirty="0" err="1" smtClean="0"/>
+              <a:t>Münstermann</a:t>
+            </a:r>
+            <a:r>
+              <a:rPr lang="en-US" sz="1050" dirty="0" smtClean="0"/>
+              <a:t>, Alexander Wilms</a:t>
             </a:r>
             <a:endParaRPr lang="en-US" sz="1050" dirty="0"/>
           </a:p>
@@ -13694,8 +13709,8 @@
           </a:lstStyle>
           <a:p>
             <a:r>
-              <a:rPr lang="de-DE" sz="2400" smtClean="0"/>
-              <a:t>Experteninterview</a:t>
+              <a:rPr lang="de-DE" sz="2400" dirty="0" smtClean="0"/>
+              <a:t>MATLAB GUI</a:t>
             </a:r>
             <a:endParaRPr lang="de-DE" sz="2400" dirty="0"/>
           </a:p>
@@ -13704,7 +13719,1022 @@
     </p:spTree>
     <p:extLst>
       <p:ext uri="{BB962C8B-B14F-4D97-AF65-F5344CB8AC3E}">
-        <p14:creationId xmlns:p14="http://schemas.microsoft.com/office/powerpoint/2010/main" val="1320693892"/>
+        <p14:creationId xmlns:p14="http://schemas.microsoft.com/office/powerpoint/2010/main" val="1969559705"/>
+      </p:ext>
+    </p:extLst>
+  </p:cSld>
+  <p:clrMapOvr>
+    <a:masterClrMapping/>
+  </p:clrMapOvr>
+</p:sld>
+</file>
+
+<file path=ppt/slides/slide27.xml><?xml version="1.0" encoding="utf-8"?>
+<p:sld xmlns:a="http://schemas.openxmlformats.org/drawingml/2006/main" xmlns:r="http://schemas.openxmlformats.org/officeDocument/2006/relationships" xmlns:p="http://schemas.openxmlformats.org/presentationml/2006/main">
+  <p:cSld>
+    <p:spTree>
+      <p:nvGrpSpPr>
+        <p:cNvPr id="1" name=""/>
+        <p:cNvGrpSpPr/>
+        <p:nvPr/>
+      </p:nvGrpSpPr>
+      <p:grpSpPr>
+        <a:xfrm>
+          <a:off x="0" y="0"/>
+          <a:ext cx="0" cy="0"/>
+          <a:chOff x="0" y="0"/>
+          <a:chExt cx="0" cy="0"/>
+        </a:xfrm>
+      </p:grpSpPr>
+      <p:pic>
+        <p:nvPicPr>
+          <p:cNvPr id="2" name="Content Placeholder 1"/>
+          <p:cNvPicPr>
+            <a:picLocks noGrp="1" noChangeAspect="1"/>
+          </p:cNvPicPr>
+          <p:nvPr>
+            <p:ph idx="1"/>
+          </p:nvPr>
+        </p:nvPicPr>
+        <p:blipFill>
+          <a:blip r:embed="rId2">
+            <a:extLst>
+              <a:ext uri="{28A0092B-C50C-407E-A947-70E740481C1C}">
+                <a14:useLocalDpi xmlns:a14="http://schemas.microsoft.com/office/drawing/2010/main" val="0"/>
+              </a:ext>
+            </a:extLst>
+          </a:blip>
+          <a:stretch>
+            <a:fillRect/>
+          </a:stretch>
+        </p:blipFill>
+        <p:spPr>
+          <a:xfrm>
+            <a:off x="5579408" y="1057721"/>
+            <a:ext cx="2589003" cy="1648904"/>
+          </a:xfrm>
+        </p:spPr>
+      </p:pic>
+      <p:sp>
+        <p:nvSpPr>
+          <p:cNvPr id="4" name="Datumsplatzhalter 3"/>
+          <p:cNvSpPr>
+            <a:spLocks noGrp="1"/>
+          </p:cNvSpPr>
+          <p:nvPr>
+            <p:ph type="dt" sz="half" idx="2"/>
+          </p:nvPr>
+        </p:nvSpPr>
+        <p:spPr/>
+        <p:txBody>
+          <a:bodyPr/>
+          <a:lstStyle/>
+          <a:p>
+            <a:fld id="{C916D949-773C-3845-BFBA-C7D9987445EE}" type="datetime1">
+              <a:rPr lang="de-DE" smtClean="0"/>
+              <a:t>24.07.18</a:t>
+            </a:fld>
+            <a:endParaRPr lang="de-DE" dirty="0"/>
+          </a:p>
+        </p:txBody>
+      </p:sp>
+      <p:sp>
+        <p:nvSpPr>
+          <p:cNvPr id="5" name="Foliennummernplatzhalter 4"/>
+          <p:cNvSpPr>
+            <a:spLocks noGrp="1"/>
+          </p:cNvSpPr>
+          <p:nvPr>
+            <p:ph type="sldNum" sz="quarter" idx="4"/>
+          </p:nvPr>
+        </p:nvSpPr>
+        <p:spPr/>
+        <p:txBody>
+          <a:bodyPr/>
+          <a:lstStyle/>
+          <a:p>
+            <a:fld id="{E7BE1CCD-89A0-CC45-BF3E-2A331A7F0490}" type="slidenum">
+              <a:rPr lang="de-DE" smtClean="0"/>
+              <a:pPr/>
+              <a:t>27</a:t>
+            </a:fld>
+            <a:endParaRPr lang="de-DE" dirty="0"/>
+          </a:p>
+        </p:txBody>
+      </p:sp>
+      <p:sp>
+        <p:nvSpPr>
+          <p:cNvPr id="6" name="TextBox 5"/>
+          <p:cNvSpPr txBox="1"/>
+          <p:nvPr/>
+        </p:nvSpPr>
+        <p:spPr>
+          <a:xfrm>
+            <a:off x="2042013" y="6437376"/>
+            <a:ext cx="4732386" cy="253916"/>
+          </a:xfrm>
+          <a:prstGeom prst="rect">
+            <a:avLst/>
+          </a:prstGeom>
+          <a:noFill/>
+        </p:spPr>
+        <p:txBody>
+          <a:bodyPr wrap="none" rtlCol="0">
+            <a:spAutoFit/>
+          </a:bodyPr>
+          <a:lstStyle/>
+          <a:p>
+            <a:pPr algn="ctr"/>
+            <a:r>
+              <a:rPr lang="en-US" sz="1050" dirty="0" smtClean="0"/>
+              <a:t>HSHL – ITD 6. Semester </a:t>
+            </a:r>
+            <a:r>
+              <a:rPr lang="mr-IN" sz="1050" dirty="0" smtClean="0"/>
+              <a:t>–</a:t>
+            </a:r>
+            <a:r>
+              <a:rPr lang="en-US" sz="1050" dirty="0" smtClean="0"/>
+              <a:t> Christopher Beck, Daniel </a:t>
+            </a:r>
+            <a:r>
+              <a:rPr lang="en-US" sz="1050" dirty="0" err="1" smtClean="0"/>
+              <a:t>Münstermann</a:t>
+            </a:r>
+            <a:r>
+              <a:rPr lang="en-US" sz="1050" dirty="0" smtClean="0"/>
+              <a:t>, Alexander Wilms</a:t>
+            </a:r>
+            <a:endParaRPr lang="en-US" sz="1050" dirty="0"/>
+          </a:p>
+        </p:txBody>
+      </p:sp>
+      <p:sp>
+        <p:nvSpPr>
+          <p:cNvPr id="7" name="Titel 1"/>
+          <p:cNvSpPr txBox="1">
+            <a:spLocks/>
+          </p:cNvSpPr>
+          <p:nvPr/>
+        </p:nvSpPr>
+        <p:spPr>
+          <a:xfrm>
+            <a:off x="648001" y="768252"/>
+            <a:ext cx="7520410" cy="941715"/>
+          </a:xfrm>
+          <a:prstGeom prst="rect">
+            <a:avLst/>
+          </a:prstGeom>
+        </p:spPr>
+        <p:txBody>
+          <a:bodyPr vert="horz" lIns="91440" tIns="45720" rIns="91440" bIns="45720" rtlCol="0" anchor="ctr">
+            <a:normAutofit/>
+          </a:bodyPr>
+          <a:lstStyle>
+            <a:lvl1pPr algn="l" defTabSz="457200" rtl="0" eaLnBrk="1" latinLnBrk="0" hangingPunct="1">
+              <a:spcBef>
+                <a:spcPct val="0"/>
+              </a:spcBef>
+              <a:buNone/>
+              <a:defRPr sz="4000" b="1" i="0" kern="1200">
+                <a:solidFill>
+                  <a:schemeClr val="tx1"/>
+                </a:solidFill>
+                <a:latin typeface="Source Sans Pro"/>
+                <a:ea typeface="+mj-ea"/>
+                <a:cs typeface="Source Sans Pro"/>
+              </a:defRPr>
+            </a:lvl1pPr>
+          </a:lstStyle>
+          <a:p>
+            <a:r>
+              <a:rPr lang="de-DE" sz="2400" dirty="0" smtClean="0"/>
+              <a:t>MATLAB </a:t>
+            </a:r>
+            <a:r>
+              <a:rPr lang="de-DE" sz="2400" dirty="0" smtClean="0"/>
+              <a:t>Model In The Loop</a:t>
+            </a:r>
+            <a:endParaRPr lang="de-DE" sz="2400" dirty="0"/>
+          </a:p>
+        </p:txBody>
+      </p:sp>
+      <p:sp>
+        <p:nvSpPr>
+          <p:cNvPr id="8" name="Inhaltsplatzhalter 2"/>
+          <p:cNvSpPr txBox="1">
+            <a:spLocks/>
+          </p:cNvSpPr>
+          <p:nvPr/>
+        </p:nvSpPr>
+        <p:spPr>
+          <a:xfrm>
+            <a:off x="648000" y="2021180"/>
+            <a:ext cx="7675432" cy="4104983"/>
+          </a:xfrm>
+          <a:prstGeom prst="rect">
+            <a:avLst/>
+          </a:prstGeom>
+        </p:spPr>
+        <p:txBody>
+          <a:bodyPr vert="horz" lIns="91440" tIns="45720" rIns="91440" bIns="45720" rtlCol="0">
+            <a:normAutofit/>
+          </a:bodyPr>
+          <a:lstStyle>
+            <a:lvl1pPr marL="342900" indent="-342900" algn="l" defTabSz="457200" rtl="0" eaLnBrk="1" latinLnBrk="0" hangingPunct="1">
+              <a:spcBef>
+                <a:spcPct val="20000"/>
+              </a:spcBef>
+              <a:buFont typeface="Arial"/>
+              <a:buChar char="•"/>
+              <a:defRPr sz="3200" b="0" i="0" kern="1200">
+                <a:solidFill>
+                  <a:schemeClr val="tx1"/>
+                </a:solidFill>
+                <a:latin typeface="Source Sans Pro"/>
+                <a:ea typeface="+mn-ea"/>
+                <a:cs typeface="Source Sans Pro"/>
+              </a:defRPr>
+            </a:lvl1pPr>
+            <a:lvl2pPr marL="742950" indent="-285750" algn="l" defTabSz="457200" rtl="0" eaLnBrk="1" latinLnBrk="0" hangingPunct="1">
+              <a:spcBef>
+                <a:spcPct val="20000"/>
+              </a:spcBef>
+              <a:buFont typeface="Arial"/>
+              <a:buChar char="–"/>
+              <a:defRPr sz="2800" b="0" i="0" kern="1200">
+                <a:solidFill>
+                  <a:schemeClr val="tx1"/>
+                </a:solidFill>
+                <a:latin typeface="Source Sans Pro"/>
+                <a:ea typeface="+mn-ea"/>
+                <a:cs typeface="Source Sans Pro"/>
+              </a:defRPr>
+            </a:lvl2pPr>
+            <a:lvl3pPr marL="1143000" indent="-228600" algn="l" defTabSz="457200" rtl="0" eaLnBrk="1" latinLnBrk="0" hangingPunct="1">
+              <a:spcBef>
+                <a:spcPct val="20000"/>
+              </a:spcBef>
+              <a:buFont typeface="Arial"/>
+              <a:buChar char="•"/>
+              <a:defRPr sz="2400" b="0" i="0" kern="1200">
+                <a:solidFill>
+                  <a:schemeClr val="tx1"/>
+                </a:solidFill>
+                <a:latin typeface="Source Sans Pro"/>
+                <a:ea typeface="+mn-ea"/>
+                <a:cs typeface="Source Sans Pro"/>
+              </a:defRPr>
+            </a:lvl3pPr>
+            <a:lvl4pPr marL="1600200" indent="-228600" algn="l" defTabSz="457200" rtl="0" eaLnBrk="1" latinLnBrk="0" hangingPunct="1">
+              <a:spcBef>
+                <a:spcPct val="20000"/>
+              </a:spcBef>
+              <a:buFont typeface="Arial"/>
+              <a:buChar char="–"/>
+              <a:defRPr sz="2000" b="0" i="0" kern="1200">
+                <a:solidFill>
+                  <a:schemeClr val="tx1"/>
+                </a:solidFill>
+                <a:latin typeface="Source Sans Pro"/>
+                <a:ea typeface="+mn-ea"/>
+                <a:cs typeface="Source Sans Pro"/>
+              </a:defRPr>
+            </a:lvl4pPr>
+            <a:lvl5pPr marL="2057400" indent="-228600" algn="l" defTabSz="457200" rtl="0" eaLnBrk="1" latinLnBrk="0" hangingPunct="1">
+              <a:spcBef>
+                <a:spcPct val="20000"/>
+              </a:spcBef>
+              <a:buFont typeface="Arial"/>
+              <a:buChar char="»"/>
+              <a:defRPr sz="2000" b="0" i="0" kern="1200">
+                <a:solidFill>
+                  <a:schemeClr val="tx1"/>
+                </a:solidFill>
+                <a:latin typeface="Source Sans Pro"/>
+                <a:ea typeface="+mn-ea"/>
+                <a:cs typeface="Source Sans Pro"/>
+              </a:defRPr>
+            </a:lvl5pPr>
+            <a:lvl6pPr marL="2514600" indent="-228600" algn="l" defTabSz="457200" rtl="0" eaLnBrk="1" latinLnBrk="0" hangingPunct="1">
+              <a:spcBef>
+                <a:spcPct val="20000"/>
+              </a:spcBef>
+              <a:buFont typeface="Arial"/>
+              <a:buChar char="•"/>
+              <a:defRPr sz="2000" kern="1200">
+                <a:solidFill>
+                  <a:schemeClr val="tx1"/>
+                </a:solidFill>
+                <a:latin typeface="+mn-lt"/>
+                <a:ea typeface="+mn-ea"/>
+                <a:cs typeface="+mn-cs"/>
+              </a:defRPr>
+            </a:lvl6pPr>
+            <a:lvl7pPr marL="2971800" indent="-228600" algn="l" defTabSz="457200" rtl="0" eaLnBrk="1" latinLnBrk="0" hangingPunct="1">
+              <a:spcBef>
+                <a:spcPct val="20000"/>
+              </a:spcBef>
+              <a:buFont typeface="Arial"/>
+              <a:buChar char="•"/>
+              <a:defRPr sz="2000" kern="1200">
+                <a:solidFill>
+                  <a:schemeClr val="tx1"/>
+                </a:solidFill>
+                <a:latin typeface="+mn-lt"/>
+                <a:ea typeface="+mn-ea"/>
+                <a:cs typeface="+mn-cs"/>
+              </a:defRPr>
+            </a:lvl7pPr>
+            <a:lvl8pPr marL="3429000" indent="-228600" algn="l" defTabSz="457200" rtl="0" eaLnBrk="1" latinLnBrk="0" hangingPunct="1">
+              <a:spcBef>
+                <a:spcPct val="20000"/>
+              </a:spcBef>
+              <a:buFont typeface="Arial"/>
+              <a:buChar char="•"/>
+              <a:defRPr sz="2000" kern="1200">
+                <a:solidFill>
+                  <a:schemeClr val="tx1"/>
+                </a:solidFill>
+                <a:latin typeface="+mn-lt"/>
+                <a:ea typeface="+mn-ea"/>
+                <a:cs typeface="+mn-cs"/>
+              </a:defRPr>
+            </a:lvl8pPr>
+            <a:lvl9pPr marL="3886200" indent="-228600" algn="l" defTabSz="457200" rtl="0" eaLnBrk="1" latinLnBrk="0" hangingPunct="1">
+              <a:spcBef>
+                <a:spcPct val="20000"/>
+              </a:spcBef>
+              <a:buFont typeface="Arial"/>
+              <a:buChar char="•"/>
+              <a:defRPr sz="2000" kern="1200">
+                <a:solidFill>
+                  <a:schemeClr val="tx1"/>
+                </a:solidFill>
+                <a:latin typeface="+mn-lt"/>
+                <a:ea typeface="+mn-ea"/>
+                <a:cs typeface="+mn-cs"/>
+              </a:defRPr>
+            </a:lvl9pPr>
+          </a:lstStyle>
+          <a:p>
+            <a:r>
+              <a:rPr lang="de-DE" sz="2400" dirty="0" smtClean="0"/>
+              <a:t>Simulation der UWB Berechnung</a:t>
+            </a:r>
+          </a:p>
+          <a:p>
+            <a:r>
+              <a:rPr lang="de-DE" sz="2400" dirty="0" smtClean="0"/>
+              <a:t>Fahrtenplanung</a:t>
+            </a:r>
+          </a:p>
+          <a:p>
+            <a:r>
+              <a:rPr lang="de-DE" sz="2400" dirty="0" smtClean="0"/>
+              <a:t>Simulation von Ansteuerung zu Bewegung</a:t>
+            </a:r>
+            <a:endParaRPr lang="de-DE" sz="2400" dirty="0" smtClean="0"/>
+          </a:p>
+        </p:txBody>
+      </p:sp>
+    </p:spTree>
+    <p:extLst>
+      <p:ext uri="{BB962C8B-B14F-4D97-AF65-F5344CB8AC3E}">
+        <p14:creationId xmlns:p14="http://schemas.microsoft.com/office/powerpoint/2010/main" val="1077027077"/>
+      </p:ext>
+    </p:extLst>
+  </p:cSld>
+  <p:clrMapOvr>
+    <a:masterClrMapping/>
+  </p:clrMapOvr>
+</p:sld>
+</file>
+
+<file path=ppt/slides/slide28.xml><?xml version="1.0" encoding="utf-8"?>
+<p:sld xmlns:a="http://schemas.openxmlformats.org/drawingml/2006/main" xmlns:r="http://schemas.openxmlformats.org/officeDocument/2006/relationships" xmlns:p="http://schemas.openxmlformats.org/presentationml/2006/main">
+  <p:cSld>
+    <p:spTree>
+      <p:nvGrpSpPr>
+        <p:cNvPr id="1" name=""/>
+        <p:cNvGrpSpPr/>
+        <p:nvPr/>
+      </p:nvGrpSpPr>
+      <p:grpSpPr>
+        <a:xfrm>
+          <a:off x="0" y="0"/>
+          <a:ext cx="0" cy="0"/>
+          <a:chOff x="0" y="0"/>
+          <a:chExt cx="0" cy="0"/>
+        </a:xfrm>
+      </p:grpSpPr>
+      <p:sp>
+        <p:nvSpPr>
+          <p:cNvPr id="3" name="Inhaltsplatzhalter 2"/>
+          <p:cNvSpPr>
+            <a:spLocks noGrp="1"/>
+          </p:cNvSpPr>
+          <p:nvPr>
+            <p:ph idx="1"/>
+          </p:nvPr>
+        </p:nvSpPr>
+        <p:spPr>
+          <a:xfrm>
+            <a:off x="648000" y="1612672"/>
+            <a:ext cx="7675432" cy="4104983"/>
+          </a:xfrm>
+        </p:spPr>
+        <p:txBody>
+          <a:bodyPr>
+            <a:normAutofit fontScale="92500" lnSpcReduction="20000"/>
+          </a:bodyPr>
+          <a:lstStyle/>
+          <a:p>
+            <a:pPr marL="0" indent="0" defTabSz="914400">
+              <a:spcBef>
+                <a:spcPts val="0"/>
+              </a:spcBef>
+              <a:buNone/>
+            </a:pPr>
+            <a:r>
+              <a:rPr lang="de-DE" sz="2400" b="1" dirty="0" smtClean="0"/>
+              <a:t>Grundidee:</a:t>
+            </a:r>
+          </a:p>
+          <a:p>
+            <a:pPr marL="0" indent="0" defTabSz="914400">
+              <a:spcBef>
+                <a:spcPts val="0"/>
+              </a:spcBef>
+              <a:buNone/>
+            </a:pPr>
+            <a:r>
+              <a:rPr lang="de-DE" sz="2400" dirty="0" smtClean="0"/>
+              <a:t>Array aus Ultraschallmodulen</a:t>
+            </a:r>
+          </a:p>
+          <a:p>
+            <a:pPr marL="0" indent="0" defTabSz="914400">
+              <a:spcBef>
+                <a:spcPts val="0"/>
+              </a:spcBef>
+              <a:buNone/>
+            </a:pPr>
+            <a:r>
+              <a:rPr lang="de-DE" sz="2400" dirty="0" smtClean="0"/>
+              <a:t>Sequentielles/Paralleles </a:t>
+            </a:r>
+          </a:p>
+          <a:p>
+            <a:pPr marL="0" indent="0" defTabSz="914400">
+              <a:spcBef>
+                <a:spcPts val="0"/>
+              </a:spcBef>
+              <a:buNone/>
+            </a:pPr>
+            <a:r>
+              <a:rPr lang="de-DE" sz="2400" dirty="0" smtClean="0"/>
+              <a:t>abtasten der Umgebung</a:t>
+            </a:r>
+            <a:endParaRPr lang="de-DE" sz="2400" dirty="0"/>
+          </a:p>
+          <a:p>
+            <a:pPr marL="0" indent="0" defTabSz="914400">
+              <a:spcBef>
+                <a:spcPts val="0"/>
+              </a:spcBef>
+              <a:buNone/>
+            </a:pPr>
+            <a:endParaRPr lang="de-DE" sz="2400" dirty="0" smtClean="0"/>
+          </a:p>
+          <a:p>
+            <a:pPr marL="0" indent="0" defTabSz="914400">
+              <a:spcBef>
+                <a:spcPts val="0"/>
+              </a:spcBef>
+              <a:buNone/>
+            </a:pPr>
+            <a:r>
+              <a:rPr lang="de-DE" sz="2400" dirty="0" smtClean="0"/>
+              <a:t>Lautsprecher </a:t>
+            </a:r>
+            <a:r>
+              <a:rPr lang="de-DE" sz="2400" dirty="0" smtClean="0"/>
+              <a:t>und Mikrofone</a:t>
+            </a:r>
+          </a:p>
+          <a:p>
+            <a:pPr marL="0" indent="0" defTabSz="914400">
+              <a:spcBef>
+                <a:spcPts val="0"/>
+              </a:spcBef>
+              <a:buNone/>
+            </a:pPr>
+            <a:r>
+              <a:rPr lang="de-DE" sz="2400" dirty="0"/>
+              <a:t>e</a:t>
+            </a:r>
+            <a:r>
+              <a:rPr lang="de-DE" sz="2400" dirty="0" smtClean="0"/>
+              <a:t>rzeugen im Gehäuse</a:t>
+            </a:r>
+            <a:br>
+              <a:rPr lang="de-DE" sz="2400" dirty="0" smtClean="0"/>
+            </a:br>
+            <a:r>
+              <a:rPr lang="de-DE" sz="2400" dirty="0" smtClean="0"/>
+              <a:t>Interferenzen.</a:t>
+            </a:r>
+          </a:p>
+          <a:p>
+            <a:pPr marL="0" indent="0" defTabSz="914400">
+              <a:spcBef>
+                <a:spcPts val="0"/>
+              </a:spcBef>
+              <a:buNone/>
+            </a:pPr>
+            <a:endParaRPr lang="de-DE" sz="2400" dirty="0"/>
+          </a:p>
+          <a:p>
+            <a:pPr marL="0" indent="0" defTabSz="914400">
+              <a:spcBef>
+                <a:spcPts val="0"/>
+              </a:spcBef>
+              <a:buNone/>
+            </a:pPr>
+            <a:r>
+              <a:rPr lang="de-DE" sz="2400" i="1" dirty="0" smtClean="0"/>
+              <a:t>Die genausten Ergebnisse bekommt man durch</a:t>
+            </a:r>
+          </a:p>
+          <a:p>
+            <a:pPr marL="0" indent="0" defTabSz="914400">
+              <a:spcBef>
+                <a:spcPts val="0"/>
+              </a:spcBef>
+              <a:buNone/>
+            </a:pPr>
+            <a:r>
+              <a:rPr lang="de-DE" sz="2400" i="1" dirty="0"/>
+              <a:t>e</a:t>
+            </a:r>
+            <a:r>
+              <a:rPr lang="de-DE" sz="2400" i="1" dirty="0" smtClean="0"/>
+              <a:t>inzelne Messungen der jeweiligen Sensoren.</a:t>
+            </a:r>
+          </a:p>
+          <a:p>
+            <a:pPr marL="0" indent="0" defTabSz="914400">
+              <a:spcBef>
+                <a:spcPts val="0"/>
+              </a:spcBef>
+              <a:buNone/>
+            </a:pPr>
+            <a:endParaRPr lang="de-DE" sz="2400" dirty="0"/>
+          </a:p>
+          <a:p>
+            <a:pPr marL="0" indent="0" defTabSz="914400">
+              <a:spcBef>
+                <a:spcPts val="0"/>
+              </a:spcBef>
+              <a:buNone/>
+            </a:pPr>
+            <a:r>
+              <a:rPr lang="de-DE" sz="2400" i="1" dirty="0" smtClean="0"/>
+              <a:t>Nachteil: 	12microseconds pro Sensor</a:t>
+            </a:r>
+          </a:p>
+          <a:p>
+            <a:pPr marL="0" indent="0" defTabSz="914400">
+              <a:spcBef>
+                <a:spcPts val="0"/>
+              </a:spcBef>
+              <a:buNone/>
+            </a:pPr>
+            <a:r>
+              <a:rPr lang="de-DE" sz="2400" dirty="0"/>
+              <a:t>	</a:t>
+            </a:r>
+            <a:r>
+              <a:rPr lang="de-DE" sz="2400" dirty="0" smtClean="0"/>
+              <a:t>	</a:t>
+            </a:r>
+          </a:p>
+          <a:p>
+            <a:pPr marL="0" indent="0" defTabSz="914400">
+              <a:spcBef>
+                <a:spcPts val="0"/>
+              </a:spcBef>
+              <a:buNone/>
+            </a:pPr>
+            <a:endParaRPr lang="de-DE" sz="2400" dirty="0" smtClean="0"/>
+          </a:p>
+        </p:txBody>
+      </p:sp>
+      <p:sp>
+        <p:nvSpPr>
+          <p:cNvPr id="4" name="Datumsplatzhalter 3"/>
+          <p:cNvSpPr>
+            <a:spLocks noGrp="1"/>
+          </p:cNvSpPr>
+          <p:nvPr>
+            <p:ph type="dt" sz="half" idx="2"/>
+          </p:nvPr>
+        </p:nvSpPr>
+        <p:spPr/>
+        <p:txBody>
+          <a:bodyPr/>
+          <a:lstStyle/>
+          <a:p>
+            <a:fld id="{C916D949-773C-3845-BFBA-C7D9987445EE}" type="datetime1">
+              <a:rPr lang="de-DE" smtClean="0"/>
+              <a:t>24.07.18</a:t>
+            </a:fld>
+            <a:endParaRPr lang="de-DE" dirty="0"/>
+          </a:p>
+        </p:txBody>
+      </p:sp>
+      <p:sp>
+        <p:nvSpPr>
+          <p:cNvPr id="5" name="Foliennummernplatzhalter 4"/>
+          <p:cNvSpPr>
+            <a:spLocks noGrp="1"/>
+          </p:cNvSpPr>
+          <p:nvPr>
+            <p:ph type="sldNum" sz="quarter" idx="4"/>
+          </p:nvPr>
+        </p:nvSpPr>
+        <p:spPr/>
+        <p:txBody>
+          <a:bodyPr/>
+          <a:lstStyle/>
+          <a:p>
+            <a:fld id="{E7BE1CCD-89A0-CC45-BF3E-2A331A7F0490}" type="slidenum">
+              <a:rPr lang="de-DE" smtClean="0"/>
+              <a:pPr/>
+              <a:t>28</a:t>
+            </a:fld>
+            <a:endParaRPr lang="de-DE" dirty="0"/>
+          </a:p>
+        </p:txBody>
+      </p:sp>
+      <p:sp>
+        <p:nvSpPr>
+          <p:cNvPr id="6" name="TextBox 5"/>
+          <p:cNvSpPr txBox="1"/>
+          <p:nvPr/>
+        </p:nvSpPr>
+        <p:spPr>
+          <a:xfrm>
+            <a:off x="2042013" y="6437376"/>
+            <a:ext cx="4732386" cy="253916"/>
+          </a:xfrm>
+          <a:prstGeom prst="rect">
+            <a:avLst/>
+          </a:prstGeom>
+          <a:noFill/>
+        </p:spPr>
+        <p:txBody>
+          <a:bodyPr wrap="none" rtlCol="0">
+            <a:spAutoFit/>
+          </a:bodyPr>
+          <a:lstStyle/>
+          <a:p>
+            <a:pPr algn="ctr"/>
+            <a:r>
+              <a:rPr lang="en-US" sz="1050" dirty="0" smtClean="0"/>
+              <a:t>HSHL – ITD 6. Semester </a:t>
+            </a:r>
+            <a:r>
+              <a:rPr lang="mr-IN" sz="1050" dirty="0" smtClean="0"/>
+              <a:t>–</a:t>
+            </a:r>
+            <a:r>
+              <a:rPr lang="en-US" sz="1050" dirty="0" smtClean="0"/>
+              <a:t> Christopher Beck, Daniel </a:t>
+            </a:r>
+            <a:r>
+              <a:rPr lang="en-US" sz="1050" dirty="0" err="1" smtClean="0"/>
+              <a:t>Münstermann</a:t>
+            </a:r>
+            <a:r>
+              <a:rPr lang="en-US" sz="1050" dirty="0" smtClean="0"/>
+              <a:t>, Alexander Wilms</a:t>
+            </a:r>
+            <a:endParaRPr lang="en-US" sz="1050" dirty="0"/>
+          </a:p>
+        </p:txBody>
+      </p:sp>
+      <p:sp>
+        <p:nvSpPr>
+          <p:cNvPr id="7" name="Titel 1"/>
+          <p:cNvSpPr txBox="1">
+            <a:spLocks/>
+          </p:cNvSpPr>
+          <p:nvPr/>
+        </p:nvSpPr>
+        <p:spPr>
+          <a:xfrm>
+            <a:off x="648001" y="768252"/>
+            <a:ext cx="7520410" cy="941715"/>
+          </a:xfrm>
+          <a:prstGeom prst="rect">
+            <a:avLst/>
+          </a:prstGeom>
+        </p:spPr>
+        <p:txBody>
+          <a:bodyPr vert="horz" lIns="91440" tIns="45720" rIns="91440" bIns="45720" rtlCol="0" anchor="ctr">
+            <a:normAutofit/>
+          </a:bodyPr>
+          <a:lstStyle>
+            <a:lvl1pPr algn="l" defTabSz="457200" rtl="0" eaLnBrk="1" latinLnBrk="0" hangingPunct="1">
+              <a:spcBef>
+                <a:spcPct val="0"/>
+              </a:spcBef>
+              <a:buNone/>
+              <a:defRPr sz="4000" b="1" i="0" kern="1200">
+                <a:solidFill>
+                  <a:schemeClr val="tx1"/>
+                </a:solidFill>
+                <a:latin typeface="Source Sans Pro"/>
+                <a:ea typeface="+mj-ea"/>
+                <a:cs typeface="Source Sans Pro"/>
+              </a:defRPr>
+            </a:lvl1pPr>
+          </a:lstStyle>
+          <a:p>
+            <a:r>
+              <a:rPr lang="de-DE" sz="2400" dirty="0" smtClean="0"/>
+              <a:t>HC-SR04 Array</a:t>
+            </a:r>
+            <a:endParaRPr lang="de-DE" sz="2400" dirty="0"/>
+          </a:p>
+        </p:txBody>
+      </p:sp>
+      <p:pic>
+        <p:nvPicPr>
+          <p:cNvPr id="8" name="Picture 7"/>
+          <p:cNvPicPr>
+            <a:picLocks noChangeAspect="1"/>
+          </p:cNvPicPr>
+          <p:nvPr/>
+        </p:nvPicPr>
+        <p:blipFill>
+          <a:blip r:embed="rId3">
+            <a:extLst>
+              <a:ext uri="{28A0092B-C50C-407E-A947-70E740481C1C}">
+                <a14:useLocalDpi xmlns:a14="http://schemas.microsoft.com/office/drawing/2010/main" val="0"/>
+              </a:ext>
+            </a:extLst>
+          </a:blip>
+          <a:stretch>
+            <a:fillRect/>
+          </a:stretch>
+        </p:blipFill>
+        <p:spPr>
+          <a:xfrm>
+            <a:off x="4495638" y="1080615"/>
+            <a:ext cx="3827794" cy="2272186"/>
+          </a:xfrm>
+          <a:prstGeom prst="rect">
+            <a:avLst/>
+          </a:prstGeom>
+        </p:spPr>
+      </p:pic>
+    </p:spTree>
+    <p:extLst>
+      <p:ext uri="{BB962C8B-B14F-4D97-AF65-F5344CB8AC3E}">
+        <p14:creationId xmlns:p14="http://schemas.microsoft.com/office/powerpoint/2010/main" val="454422576"/>
+      </p:ext>
+    </p:extLst>
+  </p:cSld>
+  <p:clrMapOvr>
+    <a:masterClrMapping/>
+  </p:clrMapOvr>
+</p:sld>
+</file>
+
+<file path=ppt/slides/slide29.xml><?xml version="1.0" encoding="utf-8"?>
+<p:sld xmlns:a="http://schemas.openxmlformats.org/drawingml/2006/main" xmlns:r="http://schemas.openxmlformats.org/officeDocument/2006/relationships" xmlns:p="http://schemas.openxmlformats.org/presentationml/2006/main">
+  <p:cSld>
+    <p:spTree>
+      <p:nvGrpSpPr>
+        <p:cNvPr id="1" name=""/>
+        <p:cNvGrpSpPr/>
+        <p:nvPr/>
+      </p:nvGrpSpPr>
+      <p:grpSpPr>
+        <a:xfrm>
+          <a:off x="0" y="0"/>
+          <a:ext cx="0" cy="0"/>
+          <a:chOff x="0" y="0"/>
+          <a:chExt cx="0" cy="0"/>
+        </a:xfrm>
+      </p:grpSpPr>
+      <p:sp>
+        <p:nvSpPr>
+          <p:cNvPr id="4" name="Datumsplatzhalter 3"/>
+          <p:cNvSpPr>
+            <a:spLocks noGrp="1"/>
+          </p:cNvSpPr>
+          <p:nvPr>
+            <p:ph type="dt" sz="half" idx="2"/>
+          </p:nvPr>
+        </p:nvSpPr>
+        <p:spPr/>
+        <p:txBody>
+          <a:bodyPr/>
+          <a:lstStyle/>
+          <a:p>
+            <a:fld id="{C916D949-773C-3845-BFBA-C7D9987445EE}" type="datetime1">
+              <a:rPr lang="de-DE" smtClean="0"/>
+              <a:t>24.07.18</a:t>
+            </a:fld>
+            <a:endParaRPr lang="de-DE" dirty="0"/>
+          </a:p>
+        </p:txBody>
+      </p:sp>
+      <p:sp>
+        <p:nvSpPr>
+          <p:cNvPr id="5" name="Foliennummernplatzhalter 4"/>
+          <p:cNvSpPr>
+            <a:spLocks noGrp="1"/>
+          </p:cNvSpPr>
+          <p:nvPr>
+            <p:ph type="sldNum" sz="quarter" idx="4"/>
+          </p:nvPr>
+        </p:nvSpPr>
+        <p:spPr/>
+        <p:txBody>
+          <a:bodyPr/>
+          <a:lstStyle/>
+          <a:p>
+            <a:fld id="{E7BE1CCD-89A0-CC45-BF3E-2A331A7F0490}" type="slidenum">
+              <a:rPr lang="de-DE" smtClean="0"/>
+              <a:pPr/>
+              <a:t>29</a:t>
+            </a:fld>
+            <a:endParaRPr lang="de-DE" dirty="0"/>
+          </a:p>
+        </p:txBody>
+      </p:sp>
+      <p:sp>
+        <p:nvSpPr>
+          <p:cNvPr id="6" name="TextBox 5"/>
+          <p:cNvSpPr txBox="1"/>
+          <p:nvPr/>
+        </p:nvSpPr>
+        <p:spPr>
+          <a:xfrm>
+            <a:off x="2042013" y="6437376"/>
+            <a:ext cx="4732386" cy="253916"/>
+          </a:xfrm>
+          <a:prstGeom prst="rect">
+            <a:avLst/>
+          </a:prstGeom>
+          <a:noFill/>
+        </p:spPr>
+        <p:txBody>
+          <a:bodyPr wrap="none" rtlCol="0">
+            <a:spAutoFit/>
+          </a:bodyPr>
+          <a:lstStyle/>
+          <a:p>
+            <a:pPr algn="ctr"/>
+            <a:r>
+              <a:rPr lang="en-US" sz="1050" dirty="0" smtClean="0"/>
+              <a:t>HSHL – ITD 6. Semester </a:t>
+            </a:r>
+            <a:r>
+              <a:rPr lang="mr-IN" sz="1050" dirty="0" smtClean="0"/>
+              <a:t>–</a:t>
+            </a:r>
+            <a:r>
+              <a:rPr lang="en-US" sz="1050" dirty="0" smtClean="0"/>
+              <a:t> Christopher Beck, Daniel </a:t>
+            </a:r>
+            <a:r>
+              <a:rPr lang="en-US" sz="1050" dirty="0" err="1" smtClean="0"/>
+              <a:t>Münstermann</a:t>
+            </a:r>
+            <a:r>
+              <a:rPr lang="en-US" sz="1050" dirty="0" smtClean="0"/>
+              <a:t>, Alexander Wilms</a:t>
+            </a:r>
+            <a:endParaRPr lang="en-US" sz="1050" dirty="0"/>
+          </a:p>
+        </p:txBody>
+      </p:sp>
+      <p:sp>
+        <p:nvSpPr>
+          <p:cNvPr id="7" name="Titel 1"/>
+          <p:cNvSpPr txBox="1">
+            <a:spLocks/>
+          </p:cNvSpPr>
+          <p:nvPr/>
+        </p:nvSpPr>
+        <p:spPr>
+          <a:xfrm>
+            <a:off x="648001" y="768252"/>
+            <a:ext cx="7520410" cy="941715"/>
+          </a:xfrm>
+          <a:prstGeom prst="rect">
+            <a:avLst/>
+          </a:prstGeom>
+        </p:spPr>
+        <p:txBody>
+          <a:bodyPr vert="horz" lIns="91440" tIns="45720" rIns="91440" bIns="45720" rtlCol="0" anchor="ctr">
+            <a:normAutofit/>
+          </a:bodyPr>
+          <a:lstStyle>
+            <a:lvl1pPr algn="l" defTabSz="457200" rtl="0" eaLnBrk="1" latinLnBrk="0" hangingPunct="1">
+              <a:spcBef>
+                <a:spcPct val="0"/>
+              </a:spcBef>
+              <a:buNone/>
+              <a:defRPr sz="4000" b="1" i="0" kern="1200">
+                <a:solidFill>
+                  <a:schemeClr val="tx1"/>
+                </a:solidFill>
+                <a:latin typeface="Source Sans Pro"/>
+                <a:ea typeface="+mj-ea"/>
+                <a:cs typeface="Source Sans Pro"/>
+              </a:defRPr>
+            </a:lvl1pPr>
+          </a:lstStyle>
+          <a:p>
+            <a:r>
+              <a:rPr lang="de-DE" sz="2400" dirty="0" smtClean="0"/>
+              <a:t>HC-SR04 Array</a:t>
+            </a:r>
+            <a:endParaRPr lang="de-DE" sz="2400" dirty="0"/>
+          </a:p>
+        </p:txBody>
+      </p:sp>
+      <p:pic>
+        <p:nvPicPr>
+          <p:cNvPr id="8" name="Picture 7"/>
+          <p:cNvPicPr>
+            <a:picLocks noChangeAspect="1"/>
+          </p:cNvPicPr>
+          <p:nvPr/>
+        </p:nvPicPr>
+        <p:blipFill>
+          <a:blip r:embed="rId3">
+            <a:extLst>
+              <a:ext uri="{28A0092B-C50C-407E-A947-70E740481C1C}">
+                <a14:useLocalDpi xmlns:a14="http://schemas.microsoft.com/office/drawing/2010/main" val="0"/>
+              </a:ext>
+            </a:extLst>
+          </a:blip>
+          <a:stretch>
+            <a:fillRect/>
+          </a:stretch>
+        </p:blipFill>
+        <p:spPr>
+          <a:xfrm>
+            <a:off x="260477" y="4384690"/>
+            <a:ext cx="2837032" cy="1684068"/>
+          </a:xfrm>
+          <a:prstGeom prst="rect">
+            <a:avLst/>
+          </a:prstGeom>
+        </p:spPr>
+      </p:pic>
+      <p:pic>
+        <p:nvPicPr>
+          <p:cNvPr id="9" name="Picture 8"/>
+          <p:cNvPicPr>
+            <a:picLocks noChangeAspect="1"/>
+          </p:cNvPicPr>
+          <p:nvPr/>
+        </p:nvPicPr>
+        <p:blipFill>
+          <a:blip r:embed="rId4">
+            <a:extLst>
+              <a:ext uri="{28A0092B-C50C-407E-A947-70E740481C1C}">
+                <a14:useLocalDpi xmlns:a14="http://schemas.microsoft.com/office/drawing/2010/main" val="0"/>
+              </a:ext>
+            </a:extLst>
+          </a:blip>
+          <a:stretch>
+            <a:fillRect/>
+          </a:stretch>
+        </p:blipFill>
+        <p:spPr>
+          <a:xfrm>
+            <a:off x="3113973" y="918673"/>
+            <a:ext cx="5331379" cy="5150085"/>
+          </a:xfrm>
+          <a:prstGeom prst="rect">
+            <a:avLst/>
+          </a:prstGeom>
+        </p:spPr>
+      </p:pic>
+    </p:spTree>
+    <p:extLst>
+      <p:ext uri="{BB962C8B-B14F-4D97-AF65-F5344CB8AC3E}">
+        <p14:creationId xmlns:p14="http://schemas.microsoft.com/office/powerpoint/2010/main" val="1136791644"/>
       </p:ext>
     </p:extLst>
   </p:cSld>
@@ -13748,37 +14778,131 @@
           </a:bodyPr>
           <a:lstStyle/>
           <a:p>
+            <a:pPr marL="514350" indent="-514350">
+              <a:buFont typeface="+mj-lt"/>
+              <a:buAutoNum type="arabicPeriod"/>
+            </a:pPr>
             <a:r>
               <a:rPr lang="de-DE" sz="2800" dirty="0" smtClean="0"/>
-              <a:t>Bisherige Lösungen sind immer auf Firmen-</a:t>
+              <a:t>UWB </a:t>
             </a:r>
             <a:r>
               <a:rPr lang="de-DE" sz="2800" dirty="0" err="1" smtClean="0"/>
-              <a:t>Ecosysteme</a:t>
+              <a:t>Positierungssystem</a:t>
             </a:r>
             <a:r>
               <a:rPr lang="de-DE" sz="2800" dirty="0" smtClean="0"/>
-              <a:t> gebunden</a:t>
-            </a:r>
-            <a:r>
-              <a:rPr lang="de-DE" sz="2800" dirty="0"/>
               <a:t> </a:t>
             </a:r>
             <a:r>
+              <a:rPr lang="de-DE" sz="2800" i="1" baseline="-25000" dirty="0" smtClean="0"/>
+              <a:t>(Projekt AET)</a:t>
+            </a:r>
+          </a:p>
+          <a:p>
+            <a:pPr marL="514350" indent="-514350">
+              <a:buFont typeface="+mj-lt"/>
+              <a:buAutoNum type="arabicPeriod"/>
+            </a:pPr>
+            <a:r>
               <a:rPr lang="de-DE" sz="2800" dirty="0" smtClean="0"/>
-              <a:t>// Monopole</a:t>
-            </a:r>
-          </a:p>
-          <a:p>
+              <a:t>Ultraschall Array zur </a:t>
+            </a:r>
+            <a:r>
+              <a:rPr lang="de-DE" sz="2800" dirty="0" err="1" smtClean="0"/>
+              <a:t>Hindernisserkennung</a:t>
+            </a:r>
             <a:r>
               <a:rPr lang="de-DE" sz="2800" dirty="0" smtClean="0"/>
-              <a:t>Open Source Gedanke</a:t>
-            </a:r>
-          </a:p>
-          <a:p>
+              <a:t> </a:t>
+            </a:r>
+            <a:r>
+              <a:rPr lang="de-DE" sz="2800" i="1" baseline="-25000" dirty="0" smtClean="0"/>
+              <a:t>(</a:t>
+            </a:r>
+            <a:r>
+              <a:rPr lang="de-DE" sz="2800" i="1" baseline="-25000" dirty="0" err="1" smtClean="0"/>
+              <a:t>Projett</a:t>
+            </a:r>
+            <a:r>
+              <a:rPr lang="de-DE" sz="2800" i="1" baseline="-25000" dirty="0" smtClean="0"/>
+              <a:t> AET)</a:t>
+            </a:r>
+          </a:p>
+          <a:p>
+            <a:pPr marL="514350" indent="-514350">
+              <a:buFont typeface="+mj-lt"/>
+              <a:buAutoNum type="arabicPeriod"/>
+            </a:pPr>
             <a:r>
               <a:rPr lang="de-DE" sz="2800" dirty="0" smtClean="0"/>
-              <a:t>Haftungsfragen aushebeln durch RTOS </a:t>
+              <a:t>Objekterkennung über </a:t>
+            </a:r>
+            <a:r>
+              <a:rPr lang="de-DE" sz="2800" dirty="0" err="1" smtClean="0"/>
+              <a:t>Pixycam</a:t>
+            </a:r>
+            <a:r>
+              <a:rPr lang="de-DE" sz="2800" dirty="0" smtClean="0"/>
+              <a:t> </a:t>
+            </a:r>
+            <a:r>
+              <a:rPr lang="de-DE" sz="2800" i="1" baseline="-25000" dirty="0" smtClean="0"/>
+              <a:t>(Projekt AET)</a:t>
+            </a:r>
+          </a:p>
+          <a:p>
+            <a:pPr marL="514350" indent="-514350">
+              <a:buFont typeface="+mj-lt"/>
+              <a:buAutoNum type="arabicPeriod"/>
+            </a:pPr>
+            <a:r>
+              <a:rPr lang="de-DE" sz="2800" dirty="0" smtClean="0"/>
+              <a:t>QR Code Positionierungssystem </a:t>
+            </a:r>
+            <a:r>
+              <a:rPr lang="de-DE" sz="2800" i="1" baseline="-25000" dirty="0" smtClean="0"/>
+              <a:t>(Telematik II)</a:t>
+            </a:r>
+          </a:p>
+          <a:p>
+            <a:pPr marL="514350" indent="-514350">
+              <a:buFont typeface="+mj-lt"/>
+              <a:buAutoNum type="arabicPeriod"/>
+            </a:pPr>
+            <a:r>
+              <a:rPr lang="de-DE" sz="2800" dirty="0" smtClean="0"/>
+              <a:t>Reverse Engineering </a:t>
+            </a:r>
+            <a:r>
+              <a:rPr lang="de-DE" sz="2800" dirty="0" err="1" smtClean="0"/>
+              <a:t>mBot</a:t>
+            </a:r>
+            <a:r>
+              <a:rPr lang="de-DE" sz="2800" dirty="0" smtClean="0"/>
+              <a:t> </a:t>
+            </a:r>
+            <a:r>
+              <a:rPr lang="de-DE" sz="2800" i="1" baseline="-25000" dirty="0" smtClean="0"/>
+              <a:t>(Projekt AET)</a:t>
+            </a:r>
+          </a:p>
+          <a:p>
+            <a:pPr marL="514350" indent="-514350">
+              <a:buFont typeface="+mj-lt"/>
+              <a:buAutoNum type="arabicPeriod"/>
+            </a:pPr>
+            <a:r>
+              <a:rPr lang="de-DE" sz="2800" dirty="0" err="1" smtClean="0"/>
+              <a:t>freeRTOS</a:t>
+            </a:r>
+            <a:r>
+              <a:rPr lang="de-DE" sz="2800" dirty="0" smtClean="0"/>
+              <a:t> Implementierung </a:t>
+            </a:r>
+            <a:r>
+              <a:rPr lang="de-DE" sz="2800" i="1" baseline="-25000" dirty="0" smtClean="0"/>
+              <a:t>(CPS II)</a:t>
             </a:r>
           </a:p>
         </p:txBody>
@@ -13904,8 +15028,12 @@
           </a:lstStyle>
           <a:p>
             <a:r>
+              <a:rPr lang="de-DE" sz="2400" dirty="0"/>
+              <a:t>Parallel laufende </a:t>
+            </a:r>
+            <a:r>
               <a:rPr lang="de-DE" sz="2400" dirty="0" smtClean="0"/>
-              <a:t>Motivation – </a:t>
+              <a:t>Projekte</a:t>
             </a:r>
             <a:endParaRPr lang="de-DE" sz="2400" dirty="0"/>
           </a:p>
@@ -13914,7 +15042,628 @@
     </p:spTree>
     <p:extLst>
       <p:ext uri="{BB962C8B-B14F-4D97-AF65-F5344CB8AC3E}">
-        <p14:creationId xmlns:p14="http://schemas.microsoft.com/office/powerpoint/2010/main" val="1532009945"/>
+        <p14:creationId xmlns:p14="http://schemas.microsoft.com/office/powerpoint/2010/main" val="1986170524"/>
+      </p:ext>
+    </p:extLst>
+  </p:cSld>
+  <p:clrMapOvr>
+    <a:masterClrMapping/>
+  </p:clrMapOvr>
+</p:sld>
+</file>
+
+<file path=ppt/slides/slide30.xml><?xml version="1.0" encoding="utf-8"?>
+<p:sld xmlns:a="http://schemas.openxmlformats.org/drawingml/2006/main" xmlns:r="http://schemas.openxmlformats.org/officeDocument/2006/relationships" xmlns:p="http://schemas.openxmlformats.org/presentationml/2006/main">
+  <p:cSld>
+    <p:spTree>
+      <p:nvGrpSpPr>
+        <p:cNvPr id="1" name=""/>
+        <p:cNvGrpSpPr/>
+        <p:nvPr/>
+      </p:nvGrpSpPr>
+      <p:grpSpPr>
+        <a:xfrm>
+          <a:off x="0" y="0"/>
+          <a:ext cx="0" cy="0"/>
+          <a:chOff x="0" y="0"/>
+          <a:chExt cx="0" cy="0"/>
+        </a:xfrm>
+      </p:grpSpPr>
+      <p:sp>
+        <p:nvSpPr>
+          <p:cNvPr id="4" name="Datumsplatzhalter 3"/>
+          <p:cNvSpPr>
+            <a:spLocks noGrp="1"/>
+          </p:cNvSpPr>
+          <p:nvPr>
+            <p:ph type="dt" sz="half" idx="2"/>
+          </p:nvPr>
+        </p:nvSpPr>
+        <p:spPr/>
+        <p:txBody>
+          <a:bodyPr/>
+          <a:lstStyle/>
+          <a:p>
+            <a:fld id="{C916D949-773C-3845-BFBA-C7D9987445EE}" type="datetime1">
+              <a:rPr lang="de-DE" smtClean="0"/>
+              <a:t>24.07.18</a:t>
+            </a:fld>
+            <a:endParaRPr lang="de-DE" dirty="0"/>
+          </a:p>
+        </p:txBody>
+      </p:sp>
+      <p:sp>
+        <p:nvSpPr>
+          <p:cNvPr id="5" name="Foliennummernplatzhalter 4"/>
+          <p:cNvSpPr>
+            <a:spLocks noGrp="1"/>
+          </p:cNvSpPr>
+          <p:nvPr>
+            <p:ph type="sldNum" sz="quarter" idx="4"/>
+          </p:nvPr>
+        </p:nvSpPr>
+        <p:spPr/>
+        <p:txBody>
+          <a:bodyPr/>
+          <a:lstStyle/>
+          <a:p>
+            <a:fld id="{E7BE1CCD-89A0-CC45-BF3E-2A331A7F0490}" type="slidenum">
+              <a:rPr lang="de-DE" smtClean="0"/>
+              <a:pPr/>
+              <a:t>30</a:t>
+            </a:fld>
+            <a:endParaRPr lang="de-DE" dirty="0"/>
+          </a:p>
+        </p:txBody>
+      </p:sp>
+      <p:sp>
+        <p:nvSpPr>
+          <p:cNvPr id="6" name="TextBox 5"/>
+          <p:cNvSpPr txBox="1"/>
+          <p:nvPr/>
+        </p:nvSpPr>
+        <p:spPr>
+          <a:xfrm>
+            <a:off x="3050302" y="6437376"/>
+            <a:ext cx="2715807" cy="253916"/>
+          </a:xfrm>
+          <a:prstGeom prst="rect">
+            <a:avLst/>
+          </a:prstGeom>
+          <a:noFill/>
+        </p:spPr>
+        <p:txBody>
+          <a:bodyPr wrap="none" rtlCol="0">
+            <a:spAutoFit/>
+          </a:bodyPr>
+          <a:lstStyle/>
+          <a:p>
+            <a:pPr algn="ctr"/>
+            <a:r>
+              <a:rPr lang="en-US" sz="1050" dirty="0" smtClean="0"/>
+              <a:t>HSHL – ITD 6. Semester </a:t>
+            </a:r>
+            <a:r>
+              <a:rPr lang="mr-IN" sz="1050" dirty="0" smtClean="0"/>
+              <a:t>–</a:t>
+            </a:r>
+            <a:r>
+              <a:rPr lang="en-US" sz="1050" dirty="0" smtClean="0"/>
+              <a:t>Daniel </a:t>
+            </a:r>
+            <a:r>
+              <a:rPr lang="en-US" sz="1050" dirty="0" err="1" smtClean="0"/>
+              <a:t>Münstermann</a:t>
+            </a:r>
+            <a:endParaRPr lang="en-US" sz="1050" dirty="0"/>
+          </a:p>
+        </p:txBody>
+      </p:sp>
+      <p:sp>
+        <p:nvSpPr>
+          <p:cNvPr id="7" name="Titel 1"/>
+          <p:cNvSpPr txBox="1">
+            <a:spLocks/>
+          </p:cNvSpPr>
+          <p:nvPr/>
+        </p:nvSpPr>
+        <p:spPr>
+          <a:xfrm>
+            <a:off x="648001" y="768252"/>
+            <a:ext cx="7520410" cy="941715"/>
+          </a:xfrm>
+          <a:prstGeom prst="rect">
+            <a:avLst/>
+          </a:prstGeom>
+        </p:spPr>
+        <p:txBody>
+          <a:bodyPr vert="horz" lIns="91440" tIns="45720" rIns="91440" bIns="45720" rtlCol="0" anchor="ctr">
+            <a:normAutofit/>
+          </a:bodyPr>
+          <a:lstStyle>
+            <a:lvl1pPr algn="l" defTabSz="457200" rtl="0" eaLnBrk="1" latinLnBrk="0" hangingPunct="1">
+              <a:spcBef>
+                <a:spcPct val="0"/>
+              </a:spcBef>
+              <a:buNone/>
+              <a:defRPr sz="4000" b="1" i="0" kern="1200">
+                <a:solidFill>
+                  <a:schemeClr val="tx1"/>
+                </a:solidFill>
+                <a:latin typeface="Source Sans Pro"/>
+                <a:ea typeface="+mj-ea"/>
+                <a:cs typeface="Source Sans Pro"/>
+              </a:defRPr>
+            </a:lvl1pPr>
+          </a:lstStyle>
+          <a:p>
+            <a:r>
+              <a:rPr lang="de-DE" sz="2400" dirty="0" smtClean="0"/>
+              <a:t>Eigene </a:t>
+            </a:r>
+            <a:r>
+              <a:rPr lang="de-DE" sz="2400" dirty="0"/>
+              <a:t>A</a:t>
+            </a:r>
+            <a:r>
+              <a:rPr lang="de-DE" sz="2400" dirty="0" smtClean="0"/>
+              <a:t>nsteuerungs-Mock-</a:t>
+            </a:r>
+            <a:r>
+              <a:rPr lang="de-DE" sz="2400" dirty="0" err="1" smtClean="0"/>
+              <a:t>Ups</a:t>
+            </a:r>
+            <a:endParaRPr lang="de-DE" sz="2400" dirty="0"/>
+          </a:p>
+        </p:txBody>
+      </p:sp>
+      <p:pic>
+        <p:nvPicPr>
+          <p:cNvPr id="8" name="Content Placeholder 7"/>
+          <p:cNvPicPr>
+            <a:picLocks noGrp="1" noChangeAspect="1"/>
+          </p:cNvPicPr>
+          <p:nvPr>
+            <p:ph idx="1"/>
+          </p:nvPr>
+        </p:nvPicPr>
+        <p:blipFill>
+          <a:blip r:embed="rId2">
+            <a:extLst>
+              <a:ext uri="{28A0092B-C50C-407E-A947-70E740481C1C}">
+                <a14:useLocalDpi xmlns:a14="http://schemas.microsoft.com/office/drawing/2010/main" val="0"/>
+              </a:ext>
+            </a:extLst>
+          </a:blip>
+          <a:stretch>
+            <a:fillRect/>
+          </a:stretch>
+        </p:blipFill>
+        <p:spPr>
+          <a:xfrm>
+            <a:off x="648000" y="1765407"/>
+            <a:ext cx="2313282" cy="4105275"/>
+          </a:xfrm>
+        </p:spPr>
+      </p:pic>
+      <p:pic>
+        <p:nvPicPr>
+          <p:cNvPr id="9" name="Picture 8"/>
+          <p:cNvPicPr>
+            <a:picLocks noChangeAspect="1"/>
+          </p:cNvPicPr>
+          <p:nvPr/>
+        </p:nvPicPr>
+        <p:blipFill>
+          <a:blip r:embed="rId3">
+            <a:extLst>
+              <a:ext uri="{28A0092B-C50C-407E-A947-70E740481C1C}">
+                <a14:useLocalDpi xmlns:a14="http://schemas.microsoft.com/office/drawing/2010/main" val="0"/>
+              </a:ext>
+            </a:extLst>
+          </a:blip>
+          <a:stretch>
+            <a:fillRect/>
+          </a:stretch>
+        </p:blipFill>
+        <p:spPr>
+          <a:xfrm>
+            <a:off x="3291840" y="1709967"/>
+            <a:ext cx="2048256" cy="4267200"/>
+          </a:xfrm>
+          <a:prstGeom prst="rect">
+            <a:avLst/>
+          </a:prstGeom>
+        </p:spPr>
+      </p:pic>
+    </p:spTree>
+    <p:extLst>
+      <p:ext uri="{BB962C8B-B14F-4D97-AF65-F5344CB8AC3E}">
+        <p14:creationId xmlns:p14="http://schemas.microsoft.com/office/powerpoint/2010/main" val="1455683435"/>
+      </p:ext>
+    </p:extLst>
+  </p:cSld>
+  <p:clrMapOvr>
+    <a:masterClrMapping/>
+  </p:clrMapOvr>
+</p:sld>
+</file>
+
+<file path=ppt/slides/slide31.xml><?xml version="1.0" encoding="utf-8"?>
+<p:sld xmlns:a="http://schemas.openxmlformats.org/drawingml/2006/main" xmlns:r="http://schemas.openxmlformats.org/officeDocument/2006/relationships" xmlns:p="http://schemas.openxmlformats.org/presentationml/2006/main">
+  <p:cSld>
+    <p:spTree>
+      <p:nvGrpSpPr>
+        <p:cNvPr id="1" name=""/>
+        <p:cNvGrpSpPr/>
+        <p:nvPr/>
+      </p:nvGrpSpPr>
+      <p:grpSpPr>
+        <a:xfrm>
+          <a:off x="0" y="0"/>
+          <a:ext cx="0" cy="0"/>
+          <a:chOff x="0" y="0"/>
+          <a:chExt cx="0" cy="0"/>
+        </a:xfrm>
+      </p:grpSpPr>
+      <p:sp>
+        <p:nvSpPr>
+          <p:cNvPr id="2" name="Titel 1"/>
+          <p:cNvSpPr>
+            <a:spLocks noGrp="1"/>
+          </p:cNvSpPr>
+          <p:nvPr>
+            <p:ph type="ctrTitle"/>
+          </p:nvPr>
+        </p:nvSpPr>
+        <p:spPr/>
+        <p:txBody>
+          <a:bodyPr/>
+          <a:lstStyle/>
+          <a:p>
+            <a:r>
+              <a:rPr lang="de-DE" dirty="0" smtClean="0"/>
+              <a:t>Interaktionskonzept	</a:t>
+            </a:r>
+            <a:endParaRPr lang="de-DE" dirty="0"/>
+          </a:p>
+        </p:txBody>
+      </p:sp>
+      <p:sp>
+        <p:nvSpPr>
+          <p:cNvPr id="3" name="Untertitel 2"/>
+          <p:cNvSpPr>
+            <a:spLocks noGrp="1"/>
+          </p:cNvSpPr>
+          <p:nvPr>
+            <p:ph type="subTitle" idx="1"/>
+          </p:nvPr>
+        </p:nvSpPr>
+        <p:spPr/>
+        <p:txBody>
+          <a:bodyPr>
+            <a:normAutofit/>
+          </a:bodyPr>
+          <a:lstStyle/>
+          <a:p>
+            <a:r>
+              <a:rPr lang="de-DE" sz="2400" dirty="0" smtClean="0"/>
+              <a:t>Alternatives Ansteuerungskonzept</a:t>
+            </a:r>
+            <a:r>
+              <a:rPr lang="de-DE" sz="2400" dirty="0" smtClean="0"/>
+              <a:t>:</a:t>
+            </a:r>
+            <a:br>
+              <a:rPr lang="de-DE" sz="2400" dirty="0" smtClean="0"/>
+            </a:br>
+            <a:r>
+              <a:rPr lang="de-DE" sz="2400" b="1" dirty="0" smtClean="0"/>
+              <a:t>Steuerung über Handlauf</a:t>
+            </a:r>
+            <a:endParaRPr lang="de-DE" sz="2400" b="1" dirty="0" smtClean="0"/>
+          </a:p>
+        </p:txBody>
+      </p:sp>
+      <p:sp>
+        <p:nvSpPr>
+          <p:cNvPr id="4" name="TextBox 3"/>
+          <p:cNvSpPr txBox="1"/>
+          <p:nvPr/>
+        </p:nvSpPr>
+        <p:spPr>
+          <a:xfrm>
+            <a:off x="3677878" y="6437376"/>
+            <a:ext cx="1460656" cy="253916"/>
+          </a:xfrm>
+          <a:prstGeom prst="rect">
+            <a:avLst/>
+          </a:prstGeom>
+          <a:noFill/>
+        </p:spPr>
+        <p:txBody>
+          <a:bodyPr wrap="none" rtlCol="0">
+            <a:spAutoFit/>
+          </a:bodyPr>
+          <a:lstStyle/>
+          <a:p>
+            <a:pPr algn="ctr"/>
+            <a:r>
+              <a:rPr lang="en-US" sz="1050" dirty="0" smtClean="0"/>
+              <a:t>HSHL – ITD 6. </a:t>
+            </a:r>
+            <a:r>
+              <a:rPr lang="en-US" sz="1050" dirty="0" smtClean="0"/>
+              <a:t>Semester</a:t>
+            </a:r>
+            <a:endParaRPr lang="en-US" sz="1050" dirty="0"/>
+          </a:p>
+        </p:txBody>
+      </p:sp>
+    </p:spTree>
+    <p:extLst>
+      <p:ext uri="{BB962C8B-B14F-4D97-AF65-F5344CB8AC3E}">
+        <p14:creationId xmlns:p14="http://schemas.microsoft.com/office/powerpoint/2010/main" val="1158474177"/>
+      </p:ext>
+    </p:extLst>
+  </p:cSld>
+  <p:clrMapOvr>
+    <a:masterClrMapping/>
+  </p:clrMapOvr>
+</p:sld>
+</file>
+
+<file path=ppt/slides/slide32.xml><?xml version="1.0" encoding="utf-8"?>
+<p:sld xmlns:a="http://schemas.openxmlformats.org/drawingml/2006/main" xmlns:r="http://schemas.openxmlformats.org/officeDocument/2006/relationships" xmlns:p="http://schemas.openxmlformats.org/presentationml/2006/main">
+  <p:cSld>
+    <p:spTree>
+      <p:nvGrpSpPr>
+        <p:cNvPr id="1" name=""/>
+        <p:cNvGrpSpPr/>
+        <p:nvPr/>
+      </p:nvGrpSpPr>
+      <p:grpSpPr>
+        <a:xfrm>
+          <a:off x="0" y="0"/>
+          <a:ext cx="0" cy="0"/>
+          <a:chOff x="0" y="0"/>
+          <a:chExt cx="0" cy="0"/>
+        </a:xfrm>
+      </p:grpSpPr>
+      <p:sp>
+        <p:nvSpPr>
+          <p:cNvPr id="3" name="Inhaltsplatzhalter 2"/>
+          <p:cNvSpPr>
+            <a:spLocks noGrp="1"/>
+          </p:cNvSpPr>
+          <p:nvPr>
+            <p:ph idx="1"/>
+          </p:nvPr>
+        </p:nvSpPr>
+        <p:spPr/>
+        <p:txBody>
+          <a:bodyPr/>
+          <a:lstStyle/>
+          <a:p>
+            <a:r>
+              <a:rPr lang="de-DE" dirty="0" smtClean="0"/>
+              <a:t>Aktivrollstuhlfahrer brauchen keine zusätzlichen Steuerelemente</a:t>
+            </a:r>
+          </a:p>
+          <a:p>
+            <a:pPr lvl="1"/>
+            <a:r>
+              <a:rPr lang="de-DE" dirty="0" smtClean="0"/>
+              <a:t>Kein “erlernen“ der </a:t>
+            </a:r>
+            <a:r>
+              <a:rPr lang="de-DE" dirty="0" err="1" smtClean="0"/>
+              <a:t>Ansteueurng</a:t>
+            </a:r>
+            <a:endParaRPr lang="de-DE" dirty="0"/>
+          </a:p>
+          <a:p>
+            <a:pPr lvl="1"/>
+            <a:r>
+              <a:rPr lang="de-DE" dirty="0" smtClean="0"/>
+              <a:t>Adaption der Gewohnheiten</a:t>
+            </a:r>
+          </a:p>
+          <a:p>
+            <a:pPr lvl="1"/>
+            <a:r>
+              <a:rPr lang="de-DE" dirty="0" err="1" smtClean="0"/>
+              <a:t>eBike</a:t>
+            </a:r>
+            <a:r>
+              <a:rPr lang="de-DE" dirty="0" smtClean="0"/>
+              <a:t>/</a:t>
+            </a:r>
+            <a:r>
+              <a:rPr lang="de-DE" dirty="0" err="1" smtClean="0"/>
+              <a:t>Pedalec</a:t>
+            </a:r>
+            <a:r>
+              <a:rPr lang="de-DE" dirty="0" smtClean="0"/>
+              <a:t> Gedanke für:</a:t>
+            </a:r>
+          </a:p>
+          <a:p>
+            <a:pPr lvl="2"/>
+            <a:r>
+              <a:rPr lang="de-DE" dirty="0" smtClean="0"/>
+              <a:t>weiter Strecken</a:t>
+            </a:r>
+          </a:p>
+          <a:p>
+            <a:pPr lvl="2"/>
+            <a:r>
+              <a:rPr lang="de-DE" dirty="0" smtClean="0"/>
+              <a:t>große Steigungen</a:t>
+            </a:r>
+          </a:p>
+          <a:p>
+            <a:pPr lvl="1"/>
+            <a:r>
+              <a:rPr lang="de-DE" dirty="0" smtClean="0"/>
+              <a:t>Parameter: Unterstützungsgrad und </a:t>
+            </a:r>
+            <a:r>
+              <a:rPr lang="de-DE" i="1" dirty="0" err="1" smtClean="0"/>
+              <a:t>v</a:t>
+            </a:r>
+            <a:r>
+              <a:rPr lang="de-DE" i="1" baseline="-25000" dirty="0" err="1" smtClean="0"/>
+              <a:t>max</a:t>
+            </a:r>
+            <a:endParaRPr lang="de-DE" i="1" baseline="-25000" dirty="0"/>
+          </a:p>
+        </p:txBody>
+      </p:sp>
+      <p:sp>
+        <p:nvSpPr>
+          <p:cNvPr id="4" name="Datumsplatzhalter 3"/>
+          <p:cNvSpPr>
+            <a:spLocks noGrp="1"/>
+          </p:cNvSpPr>
+          <p:nvPr>
+            <p:ph type="dt" sz="half" idx="2"/>
+          </p:nvPr>
+        </p:nvSpPr>
+        <p:spPr/>
+        <p:txBody>
+          <a:bodyPr/>
+          <a:lstStyle/>
+          <a:p>
+            <a:fld id="{C916D949-773C-3845-BFBA-C7D9987445EE}" type="datetime1">
+              <a:rPr lang="de-DE" smtClean="0"/>
+              <a:t>24.07.18</a:t>
+            </a:fld>
+            <a:endParaRPr lang="de-DE" dirty="0"/>
+          </a:p>
+        </p:txBody>
+      </p:sp>
+      <p:sp>
+        <p:nvSpPr>
+          <p:cNvPr id="5" name="Foliennummernplatzhalter 4"/>
+          <p:cNvSpPr>
+            <a:spLocks noGrp="1"/>
+          </p:cNvSpPr>
+          <p:nvPr>
+            <p:ph type="sldNum" sz="quarter" idx="4"/>
+          </p:nvPr>
+        </p:nvSpPr>
+        <p:spPr/>
+        <p:txBody>
+          <a:bodyPr/>
+          <a:lstStyle/>
+          <a:p>
+            <a:fld id="{E7BE1CCD-89A0-CC45-BF3E-2A331A7F0490}" type="slidenum">
+              <a:rPr lang="de-DE" smtClean="0"/>
+              <a:pPr/>
+              <a:t>32</a:t>
+            </a:fld>
+            <a:endParaRPr lang="de-DE" dirty="0"/>
+          </a:p>
+        </p:txBody>
+      </p:sp>
+      <p:sp>
+        <p:nvSpPr>
+          <p:cNvPr id="6" name="TextBox 5"/>
+          <p:cNvSpPr txBox="1"/>
+          <p:nvPr/>
+        </p:nvSpPr>
+        <p:spPr>
+          <a:xfrm>
+            <a:off x="2042013" y="6437376"/>
+            <a:ext cx="4732386" cy="253916"/>
+          </a:xfrm>
+          <a:prstGeom prst="rect">
+            <a:avLst/>
+          </a:prstGeom>
+          <a:noFill/>
+        </p:spPr>
+        <p:txBody>
+          <a:bodyPr wrap="none" rtlCol="0">
+            <a:spAutoFit/>
+          </a:bodyPr>
+          <a:lstStyle/>
+          <a:p>
+            <a:pPr algn="ctr"/>
+            <a:r>
+              <a:rPr lang="en-US" sz="1050" dirty="0" smtClean="0"/>
+              <a:t>HSHL – ITD 6. Semester </a:t>
+            </a:r>
+            <a:r>
+              <a:rPr lang="mr-IN" sz="1050" dirty="0" smtClean="0"/>
+              <a:t>–</a:t>
+            </a:r>
+            <a:r>
+              <a:rPr lang="en-US" sz="1050" dirty="0" smtClean="0"/>
+              <a:t> Christopher Beck, Daniel </a:t>
+            </a:r>
+            <a:r>
+              <a:rPr lang="en-US" sz="1050" dirty="0" err="1" smtClean="0"/>
+              <a:t>Münstermann</a:t>
+            </a:r>
+            <a:r>
+              <a:rPr lang="en-US" sz="1050" dirty="0" smtClean="0"/>
+              <a:t>, Alexander Wilms</a:t>
+            </a:r>
+            <a:endParaRPr lang="en-US" sz="1050" dirty="0"/>
+          </a:p>
+        </p:txBody>
+      </p:sp>
+      <p:sp>
+        <p:nvSpPr>
+          <p:cNvPr id="7" name="Titel 1"/>
+          <p:cNvSpPr txBox="1">
+            <a:spLocks/>
+          </p:cNvSpPr>
+          <p:nvPr/>
+        </p:nvSpPr>
+        <p:spPr>
+          <a:xfrm>
+            <a:off x="648001" y="768252"/>
+            <a:ext cx="7520410" cy="941715"/>
+          </a:xfrm>
+          <a:prstGeom prst="rect">
+            <a:avLst/>
+          </a:prstGeom>
+        </p:spPr>
+        <p:txBody>
+          <a:bodyPr vert="horz" lIns="91440" tIns="45720" rIns="91440" bIns="45720" rtlCol="0" anchor="ctr">
+            <a:normAutofit/>
+          </a:bodyPr>
+          <a:lstStyle>
+            <a:lvl1pPr algn="l" defTabSz="457200" rtl="0" eaLnBrk="1" latinLnBrk="0" hangingPunct="1">
+              <a:spcBef>
+                <a:spcPct val="0"/>
+              </a:spcBef>
+              <a:buNone/>
+              <a:defRPr sz="4000" b="1" i="0" kern="1200">
+                <a:solidFill>
+                  <a:schemeClr val="tx1"/>
+                </a:solidFill>
+                <a:latin typeface="Source Sans Pro"/>
+                <a:ea typeface="+mj-ea"/>
+                <a:cs typeface="Source Sans Pro"/>
+              </a:defRPr>
+            </a:lvl1pPr>
+          </a:lstStyle>
+          <a:p>
+            <a:r>
+              <a:rPr lang="de-DE" sz="2400" dirty="0" smtClean="0"/>
+              <a:t>Idee basiert auf dem Experteninterview mit Philipp</a:t>
+            </a:r>
+            <a:endParaRPr lang="de-DE" sz="2400" dirty="0"/>
+          </a:p>
+        </p:txBody>
+      </p:sp>
+    </p:spTree>
+    <p:extLst>
+      <p:ext uri="{BB962C8B-B14F-4D97-AF65-F5344CB8AC3E}">
+        <p14:creationId xmlns:p14="http://schemas.microsoft.com/office/powerpoint/2010/main" val="2037306567"/>
       </p:ext>
     </p:extLst>
   </p:cSld>
@@ -14013,11 +15762,7 @@
             <a:pPr algn="ctr"/>
             <a:r>
               <a:rPr lang="en-US" sz="1050" dirty="0" smtClean="0"/>
-              <a:t>HSHL – ITD 6. </a:t>
-            </a:r>
-            <a:r>
-              <a:rPr lang="en-US" sz="1050" dirty="0" smtClean="0"/>
-              <a:t>Semester</a:t>
+              <a:t>HSHL – ITD 6. Semester</a:t>
             </a:r>
             <a:endParaRPr lang="en-US" sz="1050" dirty="0"/>
           </a:p>
@@ -15057,7 +16802,7 @@
     </p:spTree>
     <p:extLst>
       <p:ext uri="{BB962C8B-B14F-4D97-AF65-F5344CB8AC3E}">
-        <p14:creationId xmlns:p14="http://schemas.microsoft.com/office/powerpoint/2010/main" val="3911613210"/>
+        <p14:creationId xmlns:p14="http://schemas.microsoft.com/office/powerpoint/2010/main" val="350505046"/>
       </p:ext>
     </p:extLst>
   </p:cSld>
@@ -15323,40 +17068,40 @@
         </p:nvSpPr>
         <p:spPr/>
         <p:txBody>
-          <a:bodyPr>
-            <a:normAutofit/>
-          </a:bodyPr>
+          <a:bodyPr/>
           <a:lstStyle/>
           <a:p>
             <a:r>
-              <a:rPr lang="de-DE" sz="2800" dirty="0" smtClean="0"/>
-              <a:t>Feststellfunktion bei geradeausfahrt</a:t>
-            </a:r>
-          </a:p>
-          <a:p>
-            <a:r>
-              <a:rPr lang="de-DE" sz="2800" dirty="0" smtClean="0"/>
-              <a:t>Was ist bei einem Telefonanruf?</a:t>
-            </a:r>
-          </a:p>
-          <a:p>
-            <a:r>
-              <a:rPr lang="de-DE" sz="2800" dirty="0" err="1" smtClean="0"/>
-              <a:t>Rekoperation</a:t>
-            </a:r>
-            <a:r>
-              <a:rPr lang="de-DE" sz="2800" dirty="0" smtClean="0"/>
-              <a:t> als Bremse </a:t>
-            </a:r>
-            <a:r>
-              <a:rPr lang="mr-IN" sz="2800" dirty="0" smtClean="0"/>
-              <a:t>–</a:t>
-            </a:r>
-            <a:r>
-              <a:rPr lang="de-DE" sz="2800" dirty="0" smtClean="0"/>
-              <a:t> Manuelle Bremse?</a:t>
-            </a:r>
-            <a:endParaRPr lang="de-DE" sz="2800" dirty="0"/>
+              <a:rPr lang="de-DE" dirty="0" smtClean="0"/>
+              <a:t>Interaktionskonzept für einen Rollstuhl</a:t>
+            </a:r>
+          </a:p>
+          <a:p>
+            <a:endParaRPr lang="de-DE" dirty="0"/>
+          </a:p>
+          <a:p>
+            <a:r>
+              <a:rPr lang="de-DE" dirty="0" smtClean="0"/>
+              <a:t>Rahmenbedingungen zu Beginn:</a:t>
+            </a:r>
+          </a:p>
+          <a:p>
+            <a:pPr lvl="1"/>
+            <a:r>
+              <a:rPr lang="de-DE" dirty="0" smtClean="0"/>
+              <a:t>MEYRA x1 Rollstuhl</a:t>
+            </a:r>
+          </a:p>
+          <a:p>
+            <a:pPr lvl="1"/>
+            <a:r>
+              <a:rPr lang="de-DE" i="1" dirty="0" err="1" smtClean="0"/>
+              <a:t>Efix</a:t>
+            </a:r>
+            <a:r>
+              <a:rPr lang="de-DE" i="1" dirty="0" smtClean="0"/>
+              <a:t> Räder</a:t>
+            </a:r>
           </a:p>
         </p:txBody>
       </p:sp>
@@ -15494,23 +17239,15 @@
           <a:p>
             <a:r>
               <a:rPr lang="de-DE" sz="2400" dirty="0" smtClean="0"/>
-              <a:t>Anforderungen aus der Experteninterview </a:t>
-            </a:r>
-            <a:r>
-              <a:rPr lang="mr-IN" sz="2400" dirty="0" smtClean="0"/>
-              <a:t>–</a:t>
+              <a:t>Anforderungen aus der Aufgabenstellung (</a:t>
+            </a:r>
+            <a:r>
+              <a:rPr lang="de-DE" sz="2400" dirty="0" err="1" smtClean="0"/>
+              <a:t>Use</a:t>
             </a:r>
             <a:r>
               <a:rPr lang="de-DE" sz="2400" dirty="0" smtClean="0"/>
-              <a:t> </a:t>
-            </a:r>
-            <a:r>
-              <a:rPr lang="de-DE" sz="2400" dirty="0" err="1" smtClean="0"/>
-              <a:t>Worst</a:t>
-            </a:r>
-            <a:r>
-              <a:rPr lang="de-DE" sz="2400" dirty="0" smtClean="0"/>
-              <a:t> Case Modellierung</a:t>
+              <a:t> Case)</a:t>
             </a:r>
             <a:endParaRPr lang="de-DE" sz="2400" dirty="0"/>
           </a:p>
@@ -15519,7 +17256,7 @@
     </p:spTree>
     <p:extLst>
       <p:ext uri="{BB962C8B-B14F-4D97-AF65-F5344CB8AC3E}">
-        <p14:creationId xmlns:p14="http://schemas.microsoft.com/office/powerpoint/2010/main" val="888225302"/>
+        <p14:creationId xmlns:p14="http://schemas.microsoft.com/office/powerpoint/2010/main" val="1082187900"/>
       </p:ext>
     </p:extLst>
   </p:cSld>

--- a/Interaktionskonzept.pptx
+++ b/Interaktionskonzept.pptx
@@ -5,10 +5,10 @@
     <p:sldMasterId id="2147483648" r:id="rId1"/>
   </p:sldMasterIdLst>
   <p:notesMasterIdLst>
-    <p:notesMasterId r:id="rId34"/>
+    <p:notesMasterId r:id="rId41"/>
   </p:notesMasterIdLst>
   <p:handoutMasterIdLst>
-    <p:handoutMasterId r:id="rId35"/>
+    <p:handoutMasterId r:id="rId42"/>
   </p:handoutMasterIdLst>
   <p:sldIdLst>
     <p:sldId id="256" r:id="rId2"/>
@@ -32,17 +32,24 @@
     <p:sldId id="274" r:id="rId20"/>
     <p:sldId id="275" r:id="rId21"/>
     <p:sldId id="281" r:id="rId22"/>
-    <p:sldId id="284" r:id="rId23"/>
-    <p:sldId id="288" r:id="rId24"/>
-    <p:sldId id="283" r:id="rId25"/>
-    <p:sldId id="282" r:id="rId26"/>
+    <p:sldId id="288" r:id="rId23"/>
+    <p:sldId id="283" r:id="rId24"/>
+    <p:sldId id="282" r:id="rId25"/>
+    <p:sldId id="284" r:id="rId26"/>
     <p:sldId id="295" r:id="rId27"/>
     <p:sldId id="296" r:id="rId28"/>
     <p:sldId id="297" r:id="rId29"/>
     <p:sldId id="298" r:id="rId30"/>
-    <p:sldId id="294" r:id="rId31"/>
-    <p:sldId id="299" r:id="rId32"/>
-    <p:sldId id="300" r:id="rId33"/>
+    <p:sldId id="306" r:id="rId31"/>
+    <p:sldId id="294" r:id="rId32"/>
+    <p:sldId id="307" r:id="rId33"/>
+    <p:sldId id="299" r:id="rId34"/>
+    <p:sldId id="300" r:id="rId35"/>
+    <p:sldId id="302" r:id="rId36"/>
+    <p:sldId id="301" r:id="rId37"/>
+    <p:sldId id="303" r:id="rId38"/>
+    <p:sldId id="304" r:id="rId39"/>
+    <p:sldId id="305" r:id="rId40"/>
   </p:sldIdLst>
   <p:sldSz cx="9144000" cy="6858000" type="screen4x3"/>
   <p:notesSz cx="6858000" cy="9144000"/>
@@ -186,14 +193,15 @@
         <p14:section name="Experteninterview" id="{AAB73D6B-3FF2-8940-8BDD-A42054D1EC13}">
           <p14:sldIdLst>
             <p14:sldId id="281"/>
-            <p14:sldId id="284"/>
             <p14:sldId id="288"/>
             <p14:sldId id="283"/>
             <p14:sldId id="282"/>
           </p14:sldIdLst>
         </p14:section>
         <p14:section name="Bestehende Konzepte" id="{22BD9C8E-892C-7B47-9302-5C455B59B0CF}">
-          <p14:sldIdLst/>
+          <p14:sldIdLst>
+            <p14:sldId id="284"/>
+          </p14:sldIdLst>
         </p14:section>
         <p14:section name="Prototyp mBot" id="{3D537318-CBB6-9749-9B49-532214ACFD95}">
           <p14:sldIdLst>
@@ -205,13 +213,20 @@
         </p14:section>
         <p14:section name="App Gestaltung Mockup" id="{329D0D24-DB4E-C84B-BDB0-C2E684C1BC0B}">
           <p14:sldIdLst>
+            <p14:sldId id="306"/>
             <p14:sldId id="294"/>
+            <p14:sldId id="307"/>
           </p14:sldIdLst>
         </p14:section>
         <p14:section name="Alternatives Ansteuerungskonzept" id="{BE23903A-004A-224F-87FF-FAEA0A92238C}">
           <p14:sldIdLst>
             <p14:sldId id="299"/>
             <p14:sldId id="300"/>
+            <p14:sldId id="302"/>
+            <p14:sldId id="301"/>
+            <p14:sldId id="303"/>
+            <p14:sldId id="304"/>
+            <p14:sldId id="305"/>
           </p14:sldIdLst>
         </p14:section>
       </p14:sectionLst>
@@ -12663,23 +12678,42 @@
           <a:p>
             <a:r>
               <a:rPr lang="de-DE" sz="2800" dirty="0" smtClean="0"/>
-              <a:t>Joystick</a:t>
-            </a:r>
-          </a:p>
-          <a:p>
+              <a:t>Bisherige Lösungen sind immer auf Firmen-</a:t>
+            </a:r>
+            <a:r>
+              <a:rPr lang="de-DE" sz="2800" dirty="0" err="1" smtClean="0"/>
+              <a:t>Ecosysteme</a:t>
+            </a:r>
             <a:r>
               <a:rPr lang="de-DE" sz="2800" dirty="0" smtClean="0"/>
-              <a:t>Piercing</a:t>
-            </a:r>
-          </a:p>
-          <a:p>
+              <a:t> gebunden</a:t>
+            </a:r>
+            <a:r>
+              <a:rPr lang="de-DE" sz="2800" dirty="0"/>
+              <a:t> </a:t>
+            </a:r>
             <a:r>
               <a:rPr lang="de-DE" sz="2800" dirty="0" smtClean="0"/>
-              <a:t>Eye-Tracking</a:t>
-            </a:r>
-          </a:p>
-          <a:p>
-            <a:endParaRPr lang="de-DE" sz="2400" dirty="0"/>
+              <a:t>// Monopole</a:t>
+            </a:r>
+          </a:p>
+          <a:p>
+            <a:r>
+              <a:rPr lang="de-DE" sz="2800" dirty="0" smtClean="0"/>
+              <a:t>Open Source Gedanke</a:t>
+            </a:r>
+          </a:p>
+          <a:p>
+            <a:r>
+              <a:rPr lang="de-DE" sz="2800" dirty="0" smtClean="0"/>
+              <a:t>DIY</a:t>
+            </a:r>
+          </a:p>
+          <a:p>
+            <a:r>
+              <a:rPr lang="de-DE" sz="2800" dirty="0" smtClean="0"/>
+              <a:t>Haftungsfragen aushebeln durch RTOS </a:t>
+            </a:r>
           </a:p>
         </p:txBody>
       </p:sp>
@@ -12805,7 +12839,7 @@
           <a:p>
             <a:r>
               <a:rPr lang="de-DE" sz="2400" dirty="0" smtClean="0"/>
-              <a:t>Gängige Ansteuerungsmöglichkeiten</a:t>
+              <a:t>Motivation – </a:t>
             </a:r>
             <a:endParaRPr lang="de-DE" sz="2400" dirty="0"/>
           </a:p>
@@ -12814,7 +12848,7 @@
     </p:spTree>
     <p:extLst>
       <p:ext uri="{BB962C8B-B14F-4D97-AF65-F5344CB8AC3E}">
-        <p14:creationId xmlns:p14="http://schemas.microsoft.com/office/powerpoint/2010/main" val="2091668893"/>
+        <p14:creationId xmlns:p14="http://schemas.microsoft.com/office/powerpoint/2010/main" val="1293028857"/>
       </p:ext>
     </p:extLst>
   </p:cSld>
@@ -12860,42 +12894,51 @@
           <a:p>
             <a:r>
               <a:rPr lang="de-DE" sz="2800" dirty="0" smtClean="0"/>
-              <a:t>Bisherige Lösungen sind immer auf Firmen-</a:t>
+              <a:t>Philipp </a:t>
             </a:r>
             <a:r>
               <a:rPr lang="de-DE" sz="2800" dirty="0" err="1" smtClean="0"/>
-              <a:t>Ecosysteme</a:t>
-            </a:r>
-            <a:r>
-              <a:rPr lang="de-DE" sz="2800" dirty="0" smtClean="0"/>
-              <a:t> gebunden</a:t>
-            </a:r>
-            <a:r>
-              <a:rPr lang="de-DE" sz="2800" dirty="0"/>
-              <a:t> </a:t>
-            </a:r>
-            <a:r>
-              <a:rPr lang="de-DE" sz="2800" dirty="0" smtClean="0"/>
-              <a:t>// Monopole</a:t>
-            </a:r>
-          </a:p>
-          <a:p>
-            <a:r>
-              <a:rPr lang="de-DE" sz="2800" dirty="0" smtClean="0"/>
-              <a:t>Open Source Gedanke</a:t>
-            </a:r>
-          </a:p>
-          <a:p>
-            <a:r>
-              <a:rPr lang="de-DE" sz="2800" dirty="0" smtClean="0"/>
-              <a:t>DIY</a:t>
-            </a:r>
-          </a:p>
-          <a:p>
-            <a:r>
-              <a:rPr lang="de-DE" sz="2800" dirty="0" smtClean="0"/>
-              <a:t>Haftungsfragen aushebeln durch RTOS </a:t>
-            </a:r>
+              <a:t>Berens</a:t>
+            </a:r>
+            <a:endParaRPr lang="de-DE" sz="2800" dirty="0" smtClean="0"/>
+          </a:p>
+          <a:p>
+            <a:pPr lvl="1"/>
+            <a:r>
+              <a:rPr lang="de-DE" sz="2400" dirty="0" smtClean="0"/>
+              <a:t>M. Psychologie in Düsseldorf</a:t>
+            </a:r>
+          </a:p>
+          <a:p>
+            <a:pPr lvl="1"/>
+            <a:r>
+              <a:rPr lang="de-DE" sz="2400" dirty="0" smtClean="0"/>
+              <a:t>Parese</a:t>
+            </a:r>
+          </a:p>
+          <a:p>
+            <a:pPr lvl="1"/>
+            <a:r>
+              <a:rPr lang="de-DE" sz="2400" dirty="0" smtClean="0"/>
+              <a:t>Hohes Mobilitätsbedürfnis und </a:t>
+            </a:r>
+            <a:r>
+              <a:rPr lang="de-DE" sz="2400" dirty="0" err="1" smtClean="0"/>
+              <a:t>Aktivitätenprofil</a:t>
+            </a:r>
+            <a:endParaRPr lang="de-DE" sz="2400" dirty="0" smtClean="0"/>
+          </a:p>
+          <a:p>
+            <a:pPr lvl="1"/>
+            <a:r>
+              <a:rPr lang="de-DE" sz="2400" dirty="0" smtClean="0"/>
+              <a:t>Wunschlösung: </a:t>
+            </a:r>
+            <a:r>
+              <a:rPr lang="de-DE" sz="2400" dirty="0" err="1" smtClean="0"/>
+              <a:t>Plug‘n‘Play</a:t>
+            </a:r>
+            <a:endParaRPr lang="de-DE" sz="2400" dirty="0"/>
           </a:p>
         </p:txBody>
       </p:sp>
@@ -13021,7 +13064,7 @@
           <a:p>
             <a:r>
               <a:rPr lang="de-DE" sz="2400" dirty="0" smtClean="0"/>
-              <a:t>Motivation – </a:t>
+              <a:t>Experteninterview Philipp</a:t>
             </a:r>
             <a:endParaRPr lang="de-DE" sz="2400" dirty="0"/>
           </a:p>
@@ -13030,7 +13073,7 @@
     </p:spTree>
     <p:extLst>
       <p:ext uri="{BB962C8B-B14F-4D97-AF65-F5344CB8AC3E}">
-        <p14:creationId xmlns:p14="http://schemas.microsoft.com/office/powerpoint/2010/main" val="1293028857"/>
+        <p14:creationId xmlns:p14="http://schemas.microsoft.com/office/powerpoint/2010/main" val="838583223"/>
       </p:ext>
     </p:extLst>
   </p:cSld>
@@ -13076,51 +13119,91 @@
           <a:p>
             <a:r>
               <a:rPr lang="de-DE" sz="2800" dirty="0" smtClean="0"/>
-              <a:t>Philipp </a:t>
-            </a:r>
-            <a:r>
-              <a:rPr lang="de-DE" sz="2800" dirty="0" err="1" smtClean="0"/>
-              <a:t>Berens</a:t>
-            </a:r>
-            <a:endParaRPr lang="de-DE" sz="2800" dirty="0" smtClean="0"/>
+              <a:t>Frust:</a:t>
+            </a:r>
           </a:p>
           <a:p>
             <a:pPr lvl="1"/>
             <a:r>
               <a:rPr lang="de-DE" sz="2400" dirty="0" smtClean="0"/>
-              <a:t>M. Psychologie in Düsseldorf</a:t>
+              <a:t>Reparatur dauert teilweise 6 Wochen</a:t>
+            </a:r>
+          </a:p>
+          <a:p>
+            <a:pPr lvl="2"/>
+            <a:r>
+              <a:rPr lang="de-DE" sz="2000" dirty="0" err="1" smtClean="0"/>
+              <a:t>Workarround</a:t>
+            </a:r>
+            <a:r>
+              <a:rPr lang="de-DE" sz="2000" dirty="0" smtClean="0"/>
+              <a:t>: Fahrradservices nutzen</a:t>
             </a:r>
           </a:p>
           <a:p>
             <a:pPr lvl="1"/>
             <a:r>
               <a:rPr lang="de-DE" sz="2400" dirty="0" smtClean="0"/>
-              <a:t>Parese</a:t>
+              <a:t>Aktivrollstuhl aus NL </a:t>
+            </a:r>
+          </a:p>
+          <a:p>
+            <a:pPr lvl="2"/>
+            <a:r>
+              <a:rPr lang="de-DE" sz="2000" dirty="0" err="1" smtClean="0"/>
+              <a:t>Maßgefertig</a:t>
+            </a:r>
+            <a:endParaRPr lang="de-DE" sz="2000" dirty="0" smtClean="0"/>
+          </a:p>
+          <a:p>
+            <a:pPr lvl="2"/>
+            <a:r>
+              <a:rPr lang="de-DE" sz="2000" dirty="0" smtClean="0"/>
+              <a:t>Vollgefedert</a:t>
+            </a:r>
+          </a:p>
+          <a:p>
+            <a:pPr lvl="2"/>
+            <a:r>
+              <a:rPr lang="de-DE" sz="2000" dirty="0" smtClean="0"/>
+              <a:t>Sport (Halfpipe)</a:t>
             </a:r>
           </a:p>
           <a:p>
             <a:pPr lvl="1"/>
             <a:r>
+              <a:rPr lang="de-DE" sz="2400" dirty="0" err="1" smtClean="0"/>
+              <a:t>eFix</a:t>
+            </a:r>
+            <a:r>
               <a:rPr lang="de-DE" sz="2400" dirty="0" smtClean="0"/>
-              <a:t>Hohes Mobilitätsbedürfnis und </a:t>
-            </a:r>
-            <a:r>
-              <a:rPr lang="de-DE" sz="2400" dirty="0" err="1" smtClean="0"/>
-              <a:t>Aktivitätenprofil</a:t>
-            </a:r>
-            <a:endParaRPr lang="de-DE" sz="2400" dirty="0" smtClean="0"/>
+              <a:t> Räder sehr schwer, nicht selbst demontierbar</a:t>
+            </a:r>
           </a:p>
           <a:p>
             <a:pPr lvl="1"/>
             <a:r>
               <a:rPr lang="de-DE" sz="2400" dirty="0" smtClean="0"/>
-              <a:t>Wunschlösung: </a:t>
-            </a:r>
-            <a:r>
-              <a:rPr lang="de-DE" sz="2400" dirty="0" err="1" smtClean="0"/>
-              <a:t>Plug‘n‘Play</a:t>
-            </a:r>
-            <a:endParaRPr lang="de-DE" sz="2400" dirty="0"/>
+              <a:t>Große Rollstühle sorgen für Aufmerksamkeit</a:t>
+            </a:r>
+          </a:p>
+          <a:p>
+            <a:pPr lvl="2"/>
+            <a:r>
+              <a:rPr lang="de-DE" sz="2000" dirty="0" smtClean="0"/>
+              <a:t>Unpersönlich </a:t>
+            </a:r>
+            <a:r>
+              <a:rPr lang="de-DE" sz="2000" dirty="0" smtClean="0">
+                <a:sym typeface="Wingdings"/>
+              </a:rPr>
+              <a:t> behindern</a:t>
+            </a:r>
+            <a:endParaRPr lang="de-DE" sz="2000" dirty="0" smtClean="0"/>
+          </a:p>
+          <a:p>
+            <a:pPr lvl="1"/>
+            <a:endParaRPr lang="de-DE" dirty="0"/>
           </a:p>
         </p:txBody>
       </p:sp>
@@ -13245,8 +13328,8 @@
           </a:lstStyle>
           <a:p>
             <a:r>
-              <a:rPr lang="de-DE" sz="2400" dirty="0" smtClean="0"/>
-              <a:t>Experteninterview Philipp</a:t>
+              <a:rPr lang="de-DE" sz="2400" smtClean="0"/>
+              <a:t>Experteninterview</a:t>
             </a:r>
             <a:endParaRPr lang="de-DE" sz="2400" dirty="0"/>
           </a:p>
@@ -13255,7 +13338,7 @@
     </p:spTree>
     <p:extLst>
       <p:ext uri="{BB962C8B-B14F-4D97-AF65-F5344CB8AC3E}">
-        <p14:creationId xmlns:p14="http://schemas.microsoft.com/office/powerpoint/2010/main" val="838583223"/>
+        <p14:creationId xmlns:p14="http://schemas.microsoft.com/office/powerpoint/2010/main" val="1320693892"/>
       </p:ext>
     </p:extLst>
   </p:cSld>
@@ -13301,91 +13384,23 @@
           <a:p>
             <a:r>
               <a:rPr lang="de-DE" sz="2800" dirty="0" smtClean="0"/>
-              <a:t>Frust:</a:t>
-            </a:r>
-          </a:p>
-          <a:p>
-            <a:pPr lvl="1"/>
-            <a:r>
-              <a:rPr lang="de-DE" sz="2400" dirty="0" smtClean="0"/>
-              <a:t>Reparatur dauert teilweise 6 Wochen</a:t>
-            </a:r>
-          </a:p>
-          <a:p>
-            <a:pPr lvl="2"/>
-            <a:r>
-              <a:rPr lang="de-DE" sz="2000" dirty="0" err="1" smtClean="0"/>
-              <a:t>Workarround</a:t>
-            </a:r>
-            <a:r>
-              <a:rPr lang="de-DE" sz="2000" dirty="0" smtClean="0"/>
-              <a:t>: Fahrradservices nutzen</a:t>
-            </a:r>
-          </a:p>
-          <a:p>
-            <a:pPr lvl="1"/>
-            <a:r>
-              <a:rPr lang="de-DE" sz="2400" dirty="0" smtClean="0"/>
-              <a:t>Aktivrollstuhl aus NL </a:t>
-            </a:r>
-          </a:p>
-          <a:p>
-            <a:pPr lvl="2"/>
-            <a:r>
-              <a:rPr lang="de-DE" sz="2000" dirty="0" err="1" smtClean="0"/>
-              <a:t>Maßgefertig</a:t>
-            </a:r>
-            <a:endParaRPr lang="de-DE" sz="2000" dirty="0" smtClean="0"/>
-          </a:p>
-          <a:p>
-            <a:pPr lvl="2"/>
-            <a:r>
-              <a:rPr lang="de-DE" sz="2000" dirty="0" smtClean="0"/>
-              <a:t>Vollgefedert</a:t>
-            </a:r>
-          </a:p>
-          <a:p>
-            <a:pPr lvl="2"/>
-            <a:r>
-              <a:rPr lang="de-DE" sz="2000" dirty="0" smtClean="0"/>
-              <a:t>Sport (Halfpipe)</a:t>
-            </a:r>
-          </a:p>
-          <a:p>
-            <a:pPr lvl="1"/>
-            <a:r>
-              <a:rPr lang="de-DE" sz="2400" dirty="0" err="1" smtClean="0"/>
-              <a:t>eFix</a:t>
-            </a:r>
-            <a:r>
-              <a:rPr lang="de-DE" sz="2400" dirty="0" smtClean="0"/>
-              <a:t> Räder sehr schwer, nicht selbst demontierbar</a:t>
-            </a:r>
-          </a:p>
-          <a:p>
-            <a:pPr lvl="1"/>
-            <a:r>
-              <a:rPr lang="de-DE" sz="2400" dirty="0" smtClean="0"/>
-              <a:t>Große Rollstühle sorgen für Aufmerksamkeit</a:t>
-            </a:r>
-          </a:p>
-          <a:p>
-            <a:pPr lvl="2"/>
-            <a:r>
-              <a:rPr lang="de-DE" sz="2000" dirty="0" smtClean="0"/>
-              <a:t>Unpersönlich </a:t>
-            </a:r>
-            <a:r>
-              <a:rPr lang="de-DE" sz="2000" dirty="0" smtClean="0">
-                <a:sym typeface="Wingdings"/>
-              </a:rPr>
-              <a:t> behindern</a:t>
-            </a:r>
-            <a:endParaRPr lang="de-DE" sz="2000" dirty="0" smtClean="0"/>
-          </a:p>
-          <a:p>
-            <a:pPr lvl="1"/>
-            <a:endParaRPr lang="de-DE" dirty="0"/>
+              <a:t>Joystick</a:t>
+            </a:r>
+          </a:p>
+          <a:p>
+            <a:r>
+              <a:rPr lang="de-DE" sz="2800" dirty="0" smtClean="0"/>
+              <a:t>Piercing</a:t>
+            </a:r>
+          </a:p>
+          <a:p>
+            <a:r>
+              <a:rPr lang="de-DE" sz="2800" dirty="0" smtClean="0"/>
+              <a:t>Eye-Tracking</a:t>
+            </a:r>
+          </a:p>
+          <a:p>
+            <a:endParaRPr lang="de-DE" sz="2400" dirty="0"/>
           </a:p>
         </p:txBody>
       </p:sp>
@@ -13510,17 +13525,41 @@
           </a:lstStyle>
           <a:p>
             <a:r>
-              <a:rPr lang="de-DE" sz="2400" smtClean="0"/>
-              <a:t>Experteninterview</a:t>
+              <a:rPr lang="de-DE" sz="2400" dirty="0" smtClean="0"/>
+              <a:t>Gängige Ansteuerungsmöglichkeiten</a:t>
             </a:r>
             <a:endParaRPr lang="de-DE" sz="2400" dirty="0"/>
           </a:p>
         </p:txBody>
       </p:sp>
+      <p:pic>
+        <p:nvPicPr>
+          <p:cNvPr id="2" name="Picture 1"/>
+          <p:cNvPicPr>
+            <a:picLocks noChangeAspect="1"/>
+          </p:cNvPicPr>
+          <p:nvPr/>
+        </p:nvPicPr>
+        <p:blipFill>
+          <a:blip r:embed="rId2"/>
+          <a:stretch>
+            <a:fillRect/>
+          </a:stretch>
+        </p:blipFill>
+        <p:spPr>
+          <a:xfrm>
+            <a:off x="3962412" y="1804415"/>
+            <a:ext cx="4205999" cy="4379187"/>
+          </a:xfrm>
+          <a:prstGeom prst="rect">
+            <a:avLst/>
+          </a:prstGeom>
+        </p:spPr>
+      </p:pic>
     </p:spTree>
     <p:extLst>
       <p:ext uri="{BB962C8B-B14F-4D97-AF65-F5344CB8AC3E}">
-        <p14:creationId xmlns:p14="http://schemas.microsoft.com/office/powerpoint/2010/main" val="1320693892"/>
+        <p14:creationId xmlns:p14="http://schemas.microsoft.com/office/powerpoint/2010/main" val="2091668893"/>
       </p:ext>
     </p:extLst>
   </p:cSld>
@@ -15124,8 +15163,8 @@
         </p:nvSpPr>
         <p:spPr>
           <a:xfrm>
-            <a:off x="3050302" y="6437376"/>
-            <a:ext cx="2715807" cy="253916"/>
+            <a:off x="2042013" y="6437376"/>
+            <a:ext cx="4732386" cy="253916"/>
           </a:xfrm>
           <a:prstGeom prst="rect">
             <a:avLst/>
@@ -15149,11 +15188,15 @@
             </a:r>
             <a:r>
               <a:rPr lang="en-US" sz="1050" dirty="0" smtClean="0"/>
-              <a:t>Daniel </a:t>
+              <a:t> Christopher Beck, Daniel </a:t>
             </a:r>
             <a:r>
               <a:rPr lang="en-US" sz="1050" dirty="0" err="1" smtClean="0"/>
               <a:t>Münstermann</a:t>
+            </a:r>
+            <a:r>
+              <a:rPr lang="en-US" sz="1050" dirty="0" smtClean="0"/>
+              <a:t>, Alexander Wilms</a:t>
             </a:r>
             <a:endParaRPr lang="en-US" sz="1050" dirty="0"/>
           </a:p>
@@ -15199,19 +15242,7 @@
           <a:p>
             <a:r>
               <a:rPr lang="de-DE" sz="2400" dirty="0" smtClean="0"/>
-              <a:t>Eigene </a:t>
-            </a:r>
-            <a:r>
-              <a:rPr lang="de-DE" sz="2400" dirty="0"/>
-              <a:t>A</a:t>
-            </a:r>
-            <a:r>
-              <a:rPr lang="de-DE" sz="2400" dirty="0" smtClean="0"/>
-              <a:t>nsteuerungs-Mock-</a:t>
-            </a:r>
-            <a:r>
-              <a:rPr lang="de-DE" sz="2400" dirty="0" err="1" smtClean="0"/>
-              <a:t>Ups</a:t>
+              <a:t>Ansteuerung über GUI</a:t>
             </a:r>
             <a:endParaRPr lang="de-DE" sz="2400" dirty="0"/>
           </a:p>
@@ -15219,40 +15250,37 @@
       </p:sp>
       <p:pic>
         <p:nvPicPr>
-          <p:cNvPr id="8" name="Content Placeholder 7"/>
+          <p:cNvPr id="8" name="Picture 7"/>
+          <p:cNvPicPr>
+            <a:picLocks noChangeAspect="1"/>
+          </p:cNvPicPr>
+          <p:nvPr/>
+        </p:nvPicPr>
+        <p:blipFill>
+          <a:blip r:embed="rId2"/>
+          <a:stretch>
+            <a:fillRect/>
+          </a:stretch>
+        </p:blipFill>
+        <p:spPr>
+          <a:xfrm>
+            <a:off x="648000" y="1765407"/>
+            <a:ext cx="3976370" cy="4172514"/>
+          </a:xfrm>
+          <a:prstGeom prst="rect">
+            <a:avLst/>
+          </a:prstGeom>
+        </p:spPr>
+      </p:pic>
+      <p:pic>
+        <p:nvPicPr>
+          <p:cNvPr id="9" name="Content Placeholder 7"/>
           <p:cNvPicPr>
             <a:picLocks noGrp="1" noChangeAspect="1"/>
           </p:cNvPicPr>
           <p:nvPr>
             <p:ph idx="1"/>
           </p:nvPr>
-        </p:nvPicPr>
-        <p:blipFill>
-          <a:blip r:embed="rId2">
-            <a:extLst>
-              <a:ext uri="{28A0092B-C50C-407E-A947-70E740481C1C}">
-                <a14:useLocalDpi xmlns:a14="http://schemas.microsoft.com/office/drawing/2010/main" val="0"/>
-              </a:ext>
-            </a:extLst>
-          </a:blip>
-          <a:stretch>
-            <a:fillRect/>
-          </a:stretch>
-        </p:blipFill>
-        <p:spPr>
-          <a:xfrm>
-            <a:off x="648000" y="1765407"/>
-            <a:ext cx="2313282" cy="4105275"/>
-          </a:xfrm>
-        </p:spPr>
-      </p:pic>
-      <p:pic>
-        <p:nvPicPr>
-          <p:cNvPr id="9" name="Picture 8"/>
-          <p:cNvPicPr>
-            <a:picLocks noChangeAspect="1"/>
-          </p:cNvPicPr>
-          <p:nvPr/>
         </p:nvPicPr>
         <p:blipFill>
           <a:blip r:embed="rId3">
@@ -15268,18 +15296,15 @@
         </p:blipFill>
         <p:spPr>
           <a:xfrm>
-            <a:off x="3291840" y="1709967"/>
-            <a:ext cx="2048256" cy="4267200"/>
-          </a:xfrm>
-          <a:prstGeom prst="rect">
-            <a:avLst/>
-          </a:prstGeom>
+            <a:off x="5617758" y="1709967"/>
+            <a:ext cx="2313282" cy="4105275"/>
+          </a:xfrm>
         </p:spPr>
       </p:pic>
     </p:spTree>
     <p:extLst>
       <p:ext uri="{BB962C8B-B14F-4D97-AF65-F5344CB8AC3E}">
-        <p14:creationId xmlns:p14="http://schemas.microsoft.com/office/powerpoint/2010/main" val="1455683435"/>
+        <p14:creationId xmlns:p14="http://schemas.microsoft.com/office/powerpoint/2010/main" val="1139448154"/>
       </p:ext>
     </p:extLst>
   </p:cSld>
@@ -15308,12 +15333,12 @@
       </p:grpSpPr>
       <p:sp>
         <p:nvSpPr>
-          <p:cNvPr id="2" name="Titel 1"/>
+          <p:cNvPr id="4" name="Datumsplatzhalter 3"/>
           <p:cNvSpPr>
             <a:spLocks noGrp="1"/>
           </p:cNvSpPr>
           <p:nvPr>
-            <p:ph type="ctrTitle"/>
+            <p:ph type="dt" sz="half" idx="2"/>
           </p:nvPr>
         </p:nvSpPr>
         <p:spPr/>
@@ -15321,60 +15346,48 @@
           <a:bodyPr/>
           <a:lstStyle/>
           <a:p>
-            <a:r>
-              <a:rPr lang="de-DE" dirty="0" smtClean="0"/>
-              <a:t>Interaktionskonzept	</a:t>
-            </a:r>
+            <a:fld id="{C916D949-773C-3845-BFBA-C7D9987445EE}" type="datetime1">
+              <a:rPr lang="de-DE" smtClean="0"/>
+              <a:t>24.07.18</a:t>
+            </a:fld>
             <a:endParaRPr lang="de-DE" dirty="0"/>
           </a:p>
         </p:txBody>
       </p:sp>
       <p:sp>
         <p:nvSpPr>
-          <p:cNvPr id="3" name="Untertitel 2"/>
+          <p:cNvPr id="5" name="Foliennummernplatzhalter 4"/>
           <p:cNvSpPr>
             <a:spLocks noGrp="1"/>
           </p:cNvSpPr>
           <p:nvPr>
-            <p:ph type="subTitle" idx="1"/>
+            <p:ph type="sldNum" sz="quarter" idx="4"/>
           </p:nvPr>
         </p:nvSpPr>
         <p:spPr/>
         <p:txBody>
-          <a:bodyPr>
-            <a:normAutofit/>
-          </a:bodyPr>
+          <a:bodyPr/>
           <a:lstStyle/>
           <a:p>
-            <a:r>
-              <a:rPr lang="de-DE" sz="2400" dirty="0" smtClean="0"/>
-              <a:t>Alternatives Ansteuerungskonzept</a:t>
-            </a:r>
-            <a:r>
-              <a:rPr lang="de-DE" sz="2400" dirty="0" smtClean="0"/>
-              <a:t>:</a:t>
-            </a:r>
-            <a:br>
-              <a:rPr lang="de-DE" sz="2400" dirty="0" smtClean="0"/>
-            </a:br>
-            <a:r>
-              <a:rPr lang="de-DE" sz="2400" b="1" dirty="0" smtClean="0"/>
-              <a:t>Steuerung über Handlauf</a:t>
-            </a:r>
-            <a:endParaRPr lang="de-DE" sz="2400" b="1" dirty="0" smtClean="0"/>
-          </a:p>
-        </p:txBody>
-      </p:sp>
-      <p:sp>
-        <p:nvSpPr>
-          <p:cNvPr id="4" name="TextBox 3"/>
+            <a:fld id="{E7BE1CCD-89A0-CC45-BF3E-2A331A7F0490}" type="slidenum">
+              <a:rPr lang="de-DE" smtClean="0"/>
+              <a:pPr/>
+              <a:t>31</a:t>
+            </a:fld>
+            <a:endParaRPr lang="de-DE" dirty="0"/>
+          </a:p>
+        </p:txBody>
+      </p:sp>
+      <p:sp>
+        <p:nvSpPr>
+          <p:cNvPr id="6" name="TextBox 5"/>
           <p:cNvSpPr txBox="1"/>
           <p:nvPr/>
         </p:nvSpPr>
         <p:spPr>
           <a:xfrm>
-            <a:off x="3677878" y="6437376"/>
-            <a:ext cx="1460656" cy="253916"/>
+            <a:off x="3050302" y="6437376"/>
+            <a:ext cx="2715807" cy="253916"/>
           </a:xfrm>
           <a:prstGeom prst="rect">
             <a:avLst/>
@@ -15390,26 +15403,158 @@
             <a:pPr algn="ctr"/>
             <a:r>
               <a:rPr lang="en-US" sz="1050" dirty="0" smtClean="0"/>
-              <a:t>HSHL – ITD 6. </a:t>
+              <a:t>HSHL – ITD 6. Semester </a:t>
+            </a:r>
+            <a:r>
+              <a:rPr lang="mr-IN" sz="1050" dirty="0" smtClean="0"/>
+              <a:t>–</a:t>
             </a:r>
             <a:r>
               <a:rPr lang="en-US" sz="1050" dirty="0" smtClean="0"/>
-              <a:t>Semester</a:t>
+              <a:t>Daniel </a:t>
+            </a:r>
+            <a:r>
+              <a:rPr lang="en-US" sz="1050" dirty="0" err="1" smtClean="0"/>
+              <a:t>Münstermann</a:t>
             </a:r>
             <a:endParaRPr lang="en-US" sz="1050" dirty="0"/>
           </a:p>
         </p:txBody>
       </p:sp>
+      <p:sp>
+        <p:nvSpPr>
+          <p:cNvPr id="7" name="Titel 1"/>
+          <p:cNvSpPr txBox="1">
+            <a:spLocks/>
+          </p:cNvSpPr>
+          <p:nvPr/>
+        </p:nvSpPr>
+        <p:spPr>
+          <a:xfrm>
+            <a:off x="648001" y="768252"/>
+            <a:ext cx="7520410" cy="941715"/>
+          </a:xfrm>
+          <a:prstGeom prst="rect">
+            <a:avLst/>
+          </a:prstGeom>
+        </p:spPr>
+        <p:txBody>
+          <a:bodyPr vert="horz" lIns="91440" tIns="45720" rIns="91440" bIns="45720" rtlCol="0" anchor="ctr">
+            <a:normAutofit/>
+          </a:bodyPr>
+          <a:lstStyle>
+            <a:lvl1pPr algn="l" defTabSz="457200" rtl="0" eaLnBrk="1" latinLnBrk="0" hangingPunct="1">
+              <a:spcBef>
+                <a:spcPct val="0"/>
+              </a:spcBef>
+              <a:buNone/>
+              <a:defRPr sz="4000" b="1" i="0" kern="1200">
+                <a:solidFill>
+                  <a:schemeClr val="tx1"/>
+                </a:solidFill>
+                <a:latin typeface="Source Sans Pro"/>
+                <a:ea typeface="+mj-ea"/>
+                <a:cs typeface="Source Sans Pro"/>
+              </a:defRPr>
+            </a:lvl1pPr>
+          </a:lstStyle>
+          <a:p>
+            <a:r>
+              <a:rPr lang="de-DE" sz="2400" dirty="0" smtClean="0"/>
+              <a:t>Eigene </a:t>
+            </a:r>
+            <a:r>
+              <a:rPr lang="de-DE" sz="2400" dirty="0"/>
+              <a:t>A</a:t>
+            </a:r>
+            <a:r>
+              <a:rPr lang="de-DE" sz="2400" dirty="0" smtClean="0"/>
+              <a:t>nsteuerungs-Mock-</a:t>
+            </a:r>
+            <a:r>
+              <a:rPr lang="de-DE" sz="2400" dirty="0" err="1" smtClean="0"/>
+              <a:t>Ups</a:t>
+            </a:r>
+            <a:endParaRPr lang="de-DE" sz="2400" dirty="0"/>
+          </a:p>
+        </p:txBody>
+      </p:sp>
+      <p:pic>
+        <p:nvPicPr>
+          <p:cNvPr id="8" name="Content Placeholder 7"/>
+          <p:cNvPicPr>
+            <a:picLocks noGrp="1" noChangeAspect="1"/>
+          </p:cNvPicPr>
+          <p:nvPr>
+            <p:ph idx="1"/>
+          </p:nvPr>
+        </p:nvPicPr>
+        <p:blipFill>
+          <a:blip r:embed="rId2">
+            <a:extLst>
+              <a:ext uri="{28A0092B-C50C-407E-A947-70E740481C1C}">
+                <a14:useLocalDpi xmlns:a14="http://schemas.microsoft.com/office/drawing/2010/main" val="0"/>
+              </a:ext>
+            </a:extLst>
+          </a:blip>
+          <a:stretch>
+            <a:fillRect/>
+          </a:stretch>
+        </p:blipFill>
+        <p:spPr>
+          <a:xfrm>
+            <a:off x="648000" y="1765407"/>
+            <a:ext cx="2313282" cy="4105275"/>
+          </a:xfrm>
+        </p:spPr>
+      </p:pic>
+      <p:pic>
+        <p:nvPicPr>
+          <p:cNvPr id="9" name="Picture 8"/>
+          <p:cNvPicPr>
+            <a:picLocks noChangeAspect="1"/>
+          </p:cNvPicPr>
+          <p:nvPr/>
+        </p:nvPicPr>
+        <p:blipFill>
+          <a:blip r:embed="rId3">
+            <a:extLst>
+              <a:ext uri="{28A0092B-C50C-407E-A947-70E740481C1C}">
+                <a14:useLocalDpi xmlns:a14="http://schemas.microsoft.com/office/drawing/2010/main" val="0"/>
+              </a:ext>
+            </a:extLst>
+          </a:blip>
+          <a:stretch>
+            <a:fillRect/>
+          </a:stretch>
+        </p:blipFill>
+        <p:spPr>
+          <a:xfrm>
+            <a:off x="3291840" y="1709967"/>
+            <a:ext cx="2048256" cy="4267200"/>
+          </a:xfrm>
+          <a:prstGeom prst="rect">
+            <a:avLst/>
+          </a:prstGeom>
+        </p:spPr>
+      </p:pic>
     </p:spTree>
     <p:extLst>
       <p:ext uri="{BB962C8B-B14F-4D97-AF65-F5344CB8AC3E}">
-        <p14:creationId xmlns:p14="http://schemas.microsoft.com/office/powerpoint/2010/main" val="1158474177"/>
+        <p14:creationId xmlns:p14="http://schemas.microsoft.com/office/powerpoint/2010/main" val="1455683435"/>
       </p:ext>
     </p:extLst>
   </p:cSld>
   <p:clrMapOvr>
     <a:masterClrMapping/>
   </p:clrMapOvr>
+  <p:timing>
+    <p:tnLst>
+      <p:par>
+        <p:cTn id="1" dur="indefinite" restart="never" nodeType="tmRoot"/>
+      </p:par>
+    </p:tnLst>
+  </p:timing>
 </p:sld>
 </file>
 
@@ -15432,96 +15577,6 @@
       </p:grpSpPr>
       <p:sp>
         <p:nvSpPr>
-          <p:cNvPr id="3" name="Inhaltsplatzhalter 2"/>
-          <p:cNvSpPr>
-            <a:spLocks noGrp="1"/>
-          </p:cNvSpPr>
-          <p:nvPr>
-            <p:ph idx="1"/>
-          </p:nvPr>
-        </p:nvSpPr>
-        <p:spPr/>
-        <p:txBody>
-          <a:bodyPr/>
-          <a:lstStyle/>
-          <a:p>
-            <a:r>
-              <a:rPr lang="de-DE" dirty="0" smtClean="0"/>
-              <a:t>Aktivrollstuhlfahrer brauchen keine zusätzlichen Steuerelemente</a:t>
-            </a:r>
-          </a:p>
-          <a:p>
-            <a:pPr lvl="1"/>
-            <a:r>
-              <a:rPr lang="de-DE" dirty="0" smtClean="0"/>
-              <a:t>Kein “erlernen“ der </a:t>
-            </a:r>
-            <a:r>
-              <a:rPr lang="de-DE" dirty="0" err="1" smtClean="0"/>
-              <a:t>Ansteueurng</a:t>
-            </a:r>
-            <a:endParaRPr lang="de-DE" dirty="0"/>
-          </a:p>
-          <a:p>
-            <a:pPr lvl="1"/>
-            <a:r>
-              <a:rPr lang="de-DE" dirty="0" smtClean="0"/>
-              <a:t>Adaption der Gewohnheiten</a:t>
-            </a:r>
-          </a:p>
-          <a:p>
-            <a:pPr lvl="1"/>
-            <a:r>
-              <a:rPr lang="de-DE" dirty="0" err="1" smtClean="0"/>
-              <a:t>eBike</a:t>
-            </a:r>
-            <a:r>
-              <a:rPr lang="de-DE" dirty="0" smtClean="0"/>
-              <a:t>/</a:t>
-            </a:r>
-            <a:r>
-              <a:rPr lang="de-DE" dirty="0" err="1" smtClean="0"/>
-              <a:t>Pedalec</a:t>
-            </a:r>
-            <a:r>
-              <a:rPr lang="de-DE" dirty="0" smtClean="0"/>
-              <a:t> Gedanke für:</a:t>
-            </a:r>
-          </a:p>
-          <a:p>
-            <a:pPr lvl="2"/>
-            <a:r>
-              <a:rPr lang="de-DE" dirty="0" smtClean="0"/>
-              <a:t>weiter Strecken</a:t>
-            </a:r>
-          </a:p>
-          <a:p>
-            <a:pPr lvl="2"/>
-            <a:r>
-              <a:rPr lang="de-DE" dirty="0" smtClean="0"/>
-              <a:t>große Steigungen</a:t>
-            </a:r>
-          </a:p>
-          <a:p>
-            <a:pPr lvl="1"/>
-            <a:r>
-              <a:rPr lang="de-DE" dirty="0" smtClean="0"/>
-              <a:t>Parameter: Unterstützungsgrad und </a:t>
-            </a:r>
-            <a:r>
-              <a:rPr lang="de-DE" i="1" dirty="0" err="1" smtClean="0"/>
-              <a:t>v</a:t>
-            </a:r>
-            <a:r>
-              <a:rPr lang="de-DE" i="1" baseline="-25000" dirty="0" err="1" smtClean="0"/>
-              <a:t>max</a:t>
-            </a:r>
-            <a:endParaRPr lang="de-DE" i="1" baseline="-25000" dirty="0"/>
-          </a:p>
-        </p:txBody>
-      </p:sp>
-      <p:sp>
-        <p:nvSpPr>
           <p:cNvPr id="4" name="Datumsplatzhalter 3"/>
           <p:cNvSpPr>
             <a:spLocks noGrp="1"/>
@@ -15654,6 +15709,436 @@
           <a:p>
             <a:r>
               <a:rPr lang="de-DE" sz="2400" dirty="0" smtClean="0"/>
+              <a:t>Ansteuerung über </a:t>
+            </a:r>
+            <a:r>
+              <a:rPr lang="de-DE" sz="2400" dirty="0" err="1" smtClean="0"/>
+              <a:t>Gyroskopsensor</a:t>
+            </a:r>
+            <a:r>
+              <a:rPr lang="de-DE" sz="2400" dirty="0" smtClean="0"/>
+              <a:t> </a:t>
+            </a:r>
+            <a:r>
+              <a:rPr lang="de-DE" sz="2400" b="0" dirty="0" smtClean="0"/>
+              <a:t>(iPhone)</a:t>
+            </a:r>
+            <a:endParaRPr lang="de-DE" sz="2400" b="0" dirty="0"/>
+          </a:p>
+        </p:txBody>
+      </p:sp>
+      <p:pic>
+        <p:nvPicPr>
+          <p:cNvPr id="2" name="Picture 1"/>
+          <p:cNvPicPr>
+            <a:picLocks noChangeAspect="1"/>
+          </p:cNvPicPr>
+          <p:nvPr/>
+        </p:nvPicPr>
+        <p:blipFill>
+          <a:blip r:embed="rId2"/>
+          <a:stretch>
+            <a:fillRect/>
+          </a:stretch>
+        </p:blipFill>
+        <p:spPr>
+          <a:xfrm>
+            <a:off x="648000" y="1574800"/>
+            <a:ext cx="3791713" cy="4423666"/>
+          </a:xfrm>
+          <a:prstGeom prst="rect">
+            <a:avLst/>
+          </a:prstGeom>
+        </p:spPr>
+      </p:pic>
+    </p:spTree>
+    <p:extLst>
+      <p:ext uri="{BB962C8B-B14F-4D97-AF65-F5344CB8AC3E}">
+        <p14:creationId xmlns:p14="http://schemas.microsoft.com/office/powerpoint/2010/main" val="1593443979"/>
+      </p:ext>
+    </p:extLst>
+  </p:cSld>
+  <p:clrMapOvr>
+    <a:masterClrMapping/>
+  </p:clrMapOvr>
+  <p:timing>
+    <p:tnLst>
+      <p:par>
+        <p:cTn id="1" dur="indefinite" restart="never" nodeType="tmRoot"/>
+      </p:par>
+    </p:tnLst>
+  </p:timing>
+</p:sld>
+</file>
+
+<file path=ppt/slides/slide33.xml><?xml version="1.0" encoding="utf-8"?>
+<p:sld xmlns:a="http://schemas.openxmlformats.org/drawingml/2006/main" xmlns:r="http://schemas.openxmlformats.org/officeDocument/2006/relationships" xmlns:p="http://schemas.openxmlformats.org/presentationml/2006/main">
+  <p:cSld>
+    <p:spTree>
+      <p:nvGrpSpPr>
+        <p:cNvPr id="1" name=""/>
+        <p:cNvGrpSpPr/>
+        <p:nvPr/>
+      </p:nvGrpSpPr>
+      <p:grpSpPr>
+        <a:xfrm>
+          <a:off x="0" y="0"/>
+          <a:ext cx="0" cy="0"/>
+          <a:chOff x="0" y="0"/>
+          <a:chExt cx="0" cy="0"/>
+        </a:xfrm>
+      </p:grpSpPr>
+      <p:sp>
+        <p:nvSpPr>
+          <p:cNvPr id="2" name="Titel 1"/>
+          <p:cNvSpPr>
+            <a:spLocks noGrp="1"/>
+          </p:cNvSpPr>
+          <p:nvPr>
+            <p:ph type="ctrTitle"/>
+          </p:nvPr>
+        </p:nvSpPr>
+        <p:spPr/>
+        <p:txBody>
+          <a:bodyPr/>
+          <a:lstStyle/>
+          <a:p>
+            <a:r>
+              <a:rPr lang="de-DE" dirty="0" smtClean="0"/>
+              <a:t>Interaktionskonzept	</a:t>
+            </a:r>
+            <a:endParaRPr lang="de-DE" dirty="0"/>
+          </a:p>
+        </p:txBody>
+      </p:sp>
+      <p:sp>
+        <p:nvSpPr>
+          <p:cNvPr id="3" name="Untertitel 2"/>
+          <p:cNvSpPr>
+            <a:spLocks noGrp="1"/>
+          </p:cNvSpPr>
+          <p:nvPr>
+            <p:ph type="subTitle" idx="1"/>
+          </p:nvPr>
+        </p:nvSpPr>
+        <p:spPr/>
+        <p:txBody>
+          <a:bodyPr>
+            <a:normAutofit/>
+          </a:bodyPr>
+          <a:lstStyle/>
+          <a:p>
+            <a:r>
+              <a:rPr lang="de-DE" sz="2400" dirty="0" smtClean="0"/>
+              <a:t>Alternatives Ansteuerungskonzept</a:t>
+            </a:r>
+            <a:r>
+              <a:rPr lang="de-DE" sz="2400" dirty="0" smtClean="0"/>
+              <a:t>:</a:t>
+            </a:r>
+            <a:br>
+              <a:rPr lang="de-DE" sz="2400" dirty="0" smtClean="0"/>
+            </a:br>
+            <a:r>
+              <a:rPr lang="de-DE" sz="2400" b="1" dirty="0" smtClean="0"/>
+              <a:t>Steuerung über Handlauf</a:t>
+            </a:r>
+            <a:endParaRPr lang="de-DE" sz="2400" b="1" dirty="0" smtClean="0"/>
+          </a:p>
+        </p:txBody>
+      </p:sp>
+      <p:sp>
+        <p:nvSpPr>
+          <p:cNvPr id="4" name="TextBox 3"/>
+          <p:cNvSpPr txBox="1"/>
+          <p:nvPr/>
+        </p:nvSpPr>
+        <p:spPr>
+          <a:xfrm>
+            <a:off x="3677878" y="6437376"/>
+            <a:ext cx="1460656" cy="253916"/>
+          </a:xfrm>
+          <a:prstGeom prst="rect">
+            <a:avLst/>
+          </a:prstGeom>
+          <a:noFill/>
+        </p:spPr>
+        <p:txBody>
+          <a:bodyPr wrap="none" rtlCol="0">
+            <a:spAutoFit/>
+          </a:bodyPr>
+          <a:lstStyle/>
+          <a:p>
+            <a:pPr algn="ctr"/>
+            <a:r>
+              <a:rPr lang="en-US" sz="1050" dirty="0" smtClean="0"/>
+              <a:t>HSHL – ITD 6. </a:t>
+            </a:r>
+            <a:r>
+              <a:rPr lang="en-US" sz="1050" dirty="0" smtClean="0"/>
+              <a:t>Semester</a:t>
+            </a:r>
+            <a:endParaRPr lang="en-US" sz="1050" dirty="0"/>
+          </a:p>
+        </p:txBody>
+      </p:sp>
+    </p:spTree>
+    <p:extLst>
+      <p:ext uri="{BB962C8B-B14F-4D97-AF65-F5344CB8AC3E}">
+        <p14:creationId xmlns:p14="http://schemas.microsoft.com/office/powerpoint/2010/main" val="1158474177"/>
+      </p:ext>
+    </p:extLst>
+  </p:cSld>
+  <p:clrMapOvr>
+    <a:masterClrMapping/>
+  </p:clrMapOvr>
+  <p:timing>
+    <p:tnLst>
+      <p:par>
+        <p:cTn id="1" dur="indefinite" restart="never" nodeType="tmRoot"/>
+      </p:par>
+    </p:tnLst>
+  </p:timing>
+</p:sld>
+</file>
+
+<file path=ppt/slides/slide34.xml><?xml version="1.0" encoding="utf-8"?>
+<p:sld xmlns:a="http://schemas.openxmlformats.org/drawingml/2006/main" xmlns:r="http://schemas.openxmlformats.org/officeDocument/2006/relationships" xmlns:p="http://schemas.openxmlformats.org/presentationml/2006/main">
+  <p:cSld>
+    <p:spTree>
+      <p:nvGrpSpPr>
+        <p:cNvPr id="1" name=""/>
+        <p:cNvGrpSpPr/>
+        <p:nvPr/>
+      </p:nvGrpSpPr>
+      <p:grpSpPr>
+        <a:xfrm>
+          <a:off x="0" y="0"/>
+          <a:ext cx="0" cy="0"/>
+          <a:chOff x="0" y="0"/>
+          <a:chExt cx="0" cy="0"/>
+        </a:xfrm>
+      </p:grpSpPr>
+      <p:sp>
+        <p:nvSpPr>
+          <p:cNvPr id="3" name="Inhaltsplatzhalter 2"/>
+          <p:cNvSpPr>
+            <a:spLocks noGrp="1"/>
+          </p:cNvSpPr>
+          <p:nvPr>
+            <p:ph idx="1"/>
+          </p:nvPr>
+        </p:nvSpPr>
+        <p:spPr/>
+        <p:txBody>
+          <a:bodyPr/>
+          <a:lstStyle/>
+          <a:p>
+            <a:r>
+              <a:rPr lang="de-DE" dirty="0" smtClean="0"/>
+              <a:t>Aktivrollstuhlfahrer brauchen keine zusätzlichen Steuerelemente</a:t>
+            </a:r>
+          </a:p>
+          <a:p>
+            <a:pPr lvl="1"/>
+            <a:r>
+              <a:rPr lang="de-DE" dirty="0" smtClean="0"/>
+              <a:t>Kein “erlernen“ der Ansteuerung</a:t>
+            </a:r>
+            <a:endParaRPr lang="de-DE" dirty="0"/>
+          </a:p>
+          <a:p>
+            <a:pPr lvl="1"/>
+            <a:r>
+              <a:rPr lang="de-DE" dirty="0" smtClean="0"/>
+              <a:t>Adaption der Gewohnheiten</a:t>
+            </a:r>
+          </a:p>
+          <a:p>
+            <a:pPr lvl="1"/>
+            <a:r>
+              <a:rPr lang="de-DE" dirty="0" err="1" smtClean="0"/>
+              <a:t>eBike</a:t>
+            </a:r>
+            <a:r>
+              <a:rPr lang="de-DE" dirty="0" smtClean="0"/>
+              <a:t>/</a:t>
+            </a:r>
+            <a:r>
+              <a:rPr lang="de-DE" dirty="0" err="1" smtClean="0"/>
+              <a:t>Pedalec</a:t>
+            </a:r>
+            <a:r>
+              <a:rPr lang="de-DE" dirty="0" smtClean="0"/>
+              <a:t> Gedanke für:</a:t>
+            </a:r>
+          </a:p>
+          <a:p>
+            <a:pPr lvl="2"/>
+            <a:r>
+              <a:rPr lang="de-DE" dirty="0" smtClean="0"/>
+              <a:t>weiter Strecken</a:t>
+            </a:r>
+          </a:p>
+          <a:p>
+            <a:pPr lvl="2"/>
+            <a:r>
+              <a:rPr lang="de-DE" dirty="0" smtClean="0"/>
+              <a:t>große Steigungen</a:t>
+            </a:r>
+          </a:p>
+          <a:p>
+            <a:pPr lvl="1"/>
+            <a:r>
+              <a:rPr lang="de-DE" dirty="0" smtClean="0"/>
+              <a:t>Parameter: Unterstützungsgrad und </a:t>
+            </a:r>
+            <a:r>
+              <a:rPr lang="de-DE" i="1" dirty="0" err="1" smtClean="0"/>
+              <a:t>v</a:t>
+            </a:r>
+            <a:r>
+              <a:rPr lang="de-DE" i="1" baseline="-25000" dirty="0" err="1" smtClean="0"/>
+              <a:t>max</a:t>
+            </a:r>
+            <a:endParaRPr lang="de-DE" i="1" baseline="-25000" dirty="0"/>
+          </a:p>
+        </p:txBody>
+      </p:sp>
+      <p:sp>
+        <p:nvSpPr>
+          <p:cNvPr id="4" name="Datumsplatzhalter 3"/>
+          <p:cNvSpPr>
+            <a:spLocks noGrp="1"/>
+          </p:cNvSpPr>
+          <p:nvPr>
+            <p:ph type="dt" sz="half" idx="2"/>
+          </p:nvPr>
+        </p:nvSpPr>
+        <p:spPr/>
+        <p:txBody>
+          <a:bodyPr/>
+          <a:lstStyle/>
+          <a:p>
+            <a:fld id="{C916D949-773C-3845-BFBA-C7D9987445EE}" type="datetime1">
+              <a:rPr lang="de-DE" smtClean="0"/>
+              <a:t>24.07.18</a:t>
+            </a:fld>
+            <a:endParaRPr lang="de-DE" dirty="0"/>
+          </a:p>
+        </p:txBody>
+      </p:sp>
+      <p:sp>
+        <p:nvSpPr>
+          <p:cNvPr id="5" name="Foliennummernplatzhalter 4"/>
+          <p:cNvSpPr>
+            <a:spLocks noGrp="1"/>
+          </p:cNvSpPr>
+          <p:nvPr>
+            <p:ph type="sldNum" sz="quarter" idx="4"/>
+          </p:nvPr>
+        </p:nvSpPr>
+        <p:spPr/>
+        <p:txBody>
+          <a:bodyPr/>
+          <a:lstStyle/>
+          <a:p>
+            <a:fld id="{E7BE1CCD-89A0-CC45-BF3E-2A331A7F0490}" type="slidenum">
+              <a:rPr lang="de-DE" smtClean="0"/>
+              <a:pPr/>
+              <a:t>34</a:t>
+            </a:fld>
+            <a:endParaRPr lang="de-DE" dirty="0"/>
+          </a:p>
+        </p:txBody>
+      </p:sp>
+      <p:sp>
+        <p:nvSpPr>
+          <p:cNvPr id="6" name="TextBox 5"/>
+          <p:cNvSpPr txBox="1"/>
+          <p:nvPr/>
+        </p:nvSpPr>
+        <p:spPr>
+          <a:xfrm>
+            <a:off x="2042013" y="6437376"/>
+            <a:ext cx="4732386" cy="253916"/>
+          </a:xfrm>
+          <a:prstGeom prst="rect">
+            <a:avLst/>
+          </a:prstGeom>
+          <a:noFill/>
+        </p:spPr>
+        <p:txBody>
+          <a:bodyPr wrap="none" rtlCol="0">
+            <a:spAutoFit/>
+          </a:bodyPr>
+          <a:lstStyle/>
+          <a:p>
+            <a:pPr algn="ctr"/>
+            <a:r>
+              <a:rPr lang="en-US" sz="1050" dirty="0" smtClean="0"/>
+              <a:t>HSHL – ITD 6. Semester </a:t>
+            </a:r>
+            <a:r>
+              <a:rPr lang="mr-IN" sz="1050" dirty="0" smtClean="0"/>
+              <a:t>–</a:t>
+            </a:r>
+            <a:r>
+              <a:rPr lang="en-US" sz="1050" dirty="0" smtClean="0"/>
+              <a:t> Christopher Beck, Daniel </a:t>
+            </a:r>
+            <a:r>
+              <a:rPr lang="en-US" sz="1050" dirty="0" err="1" smtClean="0"/>
+              <a:t>Münstermann</a:t>
+            </a:r>
+            <a:r>
+              <a:rPr lang="en-US" sz="1050" dirty="0" smtClean="0"/>
+              <a:t>, Alexander Wilms</a:t>
+            </a:r>
+            <a:endParaRPr lang="en-US" sz="1050" dirty="0"/>
+          </a:p>
+        </p:txBody>
+      </p:sp>
+      <p:sp>
+        <p:nvSpPr>
+          <p:cNvPr id="7" name="Titel 1"/>
+          <p:cNvSpPr txBox="1">
+            <a:spLocks/>
+          </p:cNvSpPr>
+          <p:nvPr/>
+        </p:nvSpPr>
+        <p:spPr>
+          <a:xfrm>
+            <a:off x="648001" y="768252"/>
+            <a:ext cx="7520410" cy="941715"/>
+          </a:xfrm>
+          <a:prstGeom prst="rect">
+            <a:avLst/>
+          </a:prstGeom>
+        </p:spPr>
+        <p:txBody>
+          <a:bodyPr vert="horz" lIns="91440" tIns="45720" rIns="91440" bIns="45720" rtlCol="0" anchor="ctr">
+            <a:normAutofit/>
+          </a:bodyPr>
+          <a:lstStyle>
+            <a:lvl1pPr algn="l" defTabSz="457200" rtl="0" eaLnBrk="1" latinLnBrk="0" hangingPunct="1">
+              <a:spcBef>
+                <a:spcPct val="0"/>
+              </a:spcBef>
+              <a:buNone/>
+              <a:defRPr sz="4000" b="1" i="0" kern="1200">
+                <a:solidFill>
+                  <a:schemeClr val="tx1"/>
+                </a:solidFill>
+                <a:latin typeface="Source Sans Pro"/>
+                <a:ea typeface="+mj-ea"/>
+                <a:cs typeface="Source Sans Pro"/>
+              </a:defRPr>
+            </a:lvl1pPr>
+          </a:lstStyle>
+          <a:p>
+            <a:r>
+              <a:rPr lang="de-DE" sz="2400" dirty="0" smtClean="0"/>
               <a:t>Idee basiert auf dem Experteninterview mit Philipp</a:t>
             </a:r>
             <a:endParaRPr lang="de-DE" sz="2400" dirty="0"/>
@@ -15664,6 +16149,1221 @@
     <p:extLst>
       <p:ext uri="{BB962C8B-B14F-4D97-AF65-F5344CB8AC3E}">
         <p14:creationId xmlns:p14="http://schemas.microsoft.com/office/powerpoint/2010/main" val="2037306567"/>
+      </p:ext>
+    </p:extLst>
+  </p:cSld>
+  <p:clrMapOvr>
+    <a:masterClrMapping/>
+  </p:clrMapOvr>
+  <p:timing>
+    <p:tnLst>
+      <p:par>
+        <p:cTn id="1" dur="indefinite" restart="never" nodeType="tmRoot"/>
+      </p:par>
+    </p:tnLst>
+  </p:timing>
+</p:sld>
+</file>
+
+<file path=ppt/slides/slide35.xml><?xml version="1.0" encoding="utf-8"?>
+<p:sld xmlns:a="http://schemas.openxmlformats.org/drawingml/2006/main" xmlns:r="http://schemas.openxmlformats.org/officeDocument/2006/relationships" xmlns:p="http://schemas.openxmlformats.org/presentationml/2006/main">
+  <p:cSld>
+    <p:spTree>
+      <p:nvGrpSpPr>
+        <p:cNvPr id="1" name=""/>
+        <p:cNvGrpSpPr/>
+        <p:nvPr/>
+      </p:nvGrpSpPr>
+      <p:grpSpPr>
+        <a:xfrm>
+          <a:off x="0" y="0"/>
+          <a:ext cx="0" cy="0"/>
+          <a:chOff x="0" y="0"/>
+          <a:chExt cx="0" cy="0"/>
+        </a:xfrm>
+      </p:grpSpPr>
+      <p:sp>
+        <p:nvSpPr>
+          <p:cNvPr id="4" name="Datumsplatzhalter 3"/>
+          <p:cNvSpPr>
+            <a:spLocks noGrp="1"/>
+          </p:cNvSpPr>
+          <p:nvPr>
+            <p:ph type="dt" sz="half" idx="2"/>
+          </p:nvPr>
+        </p:nvSpPr>
+        <p:spPr/>
+        <p:txBody>
+          <a:bodyPr/>
+          <a:lstStyle/>
+          <a:p>
+            <a:fld id="{C916D949-773C-3845-BFBA-C7D9987445EE}" type="datetime1">
+              <a:rPr lang="de-DE" smtClean="0"/>
+              <a:t>24.07.18</a:t>
+            </a:fld>
+            <a:endParaRPr lang="de-DE" dirty="0"/>
+          </a:p>
+        </p:txBody>
+      </p:sp>
+      <p:sp>
+        <p:nvSpPr>
+          <p:cNvPr id="5" name="Foliennummernplatzhalter 4"/>
+          <p:cNvSpPr>
+            <a:spLocks noGrp="1"/>
+          </p:cNvSpPr>
+          <p:nvPr>
+            <p:ph type="sldNum" sz="quarter" idx="4"/>
+          </p:nvPr>
+        </p:nvSpPr>
+        <p:spPr/>
+        <p:txBody>
+          <a:bodyPr/>
+          <a:lstStyle/>
+          <a:p>
+            <a:fld id="{E7BE1CCD-89A0-CC45-BF3E-2A331A7F0490}" type="slidenum">
+              <a:rPr lang="de-DE" smtClean="0"/>
+              <a:pPr/>
+              <a:t>35</a:t>
+            </a:fld>
+            <a:endParaRPr lang="de-DE" dirty="0"/>
+          </a:p>
+        </p:txBody>
+      </p:sp>
+      <p:sp>
+        <p:nvSpPr>
+          <p:cNvPr id="6" name="TextBox 5"/>
+          <p:cNvSpPr txBox="1"/>
+          <p:nvPr/>
+        </p:nvSpPr>
+        <p:spPr>
+          <a:xfrm>
+            <a:off x="2042013" y="6437376"/>
+            <a:ext cx="4732386" cy="253916"/>
+          </a:xfrm>
+          <a:prstGeom prst="rect">
+            <a:avLst/>
+          </a:prstGeom>
+          <a:noFill/>
+        </p:spPr>
+        <p:txBody>
+          <a:bodyPr wrap="none" rtlCol="0">
+            <a:spAutoFit/>
+          </a:bodyPr>
+          <a:lstStyle/>
+          <a:p>
+            <a:pPr algn="ctr"/>
+            <a:r>
+              <a:rPr lang="en-US" sz="1050" dirty="0" smtClean="0"/>
+              <a:t>HSHL – ITD 6. Semester </a:t>
+            </a:r>
+            <a:r>
+              <a:rPr lang="mr-IN" sz="1050" dirty="0" smtClean="0"/>
+              <a:t>–</a:t>
+            </a:r>
+            <a:r>
+              <a:rPr lang="en-US" sz="1050" dirty="0" smtClean="0"/>
+              <a:t> Christopher Beck, Daniel </a:t>
+            </a:r>
+            <a:r>
+              <a:rPr lang="en-US" sz="1050" dirty="0" err="1" smtClean="0"/>
+              <a:t>Münstermann</a:t>
+            </a:r>
+            <a:r>
+              <a:rPr lang="en-US" sz="1050" dirty="0" smtClean="0"/>
+              <a:t>, Alexander Wilms</a:t>
+            </a:r>
+            <a:endParaRPr lang="en-US" sz="1050" dirty="0"/>
+          </a:p>
+        </p:txBody>
+      </p:sp>
+      <p:sp>
+        <p:nvSpPr>
+          <p:cNvPr id="7" name="Titel 1"/>
+          <p:cNvSpPr txBox="1">
+            <a:spLocks/>
+          </p:cNvSpPr>
+          <p:nvPr/>
+        </p:nvSpPr>
+        <p:spPr>
+          <a:xfrm>
+            <a:off x="648001" y="768252"/>
+            <a:ext cx="7520410" cy="941715"/>
+          </a:xfrm>
+          <a:prstGeom prst="rect">
+            <a:avLst/>
+          </a:prstGeom>
+        </p:spPr>
+        <p:txBody>
+          <a:bodyPr vert="horz" lIns="91440" tIns="45720" rIns="91440" bIns="45720" rtlCol="0" anchor="ctr">
+            <a:normAutofit/>
+          </a:bodyPr>
+          <a:lstStyle>
+            <a:lvl1pPr algn="l" defTabSz="457200" rtl="0" eaLnBrk="1" latinLnBrk="0" hangingPunct="1">
+              <a:spcBef>
+                <a:spcPct val="0"/>
+              </a:spcBef>
+              <a:buNone/>
+              <a:defRPr sz="4000" b="1" i="0" kern="1200">
+                <a:solidFill>
+                  <a:schemeClr val="tx1"/>
+                </a:solidFill>
+                <a:latin typeface="Source Sans Pro"/>
+                <a:ea typeface="+mj-ea"/>
+                <a:cs typeface="Source Sans Pro"/>
+              </a:defRPr>
+            </a:lvl1pPr>
+          </a:lstStyle>
+          <a:p>
+            <a:r>
+              <a:rPr lang="de-DE" sz="2400" dirty="0" smtClean="0"/>
+              <a:t>Ansteuerung über Handlauf</a:t>
+            </a:r>
+            <a:endParaRPr lang="de-DE" sz="2400" dirty="0"/>
+          </a:p>
+        </p:txBody>
+      </p:sp>
+      <p:pic>
+        <p:nvPicPr>
+          <p:cNvPr id="2" name="Picture 1"/>
+          <p:cNvPicPr>
+            <a:picLocks noChangeAspect="1"/>
+          </p:cNvPicPr>
+          <p:nvPr/>
+        </p:nvPicPr>
+        <p:blipFill>
+          <a:blip r:embed="rId2"/>
+          <a:stretch>
+            <a:fillRect/>
+          </a:stretch>
+        </p:blipFill>
+        <p:spPr>
+          <a:xfrm>
+            <a:off x="6553200" y="1239109"/>
+            <a:ext cx="2590800" cy="1943100"/>
+          </a:xfrm>
+          <a:prstGeom prst="rect">
+            <a:avLst/>
+          </a:prstGeom>
+        </p:spPr>
+      </p:pic>
+      <p:sp>
+        <p:nvSpPr>
+          <p:cNvPr id="8" name="Content Placeholder 7"/>
+          <p:cNvSpPr>
+            <a:spLocks noGrp="1"/>
+          </p:cNvSpPr>
+          <p:nvPr>
+            <p:ph idx="1"/>
+          </p:nvPr>
+        </p:nvSpPr>
+        <p:spPr>
+          <a:xfrm>
+            <a:off x="648000" y="2021180"/>
+            <a:ext cx="7675432" cy="4104983"/>
+          </a:xfrm>
+        </p:spPr>
+        <p:txBody>
+          <a:bodyPr>
+            <a:normAutofit/>
+          </a:bodyPr>
+          <a:lstStyle/>
+          <a:p>
+            <a:r>
+              <a:rPr lang="en-US" sz="2800" dirty="0" err="1" smtClean="0"/>
+              <a:t>Herausforderung</a:t>
+            </a:r>
+            <a:r>
+              <a:rPr lang="en-US" sz="2800" dirty="0" smtClean="0"/>
+              <a:t>:</a:t>
+            </a:r>
+          </a:p>
+          <a:p>
+            <a:pPr lvl="1"/>
+            <a:r>
+              <a:rPr lang="en-US" sz="2400" dirty="0" err="1" smtClean="0"/>
+              <a:t>Drehzahländerung</a:t>
+            </a:r>
+            <a:r>
+              <a:rPr lang="en-US" sz="2400" dirty="0" smtClean="0"/>
+              <a:t> </a:t>
+            </a:r>
+            <a:r>
+              <a:rPr lang="en-US" sz="2400" dirty="0" err="1" smtClean="0"/>
+              <a:t>auslesen</a:t>
+            </a:r>
+            <a:r>
+              <a:rPr lang="en-US" sz="2400" dirty="0" smtClean="0"/>
+              <a:t> </a:t>
+            </a:r>
+          </a:p>
+          <a:p>
+            <a:pPr lvl="2"/>
+            <a:r>
+              <a:rPr lang="en-US" sz="2000" dirty="0" smtClean="0"/>
+              <a:t>(</a:t>
+            </a:r>
+            <a:r>
+              <a:rPr lang="en-US" sz="2000" dirty="0" err="1" smtClean="0"/>
+              <a:t>Hallsensor</a:t>
+            </a:r>
+            <a:r>
+              <a:rPr lang="en-US" sz="2000" dirty="0" smtClean="0"/>
+              <a:t>)</a:t>
+            </a:r>
+          </a:p>
+          <a:p>
+            <a:pPr lvl="2"/>
+            <a:r>
+              <a:rPr lang="en-US" sz="2000" dirty="0" smtClean="0"/>
+              <a:t>Impulse </a:t>
+            </a:r>
+            <a:r>
+              <a:rPr lang="en-US" sz="2000" dirty="0" err="1" smtClean="0"/>
+              <a:t>auslesen</a:t>
+            </a:r>
+            <a:r>
+              <a:rPr lang="en-US" sz="2000" dirty="0" smtClean="0"/>
+              <a:t> </a:t>
+            </a:r>
+            <a:r>
+              <a:rPr lang="en-US" sz="2000" dirty="0" smtClean="0">
+                <a:sym typeface="Wingdings"/>
+              </a:rPr>
+              <a:t> Peaks </a:t>
+            </a:r>
+            <a:r>
+              <a:rPr lang="en-US" sz="2000" dirty="0" err="1" smtClean="0">
+                <a:sym typeface="Wingdings"/>
+              </a:rPr>
+              <a:t>hoch</a:t>
+            </a:r>
+            <a:r>
+              <a:rPr lang="en-US" sz="2000" dirty="0" smtClean="0">
+                <a:sym typeface="Wingdings"/>
+              </a:rPr>
+              <a:t> </a:t>
+            </a:r>
+            <a:r>
+              <a:rPr lang="en-US" sz="2000" dirty="0" err="1" smtClean="0">
+                <a:sym typeface="Wingdings"/>
+              </a:rPr>
+              <a:t>genug</a:t>
+            </a:r>
+            <a:r>
+              <a:rPr lang="en-US" sz="2000" dirty="0" smtClean="0">
+                <a:sym typeface="Wingdings"/>
+              </a:rPr>
+              <a:t>?</a:t>
+            </a:r>
+            <a:endParaRPr lang="en-US" sz="2000" dirty="0"/>
+          </a:p>
+        </p:txBody>
+      </p:sp>
+      <p:pic>
+        <p:nvPicPr>
+          <p:cNvPr id="11" name="Picture 10"/>
+          <p:cNvPicPr>
+            <a:picLocks noChangeAspect="1"/>
+          </p:cNvPicPr>
+          <p:nvPr/>
+        </p:nvPicPr>
+        <p:blipFill>
+          <a:blip r:embed="rId3"/>
+          <a:stretch>
+            <a:fillRect/>
+          </a:stretch>
+        </p:blipFill>
+        <p:spPr>
+          <a:xfrm>
+            <a:off x="121921" y="3176331"/>
+            <a:ext cx="2806246" cy="3005271"/>
+          </a:xfrm>
+          <a:prstGeom prst="rect">
+            <a:avLst/>
+          </a:prstGeom>
+        </p:spPr>
+      </p:pic>
+      <p:pic>
+        <p:nvPicPr>
+          <p:cNvPr id="12" name="Picture 11"/>
+          <p:cNvPicPr>
+            <a:picLocks noChangeAspect="1"/>
+          </p:cNvPicPr>
+          <p:nvPr/>
+        </p:nvPicPr>
+        <p:blipFill>
+          <a:blip r:embed="rId4"/>
+          <a:stretch>
+            <a:fillRect/>
+          </a:stretch>
+        </p:blipFill>
+        <p:spPr>
+          <a:xfrm>
+            <a:off x="3165347" y="4469892"/>
+            <a:ext cx="2194865" cy="577596"/>
+          </a:xfrm>
+          <a:prstGeom prst="rect">
+            <a:avLst/>
+          </a:prstGeom>
+        </p:spPr>
+      </p:pic>
+    </p:spTree>
+    <p:extLst>
+      <p:ext uri="{BB962C8B-B14F-4D97-AF65-F5344CB8AC3E}">
+        <p14:creationId xmlns:p14="http://schemas.microsoft.com/office/powerpoint/2010/main" val="530915606"/>
+      </p:ext>
+    </p:extLst>
+  </p:cSld>
+  <p:clrMapOvr>
+    <a:masterClrMapping/>
+  </p:clrMapOvr>
+  <p:timing>
+    <p:tnLst>
+      <p:par>
+        <p:cTn id="1" dur="indefinite" restart="never" nodeType="tmRoot"/>
+      </p:par>
+    </p:tnLst>
+  </p:timing>
+</p:sld>
+</file>
+
+<file path=ppt/slides/slide36.xml><?xml version="1.0" encoding="utf-8"?>
+<p:sld xmlns:a="http://schemas.openxmlformats.org/drawingml/2006/main" xmlns:r="http://schemas.openxmlformats.org/officeDocument/2006/relationships" xmlns:p="http://schemas.openxmlformats.org/presentationml/2006/main">
+  <p:cSld>
+    <p:spTree>
+      <p:nvGrpSpPr>
+        <p:cNvPr id="1" name=""/>
+        <p:cNvGrpSpPr/>
+        <p:nvPr/>
+      </p:nvGrpSpPr>
+      <p:grpSpPr>
+        <a:xfrm>
+          <a:off x="0" y="0"/>
+          <a:ext cx="0" cy="0"/>
+          <a:chOff x="0" y="0"/>
+          <a:chExt cx="0" cy="0"/>
+        </a:xfrm>
+      </p:grpSpPr>
+      <p:sp>
+        <p:nvSpPr>
+          <p:cNvPr id="4" name="Datumsplatzhalter 3"/>
+          <p:cNvSpPr>
+            <a:spLocks noGrp="1"/>
+          </p:cNvSpPr>
+          <p:nvPr>
+            <p:ph type="dt" sz="half" idx="2"/>
+          </p:nvPr>
+        </p:nvSpPr>
+        <p:spPr/>
+        <p:txBody>
+          <a:bodyPr/>
+          <a:lstStyle/>
+          <a:p>
+            <a:fld id="{C916D949-773C-3845-BFBA-C7D9987445EE}" type="datetime1">
+              <a:rPr lang="de-DE" smtClean="0"/>
+              <a:t>24.07.18</a:t>
+            </a:fld>
+            <a:endParaRPr lang="de-DE" dirty="0"/>
+          </a:p>
+        </p:txBody>
+      </p:sp>
+      <p:sp>
+        <p:nvSpPr>
+          <p:cNvPr id="5" name="Foliennummernplatzhalter 4"/>
+          <p:cNvSpPr>
+            <a:spLocks noGrp="1"/>
+          </p:cNvSpPr>
+          <p:nvPr>
+            <p:ph type="sldNum" sz="quarter" idx="4"/>
+          </p:nvPr>
+        </p:nvSpPr>
+        <p:spPr/>
+        <p:txBody>
+          <a:bodyPr/>
+          <a:lstStyle/>
+          <a:p>
+            <a:fld id="{E7BE1CCD-89A0-CC45-BF3E-2A331A7F0490}" type="slidenum">
+              <a:rPr lang="de-DE" smtClean="0"/>
+              <a:pPr/>
+              <a:t>36</a:t>
+            </a:fld>
+            <a:endParaRPr lang="de-DE" dirty="0"/>
+          </a:p>
+        </p:txBody>
+      </p:sp>
+      <p:sp>
+        <p:nvSpPr>
+          <p:cNvPr id="6" name="TextBox 5"/>
+          <p:cNvSpPr txBox="1"/>
+          <p:nvPr/>
+        </p:nvSpPr>
+        <p:spPr>
+          <a:xfrm>
+            <a:off x="2042013" y="6437376"/>
+            <a:ext cx="4732386" cy="253916"/>
+          </a:xfrm>
+          <a:prstGeom prst="rect">
+            <a:avLst/>
+          </a:prstGeom>
+          <a:noFill/>
+        </p:spPr>
+        <p:txBody>
+          <a:bodyPr wrap="none" rtlCol="0">
+            <a:spAutoFit/>
+          </a:bodyPr>
+          <a:lstStyle/>
+          <a:p>
+            <a:pPr algn="ctr"/>
+            <a:r>
+              <a:rPr lang="en-US" sz="1050" dirty="0" smtClean="0"/>
+              <a:t>HSHL – ITD 6. Semester </a:t>
+            </a:r>
+            <a:r>
+              <a:rPr lang="mr-IN" sz="1050" dirty="0" smtClean="0"/>
+              <a:t>–</a:t>
+            </a:r>
+            <a:r>
+              <a:rPr lang="en-US" sz="1050" dirty="0" smtClean="0"/>
+              <a:t> Christopher Beck, Daniel </a:t>
+            </a:r>
+            <a:r>
+              <a:rPr lang="en-US" sz="1050" dirty="0" err="1" smtClean="0"/>
+              <a:t>Münstermann</a:t>
+            </a:r>
+            <a:r>
+              <a:rPr lang="en-US" sz="1050" dirty="0" smtClean="0"/>
+              <a:t>, Alexander Wilms</a:t>
+            </a:r>
+            <a:endParaRPr lang="en-US" sz="1050" dirty="0"/>
+          </a:p>
+        </p:txBody>
+      </p:sp>
+      <p:sp>
+        <p:nvSpPr>
+          <p:cNvPr id="7" name="Titel 1"/>
+          <p:cNvSpPr txBox="1">
+            <a:spLocks/>
+          </p:cNvSpPr>
+          <p:nvPr/>
+        </p:nvSpPr>
+        <p:spPr>
+          <a:xfrm>
+            <a:off x="648001" y="768252"/>
+            <a:ext cx="7520410" cy="941715"/>
+          </a:xfrm>
+          <a:prstGeom prst="rect">
+            <a:avLst/>
+          </a:prstGeom>
+        </p:spPr>
+        <p:txBody>
+          <a:bodyPr vert="horz" lIns="91440" tIns="45720" rIns="91440" bIns="45720" rtlCol="0" anchor="ctr">
+            <a:normAutofit/>
+          </a:bodyPr>
+          <a:lstStyle>
+            <a:lvl1pPr algn="l" defTabSz="457200" rtl="0" eaLnBrk="1" latinLnBrk="0" hangingPunct="1">
+              <a:spcBef>
+                <a:spcPct val="0"/>
+              </a:spcBef>
+              <a:buNone/>
+              <a:defRPr sz="4000" b="1" i="0" kern="1200">
+                <a:solidFill>
+                  <a:schemeClr val="tx1"/>
+                </a:solidFill>
+                <a:latin typeface="Source Sans Pro"/>
+                <a:ea typeface="+mj-ea"/>
+                <a:cs typeface="Source Sans Pro"/>
+              </a:defRPr>
+            </a:lvl1pPr>
+          </a:lstStyle>
+          <a:p>
+            <a:r>
+              <a:rPr lang="de-DE" sz="2400" dirty="0" smtClean="0"/>
+              <a:t>Ansteuerung über Handlauf – </a:t>
+            </a:r>
+            <a:r>
+              <a:rPr lang="de-DE" sz="2400" dirty="0" err="1" smtClean="0"/>
+              <a:t>Alterantive</a:t>
+            </a:r>
+            <a:r>
+              <a:rPr lang="de-DE" sz="2400" dirty="0" smtClean="0"/>
+              <a:t> 1</a:t>
+            </a:r>
+            <a:endParaRPr lang="de-DE" sz="2400" dirty="0"/>
+          </a:p>
+        </p:txBody>
+      </p:sp>
+      <p:pic>
+        <p:nvPicPr>
+          <p:cNvPr id="11" name="Picture 10"/>
+          <p:cNvPicPr>
+            <a:picLocks noChangeAspect="1"/>
+          </p:cNvPicPr>
+          <p:nvPr/>
+        </p:nvPicPr>
+        <p:blipFill>
+          <a:blip r:embed="rId2"/>
+          <a:stretch>
+            <a:fillRect/>
+          </a:stretch>
+        </p:blipFill>
+        <p:spPr>
+          <a:xfrm>
+            <a:off x="1043214" y="2114858"/>
+            <a:ext cx="3364992" cy="3603644"/>
+          </a:xfrm>
+          <a:prstGeom prst="rect">
+            <a:avLst/>
+          </a:prstGeom>
+        </p:spPr>
+      </p:pic>
+      <p:pic>
+        <p:nvPicPr>
+          <p:cNvPr id="12" name="Picture 11"/>
+          <p:cNvPicPr>
+            <a:picLocks noChangeAspect="1"/>
+          </p:cNvPicPr>
+          <p:nvPr/>
+        </p:nvPicPr>
+        <p:blipFill>
+          <a:blip r:embed="rId3"/>
+          <a:stretch>
+            <a:fillRect/>
+          </a:stretch>
+        </p:blipFill>
+        <p:spPr>
+          <a:xfrm>
+            <a:off x="4320285" y="5078984"/>
+            <a:ext cx="2058449" cy="639518"/>
+          </a:xfrm>
+          <a:prstGeom prst="rect">
+            <a:avLst/>
+          </a:prstGeom>
+        </p:spPr>
+      </p:pic>
+    </p:spTree>
+    <p:extLst>
+      <p:ext uri="{BB962C8B-B14F-4D97-AF65-F5344CB8AC3E}">
+        <p14:creationId xmlns:p14="http://schemas.microsoft.com/office/powerpoint/2010/main" val="2033774111"/>
+      </p:ext>
+    </p:extLst>
+  </p:cSld>
+  <p:clrMapOvr>
+    <a:masterClrMapping/>
+  </p:clrMapOvr>
+  <p:timing>
+    <p:tnLst>
+      <p:par>
+        <p:cTn id="1" dur="indefinite" restart="never" nodeType="tmRoot"/>
+      </p:par>
+    </p:tnLst>
+  </p:timing>
+</p:sld>
+</file>
+
+<file path=ppt/slides/slide37.xml><?xml version="1.0" encoding="utf-8"?>
+<p:sld xmlns:a="http://schemas.openxmlformats.org/drawingml/2006/main" xmlns:r="http://schemas.openxmlformats.org/officeDocument/2006/relationships" xmlns:p="http://schemas.openxmlformats.org/presentationml/2006/main">
+  <p:cSld>
+    <p:spTree>
+      <p:nvGrpSpPr>
+        <p:cNvPr id="1" name=""/>
+        <p:cNvGrpSpPr/>
+        <p:nvPr/>
+      </p:nvGrpSpPr>
+      <p:grpSpPr>
+        <a:xfrm>
+          <a:off x="0" y="0"/>
+          <a:ext cx="0" cy="0"/>
+          <a:chOff x="0" y="0"/>
+          <a:chExt cx="0" cy="0"/>
+        </a:xfrm>
+      </p:grpSpPr>
+      <p:sp>
+        <p:nvSpPr>
+          <p:cNvPr id="4" name="Datumsplatzhalter 3"/>
+          <p:cNvSpPr>
+            <a:spLocks noGrp="1"/>
+          </p:cNvSpPr>
+          <p:nvPr>
+            <p:ph type="dt" sz="half" idx="2"/>
+          </p:nvPr>
+        </p:nvSpPr>
+        <p:spPr/>
+        <p:txBody>
+          <a:bodyPr/>
+          <a:lstStyle/>
+          <a:p>
+            <a:fld id="{C916D949-773C-3845-BFBA-C7D9987445EE}" type="datetime1">
+              <a:rPr lang="de-DE" smtClean="0"/>
+              <a:t>24.07.18</a:t>
+            </a:fld>
+            <a:endParaRPr lang="de-DE" dirty="0"/>
+          </a:p>
+        </p:txBody>
+      </p:sp>
+      <p:sp>
+        <p:nvSpPr>
+          <p:cNvPr id="5" name="Foliennummernplatzhalter 4"/>
+          <p:cNvSpPr>
+            <a:spLocks noGrp="1"/>
+          </p:cNvSpPr>
+          <p:nvPr>
+            <p:ph type="sldNum" sz="quarter" idx="4"/>
+          </p:nvPr>
+        </p:nvSpPr>
+        <p:spPr/>
+        <p:txBody>
+          <a:bodyPr/>
+          <a:lstStyle/>
+          <a:p>
+            <a:fld id="{E7BE1CCD-89A0-CC45-BF3E-2A331A7F0490}" type="slidenum">
+              <a:rPr lang="de-DE" smtClean="0"/>
+              <a:pPr/>
+              <a:t>37</a:t>
+            </a:fld>
+            <a:endParaRPr lang="de-DE" dirty="0"/>
+          </a:p>
+        </p:txBody>
+      </p:sp>
+      <p:sp>
+        <p:nvSpPr>
+          <p:cNvPr id="6" name="TextBox 5"/>
+          <p:cNvSpPr txBox="1"/>
+          <p:nvPr/>
+        </p:nvSpPr>
+        <p:spPr>
+          <a:xfrm>
+            <a:off x="2042013" y="6437376"/>
+            <a:ext cx="4732386" cy="253916"/>
+          </a:xfrm>
+          <a:prstGeom prst="rect">
+            <a:avLst/>
+          </a:prstGeom>
+          <a:noFill/>
+        </p:spPr>
+        <p:txBody>
+          <a:bodyPr wrap="none" rtlCol="0">
+            <a:spAutoFit/>
+          </a:bodyPr>
+          <a:lstStyle/>
+          <a:p>
+            <a:pPr algn="ctr"/>
+            <a:r>
+              <a:rPr lang="en-US" sz="1050" dirty="0" smtClean="0"/>
+              <a:t>HSHL – ITD 6. Semester </a:t>
+            </a:r>
+            <a:r>
+              <a:rPr lang="mr-IN" sz="1050" dirty="0" smtClean="0"/>
+              <a:t>–</a:t>
+            </a:r>
+            <a:r>
+              <a:rPr lang="en-US" sz="1050" dirty="0" smtClean="0"/>
+              <a:t> Christopher Beck, Daniel </a:t>
+            </a:r>
+            <a:r>
+              <a:rPr lang="en-US" sz="1050" dirty="0" err="1" smtClean="0"/>
+              <a:t>Münstermann</a:t>
+            </a:r>
+            <a:r>
+              <a:rPr lang="en-US" sz="1050" dirty="0" smtClean="0"/>
+              <a:t>, Alexander Wilms</a:t>
+            </a:r>
+            <a:endParaRPr lang="en-US" sz="1050" dirty="0"/>
+          </a:p>
+        </p:txBody>
+      </p:sp>
+      <p:sp>
+        <p:nvSpPr>
+          <p:cNvPr id="7" name="Titel 1"/>
+          <p:cNvSpPr txBox="1">
+            <a:spLocks/>
+          </p:cNvSpPr>
+          <p:nvPr/>
+        </p:nvSpPr>
+        <p:spPr>
+          <a:xfrm>
+            <a:off x="648001" y="768252"/>
+            <a:ext cx="7520410" cy="941715"/>
+          </a:xfrm>
+          <a:prstGeom prst="rect">
+            <a:avLst/>
+          </a:prstGeom>
+        </p:spPr>
+        <p:txBody>
+          <a:bodyPr vert="horz" lIns="91440" tIns="45720" rIns="91440" bIns="45720" rtlCol="0" anchor="ctr">
+            <a:normAutofit/>
+          </a:bodyPr>
+          <a:lstStyle>
+            <a:lvl1pPr algn="l" defTabSz="457200" rtl="0" eaLnBrk="1" latinLnBrk="0" hangingPunct="1">
+              <a:spcBef>
+                <a:spcPct val="0"/>
+              </a:spcBef>
+              <a:buNone/>
+              <a:defRPr sz="4000" b="1" i="0" kern="1200">
+                <a:solidFill>
+                  <a:schemeClr val="tx1"/>
+                </a:solidFill>
+                <a:latin typeface="Source Sans Pro"/>
+                <a:ea typeface="+mj-ea"/>
+                <a:cs typeface="Source Sans Pro"/>
+              </a:defRPr>
+            </a:lvl1pPr>
+          </a:lstStyle>
+          <a:p>
+            <a:r>
+              <a:rPr lang="de-DE" sz="2400" dirty="0" smtClean="0"/>
+              <a:t>Ansteuerung über Handlauf – </a:t>
+            </a:r>
+            <a:r>
+              <a:rPr lang="de-DE" sz="2400" dirty="0" err="1" smtClean="0"/>
+              <a:t>Alterantive</a:t>
+            </a:r>
+            <a:r>
+              <a:rPr lang="de-DE" sz="2400" dirty="0" smtClean="0"/>
+              <a:t> 2</a:t>
+            </a:r>
+            <a:endParaRPr lang="de-DE" sz="2400" dirty="0"/>
+          </a:p>
+        </p:txBody>
+      </p:sp>
+      <p:pic>
+        <p:nvPicPr>
+          <p:cNvPr id="2" name="Picture 1"/>
+          <p:cNvPicPr>
+            <a:picLocks noChangeAspect="1"/>
+          </p:cNvPicPr>
+          <p:nvPr/>
+        </p:nvPicPr>
+        <p:blipFill>
+          <a:blip r:embed="rId2"/>
+          <a:stretch>
+            <a:fillRect/>
+          </a:stretch>
+        </p:blipFill>
+        <p:spPr>
+          <a:xfrm>
+            <a:off x="741312" y="1554738"/>
+            <a:ext cx="5657088" cy="4626348"/>
+          </a:xfrm>
+          <a:prstGeom prst="rect">
+            <a:avLst/>
+          </a:prstGeom>
+        </p:spPr>
+      </p:pic>
+    </p:spTree>
+    <p:extLst>
+      <p:ext uri="{BB962C8B-B14F-4D97-AF65-F5344CB8AC3E}">
+        <p14:creationId xmlns:p14="http://schemas.microsoft.com/office/powerpoint/2010/main" val="1424070495"/>
+      </p:ext>
+    </p:extLst>
+  </p:cSld>
+  <p:clrMapOvr>
+    <a:masterClrMapping/>
+  </p:clrMapOvr>
+  <p:timing>
+    <p:tnLst>
+      <p:par>
+        <p:cTn id="1" dur="indefinite" restart="never" nodeType="tmRoot"/>
+      </p:par>
+    </p:tnLst>
+  </p:timing>
+</p:sld>
+</file>
+
+<file path=ppt/slides/slide38.xml><?xml version="1.0" encoding="utf-8"?>
+<p:sld xmlns:a="http://schemas.openxmlformats.org/drawingml/2006/main" xmlns:r="http://schemas.openxmlformats.org/officeDocument/2006/relationships" xmlns:p="http://schemas.openxmlformats.org/presentationml/2006/main">
+  <p:cSld>
+    <p:spTree>
+      <p:nvGrpSpPr>
+        <p:cNvPr id="1" name=""/>
+        <p:cNvGrpSpPr/>
+        <p:nvPr/>
+      </p:nvGrpSpPr>
+      <p:grpSpPr>
+        <a:xfrm>
+          <a:off x="0" y="0"/>
+          <a:ext cx="0" cy="0"/>
+          <a:chOff x="0" y="0"/>
+          <a:chExt cx="0" cy="0"/>
+        </a:xfrm>
+      </p:grpSpPr>
+      <p:sp>
+        <p:nvSpPr>
+          <p:cNvPr id="4" name="Datumsplatzhalter 3"/>
+          <p:cNvSpPr>
+            <a:spLocks noGrp="1"/>
+          </p:cNvSpPr>
+          <p:nvPr>
+            <p:ph type="dt" sz="half" idx="2"/>
+          </p:nvPr>
+        </p:nvSpPr>
+        <p:spPr/>
+        <p:txBody>
+          <a:bodyPr/>
+          <a:lstStyle/>
+          <a:p>
+            <a:fld id="{C916D949-773C-3845-BFBA-C7D9987445EE}" type="datetime1">
+              <a:rPr lang="de-DE" smtClean="0"/>
+              <a:t>24.07.18</a:t>
+            </a:fld>
+            <a:endParaRPr lang="de-DE" dirty="0"/>
+          </a:p>
+        </p:txBody>
+      </p:sp>
+      <p:sp>
+        <p:nvSpPr>
+          <p:cNvPr id="5" name="Foliennummernplatzhalter 4"/>
+          <p:cNvSpPr>
+            <a:spLocks noGrp="1"/>
+          </p:cNvSpPr>
+          <p:nvPr>
+            <p:ph type="sldNum" sz="quarter" idx="4"/>
+          </p:nvPr>
+        </p:nvSpPr>
+        <p:spPr/>
+        <p:txBody>
+          <a:bodyPr/>
+          <a:lstStyle/>
+          <a:p>
+            <a:fld id="{E7BE1CCD-89A0-CC45-BF3E-2A331A7F0490}" type="slidenum">
+              <a:rPr lang="de-DE" smtClean="0"/>
+              <a:pPr/>
+              <a:t>38</a:t>
+            </a:fld>
+            <a:endParaRPr lang="de-DE" dirty="0"/>
+          </a:p>
+        </p:txBody>
+      </p:sp>
+      <p:sp>
+        <p:nvSpPr>
+          <p:cNvPr id="6" name="TextBox 5"/>
+          <p:cNvSpPr txBox="1"/>
+          <p:nvPr/>
+        </p:nvSpPr>
+        <p:spPr>
+          <a:xfrm>
+            <a:off x="2042013" y="6437376"/>
+            <a:ext cx="4732386" cy="253916"/>
+          </a:xfrm>
+          <a:prstGeom prst="rect">
+            <a:avLst/>
+          </a:prstGeom>
+          <a:noFill/>
+        </p:spPr>
+        <p:txBody>
+          <a:bodyPr wrap="none" rtlCol="0">
+            <a:spAutoFit/>
+          </a:bodyPr>
+          <a:lstStyle/>
+          <a:p>
+            <a:pPr algn="ctr"/>
+            <a:r>
+              <a:rPr lang="en-US" sz="1050" dirty="0" smtClean="0"/>
+              <a:t>HSHL – ITD 6. Semester </a:t>
+            </a:r>
+            <a:r>
+              <a:rPr lang="mr-IN" sz="1050" dirty="0" smtClean="0"/>
+              <a:t>–</a:t>
+            </a:r>
+            <a:r>
+              <a:rPr lang="en-US" sz="1050" dirty="0" smtClean="0"/>
+              <a:t> Christopher Beck, Daniel </a:t>
+            </a:r>
+            <a:r>
+              <a:rPr lang="en-US" sz="1050" dirty="0" err="1" smtClean="0"/>
+              <a:t>Münstermann</a:t>
+            </a:r>
+            <a:r>
+              <a:rPr lang="en-US" sz="1050" dirty="0" smtClean="0"/>
+              <a:t>, Alexander Wilms</a:t>
+            </a:r>
+            <a:endParaRPr lang="en-US" sz="1050" dirty="0"/>
+          </a:p>
+        </p:txBody>
+      </p:sp>
+      <p:sp>
+        <p:nvSpPr>
+          <p:cNvPr id="7" name="Titel 1"/>
+          <p:cNvSpPr txBox="1">
+            <a:spLocks/>
+          </p:cNvSpPr>
+          <p:nvPr/>
+        </p:nvSpPr>
+        <p:spPr>
+          <a:xfrm>
+            <a:off x="648001" y="768252"/>
+            <a:ext cx="7520410" cy="941715"/>
+          </a:xfrm>
+          <a:prstGeom prst="rect">
+            <a:avLst/>
+          </a:prstGeom>
+        </p:spPr>
+        <p:txBody>
+          <a:bodyPr vert="horz" lIns="91440" tIns="45720" rIns="91440" bIns="45720" rtlCol="0" anchor="ctr">
+            <a:normAutofit/>
+          </a:bodyPr>
+          <a:lstStyle>
+            <a:lvl1pPr algn="l" defTabSz="457200" rtl="0" eaLnBrk="1" latinLnBrk="0" hangingPunct="1">
+              <a:spcBef>
+                <a:spcPct val="0"/>
+              </a:spcBef>
+              <a:buNone/>
+              <a:defRPr sz="4000" b="1" i="0" kern="1200">
+                <a:solidFill>
+                  <a:schemeClr val="tx1"/>
+                </a:solidFill>
+                <a:latin typeface="Source Sans Pro"/>
+                <a:ea typeface="+mj-ea"/>
+                <a:cs typeface="Source Sans Pro"/>
+              </a:defRPr>
+            </a:lvl1pPr>
+          </a:lstStyle>
+          <a:p>
+            <a:r>
+              <a:rPr lang="de-DE" sz="2400" dirty="0" smtClean="0"/>
+              <a:t>Ansteuerung über Handlauf – </a:t>
+            </a:r>
+            <a:r>
+              <a:rPr lang="de-DE" sz="2400" dirty="0" err="1" smtClean="0"/>
+              <a:t>Alterantive</a:t>
+            </a:r>
+            <a:r>
+              <a:rPr lang="de-DE" sz="2400" dirty="0" smtClean="0"/>
+              <a:t> 3</a:t>
+            </a:r>
+            <a:endParaRPr lang="de-DE" sz="2400" dirty="0"/>
+          </a:p>
+        </p:txBody>
+      </p:sp>
+      <p:pic>
+        <p:nvPicPr>
+          <p:cNvPr id="3" name="Picture 2"/>
+          <p:cNvPicPr>
+            <a:picLocks noChangeAspect="1"/>
+          </p:cNvPicPr>
+          <p:nvPr/>
+        </p:nvPicPr>
+        <p:blipFill>
+          <a:blip r:embed="rId2"/>
+          <a:stretch>
+            <a:fillRect/>
+          </a:stretch>
+        </p:blipFill>
+        <p:spPr>
+          <a:xfrm>
+            <a:off x="648000" y="1922271"/>
+            <a:ext cx="4045920" cy="4093519"/>
+          </a:xfrm>
+          <a:prstGeom prst="rect">
+            <a:avLst/>
+          </a:prstGeom>
+        </p:spPr>
+      </p:pic>
+    </p:spTree>
+    <p:extLst>
+      <p:ext uri="{BB962C8B-B14F-4D97-AF65-F5344CB8AC3E}">
+        <p14:creationId xmlns:p14="http://schemas.microsoft.com/office/powerpoint/2010/main" val="175913765"/>
+      </p:ext>
+    </p:extLst>
+  </p:cSld>
+  <p:clrMapOvr>
+    <a:masterClrMapping/>
+  </p:clrMapOvr>
+</p:sld>
+</file>
+
+<file path=ppt/slides/slide39.xml><?xml version="1.0" encoding="utf-8"?>
+<p:sld xmlns:a="http://schemas.openxmlformats.org/drawingml/2006/main" xmlns:r="http://schemas.openxmlformats.org/officeDocument/2006/relationships" xmlns:p="http://schemas.openxmlformats.org/presentationml/2006/main">
+  <p:cSld>
+    <p:spTree>
+      <p:nvGrpSpPr>
+        <p:cNvPr id="1" name=""/>
+        <p:cNvGrpSpPr/>
+        <p:nvPr/>
+      </p:nvGrpSpPr>
+      <p:grpSpPr>
+        <a:xfrm>
+          <a:off x="0" y="0"/>
+          <a:ext cx="0" cy="0"/>
+          <a:chOff x="0" y="0"/>
+          <a:chExt cx="0" cy="0"/>
+        </a:xfrm>
+      </p:grpSpPr>
+      <p:sp>
+        <p:nvSpPr>
+          <p:cNvPr id="4" name="Datumsplatzhalter 3"/>
+          <p:cNvSpPr>
+            <a:spLocks noGrp="1"/>
+          </p:cNvSpPr>
+          <p:nvPr>
+            <p:ph type="dt" sz="half" idx="2"/>
+          </p:nvPr>
+        </p:nvSpPr>
+        <p:spPr/>
+        <p:txBody>
+          <a:bodyPr/>
+          <a:lstStyle/>
+          <a:p>
+            <a:fld id="{C916D949-773C-3845-BFBA-C7D9987445EE}" type="datetime1">
+              <a:rPr lang="de-DE" smtClean="0"/>
+              <a:t>24.07.18</a:t>
+            </a:fld>
+            <a:endParaRPr lang="de-DE" dirty="0"/>
+          </a:p>
+        </p:txBody>
+      </p:sp>
+      <p:sp>
+        <p:nvSpPr>
+          <p:cNvPr id="5" name="Foliennummernplatzhalter 4"/>
+          <p:cNvSpPr>
+            <a:spLocks noGrp="1"/>
+          </p:cNvSpPr>
+          <p:nvPr>
+            <p:ph type="sldNum" sz="quarter" idx="4"/>
+          </p:nvPr>
+        </p:nvSpPr>
+        <p:spPr/>
+        <p:txBody>
+          <a:bodyPr/>
+          <a:lstStyle/>
+          <a:p>
+            <a:fld id="{E7BE1CCD-89A0-CC45-BF3E-2A331A7F0490}" type="slidenum">
+              <a:rPr lang="de-DE" smtClean="0"/>
+              <a:pPr/>
+              <a:t>39</a:t>
+            </a:fld>
+            <a:endParaRPr lang="de-DE" dirty="0"/>
+          </a:p>
+        </p:txBody>
+      </p:sp>
+      <p:sp>
+        <p:nvSpPr>
+          <p:cNvPr id="6" name="TextBox 5"/>
+          <p:cNvSpPr txBox="1"/>
+          <p:nvPr/>
+        </p:nvSpPr>
+        <p:spPr>
+          <a:xfrm>
+            <a:off x="2042013" y="6437376"/>
+            <a:ext cx="4732386" cy="253916"/>
+          </a:xfrm>
+          <a:prstGeom prst="rect">
+            <a:avLst/>
+          </a:prstGeom>
+          <a:noFill/>
+        </p:spPr>
+        <p:txBody>
+          <a:bodyPr wrap="none" rtlCol="0">
+            <a:spAutoFit/>
+          </a:bodyPr>
+          <a:lstStyle/>
+          <a:p>
+            <a:pPr algn="ctr"/>
+            <a:r>
+              <a:rPr lang="en-US" sz="1050" dirty="0" smtClean="0"/>
+              <a:t>HSHL – ITD 6. Semester </a:t>
+            </a:r>
+            <a:r>
+              <a:rPr lang="mr-IN" sz="1050" dirty="0" smtClean="0"/>
+              <a:t>–</a:t>
+            </a:r>
+            <a:r>
+              <a:rPr lang="en-US" sz="1050" dirty="0" smtClean="0"/>
+              <a:t> Christopher Beck, Daniel </a:t>
+            </a:r>
+            <a:r>
+              <a:rPr lang="en-US" sz="1050" dirty="0" err="1" smtClean="0"/>
+              <a:t>Münstermann</a:t>
+            </a:r>
+            <a:r>
+              <a:rPr lang="en-US" sz="1050" dirty="0" smtClean="0"/>
+              <a:t>, Alexander Wilms</a:t>
+            </a:r>
+            <a:endParaRPr lang="en-US" sz="1050" dirty="0"/>
+          </a:p>
+        </p:txBody>
+      </p:sp>
+      <p:sp>
+        <p:nvSpPr>
+          <p:cNvPr id="7" name="Titel 1"/>
+          <p:cNvSpPr txBox="1">
+            <a:spLocks/>
+          </p:cNvSpPr>
+          <p:nvPr/>
+        </p:nvSpPr>
+        <p:spPr>
+          <a:xfrm>
+            <a:off x="648001" y="768252"/>
+            <a:ext cx="7520410" cy="941715"/>
+          </a:xfrm>
+          <a:prstGeom prst="rect">
+            <a:avLst/>
+          </a:prstGeom>
+        </p:spPr>
+        <p:txBody>
+          <a:bodyPr vert="horz" lIns="91440" tIns="45720" rIns="91440" bIns="45720" rtlCol="0" anchor="ctr">
+            <a:normAutofit/>
+          </a:bodyPr>
+          <a:lstStyle>
+            <a:lvl1pPr algn="l" defTabSz="457200" rtl="0" eaLnBrk="1" latinLnBrk="0" hangingPunct="1">
+              <a:spcBef>
+                <a:spcPct val="0"/>
+              </a:spcBef>
+              <a:buNone/>
+              <a:defRPr sz="4000" b="1" i="0" kern="1200">
+                <a:solidFill>
+                  <a:schemeClr val="tx1"/>
+                </a:solidFill>
+                <a:latin typeface="Source Sans Pro"/>
+                <a:ea typeface="+mj-ea"/>
+                <a:cs typeface="Source Sans Pro"/>
+              </a:defRPr>
+            </a:lvl1pPr>
+          </a:lstStyle>
+          <a:p>
+            <a:r>
+              <a:rPr lang="de-DE" sz="2400" dirty="0" smtClean="0"/>
+              <a:t>Ansteuerung über Handlauf – </a:t>
+            </a:r>
+            <a:r>
+              <a:rPr lang="de-DE" sz="2400" dirty="0" err="1" smtClean="0"/>
+              <a:t>Alterantive</a:t>
+            </a:r>
+            <a:r>
+              <a:rPr lang="de-DE" sz="2400" dirty="0" smtClean="0"/>
+              <a:t> 4</a:t>
+            </a:r>
+            <a:endParaRPr lang="de-DE" sz="2400" dirty="0"/>
+          </a:p>
+        </p:txBody>
+      </p:sp>
+      <p:pic>
+        <p:nvPicPr>
+          <p:cNvPr id="2" name="Picture 1"/>
+          <p:cNvPicPr>
+            <a:picLocks noChangeAspect="1"/>
+          </p:cNvPicPr>
+          <p:nvPr/>
+        </p:nvPicPr>
+        <p:blipFill>
+          <a:blip r:embed="rId2"/>
+          <a:stretch>
+            <a:fillRect/>
+          </a:stretch>
+        </p:blipFill>
+        <p:spPr>
+          <a:xfrm>
+            <a:off x="648000" y="1716507"/>
+            <a:ext cx="4984704" cy="4276094"/>
+          </a:xfrm>
+          <a:prstGeom prst="rect">
+            <a:avLst/>
+          </a:prstGeom>
+        </p:spPr>
+      </p:pic>
+    </p:spTree>
+    <p:extLst>
+      <p:ext uri="{BB962C8B-B14F-4D97-AF65-F5344CB8AC3E}">
+        <p14:creationId xmlns:p14="http://schemas.microsoft.com/office/powerpoint/2010/main" val="579745414"/>
       </p:ext>
     </p:extLst>
   </p:cSld>

--- a/Interaktionskonzept.pptx
+++ b/Interaktionskonzept.pptx
@@ -5,10 +5,10 @@
     <p:sldMasterId id="2147483648" r:id="rId1"/>
   </p:sldMasterIdLst>
   <p:notesMasterIdLst>
-    <p:notesMasterId r:id="rId23"/>
+    <p:notesMasterId r:id="rId24"/>
   </p:notesMasterIdLst>
   <p:handoutMasterIdLst>
-    <p:handoutMasterId r:id="rId24"/>
+    <p:handoutMasterId r:id="rId25"/>
   </p:handoutMasterIdLst>
   <p:sldIdLst>
     <p:sldId id="256" r:id="rId2"/>
@@ -32,6 +32,7 @@
     <p:sldId id="273" r:id="rId20"/>
     <p:sldId id="274" r:id="rId21"/>
     <p:sldId id="275" r:id="rId22"/>
+    <p:sldId id="281" r:id="rId23"/>
   </p:sldIdLst>
   <p:sldSz cx="9144000" cy="6858000" type="screen4x3"/>
   <p:notesSz cx="6858000" cy="9144000"/>
@@ -180,7 +181,9 @@
           <p14:sldIdLst/>
         </p14:section>
         <p14:section name="Prototyp mBot" id="{3D537318-CBB6-9749-9B49-532214ACFD95}">
-          <p14:sldIdLst/>
+          <p14:sldIdLst>
+            <p14:sldId id="281"/>
+          </p14:sldIdLst>
         </p14:section>
         <p14:section name="App Gestaltung Mockup" id="{329D0D24-DB4E-C84B-BDB0-C2E684C1BC0B}">
           <p14:sldIdLst/>
@@ -188,7 +191,7 @@
       </p14:sectionLst>
     </p:ext>
     <p:ext uri="{EFAFB233-063F-42B5-8137-9DF3F51BA10A}">
-      <p15:sldGuideLst xmlns:p15="http://schemas.microsoft.com/office/powerpoint/2012/main">
+      <p15:sldGuideLst xmlns:p15="http://schemas.microsoft.com/office/powerpoint/2012/main" xmlns="">
         <p15:guide id="1" orient="horz" pos="2160">
           <p15:clr>
             <a:srgbClr val="A4A3A4"/>
@@ -1406,21 +1409,21 @@
     </dgm:pt>
   </dgm:ptLst>
   <dgm:cxnLst>
+    <dgm:cxn modelId="{70326443-8739-5A49-812F-524DE6F0FA19}" type="presOf" srcId="{F2716151-8C5C-46E6-B852-927BB05E9DDC}" destId="{40AAE297-5608-433D-8CB4-E56676E4BDCA}" srcOrd="1" destOrd="0" presId="urn:microsoft.com/office/officeart/2005/8/layout/lProcess2"/>
     <dgm:cxn modelId="{8577DDAB-9A4E-43A2-8F67-BCC3FED3FCD5}" srcId="{929F1A73-86D9-4111-B871-0E3E0D154CAF}" destId="{F2716151-8C5C-46E6-B852-927BB05E9DDC}" srcOrd="1" destOrd="0" parTransId="{67BD83DB-D7B5-4414-AB66-D5EC294414A1}" sibTransId="{4D3BFFC0-DC03-4256-8590-5B209123EE66}"/>
     <dgm:cxn modelId="{DD075E7B-0834-4178-958E-88A67320972D}" srcId="{929F1A73-86D9-4111-B871-0E3E0D154CAF}" destId="{D94E91D6-9268-4E15-A03E-A54D934D8961}" srcOrd="0" destOrd="0" parTransId="{2BD81B53-F614-416F-BA15-467607BB7192}" sibTransId="{9215794F-E30F-422E-A77F-ACCF537CAF87}"/>
+    <dgm:cxn modelId="{A054E90C-35E3-7C45-A765-5954F4D7270E}" type="presOf" srcId="{F2716151-8C5C-46E6-B852-927BB05E9DDC}" destId="{E76F1E3B-E449-45F3-9E50-C1765423D167}" srcOrd="0" destOrd="0" presId="urn:microsoft.com/office/officeart/2005/8/layout/lProcess2"/>
+    <dgm:cxn modelId="{C5DC3C69-8FE3-4F9A-A63F-1D9D61168D03}" srcId="{F2716151-8C5C-46E6-B852-927BB05E9DDC}" destId="{F2F04336-F611-4AA8-ABAE-2F2E0F631CD0}" srcOrd="0" destOrd="0" parTransId="{F5A5F568-84C8-421E-A7F8-EF4FD367E17A}" sibTransId="{D7ADCAAA-5B22-4DCF-AC8C-DD37E976C11A}"/>
+    <dgm:cxn modelId="{DAEA9AB7-7047-424D-9A33-22DB3821C69C}" type="presOf" srcId="{D94E91D6-9268-4E15-A03E-A54D934D8961}" destId="{9660C95B-8830-421A-82F9-7F107215CE6F}" srcOrd="0" destOrd="0" presId="urn:microsoft.com/office/officeart/2005/8/layout/lProcess2"/>
+    <dgm:cxn modelId="{0EB4C0EE-852B-6E4E-B2FD-E38220B2D358}" type="presOf" srcId="{5AD5A7CF-B411-40F6-B51B-6CE04C3F269B}" destId="{A0611EDE-FD2B-4789-83D9-ACABCBF4A1F3}" srcOrd="0" destOrd="0" presId="urn:microsoft.com/office/officeart/2005/8/layout/lProcess2"/>
+    <dgm:cxn modelId="{3FFD98AA-C4F7-4DA7-B1BA-3C37F97554A0}" srcId="{F2716151-8C5C-46E6-B852-927BB05E9DDC}" destId="{61510AD7-9E35-43DA-9CB6-90861EDA8157}" srcOrd="1" destOrd="0" parTransId="{2FF78976-6784-4673-BD5A-1EB49F2DFCE3}" sibTransId="{CE4C884D-E08F-4C7E-AD38-19057C9D4C1A}"/>
+    <dgm:cxn modelId="{DC4F391C-2A2C-4140-859D-C45F7B206B1D}" srcId="{D94E91D6-9268-4E15-A03E-A54D934D8961}" destId="{F67153FC-3414-4171-B138-27B66DC97AB5}" srcOrd="1" destOrd="0" parTransId="{2231A1F3-1F47-40C5-8C09-52CFFC18F684}" sibTransId="{1A9E35A9-5E06-4EA0-85C0-2647E37D90F6}"/>
+    <dgm:cxn modelId="{4360DF4F-1F5B-8743-826C-0E75A9A0DB1E}" type="presOf" srcId="{61510AD7-9E35-43DA-9CB6-90861EDA8157}" destId="{2355FF91-EA99-449B-BCAF-9A8D723A7E57}" srcOrd="0" destOrd="0" presId="urn:microsoft.com/office/officeart/2005/8/layout/lProcess2"/>
+    <dgm:cxn modelId="{7B033C76-9490-7A4D-AB79-7846A955E7D9}" type="presOf" srcId="{F67153FC-3414-4171-B138-27B66DC97AB5}" destId="{3FDD5661-091B-4425-B408-E852D49A74D7}" srcOrd="0" destOrd="0" presId="urn:microsoft.com/office/officeart/2005/8/layout/lProcess2"/>
+    <dgm:cxn modelId="{C256946C-022D-764E-880E-B0CB72F0E8FB}" type="presOf" srcId="{D94E91D6-9268-4E15-A03E-A54D934D8961}" destId="{F5F5C086-9CA7-4BF1-A04B-0E82F8B0D3F0}" srcOrd="1" destOrd="0" presId="urn:microsoft.com/office/officeart/2005/8/layout/lProcess2"/>
+    <dgm:cxn modelId="{0E0F966D-1674-6241-98F2-3E1435E00572}" type="presOf" srcId="{F2F04336-F611-4AA8-ABAE-2F2E0F631CD0}" destId="{359AFD9B-FE1A-4786-9D1E-8101FAACA517}" srcOrd="0" destOrd="0" presId="urn:microsoft.com/office/officeart/2005/8/layout/lProcess2"/>
+    <dgm:cxn modelId="{18610A86-B908-7A48-8344-109D2BBD9295}" type="presOf" srcId="{929F1A73-86D9-4111-B871-0E3E0D154CAF}" destId="{5CA9FB10-F74C-4850-91C3-933CA035D58D}" srcOrd="0" destOrd="0" presId="urn:microsoft.com/office/officeart/2005/8/layout/lProcess2"/>
     <dgm:cxn modelId="{E5E60394-5408-446E-BC72-8C63A269AD3F}" srcId="{D94E91D6-9268-4E15-A03E-A54D934D8961}" destId="{5AD5A7CF-B411-40F6-B51B-6CE04C3F269B}" srcOrd="0" destOrd="0" parTransId="{22D489B1-7056-4FF4-B729-C224C1B328ED}" sibTransId="{946560BA-BBB3-49A1-BA33-B3A2C4D00BE5}"/>
-    <dgm:cxn modelId="{18610A86-B908-7A48-8344-109D2BBD9295}" type="presOf" srcId="{929F1A73-86D9-4111-B871-0E3E0D154CAF}" destId="{5CA9FB10-F74C-4850-91C3-933CA035D58D}" srcOrd="0" destOrd="0" presId="urn:microsoft.com/office/officeart/2005/8/layout/lProcess2"/>
-    <dgm:cxn modelId="{DAEA9AB7-7047-424D-9A33-22DB3821C69C}" type="presOf" srcId="{D94E91D6-9268-4E15-A03E-A54D934D8961}" destId="{9660C95B-8830-421A-82F9-7F107215CE6F}" srcOrd="0" destOrd="0" presId="urn:microsoft.com/office/officeart/2005/8/layout/lProcess2"/>
-    <dgm:cxn modelId="{7B033C76-9490-7A4D-AB79-7846A955E7D9}" type="presOf" srcId="{F67153FC-3414-4171-B138-27B66DC97AB5}" destId="{3FDD5661-091B-4425-B408-E852D49A74D7}" srcOrd="0" destOrd="0" presId="urn:microsoft.com/office/officeart/2005/8/layout/lProcess2"/>
-    <dgm:cxn modelId="{0E0F966D-1674-6241-98F2-3E1435E00572}" type="presOf" srcId="{F2F04336-F611-4AA8-ABAE-2F2E0F631CD0}" destId="{359AFD9B-FE1A-4786-9D1E-8101FAACA517}" srcOrd="0" destOrd="0" presId="urn:microsoft.com/office/officeart/2005/8/layout/lProcess2"/>
-    <dgm:cxn modelId="{DC4F391C-2A2C-4140-859D-C45F7B206B1D}" srcId="{D94E91D6-9268-4E15-A03E-A54D934D8961}" destId="{F67153FC-3414-4171-B138-27B66DC97AB5}" srcOrd="1" destOrd="0" parTransId="{2231A1F3-1F47-40C5-8C09-52CFFC18F684}" sibTransId="{1A9E35A9-5E06-4EA0-85C0-2647E37D90F6}"/>
-    <dgm:cxn modelId="{C5DC3C69-8FE3-4F9A-A63F-1D9D61168D03}" srcId="{F2716151-8C5C-46E6-B852-927BB05E9DDC}" destId="{F2F04336-F611-4AA8-ABAE-2F2E0F631CD0}" srcOrd="0" destOrd="0" parTransId="{F5A5F568-84C8-421E-A7F8-EF4FD367E17A}" sibTransId="{D7ADCAAA-5B22-4DCF-AC8C-DD37E976C11A}"/>
-    <dgm:cxn modelId="{A054E90C-35E3-7C45-A765-5954F4D7270E}" type="presOf" srcId="{F2716151-8C5C-46E6-B852-927BB05E9DDC}" destId="{E76F1E3B-E449-45F3-9E50-C1765423D167}" srcOrd="0" destOrd="0" presId="urn:microsoft.com/office/officeart/2005/8/layout/lProcess2"/>
-    <dgm:cxn modelId="{C256946C-022D-764E-880E-B0CB72F0E8FB}" type="presOf" srcId="{D94E91D6-9268-4E15-A03E-A54D934D8961}" destId="{F5F5C086-9CA7-4BF1-A04B-0E82F8B0D3F0}" srcOrd="1" destOrd="0" presId="urn:microsoft.com/office/officeart/2005/8/layout/lProcess2"/>
-    <dgm:cxn modelId="{3FFD98AA-C4F7-4DA7-B1BA-3C37F97554A0}" srcId="{F2716151-8C5C-46E6-B852-927BB05E9DDC}" destId="{61510AD7-9E35-43DA-9CB6-90861EDA8157}" srcOrd="1" destOrd="0" parTransId="{2FF78976-6784-4673-BD5A-1EB49F2DFCE3}" sibTransId="{CE4C884D-E08F-4C7E-AD38-19057C9D4C1A}"/>
-    <dgm:cxn modelId="{70326443-8739-5A49-812F-524DE6F0FA19}" type="presOf" srcId="{F2716151-8C5C-46E6-B852-927BB05E9DDC}" destId="{40AAE297-5608-433D-8CB4-E56676E4BDCA}" srcOrd="1" destOrd="0" presId="urn:microsoft.com/office/officeart/2005/8/layout/lProcess2"/>
-    <dgm:cxn modelId="{0EB4C0EE-852B-6E4E-B2FD-E38220B2D358}" type="presOf" srcId="{5AD5A7CF-B411-40F6-B51B-6CE04C3F269B}" destId="{A0611EDE-FD2B-4789-83D9-ACABCBF4A1F3}" srcOrd="0" destOrd="0" presId="urn:microsoft.com/office/officeart/2005/8/layout/lProcess2"/>
-    <dgm:cxn modelId="{4360DF4F-1F5B-8743-826C-0E75A9A0DB1E}" type="presOf" srcId="{61510AD7-9E35-43DA-9CB6-90861EDA8157}" destId="{2355FF91-EA99-449B-BCAF-9A8D723A7E57}" srcOrd="0" destOrd="0" presId="urn:microsoft.com/office/officeart/2005/8/layout/lProcess2"/>
     <dgm:cxn modelId="{5740A7BC-E0C5-D649-82C5-20CCC4BD0ED7}" type="presParOf" srcId="{5CA9FB10-F74C-4850-91C3-933CA035D58D}" destId="{1BEF9E55-CBEA-47B0-A5BD-EF3BECF9F281}" srcOrd="0" destOrd="0" presId="urn:microsoft.com/office/officeart/2005/8/layout/lProcess2"/>
     <dgm:cxn modelId="{CEA1389A-ED3F-BE47-9062-45930057130A}" type="presParOf" srcId="{1BEF9E55-CBEA-47B0-A5BD-EF3BECF9F281}" destId="{9660C95B-8830-421A-82F9-7F107215CE6F}" srcOrd="0" destOrd="0" presId="urn:microsoft.com/office/officeart/2005/8/layout/lProcess2"/>
     <dgm:cxn modelId="{8BE3A9BF-7DF7-4941-ADC9-0E110FCC5B79}" type="presParOf" srcId="{1BEF9E55-CBEA-47B0-A5BD-EF3BECF9F281}" destId="{F5F5C086-9CA7-4BF1-A04B-0E82F8B0D3F0}" srcOrd="1" destOrd="0" presId="urn:microsoft.com/office/officeart/2005/8/layout/lProcess2"/>
@@ -3491,7 +3494,7 @@
           <a:p>
             <a:fld id="{26C16E92-7EF2-5A47-8774-75AC8D7375DB}" type="slidenum">
               <a:rPr lang="de-DE" smtClean="0"/>
-              <a:t>‹#›</a:t>
+              <a:t>‹Nr.›</a:t>
             </a:fld>
             <a:endParaRPr lang="de-DE"/>
           </a:p>
@@ -3750,7 +3753,7 @@
           <a:p>
             <a:fld id="{5C0E6540-DBC8-1449-A578-CCAD6D2991BC}" type="slidenum">
               <a:rPr lang="de-DE" smtClean="0"/>
-              <a:t>‹#›</a:t>
+              <a:t>‹Nr.›</a:t>
             </a:fld>
             <a:endParaRPr lang="de-DE"/>
           </a:p>
@@ -4230,7 +4233,7 @@
             <a:fld id="{E7BE1CCD-89A0-CC45-BF3E-2A331A7F0490}" type="slidenum">
               <a:rPr lang="de-DE" smtClean="0"/>
               <a:pPr/>
-              <a:t>‹#›</a:t>
+              <a:t>‹Nr.›</a:t>
             </a:fld>
             <a:endParaRPr lang="de-DE" dirty="0"/>
           </a:p>
@@ -4381,7 +4384,7 @@
           <a:p>
             <a:fld id="{E7BE1CCD-89A0-CC45-BF3E-2A331A7F0490}" type="slidenum">
               <a:rPr lang="de-DE" smtClean="0"/>
-              <a:t>‹#›</a:t>
+              <a:t>‹Nr.›</a:t>
             </a:fld>
             <a:endParaRPr lang="de-DE"/>
           </a:p>
@@ -4542,7 +4545,7 @@
           <a:p>
             <a:fld id="{E7BE1CCD-89A0-CC45-BF3E-2A331A7F0490}" type="slidenum">
               <a:rPr lang="de-DE" smtClean="0"/>
-              <a:t>‹#›</a:t>
+              <a:t>‹Nr.›</a:t>
             </a:fld>
             <a:endParaRPr lang="de-DE"/>
           </a:p>
@@ -4730,7 +4733,7 @@
             <a:fld id="{E7BE1CCD-89A0-CC45-BF3E-2A331A7F0490}" type="slidenum">
               <a:rPr lang="de-DE" smtClean="0"/>
               <a:pPr/>
-              <a:t>‹#›</a:t>
+              <a:t>‹Nr.›</a:t>
             </a:fld>
             <a:endParaRPr lang="de-DE" dirty="0"/>
           </a:p>
@@ -4957,7 +4960,7 @@
           <a:p>
             <a:fld id="{E7BE1CCD-89A0-CC45-BF3E-2A331A7F0490}" type="slidenum">
               <a:rPr lang="de-DE" smtClean="0"/>
-              <a:t>‹#›</a:t>
+              <a:t>‹Nr.›</a:t>
             </a:fld>
             <a:endParaRPr lang="de-DE"/>
           </a:p>
@@ -5226,7 +5229,7 @@
           <a:p>
             <a:fld id="{E7BE1CCD-89A0-CC45-BF3E-2A331A7F0490}" type="slidenum">
               <a:rPr lang="de-DE" smtClean="0"/>
-              <a:t>‹#›</a:t>
+              <a:t>‹Nr.›</a:t>
             </a:fld>
             <a:endParaRPr lang="de-DE"/>
           </a:p>
@@ -5629,7 +5632,7 @@
           <a:p>
             <a:fld id="{E7BE1CCD-89A0-CC45-BF3E-2A331A7F0490}" type="slidenum">
               <a:rPr lang="de-DE" smtClean="0"/>
-              <a:t>‹#›</a:t>
+              <a:t>‹Nr.›</a:t>
             </a:fld>
             <a:endParaRPr lang="de-DE"/>
           </a:p>
@@ -5728,7 +5731,7 @@
           <a:p>
             <a:fld id="{E7BE1CCD-89A0-CC45-BF3E-2A331A7F0490}" type="slidenum">
               <a:rPr lang="de-DE" smtClean="0"/>
-              <a:t>‹#›</a:t>
+              <a:t>‹Nr.›</a:t>
             </a:fld>
             <a:endParaRPr lang="de-DE"/>
           </a:p>
@@ -5804,7 +5807,7 @@
           <a:p>
             <a:fld id="{E7BE1CCD-89A0-CC45-BF3E-2A331A7F0490}" type="slidenum">
               <a:rPr lang="de-DE" smtClean="0"/>
-              <a:t>‹#›</a:t>
+              <a:t>‹Nr.›</a:t>
             </a:fld>
             <a:endParaRPr lang="de-DE"/>
           </a:p>
@@ -6062,7 +6065,7 @@
           <a:p>
             <a:fld id="{E7BE1CCD-89A0-CC45-BF3E-2A331A7F0490}" type="slidenum">
               <a:rPr lang="de-DE" smtClean="0"/>
-              <a:t>‹#›</a:t>
+              <a:t>‹Nr.›</a:t>
             </a:fld>
             <a:endParaRPr lang="de-DE"/>
           </a:p>
@@ -6300,7 +6303,7 @@
           <a:p>
             <a:fld id="{E7BE1CCD-89A0-CC45-BF3E-2A331A7F0490}" type="slidenum">
               <a:rPr lang="de-DE" smtClean="0"/>
-              <a:t>‹#›</a:t>
+              <a:t>‹Nr.›</a:t>
             </a:fld>
             <a:endParaRPr lang="de-DE"/>
           </a:p>
@@ -6558,7 +6561,7 @@
             <a:fld id="{E7BE1CCD-89A0-CC45-BF3E-2A331A7F0490}" type="slidenum">
               <a:rPr lang="de-DE" smtClean="0"/>
               <a:pPr/>
-              <a:t>‹#›</a:t>
+              <a:t>‹Nr.›</a:t>
             </a:fld>
             <a:endParaRPr lang="de-DE" dirty="0"/>
           </a:p>
@@ -6963,11 +6966,7 @@
             </a:r>
             <a:r>
               <a:rPr lang="en-US" sz="1050" smtClean="0"/>
-              <a:t>. </a:t>
-            </a:r>
-            <a:r>
-              <a:rPr lang="en-US" sz="1050" smtClean="0"/>
-              <a:t>Semester</a:t>
+              <a:t>. Semester</a:t>
             </a:r>
             <a:endParaRPr lang="en-US" sz="1050" dirty="0"/>
           </a:p>
@@ -7759,7 +7758,7 @@
           <p:cNvPr id="2" name="Ellipse 1">
             <a:extLst>
               <a:ext uri="{FF2B5EF4-FFF2-40B4-BE49-F238E27FC236}">
-                <a16:creationId xmlns:a16="http://schemas.microsoft.com/office/drawing/2014/main" xmlns="" id="{0473C76D-1C14-4B34-A78E-612378BFAAB0}"/>
+                <a16:creationId xmlns="" xmlns:a16="http://schemas.microsoft.com/office/drawing/2014/main" id="{0473C76D-1C14-4B34-A78E-612378BFAAB0}"/>
               </a:ext>
             </a:extLst>
           </p:cNvPr>
@@ -7824,7 +7823,7 @@
           <p:cNvPr id="3" name="Tabelle 2">
             <a:extLst>
               <a:ext uri="{FF2B5EF4-FFF2-40B4-BE49-F238E27FC236}">
-                <a16:creationId xmlns:a16="http://schemas.microsoft.com/office/drawing/2014/main" xmlns="" id="{AC1D6CEF-6CA7-4BE1-993E-274416914213}"/>
+                <a16:creationId xmlns="" xmlns:a16="http://schemas.microsoft.com/office/drawing/2014/main" id="{AC1D6CEF-6CA7-4BE1-993E-274416914213}"/>
               </a:ext>
             </a:extLst>
           </p:cNvPr>
@@ -7837,7 +7836,7 @@
         </p:nvGraphicFramePr>
         <p:xfrm>
           <a:off x="22501" y="4876403"/>
-          <a:ext cx="2282692" cy="1767840"/>
+          <a:ext cx="2282692" cy="1554479"/>
         </p:xfrm>
         <a:graphic>
           <a:graphicData uri="http://schemas.openxmlformats.org/drawingml/2006/table">
@@ -7849,14 +7848,14 @@
                 <a:gridCol w="1141346">
                   <a:extLst>
                     <a:ext uri="{9D8B030D-6E8A-4147-A177-3AD203B41FA5}">
-                      <a16:colId xmlns:a16="http://schemas.microsoft.com/office/drawing/2014/main" xmlns="" val="3781081371"/>
+                      <a16:colId xmlns="" xmlns:a16="http://schemas.microsoft.com/office/drawing/2014/main" val="3781081371"/>
                     </a:ext>
                   </a:extLst>
                 </a:gridCol>
                 <a:gridCol w="1141346">
                   <a:extLst>
                     <a:ext uri="{9D8B030D-6E8A-4147-A177-3AD203B41FA5}">
-                      <a16:colId xmlns:a16="http://schemas.microsoft.com/office/drawing/2014/main" xmlns="" val="873354020"/>
+                      <a16:colId xmlns="" xmlns:a16="http://schemas.microsoft.com/office/drawing/2014/main" val="873354020"/>
                     </a:ext>
                   </a:extLst>
                 </a:gridCol>
@@ -7902,7 +7901,7 @@
                 </a:tc>
                 <a:extLst>
                   <a:ext uri="{0D108BD9-81ED-4DB2-BD59-A6C34878D82A}">
-                    <a16:rowId xmlns:a16="http://schemas.microsoft.com/office/drawing/2014/main" xmlns="" val="4104672862"/>
+                    <a16:rowId xmlns="" xmlns:a16="http://schemas.microsoft.com/office/drawing/2014/main" val="4104672862"/>
                   </a:ext>
                 </a:extLst>
               </a:tr>
@@ -7946,7 +7945,7 @@
                 </a:tc>
                 <a:extLst>
                   <a:ext uri="{0D108BD9-81ED-4DB2-BD59-A6C34878D82A}">
-                    <a16:rowId xmlns:a16="http://schemas.microsoft.com/office/drawing/2014/main" xmlns="" val="1469610111"/>
+                    <a16:rowId xmlns="" xmlns:a16="http://schemas.microsoft.com/office/drawing/2014/main" val="1469610111"/>
                   </a:ext>
                 </a:extLst>
               </a:tr>
@@ -7990,7 +7989,7 @@
                 </a:tc>
                 <a:extLst>
                   <a:ext uri="{0D108BD9-81ED-4DB2-BD59-A6C34878D82A}">
-                    <a16:rowId xmlns:a16="http://schemas.microsoft.com/office/drawing/2014/main" xmlns="" val="77720559"/>
+                    <a16:rowId xmlns="" xmlns:a16="http://schemas.microsoft.com/office/drawing/2014/main" val="77720559"/>
                   </a:ext>
                 </a:extLst>
               </a:tr>
@@ -8034,7 +8033,7 @@
                 </a:tc>
                 <a:extLst>
                   <a:ext uri="{0D108BD9-81ED-4DB2-BD59-A6C34878D82A}">
-                    <a16:rowId xmlns:a16="http://schemas.microsoft.com/office/drawing/2014/main" xmlns="" val="140727696"/>
+                    <a16:rowId xmlns="" xmlns:a16="http://schemas.microsoft.com/office/drawing/2014/main" val="140727696"/>
                   </a:ext>
                 </a:extLst>
               </a:tr>
@@ -8047,7 +8046,7 @@
           <p:cNvPr id="6" name="Gerader Verbinder 5">
             <a:extLst>
               <a:ext uri="{FF2B5EF4-FFF2-40B4-BE49-F238E27FC236}">
-                <a16:creationId xmlns:a16="http://schemas.microsoft.com/office/drawing/2014/main" xmlns="" id="{0698F457-EDA3-4839-A5D4-E83AD43EEE8B}"/>
+                <a16:creationId xmlns="" xmlns:a16="http://schemas.microsoft.com/office/drawing/2014/main" id="{0698F457-EDA3-4839-A5D4-E83AD43EEE8B}"/>
               </a:ext>
             </a:extLst>
           </p:cNvPr>
@@ -8092,7 +8091,7 @@
           <p:cNvPr id="7" name="Ellipse 6">
             <a:extLst>
               <a:ext uri="{FF2B5EF4-FFF2-40B4-BE49-F238E27FC236}">
-                <a16:creationId xmlns:a16="http://schemas.microsoft.com/office/drawing/2014/main" xmlns="" id="{A5BEFADA-E7D9-42F9-8F68-EF0409C84554}"/>
+                <a16:creationId xmlns="" xmlns:a16="http://schemas.microsoft.com/office/drawing/2014/main" id="{A5BEFADA-E7D9-42F9-8F68-EF0409C84554}"/>
               </a:ext>
             </a:extLst>
           </p:cNvPr>
@@ -8202,7 +8201,7 @@
           <p:cNvPr id="8" name="Rechteck 7">
             <a:extLst>
               <a:ext uri="{FF2B5EF4-FFF2-40B4-BE49-F238E27FC236}">
-                <a16:creationId xmlns:a16="http://schemas.microsoft.com/office/drawing/2014/main" xmlns="" id="{567A3427-F251-453A-8E0A-6C40A2B1C376}"/>
+                <a16:creationId xmlns="" xmlns:a16="http://schemas.microsoft.com/office/drawing/2014/main" id="{567A3427-F251-453A-8E0A-6C40A2B1C376}"/>
               </a:ext>
             </a:extLst>
           </p:cNvPr>
@@ -8263,7 +8262,7 @@
           <p:cNvPr id="9" name="Rechteck 8">
             <a:extLst>
               <a:ext uri="{FF2B5EF4-FFF2-40B4-BE49-F238E27FC236}">
-                <a16:creationId xmlns:a16="http://schemas.microsoft.com/office/drawing/2014/main" xmlns="" id="{2799547A-3549-4018-A918-D2F4C6CDB8C1}"/>
+                <a16:creationId xmlns="" xmlns:a16="http://schemas.microsoft.com/office/drawing/2014/main" id="{2799547A-3549-4018-A918-D2F4C6CDB8C1}"/>
               </a:ext>
             </a:extLst>
           </p:cNvPr>
@@ -8324,7 +8323,7 @@
           <p:cNvPr id="10" name="Rechteck 9">
             <a:extLst>
               <a:ext uri="{FF2B5EF4-FFF2-40B4-BE49-F238E27FC236}">
-                <a16:creationId xmlns:a16="http://schemas.microsoft.com/office/drawing/2014/main" xmlns="" id="{4FE6D9F7-B9EE-4DF2-AFA7-DB99E2B2A204}"/>
+                <a16:creationId xmlns="" xmlns:a16="http://schemas.microsoft.com/office/drawing/2014/main" id="{4FE6D9F7-B9EE-4DF2-AFA7-DB99E2B2A204}"/>
               </a:ext>
             </a:extLst>
           </p:cNvPr>
@@ -8391,7 +8390,7 @@
           <p:cNvPr id="13" name="Gerader Verbinder 12">
             <a:extLst>
               <a:ext uri="{FF2B5EF4-FFF2-40B4-BE49-F238E27FC236}">
-                <a16:creationId xmlns:a16="http://schemas.microsoft.com/office/drawing/2014/main" xmlns="" id="{244B4C8B-AD46-45DD-A5E9-AA156C165A37}"/>
+                <a16:creationId xmlns="" xmlns:a16="http://schemas.microsoft.com/office/drawing/2014/main" id="{244B4C8B-AD46-45DD-A5E9-AA156C165A37}"/>
               </a:ext>
             </a:extLst>
           </p:cNvPr>
@@ -8439,7 +8438,7 @@
           <p:cNvPr id="15" name="Gerader Verbinder 14">
             <a:extLst>
               <a:ext uri="{FF2B5EF4-FFF2-40B4-BE49-F238E27FC236}">
-                <a16:creationId xmlns:a16="http://schemas.microsoft.com/office/drawing/2014/main" xmlns="" id="{41D03C64-E2D1-47E3-86A1-B94F787ED9C4}"/>
+                <a16:creationId xmlns="" xmlns:a16="http://schemas.microsoft.com/office/drawing/2014/main" id="{41D03C64-E2D1-47E3-86A1-B94F787ED9C4}"/>
               </a:ext>
             </a:extLst>
           </p:cNvPr>
@@ -8484,7 +8483,7 @@
           <p:cNvPr id="17" name="Gerader Verbinder 16">
             <a:extLst>
               <a:ext uri="{FF2B5EF4-FFF2-40B4-BE49-F238E27FC236}">
-                <a16:creationId xmlns:a16="http://schemas.microsoft.com/office/drawing/2014/main" xmlns="" id="{F4F00ED5-D643-4779-9345-6C7B9ECCE817}"/>
+                <a16:creationId xmlns="" xmlns:a16="http://schemas.microsoft.com/office/drawing/2014/main" id="{F4F00ED5-D643-4779-9345-6C7B9ECCE817}"/>
               </a:ext>
             </a:extLst>
           </p:cNvPr>
@@ -8531,7 +8530,7 @@
           <p:cNvPr id="19" name="Gerader Verbinder 18">
             <a:extLst>
               <a:ext uri="{FF2B5EF4-FFF2-40B4-BE49-F238E27FC236}">
-                <a16:creationId xmlns:a16="http://schemas.microsoft.com/office/drawing/2014/main" xmlns="" id="{40C1BDB8-7122-4AB5-8282-7BF5B6A7AD20}"/>
+                <a16:creationId xmlns="" xmlns:a16="http://schemas.microsoft.com/office/drawing/2014/main" id="{40C1BDB8-7122-4AB5-8282-7BF5B6A7AD20}"/>
               </a:ext>
             </a:extLst>
           </p:cNvPr>
@@ -8579,7 +8578,7 @@
           <p:cNvPr id="21" name="Gerader Verbinder 20">
             <a:extLst>
               <a:ext uri="{FF2B5EF4-FFF2-40B4-BE49-F238E27FC236}">
-                <a16:creationId xmlns:a16="http://schemas.microsoft.com/office/drawing/2014/main" xmlns="" id="{6561C95C-5DD5-4C4E-AE3F-01F943478F75}"/>
+                <a16:creationId xmlns="" xmlns:a16="http://schemas.microsoft.com/office/drawing/2014/main" id="{6561C95C-5DD5-4C4E-AE3F-01F943478F75}"/>
               </a:ext>
             </a:extLst>
           </p:cNvPr>
@@ -8624,7 +8623,7 @@
           <p:cNvPr id="23" name="Gerader Verbinder 22">
             <a:extLst>
               <a:ext uri="{FF2B5EF4-FFF2-40B4-BE49-F238E27FC236}">
-                <a16:creationId xmlns:a16="http://schemas.microsoft.com/office/drawing/2014/main" xmlns="" id="{1D725A64-D548-49E7-8103-004D3670CEC0}"/>
+                <a16:creationId xmlns="" xmlns:a16="http://schemas.microsoft.com/office/drawing/2014/main" id="{1D725A64-D548-49E7-8103-004D3670CEC0}"/>
               </a:ext>
             </a:extLst>
           </p:cNvPr>
@@ -8669,7 +8668,7 @@
           <p:cNvPr id="25" name="Gerader Verbinder 24">
             <a:extLst>
               <a:ext uri="{FF2B5EF4-FFF2-40B4-BE49-F238E27FC236}">
-                <a16:creationId xmlns:a16="http://schemas.microsoft.com/office/drawing/2014/main" xmlns="" id="{8B2F8111-5C97-493E-BDB6-F18D0987D557}"/>
+                <a16:creationId xmlns="" xmlns:a16="http://schemas.microsoft.com/office/drawing/2014/main" id="{8B2F8111-5C97-493E-BDB6-F18D0987D557}"/>
               </a:ext>
             </a:extLst>
           </p:cNvPr>
@@ -8714,7 +8713,7 @@
           <p:cNvPr id="26" name="Ellipse 25">
             <a:extLst>
               <a:ext uri="{FF2B5EF4-FFF2-40B4-BE49-F238E27FC236}">
-                <a16:creationId xmlns:a16="http://schemas.microsoft.com/office/drawing/2014/main" xmlns="" id="{B59E3ACB-C955-409C-8068-901C0430E002}"/>
+                <a16:creationId xmlns="" xmlns:a16="http://schemas.microsoft.com/office/drawing/2014/main" id="{B59E3ACB-C955-409C-8068-901C0430E002}"/>
               </a:ext>
             </a:extLst>
           </p:cNvPr>
@@ -8794,7 +8793,7 @@
           <p:cNvPr id="27" name="Ellipse 26">
             <a:extLst>
               <a:ext uri="{FF2B5EF4-FFF2-40B4-BE49-F238E27FC236}">
-                <a16:creationId xmlns:a16="http://schemas.microsoft.com/office/drawing/2014/main" xmlns="" id="{92524078-2817-4F34-9C26-2391A829A7D2}"/>
+                <a16:creationId xmlns="" xmlns:a16="http://schemas.microsoft.com/office/drawing/2014/main" id="{92524078-2817-4F34-9C26-2391A829A7D2}"/>
               </a:ext>
             </a:extLst>
           </p:cNvPr>
@@ -8895,7 +8894,7 @@
           <p:cNvPr id="28" name="Ellipse 27">
             <a:extLst>
               <a:ext uri="{FF2B5EF4-FFF2-40B4-BE49-F238E27FC236}">
-                <a16:creationId xmlns:a16="http://schemas.microsoft.com/office/drawing/2014/main" xmlns="" id="{DD1BC920-A55C-40CF-8590-6EEEABE22F00}"/>
+                <a16:creationId xmlns="" xmlns:a16="http://schemas.microsoft.com/office/drawing/2014/main" id="{DD1BC920-A55C-40CF-8590-6EEEABE22F00}"/>
               </a:ext>
             </a:extLst>
           </p:cNvPr>
@@ -8991,7 +8990,7 @@
           <p:cNvPr id="37" name="Ellipse 36">
             <a:extLst>
               <a:ext uri="{FF2B5EF4-FFF2-40B4-BE49-F238E27FC236}">
-                <a16:creationId xmlns:a16="http://schemas.microsoft.com/office/drawing/2014/main" xmlns="" id="{FBD44FAE-0795-4C02-986B-9BCC33B3154D}"/>
+                <a16:creationId xmlns="" xmlns:a16="http://schemas.microsoft.com/office/drawing/2014/main" id="{FBD44FAE-0795-4C02-986B-9BCC33B3154D}"/>
               </a:ext>
             </a:extLst>
           </p:cNvPr>
@@ -9069,7 +9068,7 @@
           <p:cNvPr id="41" name="Ellipse 40">
             <a:extLst>
               <a:ext uri="{FF2B5EF4-FFF2-40B4-BE49-F238E27FC236}">
-                <a16:creationId xmlns:a16="http://schemas.microsoft.com/office/drawing/2014/main" xmlns="" id="{FA4F77EC-A2C8-4A4A-AA38-15D994B54FAA}"/>
+                <a16:creationId xmlns="" xmlns:a16="http://schemas.microsoft.com/office/drawing/2014/main" id="{FA4F77EC-A2C8-4A4A-AA38-15D994B54FAA}"/>
               </a:ext>
             </a:extLst>
           </p:cNvPr>
@@ -9164,7 +9163,7 @@
           <p:cNvPr id="38" name="Ellipse 37">
             <a:extLst>
               <a:ext uri="{FF2B5EF4-FFF2-40B4-BE49-F238E27FC236}">
-                <a16:creationId xmlns:a16="http://schemas.microsoft.com/office/drawing/2014/main" xmlns="" id="{15AB20E7-9558-42A6-A48B-003BDA11FCDB}"/>
+                <a16:creationId xmlns="" xmlns:a16="http://schemas.microsoft.com/office/drawing/2014/main" id="{15AB20E7-9558-42A6-A48B-003BDA11FCDB}"/>
               </a:ext>
             </a:extLst>
           </p:cNvPr>
@@ -9265,7 +9264,7 @@
           <p:cNvPr id="39" name="Ellipse 38">
             <a:extLst>
               <a:ext uri="{FF2B5EF4-FFF2-40B4-BE49-F238E27FC236}">
-                <a16:creationId xmlns:a16="http://schemas.microsoft.com/office/drawing/2014/main" xmlns="" id="{338530AE-DC44-4560-9E7D-30F1DE056F2F}"/>
+                <a16:creationId xmlns="" xmlns:a16="http://schemas.microsoft.com/office/drawing/2014/main" id="{338530AE-DC44-4560-9E7D-30F1DE056F2F}"/>
               </a:ext>
             </a:extLst>
           </p:cNvPr>
@@ -9387,7 +9386,7 @@
           <p:cNvPr id="43" name="Ellipse 42">
             <a:extLst>
               <a:ext uri="{FF2B5EF4-FFF2-40B4-BE49-F238E27FC236}">
-                <a16:creationId xmlns:a16="http://schemas.microsoft.com/office/drawing/2014/main" xmlns="" id="{C349BED2-E888-497B-9EAF-5FD482EBD47E}"/>
+                <a16:creationId xmlns="" xmlns:a16="http://schemas.microsoft.com/office/drawing/2014/main" id="{C349BED2-E888-497B-9EAF-5FD482EBD47E}"/>
               </a:ext>
             </a:extLst>
           </p:cNvPr>
@@ -9473,7 +9472,7 @@
           <p:cNvPr id="67" name="Gerader Verbinder 66">
             <a:extLst>
               <a:ext uri="{FF2B5EF4-FFF2-40B4-BE49-F238E27FC236}">
-                <a16:creationId xmlns:a16="http://schemas.microsoft.com/office/drawing/2014/main" xmlns="" id="{E73880F1-8937-484A-BD87-4D6F68D779E8}"/>
+                <a16:creationId xmlns="" xmlns:a16="http://schemas.microsoft.com/office/drawing/2014/main" id="{E73880F1-8937-484A-BD87-4D6F68D779E8}"/>
               </a:ext>
             </a:extLst>
           </p:cNvPr>
@@ -9551,7 +9550,7 @@
           <p:cNvPr id="6" name="Ellipse 5">
             <a:extLst>
               <a:ext uri="{FF2B5EF4-FFF2-40B4-BE49-F238E27FC236}">
-                <a16:creationId xmlns:a16="http://schemas.microsoft.com/office/drawing/2014/main" xmlns="" id="{4A670F27-2EAF-4419-A0E9-36E641CFE860}"/>
+                <a16:creationId xmlns="" xmlns:a16="http://schemas.microsoft.com/office/drawing/2014/main" id="{4A670F27-2EAF-4419-A0E9-36E641CFE860}"/>
               </a:ext>
             </a:extLst>
           </p:cNvPr>
@@ -9612,7 +9611,7 @@
           <p:cNvPr id="12" name="Ellipse 11">
             <a:extLst>
               <a:ext uri="{FF2B5EF4-FFF2-40B4-BE49-F238E27FC236}">
-                <a16:creationId xmlns:a16="http://schemas.microsoft.com/office/drawing/2014/main" xmlns="" id="{FD3AC86A-AF47-4106-BACB-B399259442F3}"/>
+                <a16:creationId xmlns="" xmlns:a16="http://schemas.microsoft.com/office/drawing/2014/main" id="{FD3AC86A-AF47-4106-BACB-B399259442F3}"/>
               </a:ext>
             </a:extLst>
           </p:cNvPr>
@@ -9673,7 +9672,7 @@
           <p:cNvPr id="13" name="Ellipse 12">
             <a:extLst>
               <a:ext uri="{FF2B5EF4-FFF2-40B4-BE49-F238E27FC236}">
-                <a16:creationId xmlns:a16="http://schemas.microsoft.com/office/drawing/2014/main" xmlns="" id="{BE539209-6550-46AA-B0EC-27690033B351}"/>
+                <a16:creationId xmlns="" xmlns:a16="http://schemas.microsoft.com/office/drawing/2014/main" id="{BE539209-6550-46AA-B0EC-27690033B351}"/>
               </a:ext>
             </a:extLst>
           </p:cNvPr>
@@ -9770,7 +9769,7 @@
           <p:cNvPr id="14" name="Ellipse 13">
             <a:extLst>
               <a:ext uri="{FF2B5EF4-FFF2-40B4-BE49-F238E27FC236}">
-                <a16:creationId xmlns:a16="http://schemas.microsoft.com/office/drawing/2014/main" xmlns="" id="{0713C136-6615-4944-8F52-1467346066A8}"/>
+                <a16:creationId xmlns="" xmlns:a16="http://schemas.microsoft.com/office/drawing/2014/main" id="{0713C136-6615-4944-8F52-1467346066A8}"/>
               </a:ext>
             </a:extLst>
           </p:cNvPr>
@@ -9831,7 +9830,7 @@
           <p:cNvPr id="15" name="Ellipse 14">
             <a:extLst>
               <a:ext uri="{FF2B5EF4-FFF2-40B4-BE49-F238E27FC236}">
-                <a16:creationId xmlns:a16="http://schemas.microsoft.com/office/drawing/2014/main" xmlns="" id="{16D959B8-84ED-42AC-9005-32F09247D304}"/>
+                <a16:creationId xmlns="" xmlns:a16="http://schemas.microsoft.com/office/drawing/2014/main" id="{16D959B8-84ED-42AC-9005-32F09247D304}"/>
               </a:ext>
             </a:extLst>
           </p:cNvPr>
@@ -9892,7 +9891,7 @@
           <p:cNvPr id="18" name="Gerader Verbinder 17">
             <a:extLst>
               <a:ext uri="{FF2B5EF4-FFF2-40B4-BE49-F238E27FC236}">
-                <a16:creationId xmlns:a16="http://schemas.microsoft.com/office/drawing/2014/main" xmlns="" id="{66852AEE-8E4A-4D4A-A1E6-B805C4C91500}"/>
+                <a16:creationId xmlns="" xmlns:a16="http://schemas.microsoft.com/office/drawing/2014/main" id="{66852AEE-8E4A-4D4A-A1E6-B805C4C91500}"/>
               </a:ext>
             </a:extLst>
           </p:cNvPr>
@@ -9935,7 +9934,7 @@
           <p:cNvPr id="23" name="Textfeld 22">
             <a:extLst>
               <a:ext uri="{FF2B5EF4-FFF2-40B4-BE49-F238E27FC236}">
-                <a16:creationId xmlns:a16="http://schemas.microsoft.com/office/drawing/2014/main" xmlns="" id="{C3C6E9D1-52F1-43BC-AFEA-3D41E4FCE266}"/>
+                <a16:creationId xmlns="" xmlns:a16="http://schemas.microsoft.com/office/drawing/2014/main" id="{C3C6E9D1-52F1-43BC-AFEA-3D41E4FCE266}"/>
               </a:ext>
             </a:extLst>
           </p:cNvPr>
@@ -9978,7 +9977,7 @@
           <p:cNvPr id="24" name="Gerader Verbinder 23">
             <a:extLst>
               <a:ext uri="{FF2B5EF4-FFF2-40B4-BE49-F238E27FC236}">
-                <a16:creationId xmlns:a16="http://schemas.microsoft.com/office/drawing/2014/main" xmlns="" id="{B5EE185C-112F-47C3-9EB9-66C6D5B39B24}"/>
+                <a16:creationId xmlns="" xmlns:a16="http://schemas.microsoft.com/office/drawing/2014/main" id="{B5EE185C-112F-47C3-9EB9-66C6D5B39B24}"/>
               </a:ext>
             </a:extLst>
           </p:cNvPr>
@@ -10021,7 +10020,7 @@
           <p:cNvPr id="25" name="Textfeld 24">
             <a:extLst>
               <a:ext uri="{FF2B5EF4-FFF2-40B4-BE49-F238E27FC236}">
-                <a16:creationId xmlns:a16="http://schemas.microsoft.com/office/drawing/2014/main" xmlns="" id="{053DE8EA-CD4D-40E3-821A-D0841F9988BF}"/>
+                <a16:creationId xmlns="" xmlns:a16="http://schemas.microsoft.com/office/drawing/2014/main" id="{053DE8EA-CD4D-40E3-821A-D0841F9988BF}"/>
               </a:ext>
             </a:extLst>
           </p:cNvPr>
@@ -10064,7 +10063,7 @@
           <p:cNvPr id="26" name="Textfeld 25">
             <a:extLst>
               <a:ext uri="{FF2B5EF4-FFF2-40B4-BE49-F238E27FC236}">
-                <a16:creationId xmlns:a16="http://schemas.microsoft.com/office/drawing/2014/main" xmlns="" id="{BE36E4D9-8332-436F-A146-D698B1DC85C9}"/>
+                <a16:creationId xmlns="" xmlns:a16="http://schemas.microsoft.com/office/drawing/2014/main" id="{BE36E4D9-8332-436F-A146-D698B1DC85C9}"/>
               </a:ext>
             </a:extLst>
           </p:cNvPr>
@@ -10107,7 +10106,7 @@
           <p:cNvPr id="27" name="Textfeld 26">
             <a:extLst>
               <a:ext uri="{FF2B5EF4-FFF2-40B4-BE49-F238E27FC236}">
-                <a16:creationId xmlns:a16="http://schemas.microsoft.com/office/drawing/2014/main" xmlns="" id="{A1F2CCA3-961F-4493-B3E5-A3342523A528}"/>
+                <a16:creationId xmlns="" xmlns:a16="http://schemas.microsoft.com/office/drawing/2014/main" id="{A1F2CCA3-961F-4493-B3E5-A3342523A528}"/>
               </a:ext>
             </a:extLst>
           </p:cNvPr>
@@ -10219,7 +10218,7 @@
           <p:cNvPr id="28" name="Rechteck 27">
             <a:extLst>
               <a:ext uri="{FF2B5EF4-FFF2-40B4-BE49-F238E27FC236}">
-                <a16:creationId xmlns:a16="http://schemas.microsoft.com/office/drawing/2014/main" xmlns="" id="{1D45D0D9-3248-4CDE-AA18-35AF60C7FBE5}"/>
+                <a16:creationId xmlns="" xmlns:a16="http://schemas.microsoft.com/office/drawing/2014/main" id="{1D45D0D9-3248-4CDE-AA18-35AF60C7FBE5}"/>
               </a:ext>
             </a:extLst>
           </p:cNvPr>
@@ -10261,7 +10260,7 @@
           <p:cNvPr id="30" name="Gerade Verbindung mit Pfeil 29">
             <a:extLst>
               <a:ext uri="{FF2B5EF4-FFF2-40B4-BE49-F238E27FC236}">
-                <a16:creationId xmlns:a16="http://schemas.microsoft.com/office/drawing/2014/main" xmlns="" id="{3008540D-5686-4497-8DD1-E0D5A7EF1288}"/>
+                <a16:creationId xmlns="" xmlns:a16="http://schemas.microsoft.com/office/drawing/2014/main" id="{3008540D-5686-4497-8DD1-E0D5A7EF1288}"/>
               </a:ext>
             </a:extLst>
           </p:cNvPr>
@@ -10306,7 +10305,7 @@
           <p:cNvPr id="31" name="Rechteck 30">
             <a:extLst>
               <a:ext uri="{FF2B5EF4-FFF2-40B4-BE49-F238E27FC236}">
-                <a16:creationId xmlns:a16="http://schemas.microsoft.com/office/drawing/2014/main" xmlns="" id="{0317CDD5-E4EE-4E30-AB5B-1372370008E4}"/>
+                <a16:creationId xmlns="" xmlns:a16="http://schemas.microsoft.com/office/drawing/2014/main" id="{0317CDD5-E4EE-4E30-AB5B-1372370008E4}"/>
               </a:ext>
             </a:extLst>
           </p:cNvPr>
@@ -10365,7 +10364,7 @@
           <p:cNvPr id="33" name="Gerader Verbinder 32">
             <a:extLst>
               <a:ext uri="{FF2B5EF4-FFF2-40B4-BE49-F238E27FC236}">
-                <a16:creationId xmlns:a16="http://schemas.microsoft.com/office/drawing/2014/main" xmlns="" id="{1D531BB4-D985-40FD-AAFD-91A2F741C9C9}"/>
+                <a16:creationId xmlns="" xmlns:a16="http://schemas.microsoft.com/office/drawing/2014/main" id="{1D531BB4-D985-40FD-AAFD-91A2F741C9C9}"/>
               </a:ext>
             </a:extLst>
           </p:cNvPr>
@@ -10409,7 +10408,7 @@
           <p:cNvPr id="36" name="Gerade Verbindung mit Pfeil 35">
             <a:extLst>
               <a:ext uri="{FF2B5EF4-FFF2-40B4-BE49-F238E27FC236}">
-                <a16:creationId xmlns:a16="http://schemas.microsoft.com/office/drawing/2014/main" xmlns="" id="{DC7C0B8C-DF81-4558-8FA4-DCA9E47C6AD6}"/>
+                <a16:creationId xmlns="" xmlns:a16="http://schemas.microsoft.com/office/drawing/2014/main" id="{DC7C0B8C-DF81-4558-8FA4-DCA9E47C6AD6}"/>
               </a:ext>
             </a:extLst>
           </p:cNvPr>
@@ -10454,7 +10453,7 @@
           <p:cNvPr id="38" name="Rechteck 37">
             <a:extLst>
               <a:ext uri="{FF2B5EF4-FFF2-40B4-BE49-F238E27FC236}">
-                <a16:creationId xmlns:a16="http://schemas.microsoft.com/office/drawing/2014/main" xmlns="" id="{FC051207-7611-4E64-B72A-88B7EA6EB205}"/>
+                <a16:creationId xmlns="" xmlns:a16="http://schemas.microsoft.com/office/drawing/2014/main" id="{FC051207-7611-4E64-B72A-88B7EA6EB205}"/>
               </a:ext>
             </a:extLst>
           </p:cNvPr>
@@ -10496,7 +10495,7 @@
           <p:cNvPr id="42" name="Textfeld 41">
             <a:extLst>
               <a:ext uri="{FF2B5EF4-FFF2-40B4-BE49-F238E27FC236}">
-                <a16:creationId xmlns:a16="http://schemas.microsoft.com/office/drawing/2014/main" xmlns="" id="{ADA6EDBE-396A-499B-B73D-0DCC642DE769}"/>
+                <a16:creationId xmlns="" xmlns:a16="http://schemas.microsoft.com/office/drawing/2014/main" id="{ADA6EDBE-396A-499B-B73D-0DCC642DE769}"/>
               </a:ext>
             </a:extLst>
           </p:cNvPr>
@@ -10567,7 +10566,7 @@
           <p:cNvPr id="43" name="Textfeld 42">
             <a:extLst>
               <a:ext uri="{FF2B5EF4-FFF2-40B4-BE49-F238E27FC236}">
-                <a16:creationId xmlns:a16="http://schemas.microsoft.com/office/drawing/2014/main" xmlns="" id="{A16AD8D5-DD1D-4615-96ED-23B948D7AAE8}"/>
+                <a16:creationId xmlns="" xmlns:a16="http://schemas.microsoft.com/office/drawing/2014/main" id="{A16AD8D5-DD1D-4615-96ED-23B948D7AAE8}"/>
               </a:ext>
             </a:extLst>
           </p:cNvPr>
@@ -10610,7 +10609,7 @@
           <p:cNvPr id="45" name="Gerade Verbindung mit Pfeil 44">
             <a:extLst>
               <a:ext uri="{FF2B5EF4-FFF2-40B4-BE49-F238E27FC236}">
-                <a16:creationId xmlns:a16="http://schemas.microsoft.com/office/drawing/2014/main" xmlns="" id="{2CE2D3C4-A033-4005-A1DA-E263262AAB6C}"/>
+                <a16:creationId xmlns="" xmlns:a16="http://schemas.microsoft.com/office/drawing/2014/main" id="{2CE2D3C4-A033-4005-A1DA-E263262AAB6C}"/>
               </a:ext>
             </a:extLst>
           </p:cNvPr>
@@ -10655,7 +10654,7 @@
           <p:cNvPr id="46" name="Rechteck 45">
             <a:extLst>
               <a:ext uri="{FF2B5EF4-FFF2-40B4-BE49-F238E27FC236}">
-                <a16:creationId xmlns:a16="http://schemas.microsoft.com/office/drawing/2014/main" xmlns="" id="{D10D6AA2-3620-473C-8C6F-DB4BA1F4A1ED}"/>
+                <a16:creationId xmlns="" xmlns:a16="http://schemas.microsoft.com/office/drawing/2014/main" id="{D10D6AA2-3620-473C-8C6F-DB4BA1F4A1ED}"/>
               </a:ext>
             </a:extLst>
           </p:cNvPr>
@@ -10714,7 +10713,7 @@
           <p:cNvPr id="47" name="Rechteck 46">
             <a:extLst>
               <a:ext uri="{FF2B5EF4-FFF2-40B4-BE49-F238E27FC236}">
-                <a16:creationId xmlns:a16="http://schemas.microsoft.com/office/drawing/2014/main" xmlns="" id="{870B98E1-91E3-4AE2-98D1-2B7444C9DDD3}"/>
+                <a16:creationId xmlns="" xmlns:a16="http://schemas.microsoft.com/office/drawing/2014/main" id="{870B98E1-91E3-4AE2-98D1-2B7444C9DDD3}"/>
               </a:ext>
             </a:extLst>
           </p:cNvPr>
@@ -10793,7 +10792,7 @@
           <p:cNvPr id="53" name="Gerader Verbinder 52">
             <a:extLst>
               <a:ext uri="{FF2B5EF4-FFF2-40B4-BE49-F238E27FC236}">
-                <a16:creationId xmlns:a16="http://schemas.microsoft.com/office/drawing/2014/main" xmlns="" id="{3C0F79CD-8359-422A-82A2-6AA8782B418E}"/>
+                <a16:creationId xmlns="" xmlns:a16="http://schemas.microsoft.com/office/drawing/2014/main" id="{3C0F79CD-8359-422A-82A2-6AA8782B418E}"/>
               </a:ext>
             </a:extLst>
           </p:cNvPr>
@@ -10836,7 +10835,7 @@
           <p:cNvPr id="55" name="Rechteck 54">
             <a:extLst>
               <a:ext uri="{FF2B5EF4-FFF2-40B4-BE49-F238E27FC236}">
-                <a16:creationId xmlns:a16="http://schemas.microsoft.com/office/drawing/2014/main" xmlns="" id="{0F239C44-37FB-4469-B37B-149A401FA41F}"/>
+                <a16:creationId xmlns="" xmlns:a16="http://schemas.microsoft.com/office/drawing/2014/main" id="{0F239C44-37FB-4469-B37B-149A401FA41F}"/>
               </a:ext>
             </a:extLst>
           </p:cNvPr>
@@ -10878,7 +10877,7 @@
           <p:cNvPr id="29" name="Grafik 28">
             <a:extLst>
               <a:ext uri="{FF2B5EF4-FFF2-40B4-BE49-F238E27FC236}">
-                <a16:creationId xmlns:a16="http://schemas.microsoft.com/office/drawing/2014/main" xmlns="" id="{E8A27A51-BC95-4E0D-B7C8-3405953603F0}"/>
+                <a16:creationId xmlns="" xmlns:a16="http://schemas.microsoft.com/office/drawing/2014/main" id="{E8A27A51-BC95-4E0D-B7C8-3405953603F0}"/>
               </a:ext>
             </a:extLst>
           </p:cNvPr>
@@ -10914,7 +10913,7 @@
           <p:cNvPr id="8" name="Gerader Verbinder 7">
             <a:extLst>
               <a:ext uri="{FF2B5EF4-FFF2-40B4-BE49-F238E27FC236}">
-                <a16:creationId xmlns:a16="http://schemas.microsoft.com/office/drawing/2014/main" xmlns="" id="{831D6E72-D7CF-416F-9696-3FCFBE1F0AED}"/>
+                <a16:creationId xmlns="" xmlns:a16="http://schemas.microsoft.com/office/drawing/2014/main" id="{831D6E72-D7CF-416F-9696-3FCFBE1F0AED}"/>
               </a:ext>
             </a:extLst>
           </p:cNvPr>
@@ -10958,7 +10957,7 @@
           <p:cNvPr id="10" name="Gerader Verbinder 9">
             <a:extLst>
               <a:ext uri="{FF2B5EF4-FFF2-40B4-BE49-F238E27FC236}">
-                <a16:creationId xmlns:a16="http://schemas.microsoft.com/office/drawing/2014/main" xmlns="" id="{1540069E-5419-414E-AD56-14A2608F74B9}"/>
+                <a16:creationId xmlns="" xmlns:a16="http://schemas.microsoft.com/office/drawing/2014/main" id="{1540069E-5419-414E-AD56-14A2608F74B9}"/>
               </a:ext>
             </a:extLst>
           </p:cNvPr>
@@ -11002,7 +11001,7 @@
           <p:cNvPr id="17" name="Titel 16">
             <a:extLst>
               <a:ext uri="{FF2B5EF4-FFF2-40B4-BE49-F238E27FC236}">
-                <a16:creationId xmlns:a16="http://schemas.microsoft.com/office/drawing/2014/main" xmlns="" id="{20C42CF5-051B-4AF2-9A13-9EE9A91F4D5C}"/>
+                <a16:creationId xmlns="" xmlns:a16="http://schemas.microsoft.com/office/drawing/2014/main" id="{20C42CF5-051B-4AF2-9A13-9EE9A91F4D5C}"/>
               </a:ext>
             </a:extLst>
           </p:cNvPr>
@@ -11060,7 +11059,7 @@
           <p:cNvPr id="2" name="Titel 1">
             <a:extLst>
               <a:ext uri="{FF2B5EF4-FFF2-40B4-BE49-F238E27FC236}">
-                <a16:creationId xmlns:a16="http://schemas.microsoft.com/office/drawing/2014/main" xmlns="" id="{AF9FF294-1228-447B-9301-45890A8F9516}"/>
+                <a16:creationId xmlns="" xmlns:a16="http://schemas.microsoft.com/office/drawing/2014/main" id="{AF9FF294-1228-447B-9301-45890A8F9516}"/>
               </a:ext>
             </a:extLst>
           </p:cNvPr>
@@ -11088,7 +11087,7 @@
           <p:cNvPr id="3" name="Inhaltsplatzhalter 2">
             <a:extLst>
               <a:ext uri="{FF2B5EF4-FFF2-40B4-BE49-F238E27FC236}">
-                <a16:creationId xmlns:a16="http://schemas.microsoft.com/office/drawing/2014/main" xmlns="" id="{0BD4F298-9D99-4333-B34E-CBE53DBA8F1F}"/>
+                <a16:creationId xmlns="" xmlns:a16="http://schemas.microsoft.com/office/drawing/2014/main" id="{0BD4F298-9D99-4333-B34E-CBE53DBA8F1F}"/>
               </a:ext>
             </a:extLst>
           </p:cNvPr>
@@ -11150,7 +11149,9 @@
         </p:nvSpPr>
         <p:spPr/>
         <p:txBody>
-          <a:bodyPr/>
+          <a:bodyPr>
+            <a:normAutofit fontScale="90000"/>
+          </a:bodyPr>
           <a:lstStyle/>
           <a:p>
             <a:r>
@@ -11349,7 +11350,7 @@
           </a:prstGeom>
           <a:noFill/>
           <a:extLst>
-            <a:ext uri="{909E8E84-426E-40DD-AFC4-6F175D3DCCD1}">
+            <a:ext uri="{909E8E84-426E-40dd-AFC4-6F175D3DCCD1}">
               <a14:hiddenFill xmlns:a14="http://schemas.microsoft.com/office/drawing/2010/main">
                 <a:solidFill>
                   <a:srgbClr val="FFFFFF"/>
@@ -11533,7 +11534,7 @@
           <p:cNvPr id="2" name="Inhaltsplatzhalter 1">
             <a:extLst>
               <a:ext uri="{FF2B5EF4-FFF2-40B4-BE49-F238E27FC236}">
-                <a16:creationId xmlns:a16="http://schemas.microsoft.com/office/drawing/2014/main" xmlns="" id="{E6A8FDB7-D702-4E59-92D8-AC0C8F47C754}"/>
+                <a16:creationId xmlns="" xmlns:a16="http://schemas.microsoft.com/office/drawing/2014/main" id="{E6A8FDB7-D702-4E59-92D8-AC0C8F47C754}"/>
               </a:ext>
             </a:extLst>
           </p:cNvPr>
@@ -11681,11 +11682,7 @@
             </a:r>
             <a:r>
               <a:rPr lang="en-US" sz="1050" dirty="0" smtClean="0"/>
-              <a:t> </a:t>
-            </a:r>
-            <a:r>
-              <a:rPr lang="en-US" sz="1050" dirty="0" smtClean="0"/>
-              <a:t>Melissa Sens</a:t>
+              <a:t> Melissa Sens</a:t>
             </a:r>
             <a:endParaRPr lang="en-US" sz="1050" dirty="0"/>
           </a:p>
@@ -11895,11 +11892,7 @@
             </a:r>
             <a:r>
               <a:rPr lang="en-US" sz="1050" smtClean="0"/>
-              <a:t> </a:t>
-            </a:r>
-            <a:r>
-              <a:rPr lang="en-US" sz="1050" smtClean="0"/>
-              <a:t>Melissa Sens</a:t>
+              <a:t> Melissa Sens</a:t>
             </a:r>
             <a:endParaRPr lang="en-US" sz="1050" dirty="0"/>
           </a:p>
@@ -12030,11 +12023,7 @@
             <a:pPr algn="ctr"/>
             <a:r>
               <a:rPr lang="en-US" sz="1050" dirty="0" smtClean="0"/>
-              <a:t>HSHL – ITD 6. </a:t>
-            </a:r>
-            <a:r>
-              <a:rPr lang="en-US" sz="1050" dirty="0" smtClean="0"/>
-              <a:t>Semester</a:t>
+              <a:t>HSHL – ITD 6. Semester</a:t>
             </a:r>
             <a:endParaRPr lang="en-US" sz="1050" dirty="0"/>
           </a:p>
@@ -12281,11 +12270,7 @@
             </a:r>
             <a:r>
               <a:rPr lang="en-US" sz="1050" smtClean="0"/>
-              <a:t> </a:t>
-            </a:r>
-            <a:r>
-              <a:rPr lang="en-US" sz="1050" smtClean="0"/>
-              <a:t>Melissa Sens</a:t>
+              <a:t> Melissa Sens</a:t>
             </a:r>
             <a:endParaRPr lang="en-US" sz="1050" dirty="0"/>
           </a:p>
@@ -12493,11 +12478,7 @@
             </a:r>
             <a:r>
               <a:rPr lang="en-US" sz="1050" smtClean="0"/>
-              <a:t> </a:t>
-            </a:r>
-            <a:r>
-              <a:rPr lang="en-US" sz="1050" smtClean="0"/>
-              <a:t>Melissa Sens</a:t>
+              <a:t> Melissa Sens</a:t>
             </a:r>
             <a:endParaRPr lang="en-US" sz="1050" dirty="0"/>
           </a:p>
@@ -12507,6 +12488,217 @@
     <p:extLst>
       <p:ext uri="{BB962C8B-B14F-4D97-AF65-F5344CB8AC3E}">
         <p14:creationId xmlns:p14="http://schemas.microsoft.com/office/powerpoint/2010/main" val="8333697"/>
+      </p:ext>
+    </p:extLst>
+  </p:cSld>
+  <p:clrMapOvr>
+    <a:masterClrMapping/>
+  </p:clrMapOvr>
+</p:sld>
+</file>
+
+<file path=ppt/slides/slide22.xml><?xml version="1.0" encoding="utf-8"?>
+<p:sld xmlns:a="http://schemas.openxmlformats.org/drawingml/2006/main" xmlns:r="http://schemas.openxmlformats.org/officeDocument/2006/relationships" xmlns:p="http://schemas.openxmlformats.org/presentationml/2006/main">
+  <p:cSld>
+    <p:spTree>
+      <p:nvGrpSpPr>
+        <p:cNvPr id="1" name=""/>
+        <p:cNvGrpSpPr/>
+        <p:nvPr/>
+      </p:nvGrpSpPr>
+      <p:grpSpPr>
+        <a:xfrm>
+          <a:off x="0" y="0"/>
+          <a:ext cx="0" cy="0"/>
+          <a:chOff x="0" y="0"/>
+          <a:chExt cx="0" cy="0"/>
+        </a:xfrm>
+      </p:grpSpPr>
+      <p:sp>
+        <p:nvSpPr>
+          <p:cNvPr id="4" name="Datumsplatzhalter 3"/>
+          <p:cNvSpPr>
+            <a:spLocks noGrp="1"/>
+          </p:cNvSpPr>
+          <p:nvPr>
+            <p:ph type="dt" sz="half" idx="2"/>
+          </p:nvPr>
+        </p:nvSpPr>
+        <p:spPr/>
+        <p:txBody>
+          <a:bodyPr/>
+          <a:lstStyle/>
+          <a:p>
+            <a:fld id="{F562E25D-699C-4C92-878C-CC3BF1593050}" type="datetime1">
+              <a:rPr lang="de-DE" smtClean="0"/>
+              <a:t>24.07.18</a:t>
+            </a:fld>
+            <a:endParaRPr lang="de-DE" dirty="0"/>
+          </a:p>
+        </p:txBody>
+      </p:sp>
+      <p:sp>
+        <p:nvSpPr>
+          <p:cNvPr id="5" name="Foliennummernplatzhalter 4"/>
+          <p:cNvSpPr>
+            <a:spLocks noGrp="1"/>
+          </p:cNvSpPr>
+          <p:nvPr>
+            <p:ph type="sldNum" sz="quarter" idx="4"/>
+          </p:nvPr>
+        </p:nvSpPr>
+        <p:spPr/>
+        <p:txBody>
+          <a:bodyPr/>
+          <a:lstStyle/>
+          <a:p>
+            <a:fld id="{E7BE1CCD-89A0-CC45-BF3E-2A331A7F0490}" type="slidenum">
+              <a:rPr lang="de-DE" smtClean="0"/>
+              <a:pPr/>
+              <a:t>22</a:t>
+            </a:fld>
+            <a:endParaRPr lang="de-DE" dirty="0"/>
+          </a:p>
+        </p:txBody>
+      </p:sp>
+      <p:sp>
+        <p:nvSpPr>
+          <p:cNvPr id="7" name="Titel 1"/>
+          <p:cNvSpPr txBox="1">
+            <a:spLocks/>
+          </p:cNvSpPr>
+          <p:nvPr/>
+        </p:nvSpPr>
+        <p:spPr>
+          <a:xfrm>
+            <a:off x="648001" y="768252"/>
+            <a:ext cx="7520410" cy="941715"/>
+          </a:xfrm>
+          <a:prstGeom prst="rect">
+            <a:avLst/>
+          </a:prstGeom>
+        </p:spPr>
+        <p:txBody>
+          <a:bodyPr vert="horz" lIns="91440" tIns="45720" rIns="91440" bIns="45720" rtlCol="0" anchor="ctr">
+            <a:normAutofit/>
+          </a:bodyPr>
+          <a:lstStyle>
+            <a:lvl1pPr algn="l" defTabSz="457200" rtl="0" eaLnBrk="1" latinLnBrk="0" hangingPunct="1">
+              <a:spcBef>
+                <a:spcPct val="0"/>
+              </a:spcBef>
+              <a:buNone/>
+              <a:defRPr sz="4000" b="1" i="0" kern="1200">
+                <a:solidFill>
+                  <a:schemeClr val="tx1"/>
+                </a:solidFill>
+                <a:latin typeface="Source Sans Pro"/>
+                <a:ea typeface="+mj-ea"/>
+                <a:cs typeface="Source Sans Pro"/>
+              </a:defRPr>
+            </a:lvl1pPr>
+          </a:lstStyle>
+          <a:p>
+            <a:r>
+              <a:rPr lang="de-DE" sz="2400" dirty="0" smtClean="0"/>
+              <a:t>Prototyp</a:t>
+            </a:r>
+            <a:endParaRPr lang="de-DE" sz="2400" dirty="0"/>
+          </a:p>
+        </p:txBody>
+      </p:sp>
+      <p:sp>
+        <p:nvSpPr>
+          <p:cNvPr id="6" name="TextBox 5"/>
+          <p:cNvSpPr txBox="1"/>
+          <p:nvPr/>
+        </p:nvSpPr>
+        <p:spPr>
+          <a:xfrm>
+            <a:off x="3036498" y="6437376"/>
+            <a:ext cx="2743426" cy="253916"/>
+          </a:xfrm>
+          <a:prstGeom prst="rect">
+            <a:avLst/>
+          </a:prstGeom>
+          <a:noFill/>
+        </p:spPr>
+        <p:txBody>
+          <a:bodyPr wrap="none" rtlCol="0">
+            <a:spAutoFit/>
+          </a:bodyPr>
+          <a:lstStyle/>
+          <a:p>
+            <a:pPr algn="ctr"/>
+            <a:r>
+              <a:rPr lang="en-US" sz="1050" dirty="0" smtClean="0"/>
+              <a:t>HSHL – ITD 6. Semester </a:t>
+            </a:r>
+            <a:r>
+              <a:rPr lang="mr-IN" sz="1050" dirty="0" smtClean="0"/>
+              <a:t>–</a:t>
+            </a:r>
+            <a:r>
+              <a:rPr lang="en-US" sz="1050" dirty="0" smtClean="0"/>
+              <a:t> </a:t>
+            </a:r>
+            <a:r>
+              <a:rPr lang="en-US" sz="1050" dirty="0" smtClean="0"/>
+              <a:t>Daniel </a:t>
+            </a:r>
+            <a:r>
+              <a:rPr lang="en-US" sz="1050" dirty="0" err="1" smtClean="0"/>
+              <a:t>Münstermann</a:t>
+            </a:r>
+            <a:endParaRPr lang="en-US" sz="1050" dirty="0"/>
+          </a:p>
+        </p:txBody>
+      </p:sp>
+      <p:sp>
+        <p:nvSpPr>
+          <p:cNvPr id="3" name="Inhaltsplatzhalter 2"/>
+          <p:cNvSpPr>
+            <a:spLocks noGrp="1"/>
+          </p:cNvSpPr>
+          <p:nvPr>
+            <p:ph idx="1"/>
+          </p:nvPr>
+        </p:nvSpPr>
+        <p:spPr/>
+        <p:txBody>
+          <a:bodyPr/>
+          <a:lstStyle/>
+          <a:p>
+            <a:r>
+              <a:rPr lang="de-DE" dirty="0" smtClean="0"/>
+              <a:t>1</a:t>
+            </a:r>
+          </a:p>
+          <a:p>
+            <a:r>
+              <a:rPr lang="de-DE" dirty="0" smtClean="0"/>
+              <a:t>2</a:t>
+            </a:r>
+          </a:p>
+          <a:p>
+            <a:r>
+              <a:rPr lang="de-DE" dirty="0" smtClean="0"/>
+              <a:t>3</a:t>
+            </a:r>
+          </a:p>
+          <a:p>
+            <a:r>
+              <a:rPr lang="de-DE"/>
+              <a:t>4</a:t>
+            </a:r>
+            <a:endParaRPr lang="de-DE" dirty="0" smtClean="0"/>
+          </a:p>
+        </p:txBody>
+      </p:sp>
+    </p:spTree>
+    <p:extLst>
+      <p:ext uri="{BB962C8B-B14F-4D97-AF65-F5344CB8AC3E}">
+        <p14:creationId xmlns:p14="http://schemas.microsoft.com/office/powerpoint/2010/main" val="1884292248"/>
       </p:ext>
     </p:extLst>
   </p:cSld>
@@ -12605,11 +12797,7 @@
             <a:pPr algn="ctr"/>
             <a:r>
               <a:rPr lang="en-US" sz="1050" dirty="0" smtClean="0"/>
-              <a:t>HSHL – ITD 6. </a:t>
-            </a:r>
-            <a:r>
-              <a:rPr lang="en-US" sz="1050" dirty="0" smtClean="0"/>
-              <a:t>Semester</a:t>
+              <a:t>HSHL – ITD 6. Semester</a:t>
             </a:r>
             <a:endParaRPr lang="en-US" sz="1050" dirty="0"/>
           </a:p>
@@ -14269,11 +14457,7 @@
             </a:r>
             <a:r>
               <a:rPr lang="en-US" sz="1050" dirty="0" smtClean="0"/>
-              <a:t> </a:t>
-            </a:r>
-            <a:r>
-              <a:rPr lang="en-US" sz="1050" dirty="0" smtClean="0"/>
-              <a:t>Alexander Wilms</a:t>
+              <a:t> Alexander Wilms</a:t>
             </a:r>
             <a:endParaRPr lang="en-US" sz="1050" dirty="0"/>
           </a:p>

--- a/Interaktionskonzept.pptx
+++ b/Interaktionskonzept.pptx
@@ -5,10 +5,10 @@
     <p:sldMasterId id="2147483648" r:id="rId1"/>
   </p:sldMasterIdLst>
   <p:notesMasterIdLst>
-    <p:notesMasterId r:id="rId24"/>
+    <p:notesMasterId r:id="rId29"/>
   </p:notesMasterIdLst>
   <p:handoutMasterIdLst>
-    <p:handoutMasterId r:id="rId25"/>
+    <p:handoutMasterId r:id="rId30"/>
   </p:handoutMasterIdLst>
   <p:sldIdLst>
     <p:sldId id="256" r:id="rId2"/>
@@ -32,7 +32,12 @@
     <p:sldId id="273" r:id="rId20"/>
     <p:sldId id="274" r:id="rId21"/>
     <p:sldId id="275" r:id="rId22"/>
-    <p:sldId id="281" r:id="rId23"/>
+    <p:sldId id="282" r:id="rId23"/>
+    <p:sldId id="281" r:id="rId24"/>
+    <p:sldId id="286" r:id="rId25"/>
+    <p:sldId id="287" r:id="rId26"/>
+    <p:sldId id="284" r:id="rId27"/>
+    <p:sldId id="285" r:id="rId28"/>
   </p:sldIdLst>
   <p:sldSz cx="9144000" cy="6858000" type="screen4x3"/>
   <p:notesSz cx="6858000" cy="9144000"/>
@@ -182,7 +187,12 @@
         </p14:section>
         <p14:section name="Prototyp mBot" id="{3D537318-CBB6-9749-9B49-532214ACFD95}">
           <p14:sldIdLst>
+            <p14:sldId id="282"/>
             <p14:sldId id="281"/>
+            <p14:sldId id="286"/>
+            <p14:sldId id="287"/>
+            <p14:sldId id="284"/>
+            <p14:sldId id="285"/>
           </p14:sldIdLst>
         </p14:section>
         <p14:section name="App Gestaltung Mockup" id="{329D0D24-DB4E-C84B-BDB0-C2E684C1BC0B}">
@@ -3983,6 +3993,126 @@
 </p:notes>
 </file>
 
+<file path=ppt/notesSlides/notesSlide2.xml><?xml version="1.0" encoding="utf-8"?>
+<p:notes xmlns:a="http://schemas.openxmlformats.org/drawingml/2006/main" xmlns:r="http://schemas.openxmlformats.org/officeDocument/2006/relationships" xmlns:p="http://schemas.openxmlformats.org/presentationml/2006/main">
+  <p:cSld>
+    <p:spTree>
+      <p:nvGrpSpPr>
+        <p:cNvPr id="1" name=""/>
+        <p:cNvGrpSpPr/>
+        <p:nvPr/>
+      </p:nvGrpSpPr>
+      <p:grpSpPr>
+        <a:xfrm>
+          <a:off x="0" y="0"/>
+          <a:ext cx="0" cy="0"/>
+          <a:chOff x="0" y="0"/>
+          <a:chExt cx="0" cy="0"/>
+        </a:xfrm>
+      </p:grpSpPr>
+      <p:sp>
+        <p:nvSpPr>
+          <p:cNvPr id="2" name="Slide Image Placeholder 1"/>
+          <p:cNvSpPr>
+            <a:spLocks noGrp="1" noRot="1" noChangeAspect="1"/>
+          </p:cNvSpPr>
+          <p:nvPr>
+            <p:ph type="sldImg"/>
+          </p:nvPr>
+        </p:nvSpPr>
+        <p:spPr/>
+      </p:sp>
+      <p:sp>
+        <p:nvSpPr>
+          <p:cNvPr id="3" name="Notes Placeholder 2"/>
+          <p:cNvSpPr>
+            <a:spLocks noGrp="1"/>
+          </p:cNvSpPr>
+          <p:nvPr>
+            <p:ph type="body" idx="1"/>
+          </p:nvPr>
+        </p:nvSpPr>
+        <p:spPr/>
+        <p:txBody>
+          <a:bodyPr/>
+          <a:lstStyle/>
+          <a:p>
+            <a:r>
+              <a:rPr lang="en-US" dirty="0" err="1" smtClean="0"/>
+              <a:t>Tiere</a:t>
+            </a:r>
+            <a:r>
+              <a:rPr lang="en-US" dirty="0" smtClean="0"/>
+              <a:t> </a:t>
+            </a:r>
+            <a:r>
+              <a:rPr lang="en-US" dirty="0" err="1" smtClean="0"/>
+              <a:t>werden</a:t>
+            </a:r>
+            <a:r>
+              <a:rPr lang="en-US" dirty="0" smtClean="0"/>
+              <a:t> </a:t>
+            </a:r>
+            <a:r>
+              <a:rPr lang="en-US" dirty="0" err="1" smtClean="0"/>
+              <a:t>durch</a:t>
+            </a:r>
+            <a:r>
+              <a:rPr lang="en-US" dirty="0" smtClean="0"/>
+              <a:t> </a:t>
+            </a:r>
+            <a:r>
+              <a:rPr lang="en-US" dirty="0" err="1" smtClean="0"/>
+              <a:t>Ultraschall</a:t>
+            </a:r>
+            <a:r>
+              <a:rPr lang="en-US" dirty="0" smtClean="0"/>
+              <a:t> </a:t>
+            </a:r>
+            <a:r>
+              <a:rPr lang="en-US" dirty="0" err="1" smtClean="0"/>
+              <a:t>beeinflusst</a:t>
+            </a:r>
+            <a:endParaRPr lang="en-US" dirty="0"/>
+          </a:p>
+        </p:txBody>
+      </p:sp>
+      <p:sp>
+        <p:nvSpPr>
+          <p:cNvPr id="4" name="Slide Number Placeholder 3"/>
+          <p:cNvSpPr>
+            <a:spLocks noGrp="1"/>
+          </p:cNvSpPr>
+          <p:nvPr>
+            <p:ph type="sldNum" sz="quarter" idx="10"/>
+          </p:nvPr>
+        </p:nvSpPr>
+        <p:spPr/>
+        <p:txBody>
+          <a:bodyPr/>
+          <a:lstStyle/>
+          <a:p>
+            <a:fld id="{5C0E6540-DBC8-1449-A578-CCAD6D2991BC}" type="slidenum">
+              <a:rPr lang="de-DE" smtClean="0"/>
+              <a:t>27</a:t>
+            </a:fld>
+            <a:endParaRPr lang="de-DE"/>
+          </a:p>
+        </p:txBody>
+      </p:sp>
+    </p:spTree>
+    <p:extLst>
+      <p:ext uri="{BB962C8B-B14F-4D97-AF65-F5344CB8AC3E}">
+        <p14:creationId xmlns:p14="http://schemas.microsoft.com/office/powerpoint/2010/main" val="125999037"/>
+      </p:ext>
+    </p:extLst>
+  </p:cSld>
+  <p:clrMapOvr>
+    <a:masterClrMapping/>
+  </p:clrMapOvr>
+</p:notes>
+</file>
+
 <file path=ppt/slideLayouts/slideLayout1.xml><?xml version="1.0" encoding="utf-8"?>
 <p:sldLayout xmlns:a="http://schemas.openxmlformats.org/drawingml/2006/main" xmlns:r="http://schemas.openxmlformats.org/officeDocument/2006/relationships" xmlns:p="http://schemas.openxmlformats.org/presentationml/2006/main" type="title" preserve="1">
   <p:cSld name="Titelfolie">
@@ -12516,6 +12646,119 @@
       </p:grpSpPr>
       <p:sp>
         <p:nvSpPr>
+          <p:cNvPr id="2" name="Titel 1"/>
+          <p:cNvSpPr>
+            <a:spLocks noGrp="1"/>
+          </p:cNvSpPr>
+          <p:nvPr>
+            <p:ph type="ctrTitle"/>
+          </p:nvPr>
+        </p:nvSpPr>
+        <p:spPr/>
+        <p:txBody>
+          <a:bodyPr/>
+          <a:lstStyle/>
+          <a:p>
+            <a:r>
+              <a:rPr lang="de-DE" dirty="0" smtClean="0"/>
+              <a:t>Prototyp</a:t>
+            </a:r>
+            <a:endParaRPr lang="de-DE" dirty="0"/>
+          </a:p>
+        </p:txBody>
+      </p:sp>
+      <p:sp>
+        <p:nvSpPr>
+          <p:cNvPr id="3" name="Untertitel 2"/>
+          <p:cNvSpPr>
+            <a:spLocks noGrp="1"/>
+          </p:cNvSpPr>
+          <p:nvPr>
+            <p:ph type="subTitle" idx="1"/>
+          </p:nvPr>
+        </p:nvSpPr>
+        <p:spPr/>
+        <p:txBody>
+          <a:bodyPr>
+            <a:normAutofit/>
+          </a:bodyPr>
+          <a:lstStyle/>
+          <a:p>
+            <a:endParaRPr lang="de-DE" sz="2400" dirty="0"/>
+          </a:p>
+        </p:txBody>
+      </p:sp>
+      <p:sp>
+        <p:nvSpPr>
+          <p:cNvPr id="4" name="TextBox 3"/>
+          <p:cNvSpPr txBox="1"/>
+          <p:nvPr/>
+        </p:nvSpPr>
+        <p:spPr>
+          <a:xfrm>
+            <a:off x="3047794" y="6437376"/>
+            <a:ext cx="2720836" cy="253916"/>
+          </a:xfrm>
+          <a:prstGeom prst="rect">
+            <a:avLst/>
+          </a:prstGeom>
+          <a:noFill/>
+        </p:spPr>
+        <p:txBody>
+          <a:bodyPr wrap="none" rtlCol="0">
+            <a:spAutoFit/>
+          </a:bodyPr>
+          <a:lstStyle/>
+          <a:p>
+            <a:pPr algn="ctr"/>
+            <a:r>
+              <a:rPr lang="en-US" sz="1050" dirty="0" smtClean="0"/>
+              <a:t>HSHL – ITD 6. </a:t>
+            </a:r>
+            <a:r>
+              <a:rPr lang="en-US" sz="1050" dirty="0" smtClean="0"/>
+              <a:t>Semester - Daniel </a:t>
+            </a:r>
+            <a:r>
+              <a:rPr lang="en-US" sz="1050" dirty="0" err="1" smtClean="0"/>
+              <a:t>Münstermann</a:t>
+            </a:r>
+            <a:endParaRPr lang="en-US" sz="1050" dirty="0"/>
+          </a:p>
+        </p:txBody>
+      </p:sp>
+    </p:spTree>
+    <p:extLst>
+      <p:ext uri="{BB962C8B-B14F-4D97-AF65-F5344CB8AC3E}">
+        <p14:creationId xmlns:p14="http://schemas.microsoft.com/office/powerpoint/2010/main" val="3649804865"/>
+      </p:ext>
+    </p:extLst>
+  </p:cSld>
+  <p:clrMapOvr>
+    <a:masterClrMapping/>
+  </p:clrMapOvr>
+</p:sld>
+</file>
+
+<file path=ppt/slides/slide23.xml><?xml version="1.0" encoding="utf-8"?>
+<p:sld xmlns:a="http://schemas.openxmlformats.org/drawingml/2006/main" xmlns:r="http://schemas.openxmlformats.org/officeDocument/2006/relationships" xmlns:p="http://schemas.openxmlformats.org/presentationml/2006/main">
+  <p:cSld>
+    <p:spTree>
+      <p:nvGrpSpPr>
+        <p:cNvPr id="1" name=""/>
+        <p:cNvGrpSpPr/>
+        <p:nvPr/>
+      </p:nvGrpSpPr>
+      <p:grpSpPr>
+        <a:xfrm>
+          <a:off x="0" y="0"/>
+          <a:ext cx="0" cy="0"/>
+          <a:chOff x="0" y="0"/>
+          <a:chExt cx="0" cy="0"/>
+        </a:xfrm>
+      </p:grpSpPr>
+      <p:sp>
+        <p:nvSpPr>
           <p:cNvPr id="4" name="Datumsplatzhalter 3"/>
           <p:cNvSpPr>
             <a:spLocks noGrp="1"/>
@@ -12555,7 +12798,7 @@
             <a:fld id="{E7BE1CCD-89A0-CC45-BF3E-2A331A7F0490}" type="slidenum">
               <a:rPr lang="de-DE" smtClean="0"/>
               <a:pPr/>
-              <a:t>22</a:t>
+              <a:t>23</a:t>
             </a:fld>
             <a:endParaRPr lang="de-DE" dirty="0"/>
           </a:p>
@@ -12670,28 +12913,79 @@
           <a:lstStyle/>
           <a:p>
             <a:r>
+              <a:rPr lang="de-DE" dirty="0" err="1" smtClean="0"/>
+              <a:t>iOS</a:t>
+            </a:r>
+            <a:r>
               <a:rPr lang="de-DE" dirty="0" smtClean="0"/>
-              <a:t>1</a:t>
-            </a:r>
+              <a:t> </a:t>
+            </a:r>
+            <a:r>
+              <a:rPr lang="de-DE" dirty="0" err="1" smtClean="0"/>
+              <a:t>Application</a:t>
+            </a:r>
+            <a:endParaRPr lang="de-DE" dirty="0" smtClean="0"/>
           </a:p>
           <a:p>
             <a:r>
               <a:rPr lang="de-DE" dirty="0" smtClean="0"/>
-              <a:t>2</a:t>
-            </a:r>
-          </a:p>
-          <a:p>
+              <a:t>Schnittstelle </a:t>
+            </a:r>
+            <a:r>
+              <a:rPr lang="de-DE" dirty="0" err="1" smtClean="0"/>
+              <a:t>iPhone</a:t>
+            </a:r>
             <a:r>
               <a:rPr lang="de-DE" dirty="0" smtClean="0"/>
-              <a:t>3</a:t>
-            </a:r>
-          </a:p>
-          <a:p>
-            <a:r>
-              <a:rPr lang="de-DE"/>
-              <a:t>4</a:t>
+              <a:t> </a:t>
+            </a:r>
+            <a:r>
+              <a:rPr lang="de-DE" dirty="0" err="1" smtClean="0"/>
+              <a:t>Mbot</a:t>
             </a:r>
             <a:endParaRPr lang="de-DE" dirty="0" smtClean="0"/>
+          </a:p>
+          <a:p>
+            <a:pPr lvl="1"/>
+            <a:r>
+              <a:rPr lang="de-DE" dirty="0" smtClean="0"/>
+              <a:t>Bluetooth Low </a:t>
+            </a:r>
+            <a:r>
+              <a:rPr lang="de-DE" dirty="0" err="1" smtClean="0"/>
+              <a:t>Energy</a:t>
+            </a:r>
+            <a:endParaRPr lang="de-DE" dirty="0"/>
+          </a:p>
+          <a:p>
+            <a:pPr lvl="1"/>
+            <a:r>
+              <a:rPr lang="de-DE" dirty="0" err="1" smtClean="0"/>
+              <a:t>Mbot</a:t>
+            </a:r>
+            <a:r>
+              <a:rPr lang="de-DE" dirty="0" smtClean="0"/>
+              <a:t> Protokoll</a:t>
+            </a:r>
+          </a:p>
+          <a:p>
+            <a:r>
+              <a:rPr lang="de-DE" dirty="0" smtClean="0"/>
+              <a:t>Funktionalität App</a:t>
+            </a:r>
+          </a:p>
+          <a:p>
+            <a:r>
+              <a:rPr lang="de-DE" dirty="0" err="1" smtClean="0"/>
+              <a:t>Mbot</a:t>
+            </a:r>
+            <a:endParaRPr lang="de-DE" dirty="0"/>
+          </a:p>
+          <a:p>
+            <a:r>
+              <a:rPr lang="de-DE" dirty="0" smtClean="0"/>
+              <a:t>Alternative Ansätze</a:t>
+            </a:r>
           </a:p>
         </p:txBody>
       </p:sp>
@@ -12699,6 +12993,1076 @@
     <p:extLst>
       <p:ext uri="{BB962C8B-B14F-4D97-AF65-F5344CB8AC3E}">
         <p14:creationId xmlns:p14="http://schemas.microsoft.com/office/powerpoint/2010/main" val="1884292248"/>
+      </p:ext>
+    </p:extLst>
+  </p:cSld>
+  <p:clrMapOvr>
+    <a:masterClrMapping/>
+  </p:clrMapOvr>
+</p:sld>
+</file>
+
+<file path=ppt/slides/slide24.xml><?xml version="1.0" encoding="utf-8"?>
+<p:sld xmlns:a="http://schemas.openxmlformats.org/drawingml/2006/main" xmlns:r="http://schemas.openxmlformats.org/officeDocument/2006/relationships" xmlns:p="http://schemas.openxmlformats.org/presentationml/2006/main">
+  <p:cSld>
+    <p:spTree>
+      <p:nvGrpSpPr>
+        <p:cNvPr id="1" name=""/>
+        <p:cNvGrpSpPr/>
+        <p:nvPr/>
+      </p:nvGrpSpPr>
+      <p:grpSpPr>
+        <a:xfrm>
+          <a:off x="0" y="0"/>
+          <a:ext cx="0" cy="0"/>
+          <a:chOff x="0" y="0"/>
+          <a:chExt cx="0" cy="0"/>
+        </a:xfrm>
+      </p:grpSpPr>
+      <p:sp>
+        <p:nvSpPr>
+          <p:cNvPr id="4" name="Datumsplatzhalter 3"/>
+          <p:cNvSpPr>
+            <a:spLocks noGrp="1"/>
+          </p:cNvSpPr>
+          <p:nvPr>
+            <p:ph type="dt" sz="half" idx="2"/>
+          </p:nvPr>
+        </p:nvSpPr>
+        <p:spPr/>
+        <p:txBody>
+          <a:bodyPr/>
+          <a:lstStyle/>
+          <a:p>
+            <a:fld id="{F562E25D-699C-4C92-878C-CC3BF1593050}" type="datetime1">
+              <a:rPr lang="de-DE" smtClean="0"/>
+              <a:t>24.07.18</a:t>
+            </a:fld>
+            <a:endParaRPr lang="de-DE" dirty="0"/>
+          </a:p>
+        </p:txBody>
+      </p:sp>
+      <p:sp>
+        <p:nvSpPr>
+          <p:cNvPr id="5" name="Foliennummernplatzhalter 4"/>
+          <p:cNvSpPr>
+            <a:spLocks noGrp="1"/>
+          </p:cNvSpPr>
+          <p:nvPr>
+            <p:ph type="sldNum" sz="quarter" idx="4"/>
+          </p:nvPr>
+        </p:nvSpPr>
+        <p:spPr/>
+        <p:txBody>
+          <a:bodyPr/>
+          <a:lstStyle/>
+          <a:p>
+            <a:fld id="{E7BE1CCD-89A0-CC45-BF3E-2A331A7F0490}" type="slidenum">
+              <a:rPr lang="de-DE" smtClean="0"/>
+              <a:pPr/>
+              <a:t>24</a:t>
+            </a:fld>
+            <a:endParaRPr lang="de-DE" dirty="0"/>
+          </a:p>
+        </p:txBody>
+      </p:sp>
+      <p:sp>
+        <p:nvSpPr>
+          <p:cNvPr id="7" name="Titel 1"/>
+          <p:cNvSpPr txBox="1">
+            <a:spLocks/>
+          </p:cNvSpPr>
+          <p:nvPr/>
+        </p:nvSpPr>
+        <p:spPr>
+          <a:xfrm>
+            <a:off x="648001" y="768252"/>
+            <a:ext cx="7520410" cy="941715"/>
+          </a:xfrm>
+          <a:prstGeom prst="rect">
+            <a:avLst/>
+          </a:prstGeom>
+        </p:spPr>
+        <p:txBody>
+          <a:bodyPr vert="horz" lIns="91440" tIns="45720" rIns="91440" bIns="45720" rtlCol="0" anchor="ctr">
+            <a:normAutofit/>
+          </a:bodyPr>
+          <a:lstStyle>
+            <a:lvl1pPr algn="l" defTabSz="457200" rtl="0" eaLnBrk="1" latinLnBrk="0" hangingPunct="1">
+              <a:spcBef>
+                <a:spcPct val="0"/>
+              </a:spcBef>
+              <a:buNone/>
+              <a:defRPr sz="4000" b="1" i="0" kern="1200">
+                <a:solidFill>
+                  <a:schemeClr val="tx1"/>
+                </a:solidFill>
+                <a:latin typeface="Source Sans Pro"/>
+                <a:ea typeface="+mj-ea"/>
+                <a:cs typeface="Source Sans Pro"/>
+              </a:defRPr>
+            </a:lvl1pPr>
+          </a:lstStyle>
+          <a:p>
+            <a:r>
+              <a:rPr lang="de-DE" sz="2400" dirty="0" smtClean="0"/>
+              <a:t>Prototyp </a:t>
+            </a:r>
+            <a:r>
+              <a:rPr lang="mr-IN" sz="2400" dirty="0" smtClean="0"/>
+              <a:t>–</a:t>
+            </a:r>
+            <a:r>
+              <a:rPr lang="de-DE" sz="2400" dirty="0" smtClean="0"/>
+              <a:t> </a:t>
+            </a:r>
+            <a:r>
+              <a:rPr lang="de-DE" sz="2400" dirty="0" err="1" smtClean="0"/>
+              <a:t>iOS</a:t>
+            </a:r>
+            <a:r>
+              <a:rPr lang="de-DE" sz="2400" dirty="0" smtClean="0"/>
+              <a:t> </a:t>
+            </a:r>
+            <a:r>
+              <a:rPr lang="de-DE" sz="2400" dirty="0" err="1" smtClean="0"/>
+              <a:t>Application</a:t>
+            </a:r>
+            <a:endParaRPr lang="de-DE" sz="2400" dirty="0"/>
+          </a:p>
+        </p:txBody>
+      </p:sp>
+      <p:sp>
+        <p:nvSpPr>
+          <p:cNvPr id="6" name="TextBox 5"/>
+          <p:cNvSpPr txBox="1"/>
+          <p:nvPr/>
+        </p:nvSpPr>
+        <p:spPr>
+          <a:xfrm>
+            <a:off x="3036498" y="6437376"/>
+            <a:ext cx="2743426" cy="253916"/>
+          </a:xfrm>
+          <a:prstGeom prst="rect">
+            <a:avLst/>
+          </a:prstGeom>
+          <a:noFill/>
+        </p:spPr>
+        <p:txBody>
+          <a:bodyPr wrap="none" rtlCol="0">
+            <a:spAutoFit/>
+          </a:bodyPr>
+          <a:lstStyle/>
+          <a:p>
+            <a:pPr algn="ctr"/>
+            <a:r>
+              <a:rPr lang="en-US" sz="1050" dirty="0" smtClean="0"/>
+              <a:t>HSHL – ITD 6. Semester </a:t>
+            </a:r>
+            <a:r>
+              <a:rPr lang="mr-IN" sz="1050" dirty="0" smtClean="0"/>
+              <a:t>–</a:t>
+            </a:r>
+            <a:r>
+              <a:rPr lang="en-US" sz="1050" dirty="0" smtClean="0"/>
+              <a:t> </a:t>
+            </a:r>
+            <a:r>
+              <a:rPr lang="en-US" sz="1050" dirty="0" smtClean="0"/>
+              <a:t>Daniel </a:t>
+            </a:r>
+            <a:r>
+              <a:rPr lang="en-US" sz="1050" dirty="0" err="1" smtClean="0"/>
+              <a:t>Münstermann</a:t>
+            </a:r>
+            <a:endParaRPr lang="en-US" sz="1050" dirty="0"/>
+          </a:p>
+        </p:txBody>
+      </p:sp>
+      <p:sp>
+        <p:nvSpPr>
+          <p:cNvPr id="3" name="Inhaltsplatzhalter 2"/>
+          <p:cNvSpPr>
+            <a:spLocks noGrp="1"/>
+          </p:cNvSpPr>
+          <p:nvPr>
+            <p:ph idx="1"/>
+          </p:nvPr>
+        </p:nvSpPr>
+        <p:spPr/>
+        <p:txBody>
+          <a:bodyPr>
+            <a:normAutofit lnSpcReduction="10000"/>
+          </a:bodyPr>
+          <a:lstStyle/>
+          <a:p>
+            <a:r>
+              <a:rPr lang="de-DE" dirty="0" smtClean="0"/>
+              <a:t>Bluetooth Bibliothek</a:t>
+            </a:r>
+          </a:p>
+          <a:p>
+            <a:r>
+              <a:rPr lang="de-DE" dirty="0" smtClean="0"/>
+              <a:t>Grafische User Eingabe</a:t>
+            </a:r>
+          </a:p>
+          <a:p>
+            <a:pPr lvl="1"/>
+            <a:r>
+              <a:rPr lang="de-DE" dirty="0" smtClean="0"/>
+              <a:t>Vorwärts / Rückwärts</a:t>
+            </a:r>
+          </a:p>
+          <a:p>
+            <a:pPr lvl="1"/>
+            <a:r>
+              <a:rPr lang="de-DE" dirty="0" smtClean="0"/>
+              <a:t>Kurvenfahrten</a:t>
+            </a:r>
+          </a:p>
+          <a:p>
+            <a:pPr lvl="1"/>
+            <a:r>
+              <a:rPr lang="de-DE" dirty="0" err="1" smtClean="0"/>
+              <a:t>Stop</a:t>
+            </a:r>
+            <a:r>
+              <a:rPr lang="de-DE" dirty="0" smtClean="0"/>
+              <a:t> / Bremse </a:t>
+            </a:r>
+          </a:p>
+          <a:p>
+            <a:pPr lvl="1"/>
+            <a:r>
+              <a:rPr lang="de-DE" dirty="0" smtClean="0"/>
+              <a:t>An / Aus </a:t>
+            </a:r>
+          </a:p>
+          <a:p>
+            <a:pPr lvl="1"/>
+            <a:r>
+              <a:rPr lang="de-DE" dirty="0" smtClean="0"/>
+              <a:t>Max. Speed</a:t>
+            </a:r>
+          </a:p>
+          <a:p>
+            <a:r>
+              <a:rPr lang="de-DE" dirty="0" smtClean="0"/>
+              <a:t>Protokollunterstützung MBOT / EFIX</a:t>
+            </a:r>
+          </a:p>
+          <a:p>
+            <a:endParaRPr lang="de-DE" dirty="0" smtClean="0"/>
+          </a:p>
+        </p:txBody>
+      </p:sp>
+    </p:spTree>
+    <p:extLst>
+      <p:ext uri="{BB962C8B-B14F-4D97-AF65-F5344CB8AC3E}">
+        <p14:creationId xmlns:p14="http://schemas.microsoft.com/office/powerpoint/2010/main" val="2497413027"/>
+      </p:ext>
+    </p:extLst>
+  </p:cSld>
+  <p:clrMapOvr>
+    <a:masterClrMapping/>
+  </p:clrMapOvr>
+</p:sld>
+</file>
+
+<file path=ppt/slides/slide25.xml><?xml version="1.0" encoding="utf-8"?>
+<p:sld xmlns:a="http://schemas.openxmlformats.org/drawingml/2006/main" xmlns:r="http://schemas.openxmlformats.org/officeDocument/2006/relationships" xmlns:p="http://schemas.openxmlformats.org/presentationml/2006/main">
+  <p:cSld>
+    <p:spTree>
+      <p:nvGrpSpPr>
+        <p:cNvPr id="1" name=""/>
+        <p:cNvGrpSpPr/>
+        <p:nvPr/>
+      </p:nvGrpSpPr>
+      <p:grpSpPr>
+        <a:xfrm>
+          <a:off x="0" y="0"/>
+          <a:ext cx="0" cy="0"/>
+          <a:chOff x="0" y="0"/>
+          <a:chExt cx="0" cy="0"/>
+        </a:xfrm>
+      </p:grpSpPr>
+      <p:sp>
+        <p:nvSpPr>
+          <p:cNvPr id="4" name="Datumsplatzhalter 3"/>
+          <p:cNvSpPr>
+            <a:spLocks noGrp="1"/>
+          </p:cNvSpPr>
+          <p:nvPr>
+            <p:ph type="dt" sz="half" idx="2"/>
+          </p:nvPr>
+        </p:nvSpPr>
+        <p:spPr/>
+        <p:txBody>
+          <a:bodyPr/>
+          <a:lstStyle/>
+          <a:p>
+            <a:fld id="{F562E25D-699C-4C92-878C-CC3BF1593050}" type="datetime1">
+              <a:rPr lang="de-DE" smtClean="0"/>
+              <a:t>24.07.18</a:t>
+            </a:fld>
+            <a:endParaRPr lang="de-DE" dirty="0"/>
+          </a:p>
+        </p:txBody>
+      </p:sp>
+      <p:sp>
+        <p:nvSpPr>
+          <p:cNvPr id="5" name="Foliennummernplatzhalter 4"/>
+          <p:cNvSpPr>
+            <a:spLocks noGrp="1"/>
+          </p:cNvSpPr>
+          <p:nvPr>
+            <p:ph type="sldNum" sz="quarter" idx="4"/>
+          </p:nvPr>
+        </p:nvSpPr>
+        <p:spPr/>
+        <p:txBody>
+          <a:bodyPr/>
+          <a:lstStyle/>
+          <a:p>
+            <a:fld id="{E7BE1CCD-89A0-CC45-BF3E-2A331A7F0490}" type="slidenum">
+              <a:rPr lang="de-DE" smtClean="0"/>
+              <a:pPr/>
+              <a:t>25</a:t>
+            </a:fld>
+            <a:endParaRPr lang="de-DE" dirty="0"/>
+          </a:p>
+        </p:txBody>
+      </p:sp>
+      <p:sp>
+        <p:nvSpPr>
+          <p:cNvPr id="7" name="Titel 1"/>
+          <p:cNvSpPr txBox="1">
+            <a:spLocks/>
+          </p:cNvSpPr>
+          <p:nvPr/>
+        </p:nvSpPr>
+        <p:spPr>
+          <a:xfrm>
+            <a:off x="648001" y="768252"/>
+            <a:ext cx="7520410" cy="941715"/>
+          </a:xfrm>
+          <a:prstGeom prst="rect">
+            <a:avLst/>
+          </a:prstGeom>
+        </p:spPr>
+        <p:txBody>
+          <a:bodyPr vert="horz" lIns="91440" tIns="45720" rIns="91440" bIns="45720" rtlCol="0" anchor="ctr">
+            <a:normAutofit/>
+          </a:bodyPr>
+          <a:lstStyle>
+            <a:lvl1pPr algn="l" defTabSz="457200" rtl="0" eaLnBrk="1" latinLnBrk="0" hangingPunct="1">
+              <a:spcBef>
+                <a:spcPct val="0"/>
+              </a:spcBef>
+              <a:buNone/>
+              <a:defRPr sz="4000" b="1" i="0" kern="1200">
+                <a:solidFill>
+                  <a:schemeClr val="tx1"/>
+                </a:solidFill>
+                <a:latin typeface="Source Sans Pro"/>
+                <a:ea typeface="+mj-ea"/>
+                <a:cs typeface="Source Sans Pro"/>
+              </a:defRPr>
+            </a:lvl1pPr>
+          </a:lstStyle>
+          <a:p>
+            <a:r>
+              <a:rPr lang="de-DE" sz="2400" dirty="0" smtClean="0"/>
+              <a:t>Prototyp</a:t>
+            </a:r>
+            <a:endParaRPr lang="de-DE" sz="2400" dirty="0"/>
+          </a:p>
+        </p:txBody>
+      </p:sp>
+      <p:sp>
+        <p:nvSpPr>
+          <p:cNvPr id="6" name="TextBox 5"/>
+          <p:cNvSpPr txBox="1"/>
+          <p:nvPr/>
+        </p:nvSpPr>
+        <p:spPr>
+          <a:xfrm>
+            <a:off x="3036498" y="6437376"/>
+            <a:ext cx="2743426" cy="253916"/>
+          </a:xfrm>
+          <a:prstGeom prst="rect">
+            <a:avLst/>
+          </a:prstGeom>
+          <a:noFill/>
+        </p:spPr>
+        <p:txBody>
+          <a:bodyPr wrap="none" rtlCol="0">
+            <a:spAutoFit/>
+          </a:bodyPr>
+          <a:lstStyle/>
+          <a:p>
+            <a:pPr algn="ctr"/>
+            <a:r>
+              <a:rPr lang="en-US" sz="1050" dirty="0" smtClean="0"/>
+              <a:t>HSHL – ITD 6. Semester </a:t>
+            </a:r>
+            <a:r>
+              <a:rPr lang="mr-IN" sz="1050" dirty="0" smtClean="0"/>
+              <a:t>–</a:t>
+            </a:r>
+            <a:r>
+              <a:rPr lang="en-US" sz="1050" dirty="0" smtClean="0"/>
+              <a:t> </a:t>
+            </a:r>
+            <a:r>
+              <a:rPr lang="en-US" sz="1050" dirty="0" smtClean="0"/>
+              <a:t>Daniel </a:t>
+            </a:r>
+            <a:r>
+              <a:rPr lang="en-US" sz="1050" dirty="0" err="1" smtClean="0"/>
+              <a:t>Münstermann</a:t>
+            </a:r>
+            <a:endParaRPr lang="en-US" sz="1050" dirty="0"/>
+          </a:p>
+        </p:txBody>
+      </p:sp>
+      <p:sp>
+        <p:nvSpPr>
+          <p:cNvPr id="3" name="Inhaltsplatzhalter 2"/>
+          <p:cNvSpPr>
+            <a:spLocks noGrp="1"/>
+          </p:cNvSpPr>
+          <p:nvPr>
+            <p:ph idx="1"/>
+          </p:nvPr>
+        </p:nvSpPr>
+        <p:spPr/>
+        <p:txBody>
+          <a:bodyPr/>
+          <a:lstStyle/>
+          <a:p>
+            <a:r>
+              <a:rPr lang="de-DE" dirty="0" err="1" smtClean="0"/>
+              <a:t>iOS</a:t>
+            </a:r>
+            <a:r>
+              <a:rPr lang="de-DE" dirty="0" smtClean="0"/>
+              <a:t> </a:t>
+            </a:r>
+            <a:r>
+              <a:rPr lang="de-DE" dirty="0" err="1" smtClean="0"/>
+              <a:t>Application</a:t>
+            </a:r>
+            <a:endParaRPr lang="de-DE" dirty="0" smtClean="0"/>
+          </a:p>
+          <a:p>
+            <a:r>
+              <a:rPr lang="de-DE" dirty="0" smtClean="0"/>
+              <a:t>Schnittstelle </a:t>
+            </a:r>
+            <a:r>
+              <a:rPr lang="de-DE" dirty="0" err="1" smtClean="0"/>
+              <a:t>iPhone</a:t>
+            </a:r>
+            <a:r>
+              <a:rPr lang="de-DE" dirty="0" smtClean="0"/>
+              <a:t> </a:t>
+            </a:r>
+            <a:r>
+              <a:rPr lang="de-DE" dirty="0" err="1" smtClean="0"/>
+              <a:t>Mbot</a:t>
+            </a:r>
+            <a:endParaRPr lang="de-DE" dirty="0" smtClean="0"/>
+          </a:p>
+          <a:p>
+            <a:pPr lvl="1"/>
+            <a:r>
+              <a:rPr lang="de-DE" dirty="0" smtClean="0"/>
+              <a:t>Bluetooth Low </a:t>
+            </a:r>
+            <a:r>
+              <a:rPr lang="de-DE" dirty="0" err="1" smtClean="0"/>
+              <a:t>Energy</a:t>
+            </a:r>
+            <a:endParaRPr lang="de-DE" dirty="0"/>
+          </a:p>
+          <a:p>
+            <a:pPr lvl="1"/>
+            <a:r>
+              <a:rPr lang="de-DE" dirty="0" err="1" smtClean="0"/>
+              <a:t>Mbot</a:t>
+            </a:r>
+            <a:r>
+              <a:rPr lang="de-DE" dirty="0" smtClean="0"/>
+              <a:t> Protokoll</a:t>
+            </a:r>
+          </a:p>
+          <a:p>
+            <a:r>
+              <a:rPr lang="de-DE" dirty="0" smtClean="0"/>
+              <a:t>Funktionalität App</a:t>
+            </a:r>
+          </a:p>
+          <a:p>
+            <a:r>
+              <a:rPr lang="de-DE" dirty="0" err="1" smtClean="0"/>
+              <a:t>Mbot</a:t>
+            </a:r>
+            <a:endParaRPr lang="de-DE" dirty="0"/>
+          </a:p>
+          <a:p>
+            <a:r>
+              <a:rPr lang="de-DE" dirty="0" smtClean="0"/>
+              <a:t>Alternative Ansätze</a:t>
+            </a:r>
+          </a:p>
+        </p:txBody>
+      </p:sp>
+    </p:spTree>
+    <p:extLst>
+      <p:ext uri="{BB962C8B-B14F-4D97-AF65-F5344CB8AC3E}">
+        <p14:creationId xmlns:p14="http://schemas.microsoft.com/office/powerpoint/2010/main" val="2497413027"/>
+      </p:ext>
+    </p:extLst>
+  </p:cSld>
+  <p:clrMapOvr>
+    <a:masterClrMapping/>
+  </p:clrMapOvr>
+</p:sld>
+</file>
+
+<file path=ppt/slides/slide26.xml><?xml version="1.0" encoding="utf-8"?>
+<p:sld xmlns:a="http://schemas.openxmlformats.org/drawingml/2006/main" xmlns:r="http://schemas.openxmlformats.org/officeDocument/2006/relationships" xmlns:p="http://schemas.openxmlformats.org/presentationml/2006/main">
+  <p:cSld>
+    <p:spTree>
+      <p:nvGrpSpPr>
+        <p:cNvPr id="1" name=""/>
+        <p:cNvGrpSpPr/>
+        <p:nvPr/>
+      </p:nvGrpSpPr>
+      <p:grpSpPr>
+        <a:xfrm>
+          <a:off x="0" y="0"/>
+          <a:ext cx="0" cy="0"/>
+          <a:chOff x="0" y="0"/>
+          <a:chExt cx="0" cy="0"/>
+        </a:xfrm>
+      </p:grpSpPr>
+      <p:pic>
+        <p:nvPicPr>
+          <p:cNvPr id="2" name="Content Placeholder 1"/>
+          <p:cNvPicPr>
+            <a:picLocks noGrp="1" noChangeAspect="1"/>
+          </p:cNvPicPr>
+          <p:nvPr>
+            <p:ph idx="1"/>
+          </p:nvPr>
+        </p:nvPicPr>
+        <p:blipFill>
+          <a:blip r:embed="rId2">
+            <a:extLst>
+              <a:ext uri="{28A0092B-C50C-407E-A947-70E740481C1C}">
+                <a14:useLocalDpi xmlns:a14="http://schemas.microsoft.com/office/drawing/2010/main" val="0"/>
+              </a:ext>
+            </a:extLst>
+          </a:blip>
+          <a:stretch>
+            <a:fillRect/>
+          </a:stretch>
+        </p:blipFill>
+        <p:spPr>
+          <a:xfrm>
+            <a:off x="1262562" y="2020888"/>
+            <a:ext cx="6445839" cy="4105275"/>
+          </a:xfrm>
+        </p:spPr>
+      </p:pic>
+      <p:sp>
+        <p:nvSpPr>
+          <p:cNvPr id="4" name="Datumsplatzhalter 3"/>
+          <p:cNvSpPr>
+            <a:spLocks noGrp="1"/>
+          </p:cNvSpPr>
+          <p:nvPr>
+            <p:ph type="dt" sz="half" idx="2"/>
+          </p:nvPr>
+        </p:nvSpPr>
+        <p:spPr/>
+        <p:txBody>
+          <a:bodyPr/>
+          <a:lstStyle/>
+          <a:p>
+            <a:fld id="{C916D949-773C-3845-BFBA-C7D9987445EE}" type="datetime1">
+              <a:rPr lang="de-DE" smtClean="0"/>
+              <a:t>24.07.18</a:t>
+            </a:fld>
+            <a:endParaRPr lang="de-DE" dirty="0"/>
+          </a:p>
+        </p:txBody>
+      </p:sp>
+      <p:sp>
+        <p:nvSpPr>
+          <p:cNvPr id="5" name="Foliennummernplatzhalter 4"/>
+          <p:cNvSpPr>
+            <a:spLocks noGrp="1"/>
+          </p:cNvSpPr>
+          <p:nvPr>
+            <p:ph type="sldNum" sz="quarter" idx="4"/>
+          </p:nvPr>
+        </p:nvSpPr>
+        <p:spPr/>
+        <p:txBody>
+          <a:bodyPr/>
+          <a:lstStyle/>
+          <a:p>
+            <a:fld id="{E7BE1CCD-89A0-CC45-BF3E-2A331A7F0490}" type="slidenum">
+              <a:rPr lang="de-DE" smtClean="0"/>
+              <a:pPr/>
+              <a:t>26</a:t>
+            </a:fld>
+            <a:endParaRPr lang="de-DE" dirty="0"/>
+          </a:p>
+        </p:txBody>
+      </p:sp>
+      <p:sp>
+        <p:nvSpPr>
+          <p:cNvPr id="6" name="TextBox 5"/>
+          <p:cNvSpPr txBox="1"/>
+          <p:nvPr/>
+        </p:nvSpPr>
+        <p:spPr>
+          <a:xfrm>
+            <a:off x="2042013" y="6437376"/>
+            <a:ext cx="4732386" cy="253916"/>
+          </a:xfrm>
+          <a:prstGeom prst="rect">
+            <a:avLst/>
+          </a:prstGeom>
+          <a:noFill/>
+        </p:spPr>
+        <p:txBody>
+          <a:bodyPr wrap="none" rtlCol="0">
+            <a:spAutoFit/>
+          </a:bodyPr>
+          <a:lstStyle/>
+          <a:p>
+            <a:pPr algn="ctr"/>
+            <a:r>
+              <a:rPr lang="en-US" sz="1050" dirty="0" smtClean="0"/>
+              <a:t>HSHL – ITD 6. Semester </a:t>
+            </a:r>
+            <a:r>
+              <a:rPr lang="mr-IN" sz="1050" dirty="0" smtClean="0"/>
+              <a:t>–</a:t>
+            </a:r>
+            <a:r>
+              <a:rPr lang="en-US" sz="1050" dirty="0" smtClean="0"/>
+              <a:t> Christopher Beck, Daniel </a:t>
+            </a:r>
+            <a:r>
+              <a:rPr lang="en-US" sz="1050" dirty="0" err="1" smtClean="0"/>
+              <a:t>Münstermann</a:t>
+            </a:r>
+            <a:r>
+              <a:rPr lang="en-US" sz="1050" dirty="0" smtClean="0"/>
+              <a:t>, Alexander Wilms</a:t>
+            </a:r>
+            <a:endParaRPr lang="en-US" sz="1050" dirty="0"/>
+          </a:p>
+        </p:txBody>
+      </p:sp>
+      <p:sp>
+        <p:nvSpPr>
+          <p:cNvPr id="7" name="Titel 1"/>
+          <p:cNvSpPr txBox="1">
+            <a:spLocks/>
+          </p:cNvSpPr>
+          <p:nvPr/>
+        </p:nvSpPr>
+        <p:spPr>
+          <a:xfrm>
+            <a:off x="648001" y="768252"/>
+            <a:ext cx="7520410" cy="941715"/>
+          </a:xfrm>
+          <a:prstGeom prst="rect">
+            <a:avLst/>
+          </a:prstGeom>
+        </p:spPr>
+        <p:txBody>
+          <a:bodyPr vert="horz" lIns="91440" tIns="45720" rIns="91440" bIns="45720" rtlCol="0" anchor="ctr">
+            <a:normAutofit/>
+          </a:bodyPr>
+          <a:lstStyle>
+            <a:lvl1pPr algn="l" defTabSz="457200" rtl="0" eaLnBrk="1" latinLnBrk="0" hangingPunct="1">
+              <a:spcBef>
+                <a:spcPct val="0"/>
+              </a:spcBef>
+              <a:buNone/>
+              <a:defRPr sz="4000" b="1" i="0" kern="1200">
+                <a:solidFill>
+                  <a:schemeClr val="tx1"/>
+                </a:solidFill>
+                <a:latin typeface="Source Sans Pro"/>
+                <a:ea typeface="+mj-ea"/>
+                <a:cs typeface="Source Sans Pro"/>
+              </a:defRPr>
+            </a:lvl1pPr>
+          </a:lstStyle>
+          <a:p>
+            <a:r>
+              <a:rPr lang="de-DE" sz="2400" dirty="0" smtClean="0"/>
+              <a:t>MATLAB GUI</a:t>
+            </a:r>
+            <a:endParaRPr lang="de-DE" sz="2400" dirty="0"/>
+          </a:p>
+        </p:txBody>
+      </p:sp>
+    </p:spTree>
+    <p:extLst>
+      <p:ext uri="{BB962C8B-B14F-4D97-AF65-F5344CB8AC3E}">
+        <p14:creationId xmlns:p14="http://schemas.microsoft.com/office/powerpoint/2010/main" val="4014544773"/>
+      </p:ext>
+    </p:extLst>
+  </p:cSld>
+  <p:clrMapOvr>
+    <a:masterClrMapping/>
+  </p:clrMapOvr>
+</p:sld>
+</file>
+
+<file path=ppt/slides/slide27.xml><?xml version="1.0" encoding="utf-8"?>
+<p:sld xmlns:a="http://schemas.openxmlformats.org/drawingml/2006/main" xmlns:r="http://schemas.openxmlformats.org/officeDocument/2006/relationships" xmlns:p="http://schemas.openxmlformats.org/presentationml/2006/main">
+  <p:cSld>
+    <p:spTree>
+      <p:nvGrpSpPr>
+        <p:cNvPr id="1" name=""/>
+        <p:cNvGrpSpPr/>
+        <p:nvPr/>
+      </p:nvGrpSpPr>
+      <p:grpSpPr>
+        <a:xfrm>
+          <a:off x="0" y="0"/>
+          <a:ext cx="0" cy="0"/>
+          <a:chOff x="0" y="0"/>
+          <a:chExt cx="0" cy="0"/>
+        </a:xfrm>
+      </p:grpSpPr>
+      <p:sp>
+        <p:nvSpPr>
+          <p:cNvPr id="3" name="Inhaltsplatzhalter 2"/>
+          <p:cNvSpPr>
+            <a:spLocks noGrp="1"/>
+          </p:cNvSpPr>
+          <p:nvPr>
+            <p:ph idx="1"/>
+          </p:nvPr>
+        </p:nvSpPr>
+        <p:spPr>
+          <a:xfrm>
+            <a:off x="648000" y="1993460"/>
+            <a:ext cx="7675432" cy="4104983"/>
+          </a:xfrm>
+        </p:spPr>
+        <p:txBody>
+          <a:bodyPr>
+            <a:normAutofit/>
+          </a:bodyPr>
+          <a:lstStyle/>
+          <a:p>
+            <a:pPr marL="0" indent="0" defTabSz="914400">
+              <a:spcBef>
+                <a:spcPts val="0"/>
+              </a:spcBef>
+              <a:buNone/>
+            </a:pPr>
+            <a:r>
+              <a:rPr lang="de-DE" sz="2400" dirty="0" smtClean="0"/>
+              <a:t>Lautsprecher und Mikrofone</a:t>
+            </a:r>
+          </a:p>
+          <a:p>
+            <a:pPr marL="0" indent="0" defTabSz="914400">
+              <a:spcBef>
+                <a:spcPts val="0"/>
+              </a:spcBef>
+              <a:buNone/>
+            </a:pPr>
+            <a:r>
+              <a:rPr lang="de-DE" sz="2400" dirty="0"/>
+              <a:t>e</a:t>
+            </a:r>
+            <a:r>
+              <a:rPr lang="de-DE" sz="2400" dirty="0" smtClean="0"/>
+              <a:t>rzeugen im Gehäuse</a:t>
+            </a:r>
+            <a:br>
+              <a:rPr lang="de-DE" sz="2400" dirty="0" smtClean="0"/>
+            </a:br>
+            <a:r>
+              <a:rPr lang="de-DE" sz="2400" dirty="0" smtClean="0"/>
+              <a:t>Interferenzen.</a:t>
+            </a:r>
+          </a:p>
+          <a:p>
+            <a:pPr marL="0" indent="0" defTabSz="914400">
+              <a:spcBef>
+                <a:spcPts val="0"/>
+              </a:spcBef>
+              <a:buNone/>
+            </a:pPr>
+            <a:endParaRPr lang="de-DE" sz="2400" dirty="0"/>
+          </a:p>
+          <a:p>
+            <a:pPr marL="0" indent="0" defTabSz="914400">
+              <a:spcBef>
+                <a:spcPts val="0"/>
+              </a:spcBef>
+              <a:buNone/>
+            </a:pPr>
+            <a:r>
+              <a:rPr lang="de-DE" sz="2400" dirty="0" smtClean="0"/>
+              <a:t>Die genausten Ergebnisse bekommt man durch</a:t>
+            </a:r>
+          </a:p>
+          <a:p>
+            <a:pPr marL="0" indent="0" defTabSz="914400">
+              <a:spcBef>
+                <a:spcPts val="0"/>
+              </a:spcBef>
+              <a:buNone/>
+            </a:pPr>
+            <a:r>
+              <a:rPr lang="de-DE" sz="2400" dirty="0"/>
+              <a:t>e</a:t>
+            </a:r>
+            <a:r>
+              <a:rPr lang="de-DE" sz="2400" dirty="0" smtClean="0"/>
+              <a:t>inzelne Messungen der jeweiligen Sensoren.</a:t>
+            </a:r>
+          </a:p>
+          <a:p>
+            <a:pPr marL="0" indent="0" defTabSz="914400">
+              <a:spcBef>
+                <a:spcPts val="0"/>
+              </a:spcBef>
+              <a:buNone/>
+            </a:pPr>
+            <a:endParaRPr lang="de-DE" sz="2400" dirty="0"/>
+          </a:p>
+          <a:p>
+            <a:pPr marL="0" indent="0" defTabSz="914400">
+              <a:spcBef>
+                <a:spcPts val="0"/>
+              </a:spcBef>
+              <a:buNone/>
+            </a:pPr>
+            <a:r>
+              <a:rPr lang="de-DE" sz="2400" dirty="0" smtClean="0"/>
+              <a:t>Nachteil: 	12microseconds pro Sensor</a:t>
+            </a:r>
+          </a:p>
+          <a:p>
+            <a:pPr marL="0" indent="0" defTabSz="914400">
+              <a:spcBef>
+                <a:spcPts val="0"/>
+              </a:spcBef>
+              <a:buNone/>
+            </a:pPr>
+            <a:r>
+              <a:rPr lang="de-DE" sz="2400" dirty="0"/>
+              <a:t>	</a:t>
+            </a:r>
+            <a:r>
+              <a:rPr lang="de-DE" sz="2400" dirty="0" smtClean="0"/>
+              <a:t>	</a:t>
+            </a:r>
+          </a:p>
+          <a:p>
+            <a:pPr marL="0" indent="0" defTabSz="914400">
+              <a:spcBef>
+                <a:spcPts val="0"/>
+              </a:spcBef>
+              <a:buNone/>
+            </a:pPr>
+            <a:endParaRPr lang="de-DE" sz="2400" dirty="0" smtClean="0"/>
+          </a:p>
+        </p:txBody>
+      </p:sp>
+      <p:sp>
+        <p:nvSpPr>
+          <p:cNvPr id="4" name="Datumsplatzhalter 3"/>
+          <p:cNvSpPr>
+            <a:spLocks noGrp="1"/>
+          </p:cNvSpPr>
+          <p:nvPr>
+            <p:ph type="dt" sz="half" idx="2"/>
+          </p:nvPr>
+        </p:nvSpPr>
+        <p:spPr/>
+        <p:txBody>
+          <a:bodyPr/>
+          <a:lstStyle/>
+          <a:p>
+            <a:fld id="{C916D949-773C-3845-BFBA-C7D9987445EE}" type="datetime1">
+              <a:rPr lang="de-DE" smtClean="0"/>
+              <a:t>24.07.18</a:t>
+            </a:fld>
+            <a:endParaRPr lang="de-DE" dirty="0"/>
+          </a:p>
+        </p:txBody>
+      </p:sp>
+      <p:sp>
+        <p:nvSpPr>
+          <p:cNvPr id="5" name="Foliennummernplatzhalter 4"/>
+          <p:cNvSpPr>
+            <a:spLocks noGrp="1"/>
+          </p:cNvSpPr>
+          <p:nvPr>
+            <p:ph type="sldNum" sz="quarter" idx="4"/>
+          </p:nvPr>
+        </p:nvSpPr>
+        <p:spPr/>
+        <p:txBody>
+          <a:bodyPr/>
+          <a:lstStyle/>
+          <a:p>
+            <a:fld id="{E7BE1CCD-89A0-CC45-BF3E-2A331A7F0490}" type="slidenum">
+              <a:rPr lang="de-DE" smtClean="0"/>
+              <a:pPr/>
+              <a:t>27</a:t>
+            </a:fld>
+            <a:endParaRPr lang="de-DE" dirty="0"/>
+          </a:p>
+        </p:txBody>
+      </p:sp>
+      <p:sp>
+        <p:nvSpPr>
+          <p:cNvPr id="6" name="TextBox 5"/>
+          <p:cNvSpPr txBox="1"/>
+          <p:nvPr/>
+        </p:nvSpPr>
+        <p:spPr>
+          <a:xfrm>
+            <a:off x="2042013" y="6437376"/>
+            <a:ext cx="4732386" cy="253916"/>
+          </a:xfrm>
+          <a:prstGeom prst="rect">
+            <a:avLst/>
+          </a:prstGeom>
+          <a:noFill/>
+        </p:spPr>
+        <p:txBody>
+          <a:bodyPr wrap="none" rtlCol="0">
+            <a:spAutoFit/>
+          </a:bodyPr>
+          <a:lstStyle/>
+          <a:p>
+            <a:pPr algn="ctr"/>
+            <a:r>
+              <a:rPr lang="en-US" sz="1050" dirty="0" smtClean="0"/>
+              <a:t>HSHL – ITD 6. Semester </a:t>
+            </a:r>
+            <a:r>
+              <a:rPr lang="mr-IN" sz="1050" dirty="0" smtClean="0"/>
+              <a:t>–</a:t>
+            </a:r>
+            <a:r>
+              <a:rPr lang="en-US" sz="1050" dirty="0" smtClean="0"/>
+              <a:t> Christopher Beck, Daniel </a:t>
+            </a:r>
+            <a:r>
+              <a:rPr lang="en-US" sz="1050" dirty="0" err="1" smtClean="0"/>
+              <a:t>Münstermann</a:t>
+            </a:r>
+            <a:r>
+              <a:rPr lang="en-US" sz="1050" dirty="0" smtClean="0"/>
+              <a:t>, Alexander Wilms</a:t>
+            </a:r>
+            <a:endParaRPr lang="en-US" sz="1050" dirty="0"/>
+          </a:p>
+        </p:txBody>
+      </p:sp>
+      <p:sp>
+        <p:nvSpPr>
+          <p:cNvPr id="7" name="Titel 1"/>
+          <p:cNvSpPr txBox="1">
+            <a:spLocks/>
+          </p:cNvSpPr>
+          <p:nvPr/>
+        </p:nvSpPr>
+        <p:spPr>
+          <a:xfrm>
+            <a:off x="648001" y="768252"/>
+            <a:ext cx="7520410" cy="941715"/>
+          </a:xfrm>
+          <a:prstGeom prst="rect">
+            <a:avLst/>
+          </a:prstGeom>
+        </p:spPr>
+        <p:txBody>
+          <a:bodyPr vert="horz" lIns="91440" tIns="45720" rIns="91440" bIns="45720" rtlCol="0" anchor="ctr">
+            <a:normAutofit/>
+          </a:bodyPr>
+          <a:lstStyle>
+            <a:lvl1pPr algn="l" defTabSz="457200" rtl="0" eaLnBrk="1" latinLnBrk="0" hangingPunct="1">
+              <a:spcBef>
+                <a:spcPct val="0"/>
+              </a:spcBef>
+              <a:buNone/>
+              <a:defRPr sz="4000" b="1" i="0" kern="1200">
+                <a:solidFill>
+                  <a:schemeClr val="tx1"/>
+                </a:solidFill>
+                <a:latin typeface="Source Sans Pro"/>
+                <a:ea typeface="+mj-ea"/>
+                <a:cs typeface="Source Sans Pro"/>
+              </a:defRPr>
+            </a:lvl1pPr>
+          </a:lstStyle>
+          <a:p>
+            <a:r>
+              <a:rPr lang="de-DE" sz="2400" dirty="0" smtClean="0"/>
+              <a:t>HC-SR04 Array</a:t>
+            </a:r>
+            <a:endParaRPr lang="de-DE" sz="2400" dirty="0"/>
+          </a:p>
+        </p:txBody>
+      </p:sp>
+      <p:pic>
+        <p:nvPicPr>
+          <p:cNvPr id="8" name="Picture 7"/>
+          <p:cNvPicPr>
+            <a:picLocks noChangeAspect="1"/>
+          </p:cNvPicPr>
+          <p:nvPr/>
+        </p:nvPicPr>
+        <p:blipFill>
+          <a:blip r:embed="rId3">
+            <a:extLst>
+              <a:ext uri="{28A0092B-C50C-407E-A947-70E740481C1C}">
+                <a14:useLocalDpi xmlns:a14="http://schemas.microsoft.com/office/drawing/2010/main" val="0"/>
+              </a:ext>
+            </a:extLst>
+          </a:blip>
+          <a:stretch>
+            <a:fillRect/>
+          </a:stretch>
+        </p:blipFill>
+        <p:spPr>
+          <a:xfrm>
+            <a:off x="4495638" y="1080615"/>
+            <a:ext cx="3827794" cy="2272186"/>
+          </a:xfrm>
+          <a:prstGeom prst="rect">
+            <a:avLst/>
+          </a:prstGeom>
+        </p:spPr>
+      </p:pic>
+    </p:spTree>
+    <p:extLst>
+      <p:ext uri="{BB962C8B-B14F-4D97-AF65-F5344CB8AC3E}">
+        <p14:creationId xmlns:p14="http://schemas.microsoft.com/office/powerpoint/2010/main" val="4109389379"/>
       </p:ext>
     </p:extLst>
   </p:cSld>
@@ -15484,7 +16848,7 @@
         </p:blipFill>
         <p:spPr>
           <a:xfrm>
-            <a:off x="3291840" y="1709967"/>
+            <a:off x="3717853" y="1506720"/>
             <a:ext cx="2048256" cy="4267200"/>
           </a:xfrm>
           <a:prstGeom prst="rect">
